--- a/trunk/doc/Ocultar datos en archivos de sonido.pptx
+++ b/trunk/doc/Ocultar datos en archivos de sonido.pptx
@@ -11,21 +11,31 @@
     <p:sldId id="259" r:id="rId5"/>
     <p:sldId id="260" r:id="rId6"/>
     <p:sldId id="261" r:id="rId7"/>
-    <p:sldId id="263" r:id="rId8"/>
-    <p:sldId id="264" r:id="rId9"/>
-    <p:sldId id="262" r:id="rId10"/>
-    <p:sldId id="265" r:id="rId11"/>
-    <p:sldId id="266" r:id="rId12"/>
-    <p:sldId id="275" r:id="rId13"/>
-    <p:sldId id="276" r:id="rId14"/>
-    <p:sldId id="277" r:id="rId15"/>
-    <p:sldId id="278" r:id="rId16"/>
-    <p:sldId id="267" r:id="rId17"/>
-    <p:sldId id="268" r:id="rId18"/>
-    <p:sldId id="269" r:id="rId19"/>
-    <p:sldId id="270" r:id="rId20"/>
-    <p:sldId id="271" r:id="rId21"/>
-    <p:sldId id="272" r:id="rId22"/>
+    <p:sldId id="279" r:id="rId8"/>
+    <p:sldId id="263" r:id="rId9"/>
+    <p:sldId id="264" r:id="rId10"/>
+    <p:sldId id="280" r:id="rId11"/>
+    <p:sldId id="265" r:id="rId12"/>
+    <p:sldId id="266" r:id="rId13"/>
+    <p:sldId id="281" r:id="rId14"/>
+    <p:sldId id="275" r:id="rId15"/>
+    <p:sldId id="282" r:id="rId16"/>
+    <p:sldId id="276" r:id="rId17"/>
+    <p:sldId id="283" r:id="rId18"/>
+    <p:sldId id="277" r:id="rId19"/>
+    <p:sldId id="278" r:id="rId20"/>
+    <p:sldId id="284" r:id="rId21"/>
+    <p:sldId id="267" r:id="rId22"/>
+    <p:sldId id="285" r:id="rId23"/>
+    <p:sldId id="268" r:id="rId24"/>
+    <p:sldId id="286" r:id="rId25"/>
+    <p:sldId id="269" r:id="rId26"/>
+    <p:sldId id="287" r:id="rId27"/>
+    <p:sldId id="270" r:id="rId28"/>
+    <p:sldId id="288" r:id="rId29"/>
+    <p:sldId id="271" r:id="rId30"/>
+    <p:sldId id="289" r:id="rId31"/>
+    <p:sldId id="272" r:id="rId32"/>
   </p:sldIdLst>
   <p:sldSz cx="9144000" cy="6858000" type="screen4x3"/>
   <p:notesSz cx="6858000" cy="9144000"/>
@@ -300,7 +310,8 @@
           <a:p>
             <a:fld id="{393EE8DB-8270-4DF4-BD44-EDA9C8D0E857}" type="datetimeFigureOut">
               <a:rPr lang="es-ES" smtClean="0"/>
-              <a:t>10/05/2011</a:t>
+              <a:pPr/>
+              <a:t>16/05/2011</a:t>
             </a:fld>
             <a:endParaRPr lang="es-ES"/>
           </a:p>
@@ -342,6 +353,7 @@
           <a:p>
             <a:fld id="{819AC4B1-F2DC-4651-9A4E-05405F7130BD}" type="slidenum">
               <a:rPr lang="es-ES" smtClean="0"/>
+              <a:pPr/>
               <a:t>‹Nº›</a:t>
             </a:fld>
             <a:endParaRPr lang="es-ES"/>
@@ -465,7 +477,8 @@
           <a:p>
             <a:fld id="{393EE8DB-8270-4DF4-BD44-EDA9C8D0E857}" type="datetimeFigureOut">
               <a:rPr lang="es-ES" smtClean="0"/>
-              <a:t>10/05/2011</a:t>
+              <a:pPr/>
+              <a:t>16/05/2011</a:t>
             </a:fld>
             <a:endParaRPr lang="es-ES"/>
           </a:p>
@@ -507,6 +520,7 @@
           <a:p>
             <a:fld id="{819AC4B1-F2DC-4651-9A4E-05405F7130BD}" type="slidenum">
               <a:rPr lang="es-ES" smtClean="0"/>
+              <a:pPr/>
               <a:t>‹Nº›</a:t>
             </a:fld>
             <a:endParaRPr lang="es-ES"/>
@@ -640,7 +654,8 @@
           <a:p>
             <a:fld id="{393EE8DB-8270-4DF4-BD44-EDA9C8D0E857}" type="datetimeFigureOut">
               <a:rPr lang="es-ES" smtClean="0"/>
-              <a:t>10/05/2011</a:t>
+              <a:pPr/>
+              <a:t>16/05/2011</a:t>
             </a:fld>
             <a:endParaRPr lang="es-ES"/>
           </a:p>
@@ -682,6 +697,7 @@
           <a:p>
             <a:fld id="{819AC4B1-F2DC-4651-9A4E-05405F7130BD}" type="slidenum">
               <a:rPr lang="es-ES" smtClean="0"/>
+              <a:pPr/>
               <a:t>‹Nº›</a:t>
             </a:fld>
             <a:endParaRPr lang="es-ES"/>
@@ -805,7 +821,8 @@
           <a:p>
             <a:fld id="{393EE8DB-8270-4DF4-BD44-EDA9C8D0E857}" type="datetimeFigureOut">
               <a:rPr lang="es-ES" smtClean="0"/>
-              <a:t>10/05/2011</a:t>
+              <a:pPr/>
+              <a:t>16/05/2011</a:t>
             </a:fld>
             <a:endParaRPr lang="es-ES"/>
           </a:p>
@@ -847,6 +864,7 @@
           <a:p>
             <a:fld id="{819AC4B1-F2DC-4651-9A4E-05405F7130BD}" type="slidenum">
               <a:rPr lang="es-ES" smtClean="0"/>
+              <a:pPr/>
               <a:t>‹Nº›</a:t>
             </a:fld>
             <a:endParaRPr lang="es-ES"/>
@@ -1047,7 +1065,8 @@
           <a:p>
             <a:fld id="{393EE8DB-8270-4DF4-BD44-EDA9C8D0E857}" type="datetimeFigureOut">
               <a:rPr lang="es-ES" smtClean="0"/>
-              <a:t>10/05/2011</a:t>
+              <a:pPr/>
+              <a:t>16/05/2011</a:t>
             </a:fld>
             <a:endParaRPr lang="es-ES"/>
           </a:p>
@@ -1089,6 +1108,7 @@
           <a:p>
             <a:fld id="{819AC4B1-F2DC-4651-9A4E-05405F7130BD}" type="slidenum">
               <a:rPr lang="es-ES" smtClean="0"/>
+              <a:pPr/>
               <a:t>‹Nº›</a:t>
             </a:fld>
             <a:endParaRPr lang="es-ES"/>
@@ -1311,7 +1331,8 @@
           <a:p>
             <a:fld id="{393EE8DB-8270-4DF4-BD44-EDA9C8D0E857}" type="datetimeFigureOut">
               <a:rPr lang="es-ES" smtClean="0"/>
-              <a:t>10/05/2011</a:t>
+              <a:pPr/>
+              <a:t>16/05/2011</a:t>
             </a:fld>
             <a:endParaRPr lang="es-ES"/>
           </a:p>
@@ -1353,6 +1374,7 @@
           <a:p>
             <a:fld id="{819AC4B1-F2DC-4651-9A4E-05405F7130BD}" type="slidenum">
               <a:rPr lang="es-ES" smtClean="0"/>
+              <a:pPr/>
               <a:t>‹Nº›</a:t>
             </a:fld>
             <a:endParaRPr lang="es-ES"/>
@@ -1689,7 +1711,8 @@
           <a:p>
             <a:fld id="{393EE8DB-8270-4DF4-BD44-EDA9C8D0E857}" type="datetimeFigureOut">
               <a:rPr lang="es-ES" smtClean="0"/>
-              <a:t>10/05/2011</a:t>
+              <a:pPr/>
+              <a:t>16/05/2011</a:t>
             </a:fld>
             <a:endParaRPr lang="es-ES"/>
           </a:p>
@@ -1731,6 +1754,7 @@
           <a:p>
             <a:fld id="{819AC4B1-F2DC-4651-9A4E-05405F7130BD}" type="slidenum">
               <a:rPr lang="es-ES" smtClean="0"/>
+              <a:pPr/>
               <a:t>‹Nº›</a:t>
             </a:fld>
             <a:endParaRPr lang="es-ES"/>
@@ -1839,7 +1863,8 @@
           <a:p>
             <a:fld id="{393EE8DB-8270-4DF4-BD44-EDA9C8D0E857}" type="datetimeFigureOut">
               <a:rPr lang="es-ES" smtClean="0"/>
-              <a:t>10/05/2011</a:t>
+              <a:pPr/>
+              <a:t>16/05/2011</a:t>
             </a:fld>
             <a:endParaRPr lang="es-ES"/>
           </a:p>
@@ -1881,6 +1906,7 @@
           <a:p>
             <a:fld id="{819AC4B1-F2DC-4651-9A4E-05405F7130BD}" type="slidenum">
               <a:rPr lang="es-ES" smtClean="0"/>
+              <a:pPr/>
               <a:t>‹Nº›</a:t>
             </a:fld>
             <a:endParaRPr lang="es-ES"/>
@@ -1929,7 +1955,8 @@
           <a:p>
             <a:fld id="{393EE8DB-8270-4DF4-BD44-EDA9C8D0E857}" type="datetimeFigureOut">
               <a:rPr lang="es-ES" smtClean="0"/>
-              <a:t>10/05/2011</a:t>
+              <a:pPr/>
+              <a:t>16/05/2011</a:t>
             </a:fld>
             <a:endParaRPr lang="es-ES"/>
           </a:p>
@@ -1971,6 +1998,7 @@
           <a:p>
             <a:fld id="{819AC4B1-F2DC-4651-9A4E-05405F7130BD}" type="slidenum">
               <a:rPr lang="es-ES" smtClean="0"/>
+              <a:pPr/>
               <a:t>‹Nº›</a:t>
             </a:fld>
             <a:endParaRPr lang="es-ES"/>
@@ -2190,7 +2218,8 @@
           <a:p>
             <a:fld id="{393EE8DB-8270-4DF4-BD44-EDA9C8D0E857}" type="datetimeFigureOut">
               <a:rPr lang="es-ES" smtClean="0"/>
-              <a:t>10/05/2011</a:t>
+              <a:pPr/>
+              <a:t>16/05/2011</a:t>
             </a:fld>
             <a:endParaRPr lang="es-ES"/>
           </a:p>
@@ -2232,6 +2261,7 @@
           <a:p>
             <a:fld id="{819AC4B1-F2DC-4651-9A4E-05405F7130BD}" type="slidenum">
               <a:rPr lang="es-ES" smtClean="0"/>
+              <a:pPr/>
               <a:t>‹Nº›</a:t>
             </a:fld>
             <a:endParaRPr lang="es-ES"/>
@@ -2478,7 +2508,8 @@
           <a:p>
             <a:fld id="{393EE8DB-8270-4DF4-BD44-EDA9C8D0E857}" type="datetimeFigureOut">
               <a:rPr lang="es-ES" smtClean="0"/>
-              <a:t>10/05/2011</a:t>
+              <a:pPr/>
+              <a:t>16/05/2011</a:t>
             </a:fld>
             <a:endParaRPr lang="es-ES"/>
           </a:p>
@@ -2525,6 +2556,7 @@
           <a:p>
             <a:fld id="{819AC4B1-F2DC-4651-9A4E-05405F7130BD}" type="slidenum">
               <a:rPr lang="es-ES" smtClean="0"/>
+              <a:pPr/>
               <a:t>‹Nº›</a:t>
             </a:fld>
             <a:endParaRPr lang="es-ES"/>
@@ -3249,7 +3281,8 @@
           <a:p>
             <a:fld id="{393EE8DB-8270-4DF4-BD44-EDA9C8D0E857}" type="datetimeFigureOut">
               <a:rPr lang="es-ES" smtClean="0"/>
-              <a:t>10/05/2011</a:t>
+              <a:pPr/>
+              <a:t>16/05/2011</a:t>
             </a:fld>
             <a:endParaRPr lang="es-ES"/>
           </a:p>
@@ -3327,6 +3360,7 @@
           <a:p>
             <a:fld id="{819AC4B1-F2DC-4651-9A4E-05405F7130BD}" type="slidenum">
               <a:rPr lang="es-ES" smtClean="0"/>
+              <a:pPr/>
               <a:t>‹Nº›</a:t>
             </a:fld>
             <a:endParaRPr lang="es-ES"/>
@@ -3979,59 +4013,159 @@
           <a:p>
             <a:r>
               <a:rPr lang="es-ES" dirty="0" smtClean="0"/>
+              <a:t>Índice</a:t>
+            </a:r>
+            <a:endParaRPr lang="es-ES" dirty="0"/>
+          </a:p>
+        </p:txBody>
+      </p:sp>
+      <p:sp>
+        <p:nvSpPr>
+          <p:cNvPr id="3" name="2 Marcador de contenido"/>
+          <p:cNvSpPr>
+            <a:spLocks noGrp="1"/>
+          </p:cNvSpPr>
+          <p:nvPr>
+            <p:ph idx="1"/>
+          </p:nvPr>
+        </p:nvSpPr>
+        <p:spPr/>
+        <p:txBody>
+          <a:bodyPr/>
+          <a:lstStyle/>
+          <a:p>
+            <a:r>
+              <a:rPr lang="es-ES" dirty="0" smtClean="0"/>
+              <a:t>Introducción</a:t>
+            </a:r>
+          </a:p>
+          <a:p>
+            <a:pPr lvl="1"/>
+            <a:r>
+              <a:rPr lang="es-ES" dirty="0" err="1" smtClean="0"/>
+              <a:t>Esteganografía</a:t>
+            </a:r>
+            <a:endParaRPr lang="es-ES" dirty="0" smtClean="0"/>
+          </a:p>
+          <a:p>
+            <a:pPr lvl="1"/>
+            <a:r>
+              <a:rPr lang="es-ES" dirty="0" smtClean="0"/>
+              <a:t>Audio digital</a:t>
+            </a:r>
+          </a:p>
+          <a:p>
+            <a:pPr lvl="1">
+              <a:buFont typeface="Wingdings 2" pitchFamily="18" charset="2"/>
+              <a:buChar char=""/>
+            </a:pPr>
+            <a:r>
+              <a:rPr lang="es-ES" dirty="0" smtClean="0"/>
               <a:t>Formato WAV</a:t>
             </a:r>
-            <a:endParaRPr lang="es-ES" dirty="0"/>
-          </a:p>
-        </p:txBody>
-      </p:sp>
-      <p:sp>
-        <p:nvSpPr>
-          <p:cNvPr id="3" name="2 Marcador de contenido"/>
-          <p:cNvSpPr>
-            <a:spLocks noGrp="1"/>
-          </p:cNvSpPr>
-          <p:nvPr>
-            <p:ph idx="1"/>
-          </p:nvPr>
-        </p:nvSpPr>
-        <p:spPr>
-          <a:xfrm>
-            <a:off x="467544" y="2708920"/>
-            <a:ext cx="8229600" cy="3240360"/>
-          </a:xfrm>
-        </p:spPr>
-        <p:txBody>
-          <a:bodyPr/>
-          <a:lstStyle/>
-          <a:p>
-            <a:pPr algn="just"/>
-            <a:r>
-              <a:rPr lang="es-ES" dirty="0" smtClean="0"/>
-              <a:t>Utilizado para almacenar sonidos en PC.</a:t>
-            </a:r>
-          </a:p>
-          <a:p>
-            <a:pPr algn="just"/>
-            <a:r>
-              <a:rPr lang="es-ES" dirty="0" smtClean="0"/>
-              <a:t>Muy común.</a:t>
-            </a:r>
-          </a:p>
-          <a:p>
-            <a:pPr algn="just"/>
-            <a:r>
-              <a:rPr lang="es-ES" dirty="0" smtClean="0"/>
-              <a:t>Sin compresión.</a:t>
-            </a:r>
-          </a:p>
-          <a:p>
-            <a:pPr algn="just"/>
-            <a:r>
-              <a:rPr lang="es-ES" dirty="0" smtClean="0"/>
-              <a:t>Cuenta con una cabecera de 44 bytes, y una región de datos de tamaño variable (según la longitud del fragmento de audio).</a:t>
-            </a:r>
-            <a:endParaRPr lang="es-ES" dirty="0"/>
+            <a:endParaRPr lang="es-ES" dirty="0" smtClean="0"/>
+          </a:p>
+          <a:p>
+            <a:pPr>
+              <a:buNone/>
+            </a:pPr>
+            <a:r>
+              <a:rPr lang="es-ES" dirty="0" smtClean="0">
+                <a:solidFill>
+                  <a:schemeClr val="bg1">
+                    <a:lumMod val="85000"/>
+                  </a:schemeClr>
+                </a:solidFill>
+              </a:rPr>
+              <a:t>	</a:t>
+            </a:r>
+            <a:r>
+              <a:rPr lang="es-ES" dirty="0" err="1" smtClean="0">
+                <a:solidFill>
+                  <a:schemeClr val="bg1">
+                    <a:lumMod val="85000"/>
+                  </a:schemeClr>
+                </a:solidFill>
+              </a:rPr>
+              <a:t>Esteganografía</a:t>
+            </a:r>
+            <a:r>
+              <a:rPr lang="es-ES" dirty="0" smtClean="0">
+                <a:solidFill>
+                  <a:schemeClr val="bg1">
+                    <a:lumMod val="85000"/>
+                  </a:schemeClr>
+                </a:solidFill>
+              </a:rPr>
+              <a:t> de audio</a:t>
+            </a:r>
+          </a:p>
+          <a:p>
+            <a:pPr lvl="1">
+              <a:buNone/>
+            </a:pPr>
+            <a:r>
+              <a:rPr lang="es-ES" dirty="0" smtClean="0">
+                <a:solidFill>
+                  <a:schemeClr val="bg1">
+                    <a:lumMod val="85000"/>
+                  </a:schemeClr>
+                </a:solidFill>
+              </a:rPr>
+              <a:t>	Motivación</a:t>
+            </a:r>
+          </a:p>
+          <a:p>
+            <a:pPr lvl="1">
+              <a:buNone/>
+            </a:pPr>
+            <a:r>
+              <a:rPr lang="es-ES" dirty="0" smtClean="0">
+                <a:solidFill>
+                  <a:schemeClr val="bg1">
+                    <a:lumMod val="85000"/>
+                  </a:schemeClr>
+                </a:solidFill>
+              </a:rPr>
+              <a:t>	Problemas</a:t>
+            </a:r>
+          </a:p>
+          <a:p>
+            <a:pPr lvl="1">
+              <a:buNone/>
+            </a:pPr>
+            <a:r>
+              <a:rPr lang="es-ES" dirty="0" smtClean="0">
+                <a:solidFill>
+                  <a:schemeClr val="bg1">
+                    <a:lumMod val="85000"/>
+                  </a:schemeClr>
+                </a:solidFill>
+              </a:rPr>
+              <a:t>	Objetivos</a:t>
+            </a:r>
+          </a:p>
+          <a:p>
+            <a:pPr lvl="1">
+              <a:buNone/>
+            </a:pPr>
+            <a:r>
+              <a:rPr lang="es-ES" dirty="0" smtClean="0">
+                <a:solidFill>
+                  <a:schemeClr val="bg1">
+                    <a:lumMod val="85000"/>
+                  </a:schemeClr>
+                </a:solidFill>
+              </a:rPr>
+              <a:t>	Métodos</a:t>
+            </a:r>
+            <a:endParaRPr lang="es-ES" dirty="0" smtClean="0">
+              <a:solidFill>
+                <a:schemeClr val="bg1">
+                  <a:lumMod val="85000"/>
+                </a:schemeClr>
+              </a:solidFill>
+            </a:endParaRPr>
           </a:p>
         </p:txBody>
       </p:sp>
@@ -4040,6 +4174,13 @@
   <p:clrMapOvr>
     <a:masterClrMapping/>
   </p:clrMapOvr>
+  <p:timing>
+    <p:tnLst>
+      <p:par>
+        <p:cTn id="1" dur="indefinite" restart="never" nodeType="tmRoot"/>
+      </p:par>
+    </p:tnLst>
+  </p:timing>
 </p:sld>
 </file>
 
@@ -4083,34 +4224,68 @@
           </a:p>
         </p:txBody>
       </p:sp>
-      <p:pic>
-        <p:nvPicPr>
-          <p:cNvPr id="4" name="3 Marcador de contenido" descr="wav-sound-format.gif"/>
-          <p:cNvPicPr>
-            <a:picLocks noGrp="1" noChangeAspect="1"/>
-          </p:cNvPicPr>
+      <p:sp>
+        <p:nvSpPr>
+          <p:cNvPr id="3" name="2 Marcador de contenido"/>
+          <p:cNvSpPr>
+            <a:spLocks noGrp="1"/>
+          </p:cNvSpPr>
           <p:nvPr>
             <p:ph idx="1"/>
           </p:nvPr>
-        </p:nvPicPr>
-        <p:blipFill>
-          <a:blip r:embed="rId2" cstate="print"/>
-          <a:stretch>
-            <a:fillRect/>
-          </a:stretch>
-        </p:blipFill>
+        </p:nvSpPr>
         <p:spPr>
           <a:xfrm>
-            <a:off x="2195736" y="2132856"/>
-            <a:ext cx="4737805" cy="4389437"/>
+            <a:off x="467544" y="2708920"/>
+            <a:ext cx="8229600" cy="3240360"/>
           </a:xfrm>
         </p:spPr>
-      </p:pic>
+        <p:txBody>
+          <a:bodyPr/>
+          <a:lstStyle/>
+          <a:p>
+            <a:pPr algn="just"/>
+            <a:r>
+              <a:rPr lang="es-ES" dirty="0" smtClean="0"/>
+              <a:t>Utilizado para almacenar sonidos en PC.</a:t>
+            </a:r>
+          </a:p>
+          <a:p>
+            <a:pPr algn="just"/>
+            <a:r>
+              <a:rPr lang="es-ES" dirty="0" smtClean="0"/>
+              <a:t>Muy común.</a:t>
+            </a:r>
+          </a:p>
+          <a:p>
+            <a:pPr algn="just"/>
+            <a:r>
+              <a:rPr lang="es-ES" dirty="0" smtClean="0"/>
+              <a:t>Sin compresión.</a:t>
+            </a:r>
+          </a:p>
+          <a:p>
+            <a:pPr algn="just"/>
+            <a:r>
+              <a:rPr lang="es-ES" dirty="0" smtClean="0"/>
+              <a:t>Cuenta con una cabecera de 44 bytes, y una región de datos de tamaño variable (según la longitud del fragmento de audio).</a:t>
+            </a:r>
+            <a:endParaRPr lang="es-ES" dirty="0"/>
+          </a:p>
+        </p:txBody>
+      </p:sp>
     </p:spTree>
   </p:cSld>
   <p:clrMapOvr>
     <a:masterClrMapping/>
   </p:clrMapOvr>
+  <p:timing>
+    <p:tnLst>
+      <p:par>
+        <p:cTn id="1" dur="indefinite" restart="never" nodeType="tmRoot"/>
+      </p:par>
+    </p:tnLst>
+  </p:timing>
 </p:sld>
 </file>
 
@@ -4143,87 +4318,52 @@
         </p:nvSpPr>
         <p:spPr/>
         <p:txBody>
-          <a:bodyPr>
-            <a:normAutofit fontScale="90000"/>
-          </a:bodyPr>
-          <a:lstStyle/>
-          <a:p>
-            <a:r>
-              <a:rPr lang="es-ES" dirty="0" err="1" smtClean="0"/>
-              <a:t>Esteganografía</a:t>
-            </a:r>
-            <a:r>
-              <a:rPr lang="es-ES" dirty="0" smtClean="0"/>
-              <a:t> de audio: motivación</a:t>
+          <a:bodyPr/>
+          <a:lstStyle/>
+          <a:p>
+            <a:r>
+              <a:rPr lang="es-ES" dirty="0" smtClean="0"/>
+              <a:t>Formato WAV</a:t>
             </a:r>
             <a:endParaRPr lang="es-ES" dirty="0"/>
           </a:p>
         </p:txBody>
       </p:sp>
-      <p:sp>
-        <p:nvSpPr>
-          <p:cNvPr id="3" name="2 Marcador de contenido"/>
-          <p:cNvSpPr>
-            <a:spLocks noGrp="1"/>
-          </p:cNvSpPr>
+      <p:pic>
+        <p:nvPicPr>
+          <p:cNvPr id="4" name="3 Marcador de contenido" descr="wav-sound-format.gif"/>
+          <p:cNvPicPr>
+            <a:picLocks noGrp="1" noChangeAspect="1"/>
+          </p:cNvPicPr>
           <p:nvPr>
             <p:ph idx="1"/>
           </p:nvPr>
-        </p:nvSpPr>
-        <p:spPr/>
-        <p:txBody>
-          <a:bodyPr/>
-          <a:lstStyle/>
-          <a:p>
-            <a:r>
-              <a:rPr lang="es-ES" dirty="0" smtClean="0"/>
-              <a:t>Privacidad.</a:t>
-            </a:r>
-          </a:p>
-          <a:p>
-            <a:r>
-              <a:rPr lang="es-ES" dirty="0" smtClean="0"/>
-              <a:t>Protección de propiedad intelectual.</a:t>
-            </a:r>
-          </a:p>
-          <a:p>
-            <a:pPr lvl="1"/>
-            <a:r>
-              <a:rPr lang="es-ES" dirty="0" smtClean="0"/>
-              <a:t>Todo el mundo puede copiar y distribuir archivos.</a:t>
-            </a:r>
-          </a:p>
-          <a:p>
-            <a:pPr lvl="1"/>
-            <a:r>
-              <a:rPr lang="es-ES" dirty="0" smtClean="0"/>
-              <a:t>Este proceso no empeora la calidad del archivo.</a:t>
-            </a:r>
-          </a:p>
-          <a:p>
-            <a:pPr lvl="1"/>
-            <a:r>
-              <a:rPr lang="es-ES" dirty="0" smtClean="0"/>
-              <a:t>Esto puede causar grandes pérdidas de dinero para los autores.</a:t>
-            </a:r>
-          </a:p>
-          <a:p>
-            <a:pPr lvl="1"/>
-            <a:r>
-              <a:rPr lang="es-ES" dirty="0" smtClean="0"/>
-              <a:t>Los sistemas de protección no pueden basarse en información de la cabecera, ya que es sencillo sustituir la cabecera por otra.</a:t>
-            </a:r>
-          </a:p>
-          <a:p>
-            <a:endParaRPr lang="es-ES" dirty="0"/>
-          </a:p>
-        </p:txBody>
-      </p:sp>
+        </p:nvPicPr>
+        <p:blipFill>
+          <a:blip r:embed="rId2" cstate="print"/>
+          <a:stretch>
+            <a:fillRect/>
+          </a:stretch>
+        </p:blipFill>
+        <p:spPr>
+          <a:xfrm>
+            <a:off x="2195736" y="2132856"/>
+            <a:ext cx="4737805" cy="4389437"/>
+          </a:xfrm>
+        </p:spPr>
+      </p:pic>
     </p:spTree>
   </p:cSld>
   <p:clrMapOvr>
     <a:masterClrMapping/>
   </p:clrMapOvr>
+  <p:timing>
+    <p:tnLst>
+      <p:par>
+        <p:cTn id="1" dur="indefinite" restart="never" nodeType="tmRoot"/>
+      </p:par>
+    </p:tnLst>
+  </p:timing>
 </p:sld>
 </file>
 
@@ -4256,54 +4396,138 @@
         </p:nvSpPr>
         <p:spPr/>
         <p:txBody>
-          <a:bodyPr>
-            <a:normAutofit fontScale="90000"/>
-          </a:bodyPr>
-          <a:lstStyle/>
-          <a:p>
+          <a:bodyPr/>
+          <a:lstStyle/>
+          <a:p>
+            <a:r>
+              <a:rPr lang="es-ES" dirty="0" smtClean="0"/>
+              <a:t>Índice</a:t>
+            </a:r>
+            <a:endParaRPr lang="es-ES" dirty="0"/>
+          </a:p>
+        </p:txBody>
+      </p:sp>
+      <p:sp>
+        <p:nvSpPr>
+          <p:cNvPr id="3" name="2 Marcador de contenido"/>
+          <p:cNvSpPr>
+            <a:spLocks noGrp="1"/>
+          </p:cNvSpPr>
+          <p:nvPr>
+            <p:ph idx="1"/>
+          </p:nvPr>
+        </p:nvSpPr>
+        <p:spPr/>
+        <p:txBody>
+          <a:bodyPr/>
+          <a:lstStyle/>
+          <a:p>
+            <a:r>
+              <a:rPr lang="es-ES" dirty="0" smtClean="0"/>
+              <a:t>Introducción</a:t>
+            </a:r>
+          </a:p>
+          <a:p>
+            <a:pPr lvl="1"/>
             <a:r>
               <a:rPr lang="es-ES" dirty="0" err="1" smtClean="0"/>
               <a:t>Esteganografía</a:t>
             </a:r>
-            <a:r>
-              <a:rPr lang="es-ES" dirty="0" smtClean="0"/>
-              <a:t> de audio: problemas</a:t>
-            </a:r>
-            <a:endParaRPr lang="es-ES" dirty="0"/>
-          </a:p>
-        </p:txBody>
-      </p:sp>
-      <p:sp>
-        <p:nvSpPr>
-          <p:cNvPr id="3" name="2 Marcador de contenido"/>
-          <p:cNvSpPr>
-            <a:spLocks noGrp="1"/>
-          </p:cNvSpPr>
-          <p:nvPr>
-            <p:ph idx="1"/>
-          </p:nvPr>
-        </p:nvSpPr>
-        <p:spPr>
-          <a:xfrm>
-            <a:off x="457200" y="2636912"/>
-            <a:ext cx="8229600" cy="3687688"/>
-          </a:xfrm>
-        </p:spPr>
-        <p:txBody>
-          <a:bodyPr/>
-          <a:lstStyle/>
-          <a:p>
-            <a:r>
-              <a:rPr lang="es-ES" dirty="0" smtClean="0"/>
-              <a:t>Es más difícil que en imágenes, ya que el sistema auditivo humano es más sensible que el sistema visual.</a:t>
-            </a:r>
-          </a:p>
-          <a:p>
-            <a:r>
-              <a:rPr lang="es-ES" dirty="0" smtClean="0"/>
-              <a:t>Por consiguiente, la cantidad de información que puede introducirse de manera transparente es menor.</a:t>
-            </a:r>
-            <a:endParaRPr lang="es-ES" dirty="0"/>
+            <a:endParaRPr lang="es-ES" dirty="0" smtClean="0"/>
+          </a:p>
+          <a:p>
+            <a:pPr lvl="1"/>
+            <a:r>
+              <a:rPr lang="es-ES" dirty="0" smtClean="0"/>
+              <a:t>Audio digital</a:t>
+            </a:r>
+          </a:p>
+          <a:p>
+            <a:pPr lvl="1">
+              <a:buFont typeface="Wingdings 2" pitchFamily="18" charset="2"/>
+              <a:buChar char=""/>
+            </a:pPr>
+            <a:r>
+              <a:rPr lang="es-ES" dirty="0" smtClean="0"/>
+              <a:t>Formato WAV</a:t>
+            </a:r>
+            <a:endParaRPr lang="es-ES" dirty="0" smtClean="0"/>
+          </a:p>
+          <a:p>
+            <a:pPr>
+              <a:buFont typeface="Wingdings 2" pitchFamily="18" charset="2"/>
+              <a:buChar char=""/>
+            </a:pPr>
+            <a:r>
+              <a:rPr lang="es-ES" dirty="0" err="1" smtClean="0"/>
+              <a:t>Esteganografía</a:t>
+            </a:r>
+            <a:r>
+              <a:rPr lang="es-ES" dirty="0" smtClean="0"/>
+              <a:t> de audio</a:t>
+            </a:r>
+          </a:p>
+          <a:p>
+            <a:pPr lvl="1">
+              <a:buFont typeface="Wingdings 2" pitchFamily="18" charset="2"/>
+              <a:buChar char=""/>
+            </a:pPr>
+            <a:r>
+              <a:rPr lang="es-ES" dirty="0" smtClean="0"/>
+              <a:t>Motivación</a:t>
+            </a:r>
+          </a:p>
+          <a:p>
+            <a:pPr lvl="1">
+              <a:buNone/>
+            </a:pPr>
+            <a:r>
+              <a:rPr lang="es-ES" dirty="0" smtClean="0">
+                <a:solidFill>
+                  <a:schemeClr val="bg1">
+                    <a:lumMod val="85000"/>
+                  </a:schemeClr>
+                </a:solidFill>
+              </a:rPr>
+              <a:t>	Problemas</a:t>
+            </a:r>
+          </a:p>
+          <a:p>
+            <a:pPr lvl="1">
+              <a:buNone/>
+            </a:pPr>
+            <a:r>
+              <a:rPr lang="es-ES" dirty="0" smtClean="0">
+                <a:solidFill>
+                  <a:schemeClr val="bg1">
+                    <a:lumMod val="85000"/>
+                  </a:schemeClr>
+                </a:solidFill>
+              </a:rPr>
+              <a:t>	Objetivos</a:t>
+            </a:r>
+          </a:p>
+          <a:p>
+            <a:pPr lvl="1">
+              <a:buNone/>
+            </a:pPr>
+            <a:r>
+              <a:rPr lang="es-ES" dirty="0" smtClean="0">
+                <a:solidFill>
+                  <a:schemeClr val="bg1">
+                    <a:lumMod val="85000"/>
+                  </a:schemeClr>
+                </a:solidFill>
+              </a:rPr>
+              <a:t>	Métodos</a:t>
+            </a:r>
+            <a:endParaRPr lang="es-ES" dirty="0" smtClean="0">
+              <a:solidFill>
+                <a:schemeClr val="bg1">
+                  <a:lumMod val="85000"/>
+                </a:schemeClr>
+              </a:solidFill>
+            </a:endParaRPr>
           </a:p>
         </p:txBody>
       </p:sp>
@@ -4312,6 +4536,13 @@
   <p:clrMapOvr>
     <a:masterClrMapping/>
   </p:clrMapOvr>
+  <p:timing>
+    <p:tnLst>
+      <p:par>
+        <p:cTn id="1" dur="indefinite" restart="never" nodeType="tmRoot"/>
+      </p:par>
+    </p:tnLst>
+  </p:timing>
 </p:sld>
 </file>
 
@@ -4355,7 +4586,7 @@
             </a:r>
             <a:r>
               <a:rPr lang="es-ES" dirty="0" smtClean="0"/>
-              <a:t> de audio: objetivos</a:t>
+              <a:t> de audio: motivación</a:t>
             </a:r>
             <a:endParaRPr lang="es-ES" dirty="0"/>
           </a:p>
@@ -4371,40 +4602,64 @@
             <p:ph idx="1"/>
           </p:nvPr>
         </p:nvSpPr>
-        <p:spPr>
-          <a:xfrm>
-            <a:off x="395536" y="2132856"/>
-            <a:ext cx="8229600" cy="4389120"/>
-          </a:xfrm>
-        </p:spPr>
+        <p:spPr/>
         <p:txBody>
           <a:bodyPr/>
           <a:lstStyle/>
           <a:p>
             <a:r>
               <a:rPr lang="es-ES" dirty="0" smtClean="0"/>
-              <a:t>Transparencia: que no sea posible percibir que se ha incluido un mensaje.</a:t>
-            </a:r>
-          </a:p>
-          <a:p>
-            <a:r>
-              <a:rPr lang="es-ES" dirty="0" smtClean="0"/>
-              <a:t>Robustez: que el mensaje perdure a modificaciones (intencionadas o no intencionadas) del archivo de audio.</a:t>
-            </a:r>
-          </a:p>
-          <a:p>
-            <a:r>
-              <a:rPr lang="es-ES" dirty="0" smtClean="0"/>
-              <a:t>Alto volumen de datos (data </a:t>
-            </a:r>
-            <a:r>
-              <a:rPr lang="es-ES" dirty="0" err="1" smtClean="0"/>
-              <a:t>rate</a:t>
-            </a:r>
-            <a:r>
-              <a:rPr lang="es-ES" dirty="0" smtClean="0"/>
-              <a:t>): que se puedan incluir grandes mensajes ocultos en pequeños archivos de audio.</a:t>
-            </a:r>
+              <a:t>Privacidad.</a:t>
+            </a:r>
+          </a:p>
+          <a:p>
+            <a:r>
+              <a:rPr lang="es-ES" dirty="0" smtClean="0"/>
+              <a:t>Protección de propiedad intelectual.</a:t>
+            </a:r>
+          </a:p>
+          <a:p>
+            <a:pPr lvl="1"/>
+            <a:r>
+              <a:rPr lang="es-ES" dirty="0" smtClean="0"/>
+              <a:t>Todo el mundo puede copiar y distribuir archivos.</a:t>
+            </a:r>
+          </a:p>
+          <a:p>
+            <a:pPr lvl="1"/>
+            <a:r>
+              <a:rPr lang="es-ES" dirty="0" smtClean="0"/>
+              <a:t>No empeora </a:t>
+            </a:r>
+            <a:r>
+              <a:rPr lang="es-ES" dirty="0" smtClean="0"/>
+              <a:t>la calidad del archivo.</a:t>
+            </a:r>
+          </a:p>
+          <a:p>
+            <a:pPr lvl="1"/>
+            <a:r>
+              <a:rPr lang="es-ES" dirty="0" smtClean="0"/>
+              <a:t>Puede </a:t>
+            </a:r>
+            <a:r>
+              <a:rPr lang="es-ES" dirty="0" smtClean="0"/>
+              <a:t>causar grandes pérdidas de dinero para los autores.</a:t>
+            </a:r>
+          </a:p>
+          <a:p>
+            <a:pPr lvl="1"/>
+            <a:r>
+              <a:rPr lang="es-ES" dirty="0" smtClean="0"/>
+              <a:t>Los sistemas de protección no pueden basarse en información de la </a:t>
+            </a:r>
+            <a:r>
+              <a:rPr lang="es-ES" dirty="0" smtClean="0"/>
+              <a:t>cabecera debido a la facilidad de sustituir una cabecera por otra.</a:t>
+            </a:r>
+            <a:endParaRPr lang="es-ES" dirty="0" smtClean="0"/>
+          </a:p>
+          <a:p>
             <a:endParaRPr lang="es-ES" dirty="0"/>
           </a:p>
         </p:txBody>
@@ -4414,6 +4669,13 @@
   <p:clrMapOvr>
     <a:masterClrMapping/>
   </p:clrMapOvr>
+  <p:timing>
+    <p:tnLst>
+      <p:par>
+        <p:cTn id="1" dur="indefinite" restart="never" nodeType="tmRoot"/>
+      </p:par>
+    </p:tnLst>
+  </p:timing>
 </p:sld>
 </file>
 
@@ -4446,73 +4708,133 @@
         </p:nvSpPr>
         <p:spPr/>
         <p:txBody>
-          <a:bodyPr>
-            <a:normAutofit fontScale="90000"/>
-          </a:bodyPr>
-          <a:lstStyle/>
-          <a:p>
+          <a:bodyPr/>
+          <a:lstStyle/>
+          <a:p>
+            <a:r>
+              <a:rPr lang="es-ES" dirty="0" smtClean="0"/>
+              <a:t>Índice</a:t>
+            </a:r>
+            <a:endParaRPr lang="es-ES" dirty="0"/>
+          </a:p>
+        </p:txBody>
+      </p:sp>
+      <p:sp>
+        <p:nvSpPr>
+          <p:cNvPr id="3" name="2 Marcador de contenido"/>
+          <p:cNvSpPr>
+            <a:spLocks noGrp="1"/>
+          </p:cNvSpPr>
+          <p:nvPr>
+            <p:ph idx="1"/>
+          </p:nvPr>
+        </p:nvSpPr>
+        <p:spPr/>
+        <p:txBody>
+          <a:bodyPr/>
+          <a:lstStyle/>
+          <a:p>
+            <a:r>
+              <a:rPr lang="es-ES" dirty="0" smtClean="0"/>
+              <a:t>Introducción</a:t>
+            </a:r>
+          </a:p>
+          <a:p>
+            <a:pPr lvl="1"/>
             <a:r>
               <a:rPr lang="es-ES" dirty="0" err="1" smtClean="0"/>
               <a:t>Esteganografía</a:t>
             </a:r>
-            <a:r>
-              <a:rPr lang="es-ES" dirty="0" smtClean="0"/>
-              <a:t> de audio: objetivos</a:t>
-            </a:r>
-            <a:endParaRPr lang="es-ES" dirty="0"/>
-          </a:p>
-        </p:txBody>
-      </p:sp>
-      <p:pic>
-        <p:nvPicPr>
-          <p:cNvPr id="4" name="3 Marcador de contenido" descr="triangle.PNG"/>
-          <p:cNvPicPr>
-            <a:picLocks noGrp="1" noChangeAspect="1"/>
-          </p:cNvPicPr>
-          <p:nvPr>
-            <p:ph sz="half" idx="1"/>
-          </p:nvPr>
-        </p:nvPicPr>
-        <p:blipFill>
-          <a:blip r:embed="rId2" cstate="print"/>
-          <a:stretch>
-            <a:fillRect/>
-          </a:stretch>
-        </p:blipFill>
-        <p:spPr>
-          <a:xfrm>
-            <a:off x="2483768" y="3284984"/>
-            <a:ext cx="3963453" cy="3092177"/>
-          </a:xfrm>
-        </p:spPr>
-      </p:pic>
-      <p:sp>
-        <p:nvSpPr>
-          <p:cNvPr id="5" name="4 Marcador de contenido"/>
-          <p:cNvSpPr>
-            <a:spLocks noGrp="1"/>
-          </p:cNvSpPr>
-          <p:nvPr>
-            <p:ph sz="half" idx="2"/>
-          </p:nvPr>
-        </p:nvSpPr>
-        <p:spPr>
-          <a:xfrm>
-            <a:off x="323528" y="2564903"/>
-            <a:ext cx="8363272" cy="720081"/>
-          </a:xfrm>
-        </p:spPr>
-        <p:txBody>
-          <a:bodyPr>
-            <a:normAutofit/>
-          </a:bodyPr>
-          <a:lstStyle/>
-          <a:p>
-            <a:r>
-              <a:rPr lang="es-ES" sz="2800" dirty="0" smtClean="0"/>
-              <a:t>Son requisitos contradictorios</a:t>
-            </a:r>
-            <a:endParaRPr lang="es-ES" sz="2800" dirty="0"/>
+            <a:endParaRPr lang="es-ES" dirty="0" smtClean="0"/>
+          </a:p>
+          <a:p>
+            <a:pPr lvl="1"/>
+            <a:r>
+              <a:rPr lang="es-ES" dirty="0" smtClean="0"/>
+              <a:t>Audio digital</a:t>
+            </a:r>
+          </a:p>
+          <a:p>
+            <a:pPr lvl="1">
+              <a:buFont typeface="Wingdings 2" pitchFamily="18" charset="2"/>
+              <a:buChar char=""/>
+            </a:pPr>
+            <a:r>
+              <a:rPr lang="es-ES" dirty="0" smtClean="0"/>
+              <a:t>Formato WAV</a:t>
+            </a:r>
+            <a:endParaRPr lang="es-ES" dirty="0" smtClean="0"/>
+          </a:p>
+          <a:p>
+            <a:pPr>
+              <a:buFont typeface="Wingdings 2" pitchFamily="18" charset="2"/>
+              <a:buChar char=""/>
+            </a:pPr>
+            <a:r>
+              <a:rPr lang="es-ES" dirty="0" err="1" smtClean="0"/>
+              <a:t>Esteganografía</a:t>
+            </a:r>
+            <a:r>
+              <a:rPr lang="es-ES" dirty="0" smtClean="0"/>
+              <a:t> de audio</a:t>
+            </a:r>
+          </a:p>
+          <a:p>
+            <a:pPr lvl="1">
+              <a:buFont typeface="Wingdings 2" pitchFamily="18" charset="2"/>
+              <a:buChar char=""/>
+            </a:pPr>
+            <a:r>
+              <a:rPr lang="es-ES" dirty="0" smtClean="0"/>
+              <a:t>Motivación</a:t>
+            </a:r>
+          </a:p>
+          <a:p>
+            <a:pPr lvl="1">
+              <a:buFont typeface="Wingdings 2" pitchFamily="18" charset="2"/>
+              <a:buChar char=""/>
+            </a:pPr>
+            <a:r>
+              <a:rPr lang="es-ES" dirty="0" smtClean="0"/>
+              <a:t>Problemas</a:t>
+            </a:r>
+          </a:p>
+          <a:p>
+            <a:pPr lvl="1">
+              <a:buNone/>
+            </a:pPr>
+            <a:r>
+              <a:rPr lang="es-ES" dirty="0" smtClean="0">
+                <a:solidFill>
+                  <a:schemeClr val="bg1">
+                    <a:lumMod val="85000"/>
+                  </a:schemeClr>
+                </a:solidFill>
+              </a:rPr>
+              <a:t>	Objetivos</a:t>
+            </a:r>
+          </a:p>
+          <a:p>
+            <a:pPr lvl="1">
+              <a:buNone/>
+            </a:pPr>
+            <a:r>
+              <a:rPr lang="es-ES" dirty="0" smtClean="0">
+                <a:solidFill>
+                  <a:schemeClr val="bg1">
+                    <a:lumMod val="85000"/>
+                  </a:schemeClr>
+                </a:solidFill>
+              </a:rPr>
+              <a:t>	Métodos</a:t>
+            </a:r>
+            <a:endParaRPr lang="es-ES" dirty="0" smtClean="0">
+              <a:solidFill>
+                <a:schemeClr val="bg1">
+                  <a:lumMod val="85000"/>
+                </a:schemeClr>
+              </a:solidFill>
+            </a:endParaRPr>
           </a:p>
         </p:txBody>
       </p:sp>
@@ -4521,6 +4843,13 @@
   <p:clrMapOvr>
     <a:masterClrMapping/>
   </p:clrMapOvr>
+  <p:timing>
+    <p:tnLst>
+      <p:par>
+        <p:cTn id="1" dur="indefinite" restart="never" nodeType="tmRoot"/>
+      </p:par>
+    </p:tnLst>
+  </p:timing>
 </p:sld>
 </file>
 
@@ -4551,12 +4880,7 @@
             <p:ph type="title"/>
           </p:nvPr>
         </p:nvSpPr>
-        <p:spPr>
-          <a:xfrm>
-            <a:off x="467544" y="1124744"/>
-            <a:ext cx="8229600" cy="1143000"/>
-          </a:xfrm>
-        </p:spPr>
+        <p:spPr/>
         <p:txBody>
           <a:bodyPr>
             <a:normAutofit fontScale="90000"/>
@@ -4569,7 +4893,7 @@
             </a:r>
             <a:r>
               <a:rPr lang="es-ES" dirty="0" smtClean="0"/>
-              <a:t> de audio: métodos</a:t>
+              <a:t> de audio: problemas</a:t>
             </a:r>
             <a:endParaRPr lang="es-ES" dirty="0"/>
           </a:p>
@@ -4587,84 +4911,49 @@
         </p:nvSpPr>
         <p:spPr>
           <a:xfrm>
-            <a:off x="467544" y="2852936"/>
-            <a:ext cx="8229600" cy="3597032"/>
+            <a:off x="457200" y="2636912"/>
+            <a:ext cx="8229600" cy="3687688"/>
           </a:xfrm>
         </p:spPr>
         <p:txBody>
-          <a:bodyPr>
-            <a:normAutofit/>
-          </a:bodyPr>
-          <a:lstStyle/>
-          <a:p>
-            <a:r>
-              <a:rPr lang="es-ES" sz="3200" dirty="0" smtClean="0"/>
-              <a:t>LSB </a:t>
-            </a:r>
-            <a:r>
-              <a:rPr lang="es-ES" sz="3200" dirty="0" err="1" smtClean="0"/>
-              <a:t>coding</a:t>
-            </a:r>
-            <a:endParaRPr lang="es-ES" sz="3200" dirty="0" smtClean="0"/>
-          </a:p>
-          <a:p>
-            <a:r>
-              <a:rPr lang="es-ES" sz="3200" dirty="0" err="1" smtClean="0"/>
-              <a:t>Parity</a:t>
-            </a:r>
-            <a:r>
-              <a:rPr lang="es-ES" sz="3200" dirty="0" smtClean="0"/>
+          <a:bodyPr/>
+          <a:lstStyle/>
+          <a:p>
+            <a:r>
+              <a:rPr lang="es-ES" dirty="0" smtClean="0"/>
+              <a:t>La </a:t>
+            </a:r>
+            <a:r>
+              <a:rPr lang="es-ES" dirty="0" err="1" smtClean="0"/>
+              <a:t>esteganografía</a:t>
+            </a:r>
+            <a:r>
+              <a:rPr lang="es-ES" dirty="0" smtClean="0"/>
+              <a:t> de audio es más dificultosa que la </a:t>
+            </a:r>
+            <a:r>
+              <a:rPr lang="es-ES" dirty="0" err="1" smtClean="0"/>
+              <a:t>esteganografía</a:t>
+            </a:r>
+            <a:r>
+              <a:rPr lang="es-ES" dirty="0" smtClean="0"/>
+              <a:t> de imágenes</a:t>
+            </a:r>
+            <a:r>
+              <a:rPr lang="es-ES" dirty="0" smtClean="0"/>
               <a:t> </a:t>
             </a:r>
             <a:r>
-              <a:rPr lang="es-ES" sz="3200" dirty="0" err="1" smtClean="0"/>
-              <a:t>coding</a:t>
-            </a:r>
-            <a:endParaRPr lang="es-ES" sz="3200" dirty="0" smtClean="0"/>
-          </a:p>
-          <a:p>
-            <a:r>
-              <a:rPr lang="es-ES" sz="3200" dirty="0" err="1" smtClean="0"/>
-              <a:t>Phase</a:t>
-            </a:r>
-            <a:r>
-              <a:rPr lang="es-ES" sz="3200" dirty="0" smtClean="0"/>
-              <a:t> </a:t>
-            </a:r>
-            <a:r>
-              <a:rPr lang="es-ES" sz="3200" dirty="0" err="1" smtClean="0"/>
-              <a:t>coding</a:t>
-            </a:r>
-            <a:endParaRPr lang="es-ES" sz="3200" dirty="0" smtClean="0"/>
-          </a:p>
-          <a:p>
-            <a:r>
-              <a:rPr lang="es-ES" sz="3200" dirty="0" smtClean="0"/>
-              <a:t>Spread </a:t>
-            </a:r>
-            <a:r>
-              <a:rPr lang="es-ES" sz="3200" dirty="0" err="1" smtClean="0"/>
-              <a:t>spectrum</a:t>
-            </a:r>
-            <a:endParaRPr lang="es-ES" sz="3200" dirty="0" smtClean="0"/>
-          </a:p>
-          <a:p>
-            <a:r>
-              <a:rPr lang="es-ES" sz="3200" dirty="0" smtClean="0"/>
-              <a:t>Echo </a:t>
-            </a:r>
-            <a:r>
-              <a:rPr lang="es-ES" sz="3200" dirty="0" err="1" smtClean="0"/>
-              <a:t>hiding</a:t>
-            </a:r>
-            <a:endParaRPr lang="es-ES" sz="3200" dirty="0" smtClean="0"/>
-          </a:p>
-          <a:p>
-            <a:r>
-              <a:rPr lang="es-ES" sz="3200" dirty="0" smtClean="0"/>
-              <a:t>Etc.</a:t>
-            </a:r>
-            <a:endParaRPr lang="es-ES" sz="3200" dirty="0"/>
+              <a:rPr lang="es-ES" dirty="0" smtClean="0"/>
+              <a:t>ya que el sistema auditivo humano es más sensible que el sistema visual.</a:t>
+            </a:r>
+          </a:p>
+          <a:p>
+            <a:r>
+              <a:rPr lang="es-ES" dirty="0" smtClean="0"/>
+              <a:t>Por consiguiente, la cantidad de información que puede introducirse de manera transparente es menor.</a:t>
+            </a:r>
+            <a:endParaRPr lang="es-ES" dirty="0"/>
           </a:p>
         </p:txBody>
       </p:sp>
@@ -4673,6 +4962,13 @@
   <p:clrMapOvr>
     <a:masterClrMapping/>
   </p:clrMapOvr>
+  <p:timing>
+    <p:tnLst>
+      <p:par>
+        <p:cTn id="1" dur="indefinite" restart="never" nodeType="tmRoot"/>
+      </p:par>
+    </p:tnLst>
+  </p:timing>
 </p:sld>
 </file>
 
@@ -4710,32 +5006,123 @@
           <a:p>
             <a:r>
               <a:rPr lang="es-ES" dirty="0" smtClean="0"/>
-              <a:t>LSB </a:t>
-            </a:r>
+              <a:t>Índice</a:t>
+            </a:r>
+            <a:endParaRPr lang="es-ES" dirty="0"/>
+          </a:p>
+        </p:txBody>
+      </p:sp>
+      <p:sp>
+        <p:nvSpPr>
+          <p:cNvPr id="3" name="2 Marcador de contenido"/>
+          <p:cNvSpPr>
+            <a:spLocks noGrp="1"/>
+          </p:cNvSpPr>
+          <p:nvPr>
+            <p:ph idx="1"/>
+          </p:nvPr>
+        </p:nvSpPr>
+        <p:spPr/>
+        <p:txBody>
+          <a:bodyPr/>
+          <a:lstStyle/>
+          <a:p>
+            <a:r>
+              <a:rPr lang="es-ES" dirty="0" smtClean="0"/>
+              <a:t>Introducción</a:t>
+            </a:r>
+          </a:p>
+          <a:p>
+            <a:pPr lvl="1"/>
             <a:r>
               <a:rPr lang="es-ES" dirty="0" err="1" smtClean="0"/>
-              <a:t>coding</a:t>
-            </a:r>
-            <a:endParaRPr lang="es-ES" dirty="0"/>
-          </a:p>
-        </p:txBody>
-      </p:sp>
-      <p:sp>
-        <p:nvSpPr>
-          <p:cNvPr id="3" name="2 Marcador de contenido"/>
-          <p:cNvSpPr>
-            <a:spLocks noGrp="1"/>
-          </p:cNvSpPr>
-          <p:nvPr>
-            <p:ph idx="1"/>
-          </p:nvPr>
-        </p:nvSpPr>
-        <p:spPr/>
-        <p:txBody>
-          <a:bodyPr/>
-          <a:lstStyle/>
-          <a:p>
-            <a:endParaRPr lang="es-ES"/>
+              <a:t>Esteganografía</a:t>
+            </a:r>
+            <a:endParaRPr lang="es-ES" dirty="0" smtClean="0"/>
+          </a:p>
+          <a:p>
+            <a:pPr lvl="1"/>
+            <a:r>
+              <a:rPr lang="es-ES" dirty="0" smtClean="0"/>
+              <a:t>Audio digital</a:t>
+            </a:r>
+          </a:p>
+          <a:p>
+            <a:pPr lvl="1">
+              <a:buFont typeface="Wingdings 2" pitchFamily="18" charset="2"/>
+              <a:buChar char=""/>
+            </a:pPr>
+            <a:r>
+              <a:rPr lang="es-ES" dirty="0" smtClean="0"/>
+              <a:t>Formato WAV</a:t>
+            </a:r>
+            <a:endParaRPr lang="es-ES" dirty="0" smtClean="0"/>
+          </a:p>
+          <a:p>
+            <a:pPr>
+              <a:buFont typeface="Wingdings 2" pitchFamily="18" charset="2"/>
+              <a:buChar char=""/>
+            </a:pPr>
+            <a:r>
+              <a:rPr lang="es-ES" dirty="0" err="1" smtClean="0"/>
+              <a:t>Esteganografía</a:t>
+            </a:r>
+            <a:r>
+              <a:rPr lang="es-ES" dirty="0" smtClean="0"/>
+              <a:t> de audio</a:t>
+            </a:r>
+          </a:p>
+          <a:p>
+            <a:pPr lvl="1">
+              <a:buFont typeface="Wingdings 2" pitchFamily="18" charset="2"/>
+              <a:buChar char=""/>
+            </a:pPr>
+            <a:r>
+              <a:rPr lang="es-ES" dirty="0" smtClean="0"/>
+              <a:t>Motivación</a:t>
+            </a:r>
+          </a:p>
+          <a:p>
+            <a:pPr lvl="1">
+              <a:buFont typeface="Wingdings 2" pitchFamily="18" charset="2"/>
+              <a:buChar char=""/>
+            </a:pPr>
+            <a:r>
+              <a:rPr lang="es-ES" dirty="0" smtClean="0"/>
+              <a:t>Problemas</a:t>
+            </a:r>
+          </a:p>
+          <a:p>
+            <a:pPr lvl="1">
+              <a:buFont typeface="Wingdings 2" pitchFamily="18" charset="2"/>
+              <a:buChar char=""/>
+            </a:pPr>
+            <a:r>
+              <a:rPr lang="es-ES" dirty="0" smtClean="0"/>
+              <a:t>Objetivos</a:t>
+            </a:r>
+          </a:p>
+          <a:p>
+            <a:pPr lvl="1">
+              <a:buNone/>
+            </a:pPr>
+            <a:r>
+              <a:rPr lang="es-ES" dirty="0" smtClean="0">
+                <a:solidFill>
+                  <a:schemeClr val="bg1">
+                    <a:lumMod val="85000"/>
+                  </a:schemeClr>
+                </a:solidFill>
+              </a:rPr>
+              <a:t>	Métodos</a:t>
+            </a:r>
+            <a:endParaRPr lang="es-ES" dirty="0" smtClean="0">
+              <a:solidFill>
+                <a:schemeClr val="bg1">
+                  <a:lumMod val="85000"/>
+                </a:schemeClr>
+              </a:solidFill>
+            </a:endParaRPr>
           </a:p>
         </p:txBody>
       </p:sp>
@@ -4744,6 +5131,13 @@
   <p:clrMapOvr>
     <a:masterClrMapping/>
   </p:clrMapOvr>
+  <p:timing>
+    <p:tnLst>
+      <p:par>
+        <p:cTn id="1" dur="indefinite" restart="never" nodeType="tmRoot"/>
+      </p:par>
+    </p:tnLst>
+  </p:timing>
 </p:sld>
 </file>
 
@@ -4776,41 +5170,88 @@
         </p:nvSpPr>
         <p:spPr/>
         <p:txBody>
+          <a:bodyPr>
+            <a:normAutofit fontScale="90000"/>
+          </a:bodyPr>
+          <a:lstStyle/>
+          <a:p>
+            <a:r>
+              <a:rPr lang="es-ES" dirty="0" err="1" smtClean="0"/>
+              <a:t>Esteganografía</a:t>
+            </a:r>
+            <a:r>
+              <a:rPr lang="es-ES" dirty="0" smtClean="0"/>
+              <a:t> de audio: objetivos</a:t>
+            </a:r>
+            <a:endParaRPr lang="es-ES" dirty="0"/>
+          </a:p>
+        </p:txBody>
+      </p:sp>
+      <p:sp>
+        <p:nvSpPr>
+          <p:cNvPr id="3" name="2 Marcador de contenido"/>
+          <p:cNvSpPr>
+            <a:spLocks noGrp="1"/>
+          </p:cNvSpPr>
+          <p:nvPr>
+            <p:ph idx="1"/>
+          </p:nvPr>
+        </p:nvSpPr>
+        <p:spPr>
+          <a:xfrm>
+            <a:off x="395536" y="2132856"/>
+            <a:ext cx="8229600" cy="4389120"/>
+          </a:xfrm>
+        </p:spPr>
+        <p:txBody>
           <a:bodyPr/>
           <a:lstStyle/>
           <a:p>
             <a:r>
+              <a:rPr lang="es-ES" b="1" dirty="0" smtClean="0"/>
+              <a:t>Transparencia</a:t>
+            </a:r>
+            <a:r>
+              <a:rPr lang="es-ES" dirty="0" smtClean="0"/>
+              <a:t>:</a:t>
+            </a:r>
+            <a:r>
+              <a:rPr lang="es-ES" b="1" dirty="0" smtClean="0"/>
+              <a:t> </a:t>
+            </a:r>
+            <a:r>
+              <a:rPr lang="es-ES" dirty="0" smtClean="0"/>
+              <a:t>que no sea posible percibir que se ha incluido un mensaje.</a:t>
+            </a:r>
+          </a:p>
+          <a:p>
+            <a:r>
+              <a:rPr lang="es-ES" b="1" dirty="0" smtClean="0"/>
+              <a:t>Robustez</a:t>
+            </a:r>
+            <a:r>
+              <a:rPr lang="es-ES" dirty="0" smtClean="0"/>
+              <a:t>: que el mensaje perdure a modificaciones (intencionadas o no intencionadas) del archivo de audio.</a:t>
+            </a:r>
+          </a:p>
+          <a:p>
+            <a:r>
+              <a:rPr lang="es-ES" b="1" dirty="0" smtClean="0"/>
+              <a:t>Alto volumen de datos </a:t>
+            </a:r>
+            <a:r>
+              <a:rPr lang="es-ES" dirty="0" smtClean="0"/>
+              <a:t>(data </a:t>
+            </a:r>
+            <a:r>
               <a:rPr lang="es-ES" dirty="0" err="1" smtClean="0"/>
-              <a:t>Parity</a:t>
-            </a:r>
-            <a:r>
-              <a:rPr lang="es-ES" dirty="0" smtClean="0"/>
-              <a:t> </a:t>
-            </a:r>
-            <a:r>
-              <a:rPr lang="es-ES" dirty="0" err="1" smtClean="0"/>
-              <a:t>coding</a:t>
+              <a:t>rate</a:t>
+            </a:r>
+            <a:r>
+              <a:rPr lang="es-ES" dirty="0" smtClean="0"/>
+              <a:t>): que se puedan incluir grandes mensajes ocultos en pequeños archivos de audio.</a:t>
             </a:r>
             <a:endParaRPr lang="es-ES" dirty="0"/>
-          </a:p>
-        </p:txBody>
-      </p:sp>
-      <p:sp>
-        <p:nvSpPr>
-          <p:cNvPr id="3" name="2 Marcador de contenido"/>
-          <p:cNvSpPr>
-            <a:spLocks noGrp="1"/>
-          </p:cNvSpPr>
-          <p:nvPr>
-            <p:ph idx="1"/>
-          </p:nvPr>
-        </p:nvSpPr>
-        <p:spPr/>
-        <p:txBody>
-          <a:bodyPr/>
-          <a:lstStyle/>
-          <a:p>
-            <a:endParaRPr lang="es-ES"/>
           </a:p>
         </p:txBody>
       </p:sp>
@@ -4819,6 +5260,13 @@
   <p:clrMapOvr>
     <a:masterClrMapping/>
   </p:clrMapOvr>
+  <p:timing>
+    <p:tnLst>
+      <p:par>
+        <p:cTn id="1" dur="indefinite" restart="never" nodeType="tmRoot"/>
+      </p:par>
+    </p:tnLst>
+  </p:timing>
 </p:sld>
 </file>
 
@@ -4851,41 +5299,73 @@
         </p:nvSpPr>
         <p:spPr/>
         <p:txBody>
-          <a:bodyPr/>
+          <a:bodyPr>
+            <a:normAutofit fontScale="90000"/>
+          </a:bodyPr>
           <a:lstStyle/>
           <a:p>
             <a:r>
               <a:rPr lang="es-ES" dirty="0" err="1" smtClean="0"/>
-              <a:t>Phase</a:t>
-            </a:r>
-            <a:r>
-              <a:rPr lang="es-ES" dirty="0" smtClean="0"/>
-              <a:t> </a:t>
-            </a:r>
-            <a:r>
-              <a:rPr lang="es-ES" dirty="0" err="1" smtClean="0"/>
-              <a:t>coding</a:t>
+              <a:t>Esteganografía</a:t>
+            </a:r>
+            <a:r>
+              <a:rPr lang="es-ES" dirty="0" smtClean="0"/>
+              <a:t> de audio: objetivos</a:t>
             </a:r>
             <a:endParaRPr lang="es-ES" dirty="0"/>
           </a:p>
         </p:txBody>
       </p:sp>
-      <p:sp>
-        <p:nvSpPr>
-          <p:cNvPr id="3" name="2 Marcador de contenido"/>
-          <p:cNvSpPr>
-            <a:spLocks noGrp="1"/>
-          </p:cNvSpPr>
-          <p:nvPr>
-            <p:ph idx="1"/>
-          </p:nvPr>
-        </p:nvSpPr>
-        <p:spPr/>
-        <p:txBody>
-          <a:bodyPr/>
-          <a:lstStyle/>
-          <a:p>
-            <a:endParaRPr lang="es-ES"/>
+      <p:pic>
+        <p:nvPicPr>
+          <p:cNvPr id="4" name="3 Marcador de contenido" descr="triangle.PNG"/>
+          <p:cNvPicPr>
+            <a:picLocks noGrp="1" noChangeAspect="1"/>
+          </p:cNvPicPr>
+          <p:nvPr>
+            <p:ph sz="half" idx="1"/>
+          </p:nvPr>
+        </p:nvPicPr>
+        <p:blipFill>
+          <a:blip r:embed="rId2" cstate="print"/>
+          <a:stretch>
+            <a:fillRect/>
+          </a:stretch>
+        </p:blipFill>
+        <p:spPr>
+          <a:xfrm>
+            <a:off x="2483768" y="3284984"/>
+            <a:ext cx="3963453" cy="3092177"/>
+          </a:xfrm>
+        </p:spPr>
+      </p:pic>
+      <p:sp>
+        <p:nvSpPr>
+          <p:cNvPr id="5" name="4 Marcador de contenido"/>
+          <p:cNvSpPr>
+            <a:spLocks noGrp="1"/>
+          </p:cNvSpPr>
+          <p:nvPr>
+            <p:ph sz="half" idx="2"/>
+          </p:nvPr>
+        </p:nvSpPr>
+        <p:spPr>
+          <a:xfrm>
+            <a:off x="323528" y="2564903"/>
+            <a:ext cx="8363272" cy="720081"/>
+          </a:xfrm>
+        </p:spPr>
+        <p:txBody>
+          <a:bodyPr>
+            <a:normAutofit/>
+          </a:bodyPr>
+          <a:lstStyle/>
+          <a:p>
+            <a:r>
+              <a:rPr lang="es-ES" sz="2800" dirty="0" smtClean="0"/>
+              <a:t>Son requisitos contradictorios</a:t>
+            </a:r>
+            <a:endParaRPr lang="es-ES" sz="2800" dirty="0"/>
           </a:p>
         </p:txBody>
       </p:sp>
@@ -4894,6 +5374,13 @@
   <p:clrMapOvr>
     <a:masterClrMapping/>
   </p:clrMapOvr>
+  <p:timing>
+    <p:tnLst>
+      <p:par>
+        <p:cTn id="1" dur="indefinite" restart="never" nodeType="tmRoot"/>
+      </p:par>
+    </p:tnLst>
+  </p:timing>
 </p:sld>
 </file>
 
@@ -4952,7 +5439,167 @@
           <a:bodyPr/>
           <a:lstStyle/>
           <a:p>
-            <a:endParaRPr lang="es-ES"/>
+            <a:r>
+              <a:rPr lang="es-ES" dirty="0" smtClean="0"/>
+              <a:t>Introducción</a:t>
+            </a:r>
+          </a:p>
+          <a:p>
+            <a:pPr lvl="1"/>
+            <a:r>
+              <a:rPr lang="es-ES" dirty="0" err="1" smtClean="0"/>
+              <a:t>Esteganografía</a:t>
+            </a:r>
+            <a:endParaRPr lang="es-ES" dirty="0" smtClean="0"/>
+          </a:p>
+          <a:p>
+            <a:pPr lvl="1">
+              <a:buNone/>
+            </a:pPr>
+            <a:r>
+              <a:rPr lang="es-ES" dirty="0" smtClean="0">
+                <a:solidFill>
+                  <a:schemeClr val="bg1">
+                    <a:lumMod val="85000"/>
+                  </a:schemeClr>
+                </a:solidFill>
+              </a:rPr>
+              <a:t>	Audio </a:t>
+            </a:r>
+            <a:r>
+              <a:rPr lang="es-ES" dirty="0" smtClean="0">
+                <a:solidFill>
+                  <a:schemeClr val="bg1">
+                    <a:lumMod val="85000"/>
+                  </a:schemeClr>
+                </a:solidFill>
+              </a:rPr>
+              <a:t>digital</a:t>
+            </a:r>
+          </a:p>
+          <a:p>
+            <a:pPr lvl="1">
+              <a:buNone/>
+            </a:pPr>
+            <a:r>
+              <a:rPr lang="es-ES" dirty="0" smtClean="0">
+                <a:solidFill>
+                  <a:schemeClr val="bg1">
+                    <a:lumMod val="85000"/>
+                  </a:schemeClr>
+                </a:solidFill>
+              </a:rPr>
+              <a:t>	Formato WAV</a:t>
+            </a:r>
+            <a:endParaRPr lang="es-ES" dirty="0" smtClean="0">
+              <a:solidFill>
+                <a:schemeClr val="bg1">
+                  <a:lumMod val="85000"/>
+                </a:schemeClr>
+              </a:solidFill>
+            </a:endParaRPr>
+          </a:p>
+          <a:p>
+            <a:pPr>
+              <a:buNone/>
+            </a:pPr>
+            <a:r>
+              <a:rPr lang="es-ES" dirty="0" smtClean="0">
+                <a:solidFill>
+                  <a:schemeClr val="bg1">
+                    <a:lumMod val="85000"/>
+                  </a:schemeClr>
+                </a:solidFill>
+              </a:rPr>
+              <a:t>	</a:t>
+            </a:r>
+            <a:r>
+              <a:rPr lang="es-ES" dirty="0" err="1" smtClean="0">
+                <a:solidFill>
+                  <a:schemeClr val="bg1">
+                    <a:lumMod val="85000"/>
+                  </a:schemeClr>
+                </a:solidFill>
+              </a:rPr>
+              <a:t>Esteganografía</a:t>
+            </a:r>
+            <a:r>
+              <a:rPr lang="es-ES" dirty="0" smtClean="0">
+                <a:solidFill>
+                  <a:schemeClr val="bg1">
+                    <a:lumMod val="85000"/>
+                  </a:schemeClr>
+                </a:solidFill>
+              </a:rPr>
+              <a:t> de audio</a:t>
+            </a:r>
+          </a:p>
+          <a:p>
+            <a:pPr lvl="1">
+              <a:buNone/>
+            </a:pPr>
+            <a:r>
+              <a:rPr lang="es-ES" dirty="0" smtClean="0">
+                <a:solidFill>
+                  <a:schemeClr val="bg1">
+                    <a:lumMod val="85000"/>
+                  </a:schemeClr>
+                </a:solidFill>
+              </a:rPr>
+              <a:t>	Motivación</a:t>
+            </a:r>
+          </a:p>
+          <a:p>
+            <a:pPr lvl="1">
+              <a:buNone/>
+            </a:pPr>
+            <a:r>
+              <a:rPr lang="es-ES" dirty="0" smtClean="0">
+                <a:solidFill>
+                  <a:schemeClr val="bg1">
+                    <a:lumMod val="85000"/>
+                  </a:schemeClr>
+                </a:solidFill>
+              </a:rPr>
+              <a:t>	Problemas</a:t>
+            </a:r>
+          </a:p>
+          <a:p>
+            <a:pPr lvl="1">
+              <a:buNone/>
+            </a:pPr>
+            <a:r>
+              <a:rPr lang="es-ES" dirty="0" smtClean="0">
+                <a:solidFill>
+                  <a:schemeClr val="bg1">
+                    <a:lumMod val="85000"/>
+                  </a:schemeClr>
+                </a:solidFill>
+              </a:rPr>
+              <a:t>	Objetivos</a:t>
+            </a:r>
+          </a:p>
+          <a:p>
+            <a:pPr lvl="1">
+              <a:buNone/>
+            </a:pPr>
+            <a:r>
+              <a:rPr lang="es-ES" dirty="0" smtClean="0">
+                <a:solidFill>
+                  <a:schemeClr val="bg1">
+                    <a:lumMod val="85000"/>
+                  </a:schemeClr>
+                </a:solidFill>
+              </a:rPr>
+              <a:t>	Métodos</a:t>
+            </a:r>
+            <a:endParaRPr lang="es-ES" dirty="0" smtClean="0">
+              <a:solidFill>
+                <a:schemeClr val="bg1">
+                  <a:lumMod val="85000"/>
+                </a:schemeClr>
+              </a:solidFill>
+            </a:endParaRPr>
           </a:p>
         </p:txBody>
       </p:sp>
@@ -5005,32 +5652,112 @@
           <a:p>
             <a:r>
               <a:rPr lang="es-ES" dirty="0" smtClean="0"/>
-              <a:t>Spread </a:t>
-            </a:r>
+              <a:t>Índice</a:t>
+            </a:r>
+            <a:endParaRPr lang="es-ES" dirty="0"/>
+          </a:p>
+        </p:txBody>
+      </p:sp>
+      <p:sp>
+        <p:nvSpPr>
+          <p:cNvPr id="3" name="2 Marcador de contenido"/>
+          <p:cNvSpPr>
+            <a:spLocks noGrp="1"/>
+          </p:cNvSpPr>
+          <p:nvPr>
+            <p:ph idx="1"/>
+          </p:nvPr>
+        </p:nvSpPr>
+        <p:spPr/>
+        <p:txBody>
+          <a:bodyPr/>
+          <a:lstStyle/>
+          <a:p>
+            <a:r>
+              <a:rPr lang="es-ES" dirty="0" smtClean="0"/>
+              <a:t>Introducción</a:t>
+            </a:r>
+          </a:p>
+          <a:p>
+            <a:pPr lvl="1"/>
             <a:r>
               <a:rPr lang="es-ES" dirty="0" err="1" smtClean="0"/>
-              <a:t>spectrum</a:t>
-            </a:r>
-            <a:endParaRPr lang="es-ES" dirty="0"/>
-          </a:p>
-        </p:txBody>
-      </p:sp>
-      <p:sp>
-        <p:nvSpPr>
-          <p:cNvPr id="3" name="2 Marcador de contenido"/>
-          <p:cNvSpPr>
-            <a:spLocks noGrp="1"/>
-          </p:cNvSpPr>
-          <p:nvPr>
-            <p:ph idx="1"/>
-          </p:nvPr>
-        </p:nvSpPr>
-        <p:spPr/>
-        <p:txBody>
-          <a:bodyPr/>
-          <a:lstStyle/>
-          <a:p>
-            <a:endParaRPr lang="es-ES"/>
+              <a:t>Esteganografía</a:t>
+            </a:r>
+            <a:endParaRPr lang="es-ES" dirty="0" smtClean="0"/>
+          </a:p>
+          <a:p>
+            <a:pPr lvl="1"/>
+            <a:r>
+              <a:rPr lang="es-ES" dirty="0" smtClean="0"/>
+              <a:t>Audio digital</a:t>
+            </a:r>
+          </a:p>
+          <a:p>
+            <a:pPr lvl="1">
+              <a:buFont typeface="Wingdings 2" pitchFamily="18" charset="2"/>
+              <a:buChar char=""/>
+            </a:pPr>
+            <a:r>
+              <a:rPr lang="es-ES" dirty="0" smtClean="0"/>
+              <a:t>Formato WAV</a:t>
+            </a:r>
+            <a:endParaRPr lang="es-ES" dirty="0" smtClean="0"/>
+          </a:p>
+          <a:p>
+            <a:pPr>
+              <a:buFont typeface="Wingdings 2" pitchFamily="18" charset="2"/>
+              <a:buChar char=""/>
+            </a:pPr>
+            <a:r>
+              <a:rPr lang="es-ES" dirty="0" err="1" smtClean="0"/>
+              <a:t>Esteganografía</a:t>
+            </a:r>
+            <a:r>
+              <a:rPr lang="es-ES" dirty="0" smtClean="0"/>
+              <a:t> de audio</a:t>
+            </a:r>
+          </a:p>
+          <a:p>
+            <a:pPr lvl="1">
+              <a:buFont typeface="Wingdings 2" pitchFamily="18" charset="2"/>
+              <a:buChar char=""/>
+            </a:pPr>
+            <a:r>
+              <a:rPr lang="es-ES" dirty="0" smtClean="0"/>
+              <a:t>Motivación</a:t>
+            </a:r>
+          </a:p>
+          <a:p>
+            <a:pPr lvl="1">
+              <a:buFont typeface="Wingdings 2" pitchFamily="18" charset="2"/>
+              <a:buChar char=""/>
+            </a:pPr>
+            <a:r>
+              <a:rPr lang="es-ES" dirty="0" smtClean="0"/>
+              <a:t>Problemas</a:t>
+            </a:r>
+          </a:p>
+          <a:p>
+            <a:pPr lvl="1">
+              <a:buFont typeface="Wingdings 2" pitchFamily="18" charset="2"/>
+              <a:buChar char=""/>
+            </a:pPr>
+            <a:r>
+              <a:rPr lang="es-ES" dirty="0" smtClean="0"/>
+              <a:t>Objetivos</a:t>
+            </a:r>
+          </a:p>
+          <a:p>
+            <a:pPr lvl="1">
+              <a:buFont typeface="Wingdings 2" pitchFamily="18" charset="2"/>
+              <a:buChar char=""/>
+            </a:pPr>
+            <a:r>
+              <a:rPr lang="es-ES" dirty="0" smtClean="0"/>
+              <a:t>Métodos</a:t>
+            </a:r>
+            <a:endParaRPr lang="es-ES" dirty="0" smtClean="0"/>
           </a:p>
         </p:txBody>
       </p:sp>
@@ -5039,6 +5766,13 @@
   <p:clrMapOvr>
     <a:masterClrMapping/>
   </p:clrMapOvr>
+  <p:timing>
+    <p:tnLst>
+      <p:par>
+        <p:cTn id="1" dur="indefinite" restart="never" nodeType="tmRoot"/>
+      </p:par>
+    </p:tnLst>
+  </p:timing>
 </p:sld>
 </file>
 
@@ -5069,39 +5803,120 @@
             <p:ph type="title"/>
           </p:nvPr>
         </p:nvSpPr>
-        <p:spPr/>
-        <p:txBody>
-          <a:bodyPr/>
-          <a:lstStyle/>
-          <a:p>
-            <a:r>
-              <a:rPr lang="es-ES" dirty="0" smtClean="0"/>
+        <p:spPr>
+          <a:xfrm>
+            <a:off x="467544" y="1124744"/>
+            <a:ext cx="8229600" cy="1143000"/>
+          </a:xfrm>
+        </p:spPr>
+        <p:txBody>
+          <a:bodyPr>
+            <a:normAutofit fontScale="90000"/>
+          </a:bodyPr>
+          <a:lstStyle/>
+          <a:p>
+            <a:r>
+              <a:rPr lang="es-ES" dirty="0" err="1" smtClean="0"/>
+              <a:t>Esteganografía</a:t>
+            </a:r>
+            <a:r>
+              <a:rPr lang="es-ES" dirty="0" smtClean="0"/>
+              <a:t> de audio: métodos</a:t>
+            </a:r>
+            <a:endParaRPr lang="es-ES" dirty="0"/>
+          </a:p>
+        </p:txBody>
+      </p:sp>
+      <p:sp>
+        <p:nvSpPr>
+          <p:cNvPr id="3" name="2 Marcador de contenido"/>
+          <p:cNvSpPr>
+            <a:spLocks noGrp="1"/>
+          </p:cNvSpPr>
+          <p:nvPr>
+            <p:ph idx="1"/>
+          </p:nvPr>
+        </p:nvSpPr>
+        <p:spPr>
+          <a:xfrm>
+            <a:off x="467544" y="2852936"/>
+            <a:ext cx="8229600" cy="3597032"/>
+          </a:xfrm>
+        </p:spPr>
+        <p:txBody>
+          <a:bodyPr>
+            <a:normAutofit/>
+          </a:bodyPr>
+          <a:lstStyle/>
+          <a:p>
+            <a:r>
+              <a:rPr lang="es-ES" sz="3200" dirty="0" smtClean="0"/>
+              <a:t>LSB </a:t>
+            </a:r>
+            <a:r>
+              <a:rPr lang="es-ES" sz="3200" dirty="0" err="1" smtClean="0"/>
+              <a:t>coding</a:t>
+            </a:r>
+            <a:endParaRPr lang="es-ES" sz="3200" dirty="0" smtClean="0"/>
+          </a:p>
+          <a:p>
+            <a:r>
+              <a:rPr lang="es-ES" sz="3200" dirty="0" err="1" smtClean="0"/>
+              <a:t>Parity</a:t>
+            </a:r>
+            <a:r>
+              <a:rPr lang="es-ES" sz="3200" dirty="0" smtClean="0"/>
+              <a:t> </a:t>
+            </a:r>
+            <a:r>
+              <a:rPr lang="es-ES" sz="3200" dirty="0" err="1" smtClean="0"/>
+              <a:t>coding</a:t>
+            </a:r>
+            <a:endParaRPr lang="es-ES" sz="3200" dirty="0" smtClean="0"/>
+          </a:p>
+          <a:p>
+            <a:r>
+              <a:rPr lang="es-ES" sz="3200" dirty="0" err="1" smtClean="0"/>
+              <a:t>Phase</a:t>
+            </a:r>
+            <a:r>
+              <a:rPr lang="es-ES" sz="3200" dirty="0" smtClean="0"/>
+              <a:t> </a:t>
+            </a:r>
+            <a:r>
+              <a:rPr lang="es-ES" sz="3200" dirty="0" err="1" smtClean="0"/>
+              <a:t>coding</a:t>
+            </a:r>
+            <a:endParaRPr lang="es-ES" sz="3200" dirty="0" smtClean="0"/>
+          </a:p>
+          <a:p>
+            <a:r>
+              <a:rPr lang="es-ES" sz="3200" dirty="0" smtClean="0"/>
+              <a:t>Spread </a:t>
+            </a:r>
+            <a:r>
+              <a:rPr lang="es-ES" sz="3200" dirty="0" err="1" smtClean="0"/>
+              <a:t>spectrum</a:t>
+            </a:r>
+            <a:endParaRPr lang="es-ES" sz="3200" dirty="0" smtClean="0"/>
+          </a:p>
+          <a:p>
+            <a:r>
+              <a:rPr lang="es-ES" sz="3200" dirty="0" smtClean="0"/>
               <a:t>Echo </a:t>
             </a:r>
             <a:r>
-              <a:rPr lang="es-ES" dirty="0" err="1" smtClean="0"/>
+              <a:rPr lang="es-ES" sz="3200" dirty="0" err="1" smtClean="0"/>
               <a:t>hiding</a:t>
             </a:r>
-            <a:endParaRPr lang="es-ES" dirty="0"/>
-          </a:p>
-        </p:txBody>
-      </p:sp>
-      <p:sp>
-        <p:nvSpPr>
-          <p:cNvPr id="3" name="2 Marcador de contenido"/>
-          <p:cNvSpPr>
-            <a:spLocks noGrp="1"/>
-          </p:cNvSpPr>
-          <p:nvPr>
-            <p:ph idx="1"/>
-          </p:nvPr>
-        </p:nvSpPr>
-        <p:spPr/>
-        <p:txBody>
-          <a:bodyPr/>
-          <a:lstStyle/>
-          <a:p>
-            <a:endParaRPr lang="es-ES"/>
+            <a:endParaRPr lang="es-ES" sz="3200" dirty="0" smtClean="0"/>
+          </a:p>
+          <a:p>
+            <a:r>
+              <a:rPr lang="es-ES" sz="3200" dirty="0" smtClean="0"/>
+              <a:t>Etc.</a:t>
+            </a:r>
+            <a:endParaRPr lang="es-ES" sz="3200" dirty="0"/>
           </a:p>
         </p:txBody>
       </p:sp>
@@ -5110,6 +5925,1266 @@
   <p:clrMapOvr>
     <a:masterClrMapping/>
   </p:clrMapOvr>
+  <p:timing>
+    <p:tnLst>
+      <p:par>
+        <p:cTn id="1" dur="indefinite" restart="never" nodeType="tmRoot"/>
+      </p:par>
+    </p:tnLst>
+  </p:timing>
+</p:sld>
+</file>
+
+<file path=ppt/slides/slide22.xml><?xml version="1.0" encoding="utf-8"?>
+<p:sld xmlns:a="http://schemas.openxmlformats.org/drawingml/2006/main" xmlns:r="http://schemas.openxmlformats.org/officeDocument/2006/relationships" xmlns:p="http://schemas.openxmlformats.org/presentationml/2006/main">
+  <p:cSld>
+    <p:spTree>
+      <p:nvGrpSpPr>
+        <p:cNvPr id="1" name=""/>
+        <p:cNvGrpSpPr/>
+        <p:nvPr/>
+      </p:nvGrpSpPr>
+      <p:grpSpPr>
+        <a:xfrm>
+          <a:off x="0" y="0"/>
+          <a:ext cx="0" cy="0"/>
+          <a:chOff x="0" y="0"/>
+          <a:chExt cx="0" cy="0"/>
+        </a:xfrm>
+      </p:grpSpPr>
+      <p:sp>
+        <p:nvSpPr>
+          <p:cNvPr id="2" name="1 Título"/>
+          <p:cNvSpPr>
+            <a:spLocks noGrp="1"/>
+          </p:cNvSpPr>
+          <p:nvPr>
+            <p:ph type="title"/>
+          </p:nvPr>
+        </p:nvSpPr>
+        <p:spPr>
+          <a:xfrm>
+            <a:off x="467544" y="1124744"/>
+            <a:ext cx="8229600" cy="1143000"/>
+          </a:xfrm>
+        </p:spPr>
+        <p:txBody>
+          <a:bodyPr>
+            <a:normAutofit fontScale="90000"/>
+          </a:bodyPr>
+          <a:lstStyle/>
+          <a:p>
+            <a:r>
+              <a:rPr lang="es-ES" dirty="0" err="1" smtClean="0"/>
+              <a:t>Esteganografía</a:t>
+            </a:r>
+            <a:r>
+              <a:rPr lang="es-ES" dirty="0" smtClean="0"/>
+              <a:t> de audio: métodos</a:t>
+            </a:r>
+            <a:endParaRPr lang="es-ES" dirty="0"/>
+          </a:p>
+        </p:txBody>
+      </p:sp>
+      <p:sp>
+        <p:nvSpPr>
+          <p:cNvPr id="3" name="2 Marcador de contenido"/>
+          <p:cNvSpPr>
+            <a:spLocks noGrp="1"/>
+          </p:cNvSpPr>
+          <p:nvPr>
+            <p:ph idx="1"/>
+          </p:nvPr>
+        </p:nvSpPr>
+        <p:spPr>
+          <a:xfrm>
+            <a:off x="467544" y="2852936"/>
+            <a:ext cx="8229600" cy="3597032"/>
+          </a:xfrm>
+        </p:spPr>
+        <p:txBody>
+          <a:bodyPr>
+            <a:normAutofit/>
+          </a:bodyPr>
+          <a:lstStyle/>
+          <a:p>
+            <a:r>
+              <a:rPr lang="es-ES" sz="3200" dirty="0" smtClean="0"/>
+              <a:t>LSB </a:t>
+            </a:r>
+            <a:r>
+              <a:rPr lang="es-ES" sz="3200" dirty="0" err="1" smtClean="0"/>
+              <a:t>coding</a:t>
+            </a:r>
+            <a:endParaRPr lang="es-ES" sz="3200" dirty="0" smtClean="0"/>
+          </a:p>
+          <a:p>
+            <a:pPr>
+              <a:buNone/>
+            </a:pPr>
+            <a:r>
+              <a:rPr lang="es-ES" sz="3200" dirty="0" smtClean="0">
+                <a:solidFill>
+                  <a:schemeClr val="bg1">
+                    <a:lumMod val="85000"/>
+                  </a:schemeClr>
+                </a:solidFill>
+              </a:rPr>
+              <a:t>	</a:t>
+            </a:r>
+            <a:r>
+              <a:rPr lang="es-ES" sz="3200" dirty="0" err="1" smtClean="0">
+                <a:solidFill>
+                  <a:schemeClr val="bg1">
+                    <a:lumMod val="85000"/>
+                  </a:schemeClr>
+                </a:solidFill>
+              </a:rPr>
+              <a:t>Parity</a:t>
+            </a:r>
+            <a:r>
+              <a:rPr lang="es-ES" sz="3200" dirty="0" smtClean="0">
+                <a:solidFill>
+                  <a:schemeClr val="bg1">
+                    <a:lumMod val="85000"/>
+                  </a:schemeClr>
+                </a:solidFill>
+              </a:rPr>
+              <a:t> </a:t>
+            </a:r>
+            <a:r>
+              <a:rPr lang="es-ES" sz="3200" dirty="0" err="1" smtClean="0">
+                <a:solidFill>
+                  <a:schemeClr val="bg1">
+                    <a:lumMod val="85000"/>
+                  </a:schemeClr>
+                </a:solidFill>
+              </a:rPr>
+              <a:t>coding</a:t>
+            </a:r>
+            <a:endParaRPr lang="es-ES" sz="3200" dirty="0" smtClean="0">
+              <a:solidFill>
+                <a:schemeClr val="bg1">
+                  <a:lumMod val="85000"/>
+                </a:schemeClr>
+              </a:solidFill>
+            </a:endParaRPr>
+          </a:p>
+          <a:p>
+            <a:pPr>
+              <a:buNone/>
+            </a:pPr>
+            <a:r>
+              <a:rPr lang="es-ES" sz="3200" dirty="0" smtClean="0">
+                <a:solidFill>
+                  <a:schemeClr val="bg1">
+                    <a:lumMod val="85000"/>
+                  </a:schemeClr>
+                </a:solidFill>
+              </a:rPr>
+              <a:t>	</a:t>
+            </a:r>
+            <a:r>
+              <a:rPr lang="es-ES" sz="3200" dirty="0" err="1" smtClean="0">
+                <a:solidFill>
+                  <a:schemeClr val="bg1">
+                    <a:lumMod val="85000"/>
+                  </a:schemeClr>
+                </a:solidFill>
+              </a:rPr>
+              <a:t>Phase</a:t>
+            </a:r>
+            <a:r>
+              <a:rPr lang="es-ES" sz="3200" dirty="0" smtClean="0">
+                <a:solidFill>
+                  <a:schemeClr val="bg1">
+                    <a:lumMod val="85000"/>
+                  </a:schemeClr>
+                </a:solidFill>
+              </a:rPr>
+              <a:t> </a:t>
+            </a:r>
+            <a:r>
+              <a:rPr lang="es-ES" sz="3200" dirty="0" err="1" smtClean="0">
+                <a:solidFill>
+                  <a:schemeClr val="bg1">
+                    <a:lumMod val="85000"/>
+                  </a:schemeClr>
+                </a:solidFill>
+              </a:rPr>
+              <a:t>coding</a:t>
+            </a:r>
+            <a:endParaRPr lang="es-ES" sz="3200" dirty="0" smtClean="0">
+              <a:solidFill>
+                <a:schemeClr val="bg1">
+                  <a:lumMod val="85000"/>
+                </a:schemeClr>
+              </a:solidFill>
+            </a:endParaRPr>
+          </a:p>
+          <a:p>
+            <a:pPr>
+              <a:buNone/>
+            </a:pPr>
+            <a:r>
+              <a:rPr lang="es-ES" sz="3200" dirty="0" smtClean="0">
+                <a:solidFill>
+                  <a:schemeClr val="bg1">
+                    <a:lumMod val="85000"/>
+                  </a:schemeClr>
+                </a:solidFill>
+              </a:rPr>
+              <a:t>	Spread </a:t>
+            </a:r>
+            <a:r>
+              <a:rPr lang="es-ES" sz="3200" dirty="0" err="1" smtClean="0">
+                <a:solidFill>
+                  <a:schemeClr val="bg1">
+                    <a:lumMod val="85000"/>
+                  </a:schemeClr>
+                </a:solidFill>
+              </a:rPr>
+              <a:t>spectrum</a:t>
+            </a:r>
+            <a:endParaRPr lang="es-ES" sz="3200" dirty="0" smtClean="0">
+              <a:solidFill>
+                <a:schemeClr val="bg1">
+                  <a:lumMod val="85000"/>
+                </a:schemeClr>
+              </a:solidFill>
+            </a:endParaRPr>
+          </a:p>
+          <a:p>
+            <a:pPr>
+              <a:buNone/>
+            </a:pPr>
+            <a:r>
+              <a:rPr lang="es-ES" sz="3200" dirty="0" smtClean="0">
+                <a:solidFill>
+                  <a:schemeClr val="bg1">
+                    <a:lumMod val="85000"/>
+                  </a:schemeClr>
+                </a:solidFill>
+              </a:rPr>
+              <a:t>	Echo </a:t>
+            </a:r>
+            <a:r>
+              <a:rPr lang="es-ES" sz="3200" dirty="0" err="1" smtClean="0">
+                <a:solidFill>
+                  <a:schemeClr val="bg1">
+                    <a:lumMod val="85000"/>
+                  </a:schemeClr>
+                </a:solidFill>
+              </a:rPr>
+              <a:t>hiding</a:t>
+            </a:r>
+            <a:endParaRPr lang="es-ES" sz="3200" dirty="0" smtClean="0">
+              <a:solidFill>
+                <a:schemeClr val="bg1">
+                  <a:lumMod val="85000"/>
+                </a:schemeClr>
+              </a:solidFill>
+            </a:endParaRPr>
+          </a:p>
+        </p:txBody>
+      </p:sp>
+    </p:spTree>
+  </p:cSld>
+  <p:clrMapOvr>
+    <a:masterClrMapping/>
+  </p:clrMapOvr>
+  <p:timing>
+    <p:tnLst>
+      <p:par>
+        <p:cTn id="1" dur="indefinite" restart="never" nodeType="tmRoot"/>
+      </p:par>
+    </p:tnLst>
+  </p:timing>
+</p:sld>
+</file>
+
+<file path=ppt/slides/slide23.xml><?xml version="1.0" encoding="utf-8"?>
+<p:sld xmlns:a="http://schemas.openxmlformats.org/drawingml/2006/main" xmlns:r="http://schemas.openxmlformats.org/officeDocument/2006/relationships" xmlns:p="http://schemas.openxmlformats.org/presentationml/2006/main">
+  <p:cSld>
+    <p:spTree>
+      <p:nvGrpSpPr>
+        <p:cNvPr id="1" name=""/>
+        <p:cNvGrpSpPr/>
+        <p:nvPr/>
+      </p:nvGrpSpPr>
+      <p:grpSpPr>
+        <a:xfrm>
+          <a:off x="0" y="0"/>
+          <a:ext cx="0" cy="0"/>
+          <a:chOff x="0" y="0"/>
+          <a:chExt cx="0" cy="0"/>
+        </a:xfrm>
+      </p:grpSpPr>
+      <p:sp>
+        <p:nvSpPr>
+          <p:cNvPr id="2" name="1 Título"/>
+          <p:cNvSpPr>
+            <a:spLocks noGrp="1"/>
+          </p:cNvSpPr>
+          <p:nvPr>
+            <p:ph type="title"/>
+          </p:nvPr>
+        </p:nvSpPr>
+        <p:spPr/>
+        <p:txBody>
+          <a:bodyPr/>
+          <a:lstStyle/>
+          <a:p>
+            <a:r>
+              <a:rPr lang="es-ES" dirty="0" smtClean="0"/>
+              <a:t>LSB </a:t>
+            </a:r>
+            <a:r>
+              <a:rPr lang="es-ES" dirty="0" err="1" smtClean="0"/>
+              <a:t>coding</a:t>
+            </a:r>
+            <a:endParaRPr lang="es-ES" dirty="0"/>
+          </a:p>
+        </p:txBody>
+      </p:sp>
+      <p:sp>
+        <p:nvSpPr>
+          <p:cNvPr id="3" name="2 Marcador de contenido"/>
+          <p:cNvSpPr>
+            <a:spLocks noGrp="1"/>
+          </p:cNvSpPr>
+          <p:nvPr>
+            <p:ph idx="1"/>
+          </p:nvPr>
+        </p:nvSpPr>
+        <p:spPr/>
+        <p:txBody>
+          <a:bodyPr/>
+          <a:lstStyle/>
+          <a:p>
+            <a:r>
+              <a:rPr lang="es-ES" dirty="0" smtClean="0"/>
+              <a:t>Es </a:t>
+            </a:r>
+            <a:r>
+              <a:rPr lang="es-ES" dirty="0" smtClean="0"/>
+              <a:t>la forma más sencilla de integrar la información en un archivo de audio </a:t>
+            </a:r>
+            <a:r>
+              <a:rPr lang="es-ES" dirty="0" smtClean="0"/>
+              <a:t>digital.</a:t>
+            </a:r>
+          </a:p>
+          <a:p>
+            <a:r>
+              <a:rPr lang="es-ES" dirty="0" smtClean="0"/>
+              <a:t>Consiste en </a:t>
+            </a:r>
+            <a:r>
+              <a:rPr lang="es-ES" dirty="0" smtClean="0"/>
+              <a:t>sustituir el bit menos significativo de cada punto de muestreo con un mensaje </a:t>
+            </a:r>
+            <a:r>
+              <a:rPr lang="es-ES" dirty="0" smtClean="0"/>
+              <a:t>binario.</a:t>
+            </a:r>
+          </a:p>
+          <a:p>
+            <a:r>
+              <a:rPr lang="es-ES" dirty="0" smtClean="0"/>
+              <a:t>Permite codificar </a:t>
+            </a:r>
+            <a:r>
+              <a:rPr lang="es-ES" dirty="0" smtClean="0"/>
+              <a:t>una gran cantidad de </a:t>
+            </a:r>
+            <a:r>
+              <a:rPr lang="es-ES" dirty="0" smtClean="0"/>
+              <a:t>datos.</a:t>
+            </a:r>
+            <a:endParaRPr lang="es-ES" smtClean="0"/>
+          </a:p>
+          <a:p>
+            <a:endParaRPr lang="es-ES" dirty="0"/>
+          </a:p>
+        </p:txBody>
+      </p:sp>
+    </p:spTree>
+  </p:cSld>
+  <p:clrMapOvr>
+    <a:masterClrMapping/>
+  </p:clrMapOvr>
+  <p:timing>
+    <p:tnLst>
+      <p:par>
+        <p:cTn id="1" dur="indefinite" restart="never" nodeType="tmRoot"/>
+      </p:par>
+    </p:tnLst>
+  </p:timing>
+</p:sld>
+</file>
+
+<file path=ppt/slides/slide24.xml><?xml version="1.0" encoding="utf-8"?>
+<p:sld xmlns:a="http://schemas.openxmlformats.org/drawingml/2006/main" xmlns:r="http://schemas.openxmlformats.org/officeDocument/2006/relationships" xmlns:p="http://schemas.openxmlformats.org/presentationml/2006/main">
+  <p:cSld>
+    <p:spTree>
+      <p:nvGrpSpPr>
+        <p:cNvPr id="1" name=""/>
+        <p:cNvGrpSpPr/>
+        <p:nvPr/>
+      </p:nvGrpSpPr>
+      <p:grpSpPr>
+        <a:xfrm>
+          <a:off x="0" y="0"/>
+          <a:ext cx="0" cy="0"/>
+          <a:chOff x="0" y="0"/>
+          <a:chExt cx="0" cy="0"/>
+        </a:xfrm>
+      </p:grpSpPr>
+      <p:sp>
+        <p:nvSpPr>
+          <p:cNvPr id="2" name="1 Título"/>
+          <p:cNvSpPr>
+            <a:spLocks noGrp="1"/>
+          </p:cNvSpPr>
+          <p:nvPr>
+            <p:ph type="title"/>
+          </p:nvPr>
+        </p:nvSpPr>
+        <p:spPr>
+          <a:xfrm>
+            <a:off x="467544" y="1124744"/>
+            <a:ext cx="8229600" cy="1143000"/>
+          </a:xfrm>
+        </p:spPr>
+        <p:txBody>
+          <a:bodyPr>
+            <a:normAutofit fontScale="90000"/>
+          </a:bodyPr>
+          <a:lstStyle/>
+          <a:p>
+            <a:r>
+              <a:rPr lang="es-ES" dirty="0" err="1" smtClean="0"/>
+              <a:t>Esteganografía</a:t>
+            </a:r>
+            <a:r>
+              <a:rPr lang="es-ES" dirty="0" smtClean="0"/>
+              <a:t> de audio: métodos</a:t>
+            </a:r>
+            <a:endParaRPr lang="es-ES" dirty="0"/>
+          </a:p>
+        </p:txBody>
+      </p:sp>
+      <p:sp>
+        <p:nvSpPr>
+          <p:cNvPr id="3" name="2 Marcador de contenido"/>
+          <p:cNvSpPr>
+            <a:spLocks noGrp="1"/>
+          </p:cNvSpPr>
+          <p:nvPr>
+            <p:ph idx="1"/>
+          </p:nvPr>
+        </p:nvSpPr>
+        <p:spPr>
+          <a:xfrm>
+            <a:off x="467544" y="2852936"/>
+            <a:ext cx="8229600" cy="3597032"/>
+          </a:xfrm>
+        </p:spPr>
+        <p:txBody>
+          <a:bodyPr>
+            <a:normAutofit/>
+          </a:bodyPr>
+          <a:lstStyle/>
+          <a:p>
+            <a:r>
+              <a:rPr lang="es-ES" sz="3200" dirty="0" smtClean="0"/>
+              <a:t>LSB </a:t>
+            </a:r>
+            <a:r>
+              <a:rPr lang="es-ES" sz="3200" dirty="0" err="1" smtClean="0"/>
+              <a:t>coding</a:t>
+            </a:r>
+            <a:endParaRPr lang="es-ES" sz="3200" dirty="0" smtClean="0"/>
+          </a:p>
+          <a:p>
+            <a:pPr>
+              <a:buFont typeface="Wingdings 2" pitchFamily="18" charset="2"/>
+              <a:buChar char=""/>
+            </a:pPr>
+            <a:r>
+              <a:rPr lang="es-ES" sz="3200" dirty="0" err="1" smtClean="0"/>
+              <a:t>Parity</a:t>
+            </a:r>
+            <a:r>
+              <a:rPr lang="es-ES" sz="3200" dirty="0" smtClean="0"/>
+              <a:t> </a:t>
+            </a:r>
+            <a:r>
+              <a:rPr lang="es-ES" sz="3200" dirty="0" err="1" smtClean="0"/>
+              <a:t>coding</a:t>
+            </a:r>
+            <a:endParaRPr lang="es-ES" sz="3200" dirty="0" smtClean="0"/>
+          </a:p>
+          <a:p>
+            <a:pPr>
+              <a:buNone/>
+            </a:pPr>
+            <a:r>
+              <a:rPr lang="es-ES" sz="3200" dirty="0" smtClean="0">
+                <a:solidFill>
+                  <a:schemeClr val="bg1">
+                    <a:lumMod val="85000"/>
+                  </a:schemeClr>
+                </a:solidFill>
+              </a:rPr>
+              <a:t>	</a:t>
+            </a:r>
+            <a:r>
+              <a:rPr lang="es-ES" sz="3200" dirty="0" err="1" smtClean="0">
+                <a:solidFill>
+                  <a:schemeClr val="bg1">
+                    <a:lumMod val="85000"/>
+                  </a:schemeClr>
+                </a:solidFill>
+              </a:rPr>
+              <a:t>Phase</a:t>
+            </a:r>
+            <a:r>
+              <a:rPr lang="es-ES" sz="3200" dirty="0" smtClean="0">
+                <a:solidFill>
+                  <a:schemeClr val="bg1">
+                    <a:lumMod val="85000"/>
+                  </a:schemeClr>
+                </a:solidFill>
+              </a:rPr>
+              <a:t> </a:t>
+            </a:r>
+            <a:r>
+              <a:rPr lang="es-ES" sz="3200" dirty="0" err="1" smtClean="0">
+                <a:solidFill>
+                  <a:schemeClr val="bg1">
+                    <a:lumMod val="85000"/>
+                  </a:schemeClr>
+                </a:solidFill>
+              </a:rPr>
+              <a:t>coding</a:t>
+            </a:r>
+            <a:endParaRPr lang="es-ES" sz="3200" dirty="0" smtClean="0">
+              <a:solidFill>
+                <a:schemeClr val="bg1">
+                  <a:lumMod val="85000"/>
+                </a:schemeClr>
+              </a:solidFill>
+            </a:endParaRPr>
+          </a:p>
+          <a:p>
+            <a:pPr>
+              <a:buNone/>
+            </a:pPr>
+            <a:r>
+              <a:rPr lang="es-ES" sz="3200" dirty="0" smtClean="0">
+                <a:solidFill>
+                  <a:schemeClr val="bg1">
+                    <a:lumMod val="85000"/>
+                  </a:schemeClr>
+                </a:solidFill>
+              </a:rPr>
+              <a:t>	Spread </a:t>
+            </a:r>
+            <a:r>
+              <a:rPr lang="es-ES" sz="3200" dirty="0" err="1" smtClean="0">
+                <a:solidFill>
+                  <a:schemeClr val="bg1">
+                    <a:lumMod val="85000"/>
+                  </a:schemeClr>
+                </a:solidFill>
+              </a:rPr>
+              <a:t>spectrum</a:t>
+            </a:r>
+            <a:endParaRPr lang="es-ES" sz="3200" dirty="0" smtClean="0">
+              <a:solidFill>
+                <a:schemeClr val="bg1">
+                  <a:lumMod val="85000"/>
+                </a:schemeClr>
+              </a:solidFill>
+            </a:endParaRPr>
+          </a:p>
+          <a:p>
+            <a:pPr>
+              <a:buNone/>
+            </a:pPr>
+            <a:r>
+              <a:rPr lang="es-ES" sz="3200" dirty="0" smtClean="0">
+                <a:solidFill>
+                  <a:schemeClr val="bg1">
+                    <a:lumMod val="85000"/>
+                  </a:schemeClr>
+                </a:solidFill>
+              </a:rPr>
+              <a:t>	Echo </a:t>
+            </a:r>
+            <a:r>
+              <a:rPr lang="es-ES" sz="3200" dirty="0" err="1" smtClean="0">
+                <a:solidFill>
+                  <a:schemeClr val="bg1">
+                    <a:lumMod val="85000"/>
+                  </a:schemeClr>
+                </a:solidFill>
+              </a:rPr>
+              <a:t>hiding</a:t>
+            </a:r>
+            <a:endParaRPr lang="es-ES" sz="3200" dirty="0" smtClean="0">
+              <a:solidFill>
+                <a:schemeClr val="bg1">
+                  <a:lumMod val="85000"/>
+                </a:schemeClr>
+              </a:solidFill>
+            </a:endParaRPr>
+          </a:p>
+        </p:txBody>
+      </p:sp>
+    </p:spTree>
+  </p:cSld>
+  <p:clrMapOvr>
+    <a:masterClrMapping/>
+  </p:clrMapOvr>
+  <p:timing>
+    <p:tnLst>
+      <p:par>
+        <p:cTn id="1" dur="indefinite" restart="never" nodeType="tmRoot"/>
+      </p:par>
+    </p:tnLst>
+  </p:timing>
+</p:sld>
+</file>
+
+<file path=ppt/slides/slide25.xml><?xml version="1.0" encoding="utf-8"?>
+<p:sld xmlns:a="http://schemas.openxmlformats.org/drawingml/2006/main" xmlns:r="http://schemas.openxmlformats.org/officeDocument/2006/relationships" xmlns:p="http://schemas.openxmlformats.org/presentationml/2006/main">
+  <p:cSld>
+    <p:spTree>
+      <p:nvGrpSpPr>
+        <p:cNvPr id="1" name=""/>
+        <p:cNvGrpSpPr/>
+        <p:nvPr/>
+      </p:nvGrpSpPr>
+      <p:grpSpPr>
+        <a:xfrm>
+          <a:off x="0" y="0"/>
+          <a:ext cx="0" cy="0"/>
+          <a:chOff x="0" y="0"/>
+          <a:chExt cx="0" cy="0"/>
+        </a:xfrm>
+      </p:grpSpPr>
+      <p:sp>
+        <p:nvSpPr>
+          <p:cNvPr id="2" name="1 Título"/>
+          <p:cNvSpPr>
+            <a:spLocks noGrp="1"/>
+          </p:cNvSpPr>
+          <p:nvPr>
+            <p:ph type="title"/>
+          </p:nvPr>
+        </p:nvSpPr>
+        <p:spPr/>
+        <p:txBody>
+          <a:bodyPr/>
+          <a:lstStyle/>
+          <a:p>
+            <a:r>
+              <a:rPr lang="es-ES" dirty="0" err="1" smtClean="0"/>
+              <a:t>Parity</a:t>
+            </a:r>
+            <a:r>
+              <a:rPr lang="es-ES" dirty="0" smtClean="0"/>
+              <a:t> </a:t>
+            </a:r>
+            <a:r>
+              <a:rPr lang="es-ES" dirty="0" err="1" smtClean="0"/>
+              <a:t>coding</a:t>
+            </a:r>
+            <a:endParaRPr lang="es-ES" dirty="0"/>
+          </a:p>
+        </p:txBody>
+      </p:sp>
+      <p:sp>
+        <p:nvSpPr>
+          <p:cNvPr id="3" name="2 Marcador de contenido"/>
+          <p:cNvSpPr>
+            <a:spLocks noGrp="1"/>
+          </p:cNvSpPr>
+          <p:nvPr>
+            <p:ph idx="1"/>
+          </p:nvPr>
+        </p:nvSpPr>
+        <p:spPr/>
+        <p:txBody>
+          <a:bodyPr/>
+          <a:lstStyle/>
+          <a:p>
+            <a:endParaRPr lang="es-ES"/>
+          </a:p>
+        </p:txBody>
+      </p:sp>
+    </p:spTree>
+  </p:cSld>
+  <p:clrMapOvr>
+    <a:masterClrMapping/>
+  </p:clrMapOvr>
+  <p:timing>
+    <p:tnLst>
+      <p:par>
+        <p:cTn id="1" dur="indefinite" restart="never" nodeType="tmRoot"/>
+      </p:par>
+    </p:tnLst>
+  </p:timing>
+</p:sld>
+</file>
+
+<file path=ppt/slides/slide26.xml><?xml version="1.0" encoding="utf-8"?>
+<p:sld xmlns:a="http://schemas.openxmlformats.org/drawingml/2006/main" xmlns:r="http://schemas.openxmlformats.org/officeDocument/2006/relationships" xmlns:p="http://schemas.openxmlformats.org/presentationml/2006/main">
+  <p:cSld>
+    <p:spTree>
+      <p:nvGrpSpPr>
+        <p:cNvPr id="1" name=""/>
+        <p:cNvGrpSpPr/>
+        <p:nvPr/>
+      </p:nvGrpSpPr>
+      <p:grpSpPr>
+        <a:xfrm>
+          <a:off x="0" y="0"/>
+          <a:ext cx="0" cy="0"/>
+          <a:chOff x="0" y="0"/>
+          <a:chExt cx="0" cy="0"/>
+        </a:xfrm>
+      </p:grpSpPr>
+      <p:sp>
+        <p:nvSpPr>
+          <p:cNvPr id="2" name="1 Título"/>
+          <p:cNvSpPr>
+            <a:spLocks noGrp="1"/>
+          </p:cNvSpPr>
+          <p:nvPr>
+            <p:ph type="title"/>
+          </p:nvPr>
+        </p:nvSpPr>
+        <p:spPr>
+          <a:xfrm>
+            <a:off x="467544" y="1124744"/>
+            <a:ext cx="8229600" cy="1143000"/>
+          </a:xfrm>
+        </p:spPr>
+        <p:txBody>
+          <a:bodyPr>
+            <a:normAutofit fontScale="90000"/>
+          </a:bodyPr>
+          <a:lstStyle/>
+          <a:p>
+            <a:r>
+              <a:rPr lang="es-ES" dirty="0" err="1" smtClean="0"/>
+              <a:t>Esteganografía</a:t>
+            </a:r>
+            <a:r>
+              <a:rPr lang="es-ES" dirty="0" smtClean="0"/>
+              <a:t> de audio: métodos</a:t>
+            </a:r>
+            <a:endParaRPr lang="es-ES" dirty="0"/>
+          </a:p>
+        </p:txBody>
+      </p:sp>
+      <p:sp>
+        <p:nvSpPr>
+          <p:cNvPr id="3" name="2 Marcador de contenido"/>
+          <p:cNvSpPr>
+            <a:spLocks noGrp="1"/>
+          </p:cNvSpPr>
+          <p:nvPr>
+            <p:ph idx="1"/>
+          </p:nvPr>
+        </p:nvSpPr>
+        <p:spPr>
+          <a:xfrm>
+            <a:off x="467544" y="2852936"/>
+            <a:ext cx="8229600" cy="3597032"/>
+          </a:xfrm>
+        </p:spPr>
+        <p:txBody>
+          <a:bodyPr>
+            <a:normAutofit/>
+          </a:bodyPr>
+          <a:lstStyle/>
+          <a:p>
+            <a:r>
+              <a:rPr lang="es-ES" sz="3200" dirty="0" smtClean="0"/>
+              <a:t>LSB </a:t>
+            </a:r>
+            <a:r>
+              <a:rPr lang="es-ES" sz="3200" dirty="0" err="1" smtClean="0"/>
+              <a:t>coding</a:t>
+            </a:r>
+            <a:endParaRPr lang="es-ES" sz="3200" dirty="0" smtClean="0"/>
+          </a:p>
+          <a:p>
+            <a:pPr>
+              <a:buFont typeface="Wingdings 2" pitchFamily="18" charset="2"/>
+              <a:buChar char=""/>
+            </a:pPr>
+            <a:r>
+              <a:rPr lang="es-ES" sz="3200" dirty="0" err="1" smtClean="0"/>
+              <a:t>Parity</a:t>
+            </a:r>
+            <a:r>
+              <a:rPr lang="es-ES" sz="3200" dirty="0" smtClean="0"/>
+              <a:t> </a:t>
+            </a:r>
+            <a:r>
+              <a:rPr lang="es-ES" sz="3200" dirty="0" err="1" smtClean="0"/>
+              <a:t>coding</a:t>
+            </a:r>
+            <a:endParaRPr lang="es-ES" sz="3200" dirty="0" smtClean="0"/>
+          </a:p>
+          <a:p>
+            <a:pPr>
+              <a:buFont typeface="Wingdings 2" pitchFamily="18" charset="2"/>
+              <a:buChar char=""/>
+            </a:pPr>
+            <a:r>
+              <a:rPr lang="es-ES" sz="3200" dirty="0" err="1" smtClean="0"/>
+              <a:t>Phase</a:t>
+            </a:r>
+            <a:r>
+              <a:rPr lang="es-ES" sz="3200" dirty="0" smtClean="0"/>
+              <a:t> </a:t>
+            </a:r>
+            <a:r>
+              <a:rPr lang="es-ES" sz="3200" dirty="0" err="1" smtClean="0"/>
+              <a:t>coding</a:t>
+            </a:r>
+            <a:endParaRPr lang="es-ES" sz="3200" dirty="0" smtClean="0"/>
+          </a:p>
+          <a:p>
+            <a:pPr>
+              <a:buNone/>
+            </a:pPr>
+            <a:r>
+              <a:rPr lang="es-ES" sz="3200" dirty="0" smtClean="0">
+                <a:solidFill>
+                  <a:schemeClr val="bg1">
+                    <a:lumMod val="85000"/>
+                  </a:schemeClr>
+                </a:solidFill>
+              </a:rPr>
+              <a:t>	Spread </a:t>
+            </a:r>
+            <a:r>
+              <a:rPr lang="es-ES" sz="3200" dirty="0" err="1" smtClean="0">
+                <a:solidFill>
+                  <a:schemeClr val="bg1">
+                    <a:lumMod val="85000"/>
+                  </a:schemeClr>
+                </a:solidFill>
+              </a:rPr>
+              <a:t>spectrum</a:t>
+            </a:r>
+            <a:endParaRPr lang="es-ES" sz="3200" dirty="0" smtClean="0">
+              <a:solidFill>
+                <a:schemeClr val="bg1">
+                  <a:lumMod val="85000"/>
+                </a:schemeClr>
+              </a:solidFill>
+            </a:endParaRPr>
+          </a:p>
+          <a:p>
+            <a:pPr>
+              <a:buNone/>
+            </a:pPr>
+            <a:r>
+              <a:rPr lang="es-ES" sz="3200" dirty="0" smtClean="0">
+                <a:solidFill>
+                  <a:schemeClr val="bg1">
+                    <a:lumMod val="85000"/>
+                  </a:schemeClr>
+                </a:solidFill>
+              </a:rPr>
+              <a:t>	Echo </a:t>
+            </a:r>
+            <a:r>
+              <a:rPr lang="es-ES" sz="3200" dirty="0" err="1" smtClean="0">
+                <a:solidFill>
+                  <a:schemeClr val="bg1">
+                    <a:lumMod val="85000"/>
+                  </a:schemeClr>
+                </a:solidFill>
+              </a:rPr>
+              <a:t>hiding</a:t>
+            </a:r>
+            <a:endParaRPr lang="es-ES" sz="3200" dirty="0" smtClean="0">
+              <a:solidFill>
+                <a:schemeClr val="bg1">
+                  <a:lumMod val="85000"/>
+                </a:schemeClr>
+              </a:solidFill>
+            </a:endParaRPr>
+          </a:p>
+        </p:txBody>
+      </p:sp>
+    </p:spTree>
+  </p:cSld>
+  <p:clrMapOvr>
+    <a:masterClrMapping/>
+  </p:clrMapOvr>
+  <p:timing>
+    <p:tnLst>
+      <p:par>
+        <p:cTn id="1" dur="indefinite" restart="never" nodeType="tmRoot"/>
+      </p:par>
+    </p:tnLst>
+  </p:timing>
+</p:sld>
+</file>
+
+<file path=ppt/slides/slide27.xml><?xml version="1.0" encoding="utf-8"?>
+<p:sld xmlns:a="http://schemas.openxmlformats.org/drawingml/2006/main" xmlns:r="http://schemas.openxmlformats.org/officeDocument/2006/relationships" xmlns:p="http://schemas.openxmlformats.org/presentationml/2006/main">
+  <p:cSld>
+    <p:spTree>
+      <p:nvGrpSpPr>
+        <p:cNvPr id="1" name=""/>
+        <p:cNvGrpSpPr/>
+        <p:nvPr/>
+      </p:nvGrpSpPr>
+      <p:grpSpPr>
+        <a:xfrm>
+          <a:off x="0" y="0"/>
+          <a:ext cx="0" cy="0"/>
+          <a:chOff x="0" y="0"/>
+          <a:chExt cx="0" cy="0"/>
+        </a:xfrm>
+      </p:grpSpPr>
+      <p:sp>
+        <p:nvSpPr>
+          <p:cNvPr id="2" name="1 Título"/>
+          <p:cNvSpPr>
+            <a:spLocks noGrp="1"/>
+          </p:cNvSpPr>
+          <p:nvPr>
+            <p:ph type="title"/>
+          </p:nvPr>
+        </p:nvSpPr>
+        <p:spPr/>
+        <p:txBody>
+          <a:bodyPr/>
+          <a:lstStyle/>
+          <a:p>
+            <a:r>
+              <a:rPr lang="es-ES" dirty="0" err="1" smtClean="0"/>
+              <a:t>Phase</a:t>
+            </a:r>
+            <a:r>
+              <a:rPr lang="es-ES" dirty="0" smtClean="0"/>
+              <a:t> </a:t>
+            </a:r>
+            <a:r>
+              <a:rPr lang="es-ES" dirty="0" err="1" smtClean="0"/>
+              <a:t>coding</a:t>
+            </a:r>
+            <a:endParaRPr lang="es-ES" dirty="0"/>
+          </a:p>
+        </p:txBody>
+      </p:sp>
+      <p:sp>
+        <p:nvSpPr>
+          <p:cNvPr id="3" name="2 Marcador de contenido"/>
+          <p:cNvSpPr>
+            <a:spLocks noGrp="1"/>
+          </p:cNvSpPr>
+          <p:nvPr>
+            <p:ph idx="1"/>
+          </p:nvPr>
+        </p:nvSpPr>
+        <p:spPr/>
+        <p:txBody>
+          <a:bodyPr/>
+          <a:lstStyle/>
+          <a:p>
+            <a:endParaRPr lang="es-ES"/>
+          </a:p>
+        </p:txBody>
+      </p:sp>
+    </p:spTree>
+  </p:cSld>
+  <p:clrMapOvr>
+    <a:masterClrMapping/>
+  </p:clrMapOvr>
+  <p:timing>
+    <p:tnLst>
+      <p:par>
+        <p:cTn id="1" dur="indefinite" restart="never" nodeType="tmRoot"/>
+      </p:par>
+    </p:tnLst>
+  </p:timing>
+</p:sld>
+</file>
+
+<file path=ppt/slides/slide28.xml><?xml version="1.0" encoding="utf-8"?>
+<p:sld xmlns:a="http://schemas.openxmlformats.org/drawingml/2006/main" xmlns:r="http://schemas.openxmlformats.org/officeDocument/2006/relationships" xmlns:p="http://schemas.openxmlformats.org/presentationml/2006/main">
+  <p:cSld>
+    <p:spTree>
+      <p:nvGrpSpPr>
+        <p:cNvPr id="1" name=""/>
+        <p:cNvGrpSpPr/>
+        <p:nvPr/>
+      </p:nvGrpSpPr>
+      <p:grpSpPr>
+        <a:xfrm>
+          <a:off x="0" y="0"/>
+          <a:ext cx="0" cy="0"/>
+          <a:chOff x="0" y="0"/>
+          <a:chExt cx="0" cy="0"/>
+        </a:xfrm>
+      </p:grpSpPr>
+      <p:sp>
+        <p:nvSpPr>
+          <p:cNvPr id="2" name="1 Título"/>
+          <p:cNvSpPr>
+            <a:spLocks noGrp="1"/>
+          </p:cNvSpPr>
+          <p:nvPr>
+            <p:ph type="title"/>
+          </p:nvPr>
+        </p:nvSpPr>
+        <p:spPr>
+          <a:xfrm>
+            <a:off x="467544" y="1124744"/>
+            <a:ext cx="8229600" cy="1143000"/>
+          </a:xfrm>
+        </p:spPr>
+        <p:txBody>
+          <a:bodyPr>
+            <a:normAutofit fontScale="90000"/>
+          </a:bodyPr>
+          <a:lstStyle/>
+          <a:p>
+            <a:r>
+              <a:rPr lang="es-ES" dirty="0" err="1" smtClean="0"/>
+              <a:t>Esteganografía</a:t>
+            </a:r>
+            <a:r>
+              <a:rPr lang="es-ES" dirty="0" smtClean="0"/>
+              <a:t> de audio: métodos</a:t>
+            </a:r>
+            <a:endParaRPr lang="es-ES" dirty="0"/>
+          </a:p>
+        </p:txBody>
+      </p:sp>
+      <p:sp>
+        <p:nvSpPr>
+          <p:cNvPr id="3" name="2 Marcador de contenido"/>
+          <p:cNvSpPr>
+            <a:spLocks noGrp="1"/>
+          </p:cNvSpPr>
+          <p:nvPr>
+            <p:ph idx="1"/>
+          </p:nvPr>
+        </p:nvSpPr>
+        <p:spPr>
+          <a:xfrm>
+            <a:off x="467544" y="2852936"/>
+            <a:ext cx="8229600" cy="3597032"/>
+          </a:xfrm>
+        </p:spPr>
+        <p:txBody>
+          <a:bodyPr>
+            <a:normAutofit/>
+          </a:bodyPr>
+          <a:lstStyle/>
+          <a:p>
+            <a:r>
+              <a:rPr lang="es-ES" sz="3200" dirty="0" smtClean="0"/>
+              <a:t>LSB </a:t>
+            </a:r>
+            <a:r>
+              <a:rPr lang="es-ES" sz="3200" dirty="0" err="1" smtClean="0"/>
+              <a:t>coding</a:t>
+            </a:r>
+            <a:endParaRPr lang="es-ES" sz="3200" dirty="0" smtClean="0"/>
+          </a:p>
+          <a:p>
+            <a:pPr>
+              <a:buFont typeface="Wingdings 2" pitchFamily="18" charset="2"/>
+              <a:buChar char=""/>
+            </a:pPr>
+            <a:r>
+              <a:rPr lang="es-ES" sz="3200" dirty="0" err="1" smtClean="0"/>
+              <a:t>Parity</a:t>
+            </a:r>
+            <a:r>
+              <a:rPr lang="es-ES" sz="3200" dirty="0" smtClean="0"/>
+              <a:t> </a:t>
+            </a:r>
+            <a:r>
+              <a:rPr lang="es-ES" sz="3200" dirty="0" err="1" smtClean="0"/>
+              <a:t>coding</a:t>
+            </a:r>
+            <a:endParaRPr lang="es-ES" sz="3200" dirty="0" smtClean="0"/>
+          </a:p>
+          <a:p>
+            <a:pPr>
+              <a:buFont typeface="Wingdings 2" pitchFamily="18" charset="2"/>
+              <a:buChar char=""/>
+            </a:pPr>
+            <a:r>
+              <a:rPr lang="es-ES" sz="3200" dirty="0" err="1" smtClean="0"/>
+              <a:t>Phase</a:t>
+            </a:r>
+            <a:r>
+              <a:rPr lang="es-ES" sz="3200" dirty="0" smtClean="0"/>
+              <a:t> </a:t>
+            </a:r>
+            <a:r>
+              <a:rPr lang="es-ES" sz="3200" dirty="0" err="1" smtClean="0"/>
+              <a:t>coding</a:t>
+            </a:r>
+            <a:endParaRPr lang="es-ES" sz="3200" dirty="0" smtClean="0"/>
+          </a:p>
+          <a:p>
+            <a:pPr>
+              <a:buFont typeface="Wingdings 2" pitchFamily="18" charset="2"/>
+              <a:buChar char=""/>
+            </a:pPr>
+            <a:r>
+              <a:rPr lang="es-ES" sz="3200" dirty="0" smtClean="0"/>
+              <a:t>Spread </a:t>
+            </a:r>
+            <a:r>
+              <a:rPr lang="es-ES" sz="3200" dirty="0" err="1" smtClean="0"/>
+              <a:t>spectrum</a:t>
+            </a:r>
+            <a:endParaRPr lang="es-ES" sz="3200" dirty="0" smtClean="0"/>
+          </a:p>
+          <a:p>
+            <a:pPr>
+              <a:buNone/>
+            </a:pPr>
+            <a:r>
+              <a:rPr lang="es-ES" sz="3200" dirty="0" smtClean="0">
+                <a:solidFill>
+                  <a:schemeClr val="bg1">
+                    <a:lumMod val="85000"/>
+                  </a:schemeClr>
+                </a:solidFill>
+              </a:rPr>
+              <a:t>	Echo </a:t>
+            </a:r>
+            <a:r>
+              <a:rPr lang="es-ES" sz="3200" dirty="0" err="1" smtClean="0">
+                <a:solidFill>
+                  <a:schemeClr val="bg1">
+                    <a:lumMod val="85000"/>
+                  </a:schemeClr>
+                </a:solidFill>
+              </a:rPr>
+              <a:t>hiding</a:t>
+            </a:r>
+            <a:endParaRPr lang="es-ES" sz="3200" dirty="0" smtClean="0">
+              <a:solidFill>
+                <a:schemeClr val="bg1">
+                  <a:lumMod val="85000"/>
+                </a:schemeClr>
+              </a:solidFill>
+            </a:endParaRPr>
+          </a:p>
+        </p:txBody>
+      </p:sp>
+    </p:spTree>
+  </p:cSld>
+  <p:clrMapOvr>
+    <a:masterClrMapping/>
+  </p:clrMapOvr>
+  <p:timing>
+    <p:tnLst>
+      <p:par>
+        <p:cTn id="1" dur="indefinite" restart="never" nodeType="tmRoot"/>
+      </p:par>
+    </p:tnLst>
+  </p:timing>
+</p:sld>
+</file>
+
+<file path=ppt/slides/slide29.xml><?xml version="1.0" encoding="utf-8"?>
+<p:sld xmlns:a="http://schemas.openxmlformats.org/drawingml/2006/main" xmlns:r="http://schemas.openxmlformats.org/officeDocument/2006/relationships" xmlns:p="http://schemas.openxmlformats.org/presentationml/2006/main">
+  <p:cSld>
+    <p:spTree>
+      <p:nvGrpSpPr>
+        <p:cNvPr id="1" name=""/>
+        <p:cNvGrpSpPr/>
+        <p:nvPr/>
+      </p:nvGrpSpPr>
+      <p:grpSpPr>
+        <a:xfrm>
+          <a:off x="0" y="0"/>
+          <a:ext cx="0" cy="0"/>
+          <a:chOff x="0" y="0"/>
+          <a:chExt cx="0" cy="0"/>
+        </a:xfrm>
+      </p:grpSpPr>
+      <p:sp>
+        <p:nvSpPr>
+          <p:cNvPr id="2" name="1 Título"/>
+          <p:cNvSpPr>
+            <a:spLocks noGrp="1"/>
+          </p:cNvSpPr>
+          <p:nvPr>
+            <p:ph type="title"/>
+          </p:nvPr>
+        </p:nvSpPr>
+        <p:spPr/>
+        <p:txBody>
+          <a:bodyPr/>
+          <a:lstStyle/>
+          <a:p>
+            <a:r>
+              <a:rPr lang="es-ES" dirty="0" smtClean="0"/>
+              <a:t>Spread </a:t>
+            </a:r>
+            <a:r>
+              <a:rPr lang="es-ES" dirty="0" err="1" smtClean="0"/>
+              <a:t>spectrum</a:t>
+            </a:r>
+            <a:endParaRPr lang="es-ES" dirty="0"/>
+          </a:p>
+        </p:txBody>
+      </p:sp>
+      <p:sp>
+        <p:nvSpPr>
+          <p:cNvPr id="3" name="2 Marcador de contenido"/>
+          <p:cNvSpPr>
+            <a:spLocks noGrp="1"/>
+          </p:cNvSpPr>
+          <p:nvPr>
+            <p:ph idx="1"/>
+          </p:nvPr>
+        </p:nvSpPr>
+        <p:spPr/>
+        <p:txBody>
+          <a:bodyPr/>
+          <a:lstStyle/>
+          <a:p>
+            <a:endParaRPr lang="es-ES"/>
+          </a:p>
+        </p:txBody>
+      </p:sp>
+    </p:spTree>
+  </p:cSld>
+  <p:clrMapOvr>
+    <a:masterClrMapping/>
+  </p:clrMapOvr>
+  <p:timing>
+    <p:tnLst>
+      <p:par>
+        <p:cTn id="1" dur="indefinite" restart="never" nodeType="tmRoot"/>
+      </p:par>
+    </p:tnLst>
+  </p:timing>
 </p:sld>
 </file>
 
@@ -5188,19 +7263,7 @@
             </a:r>
             <a:r>
               <a:rPr lang="es-ES" dirty="0" smtClean="0"/>
-              <a:t> es la disciplina en la que se estudian y aplican técnicas que permiten el ocultamiento de mensajes </a:t>
-            </a:r>
-            <a:r>
-              <a:rPr lang="es-ES" dirty="0" smtClean="0"/>
-              <a:t>u objetos, </a:t>
-            </a:r>
-            <a:r>
-              <a:rPr lang="es-ES" dirty="0" smtClean="0"/>
-              <a:t>dentro de otros, llamados portadores, de modo que no se perciba su existencia</a:t>
-            </a:r>
-            <a:r>
-              <a:rPr lang="es-ES" dirty="0" smtClean="0"/>
-              <a:t>.</a:t>
+              <a:t> es la disciplina en la que se estudian y aplican técnicas que permiten el ocultamiento de mensajes u objetos, dentro de otros, llamados portadores, de modo que no se perciba su existencia.</a:t>
             </a:r>
           </a:p>
           <a:p>
@@ -5238,13 +7301,255 @@
             </a:r>
             <a:r>
               <a:rPr lang="es-ES" dirty="0" smtClean="0"/>
-              <a:t> pueden complementarse, dando un nivel de seguridad </a:t>
-            </a:r>
-            <a:r>
-              <a:rPr lang="es-ES" dirty="0" smtClean="0"/>
-              <a:t>extra.</a:t>
+              <a:t> pueden complementarse, dando un nivel de seguridad extra.</a:t>
             </a:r>
             <a:endParaRPr lang="es-ES" dirty="0"/>
+          </a:p>
+        </p:txBody>
+      </p:sp>
+    </p:spTree>
+  </p:cSld>
+  <p:clrMapOvr>
+    <a:masterClrMapping/>
+  </p:clrMapOvr>
+  <p:timing>
+    <p:tnLst>
+      <p:par>
+        <p:cTn id="1" dur="indefinite" restart="never" nodeType="tmRoot"/>
+      </p:par>
+    </p:tnLst>
+  </p:timing>
+</p:sld>
+</file>
+
+<file path=ppt/slides/slide30.xml><?xml version="1.0" encoding="utf-8"?>
+<p:sld xmlns:a="http://schemas.openxmlformats.org/drawingml/2006/main" xmlns:r="http://schemas.openxmlformats.org/officeDocument/2006/relationships" xmlns:p="http://schemas.openxmlformats.org/presentationml/2006/main">
+  <p:cSld>
+    <p:spTree>
+      <p:nvGrpSpPr>
+        <p:cNvPr id="1" name=""/>
+        <p:cNvGrpSpPr/>
+        <p:nvPr/>
+      </p:nvGrpSpPr>
+      <p:grpSpPr>
+        <a:xfrm>
+          <a:off x="0" y="0"/>
+          <a:ext cx="0" cy="0"/>
+          <a:chOff x="0" y="0"/>
+          <a:chExt cx="0" cy="0"/>
+        </a:xfrm>
+      </p:grpSpPr>
+      <p:sp>
+        <p:nvSpPr>
+          <p:cNvPr id="2" name="1 Título"/>
+          <p:cNvSpPr>
+            <a:spLocks noGrp="1"/>
+          </p:cNvSpPr>
+          <p:nvPr>
+            <p:ph type="title"/>
+          </p:nvPr>
+        </p:nvSpPr>
+        <p:spPr>
+          <a:xfrm>
+            <a:off x="467544" y="1124744"/>
+            <a:ext cx="8229600" cy="1143000"/>
+          </a:xfrm>
+        </p:spPr>
+        <p:txBody>
+          <a:bodyPr>
+            <a:normAutofit fontScale="90000"/>
+          </a:bodyPr>
+          <a:lstStyle/>
+          <a:p>
+            <a:r>
+              <a:rPr lang="es-ES" dirty="0" err="1" smtClean="0"/>
+              <a:t>Esteganografía</a:t>
+            </a:r>
+            <a:r>
+              <a:rPr lang="es-ES" dirty="0" smtClean="0"/>
+              <a:t> de audio: métodos</a:t>
+            </a:r>
+            <a:endParaRPr lang="es-ES" dirty="0"/>
+          </a:p>
+        </p:txBody>
+      </p:sp>
+      <p:sp>
+        <p:nvSpPr>
+          <p:cNvPr id="3" name="2 Marcador de contenido"/>
+          <p:cNvSpPr>
+            <a:spLocks noGrp="1"/>
+          </p:cNvSpPr>
+          <p:nvPr>
+            <p:ph idx="1"/>
+          </p:nvPr>
+        </p:nvSpPr>
+        <p:spPr>
+          <a:xfrm>
+            <a:off x="467544" y="2852936"/>
+            <a:ext cx="8229600" cy="3597032"/>
+          </a:xfrm>
+        </p:spPr>
+        <p:txBody>
+          <a:bodyPr>
+            <a:normAutofit/>
+          </a:bodyPr>
+          <a:lstStyle/>
+          <a:p>
+            <a:r>
+              <a:rPr lang="es-ES" sz="3200" dirty="0" smtClean="0"/>
+              <a:t>LSB </a:t>
+            </a:r>
+            <a:r>
+              <a:rPr lang="es-ES" sz="3200" dirty="0" err="1" smtClean="0"/>
+              <a:t>coding</a:t>
+            </a:r>
+            <a:endParaRPr lang="es-ES" sz="3200" dirty="0" smtClean="0"/>
+          </a:p>
+          <a:p>
+            <a:pPr>
+              <a:buFont typeface="Wingdings 2" pitchFamily="18" charset="2"/>
+              <a:buChar char=""/>
+            </a:pPr>
+            <a:r>
+              <a:rPr lang="es-ES" sz="3200" dirty="0" err="1" smtClean="0"/>
+              <a:t>Parity</a:t>
+            </a:r>
+            <a:r>
+              <a:rPr lang="es-ES" sz="3200" dirty="0" smtClean="0"/>
+              <a:t> </a:t>
+            </a:r>
+            <a:r>
+              <a:rPr lang="es-ES" sz="3200" dirty="0" err="1" smtClean="0"/>
+              <a:t>coding</a:t>
+            </a:r>
+            <a:endParaRPr lang="es-ES" sz="3200" dirty="0" smtClean="0"/>
+          </a:p>
+          <a:p>
+            <a:pPr>
+              <a:buFont typeface="Wingdings 2" pitchFamily="18" charset="2"/>
+              <a:buChar char=""/>
+            </a:pPr>
+            <a:r>
+              <a:rPr lang="es-ES" sz="3200" dirty="0" err="1" smtClean="0"/>
+              <a:t>Phase</a:t>
+            </a:r>
+            <a:r>
+              <a:rPr lang="es-ES" sz="3200" dirty="0" smtClean="0"/>
+              <a:t> </a:t>
+            </a:r>
+            <a:r>
+              <a:rPr lang="es-ES" sz="3200" dirty="0" err="1" smtClean="0"/>
+              <a:t>coding</a:t>
+            </a:r>
+            <a:endParaRPr lang="es-ES" sz="3200" dirty="0" smtClean="0"/>
+          </a:p>
+          <a:p>
+            <a:pPr>
+              <a:buFont typeface="Wingdings 2" pitchFamily="18" charset="2"/>
+              <a:buChar char=""/>
+            </a:pPr>
+            <a:r>
+              <a:rPr lang="es-ES" sz="3200" dirty="0" smtClean="0"/>
+              <a:t>Spread </a:t>
+            </a:r>
+            <a:r>
+              <a:rPr lang="es-ES" sz="3200" dirty="0" err="1" smtClean="0"/>
+              <a:t>spectrum</a:t>
+            </a:r>
+            <a:endParaRPr lang="es-ES" sz="3200" dirty="0" smtClean="0"/>
+          </a:p>
+          <a:p>
+            <a:pPr>
+              <a:buFont typeface="Wingdings 2" pitchFamily="18" charset="2"/>
+              <a:buChar char=""/>
+            </a:pPr>
+            <a:r>
+              <a:rPr lang="es-ES" sz="3200" dirty="0" smtClean="0"/>
+              <a:t>Echo </a:t>
+            </a:r>
+            <a:r>
+              <a:rPr lang="es-ES" sz="3200" dirty="0" err="1" smtClean="0"/>
+              <a:t>hiding</a:t>
+            </a:r>
+            <a:endParaRPr lang="es-ES" sz="3200" dirty="0" smtClean="0"/>
+          </a:p>
+        </p:txBody>
+      </p:sp>
+    </p:spTree>
+  </p:cSld>
+  <p:clrMapOvr>
+    <a:masterClrMapping/>
+  </p:clrMapOvr>
+  <p:timing>
+    <p:tnLst>
+      <p:par>
+        <p:cTn id="1" dur="indefinite" restart="never" nodeType="tmRoot"/>
+      </p:par>
+    </p:tnLst>
+  </p:timing>
+</p:sld>
+</file>
+
+<file path=ppt/slides/slide31.xml><?xml version="1.0" encoding="utf-8"?>
+<p:sld xmlns:a="http://schemas.openxmlformats.org/drawingml/2006/main" xmlns:r="http://schemas.openxmlformats.org/officeDocument/2006/relationships" xmlns:p="http://schemas.openxmlformats.org/presentationml/2006/main">
+  <p:cSld>
+    <p:spTree>
+      <p:nvGrpSpPr>
+        <p:cNvPr id="1" name=""/>
+        <p:cNvGrpSpPr/>
+        <p:nvPr/>
+      </p:nvGrpSpPr>
+      <p:grpSpPr>
+        <a:xfrm>
+          <a:off x="0" y="0"/>
+          <a:ext cx="0" cy="0"/>
+          <a:chOff x="0" y="0"/>
+          <a:chExt cx="0" cy="0"/>
+        </a:xfrm>
+      </p:grpSpPr>
+      <p:sp>
+        <p:nvSpPr>
+          <p:cNvPr id="2" name="1 Título"/>
+          <p:cNvSpPr>
+            <a:spLocks noGrp="1"/>
+          </p:cNvSpPr>
+          <p:nvPr>
+            <p:ph type="title"/>
+          </p:nvPr>
+        </p:nvSpPr>
+        <p:spPr/>
+        <p:txBody>
+          <a:bodyPr/>
+          <a:lstStyle/>
+          <a:p>
+            <a:r>
+              <a:rPr lang="es-ES" dirty="0" smtClean="0"/>
+              <a:t>Echo </a:t>
+            </a:r>
+            <a:r>
+              <a:rPr lang="es-ES" dirty="0" err="1" smtClean="0"/>
+              <a:t>hiding</a:t>
+            </a:r>
+            <a:endParaRPr lang="es-ES" dirty="0"/>
+          </a:p>
+        </p:txBody>
+      </p:sp>
+      <p:sp>
+        <p:nvSpPr>
+          <p:cNvPr id="3" name="2 Marcador de contenido"/>
+          <p:cNvSpPr>
+            <a:spLocks noGrp="1"/>
+          </p:cNvSpPr>
+          <p:nvPr>
+            <p:ph idx="1"/>
+          </p:nvPr>
+        </p:nvSpPr>
+        <p:spPr/>
+        <p:txBody>
+          <a:bodyPr/>
+          <a:lstStyle/>
+          <a:p>
+            <a:endParaRPr lang="es-ES"/>
           </a:p>
         </p:txBody>
       </p:sp>
@@ -5337,11 +7642,7 @@
             </a:r>
             <a:r>
               <a:rPr lang="es-ES" dirty="0" smtClean="0"/>
-              <a:t> ha estado presente desde tiempos </a:t>
-            </a:r>
-            <a:r>
-              <a:rPr lang="es-ES" dirty="0" smtClean="0"/>
-              <a:t>antiguos.</a:t>
+              <a:t> ha estado presente desde tiempos antiguos.</a:t>
             </a:r>
           </a:p>
           <a:p>
@@ -5361,11 +7662,7 @@
           <a:p>
             <a:r>
               <a:rPr lang="es-ES" dirty="0" smtClean="0"/>
-              <a:t>Se </a:t>
-            </a:r>
-            <a:r>
-              <a:rPr lang="es-ES" dirty="0" smtClean="0"/>
-              <a:t>usa en documentos, imágenes, audio, vídeo, etc.</a:t>
+              <a:t>Se usa en documentos, imágenes, audio, vídeo, etc.</a:t>
             </a:r>
           </a:p>
           <a:p>
@@ -5378,6 +7675,13 @@
   <p:clrMapOvr>
     <a:masterClrMapping/>
   </p:clrMapOvr>
+  <p:timing>
+    <p:tnLst>
+      <p:par>
+        <p:cTn id="1" dur="indefinite" restart="never" nodeType="tmRoot"/>
+      </p:par>
+    </p:tnLst>
+  </p:timing>
 </p:sld>
 </file>
 
@@ -5442,11 +7746,43 @@
           <a:p>
             <a:r>
               <a:rPr lang="es-ES" dirty="0" smtClean="0"/>
-              <a:t>Lo que la </a:t>
-            </a:r>
-            <a:r>
-              <a:rPr lang="es-ES" b="1" dirty="0" err="1" smtClean="0"/>
-              <a:t>esteganografía</a:t>
+              <a:t>Explota </a:t>
+            </a:r>
+            <a:r>
+              <a:rPr lang="es-ES" dirty="0" smtClean="0"/>
+              <a:t>las limitaciones de la percepción humana (visión, oído, etc.).</a:t>
+            </a:r>
+          </a:p>
+          <a:p>
+            <a:r>
+              <a:rPr lang="es-ES" dirty="0" smtClean="0"/>
+              <a:t>Se </a:t>
+            </a:r>
+            <a:r>
+              <a:rPr lang="es-ES" dirty="0" smtClean="0"/>
+              <a:t>basa </a:t>
+            </a:r>
+            <a:r>
+              <a:rPr lang="es-ES" dirty="0" smtClean="0"/>
+              <a:t>en llevar a cabo pequeños cambios en los objetos </a:t>
+            </a:r>
+            <a:r>
+              <a:rPr lang="es-ES" dirty="0" smtClean="0"/>
+              <a:t>portadores de forma que </a:t>
+            </a:r>
+            <a:r>
+              <a:rPr lang="es-ES" dirty="0" smtClean="0"/>
+              <a:t>resulten imperceptibles para una persona.</a:t>
+            </a:r>
+          </a:p>
+          <a:p>
+            <a:r>
+              <a:rPr lang="es-ES" dirty="0" smtClean="0"/>
+              <a:t>E</a:t>
+            </a:r>
+            <a:r>
+              <a:rPr lang="es-ES" dirty="0" smtClean="0"/>
+              <a:t>s invasiva</a:t>
             </a:r>
             <a:r>
               <a:rPr lang="es-ES" dirty="0" smtClean="0"/>
@@ -5454,39 +7790,15 @@
             </a:r>
             <a:r>
               <a:rPr lang="es-ES" dirty="0" smtClean="0"/>
-              <a:t>hace es, esencialmente, explotar </a:t>
-            </a:r>
-            <a:r>
-              <a:rPr lang="es-ES" dirty="0" smtClean="0"/>
-              <a:t>las limitaciones de la percepción </a:t>
-            </a:r>
-            <a:r>
-              <a:rPr lang="es-ES" dirty="0" smtClean="0"/>
-              <a:t>humana (visión, oído, etc.).</a:t>
-            </a:r>
-          </a:p>
-          <a:p>
-            <a:r>
-              <a:rPr lang="es-ES" dirty="0" smtClean="0"/>
-              <a:t>Se base en llevar a cabo pequeños cambios en los objetos portadores, que resulten imperceptibles para una persona.</a:t>
-            </a:r>
-          </a:p>
-          <a:p>
-            <a:r>
-              <a:rPr lang="es-ES" dirty="0" smtClean="0"/>
-              <a:t>Debido a que la </a:t>
-            </a:r>
-            <a:r>
-              <a:rPr lang="es-ES" b="1" dirty="0" err="1" smtClean="0"/>
-              <a:t>esteganografía</a:t>
-            </a:r>
-            <a:r>
-              <a:rPr lang="es-ES" b="1" dirty="0" smtClean="0"/>
+              <a:t>=&gt;</a:t>
+            </a:r>
+            <a:r>
+              <a:rPr lang="es-ES" dirty="0" smtClean="0"/>
               <a:t> </a:t>
             </a:r>
             <a:r>
               <a:rPr lang="es-ES" dirty="0" smtClean="0"/>
-              <a:t>es invasiva, es decir, deja huellas en el medio de transporte utilizado, las técnicas de </a:t>
+              <a:t>las técnicas de </a:t>
             </a:r>
             <a:r>
               <a:rPr lang="es-ES" dirty="0" err="1" smtClean="0"/>
@@ -5494,8 +7806,17 @@
             </a:r>
             <a:r>
               <a:rPr lang="es-ES" dirty="0" smtClean="0"/>
-              <a:t> se basan en cómo detectar estos cambios.</a:t>
-            </a:r>
+              <a:t> se basan en cómo detectar </a:t>
+            </a:r>
+            <a:r>
+              <a:rPr lang="es-ES" dirty="0" smtClean="0"/>
+              <a:t>las huellas dejadas durante el ocultamiento</a:t>
+            </a:r>
+            <a:r>
+              <a:rPr lang="es-ES" dirty="0" smtClean="0"/>
+              <a:t>.</a:t>
+            </a:r>
+            <a:endParaRPr lang="es-ES" dirty="0" smtClean="0"/>
           </a:p>
           <a:p>
             <a:endParaRPr lang="es-ES" dirty="0"/>
@@ -5507,6 +7828,13 @@
   <p:clrMapOvr>
     <a:masterClrMapping/>
   </p:clrMapOvr>
+  <p:timing>
+    <p:tnLst>
+      <p:par>
+        <p:cTn id="1" dur="indefinite" restart="never" nodeType="tmRoot"/>
+      </p:par>
+    </p:tnLst>
+  </p:timing>
 </p:sld>
 </file>
 
@@ -5582,6 +7910,13 @@
   <p:clrMapOvr>
     <a:masterClrMapping/>
   </p:clrMapOvr>
+  <p:timing>
+    <p:tnLst>
+      <p:par>
+        <p:cTn id="1" dur="indefinite" restart="never" nodeType="tmRoot"/>
+      </p:par>
+    </p:tnLst>
+  </p:timing>
 </p:sld>
 </file>
 
@@ -5619,57 +7954,170 @@
           <a:p>
             <a:r>
               <a:rPr lang="es-ES" dirty="0" smtClean="0"/>
+              <a:t>Índice</a:t>
+            </a:r>
+            <a:endParaRPr lang="es-ES" dirty="0"/>
+          </a:p>
+        </p:txBody>
+      </p:sp>
+      <p:sp>
+        <p:nvSpPr>
+          <p:cNvPr id="3" name="2 Marcador de contenido"/>
+          <p:cNvSpPr>
+            <a:spLocks noGrp="1"/>
+          </p:cNvSpPr>
+          <p:nvPr>
+            <p:ph idx="1"/>
+          </p:nvPr>
+        </p:nvSpPr>
+        <p:spPr/>
+        <p:txBody>
+          <a:bodyPr/>
+          <a:lstStyle/>
+          <a:p>
+            <a:r>
+              <a:rPr lang="es-ES" dirty="0" smtClean="0"/>
+              <a:t>Introducción</a:t>
+            </a:r>
+          </a:p>
+          <a:p>
+            <a:pPr lvl="1"/>
+            <a:r>
+              <a:rPr lang="es-ES" dirty="0" err="1" smtClean="0"/>
+              <a:t>Esteganografía</a:t>
+            </a:r>
+            <a:endParaRPr lang="es-ES" dirty="0" smtClean="0"/>
+          </a:p>
+          <a:p>
+            <a:pPr lvl="1"/>
+            <a:r>
+              <a:rPr lang="es-ES" dirty="0" smtClean="0"/>
               <a:t>Audio digital</a:t>
             </a:r>
-            <a:endParaRPr lang="es-ES" dirty="0"/>
-          </a:p>
-        </p:txBody>
-      </p:sp>
-      <p:sp>
-        <p:nvSpPr>
-          <p:cNvPr id="3" name="2 Marcador de contenido"/>
-          <p:cNvSpPr>
-            <a:spLocks noGrp="1"/>
-          </p:cNvSpPr>
-          <p:nvPr>
-            <p:ph idx="1"/>
-          </p:nvPr>
-        </p:nvSpPr>
-        <p:spPr>
-          <a:xfrm>
-            <a:off x="457200" y="2492896"/>
-            <a:ext cx="8229600" cy="3831704"/>
-          </a:xfrm>
-        </p:spPr>
-        <p:txBody>
-          <a:bodyPr/>
-          <a:lstStyle/>
-          <a:p>
-            <a:r>
-              <a:rPr lang="es-ES" dirty="0" smtClean="0"/>
-              <a:t>Se diferencia del audio analógico en que es una señal discreta, en lugar de continua.</a:t>
-            </a:r>
-          </a:p>
-          <a:p>
-            <a:r>
-              <a:rPr lang="es-ES" dirty="0" smtClean="0"/>
-              <a:t>Esta señal discreta se genera a partir de una señal continua, a través de un proceso de muestreo y </a:t>
-            </a:r>
-            <a:r>
-              <a:rPr lang="es-ES" dirty="0" err="1" smtClean="0"/>
-              <a:t>cuantización</a:t>
-            </a:r>
-            <a:r>
-              <a:rPr lang="es-ES" dirty="0" smtClean="0"/>
-              <a:t>.</a:t>
-            </a:r>
-          </a:p>
-          <a:p>
-            <a:r>
-              <a:rPr lang="es-ES" dirty="0" smtClean="0"/>
-              <a:t>El audio digital se almacena en el ordenador como una secuencia de ceros y unos.</a:t>
-            </a:r>
-            <a:endParaRPr lang="es-ES" dirty="0"/>
+          </a:p>
+          <a:p>
+            <a:pPr lvl="1">
+              <a:buNone/>
+            </a:pPr>
+            <a:r>
+              <a:rPr lang="es-ES" dirty="0" smtClean="0">
+                <a:solidFill>
+                  <a:schemeClr val="bg1">
+                    <a:lumMod val="85000"/>
+                  </a:schemeClr>
+                </a:solidFill>
+              </a:rPr>
+              <a:t>	Formato WAV</a:t>
+            </a:r>
+            <a:endParaRPr lang="es-ES" dirty="0" smtClean="0">
+              <a:solidFill>
+                <a:schemeClr val="bg1">
+                  <a:lumMod val="85000"/>
+                </a:schemeClr>
+              </a:solidFill>
+            </a:endParaRPr>
+          </a:p>
+          <a:p>
+            <a:pPr>
+              <a:buNone/>
+            </a:pPr>
+            <a:r>
+              <a:rPr lang="es-ES" dirty="0" smtClean="0">
+                <a:solidFill>
+                  <a:schemeClr val="bg1">
+                    <a:lumMod val="85000"/>
+                  </a:schemeClr>
+                </a:solidFill>
+              </a:rPr>
+              <a:t>	</a:t>
+            </a:r>
+            <a:r>
+              <a:rPr lang="es-ES" dirty="0" err="1" smtClean="0">
+                <a:solidFill>
+                  <a:schemeClr val="bg1">
+                    <a:lumMod val="85000"/>
+                  </a:schemeClr>
+                </a:solidFill>
+              </a:rPr>
+              <a:t>Esteganografía</a:t>
+            </a:r>
+            <a:r>
+              <a:rPr lang="es-ES" dirty="0" smtClean="0">
+                <a:solidFill>
+                  <a:schemeClr val="bg1">
+                    <a:lumMod val="85000"/>
+                  </a:schemeClr>
+                </a:solidFill>
+              </a:rPr>
+              <a:t> de audio</a:t>
+            </a:r>
+          </a:p>
+          <a:p>
+            <a:pPr lvl="1">
+              <a:buNone/>
+            </a:pPr>
+            <a:r>
+              <a:rPr lang="es-ES" dirty="0" smtClean="0">
+                <a:solidFill>
+                  <a:schemeClr val="bg1">
+                    <a:lumMod val="85000"/>
+                  </a:schemeClr>
+                </a:solidFill>
+              </a:rPr>
+              <a:t>	Motivación</a:t>
+            </a:r>
+          </a:p>
+          <a:p>
+            <a:pPr lvl="1">
+              <a:buNone/>
+            </a:pPr>
+            <a:r>
+              <a:rPr lang="es-ES" dirty="0" smtClean="0">
+                <a:solidFill>
+                  <a:schemeClr val="bg1">
+                    <a:lumMod val="85000"/>
+                  </a:schemeClr>
+                </a:solidFill>
+              </a:rPr>
+              <a:t>	Problemas</a:t>
+            </a:r>
+          </a:p>
+          <a:p>
+            <a:pPr lvl="1">
+              <a:buNone/>
+            </a:pPr>
+            <a:r>
+              <a:rPr lang="es-ES" dirty="0" smtClean="0">
+                <a:solidFill>
+                  <a:schemeClr val="bg1">
+                    <a:lumMod val="85000"/>
+                  </a:schemeClr>
+                </a:solidFill>
+              </a:rPr>
+              <a:t>	Objetivos</a:t>
+            </a:r>
+          </a:p>
+          <a:p>
+            <a:pPr lvl="1">
+              <a:buNone/>
+            </a:pPr>
+            <a:r>
+              <a:rPr lang="es-ES" dirty="0" smtClean="0">
+                <a:solidFill>
+                  <a:schemeClr val="bg1">
+                    <a:lumMod val="85000"/>
+                  </a:schemeClr>
+                </a:solidFill>
+              </a:rPr>
+              <a:t>	Métodos</a:t>
+            </a:r>
+            <a:endParaRPr lang="es-ES" dirty="0" smtClean="0">
+              <a:solidFill>
+                <a:schemeClr val="bg1">
+                  <a:lumMod val="85000"/>
+                </a:schemeClr>
+              </a:solidFill>
+            </a:endParaRPr>
           </a:p>
         </p:txBody>
       </p:sp>
@@ -5678,6 +8126,13 @@
   <p:clrMapOvr>
     <a:masterClrMapping/>
   </p:clrMapOvr>
+  <p:timing>
+    <p:tnLst>
+      <p:par>
+        <p:cTn id="1" dur="indefinite" restart="never" nodeType="tmRoot"/>
+      </p:par>
+    </p:tnLst>
+  </p:timing>
 </p:sld>
 </file>
 
@@ -5733,8 +8188,8 @@
         </p:nvSpPr>
         <p:spPr>
           <a:xfrm>
-            <a:off x="467544" y="2780928"/>
-            <a:ext cx="8229600" cy="4389120"/>
+            <a:off x="457200" y="2492896"/>
+            <a:ext cx="8229600" cy="3831704"/>
           </a:xfrm>
         </p:spPr>
         <p:txBody>
@@ -5743,13 +8198,52 @@
           <a:p>
             <a:r>
               <a:rPr lang="es-ES" dirty="0" smtClean="0"/>
-              <a:t>Es posible alterar de manera individual los bits que componen el archivo de audio digital.</a:t>
-            </a:r>
-          </a:p>
-          <a:p>
-            <a:r>
-              <a:rPr lang="es-ES" dirty="0" smtClean="0"/>
-              <a:t>Este control tan preciso nos permite llevar a cabo cambios que no sean perceptibles al oído humano.</a:t>
+              <a:t>Señal discreta  (a </a:t>
+            </a:r>
+            <a:r>
+              <a:rPr lang="es-ES" dirty="0" smtClean="0"/>
+              <a:t>diferencia del audio analógico </a:t>
+            </a:r>
+            <a:r>
+              <a:rPr lang="es-ES" dirty="0" smtClean="0"/>
+              <a:t>donde</a:t>
+            </a:r>
+            <a:r>
+              <a:rPr lang="es-ES" dirty="0" smtClean="0"/>
+              <a:t> es continua).</a:t>
+            </a:r>
+            <a:endParaRPr lang="es-ES" dirty="0" smtClean="0"/>
+          </a:p>
+          <a:p>
+            <a:r>
+              <a:rPr lang="es-ES" dirty="0" smtClean="0"/>
+              <a:t>Se genera </a:t>
+            </a:r>
+            <a:r>
+              <a:rPr lang="es-ES" dirty="0" smtClean="0"/>
+              <a:t>a partir de una señal </a:t>
+            </a:r>
+            <a:r>
+              <a:rPr lang="es-ES" dirty="0" smtClean="0"/>
+              <a:t>continua =&gt; muestreo </a:t>
+            </a:r>
+            <a:r>
+              <a:rPr lang="es-ES" dirty="0" smtClean="0"/>
+              <a:t>y </a:t>
+            </a:r>
+            <a:r>
+              <a:rPr lang="es-ES" dirty="0" err="1" smtClean="0"/>
+              <a:t>cuantización</a:t>
+            </a:r>
+            <a:r>
+              <a:rPr lang="es-ES" dirty="0" smtClean="0"/>
+              <a:t>.</a:t>
+            </a:r>
+          </a:p>
+          <a:p>
+            <a:r>
+              <a:rPr lang="es-ES" dirty="0" smtClean="0"/>
+              <a:t>El audio digital se almacena en el ordenador como una secuencia de ceros y unos.</a:t>
             </a:r>
             <a:endParaRPr lang="es-ES" dirty="0"/>
           </a:p>
@@ -5760,6 +8254,13 @@
   <p:clrMapOvr>
     <a:masterClrMapping/>
   </p:clrMapOvr>
+  <p:timing>
+    <p:tnLst>
+      <p:par>
+        <p:cTn id="1" dur="indefinite" restart="never" nodeType="tmRoot"/>
+      </p:par>
+    </p:tnLst>
+  </p:timing>
 </p:sld>
 </file>
 
@@ -5803,15 +8304,47 @@
           </a:p>
         </p:txBody>
       </p:sp>
+      <p:sp>
+        <p:nvSpPr>
+          <p:cNvPr id="3" name="2 Marcador de contenido"/>
+          <p:cNvSpPr>
+            <a:spLocks noGrp="1"/>
+          </p:cNvSpPr>
+          <p:nvPr>
+            <p:ph idx="1"/>
+          </p:nvPr>
+        </p:nvSpPr>
+        <p:spPr>
+          <a:xfrm>
+            <a:off x="467544" y="2132856"/>
+            <a:ext cx="8229600" cy="4389120"/>
+          </a:xfrm>
+        </p:spPr>
+        <p:txBody>
+          <a:bodyPr/>
+          <a:lstStyle/>
+          <a:p>
+            <a:r>
+              <a:rPr lang="es-ES" dirty="0" smtClean="0"/>
+              <a:t>Es posible alterar de manera individual los bits que componen el archivo de audio digital.</a:t>
+            </a:r>
+          </a:p>
+          <a:p>
+            <a:r>
+              <a:rPr lang="es-ES" dirty="0" smtClean="0"/>
+              <a:t>Este control tan preciso nos permite llevar a cabo cambios que no sean perceptibles al oído humano.</a:t>
+            </a:r>
+            <a:endParaRPr lang="es-ES" dirty="0"/>
+          </a:p>
+        </p:txBody>
+      </p:sp>
       <p:pic>
         <p:nvPicPr>
           <p:cNvPr id="4" name="3 Marcador de contenido" descr="digitalaudio.gif"/>
           <p:cNvPicPr>
-            <a:picLocks noGrp="1" noChangeAspect="1"/>
+            <a:picLocks noChangeAspect="1"/>
           </p:cNvPicPr>
-          <p:nvPr>
-            <p:ph idx="1"/>
-          </p:nvPr>
+          <p:nvPr/>
         </p:nvPicPr>
         <p:blipFill>
           <a:blip r:embed="rId2" cstate="print"/>
@@ -5821,9 +8354,12 @@
         </p:blipFill>
         <p:spPr>
           <a:xfrm>
-            <a:off x="539552" y="2924944"/>
-            <a:ext cx="7784532" cy="2322215"/>
+            <a:off x="1547664" y="4005064"/>
+            <a:ext cx="5976664" cy="1782908"/>
           </a:xfrm>
+          <a:prstGeom prst="rect">
+            <a:avLst/>
+          </a:prstGeom>
         </p:spPr>
       </p:pic>
     </p:spTree>
@@ -5831,6 +8367,13 @@
   <p:clrMapOvr>
     <a:masterClrMapping/>
   </p:clrMapOvr>
+  <p:timing>
+    <p:tnLst>
+      <p:par>
+        <p:cTn id="1" dur="indefinite" restart="never" nodeType="tmRoot"/>
+      </p:par>
+    </p:tnLst>
+  </p:timing>
 </p:sld>
 </file>
 

--- a/trunk/doc/Ocultar datos en archivos de sonido.pptx
+++ b/trunk/doc/Ocultar datos en archivos de sonido.pptx
@@ -2,40 +2,61 @@
 <file path=ppt/presentation.xml><?xml version="1.0" encoding="utf-8"?>
 <p:presentation xmlns:a="http://schemas.openxmlformats.org/drawingml/2006/main" xmlns:r="http://schemas.openxmlformats.org/officeDocument/2006/relationships" xmlns:p="http://schemas.openxmlformats.org/presentationml/2006/main" saveSubsetFonts="1">
   <p:sldMasterIdLst>
-    <p:sldMasterId id="2147483660" r:id="rId1"/>
+    <p:sldMasterId id="2147483720" r:id="rId1"/>
   </p:sldMasterIdLst>
   <p:sldIdLst>
     <p:sldId id="256" r:id="rId2"/>
-    <p:sldId id="257" r:id="rId3"/>
-    <p:sldId id="258" r:id="rId4"/>
-    <p:sldId id="259" r:id="rId5"/>
-    <p:sldId id="260" r:id="rId6"/>
-    <p:sldId id="261" r:id="rId7"/>
-    <p:sldId id="279" r:id="rId8"/>
-    <p:sldId id="263" r:id="rId9"/>
-    <p:sldId id="264" r:id="rId10"/>
-    <p:sldId id="280" r:id="rId11"/>
-    <p:sldId id="265" r:id="rId12"/>
-    <p:sldId id="266" r:id="rId13"/>
-    <p:sldId id="281" r:id="rId14"/>
-    <p:sldId id="275" r:id="rId15"/>
-    <p:sldId id="282" r:id="rId16"/>
-    <p:sldId id="276" r:id="rId17"/>
-    <p:sldId id="283" r:id="rId18"/>
-    <p:sldId id="277" r:id="rId19"/>
-    <p:sldId id="278" r:id="rId20"/>
-    <p:sldId id="284" r:id="rId21"/>
-    <p:sldId id="267" r:id="rId22"/>
-    <p:sldId id="285" r:id="rId23"/>
-    <p:sldId id="268" r:id="rId24"/>
-    <p:sldId id="286" r:id="rId25"/>
-    <p:sldId id="269" r:id="rId26"/>
-    <p:sldId id="287" r:id="rId27"/>
-    <p:sldId id="270" r:id="rId28"/>
-    <p:sldId id="288" r:id="rId29"/>
-    <p:sldId id="271" r:id="rId30"/>
-    <p:sldId id="289" r:id="rId31"/>
-    <p:sldId id="272" r:id="rId32"/>
+    <p:sldId id="303" r:id="rId3"/>
+    <p:sldId id="257" r:id="rId4"/>
+    <p:sldId id="258" r:id="rId5"/>
+    <p:sldId id="291" r:id="rId6"/>
+    <p:sldId id="292" r:id="rId7"/>
+    <p:sldId id="259" r:id="rId8"/>
+    <p:sldId id="260" r:id="rId9"/>
+    <p:sldId id="261" r:id="rId10"/>
+    <p:sldId id="279" r:id="rId11"/>
+    <p:sldId id="263" r:id="rId12"/>
+    <p:sldId id="264" r:id="rId13"/>
+    <p:sldId id="280" r:id="rId14"/>
+    <p:sldId id="265" r:id="rId15"/>
+    <p:sldId id="266" r:id="rId16"/>
+    <p:sldId id="281" r:id="rId17"/>
+    <p:sldId id="275" r:id="rId18"/>
+    <p:sldId id="282" r:id="rId19"/>
+    <p:sldId id="276" r:id="rId20"/>
+    <p:sldId id="283" r:id="rId21"/>
+    <p:sldId id="277" r:id="rId22"/>
+    <p:sldId id="278" r:id="rId23"/>
+    <p:sldId id="284" r:id="rId24"/>
+    <p:sldId id="267" r:id="rId25"/>
+    <p:sldId id="285" r:id="rId26"/>
+    <p:sldId id="268" r:id="rId27"/>
+    <p:sldId id="293" r:id="rId28"/>
+    <p:sldId id="294" r:id="rId29"/>
+    <p:sldId id="295" r:id="rId30"/>
+    <p:sldId id="286" r:id="rId31"/>
+    <p:sldId id="269" r:id="rId32"/>
+    <p:sldId id="296" r:id="rId33"/>
+    <p:sldId id="297" r:id="rId34"/>
+    <p:sldId id="298" r:id="rId35"/>
+    <p:sldId id="287" r:id="rId36"/>
+    <p:sldId id="270" r:id="rId37"/>
+    <p:sldId id="299" r:id="rId38"/>
+    <p:sldId id="300" r:id="rId39"/>
+    <p:sldId id="301" r:id="rId40"/>
+    <p:sldId id="302" r:id="rId41"/>
+    <p:sldId id="288" r:id="rId42"/>
+    <p:sldId id="271" r:id="rId43"/>
+    <p:sldId id="304" r:id="rId44"/>
+    <p:sldId id="305" r:id="rId45"/>
+    <p:sldId id="306" r:id="rId46"/>
+    <p:sldId id="289" r:id="rId47"/>
+    <p:sldId id="272" r:id="rId48"/>
+    <p:sldId id="308" r:id="rId49"/>
+    <p:sldId id="309" r:id="rId50"/>
+    <p:sldId id="310" r:id="rId51"/>
+    <p:sldId id="311" r:id="rId52"/>
+    <p:sldId id="312" r:id="rId53"/>
   </p:sldIdLst>
   <p:sldSz cx="9144000" cy="6858000" type="screen4x3"/>
   <p:notesSz cx="6858000" cy="9144000"/>
@@ -311,7 +332,7 @@
             <a:fld id="{393EE8DB-8270-4DF4-BD44-EDA9C8D0E857}" type="datetimeFigureOut">
               <a:rPr lang="es-ES" smtClean="0"/>
               <a:pPr/>
-              <a:t>16/05/2011</a:t>
+              <a:t>26/05/2011</a:t>
             </a:fld>
             <a:endParaRPr lang="es-ES"/>
           </a:p>
@@ -478,7 +499,7 @@
             <a:fld id="{393EE8DB-8270-4DF4-BD44-EDA9C8D0E857}" type="datetimeFigureOut">
               <a:rPr lang="es-ES" smtClean="0"/>
               <a:pPr/>
-              <a:t>16/05/2011</a:t>
+              <a:t>26/05/2011</a:t>
             </a:fld>
             <a:endParaRPr lang="es-ES"/>
           </a:p>
@@ -655,7 +676,7 @@
             <a:fld id="{393EE8DB-8270-4DF4-BD44-EDA9C8D0E857}" type="datetimeFigureOut">
               <a:rPr lang="es-ES" smtClean="0"/>
               <a:pPr/>
-              <a:t>16/05/2011</a:t>
+              <a:t>26/05/2011</a:t>
             </a:fld>
             <a:endParaRPr lang="es-ES"/>
           </a:p>
@@ -822,7 +843,7 @@
             <a:fld id="{393EE8DB-8270-4DF4-BD44-EDA9C8D0E857}" type="datetimeFigureOut">
               <a:rPr lang="es-ES" smtClean="0"/>
               <a:pPr/>
-              <a:t>16/05/2011</a:t>
+              <a:t>26/05/2011</a:t>
             </a:fld>
             <a:endParaRPr lang="es-ES"/>
           </a:p>
@@ -1066,7 +1087,7 @@
             <a:fld id="{393EE8DB-8270-4DF4-BD44-EDA9C8D0E857}" type="datetimeFigureOut">
               <a:rPr lang="es-ES" smtClean="0"/>
               <a:pPr/>
-              <a:t>16/05/2011</a:t>
+              <a:t>26/05/2011</a:t>
             </a:fld>
             <a:endParaRPr lang="es-ES"/>
           </a:p>
@@ -1332,7 +1353,7 @@
             <a:fld id="{393EE8DB-8270-4DF4-BD44-EDA9C8D0E857}" type="datetimeFigureOut">
               <a:rPr lang="es-ES" smtClean="0"/>
               <a:pPr/>
-              <a:t>16/05/2011</a:t>
+              <a:t>26/05/2011</a:t>
             </a:fld>
             <a:endParaRPr lang="es-ES"/>
           </a:p>
@@ -1712,7 +1733,7 @@
             <a:fld id="{393EE8DB-8270-4DF4-BD44-EDA9C8D0E857}" type="datetimeFigureOut">
               <a:rPr lang="es-ES" smtClean="0"/>
               <a:pPr/>
-              <a:t>16/05/2011</a:t>
+              <a:t>26/05/2011</a:t>
             </a:fld>
             <a:endParaRPr lang="es-ES"/>
           </a:p>
@@ -1864,7 +1885,7 @@
             <a:fld id="{393EE8DB-8270-4DF4-BD44-EDA9C8D0E857}" type="datetimeFigureOut">
               <a:rPr lang="es-ES" smtClean="0"/>
               <a:pPr/>
-              <a:t>16/05/2011</a:t>
+              <a:t>26/05/2011</a:t>
             </a:fld>
             <a:endParaRPr lang="es-ES"/>
           </a:p>
@@ -1956,7 +1977,7 @@
             <a:fld id="{393EE8DB-8270-4DF4-BD44-EDA9C8D0E857}" type="datetimeFigureOut">
               <a:rPr lang="es-ES" smtClean="0"/>
               <a:pPr/>
-              <a:t>16/05/2011</a:t>
+              <a:t>26/05/2011</a:t>
             </a:fld>
             <a:endParaRPr lang="es-ES"/>
           </a:p>
@@ -2219,7 +2240,7 @@
             <a:fld id="{393EE8DB-8270-4DF4-BD44-EDA9C8D0E857}" type="datetimeFigureOut">
               <a:rPr lang="es-ES" smtClean="0"/>
               <a:pPr/>
-              <a:t>16/05/2011</a:t>
+              <a:t>26/05/2011</a:t>
             </a:fld>
             <a:endParaRPr lang="es-ES"/>
           </a:p>
@@ -2509,7 +2530,7 @@
             <a:fld id="{393EE8DB-8270-4DF4-BD44-EDA9C8D0E857}" type="datetimeFigureOut">
               <a:rPr lang="es-ES" smtClean="0"/>
               <a:pPr/>
-              <a:t>16/05/2011</a:t>
+              <a:t>26/05/2011</a:t>
             </a:fld>
             <a:endParaRPr lang="es-ES"/>
           </a:p>
@@ -3282,7 +3303,7 @@
             <a:fld id="{393EE8DB-8270-4DF4-BD44-EDA9C8D0E857}" type="datetimeFigureOut">
               <a:rPr lang="es-ES" smtClean="0"/>
               <a:pPr/>
-              <a:t>16/05/2011</a:t>
+              <a:t>26/05/2011</a:t>
             </a:fld>
             <a:endParaRPr lang="es-ES"/>
           </a:p>
@@ -3585,17 +3606,17 @@
   </p:cSld>
   <p:clrMap bg1="lt1" tx1="dk1" bg2="lt2" tx2="dk2" accent1="accent1" accent2="accent2" accent3="accent3" accent4="accent4" accent5="accent5" accent6="accent6" hlink="hlink" folHlink="folHlink"/>
   <p:sldLayoutIdLst>
-    <p:sldLayoutId id="2147483661" r:id="rId1"/>
-    <p:sldLayoutId id="2147483662" r:id="rId2"/>
-    <p:sldLayoutId id="2147483663" r:id="rId3"/>
-    <p:sldLayoutId id="2147483664" r:id="rId4"/>
-    <p:sldLayoutId id="2147483665" r:id="rId5"/>
-    <p:sldLayoutId id="2147483666" r:id="rId6"/>
-    <p:sldLayoutId id="2147483667" r:id="rId7"/>
-    <p:sldLayoutId id="2147483668" r:id="rId8"/>
-    <p:sldLayoutId id="2147483669" r:id="rId9"/>
-    <p:sldLayoutId id="2147483670" r:id="rId10"/>
-    <p:sldLayoutId id="2147483671" r:id="rId11"/>
+    <p:sldLayoutId id="2147483721" r:id="rId1"/>
+    <p:sldLayoutId id="2147483722" r:id="rId2"/>
+    <p:sldLayoutId id="2147483723" r:id="rId3"/>
+    <p:sldLayoutId id="2147483724" r:id="rId4"/>
+    <p:sldLayoutId id="2147483725" r:id="rId5"/>
+    <p:sldLayoutId id="2147483726" r:id="rId6"/>
+    <p:sldLayoutId id="2147483727" r:id="rId7"/>
+    <p:sldLayoutId id="2147483728" r:id="rId8"/>
+    <p:sldLayoutId id="2147483729" r:id="rId9"/>
+    <p:sldLayoutId id="2147483730" r:id="rId10"/>
+    <p:sldLayoutId id="2147483731" r:id="rId11"/>
   </p:sldLayoutIdLst>
   <p:txStyles>
     <p:titleStyle>
@@ -4056,14 +4077,18 @@
           </a:p>
           <a:p>
             <a:pPr lvl="1">
-              <a:buFont typeface="Wingdings 2" pitchFamily="18" charset="2"/>
-              <a:buChar char=""/>
+              <a:buNone/>
             </a:pPr>
             <a:r>
-              <a:rPr lang="es-ES" dirty="0" smtClean="0"/>
-              <a:t>Formato WAV</a:t>
-            </a:r>
-            <a:endParaRPr lang="es-ES" dirty="0" smtClean="0"/>
+              <a:rPr lang="es-ES" dirty="0" smtClean="0">
+                <a:solidFill>
+                  <a:schemeClr val="bg1">
+                    <a:lumMod val="85000"/>
+                  </a:schemeClr>
+                </a:solidFill>
+              </a:rPr>
+              <a:t>	Formato WAV</a:t>
+            </a:r>
           </a:p>
           <a:p>
             <a:pPr>
@@ -4159,13 +4184,6 @@
               </a:rPr>
               <a:t>	Métodos</a:t>
             </a:r>
-            <a:endParaRPr lang="es-ES" dirty="0" smtClean="0">
-              <a:solidFill>
-                <a:schemeClr val="bg1">
-                  <a:lumMod val="85000"/>
-                </a:schemeClr>
-              </a:solidFill>
-            </a:endParaRPr>
           </a:p>
         </p:txBody>
       </p:sp>
@@ -4218,7 +4236,7 @@
           <a:p>
             <a:r>
               <a:rPr lang="es-ES" dirty="0" smtClean="0"/>
-              <a:t>Formato WAV</a:t>
+              <a:t>Audio digital</a:t>
             </a:r>
             <a:endParaRPr lang="es-ES" dirty="0"/>
           </a:p>
@@ -4236,41 +4254,99 @@
         </p:nvSpPr>
         <p:spPr>
           <a:xfrm>
-            <a:off x="467544" y="2708920"/>
-            <a:ext cx="8229600" cy="3240360"/>
+            <a:off x="457200" y="2492896"/>
+            <a:ext cx="8229600" cy="3831704"/>
           </a:xfrm>
         </p:spPr>
         <p:txBody>
           <a:bodyPr/>
           <a:lstStyle/>
           <a:p>
-            <a:pPr algn="just"/>
-            <a:r>
-              <a:rPr lang="es-ES" dirty="0" smtClean="0"/>
-              <a:t>Utilizado para almacenar sonidos en PC.</a:t>
-            </a:r>
-          </a:p>
-          <a:p>
-            <a:pPr algn="just"/>
-            <a:r>
-              <a:rPr lang="es-ES" dirty="0" smtClean="0"/>
-              <a:t>Muy común.</a:t>
-            </a:r>
-          </a:p>
-          <a:p>
-            <a:pPr algn="just"/>
-            <a:r>
-              <a:rPr lang="es-ES" dirty="0" smtClean="0"/>
-              <a:t>Sin compresión.</a:t>
-            </a:r>
-          </a:p>
-          <a:p>
-            <a:pPr algn="just"/>
-            <a:r>
-              <a:rPr lang="es-ES" dirty="0" smtClean="0"/>
-              <a:t>Cuenta con una cabecera de 44 bytes, y una región de datos de tamaño variable (según la longitud del fragmento de audio).</a:t>
+            <a:r>
+              <a:rPr lang="es-ES" dirty="0" smtClean="0"/>
+              <a:t>Señal discreta</a:t>
+            </a:r>
+          </a:p>
+          <a:p>
+            <a:pPr>
+              <a:buNone/>
+            </a:pPr>
+            <a:endParaRPr lang="es-ES" dirty="0" smtClean="0"/>
+          </a:p>
+          <a:p>
+            <a:r>
+              <a:rPr lang="es-ES" dirty="0" smtClean="0"/>
+              <a:t>Se genera a partir de una señal continua 	   </a:t>
+            </a:r>
+            <a:r>
+              <a:rPr lang="es-ES" b="1" dirty="0" smtClean="0"/>
+              <a:t>muestreo</a:t>
+            </a:r>
+            <a:r>
+              <a:rPr lang="es-ES" dirty="0" smtClean="0"/>
+              <a:t> y </a:t>
+            </a:r>
+            <a:r>
+              <a:rPr lang="es-ES" b="1" dirty="0" err="1" smtClean="0"/>
+              <a:t>cuantización</a:t>
+            </a:r>
+            <a:r>
+              <a:rPr lang="es-ES" dirty="0" smtClean="0"/>
+              <a:t>.</a:t>
+            </a:r>
+          </a:p>
+          <a:p>
+            <a:pPr>
+              <a:buNone/>
+            </a:pPr>
+            <a:endParaRPr lang="es-ES" dirty="0" smtClean="0"/>
+          </a:p>
+          <a:p>
+            <a:r>
+              <a:rPr lang="es-ES" dirty="0" smtClean="0"/>
+              <a:t>Se almacena en el ordenador como una secuencia de ceros y unos.</a:t>
             </a:r>
             <a:endParaRPr lang="es-ES" dirty="0"/>
+          </a:p>
+        </p:txBody>
+      </p:sp>
+      <p:sp>
+        <p:nvSpPr>
+          <p:cNvPr id="4" name="3 Flecha derecha"/>
+          <p:cNvSpPr/>
+          <p:nvPr/>
+        </p:nvSpPr>
+        <p:spPr>
+          <a:xfrm>
+            <a:off x="6588224" y="3573016"/>
+            <a:ext cx="504056" cy="288032"/>
+          </a:xfrm>
+          <a:prstGeom prst="rightArrow">
+            <a:avLst/>
+          </a:prstGeom>
+        </p:spPr>
+        <p:style>
+          <a:lnRef idx="2">
+            <a:schemeClr val="accent1">
+              <a:shade val="50000"/>
+            </a:schemeClr>
+          </a:lnRef>
+          <a:fillRef idx="1">
+            <a:schemeClr val="accent1"/>
+          </a:fillRef>
+          <a:effectRef idx="0">
+            <a:schemeClr val="accent1"/>
+          </a:effectRef>
+          <a:fontRef idx="minor">
+            <a:schemeClr val="lt1"/>
+          </a:fontRef>
+        </p:style>
+        <p:txBody>
+          <a:bodyPr rtlCol="0" anchor="ctr"/>
+          <a:lstStyle/>
+          <a:p>
+            <a:pPr algn="ctr"/>
+            <a:endParaRPr lang="es-ES"/>
           </a:p>
         </p:txBody>
       </p:sp>
@@ -4323,21 +4399,64 @@
           <a:p>
             <a:r>
               <a:rPr lang="es-ES" dirty="0" smtClean="0"/>
-              <a:t>Formato WAV</a:t>
-            </a:r>
+              <a:t>Audio digital</a:t>
+            </a:r>
+            <a:endParaRPr lang="es-ES" dirty="0"/>
+          </a:p>
+        </p:txBody>
+      </p:sp>
+      <p:sp>
+        <p:nvSpPr>
+          <p:cNvPr id="3" name="2 Marcador de contenido"/>
+          <p:cNvSpPr>
+            <a:spLocks noGrp="1"/>
+          </p:cNvSpPr>
+          <p:nvPr>
+            <p:ph idx="1"/>
+          </p:nvPr>
+        </p:nvSpPr>
+        <p:spPr>
+          <a:xfrm>
+            <a:off x="467544" y="2132856"/>
+            <a:ext cx="8229600" cy="4389120"/>
+          </a:xfrm>
+        </p:spPr>
+        <p:txBody>
+          <a:bodyPr/>
+          <a:lstStyle/>
+          <a:p>
+            <a:r>
+              <a:rPr lang="es-ES" dirty="0" smtClean="0"/>
+              <a:t>Es posible alterar individualmente los bits que componen el archivo de audio digital.</a:t>
+            </a:r>
+          </a:p>
+          <a:p>
+            <a:endParaRPr lang="es-ES" dirty="0" smtClean="0"/>
+          </a:p>
+          <a:p>
+            <a:r>
+              <a:rPr lang="es-ES" dirty="0" smtClean="0"/>
+              <a:t>Cambios no perceptibles por el oído humano.</a:t>
+            </a:r>
+          </a:p>
+          <a:p>
+            <a:endParaRPr lang="es-ES" dirty="0" smtClean="0"/>
+          </a:p>
+          <a:p>
+            <a:pPr>
+              <a:buNone/>
+            </a:pPr>
             <a:endParaRPr lang="es-ES" dirty="0"/>
           </a:p>
         </p:txBody>
       </p:sp>
       <p:pic>
         <p:nvPicPr>
-          <p:cNvPr id="4" name="3 Marcador de contenido" descr="wav-sound-format.gif"/>
+          <p:cNvPr id="4" name="3 Marcador de contenido" descr="digitalaudio.gif"/>
           <p:cNvPicPr>
-            <a:picLocks noGrp="1" noChangeAspect="1"/>
+            <a:picLocks noChangeAspect="1"/>
           </p:cNvPicPr>
-          <p:nvPr>
-            <p:ph idx="1"/>
-          </p:nvPr>
+          <p:nvPr/>
         </p:nvPicPr>
         <p:blipFill>
           <a:blip r:embed="rId2" cstate="print"/>
@@ -4347,11 +4466,54 @@
         </p:blipFill>
         <p:spPr>
           <a:xfrm>
-            <a:off x="2195736" y="2132856"/>
-            <a:ext cx="4737805" cy="4389437"/>
+            <a:off x="1547664" y="4437112"/>
+            <a:ext cx="5976664" cy="1782908"/>
           </a:xfrm>
+          <a:prstGeom prst="rect">
+            <a:avLst/>
+          </a:prstGeom>
         </p:spPr>
       </p:pic>
+      <p:sp>
+        <p:nvSpPr>
+          <p:cNvPr id="5" name="4 Flecha abajo"/>
+          <p:cNvSpPr/>
+          <p:nvPr/>
+        </p:nvSpPr>
+        <p:spPr>
+          <a:xfrm>
+            <a:off x="4211960" y="3068960"/>
+            <a:ext cx="288032" cy="432048"/>
+          </a:xfrm>
+          <a:prstGeom prst="downArrow">
+            <a:avLst/>
+          </a:prstGeom>
+        </p:spPr>
+        <p:style>
+          <a:lnRef idx="2">
+            <a:schemeClr val="accent1">
+              <a:shade val="50000"/>
+            </a:schemeClr>
+          </a:lnRef>
+          <a:fillRef idx="1">
+            <a:schemeClr val="accent1"/>
+          </a:fillRef>
+          <a:effectRef idx="0">
+            <a:schemeClr val="accent1"/>
+          </a:effectRef>
+          <a:fontRef idx="minor">
+            <a:schemeClr val="lt1"/>
+          </a:fontRef>
+        </p:style>
+        <p:txBody>
+          <a:bodyPr rtlCol="0" anchor="ctr"/>
+          <a:lstStyle/>
+          <a:p>
+            <a:pPr algn="ctr"/>
+            <a:endParaRPr lang="es-ES"/>
+          </a:p>
+        </p:txBody>
+      </p:sp>
     </p:spTree>
   </p:cSld>
   <p:clrMapOvr>
@@ -4451,30 +4613,55 @@
               <a:rPr lang="es-ES" dirty="0" smtClean="0"/>
               <a:t>Formato WAV</a:t>
             </a:r>
-            <a:endParaRPr lang="es-ES" dirty="0" smtClean="0"/>
           </a:p>
           <a:p>
             <a:pPr>
-              <a:buFont typeface="Wingdings 2" pitchFamily="18" charset="2"/>
-              <a:buChar char=""/>
+              <a:buNone/>
             </a:pPr>
             <a:r>
-              <a:rPr lang="es-ES" dirty="0" err="1" smtClean="0"/>
+              <a:rPr lang="es-ES" dirty="0" smtClean="0">
+                <a:solidFill>
+                  <a:schemeClr val="bg1">
+                    <a:lumMod val="85000"/>
+                  </a:schemeClr>
+                </a:solidFill>
+              </a:rPr>
+              <a:t>	</a:t>
+            </a:r>
+            <a:r>
+              <a:rPr lang="es-ES" dirty="0" err="1" smtClean="0">
+                <a:solidFill>
+                  <a:schemeClr val="bg1">
+                    <a:lumMod val="85000"/>
+                  </a:schemeClr>
+                </a:solidFill>
+              </a:rPr>
               <a:t>Esteganografía</a:t>
             </a:r>
             <a:r>
-              <a:rPr lang="es-ES" dirty="0" smtClean="0"/>
+              <a:rPr lang="es-ES" dirty="0" smtClean="0">
+                <a:solidFill>
+                  <a:schemeClr val="bg1">
+                    <a:lumMod val="85000"/>
+                  </a:schemeClr>
+                </a:solidFill>
+              </a:rPr>
               <a:t> de audio</a:t>
             </a:r>
           </a:p>
           <a:p>
             <a:pPr lvl="1">
-              <a:buFont typeface="Wingdings 2" pitchFamily="18" charset="2"/>
-              <a:buChar char=""/>
+              <a:buNone/>
             </a:pPr>
             <a:r>
-              <a:rPr lang="es-ES" dirty="0" smtClean="0"/>
-              <a:t>Motivación</a:t>
+              <a:rPr lang="es-ES" dirty="0" smtClean="0">
+                <a:solidFill>
+                  <a:schemeClr val="bg1">
+                    <a:lumMod val="85000"/>
+                  </a:schemeClr>
+                </a:solidFill>
+              </a:rPr>
+              <a:t>	Motivación</a:t>
             </a:r>
           </a:p>
           <a:p>
@@ -4521,13 +4708,6 @@
               </a:rPr>
               <a:t>	Métodos</a:t>
             </a:r>
-            <a:endParaRPr lang="es-ES" dirty="0" smtClean="0">
-              <a:solidFill>
-                <a:schemeClr val="bg1">
-                  <a:lumMod val="85000"/>
-                </a:schemeClr>
-              </a:solidFill>
-            </a:endParaRPr>
           </a:p>
         </p:txBody>
       </p:sp>
@@ -4575,91 +4755,79 @@
         </p:nvSpPr>
         <p:spPr/>
         <p:txBody>
+          <a:bodyPr/>
+          <a:lstStyle/>
+          <a:p>
+            <a:r>
+              <a:rPr lang="es-ES" dirty="0" smtClean="0"/>
+              <a:t>Formato WAV</a:t>
+            </a:r>
+            <a:endParaRPr lang="es-ES" dirty="0"/>
+          </a:p>
+        </p:txBody>
+      </p:sp>
+      <p:sp>
+        <p:nvSpPr>
+          <p:cNvPr id="3" name="2 Marcador de contenido"/>
+          <p:cNvSpPr>
+            <a:spLocks noGrp="1"/>
+          </p:cNvSpPr>
+          <p:nvPr>
+            <p:ph idx="1"/>
+          </p:nvPr>
+        </p:nvSpPr>
+        <p:spPr>
+          <a:xfrm>
+            <a:off x="467544" y="2708920"/>
+            <a:ext cx="8229600" cy="3240360"/>
+          </a:xfrm>
+        </p:spPr>
+        <p:txBody>
           <a:bodyPr>
-            <a:normAutofit fontScale="90000"/>
+            <a:normAutofit lnSpcReduction="10000"/>
           </a:bodyPr>
           <a:lstStyle/>
           <a:p>
-            <a:r>
-              <a:rPr lang="es-ES" dirty="0" err="1" smtClean="0"/>
-              <a:t>Esteganografía</a:t>
-            </a:r>
-            <a:r>
-              <a:rPr lang="es-ES" dirty="0" smtClean="0"/>
-              <a:t> de audio: motivación</a:t>
-            </a:r>
-            <a:endParaRPr lang="es-ES" dirty="0"/>
-          </a:p>
-        </p:txBody>
-      </p:sp>
-      <p:sp>
-        <p:nvSpPr>
-          <p:cNvPr id="3" name="2 Marcador de contenido"/>
-          <p:cNvSpPr>
-            <a:spLocks noGrp="1"/>
-          </p:cNvSpPr>
-          <p:nvPr>
-            <p:ph idx="1"/>
-          </p:nvPr>
-        </p:nvSpPr>
-        <p:spPr/>
-        <p:txBody>
-          <a:bodyPr/>
-          <a:lstStyle/>
-          <a:p>
-            <a:r>
-              <a:rPr lang="es-ES" dirty="0" smtClean="0"/>
-              <a:t>Privacidad.</a:t>
-            </a:r>
-          </a:p>
-          <a:p>
-            <a:r>
-              <a:rPr lang="es-ES" dirty="0" smtClean="0"/>
-              <a:t>Protección de propiedad intelectual.</a:t>
-            </a:r>
-          </a:p>
-          <a:p>
-            <a:pPr lvl="1"/>
-            <a:r>
-              <a:rPr lang="es-ES" dirty="0" smtClean="0"/>
-              <a:t>Todo el mundo puede copiar y distribuir archivos.</a:t>
-            </a:r>
-          </a:p>
-          <a:p>
-            <a:pPr lvl="1"/>
-            <a:r>
-              <a:rPr lang="es-ES" dirty="0" smtClean="0"/>
-              <a:t>No empeora </a:t>
-            </a:r>
-            <a:r>
-              <a:rPr lang="es-ES" dirty="0" smtClean="0"/>
-              <a:t>la calidad del archivo.</a:t>
-            </a:r>
-          </a:p>
-          <a:p>
-            <a:pPr lvl="1"/>
-            <a:r>
-              <a:rPr lang="es-ES" dirty="0" smtClean="0"/>
-              <a:t>Puede </a:t>
-            </a:r>
-            <a:r>
-              <a:rPr lang="es-ES" dirty="0" smtClean="0"/>
-              <a:t>causar grandes pérdidas de dinero para los autores.</a:t>
-            </a:r>
-          </a:p>
-          <a:p>
-            <a:pPr lvl="1"/>
-            <a:r>
-              <a:rPr lang="es-ES" dirty="0" smtClean="0"/>
-              <a:t>Los sistemas de protección no pueden basarse en información de la </a:t>
-            </a:r>
-            <a:r>
-              <a:rPr lang="es-ES" dirty="0" smtClean="0"/>
-              <a:t>cabecera debido a la facilidad de sustituir una cabecera por otra.</a:t>
-            </a:r>
+            <a:pPr algn="just"/>
+            <a:r>
+              <a:rPr lang="es-ES" dirty="0" smtClean="0"/>
+              <a:t>Utilizado para almacenar sonidos en PC.</a:t>
+            </a:r>
+          </a:p>
+          <a:p>
+            <a:pPr algn="just"/>
             <a:endParaRPr lang="es-ES" dirty="0" smtClean="0"/>
           </a:p>
           <a:p>
+            <a:pPr algn="just"/>
+            <a:r>
+              <a:rPr lang="es-ES" dirty="0" smtClean="0"/>
+              <a:t>Muy común.</a:t>
+            </a:r>
+          </a:p>
+          <a:p>
+            <a:pPr algn="just"/>
+            <a:endParaRPr lang="es-ES" dirty="0" smtClean="0"/>
+          </a:p>
+          <a:p>
+            <a:pPr algn="just"/>
+            <a:r>
+              <a:rPr lang="es-ES" dirty="0" smtClean="0"/>
+              <a:t>Sin compresión.</a:t>
+            </a:r>
+          </a:p>
+          <a:p>
+            <a:pPr algn="just">
+              <a:buNone/>
+            </a:pPr>
+            <a:endParaRPr lang="es-ES" dirty="0" smtClean="0"/>
+          </a:p>
+          <a:p>
+            <a:pPr algn="just"/>
+            <a:r>
+              <a:rPr lang="es-ES" dirty="0" smtClean="0"/>
+              <a:t>Cabecera de 44 bytes, y región de datos variable.</a:t>
+            </a:r>
             <a:endParaRPr lang="es-ES" dirty="0"/>
           </a:p>
         </p:txBody>
@@ -4713,131 +4881,35 @@
           <a:p>
             <a:r>
               <a:rPr lang="es-ES" dirty="0" smtClean="0"/>
-              <a:t>Índice</a:t>
+              <a:t>Formato WAV</a:t>
             </a:r>
             <a:endParaRPr lang="es-ES" dirty="0"/>
           </a:p>
         </p:txBody>
       </p:sp>
-      <p:sp>
-        <p:nvSpPr>
-          <p:cNvPr id="3" name="2 Marcador de contenido"/>
-          <p:cNvSpPr>
-            <a:spLocks noGrp="1"/>
-          </p:cNvSpPr>
+      <p:pic>
+        <p:nvPicPr>
+          <p:cNvPr id="4" name="3 Marcador de contenido" descr="wav-sound-format.gif"/>
+          <p:cNvPicPr>
+            <a:picLocks noGrp="1" noChangeAspect="1"/>
+          </p:cNvPicPr>
           <p:nvPr>
             <p:ph idx="1"/>
           </p:nvPr>
-        </p:nvSpPr>
-        <p:spPr/>
-        <p:txBody>
-          <a:bodyPr/>
-          <a:lstStyle/>
-          <a:p>
-            <a:r>
-              <a:rPr lang="es-ES" dirty="0" smtClean="0"/>
-              <a:t>Introducción</a:t>
-            </a:r>
-          </a:p>
-          <a:p>
-            <a:pPr lvl="1"/>
-            <a:r>
-              <a:rPr lang="es-ES" dirty="0" err="1" smtClean="0"/>
-              <a:t>Esteganografía</a:t>
-            </a:r>
-            <a:endParaRPr lang="es-ES" dirty="0" smtClean="0"/>
-          </a:p>
-          <a:p>
-            <a:pPr lvl="1"/>
-            <a:r>
-              <a:rPr lang="es-ES" dirty="0" smtClean="0"/>
-              <a:t>Audio digital</a:t>
-            </a:r>
-          </a:p>
-          <a:p>
-            <a:pPr lvl="1">
-              <a:buFont typeface="Wingdings 2" pitchFamily="18" charset="2"/>
-              <a:buChar char=""/>
-            </a:pPr>
-            <a:r>
-              <a:rPr lang="es-ES" dirty="0" smtClean="0"/>
-              <a:t>Formato WAV</a:t>
-            </a:r>
-            <a:endParaRPr lang="es-ES" dirty="0" smtClean="0"/>
-          </a:p>
-          <a:p>
-            <a:pPr>
-              <a:buFont typeface="Wingdings 2" pitchFamily="18" charset="2"/>
-              <a:buChar char=""/>
-            </a:pPr>
-            <a:r>
-              <a:rPr lang="es-ES" dirty="0" err="1" smtClean="0"/>
-              <a:t>Esteganografía</a:t>
-            </a:r>
-            <a:r>
-              <a:rPr lang="es-ES" dirty="0" smtClean="0"/>
-              <a:t> de audio</a:t>
-            </a:r>
-          </a:p>
-          <a:p>
-            <a:pPr lvl="1">
-              <a:buFont typeface="Wingdings 2" pitchFamily="18" charset="2"/>
-              <a:buChar char=""/>
-            </a:pPr>
-            <a:r>
-              <a:rPr lang="es-ES" dirty="0" smtClean="0"/>
-              <a:t>Motivación</a:t>
-            </a:r>
-          </a:p>
-          <a:p>
-            <a:pPr lvl="1">
-              <a:buFont typeface="Wingdings 2" pitchFamily="18" charset="2"/>
-              <a:buChar char=""/>
-            </a:pPr>
-            <a:r>
-              <a:rPr lang="es-ES" dirty="0" smtClean="0"/>
-              <a:t>Problemas</a:t>
-            </a:r>
-          </a:p>
-          <a:p>
-            <a:pPr lvl="1">
-              <a:buNone/>
-            </a:pPr>
-            <a:r>
-              <a:rPr lang="es-ES" dirty="0" smtClean="0">
-                <a:solidFill>
-                  <a:schemeClr val="bg1">
-                    <a:lumMod val="85000"/>
-                  </a:schemeClr>
-                </a:solidFill>
-              </a:rPr>
-              <a:t>	Objetivos</a:t>
-            </a:r>
-          </a:p>
-          <a:p>
-            <a:pPr lvl="1">
-              <a:buNone/>
-            </a:pPr>
-            <a:r>
-              <a:rPr lang="es-ES" dirty="0" smtClean="0">
-                <a:solidFill>
-                  <a:schemeClr val="bg1">
-                    <a:lumMod val="85000"/>
-                  </a:schemeClr>
-                </a:solidFill>
-              </a:rPr>
-              <a:t>	Métodos</a:t>
-            </a:r>
-            <a:endParaRPr lang="es-ES" dirty="0" smtClean="0">
-              <a:solidFill>
-                <a:schemeClr val="bg1">
-                  <a:lumMod val="85000"/>
-                </a:schemeClr>
-              </a:solidFill>
-            </a:endParaRPr>
-          </a:p>
-        </p:txBody>
-      </p:sp>
+        </p:nvPicPr>
+        <p:blipFill>
+          <a:blip r:embed="rId2" cstate="print"/>
+          <a:stretch>
+            <a:fillRect/>
+          </a:stretch>
+        </p:blipFill>
+        <p:spPr>
+          <a:xfrm>
+            <a:off x="2203097" y="1935163"/>
+            <a:ext cx="4737805" cy="4389437"/>
+          </a:xfrm>
+        </p:spPr>
+      </p:pic>
     </p:spTree>
   </p:cSld>
   <p:clrMapOvr>
@@ -4882,78 +4954,130 @@
         </p:nvSpPr>
         <p:spPr/>
         <p:txBody>
-          <a:bodyPr>
-            <a:normAutofit fontScale="90000"/>
-          </a:bodyPr>
-          <a:lstStyle/>
-          <a:p>
+          <a:bodyPr/>
+          <a:lstStyle/>
+          <a:p>
+            <a:r>
+              <a:rPr lang="es-ES" dirty="0" smtClean="0"/>
+              <a:t>Índice</a:t>
+            </a:r>
+            <a:endParaRPr lang="es-ES" dirty="0"/>
+          </a:p>
+        </p:txBody>
+      </p:sp>
+      <p:sp>
+        <p:nvSpPr>
+          <p:cNvPr id="3" name="2 Marcador de contenido"/>
+          <p:cNvSpPr>
+            <a:spLocks noGrp="1"/>
+          </p:cNvSpPr>
+          <p:nvPr>
+            <p:ph idx="1"/>
+          </p:nvPr>
+        </p:nvSpPr>
+        <p:spPr/>
+        <p:txBody>
+          <a:bodyPr/>
+          <a:lstStyle/>
+          <a:p>
+            <a:r>
+              <a:rPr lang="es-ES" dirty="0" smtClean="0"/>
+              <a:t>Introducción</a:t>
+            </a:r>
+          </a:p>
+          <a:p>
+            <a:pPr lvl="1"/>
             <a:r>
               <a:rPr lang="es-ES" dirty="0" err="1" smtClean="0"/>
               <a:t>Esteganografía</a:t>
             </a:r>
-            <a:r>
-              <a:rPr lang="es-ES" dirty="0" smtClean="0"/>
-              <a:t> de audio: problemas</a:t>
-            </a:r>
-            <a:endParaRPr lang="es-ES" dirty="0"/>
-          </a:p>
-        </p:txBody>
-      </p:sp>
-      <p:sp>
-        <p:nvSpPr>
-          <p:cNvPr id="3" name="2 Marcador de contenido"/>
-          <p:cNvSpPr>
-            <a:spLocks noGrp="1"/>
-          </p:cNvSpPr>
-          <p:nvPr>
-            <p:ph idx="1"/>
-          </p:nvPr>
-        </p:nvSpPr>
-        <p:spPr>
-          <a:xfrm>
-            <a:off x="457200" y="2636912"/>
-            <a:ext cx="8229600" cy="3687688"/>
-          </a:xfrm>
-        </p:spPr>
-        <p:txBody>
-          <a:bodyPr/>
-          <a:lstStyle/>
-          <a:p>
-            <a:r>
-              <a:rPr lang="es-ES" dirty="0" smtClean="0"/>
-              <a:t>La </a:t>
-            </a:r>
+            <a:endParaRPr lang="es-ES" dirty="0" smtClean="0"/>
+          </a:p>
+          <a:p>
+            <a:pPr lvl="1"/>
+            <a:r>
+              <a:rPr lang="es-ES" dirty="0" smtClean="0"/>
+              <a:t>Audio digital</a:t>
+            </a:r>
+          </a:p>
+          <a:p>
+            <a:pPr lvl="1">
+              <a:buFont typeface="Wingdings 2" pitchFamily="18" charset="2"/>
+              <a:buChar char=""/>
+            </a:pPr>
+            <a:r>
+              <a:rPr lang="es-ES" dirty="0" smtClean="0"/>
+              <a:t>Formato WAV</a:t>
+            </a:r>
+          </a:p>
+          <a:p>
+            <a:pPr>
+              <a:buFont typeface="Wingdings 2" pitchFamily="18" charset="2"/>
+              <a:buChar char=""/>
+            </a:pPr>
             <a:r>
               <a:rPr lang="es-ES" dirty="0" err="1" smtClean="0"/>
-              <a:t>esteganografía</a:t>
-            </a:r>
-            <a:r>
-              <a:rPr lang="es-ES" dirty="0" smtClean="0"/>
-              <a:t> de audio es más dificultosa que la </a:t>
-            </a:r>
-            <a:r>
-              <a:rPr lang="es-ES" dirty="0" err="1" smtClean="0"/>
-              <a:t>esteganografía</a:t>
-            </a:r>
-            <a:r>
-              <a:rPr lang="es-ES" dirty="0" smtClean="0"/>
-              <a:t> de imágenes</a:t>
-            </a:r>
-            <a:r>
-              <a:rPr lang="es-ES" dirty="0" smtClean="0"/>
-              <a:t> </a:t>
-            </a:r>
-            <a:r>
-              <a:rPr lang="es-ES" dirty="0" smtClean="0"/>
-              <a:t>ya que el sistema auditivo humano es más sensible que el sistema visual.</a:t>
-            </a:r>
-          </a:p>
-          <a:p>
-            <a:r>
-              <a:rPr lang="es-ES" dirty="0" smtClean="0"/>
-              <a:t>Por consiguiente, la cantidad de información que puede introducirse de manera transparente es menor.</a:t>
-            </a:r>
-            <a:endParaRPr lang="es-ES" dirty="0"/>
+              <a:t>Esteganografía</a:t>
+            </a:r>
+            <a:r>
+              <a:rPr lang="es-ES" dirty="0" smtClean="0"/>
+              <a:t> de audio</a:t>
+            </a:r>
+          </a:p>
+          <a:p>
+            <a:pPr lvl="1">
+              <a:buFont typeface="Wingdings 2" pitchFamily="18" charset="2"/>
+              <a:buChar char=""/>
+            </a:pPr>
+            <a:r>
+              <a:rPr lang="es-ES" dirty="0" smtClean="0"/>
+              <a:t>Motivación</a:t>
+            </a:r>
+          </a:p>
+          <a:p>
+            <a:pPr lvl="1">
+              <a:buNone/>
+            </a:pPr>
+            <a:r>
+              <a:rPr lang="es-ES" dirty="0" smtClean="0">
+                <a:solidFill>
+                  <a:schemeClr val="bg1">
+                    <a:lumMod val="85000"/>
+                  </a:schemeClr>
+                </a:solidFill>
+              </a:rPr>
+              <a:t>	Problemas</a:t>
+            </a:r>
+          </a:p>
+          <a:p>
+            <a:pPr lvl="1">
+              <a:buNone/>
+            </a:pPr>
+            <a:r>
+              <a:rPr lang="es-ES" dirty="0" smtClean="0">
+                <a:solidFill>
+                  <a:schemeClr val="bg1">
+                    <a:lumMod val="85000"/>
+                  </a:schemeClr>
+                </a:solidFill>
+              </a:rPr>
+              <a:t>	Objetivos</a:t>
+            </a:r>
+          </a:p>
+          <a:p>
+            <a:pPr lvl="1">
+              <a:buNone/>
+            </a:pPr>
+            <a:r>
+              <a:rPr lang="es-ES" dirty="0" smtClean="0">
+                <a:solidFill>
+                  <a:schemeClr val="bg1">
+                    <a:lumMod val="85000"/>
+                  </a:schemeClr>
+                </a:solidFill>
+              </a:rPr>
+              <a:t>	Métodos</a:t>
+            </a:r>
           </a:p>
         </p:txBody>
       </p:sp>
@@ -5001,128 +5125,90 @@
         </p:nvSpPr>
         <p:spPr/>
         <p:txBody>
-          <a:bodyPr/>
-          <a:lstStyle/>
-          <a:p>
-            <a:r>
-              <a:rPr lang="es-ES" dirty="0" smtClean="0"/>
-              <a:t>Índice</a:t>
-            </a:r>
-            <a:endParaRPr lang="es-ES" dirty="0"/>
-          </a:p>
-        </p:txBody>
-      </p:sp>
-      <p:sp>
-        <p:nvSpPr>
-          <p:cNvPr id="3" name="2 Marcador de contenido"/>
-          <p:cNvSpPr>
-            <a:spLocks noGrp="1"/>
-          </p:cNvSpPr>
-          <p:nvPr>
-            <p:ph idx="1"/>
-          </p:nvPr>
-        </p:nvSpPr>
-        <p:spPr/>
-        <p:txBody>
-          <a:bodyPr/>
-          <a:lstStyle/>
-          <a:p>
-            <a:r>
-              <a:rPr lang="es-ES" dirty="0" smtClean="0"/>
-              <a:t>Introducción</a:t>
-            </a:r>
-          </a:p>
-          <a:p>
-            <a:pPr lvl="1"/>
+          <a:bodyPr>
+            <a:normAutofit fontScale="90000"/>
+          </a:bodyPr>
+          <a:lstStyle/>
+          <a:p>
             <a:r>
               <a:rPr lang="es-ES" dirty="0" err="1" smtClean="0"/>
               <a:t>Esteganografía</a:t>
             </a:r>
+            <a:r>
+              <a:rPr lang="es-ES" dirty="0" smtClean="0"/>
+              <a:t> de audio: motivación</a:t>
+            </a:r>
+            <a:endParaRPr lang="es-ES" dirty="0"/>
+          </a:p>
+        </p:txBody>
+      </p:sp>
+      <p:sp>
+        <p:nvSpPr>
+          <p:cNvPr id="3" name="2 Marcador de contenido"/>
+          <p:cNvSpPr>
+            <a:spLocks noGrp="1"/>
+          </p:cNvSpPr>
+          <p:nvPr>
+            <p:ph idx="1"/>
+          </p:nvPr>
+        </p:nvSpPr>
+        <p:spPr/>
+        <p:txBody>
+          <a:bodyPr>
+            <a:normAutofit/>
+          </a:bodyPr>
+          <a:lstStyle/>
+          <a:p>
             <a:endParaRPr lang="es-ES" dirty="0" smtClean="0"/>
           </a:p>
           <a:p>
-            <a:pPr lvl="1"/>
-            <a:r>
-              <a:rPr lang="es-ES" dirty="0" smtClean="0"/>
-              <a:t>Audio digital</a:t>
-            </a:r>
-          </a:p>
-          <a:p>
-            <a:pPr lvl="1">
-              <a:buFont typeface="Wingdings 2" pitchFamily="18" charset="2"/>
-              <a:buChar char=""/>
-            </a:pPr>
-            <a:r>
-              <a:rPr lang="es-ES" dirty="0" smtClean="0"/>
-              <a:t>Formato WAV</a:t>
-            </a:r>
-            <a:endParaRPr lang="es-ES" dirty="0" smtClean="0"/>
+            <a:r>
+              <a:rPr lang="es-ES" dirty="0" smtClean="0"/>
+              <a:t>Privacidad.</a:t>
+            </a:r>
           </a:p>
           <a:p>
             <a:pPr>
-              <a:buFont typeface="Wingdings 2" pitchFamily="18" charset="2"/>
-              <a:buChar char=""/>
-            </a:pPr>
-            <a:r>
-              <a:rPr lang="es-ES" dirty="0" err="1" smtClean="0"/>
-              <a:t>Esteganografía</a:t>
-            </a:r>
-            <a:r>
-              <a:rPr lang="es-ES" dirty="0" smtClean="0"/>
-              <a:t> de audio</a:t>
-            </a:r>
-          </a:p>
-          <a:p>
-            <a:pPr lvl="1">
-              <a:buFont typeface="Wingdings 2" pitchFamily="18" charset="2"/>
-              <a:buChar char=""/>
-            </a:pPr>
-            <a:r>
-              <a:rPr lang="es-ES" dirty="0" smtClean="0"/>
-              <a:t>Motivación</a:t>
-            </a:r>
-          </a:p>
-          <a:p>
-            <a:pPr lvl="1">
-              <a:buFont typeface="Wingdings 2" pitchFamily="18" charset="2"/>
-              <a:buChar char=""/>
-            </a:pPr>
-            <a:r>
-              <a:rPr lang="es-ES" dirty="0" smtClean="0"/>
-              <a:t>Problemas</a:t>
-            </a:r>
-          </a:p>
-          <a:p>
-            <a:pPr lvl="1">
-              <a:buFont typeface="Wingdings 2" pitchFamily="18" charset="2"/>
-              <a:buChar char=""/>
-            </a:pPr>
-            <a:r>
-              <a:rPr lang="es-ES" dirty="0" smtClean="0"/>
-              <a:t>Objetivos</a:t>
-            </a:r>
-          </a:p>
-          <a:p>
-            <a:pPr lvl="1">
               <a:buNone/>
             </a:pPr>
-            <a:r>
-              <a:rPr lang="es-ES" dirty="0" smtClean="0">
-                <a:solidFill>
-                  <a:schemeClr val="bg1">
-                    <a:lumMod val="85000"/>
-                  </a:schemeClr>
-                </a:solidFill>
-              </a:rPr>
-              <a:t>	Métodos</a:t>
-            </a:r>
-            <a:endParaRPr lang="es-ES" dirty="0" smtClean="0">
-              <a:solidFill>
-                <a:schemeClr val="bg1">
-                  <a:lumMod val="85000"/>
-                </a:schemeClr>
-              </a:solidFill>
-            </a:endParaRPr>
+            <a:endParaRPr lang="es-ES" dirty="0" smtClean="0"/>
+          </a:p>
+          <a:p>
+            <a:r>
+              <a:rPr lang="es-ES" dirty="0" smtClean="0"/>
+              <a:t>Protección de propiedad intelectual.</a:t>
+            </a:r>
+          </a:p>
+          <a:p>
+            <a:pPr lvl="1"/>
+            <a:r>
+              <a:rPr lang="es-ES" dirty="0" smtClean="0"/>
+              <a:t>Todo el mundo puede copiar y distribuir archivos.</a:t>
+            </a:r>
+          </a:p>
+          <a:p>
+            <a:pPr lvl="1"/>
+            <a:r>
+              <a:rPr lang="es-ES" dirty="0" smtClean="0"/>
+              <a:t>No empeora la calidad del archivo.</a:t>
+            </a:r>
+          </a:p>
+          <a:p>
+            <a:pPr lvl="1"/>
+            <a:r>
+              <a:rPr lang="es-ES" dirty="0" smtClean="0"/>
+              <a:t>Grandes pérdidas de dinero para los autores.</a:t>
+            </a:r>
+          </a:p>
+          <a:p>
+            <a:pPr lvl="1"/>
+            <a:r>
+              <a:rPr lang="es-ES" dirty="0" smtClean="0"/>
+              <a:t>Facilidad de sustituir una cabecera por otra.</a:t>
+            </a:r>
+          </a:p>
+          <a:p>
+            <a:endParaRPr lang="es-ES" dirty="0"/>
           </a:p>
         </p:txBody>
       </p:sp>
@@ -5170,88 +5256,125 @@
         </p:nvSpPr>
         <p:spPr/>
         <p:txBody>
-          <a:bodyPr>
-            <a:normAutofit fontScale="90000"/>
-          </a:bodyPr>
-          <a:lstStyle/>
-          <a:p>
+          <a:bodyPr/>
+          <a:lstStyle/>
+          <a:p>
+            <a:r>
+              <a:rPr lang="es-ES" dirty="0" smtClean="0"/>
+              <a:t>Índice</a:t>
+            </a:r>
+            <a:endParaRPr lang="es-ES" dirty="0"/>
+          </a:p>
+        </p:txBody>
+      </p:sp>
+      <p:sp>
+        <p:nvSpPr>
+          <p:cNvPr id="3" name="2 Marcador de contenido"/>
+          <p:cNvSpPr>
+            <a:spLocks noGrp="1"/>
+          </p:cNvSpPr>
+          <p:nvPr>
+            <p:ph idx="1"/>
+          </p:nvPr>
+        </p:nvSpPr>
+        <p:spPr/>
+        <p:txBody>
+          <a:bodyPr/>
+          <a:lstStyle/>
+          <a:p>
+            <a:r>
+              <a:rPr lang="es-ES" dirty="0" smtClean="0"/>
+              <a:t>Introducción</a:t>
+            </a:r>
+          </a:p>
+          <a:p>
+            <a:pPr lvl="1"/>
             <a:r>
               <a:rPr lang="es-ES" dirty="0" err="1" smtClean="0"/>
               <a:t>Esteganografía</a:t>
             </a:r>
-            <a:r>
-              <a:rPr lang="es-ES" dirty="0" smtClean="0"/>
-              <a:t> de audio: objetivos</a:t>
-            </a:r>
-            <a:endParaRPr lang="es-ES" dirty="0"/>
-          </a:p>
-        </p:txBody>
-      </p:sp>
-      <p:sp>
-        <p:nvSpPr>
-          <p:cNvPr id="3" name="2 Marcador de contenido"/>
-          <p:cNvSpPr>
-            <a:spLocks noGrp="1"/>
-          </p:cNvSpPr>
-          <p:nvPr>
-            <p:ph idx="1"/>
-          </p:nvPr>
-        </p:nvSpPr>
-        <p:spPr>
-          <a:xfrm>
-            <a:off x="395536" y="2132856"/>
-            <a:ext cx="8229600" cy="4389120"/>
-          </a:xfrm>
-        </p:spPr>
-        <p:txBody>
-          <a:bodyPr/>
-          <a:lstStyle/>
-          <a:p>
-            <a:r>
-              <a:rPr lang="es-ES" b="1" dirty="0" smtClean="0"/>
-              <a:t>Transparencia</a:t>
-            </a:r>
-            <a:r>
-              <a:rPr lang="es-ES" dirty="0" smtClean="0"/>
-              <a:t>:</a:t>
-            </a:r>
-            <a:r>
-              <a:rPr lang="es-ES" b="1" dirty="0" smtClean="0"/>
-              <a:t> </a:t>
-            </a:r>
-            <a:r>
-              <a:rPr lang="es-ES" dirty="0" smtClean="0"/>
-              <a:t>que no sea posible percibir que se ha incluido un mensaje.</a:t>
-            </a:r>
-          </a:p>
-          <a:p>
-            <a:r>
-              <a:rPr lang="es-ES" b="1" dirty="0" smtClean="0"/>
-              <a:t>Robustez</a:t>
-            </a:r>
-            <a:r>
-              <a:rPr lang="es-ES" dirty="0" smtClean="0"/>
-              <a:t>: que el mensaje perdure a modificaciones (intencionadas o no intencionadas) del archivo de audio.</a:t>
-            </a:r>
-          </a:p>
-          <a:p>
-            <a:r>
-              <a:rPr lang="es-ES" b="1" dirty="0" smtClean="0"/>
-              <a:t>Alto volumen de datos </a:t>
-            </a:r>
-            <a:r>
-              <a:rPr lang="es-ES" dirty="0" smtClean="0"/>
-              <a:t>(data </a:t>
-            </a:r>
+            <a:endParaRPr lang="es-ES" dirty="0" smtClean="0"/>
+          </a:p>
+          <a:p>
+            <a:pPr lvl="1"/>
+            <a:r>
+              <a:rPr lang="es-ES" dirty="0" smtClean="0"/>
+              <a:t>Audio digital</a:t>
+            </a:r>
+          </a:p>
+          <a:p>
+            <a:pPr lvl="1">
+              <a:buFont typeface="Wingdings 2" pitchFamily="18" charset="2"/>
+              <a:buChar char=""/>
+            </a:pPr>
+            <a:r>
+              <a:rPr lang="es-ES" dirty="0" smtClean="0"/>
+              <a:t>Formato WAV</a:t>
+            </a:r>
+          </a:p>
+          <a:p>
+            <a:pPr>
+              <a:buFont typeface="Wingdings 2" pitchFamily="18" charset="2"/>
+              <a:buChar char=""/>
+            </a:pPr>
             <a:r>
               <a:rPr lang="es-ES" dirty="0" err="1" smtClean="0"/>
-              <a:t>rate</a:t>
-            </a:r>
-            <a:r>
-              <a:rPr lang="es-ES" dirty="0" smtClean="0"/>
-              <a:t>): que se puedan incluir grandes mensajes ocultos en pequeños archivos de audio.</a:t>
-            </a:r>
-            <a:endParaRPr lang="es-ES" dirty="0"/>
+              <a:t>Esteganografía</a:t>
+            </a:r>
+            <a:r>
+              <a:rPr lang="es-ES" dirty="0" smtClean="0"/>
+              <a:t> de audio</a:t>
+            </a:r>
+          </a:p>
+          <a:p>
+            <a:pPr lvl="1">
+              <a:buFont typeface="Wingdings 2" pitchFamily="18" charset="2"/>
+              <a:buChar char=""/>
+            </a:pPr>
+            <a:r>
+              <a:rPr lang="es-ES" dirty="0" smtClean="0"/>
+              <a:t>Motivación</a:t>
+            </a:r>
+          </a:p>
+          <a:p>
+            <a:pPr lvl="1">
+              <a:buFont typeface="Wingdings 2" pitchFamily="18" charset="2"/>
+              <a:buChar char=""/>
+            </a:pPr>
+            <a:r>
+              <a:rPr lang="es-ES" dirty="0" smtClean="0"/>
+              <a:t>Problemas</a:t>
+            </a:r>
+          </a:p>
+          <a:p>
+            <a:pPr lvl="1">
+              <a:buNone/>
+            </a:pPr>
+            <a:r>
+              <a:rPr lang="es-ES" dirty="0" smtClean="0">
+                <a:solidFill>
+                  <a:schemeClr val="bg1">
+                    <a:lumMod val="85000"/>
+                  </a:schemeClr>
+                </a:solidFill>
+              </a:rPr>
+              <a:t>	Objetivos</a:t>
+            </a:r>
+          </a:p>
+          <a:p>
+            <a:pPr lvl="1">
+              <a:buNone/>
+            </a:pPr>
+            <a:r>
+              <a:rPr lang="es-ES" dirty="0" smtClean="0">
+                <a:solidFill>
+                  <a:schemeClr val="bg1">
+                    <a:lumMod val="85000"/>
+                  </a:schemeClr>
+                </a:solidFill>
+              </a:rPr>
+              <a:t>	Métodos</a:t>
+            </a:r>
           </a:p>
         </p:txBody>
       </p:sp>
@@ -5310,62 +5433,64 @@
             </a:r>
             <a:r>
               <a:rPr lang="es-ES" dirty="0" smtClean="0"/>
-              <a:t> de audio: objetivos</a:t>
+              <a:t> de audio: problemas</a:t>
             </a:r>
             <a:endParaRPr lang="es-ES" dirty="0"/>
           </a:p>
         </p:txBody>
       </p:sp>
-      <p:pic>
-        <p:nvPicPr>
-          <p:cNvPr id="4" name="3 Marcador de contenido" descr="triangle.PNG"/>
-          <p:cNvPicPr>
-            <a:picLocks noGrp="1" noChangeAspect="1"/>
-          </p:cNvPicPr>
-          <p:nvPr>
-            <p:ph sz="half" idx="1"/>
-          </p:nvPr>
-        </p:nvPicPr>
-        <p:blipFill>
-          <a:blip r:embed="rId2" cstate="print"/>
-          <a:stretch>
-            <a:fillRect/>
-          </a:stretch>
-        </p:blipFill>
+      <p:sp>
+        <p:nvSpPr>
+          <p:cNvPr id="3" name="2 Marcador de contenido"/>
+          <p:cNvSpPr>
+            <a:spLocks noGrp="1"/>
+          </p:cNvSpPr>
+          <p:nvPr>
+            <p:ph idx="1"/>
+          </p:nvPr>
+        </p:nvSpPr>
         <p:spPr>
           <a:xfrm>
-            <a:off x="2483768" y="3284984"/>
-            <a:ext cx="3963453" cy="3092177"/>
+            <a:off x="457200" y="2636912"/>
+            <a:ext cx="8229600" cy="3687688"/>
           </a:xfrm>
         </p:spPr>
-      </p:pic>
-      <p:sp>
-        <p:nvSpPr>
-          <p:cNvPr id="5" name="4 Marcador de contenido"/>
-          <p:cNvSpPr>
-            <a:spLocks noGrp="1"/>
-          </p:cNvSpPr>
-          <p:nvPr>
-            <p:ph sz="half" idx="2"/>
-          </p:nvPr>
-        </p:nvSpPr>
-        <p:spPr>
-          <a:xfrm>
-            <a:off x="323528" y="2564903"/>
-            <a:ext cx="8363272" cy="720081"/>
-          </a:xfrm>
-        </p:spPr>
-        <p:txBody>
-          <a:bodyPr>
-            <a:normAutofit/>
-          </a:bodyPr>
-          <a:lstStyle/>
-          <a:p>
-            <a:r>
-              <a:rPr lang="es-ES" sz="2800" dirty="0" smtClean="0"/>
-              <a:t>Son requisitos contradictorios</a:t>
-            </a:r>
-            <a:endParaRPr lang="es-ES" sz="2800" dirty="0"/>
+        <p:txBody>
+          <a:bodyPr/>
+          <a:lstStyle/>
+          <a:p>
+            <a:r>
+              <a:rPr lang="es-ES" dirty="0" smtClean="0"/>
+              <a:t>Más dificultosa que la </a:t>
+            </a:r>
+            <a:r>
+              <a:rPr lang="es-ES" dirty="0" err="1" smtClean="0"/>
+              <a:t>esteganografía</a:t>
+            </a:r>
+            <a:r>
+              <a:rPr lang="es-ES" dirty="0" smtClean="0"/>
+              <a:t> de imágenes </a:t>
+            </a:r>
+          </a:p>
+          <a:p>
+            <a:pPr lvl="1"/>
+            <a:r>
+              <a:rPr lang="es-ES" dirty="0" smtClean="0"/>
+              <a:t>Sistema auditivo humano más sensible que sistema visual.</a:t>
+            </a:r>
+          </a:p>
+          <a:p>
+            <a:pPr lvl="1">
+              <a:buNone/>
+            </a:pPr>
+            <a:endParaRPr lang="es-ES" dirty="0" smtClean="0"/>
+          </a:p>
+          <a:p>
+            <a:r>
+              <a:rPr lang="es-ES" dirty="0" smtClean="0"/>
+              <a:t>Se puede introducir  de manera transparente una cantidad de información menor.</a:t>
+            </a:r>
+            <a:endParaRPr lang="es-ES" dirty="0"/>
           </a:p>
         </p:txBody>
       </p:sp>
@@ -5453,153 +5578,75 @@
             <a:endParaRPr lang="es-ES" dirty="0" smtClean="0"/>
           </a:p>
           <a:p>
+            <a:pPr lvl="1"/>
+            <a:r>
+              <a:rPr lang="es-ES" dirty="0" smtClean="0"/>
+              <a:t>Audio digital</a:t>
+            </a:r>
+          </a:p>
+          <a:p>
             <a:pPr lvl="1">
-              <a:buNone/>
+              <a:buFont typeface="Wingdings 2" pitchFamily="18" charset="2"/>
+              <a:buChar char=""/>
             </a:pPr>
             <a:r>
-              <a:rPr lang="es-ES" dirty="0" smtClean="0">
-                <a:solidFill>
-                  <a:schemeClr val="bg1">
-                    <a:lumMod val="85000"/>
-                  </a:schemeClr>
-                </a:solidFill>
-              </a:rPr>
-              <a:t>	Audio </a:t>
-            </a:r>
-            <a:r>
-              <a:rPr lang="es-ES" dirty="0" smtClean="0">
-                <a:solidFill>
-                  <a:schemeClr val="bg1">
-                    <a:lumMod val="85000"/>
-                  </a:schemeClr>
-                </a:solidFill>
-              </a:rPr>
-              <a:t>digital</a:t>
+              <a:rPr lang="es-ES" dirty="0" smtClean="0"/>
+              <a:t>Formato WAV</a:t>
+            </a:r>
+          </a:p>
+          <a:p>
+            <a:pPr>
+              <a:buFont typeface="Wingdings 2" pitchFamily="18" charset="2"/>
+              <a:buChar char=""/>
+            </a:pPr>
+            <a:r>
+              <a:rPr lang="es-ES" dirty="0" err="1" smtClean="0"/>
+              <a:t>Esteganografía</a:t>
+            </a:r>
+            <a:r>
+              <a:rPr lang="es-ES" dirty="0" smtClean="0"/>
+              <a:t> de audio</a:t>
             </a:r>
           </a:p>
           <a:p>
             <a:pPr lvl="1">
-              <a:buNone/>
+              <a:buFont typeface="Wingdings 2" pitchFamily="18" charset="2"/>
+              <a:buChar char=""/>
             </a:pPr>
             <a:r>
-              <a:rPr lang="es-ES" dirty="0" smtClean="0">
-                <a:solidFill>
-                  <a:schemeClr val="bg1">
-                    <a:lumMod val="85000"/>
-                  </a:schemeClr>
-                </a:solidFill>
-              </a:rPr>
-              <a:t>	Formato WAV</a:t>
-            </a:r>
-            <a:endParaRPr lang="es-ES" dirty="0" smtClean="0">
-              <a:solidFill>
-                <a:schemeClr val="bg1">
-                  <a:lumMod val="85000"/>
-                </a:schemeClr>
-              </a:solidFill>
-            </a:endParaRPr>
-          </a:p>
-          <a:p>
-            <a:pPr>
-              <a:buNone/>
+              <a:rPr lang="es-ES" dirty="0" smtClean="0"/>
+              <a:t>Motivación</a:t>
+            </a:r>
+          </a:p>
+          <a:p>
+            <a:pPr lvl="1">
+              <a:buFont typeface="Wingdings 2" pitchFamily="18" charset="2"/>
+              <a:buChar char=""/>
             </a:pPr>
             <a:r>
-              <a:rPr lang="es-ES" dirty="0" smtClean="0">
-                <a:solidFill>
-                  <a:schemeClr val="bg1">
-                    <a:lumMod val="85000"/>
-                  </a:schemeClr>
-                </a:solidFill>
-              </a:rPr>
-              <a:t>	</a:t>
-            </a:r>
-            <a:r>
-              <a:rPr lang="es-ES" dirty="0" err="1" smtClean="0">
-                <a:solidFill>
-                  <a:schemeClr val="bg1">
-                    <a:lumMod val="85000"/>
-                  </a:schemeClr>
-                </a:solidFill>
-              </a:rPr>
-              <a:t>Esteganografía</a:t>
-            </a:r>
-            <a:r>
-              <a:rPr lang="es-ES" dirty="0" smtClean="0">
-                <a:solidFill>
-                  <a:schemeClr val="bg1">
-                    <a:lumMod val="85000"/>
-                  </a:schemeClr>
-                </a:solidFill>
-              </a:rPr>
-              <a:t> de audio</a:t>
+              <a:rPr lang="es-ES" dirty="0" smtClean="0"/>
+              <a:t>Problemas</a:t>
             </a:r>
           </a:p>
           <a:p>
             <a:pPr lvl="1">
-              <a:buNone/>
+              <a:buFont typeface="Wingdings 2" pitchFamily="18" charset="2"/>
+              <a:buChar char=""/>
             </a:pPr>
             <a:r>
-              <a:rPr lang="es-ES" dirty="0" smtClean="0">
-                <a:solidFill>
-                  <a:schemeClr val="bg1">
-                    <a:lumMod val="85000"/>
-                  </a:schemeClr>
-                </a:solidFill>
-              </a:rPr>
-              <a:t>	Motivación</a:t>
+              <a:rPr lang="es-ES" dirty="0" smtClean="0"/>
+              <a:t>Objetivos</a:t>
             </a:r>
           </a:p>
           <a:p>
             <a:pPr lvl="1">
-              <a:buNone/>
+              <a:buFont typeface="Wingdings 2" pitchFamily="18" charset="2"/>
+              <a:buChar char=""/>
             </a:pPr>
             <a:r>
-              <a:rPr lang="es-ES" dirty="0" smtClean="0">
-                <a:solidFill>
-                  <a:schemeClr val="bg1">
-                    <a:lumMod val="85000"/>
-                  </a:schemeClr>
-                </a:solidFill>
-              </a:rPr>
-              <a:t>	Problemas</a:t>
-            </a:r>
-          </a:p>
-          <a:p>
-            <a:pPr lvl="1">
-              <a:buNone/>
-            </a:pPr>
-            <a:r>
-              <a:rPr lang="es-ES" dirty="0" smtClean="0">
-                <a:solidFill>
-                  <a:schemeClr val="bg1">
-                    <a:lumMod val="85000"/>
-                  </a:schemeClr>
-                </a:solidFill>
-              </a:rPr>
-              <a:t>	Objetivos</a:t>
-            </a:r>
-          </a:p>
-          <a:p>
-            <a:pPr lvl="1">
-              <a:buNone/>
-            </a:pPr>
-            <a:r>
-              <a:rPr lang="es-ES" dirty="0" smtClean="0">
-                <a:solidFill>
-                  <a:schemeClr val="bg1">
-                    <a:lumMod val="85000"/>
-                  </a:schemeClr>
-                </a:solidFill>
-              </a:rPr>
-              <a:t>	Métodos</a:t>
-            </a:r>
-            <a:endParaRPr lang="es-ES" dirty="0" smtClean="0">
-              <a:solidFill>
-                <a:schemeClr val="bg1">
-                  <a:lumMod val="85000"/>
-                </a:schemeClr>
-              </a:solidFill>
-            </a:endParaRPr>
+              <a:rPr lang="es-ES" dirty="0" smtClean="0"/>
+              <a:t>Métodos</a:t>
+            </a:r>
           </a:p>
         </p:txBody>
       </p:sp>
@@ -5702,7 +5749,6 @@
               <a:rPr lang="es-ES" dirty="0" smtClean="0"/>
               <a:t>Formato WAV</a:t>
             </a:r>
-            <a:endParaRPr lang="es-ES" dirty="0" smtClean="0"/>
           </a:p>
           <a:p>
             <a:pPr>
@@ -5750,14 +5796,18 @@
           </a:p>
           <a:p>
             <a:pPr lvl="1">
-              <a:buFont typeface="Wingdings 2" pitchFamily="18" charset="2"/>
-              <a:buChar char=""/>
+              <a:buNone/>
             </a:pPr>
             <a:r>
-              <a:rPr lang="es-ES" dirty="0" smtClean="0"/>
-              <a:t>Métodos</a:t>
-            </a:r>
-            <a:endParaRPr lang="es-ES" dirty="0" smtClean="0"/>
+              <a:rPr lang="es-ES" dirty="0" smtClean="0">
+                <a:solidFill>
+                  <a:schemeClr val="bg1">
+                    <a:lumMod val="85000"/>
+                  </a:schemeClr>
+                </a:solidFill>
+              </a:rPr>
+              <a:t>	Métodos</a:t>
+            </a:r>
           </a:p>
         </p:txBody>
       </p:sp>
@@ -5803,12 +5853,7 @@
             <p:ph type="title"/>
           </p:nvPr>
         </p:nvSpPr>
-        <p:spPr>
-          <a:xfrm>
-            <a:off x="467544" y="1124744"/>
-            <a:ext cx="8229600" cy="1143000"/>
-          </a:xfrm>
-        </p:spPr>
+        <p:spPr/>
         <p:txBody>
           <a:bodyPr>
             <a:normAutofit fontScale="90000"/>
@@ -5821,7 +5866,7 @@
             </a:r>
             <a:r>
               <a:rPr lang="es-ES" dirty="0" smtClean="0"/>
-              <a:t> de audio: métodos</a:t>
+              <a:t> de audio: objetivos</a:t>
             </a:r>
             <a:endParaRPr lang="es-ES" dirty="0"/>
           </a:p>
@@ -5839,8 +5884,8 @@
         </p:nvSpPr>
         <p:spPr>
           <a:xfrm>
-            <a:off x="467544" y="2852936"/>
-            <a:ext cx="8229600" cy="3597032"/>
+            <a:off x="395536" y="2132856"/>
+            <a:ext cx="8229600" cy="4389120"/>
           </a:xfrm>
         </p:spPr>
         <p:txBody>
@@ -5849,74 +5894,68 @@
           </a:bodyPr>
           <a:lstStyle/>
           <a:p>
-            <a:r>
-              <a:rPr lang="es-ES" sz="3200" dirty="0" smtClean="0"/>
-              <a:t>LSB </a:t>
-            </a:r>
-            <a:r>
-              <a:rPr lang="es-ES" sz="3200" dirty="0" err="1" smtClean="0"/>
-              <a:t>coding</a:t>
-            </a:r>
-            <a:endParaRPr lang="es-ES" sz="3200" dirty="0" smtClean="0"/>
-          </a:p>
-          <a:p>
-            <a:r>
-              <a:rPr lang="es-ES" sz="3200" dirty="0" err="1" smtClean="0"/>
-              <a:t>Parity</a:t>
-            </a:r>
-            <a:r>
-              <a:rPr lang="es-ES" sz="3200" dirty="0" smtClean="0"/>
+            <a:endParaRPr lang="es-ES" b="1" dirty="0" smtClean="0"/>
+          </a:p>
+          <a:p>
+            <a:r>
+              <a:rPr lang="es-ES" b="1" dirty="0" smtClean="0"/>
+              <a:t>Transparencia</a:t>
+            </a:r>
+            <a:r>
+              <a:rPr lang="es-ES" dirty="0" smtClean="0"/>
+              <a:t>:</a:t>
+            </a:r>
+            <a:r>
+              <a:rPr lang="es-ES" b="1" dirty="0" smtClean="0"/>
               <a:t> </a:t>
             </a:r>
             <a:r>
-              <a:rPr lang="es-ES" sz="3200" dirty="0" err="1" smtClean="0"/>
-              <a:t>coding</a:t>
-            </a:r>
-            <a:endParaRPr lang="es-ES" sz="3200" dirty="0" smtClean="0"/>
-          </a:p>
-          <a:p>
-            <a:r>
-              <a:rPr lang="es-ES" sz="3200" dirty="0" err="1" smtClean="0"/>
-              <a:t>Phase</a:t>
-            </a:r>
-            <a:r>
-              <a:rPr lang="es-ES" sz="3200" dirty="0" smtClean="0"/>
-              <a:t> </a:t>
-            </a:r>
-            <a:r>
-              <a:rPr lang="es-ES" sz="3200" dirty="0" err="1" smtClean="0"/>
-              <a:t>coding</a:t>
-            </a:r>
-            <a:endParaRPr lang="es-ES" sz="3200" dirty="0" smtClean="0"/>
-          </a:p>
-          <a:p>
-            <a:r>
-              <a:rPr lang="es-ES" sz="3200" dirty="0" smtClean="0"/>
-              <a:t>Spread </a:t>
-            </a:r>
-            <a:r>
-              <a:rPr lang="es-ES" sz="3200" dirty="0" err="1" smtClean="0"/>
-              <a:t>spectrum</a:t>
-            </a:r>
-            <a:endParaRPr lang="es-ES" sz="3200" dirty="0" smtClean="0"/>
-          </a:p>
-          <a:p>
-            <a:r>
-              <a:rPr lang="es-ES" sz="3200" dirty="0" smtClean="0"/>
-              <a:t>Echo </a:t>
-            </a:r>
-            <a:r>
-              <a:rPr lang="es-ES" sz="3200" dirty="0" err="1" smtClean="0"/>
-              <a:t>hiding</a:t>
-            </a:r>
-            <a:endParaRPr lang="es-ES" sz="3200" dirty="0" smtClean="0"/>
-          </a:p>
-          <a:p>
-            <a:r>
-              <a:rPr lang="es-ES" sz="3200" dirty="0" smtClean="0"/>
-              <a:t>Etc.</a:t>
-            </a:r>
-            <a:endParaRPr lang="es-ES" sz="3200" dirty="0"/>
+              <a:rPr lang="es-ES" dirty="0" smtClean="0"/>
+              <a:t>Imposibilidad de percibir que se ha </a:t>
+            </a:r>
+            <a:r>
+              <a:rPr lang="es-ES" dirty="0" err="1" smtClean="0"/>
+              <a:t>incluído</a:t>
+            </a:r>
+            <a:r>
+              <a:rPr lang="es-ES" dirty="0" smtClean="0"/>
+              <a:t> un mensaje.</a:t>
+            </a:r>
+          </a:p>
+          <a:p>
+            <a:endParaRPr lang="es-ES" b="1" dirty="0" smtClean="0"/>
+          </a:p>
+          <a:p>
+            <a:r>
+              <a:rPr lang="es-ES" b="1" dirty="0" smtClean="0"/>
+              <a:t>Robustez</a:t>
+            </a:r>
+            <a:r>
+              <a:rPr lang="es-ES" dirty="0" smtClean="0"/>
+              <a:t>: Resistencia a modificaciones del archivo de audio.</a:t>
+            </a:r>
+          </a:p>
+          <a:p>
+            <a:endParaRPr lang="es-ES" dirty="0" smtClean="0"/>
+          </a:p>
+          <a:p>
+            <a:r>
+              <a:rPr lang="es-ES" b="1" dirty="0" smtClean="0"/>
+              <a:t>Alto volumen de datos </a:t>
+            </a:r>
+            <a:r>
+              <a:rPr lang="es-ES" dirty="0" smtClean="0"/>
+              <a:t>(data </a:t>
+            </a:r>
+            <a:r>
+              <a:rPr lang="es-ES" dirty="0" err="1" smtClean="0"/>
+              <a:t>rate</a:t>
+            </a:r>
+            <a:r>
+              <a:rPr lang="es-ES" dirty="0" smtClean="0"/>
+              <a:t>): Incluir grandes mensajes ocultos en pequeños archivos de audio.</a:t>
+            </a:r>
+            <a:endParaRPr lang="es-ES" dirty="0"/>
           </a:p>
         </p:txBody>
       </p:sp>
@@ -5962,12 +6001,7 @@
             <p:ph type="title"/>
           </p:nvPr>
         </p:nvSpPr>
-        <p:spPr>
-          <a:xfrm>
-            <a:off x="467544" y="1124744"/>
-            <a:ext cx="8229600" cy="1143000"/>
-          </a:xfrm>
-        </p:spPr>
+        <p:spPr/>
         <p:txBody>
           <a:bodyPr>
             <a:normAutofit fontScale="90000"/>
@@ -5980,7 +6014,7 @@
             </a:r>
             <a:r>
               <a:rPr lang="es-ES" dirty="0" smtClean="0"/>
-              <a:t> de audio: métodos</a:t>
+              <a:t> de audio: objetivos</a:t>
             </a:r>
             <a:endParaRPr lang="es-ES" dirty="0"/>
           </a:p>
@@ -5988,18 +6022,18 @@
       </p:sp>
       <p:sp>
         <p:nvSpPr>
-          <p:cNvPr id="3" name="2 Marcador de contenido"/>
-          <p:cNvSpPr>
-            <a:spLocks noGrp="1"/>
-          </p:cNvSpPr>
-          <p:nvPr>
-            <p:ph idx="1"/>
+          <p:cNvPr id="5" name="4 Marcador de contenido"/>
+          <p:cNvSpPr>
+            <a:spLocks noGrp="1"/>
+          </p:cNvSpPr>
+          <p:nvPr>
+            <p:ph sz="half" idx="2"/>
           </p:nvPr>
         </p:nvSpPr>
         <p:spPr>
           <a:xfrm>
-            <a:off x="467544" y="2852936"/>
-            <a:ext cx="8229600" cy="3597032"/>
+            <a:off x="323528" y="2564903"/>
+            <a:ext cx="8363272" cy="720081"/>
           </a:xfrm>
         </p:spPr>
         <p:txBody>
@@ -6009,185 +6043,64 @@
           <a:lstStyle/>
           <a:p>
             <a:r>
-              <a:rPr lang="es-ES" sz="3200" dirty="0" smtClean="0"/>
-              <a:t>LSB </a:t>
-            </a:r>
-            <a:r>
-              <a:rPr lang="es-ES" sz="3200" dirty="0" err="1" smtClean="0"/>
-              <a:t>coding</a:t>
-            </a:r>
-            <a:endParaRPr lang="es-ES" sz="3200" dirty="0" smtClean="0"/>
-          </a:p>
-          <a:p>
-            <a:pPr>
-              <a:buNone/>
-            </a:pPr>
-            <a:r>
-              <a:rPr lang="es-ES" sz="3200" dirty="0" smtClean="0">
-                <a:solidFill>
-                  <a:schemeClr val="bg1">
-                    <a:lumMod val="85000"/>
-                  </a:schemeClr>
-                </a:solidFill>
-              </a:rPr>
-              <a:t>	</a:t>
-            </a:r>
-            <a:r>
-              <a:rPr lang="es-ES" sz="3200" dirty="0" err="1" smtClean="0">
-                <a:solidFill>
-                  <a:schemeClr val="bg1">
-                    <a:lumMod val="85000"/>
-                  </a:schemeClr>
-                </a:solidFill>
-              </a:rPr>
-              <a:t>Parity</a:t>
-            </a:r>
-            <a:r>
-              <a:rPr lang="es-ES" sz="3200" dirty="0" smtClean="0">
-                <a:solidFill>
-                  <a:schemeClr val="bg1">
-                    <a:lumMod val="85000"/>
-                  </a:schemeClr>
-                </a:solidFill>
-              </a:rPr>
-              <a:t> </a:t>
-            </a:r>
-            <a:r>
-              <a:rPr lang="es-ES" sz="3200" dirty="0" err="1" smtClean="0">
-                <a:solidFill>
-                  <a:schemeClr val="bg1">
-                    <a:lumMod val="85000"/>
-                  </a:schemeClr>
-                </a:solidFill>
-              </a:rPr>
-              <a:t>coding</a:t>
-            </a:r>
-            <a:endParaRPr lang="es-ES" sz="3200" dirty="0" smtClean="0">
-              <a:solidFill>
-                <a:schemeClr val="bg1">
-                  <a:lumMod val="85000"/>
-                </a:schemeClr>
-              </a:solidFill>
-            </a:endParaRPr>
-          </a:p>
-          <a:p>
-            <a:pPr>
-              <a:buNone/>
-            </a:pPr>
-            <a:r>
-              <a:rPr lang="es-ES" sz="3200" dirty="0" smtClean="0">
-                <a:solidFill>
-                  <a:schemeClr val="bg1">
-                    <a:lumMod val="85000"/>
-                  </a:schemeClr>
-                </a:solidFill>
-              </a:rPr>
-              <a:t>	</a:t>
-            </a:r>
-            <a:r>
-              <a:rPr lang="es-ES" sz="3200" dirty="0" err="1" smtClean="0">
-                <a:solidFill>
-                  <a:schemeClr val="bg1">
-                    <a:lumMod val="85000"/>
-                  </a:schemeClr>
-                </a:solidFill>
-              </a:rPr>
-              <a:t>Phase</a:t>
-            </a:r>
-            <a:r>
-              <a:rPr lang="es-ES" sz="3200" dirty="0" smtClean="0">
-                <a:solidFill>
-                  <a:schemeClr val="bg1">
-                    <a:lumMod val="85000"/>
-                  </a:schemeClr>
-                </a:solidFill>
-              </a:rPr>
-              <a:t> </a:t>
-            </a:r>
-            <a:r>
-              <a:rPr lang="es-ES" sz="3200" dirty="0" err="1" smtClean="0">
-                <a:solidFill>
-                  <a:schemeClr val="bg1">
-                    <a:lumMod val="85000"/>
-                  </a:schemeClr>
-                </a:solidFill>
-              </a:rPr>
-              <a:t>coding</a:t>
-            </a:r>
-            <a:endParaRPr lang="es-ES" sz="3200" dirty="0" smtClean="0">
-              <a:solidFill>
-                <a:schemeClr val="bg1">
-                  <a:lumMod val="85000"/>
-                </a:schemeClr>
-              </a:solidFill>
-            </a:endParaRPr>
-          </a:p>
-          <a:p>
-            <a:pPr>
-              <a:buNone/>
-            </a:pPr>
-            <a:r>
-              <a:rPr lang="es-ES" sz="3200" dirty="0" smtClean="0">
-                <a:solidFill>
-                  <a:schemeClr val="bg1">
-                    <a:lumMod val="85000"/>
-                  </a:schemeClr>
-                </a:solidFill>
-              </a:rPr>
-              <a:t>	Spread </a:t>
-            </a:r>
-            <a:r>
-              <a:rPr lang="es-ES" sz="3200" dirty="0" err="1" smtClean="0">
-                <a:solidFill>
-                  <a:schemeClr val="bg1">
-                    <a:lumMod val="85000"/>
-                  </a:schemeClr>
-                </a:solidFill>
-              </a:rPr>
-              <a:t>spectrum</a:t>
-            </a:r>
-            <a:endParaRPr lang="es-ES" sz="3200" dirty="0" smtClean="0">
-              <a:solidFill>
-                <a:schemeClr val="bg1">
-                  <a:lumMod val="85000"/>
-                </a:schemeClr>
-              </a:solidFill>
-            </a:endParaRPr>
-          </a:p>
-          <a:p>
-            <a:pPr>
-              <a:buNone/>
-            </a:pPr>
-            <a:r>
-              <a:rPr lang="es-ES" sz="3200" dirty="0" smtClean="0">
-                <a:solidFill>
-                  <a:schemeClr val="bg1">
-                    <a:lumMod val="85000"/>
-                  </a:schemeClr>
-                </a:solidFill>
-              </a:rPr>
-              <a:t>	Echo </a:t>
-            </a:r>
-            <a:r>
-              <a:rPr lang="es-ES" sz="3200" dirty="0" err="1" smtClean="0">
-                <a:solidFill>
-                  <a:schemeClr val="bg1">
-                    <a:lumMod val="85000"/>
-                  </a:schemeClr>
-                </a:solidFill>
-              </a:rPr>
-              <a:t>hiding</a:t>
-            </a:r>
-            <a:endParaRPr lang="es-ES" sz="3200" dirty="0" smtClean="0">
-              <a:solidFill>
-                <a:schemeClr val="bg1">
-                  <a:lumMod val="85000"/>
-                </a:schemeClr>
-              </a:solidFill>
-            </a:endParaRPr>
-          </a:p>
-        </p:txBody>
-      </p:sp>
+              <a:rPr lang="es-ES" sz="2800" dirty="0" smtClean="0"/>
+              <a:t>Son requisitos contradictorios</a:t>
+            </a:r>
+            <a:endParaRPr lang="es-ES" sz="2800" dirty="0"/>
+          </a:p>
+        </p:txBody>
+      </p:sp>
+      <p:sp>
+        <p:nvSpPr>
+          <p:cNvPr id="6" name="5 Marcador de contenido"/>
+          <p:cNvSpPr>
+            <a:spLocks noGrp="1"/>
+          </p:cNvSpPr>
+          <p:nvPr>
+            <p:ph sz="half" idx="1"/>
+          </p:nvPr>
+        </p:nvSpPr>
+        <p:spPr/>
+        <p:txBody>
+          <a:bodyPr/>
+          <a:lstStyle/>
+          <a:p>
+            <a:endParaRPr lang="es-ES"/>
+          </a:p>
+        </p:txBody>
+      </p:sp>
+      <p:pic>
+        <p:nvPicPr>
+          <p:cNvPr id="5123" name="Picture 3"/>
+          <p:cNvPicPr>
+            <a:picLocks noChangeAspect="1" noChangeArrowheads="1"/>
+          </p:cNvPicPr>
+          <p:nvPr/>
+        </p:nvPicPr>
+        <p:blipFill>
+          <a:blip r:embed="rId2" cstate="print"/>
+          <a:srcRect/>
+          <a:stretch>
+            <a:fillRect/>
+          </a:stretch>
+        </p:blipFill>
+        <p:spPr bwMode="auto">
+          <a:xfrm>
+            <a:off x="2195736" y="3356992"/>
+            <a:ext cx="4847725" cy="2592288"/>
+          </a:xfrm>
+          <a:prstGeom prst="rect">
+            <a:avLst/>
+          </a:prstGeom>
+          <a:noFill/>
+          <a:ln w="9525">
+            <a:noFill/>
+            <a:miter lim="800000"/>
+            <a:headEnd/>
+            <a:tailEnd/>
+          </a:ln>
+        </p:spPr>
+      </p:pic>
     </p:spTree>
   </p:cSld>
   <p:clrMapOvr>
@@ -6237,75 +6150,110 @@
           <a:p>
             <a:r>
               <a:rPr lang="es-ES" dirty="0" smtClean="0"/>
-              <a:t>LSB </a:t>
-            </a:r>
+              <a:t>Índice</a:t>
+            </a:r>
+            <a:endParaRPr lang="es-ES" dirty="0"/>
+          </a:p>
+        </p:txBody>
+      </p:sp>
+      <p:sp>
+        <p:nvSpPr>
+          <p:cNvPr id="3" name="2 Marcador de contenido"/>
+          <p:cNvSpPr>
+            <a:spLocks noGrp="1"/>
+          </p:cNvSpPr>
+          <p:nvPr>
+            <p:ph idx="1"/>
+          </p:nvPr>
+        </p:nvSpPr>
+        <p:spPr/>
+        <p:txBody>
+          <a:bodyPr/>
+          <a:lstStyle/>
+          <a:p>
+            <a:r>
+              <a:rPr lang="es-ES" dirty="0" smtClean="0"/>
+              <a:t>Introducción</a:t>
+            </a:r>
+          </a:p>
+          <a:p>
+            <a:pPr lvl="1"/>
             <a:r>
               <a:rPr lang="es-ES" dirty="0" err="1" smtClean="0"/>
-              <a:t>coding</a:t>
-            </a:r>
-            <a:endParaRPr lang="es-ES" dirty="0"/>
-          </a:p>
-        </p:txBody>
-      </p:sp>
-      <p:sp>
-        <p:nvSpPr>
-          <p:cNvPr id="3" name="2 Marcador de contenido"/>
-          <p:cNvSpPr>
-            <a:spLocks noGrp="1"/>
-          </p:cNvSpPr>
-          <p:nvPr>
-            <p:ph idx="1"/>
-          </p:nvPr>
-        </p:nvSpPr>
-        <p:spPr/>
-        <p:txBody>
-          <a:bodyPr/>
-          <a:lstStyle/>
-          <a:p>
-            <a:r>
-              <a:rPr lang="es-ES" dirty="0" smtClean="0"/>
-              <a:t>Es </a:t>
-            </a:r>
-            <a:r>
-              <a:rPr lang="es-ES" dirty="0" smtClean="0"/>
-              <a:t>la forma más sencilla de integrar la información en un archivo de audio </a:t>
-            </a:r>
-            <a:r>
-              <a:rPr lang="es-ES" dirty="0" smtClean="0"/>
-              <a:t>digital.</a:t>
-            </a:r>
-          </a:p>
-          <a:p>
-            <a:r>
-              <a:rPr lang="es-ES" dirty="0" smtClean="0"/>
-              <a:t>Consiste en </a:t>
-            </a:r>
-            <a:r>
-              <a:rPr lang="es-ES" dirty="0" smtClean="0"/>
-              <a:t>sustituir el bit menos significativo de cada punto de muestreo con un mensaje </a:t>
-            </a:r>
-            <a:r>
-              <a:rPr lang="es-ES" dirty="0" smtClean="0"/>
-              <a:t>binario.</a:t>
-            </a:r>
-          </a:p>
-          <a:p>
-            <a:r>
-              <a:rPr lang="es-ES" dirty="0" smtClean="0"/>
-              <a:t>Permite codificar </a:t>
-            </a:r>
-            <a:r>
-              <a:rPr lang="es-ES" dirty="0" smtClean="0"/>
-              <a:t>una gran cantidad de </a:t>
-            </a:r>
-            <a:r>
-              <a:rPr lang="es-ES" dirty="0" smtClean="0"/>
-              <a:t>datos.</a:t>
-            </a:r>
-            <a:endParaRPr lang="es-ES" smtClean="0"/>
-          </a:p>
-          <a:p>
-            <a:endParaRPr lang="es-ES" dirty="0"/>
+              <a:t>Esteganografía</a:t>
+            </a:r>
+            <a:endParaRPr lang="es-ES" dirty="0" smtClean="0"/>
+          </a:p>
+          <a:p>
+            <a:pPr lvl="1"/>
+            <a:r>
+              <a:rPr lang="es-ES" dirty="0" smtClean="0"/>
+              <a:t>Audio digital</a:t>
+            </a:r>
+          </a:p>
+          <a:p>
+            <a:pPr lvl="1">
+              <a:buFont typeface="Wingdings 2" pitchFamily="18" charset="2"/>
+              <a:buChar char=""/>
+            </a:pPr>
+            <a:r>
+              <a:rPr lang="es-ES" dirty="0" smtClean="0"/>
+              <a:t>Formato WAV</a:t>
+            </a:r>
+          </a:p>
+          <a:p>
+            <a:pPr>
+              <a:buFont typeface="Wingdings 2" pitchFamily="18" charset="2"/>
+              <a:buChar char=""/>
+            </a:pPr>
+            <a:r>
+              <a:rPr lang="es-ES" dirty="0" err="1" smtClean="0"/>
+              <a:t>Esteganografía</a:t>
+            </a:r>
+            <a:r>
+              <a:rPr lang="es-ES" dirty="0" smtClean="0"/>
+              <a:t> de audio</a:t>
+            </a:r>
+          </a:p>
+          <a:p>
+            <a:pPr lvl="1">
+              <a:buFont typeface="Wingdings 2" pitchFamily="18" charset="2"/>
+              <a:buChar char=""/>
+            </a:pPr>
+            <a:r>
+              <a:rPr lang="es-ES" dirty="0" smtClean="0"/>
+              <a:t>Motivación</a:t>
+            </a:r>
+          </a:p>
+          <a:p>
+            <a:pPr lvl="1">
+              <a:buFont typeface="Wingdings 2" pitchFamily="18" charset="2"/>
+              <a:buChar char=""/>
+            </a:pPr>
+            <a:r>
+              <a:rPr lang="es-ES" dirty="0" smtClean="0"/>
+              <a:t>Problemas</a:t>
+            </a:r>
+          </a:p>
+          <a:p>
+            <a:pPr lvl="1">
+              <a:buFont typeface="Wingdings 2" pitchFamily="18" charset="2"/>
+              <a:buChar char=""/>
+            </a:pPr>
+            <a:r>
+              <a:rPr lang="es-ES" dirty="0" smtClean="0"/>
+              <a:t>Objetivos</a:t>
+            </a:r>
+          </a:p>
+          <a:p>
+            <a:pPr lvl="1">
+              <a:buFont typeface="Wingdings 2" pitchFamily="18" charset="2"/>
+              <a:buChar char=""/>
+            </a:pPr>
+            <a:r>
+              <a:rPr lang="es-ES" dirty="0" smtClean="0"/>
+              <a:t>Métodos</a:t>
+            </a:r>
           </a:p>
         </p:txBody>
       </p:sp>
@@ -6408,10 +6356,6 @@
             <a:endParaRPr lang="es-ES" sz="3200" dirty="0" smtClean="0"/>
           </a:p>
           <a:p>
-            <a:pPr>
-              <a:buFont typeface="Wingdings 2" pitchFamily="18" charset="2"/>
-              <a:buChar char=""/>
-            </a:pPr>
             <a:r>
               <a:rPr lang="es-ES" sz="3200" dirty="0" err="1" smtClean="0"/>
               <a:t>Parity</a:t>
@@ -6427,120 +6371,48 @@
             <a:endParaRPr lang="es-ES" sz="3200" dirty="0" smtClean="0"/>
           </a:p>
           <a:p>
-            <a:pPr>
-              <a:buNone/>
-            </a:pPr>
-            <a:r>
-              <a:rPr lang="es-ES" sz="3200" dirty="0" smtClean="0">
-                <a:solidFill>
-                  <a:schemeClr val="bg1">
-                    <a:lumMod val="85000"/>
-                  </a:schemeClr>
-                </a:solidFill>
-              </a:rPr>
-              <a:t>	</a:t>
-            </a:r>
-            <a:r>
-              <a:rPr lang="es-ES" sz="3200" dirty="0" err="1" smtClean="0">
-                <a:solidFill>
-                  <a:schemeClr val="bg1">
-                    <a:lumMod val="85000"/>
-                  </a:schemeClr>
-                </a:solidFill>
-              </a:rPr>
+            <a:r>
+              <a:rPr lang="es-ES" sz="3200" dirty="0" err="1" smtClean="0"/>
               <a:t>Phase</a:t>
             </a:r>
             <a:r>
-              <a:rPr lang="es-ES" sz="3200" dirty="0" smtClean="0">
-                <a:solidFill>
-                  <a:schemeClr val="bg1">
-                    <a:lumMod val="85000"/>
-                  </a:schemeClr>
-                </a:solidFill>
-              </a:rPr>
+              <a:rPr lang="es-ES" sz="3200" dirty="0" smtClean="0"/>
               <a:t> </a:t>
             </a:r>
             <a:r>
-              <a:rPr lang="es-ES" sz="3200" dirty="0" err="1" smtClean="0">
-                <a:solidFill>
-                  <a:schemeClr val="bg1">
-                    <a:lumMod val="85000"/>
-                  </a:schemeClr>
-                </a:solidFill>
-              </a:rPr>
+              <a:rPr lang="es-ES" sz="3200" dirty="0" err="1" smtClean="0"/>
               <a:t>coding</a:t>
             </a:r>
-            <a:endParaRPr lang="es-ES" sz="3200" dirty="0" smtClean="0">
-              <a:solidFill>
-                <a:schemeClr val="bg1">
-                  <a:lumMod val="85000"/>
-                </a:schemeClr>
-              </a:solidFill>
-            </a:endParaRPr>
-          </a:p>
-          <a:p>
-            <a:pPr>
-              <a:buNone/>
-            </a:pPr>
-            <a:r>
-              <a:rPr lang="es-ES" sz="3200" dirty="0" smtClean="0">
-                <a:solidFill>
-                  <a:schemeClr val="bg1">
-                    <a:lumMod val="85000"/>
-                  </a:schemeClr>
-                </a:solidFill>
-              </a:rPr>
-              <a:t>	Spread </a:t>
-            </a:r>
-            <a:r>
-              <a:rPr lang="es-ES" sz="3200" dirty="0" err="1" smtClean="0">
-                <a:solidFill>
-                  <a:schemeClr val="bg1">
-                    <a:lumMod val="85000"/>
-                  </a:schemeClr>
-                </a:solidFill>
-              </a:rPr>
+            <a:endParaRPr lang="es-ES" sz="3200" dirty="0" smtClean="0"/>
+          </a:p>
+          <a:p>
+            <a:r>
+              <a:rPr lang="es-ES" sz="3200" dirty="0" smtClean="0"/>
+              <a:t>Spread </a:t>
+            </a:r>
+            <a:r>
+              <a:rPr lang="es-ES" sz="3200" dirty="0" err="1" smtClean="0"/>
               <a:t>spectrum</a:t>
             </a:r>
-            <a:endParaRPr lang="es-ES" sz="3200" dirty="0" smtClean="0">
-              <a:solidFill>
-                <a:schemeClr val="bg1">
-                  <a:lumMod val="85000"/>
-                </a:schemeClr>
-              </a:solidFill>
-            </a:endParaRPr>
-          </a:p>
-          <a:p>
-            <a:pPr>
-              <a:buNone/>
-            </a:pPr>
-            <a:r>
-              <a:rPr lang="es-ES" sz="3200" dirty="0" smtClean="0">
-                <a:solidFill>
-                  <a:schemeClr val="bg1">
-                    <a:lumMod val="85000"/>
-                  </a:schemeClr>
-                </a:solidFill>
-              </a:rPr>
-              <a:t>	Echo </a:t>
-            </a:r>
-            <a:r>
-              <a:rPr lang="es-ES" sz="3200" dirty="0" err="1" smtClean="0">
-                <a:solidFill>
-                  <a:schemeClr val="bg1">
-                    <a:lumMod val="85000"/>
-                  </a:schemeClr>
-                </a:solidFill>
-              </a:rPr>
+            <a:endParaRPr lang="es-ES" sz="3200" dirty="0" smtClean="0"/>
+          </a:p>
+          <a:p>
+            <a:r>
+              <a:rPr lang="es-ES" sz="3200" dirty="0" smtClean="0"/>
+              <a:t>Echo </a:t>
+            </a:r>
+            <a:r>
+              <a:rPr lang="es-ES" sz="3200" dirty="0" err="1" smtClean="0"/>
               <a:t>hiding</a:t>
             </a:r>
-            <a:endParaRPr lang="es-ES" sz="3200" dirty="0" smtClean="0">
-              <a:solidFill>
-                <a:schemeClr val="bg1">
-                  <a:lumMod val="85000"/>
-                </a:schemeClr>
-              </a:solidFill>
-            </a:endParaRPr>
+            <a:endParaRPr lang="es-ES" sz="3200" dirty="0" smtClean="0"/>
+          </a:p>
+          <a:p>
+            <a:r>
+              <a:rPr lang="es-ES" sz="3200" dirty="0" smtClean="0"/>
+              <a:t>Etc.</a:t>
+            </a:r>
+            <a:endParaRPr lang="es-ES" sz="3200" dirty="0"/>
           </a:p>
         </p:txBody>
       </p:sp>
@@ -6586,43 +6458,229 @@
             <p:ph type="title"/>
           </p:nvPr>
         </p:nvSpPr>
-        <p:spPr/>
-        <p:txBody>
-          <a:bodyPr/>
+        <p:spPr>
+          <a:xfrm>
+            <a:off x="467544" y="1124744"/>
+            <a:ext cx="8229600" cy="1143000"/>
+          </a:xfrm>
+        </p:spPr>
+        <p:txBody>
+          <a:bodyPr>
+            <a:normAutofit fontScale="90000"/>
+          </a:bodyPr>
           <a:lstStyle/>
           <a:p>
             <a:r>
               <a:rPr lang="es-ES" dirty="0" err="1" smtClean="0"/>
+              <a:t>Esteganografía</a:t>
+            </a:r>
+            <a:r>
+              <a:rPr lang="es-ES" dirty="0" smtClean="0"/>
+              <a:t> de audio: métodos</a:t>
+            </a:r>
+            <a:endParaRPr lang="es-ES" dirty="0"/>
+          </a:p>
+        </p:txBody>
+      </p:sp>
+      <p:sp>
+        <p:nvSpPr>
+          <p:cNvPr id="3" name="2 Marcador de contenido"/>
+          <p:cNvSpPr>
+            <a:spLocks noGrp="1"/>
+          </p:cNvSpPr>
+          <p:nvPr>
+            <p:ph idx="1"/>
+          </p:nvPr>
+        </p:nvSpPr>
+        <p:spPr>
+          <a:xfrm>
+            <a:off x="467544" y="2852936"/>
+            <a:ext cx="8229600" cy="3597032"/>
+          </a:xfrm>
+        </p:spPr>
+        <p:txBody>
+          <a:bodyPr>
+            <a:normAutofit/>
+          </a:bodyPr>
+          <a:lstStyle/>
+          <a:p>
+            <a:r>
+              <a:rPr lang="es-ES" sz="3200" dirty="0" smtClean="0"/>
+              <a:t>LSB </a:t>
+            </a:r>
+            <a:r>
+              <a:rPr lang="es-ES" sz="3200" dirty="0" err="1" smtClean="0"/>
+              <a:t>coding</a:t>
+            </a:r>
+            <a:endParaRPr lang="es-ES" sz="3200" dirty="0" smtClean="0"/>
+          </a:p>
+          <a:p>
+            <a:pPr>
+              <a:buNone/>
+            </a:pPr>
+            <a:r>
+              <a:rPr lang="es-ES" sz="3200" dirty="0" smtClean="0">
+                <a:solidFill>
+                  <a:schemeClr val="bg1">
+                    <a:lumMod val="85000"/>
+                  </a:schemeClr>
+                </a:solidFill>
+              </a:rPr>
+              <a:t>	</a:t>
+            </a:r>
+            <a:r>
+              <a:rPr lang="es-ES" sz="3200" dirty="0" err="1" smtClean="0">
+                <a:solidFill>
+                  <a:schemeClr val="bg1">
+                    <a:lumMod val="85000"/>
+                  </a:schemeClr>
+                </a:solidFill>
+              </a:rPr>
               <a:t>Parity</a:t>
             </a:r>
             <a:r>
-              <a:rPr lang="es-ES" dirty="0" smtClean="0"/>
+              <a:rPr lang="es-ES" sz="3200" dirty="0" smtClean="0">
+                <a:solidFill>
+                  <a:schemeClr val="bg1">
+                    <a:lumMod val="85000"/>
+                  </a:schemeClr>
+                </a:solidFill>
+              </a:rPr>
               <a:t> </a:t>
             </a:r>
             <a:r>
-              <a:rPr lang="es-ES" dirty="0" err="1" smtClean="0"/>
+              <a:rPr lang="es-ES" sz="3200" dirty="0" err="1" smtClean="0">
+                <a:solidFill>
+                  <a:schemeClr val="bg1">
+                    <a:lumMod val="85000"/>
+                  </a:schemeClr>
+                </a:solidFill>
+              </a:rPr>
               <a:t>coding</a:t>
             </a:r>
-            <a:endParaRPr lang="es-ES" dirty="0"/>
-          </a:p>
-        </p:txBody>
-      </p:sp>
-      <p:sp>
-        <p:nvSpPr>
-          <p:cNvPr id="3" name="2 Marcador de contenido"/>
-          <p:cNvSpPr>
-            <a:spLocks noGrp="1"/>
-          </p:cNvSpPr>
-          <p:nvPr>
-            <p:ph idx="1"/>
-          </p:nvPr>
-        </p:nvSpPr>
-        <p:spPr/>
-        <p:txBody>
-          <a:bodyPr/>
-          <a:lstStyle/>
-          <a:p>
-            <a:endParaRPr lang="es-ES"/>
+            <a:endParaRPr lang="es-ES" sz="3200" dirty="0" smtClean="0">
+              <a:solidFill>
+                <a:schemeClr val="bg1">
+                  <a:lumMod val="85000"/>
+                </a:schemeClr>
+              </a:solidFill>
+            </a:endParaRPr>
+          </a:p>
+          <a:p>
+            <a:pPr>
+              <a:buNone/>
+            </a:pPr>
+            <a:r>
+              <a:rPr lang="es-ES" sz="3200" dirty="0" smtClean="0">
+                <a:solidFill>
+                  <a:schemeClr val="bg1">
+                    <a:lumMod val="85000"/>
+                  </a:schemeClr>
+                </a:solidFill>
+              </a:rPr>
+              <a:t>	</a:t>
+            </a:r>
+            <a:r>
+              <a:rPr lang="es-ES" sz="3200" dirty="0" err="1" smtClean="0">
+                <a:solidFill>
+                  <a:schemeClr val="bg1">
+                    <a:lumMod val="85000"/>
+                  </a:schemeClr>
+                </a:solidFill>
+              </a:rPr>
+              <a:t>Phase</a:t>
+            </a:r>
+            <a:r>
+              <a:rPr lang="es-ES" sz="3200" dirty="0" smtClean="0">
+                <a:solidFill>
+                  <a:schemeClr val="bg1">
+                    <a:lumMod val="85000"/>
+                  </a:schemeClr>
+                </a:solidFill>
+              </a:rPr>
+              <a:t> </a:t>
+            </a:r>
+            <a:r>
+              <a:rPr lang="es-ES" sz="3200" dirty="0" err="1" smtClean="0">
+                <a:solidFill>
+                  <a:schemeClr val="bg1">
+                    <a:lumMod val="85000"/>
+                  </a:schemeClr>
+                </a:solidFill>
+              </a:rPr>
+              <a:t>coding</a:t>
+            </a:r>
+            <a:endParaRPr lang="es-ES" sz="3200" dirty="0" smtClean="0">
+              <a:solidFill>
+                <a:schemeClr val="bg1">
+                  <a:lumMod val="85000"/>
+                </a:schemeClr>
+              </a:solidFill>
+            </a:endParaRPr>
+          </a:p>
+          <a:p>
+            <a:pPr>
+              <a:buNone/>
+            </a:pPr>
+            <a:r>
+              <a:rPr lang="es-ES" sz="3200" dirty="0" smtClean="0">
+                <a:solidFill>
+                  <a:schemeClr val="bg1">
+                    <a:lumMod val="85000"/>
+                  </a:schemeClr>
+                </a:solidFill>
+              </a:rPr>
+              <a:t>	Spread </a:t>
+            </a:r>
+            <a:r>
+              <a:rPr lang="es-ES" sz="3200" dirty="0" err="1" smtClean="0">
+                <a:solidFill>
+                  <a:schemeClr val="bg1">
+                    <a:lumMod val="85000"/>
+                  </a:schemeClr>
+                </a:solidFill>
+              </a:rPr>
+              <a:t>spectrum</a:t>
+            </a:r>
+            <a:endParaRPr lang="es-ES" sz="3200" dirty="0" smtClean="0">
+              <a:solidFill>
+                <a:schemeClr val="bg1">
+                  <a:lumMod val="85000"/>
+                </a:schemeClr>
+              </a:solidFill>
+            </a:endParaRPr>
+          </a:p>
+          <a:p>
+            <a:pPr>
+              <a:buNone/>
+            </a:pPr>
+            <a:r>
+              <a:rPr lang="es-ES" sz="3200" dirty="0" smtClean="0">
+                <a:solidFill>
+                  <a:schemeClr val="bg1">
+                    <a:lumMod val="85000"/>
+                  </a:schemeClr>
+                </a:solidFill>
+              </a:rPr>
+              <a:t>	Echo </a:t>
+            </a:r>
+            <a:r>
+              <a:rPr lang="es-ES" sz="3200" dirty="0" err="1" smtClean="0">
+                <a:solidFill>
+                  <a:schemeClr val="bg1">
+                    <a:lumMod val="85000"/>
+                  </a:schemeClr>
+                </a:solidFill>
+              </a:rPr>
+              <a:t>hiding</a:t>
+            </a:r>
+            <a:endParaRPr lang="es-ES" sz="3200" dirty="0" smtClean="0">
+              <a:solidFill>
+                <a:schemeClr val="bg1">
+                  <a:lumMod val="85000"/>
+                </a:schemeClr>
+              </a:solidFill>
+            </a:endParaRPr>
           </a:p>
         </p:txBody>
       </p:sp>
@@ -6668,25 +6726,18 @@
             <p:ph type="title"/>
           </p:nvPr>
         </p:nvSpPr>
-        <p:spPr>
-          <a:xfrm>
-            <a:off x="467544" y="1124744"/>
-            <a:ext cx="8229600" cy="1143000"/>
-          </a:xfrm>
-        </p:spPr>
-        <p:txBody>
-          <a:bodyPr>
-            <a:normAutofit fontScale="90000"/>
-          </a:bodyPr>
-          <a:lstStyle/>
-          <a:p>
+        <p:spPr/>
+        <p:txBody>
+          <a:bodyPr/>
+          <a:lstStyle/>
+          <a:p>
+            <a:r>
+              <a:rPr lang="es-ES" dirty="0" smtClean="0"/>
+              <a:t>LSB </a:t>
+            </a:r>
             <a:r>
               <a:rPr lang="es-ES" dirty="0" err="1" smtClean="0"/>
-              <a:t>Esteganografía</a:t>
-            </a:r>
-            <a:r>
-              <a:rPr lang="es-ES" dirty="0" smtClean="0"/>
-              <a:t> de audio: métodos</a:t>
+              <a:t>coding</a:t>
             </a:r>
             <a:endParaRPr lang="es-ES" dirty="0"/>
           </a:p>
@@ -6702,129 +6753,39 @@
             <p:ph idx="1"/>
           </p:nvPr>
         </p:nvSpPr>
-        <p:spPr>
-          <a:xfrm>
-            <a:off x="467544" y="2852936"/>
-            <a:ext cx="8229600" cy="3597032"/>
-          </a:xfrm>
-        </p:spPr>
-        <p:txBody>
-          <a:bodyPr>
-            <a:normAutofit/>
-          </a:bodyPr>
-          <a:lstStyle/>
-          <a:p>
-            <a:r>
-              <a:rPr lang="es-ES" sz="3200" dirty="0" smtClean="0"/>
-              <a:t>LSB </a:t>
-            </a:r>
-            <a:r>
-              <a:rPr lang="es-ES" sz="3200" dirty="0" err="1" smtClean="0"/>
-              <a:t>coding</a:t>
-            </a:r>
-            <a:endParaRPr lang="es-ES" sz="3200" dirty="0" smtClean="0"/>
-          </a:p>
-          <a:p>
-            <a:pPr>
-              <a:buFont typeface="Wingdings 2" pitchFamily="18" charset="2"/>
-              <a:buChar char=""/>
-            </a:pPr>
-            <a:r>
-              <a:rPr lang="es-ES" sz="3200" dirty="0" err="1" smtClean="0"/>
-              <a:t>Parity</a:t>
-            </a:r>
-            <a:r>
-              <a:rPr lang="es-ES" sz="3200" dirty="0" smtClean="0"/>
-              <a:t> </a:t>
-            </a:r>
-            <a:r>
-              <a:rPr lang="es-ES" sz="3200" dirty="0" err="1" smtClean="0"/>
-              <a:t>coding</a:t>
-            </a:r>
-            <a:endParaRPr lang="es-ES" sz="3200" dirty="0" smtClean="0"/>
-          </a:p>
-          <a:p>
-            <a:pPr>
-              <a:buFont typeface="Wingdings 2" pitchFamily="18" charset="2"/>
-              <a:buChar char=""/>
-            </a:pPr>
-            <a:r>
-              <a:rPr lang="es-ES" sz="3200" dirty="0" err="1" smtClean="0"/>
-              <a:t>Phase</a:t>
-            </a:r>
-            <a:r>
-              <a:rPr lang="es-ES" sz="3200" dirty="0" smtClean="0"/>
-              <a:t> </a:t>
-            </a:r>
-            <a:r>
-              <a:rPr lang="es-ES" sz="3200" dirty="0" err="1" smtClean="0"/>
-              <a:t>coding</a:t>
-            </a:r>
-            <a:endParaRPr lang="es-ES" sz="3200" dirty="0" smtClean="0"/>
-          </a:p>
-          <a:p>
-            <a:pPr>
-              <a:buNone/>
-            </a:pPr>
-            <a:r>
-              <a:rPr lang="es-ES" sz="3200" dirty="0" smtClean="0">
-                <a:solidFill>
-                  <a:schemeClr val="bg1">
-                    <a:lumMod val="85000"/>
-                  </a:schemeClr>
-                </a:solidFill>
-              </a:rPr>
-              <a:t>	Spread </a:t>
-            </a:r>
-            <a:r>
-              <a:rPr lang="es-ES" sz="3200" dirty="0" err="1" smtClean="0">
-                <a:solidFill>
-                  <a:schemeClr val="bg1">
-                    <a:lumMod val="85000"/>
-                  </a:schemeClr>
-                </a:solidFill>
-              </a:rPr>
-              <a:t>spectrum</a:t>
-            </a:r>
-            <a:endParaRPr lang="es-ES" sz="3200" dirty="0" smtClean="0">
-              <a:solidFill>
-                <a:schemeClr val="bg1">
-                  <a:lumMod val="85000"/>
-                </a:schemeClr>
-              </a:solidFill>
-            </a:endParaRPr>
-          </a:p>
-          <a:p>
-            <a:pPr>
-              <a:buNone/>
-            </a:pPr>
-            <a:r>
-              <a:rPr lang="es-ES" sz="3200" dirty="0" smtClean="0">
-                <a:solidFill>
-                  <a:schemeClr val="bg1">
-                    <a:lumMod val="85000"/>
-                  </a:schemeClr>
-                </a:solidFill>
-              </a:rPr>
-              <a:t>	Echo </a:t>
-            </a:r>
-            <a:r>
-              <a:rPr lang="es-ES" sz="3200" dirty="0" err="1" smtClean="0">
-                <a:solidFill>
-                  <a:schemeClr val="bg1">
-                    <a:lumMod val="85000"/>
-                  </a:schemeClr>
-                </a:solidFill>
-              </a:rPr>
-              <a:t>hiding</a:t>
-            </a:r>
-            <a:endParaRPr lang="es-ES" sz="3200" dirty="0" smtClean="0">
-              <a:solidFill>
-                <a:schemeClr val="bg1">
-                  <a:lumMod val="85000"/>
-                </a:schemeClr>
-              </a:solidFill>
-            </a:endParaRPr>
+        <p:spPr/>
+        <p:txBody>
+          <a:bodyPr/>
+          <a:lstStyle/>
+          <a:p>
+            <a:endParaRPr lang="es-ES" dirty="0" smtClean="0"/>
+          </a:p>
+          <a:p>
+            <a:r>
+              <a:rPr lang="es-ES" dirty="0" smtClean="0"/>
+              <a:t>Sencillo.</a:t>
+            </a:r>
+          </a:p>
+          <a:p>
+            <a:endParaRPr lang="es-ES" dirty="0" smtClean="0"/>
+          </a:p>
+          <a:p>
+            <a:r>
+              <a:rPr lang="es-ES" dirty="0" smtClean="0"/>
+              <a:t>Sustituir bit menos significativo de cada punto de muestreo por un mensaje binario.</a:t>
+            </a:r>
+          </a:p>
+          <a:p>
+            <a:endParaRPr lang="es-ES" dirty="0" smtClean="0"/>
+          </a:p>
+          <a:p>
+            <a:r>
+              <a:rPr lang="es-ES" dirty="0" smtClean="0"/>
+              <a:t>Permite codificar una gran cantidad de datos.</a:t>
+            </a:r>
+          </a:p>
+          <a:p>
+            <a:endParaRPr lang="es-ES" dirty="0"/>
           </a:p>
         </p:txBody>
       </p:sp>
@@ -6876,12 +6837,8 @@
           <a:lstStyle/>
           <a:p>
             <a:r>
-              <a:rPr lang="es-ES" dirty="0" err="1" smtClean="0"/>
-              <a:t>Phase</a:t>
-            </a:r>
-            <a:r>
-              <a:rPr lang="es-ES" dirty="0" smtClean="0"/>
-              <a:t> </a:t>
+              <a:rPr lang="es-ES" dirty="0" smtClean="0"/>
+              <a:t>LSB </a:t>
             </a:r>
             <a:r>
               <a:rPr lang="es-ES" dirty="0" err="1" smtClean="0"/>
@@ -6903,10 +6860,161 @@
         </p:nvSpPr>
         <p:spPr/>
         <p:txBody>
-          <a:bodyPr/>
-          <a:lstStyle/>
-          <a:p>
+          <a:bodyPr>
+            <a:normAutofit/>
+          </a:bodyPr>
+          <a:lstStyle/>
+          <a:p>
+            <a:pPr>
+              <a:buNone/>
+            </a:pPr>
+            <a:endParaRPr lang="es-ES" dirty="0" smtClean="0"/>
+          </a:p>
+          <a:p>
+            <a:r>
+              <a:rPr lang="es-ES" dirty="0" smtClean="0"/>
+              <a:t>Sustituciones de dos o más bits</a:t>
+            </a:r>
+          </a:p>
+          <a:p>
+            <a:pPr lvl="1">
+              <a:buNone/>
+            </a:pPr>
+            <a:r>
+              <a:rPr lang="es-ES" dirty="0" smtClean="0"/>
+              <a:t>            Cantidad de información</a:t>
+            </a:r>
+          </a:p>
+          <a:p>
+            <a:pPr lvl="1">
+              <a:buNone/>
+            </a:pPr>
+            <a:r>
+              <a:rPr lang="es-ES" dirty="0" smtClean="0"/>
+              <a:t>		     Ruido</a:t>
+            </a:r>
+          </a:p>
+          <a:p>
+            <a:pPr lvl="1">
+              <a:buNone/>
+            </a:pPr>
+            <a:r>
+              <a:rPr lang="es-ES" dirty="0" smtClean="0"/>
+              <a:t>		      </a:t>
+            </a:r>
+          </a:p>
+          <a:p>
+            <a:pPr lvl="1">
+              <a:buNone/>
+            </a:pPr>
+            <a:endParaRPr lang="es-ES" dirty="0" smtClean="0"/>
+          </a:p>
+          <a:p>
+            <a:r>
+              <a:rPr lang="es-ES" dirty="0" smtClean="0"/>
+              <a:t>Considerar tipo de señal antes de decidir aumentar el número de bits por </a:t>
+            </a:r>
+            <a:r>
+              <a:rPr lang="es-ES" dirty="0" err="1" smtClean="0"/>
+              <a:t>sample</a:t>
+            </a:r>
+            <a:r>
+              <a:rPr lang="es-ES" dirty="0" smtClean="0"/>
+              <a:t>.</a:t>
+            </a:r>
+          </a:p>
+          <a:p>
+            <a:endParaRPr lang="es-ES" dirty="0"/>
+          </a:p>
+        </p:txBody>
+      </p:sp>
+      <p:sp>
+        <p:nvSpPr>
+          <p:cNvPr id="5" name="4 Más"/>
+          <p:cNvSpPr/>
+          <p:nvPr/>
+        </p:nvSpPr>
+        <p:spPr>
+          <a:xfrm>
+            <a:off x="1475656" y="2996952"/>
+            <a:ext cx="288032" cy="288032"/>
+          </a:xfrm>
+          <a:prstGeom prst="mathPlus">
+            <a:avLst/>
+          </a:prstGeom>
+          <a:solidFill>
+            <a:srgbClr val="00B050"/>
+          </a:solidFill>
+        </p:spPr>
+        <p:style>
+          <a:lnRef idx="2">
+            <a:schemeClr val="accent1">
+              <a:shade val="50000"/>
+            </a:schemeClr>
+          </a:lnRef>
+          <a:fillRef idx="1">
+            <a:schemeClr val="accent1"/>
+          </a:fillRef>
+          <a:effectRef idx="0">
+            <a:schemeClr val="accent1"/>
+          </a:effectRef>
+          <a:fontRef idx="minor">
+            <a:schemeClr val="lt1"/>
+          </a:fontRef>
+        </p:style>
+        <p:txBody>
+          <a:bodyPr rtlCol="0" anchor="ctr"/>
+          <a:lstStyle/>
+          <a:p>
+            <a:pPr algn="ctr"/>
             <a:endParaRPr lang="es-ES"/>
+          </a:p>
+        </p:txBody>
+      </p:sp>
+      <p:sp>
+        <p:nvSpPr>
+          <p:cNvPr id="6" name="5 Más"/>
+          <p:cNvSpPr/>
+          <p:nvPr/>
+        </p:nvSpPr>
+        <p:spPr>
+          <a:xfrm>
+            <a:off x="1475656" y="3429000"/>
+            <a:ext cx="288032" cy="288032"/>
+          </a:xfrm>
+          <a:prstGeom prst="mathPlus">
+            <a:avLst/>
+          </a:prstGeom>
+          <a:solidFill>
+            <a:srgbClr val="FF0000"/>
+          </a:solidFill>
+        </p:spPr>
+        <p:style>
+          <a:lnRef idx="2">
+            <a:schemeClr val="accent1">
+              <a:shade val="50000"/>
+            </a:schemeClr>
+          </a:lnRef>
+          <a:fillRef idx="1">
+            <a:schemeClr val="accent1"/>
+          </a:fillRef>
+          <a:effectRef idx="0">
+            <a:schemeClr val="accent1"/>
+          </a:effectRef>
+          <a:fontRef idx="minor">
+            <a:schemeClr val="lt1"/>
+          </a:fontRef>
+        </p:style>
+        <p:txBody>
+          <a:bodyPr rtlCol="0" anchor="ctr"/>
+          <a:lstStyle/>
+          <a:p>
+            <a:pPr algn="ctr"/>
+            <a:endParaRPr lang="es-ES" dirty="0">
+              <a:solidFill>
+                <a:srgbClr val="FF0000"/>
+              </a:solidFill>
+            </a:endParaRPr>
           </a:p>
         </p:txBody>
       </p:sp>
@@ -6952,146 +7060,130 @@
             <p:ph type="title"/>
           </p:nvPr>
         </p:nvSpPr>
+        <p:spPr/>
+        <p:txBody>
+          <a:bodyPr/>
+          <a:lstStyle/>
+          <a:p>
+            <a:r>
+              <a:rPr lang="es-ES" dirty="0" smtClean="0"/>
+              <a:t>LSB </a:t>
+            </a:r>
+            <a:r>
+              <a:rPr lang="es-ES" dirty="0" err="1" smtClean="0"/>
+              <a:t>coding</a:t>
+            </a:r>
+            <a:endParaRPr lang="es-ES" dirty="0"/>
+          </a:p>
+        </p:txBody>
+      </p:sp>
+      <p:sp>
+        <p:nvSpPr>
+          <p:cNvPr id="3" name="2 Marcador de contenido"/>
+          <p:cNvSpPr>
+            <a:spLocks noGrp="1"/>
+          </p:cNvSpPr>
+          <p:nvPr>
+            <p:ph idx="1"/>
+          </p:nvPr>
+        </p:nvSpPr>
+        <p:spPr/>
+        <p:txBody>
+          <a:bodyPr/>
+          <a:lstStyle/>
+          <a:p>
+            <a:endParaRPr lang="es-ES" dirty="0" smtClean="0"/>
+          </a:p>
+          <a:p>
+            <a:r>
+              <a:rPr lang="es-ES" dirty="0" smtClean="0"/>
+              <a:t>Extraer mensaje secreto 	Secuencia de </a:t>
+            </a:r>
+            <a:r>
+              <a:rPr lang="es-ES" dirty="0" err="1" smtClean="0"/>
+              <a:t>samples</a:t>
+            </a:r>
+            <a:r>
+              <a:rPr lang="es-ES" dirty="0" smtClean="0"/>
+              <a:t> utilizada en el proceso de inserción</a:t>
+            </a:r>
+          </a:p>
+          <a:p>
+            <a:endParaRPr lang="es-ES" dirty="0" smtClean="0"/>
+          </a:p>
+          <a:p>
+            <a:r>
+              <a:rPr lang="es-ES" dirty="0" smtClean="0"/>
+              <a:t>Emisor y receptor deben acordar el subconjunto de </a:t>
+            </a:r>
+            <a:r>
+              <a:rPr lang="es-ES" dirty="0" err="1" smtClean="0"/>
+              <a:t>samples</a:t>
+            </a:r>
+            <a:r>
+              <a:rPr lang="es-ES" dirty="0" smtClean="0"/>
+              <a:t> que contendrán información.</a:t>
+            </a:r>
+          </a:p>
+          <a:p>
+            <a:endParaRPr lang="es-ES" dirty="0" smtClean="0"/>
+          </a:p>
+          <a:p>
+            <a:r>
+              <a:rPr lang="es-ES" dirty="0" smtClean="0"/>
+              <a:t>Normalmente se eligen los primeros </a:t>
+            </a:r>
+            <a:r>
+              <a:rPr lang="es-ES" dirty="0" err="1" smtClean="0"/>
+              <a:t>samples</a:t>
+            </a:r>
+            <a:r>
+              <a:rPr lang="es-ES" dirty="0" smtClean="0"/>
+              <a:t>.</a:t>
+            </a:r>
+          </a:p>
+          <a:p>
+            <a:endParaRPr lang="es-ES" dirty="0"/>
+          </a:p>
+        </p:txBody>
+      </p:sp>
+      <p:sp>
+        <p:nvSpPr>
+          <p:cNvPr id="4" name="3 Flecha derecha"/>
+          <p:cNvSpPr/>
+          <p:nvPr/>
+        </p:nvSpPr>
         <p:spPr>
           <a:xfrm>
-            <a:off x="467544" y="1124744"/>
-            <a:ext cx="8229600" cy="1143000"/>
+            <a:off x="4355976" y="2564904"/>
+            <a:ext cx="504056" cy="288032"/>
           </a:xfrm>
+          <a:prstGeom prst="rightArrow">
+            <a:avLst/>
+          </a:prstGeom>
         </p:spPr>
-        <p:txBody>
-          <a:bodyPr>
-            <a:normAutofit fontScale="90000"/>
-          </a:bodyPr>
-          <a:lstStyle/>
-          <a:p>
-            <a:r>
-              <a:rPr lang="es-ES" dirty="0" err="1" smtClean="0"/>
-              <a:t>Esteganografía</a:t>
-            </a:r>
-            <a:r>
-              <a:rPr lang="es-ES" dirty="0" smtClean="0"/>
-              <a:t> de audio: métodos</a:t>
-            </a:r>
-            <a:endParaRPr lang="es-ES" dirty="0"/>
-          </a:p>
-        </p:txBody>
-      </p:sp>
-      <p:sp>
-        <p:nvSpPr>
-          <p:cNvPr id="3" name="2 Marcador de contenido"/>
-          <p:cNvSpPr>
-            <a:spLocks noGrp="1"/>
-          </p:cNvSpPr>
-          <p:nvPr>
-            <p:ph idx="1"/>
-          </p:nvPr>
-        </p:nvSpPr>
-        <p:spPr>
-          <a:xfrm>
-            <a:off x="467544" y="2852936"/>
-            <a:ext cx="8229600" cy="3597032"/>
-          </a:xfrm>
-        </p:spPr>
-        <p:txBody>
-          <a:bodyPr>
-            <a:normAutofit/>
-          </a:bodyPr>
-          <a:lstStyle/>
-          <a:p>
-            <a:r>
-              <a:rPr lang="es-ES" sz="3200" dirty="0" smtClean="0"/>
-              <a:t>LSB </a:t>
-            </a:r>
-            <a:r>
-              <a:rPr lang="es-ES" sz="3200" dirty="0" err="1" smtClean="0"/>
-              <a:t>coding</a:t>
-            </a:r>
-            <a:endParaRPr lang="es-ES" sz="3200" dirty="0" smtClean="0"/>
-          </a:p>
-          <a:p>
-            <a:pPr>
-              <a:buFont typeface="Wingdings 2" pitchFamily="18" charset="2"/>
-              <a:buChar char=""/>
-            </a:pPr>
-            <a:r>
-              <a:rPr lang="es-ES" sz="3200" dirty="0" err="1" smtClean="0"/>
-              <a:t>Parity</a:t>
-            </a:r>
-            <a:r>
-              <a:rPr lang="es-ES" sz="3200" dirty="0" smtClean="0"/>
-              <a:t> </a:t>
-            </a:r>
-            <a:r>
-              <a:rPr lang="es-ES" sz="3200" dirty="0" err="1" smtClean="0"/>
-              <a:t>coding</a:t>
-            </a:r>
-            <a:endParaRPr lang="es-ES" sz="3200" dirty="0" smtClean="0"/>
-          </a:p>
-          <a:p>
-            <a:pPr>
-              <a:buFont typeface="Wingdings 2" pitchFamily="18" charset="2"/>
-              <a:buChar char=""/>
-            </a:pPr>
-            <a:r>
-              <a:rPr lang="es-ES" sz="3200" dirty="0" err="1" smtClean="0"/>
-              <a:t>Phase</a:t>
-            </a:r>
-            <a:r>
-              <a:rPr lang="es-ES" sz="3200" dirty="0" smtClean="0"/>
-              <a:t> </a:t>
-            </a:r>
-            <a:r>
-              <a:rPr lang="es-ES" sz="3200" dirty="0" err="1" smtClean="0"/>
-              <a:t>coding</a:t>
-            </a:r>
-            <a:endParaRPr lang="es-ES" sz="3200" dirty="0" smtClean="0"/>
-          </a:p>
-          <a:p>
-            <a:pPr>
-              <a:buFont typeface="Wingdings 2" pitchFamily="18" charset="2"/>
-              <a:buChar char=""/>
-            </a:pPr>
-            <a:r>
-              <a:rPr lang="es-ES" sz="3200" dirty="0" smtClean="0"/>
-              <a:t>Spread </a:t>
-            </a:r>
-            <a:r>
-              <a:rPr lang="es-ES" sz="3200" dirty="0" err="1" smtClean="0"/>
-              <a:t>spectrum</a:t>
-            </a:r>
-            <a:endParaRPr lang="es-ES" sz="3200" dirty="0" smtClean="0"/>
-          </a:p>
-          <a:p>
-            <a:pPr>
-              <a:buNone/>
-            </a:pPr>
-            <a:r>
-              <a:rPr lang="es-ES" sz="3200" dirty="0" smtClean="0">
-                <a:solidFill>
-                  <a:schemeClr val="bg1">
-                    <a:lumMod val="85000"/>
-                  </a:schemeClr>
-                </a:solidFill>
-              </a:rPr>
-              <a:t>	Echo </a:t>
-            </a:r>
-            <a:r>
-              <a:rPr lang="es-ES" sz="3200" dirty="0" err="1" smtClean="0">
-                <a:solidFill>
-                  <a:schemeClr val="bg1">
-                    <a:lumMod val="85000"/>
-                  </a:schemeClr>
-                </a:solidFill>
-              </a:rPr>
-              <a:t>hiding</a:t>
-            </a:r>
-            <a:endParaRPr lang="es-ES" sz="3200" dirty="0" smtClean="0">
-              <a:solidFill>
-                <a:schemeClr val="bg1">
-                  <a:lumMod val="85000"/>
-                </a:schemeClr>
-              </a:solidFill>
-            </a:endParaRPr>
+        <p:style>
+          <a:lnRef idx="2">
+            <a:schemeClr val="accent1">
+              <a:shade val="50000"/>
+            </a:schemeClr>
+          </a:lnRef>
+          <a:fillRef idx="1">
+            <a:schemeClr val="accent1"/>
+          </a:fillRef>
+          <a:effectRef idx="0">
+            <a:schemeClr val="accent1"/>
+          </a:effectRef>
+          <a:fontRef idx="minor">
+            <a:schemeClr val="lt1"/>
+          </a:fontRef>
+        </p:style>
+        <p:txBody>
+          <a:bodyPr rtlCol="0" anchor="ctr"/>
+          <a:lstStyle/>
+          <a:p>
+            <a:pPr algn="ctr"/>
+            <a:endParaRPr lang="es-ES"/>
           </a:p>
         </p:txBody>
       </p:sp>
@@ -7144,11 +7236,11 @@
           <a:p>
             <a:r>
               <a:rPr lang="es-ES" dirty="0" smtClean="0"/>
-              <a:t>Spread </a:t>
+              <a:t>LSB </a:t>
             </a:r>
             <a:r>
               <a:rPr lang="es-ES" dirty="0" err="1" smtClean="0"/>
-              <a:t>spectrum</a:t>
+              <a:t>coding</a:t>
             </a:r>
             <a:endParaRPr lang="es-ES" dirty="0"/>
           </a:p>
@@ -7169,10 +7261,35 @@
           <a:bodyPr/>
           <a:lstStyle/>
           <a:p>
-            <a:endParaRPr lang="es-ES"/>
-          </a:p>
-        </p:txBody>
-      </p:sp>
+            <a:endParaRPr lang="es-ES" dirty="0" smtClean="0"/>
+          </a:p>
+          <a:p>
+            <a:endParaRPr lang="es-ES" dirty="0"/>
+          </a:p>
+        </p:txBody>
+      </p:sp>
+      <p:pic>
+        <p:nvPicPr>
+          <p:cNvPr id="5" name="3 Imagen" descr="lsbimage.gif"/>
+          <p:cNvPicPr/>
+          <p:nvPr/>
+        </p:nvPicPr>
+        <p:blipFill>
+          <a:blip r:embed="rId2" cstate="print"/>
+          <a:stretch>
+            <a:fillRect/>
+          </a:stretch>
+        </p:blipFill>
+        <p:spPr>
+          <a:xfrm>
+            <a:off x="1979712" y="2060848"/>
+            <a:ext cx="5000625" cy="4286250"/>
+          </a:xfrm>
+          <a:prstGeom prst="rect">
+            <a:avLst/>
+          </a:prstGeom>
+        </p:spPr>
+      </p:pic>
     </p:spTree>
   </p:cSld>
   <p:clrMapOvr>
@@ -7221,89 +7338,165 @@
           <a:lstStyle/>
           <a:p>
             <a:r>
+              <a:rPr lang="es-ES" dirty="0" smtClean="0"/>
+              <a:t>Índice</a:t>
+            </a:r>
+            <a:endParaRPr lang="es-ES" dirty="0"/>
+          </a:p>
+        </p:txBody>
+      </p:sp>
+      <p:sp>
+        <p:nvSpPr>
+          <p:cNvPr id="3" name="2 Marcador de contenido"/>
+          <p:cNvSpPr>
+            <a:spLocks noGrp="1"/>
+          </p:cNvSpPr>
+          <p:nvPr>
+            <p:ph idx="1"/>
+          </p:nvPr>
+        </p:nvSpPr>
+        <p:spPr/>
+        <p:txBody>
+          <a:bodyPr/>
+          <a:lstStyle/>
+          <a:p>
+            <a:r>
+              <a:rPr lang="es-ES" dirty="0" smtClean="0"/>
+              <a:t>Introducción</a:t>
+            </a:r>
+          </a:p>
+          <a:p>
+            <a:pPr lvl="1"/>
+            <a:r>
               <a:rPr lang="es-ES" dirty="0" err="1" smtClean="0"/>
               <a:t>Esteganografía</a:t>
             </a:r>
-            <a:r>
-              <a:rPr lang="es-ES" dirty="0" smtClean="0"/>
-              <a:t>: introducción</a:t>
-            </a:r>
-            <a:endParaRPr lang="es-ES" dirty="0"/>
-          </a:p>
-        </p:txBody>
-      </p:sp>
-      <p:sp>
-        <p:nvSpPr>
-          <p:cNvPr id="3" name="2 Marcador de contenido"/>
-          <p:cNvSpPr>
-            <a:spLocks noGrp="1"/>
-          </p:cNvSpPr>
-          <p:nvPr>
-            <p:ph idx="1"/>
-          </p:nvPr>
-        </p:nvSpPr>
-        <p:spPr>
-          <a:xfrm>
-            <a:off x="395536" y="2132856"/>
-            <a:ext cx="8229600" cy="4389120"/>
-          </a:xfrm>
-        </p:spPr>
-        <p:txBody>
-          <a:bodyPr/>
-          <a:lstStyle/>
-          <a:p>
-            <a:pPr algn="just"/>
-            <a:r>
-              <a:rPr lang="es-ES" dirty="0" smtClean="0"/>
-              <a:t>La </a:t>
-            </a:r>
-            <a:r>
-              <a:rPr lang="es-ES" b="1" dirty="0" err="1" smtClean="0"/>
-              <a:t>esteganografía</a:t>
-            </a:r>
-            <a:r>
-              <a:rPr lang="es-ES" dirty="0" smtClean="0"/>
-              <a:t> es la disciplina en la que se estudian y aplican técnicas que permiten el ocultamiento de mensajes u objetos, dentro de otros, llamados portadores, de modo que no se perciba su existencia.</a:t>
-            </a:r>
-          </a:p>
-          <a:p>
-            <a:pPr algn="just"/>
-            <a:r>
-              <a:rPr lang="es-ES" dirty="0" smtClean="0"/>
-              <a:t>Es una disciplina distinta a la </a:t>
-            </a:r>
-            <a:r>
-              <a:rPr lang="es-ES" b="1" dirty="0" smtClean="0"/>
-              <a:t>criptografía</a:t>
-            </a:r>
-            <a:r>
-              <a:rPr lang="es-ES" dirty="0" smtClean="0"/>
-              <a:t>.</a:t>
-            </a:r>
-          </a:p>
-          <a:p>
-            <a:pPr algn="just"/>
-            <a:r>
-              <a:rPr lang="es-ES" dirty="0" smtClean="0"/>
-              <a:t>Sin embargo, la </a:t>
-            </a:r>
-            <a:r>
-              <a:rPr lang="es-ES" b="1" dirty="0" smtClean="0"/>
-              <a:t>criptografía</a:t>
-            </a:r>
-            <a:r>
-              <a:rPr lang="es-ES" dirty="0" smtClean="0"/>
-              <a:t> y la </a:t>
-            </a:r>
-            <a:r>
-              <a:rPr lang="es-ES" b="1" dirty="0" err="1" smtClean="0"/>
-              <a:t>esteganografía</a:t>
-            </a:r>
-            <a:r>
-              <a:rPr lang="es-ES" dirty="0" smtClean="0"/>
-              <a:t> pueden complementarse, dando un nivel de seguridad extra.</a:t>
-            </a:r>
-            <a:endParaRPr lang="es-ES" dirty="0"/>
+            <a:endParaRPr lang="es-ES" dirty="0" smtClean="0"/>
+          </a:p>
+          <a:p>
+            <a:pPr lvl="1">
+              <a:buNone/>
+            </a:pPr>
+            <a:r>
+              <a:rPr lang="es-ES" dirty="0" smtClean="0">
+                <a:solidFill>
+                  <a:schemeClr val="bg1">
+                    <a:lumMod val="85000"/>
+                  </a:schemeClr>
+                </a:solidFill>
+              </a:rPr>
+              <a:t>	Audio digital</a:t>
+            </a:r>
+          </a:p>
+          <a:p>
+            <a:pPr lvl="1">
+              <a:buNone/>
+            </a:pPr>
+            <a:r>
+              <a:rPr lang="es-ES" dirty="0" smtClean="0">
+                <a:solidFill>
+                  <a:schemeClr val="bg1">
+                    <a:lumMod val="85000"/>
+                  </a:schemeClr>
+                </a:solidFill>
+              </a:rPr>
+              <a:t>	Formato WAV</a:t>
+            </a:r>
+          </a:p>
+          <a:p>
+            <a:pPr>
+              <a:buNone/>
+            </a:pPr>
+            <a:r>
+              <a:rPr lang="es-ES" dirty="0" smtClean="0">
+                <a:solidFill>
+                  <a:schemeClr val="bg1">
+                    <a:lumMod val="85000"/>
+                  </a:schemeClr>
+                </a:solidFill>
+              </a:rPr>
+              <a:t>	</a:t>
+            </a:r>
+            <a:r>
+              <a:rPr lang="es-ES" dirty="0" err="1" smtClean="0">
+                <a:solidFill>
+                  <a:schemeClr val="bg1">
+                    <a:lumMod val="85000"/>
+                  </a:schemeClr>
+                </a:solidFill>
+              </a:rPr>
+              <a:t>Esteganografía</a:t>
+            </a:r>
+            <a:r>
+              <a:rPr lang="es-ES" dirty="0" smtClean="0">
+                <a:solidFill>
+                  <a:schemeClr val="bg1">
+                    <a:lumMod val="85000"/>
+                  </a:schemeClr>
+                </a:solidFill>
+              </a:rPr>
+              <a:t> de audio</a:t>
+            </a:r>
+          </a:p>
+          <a:p>
+            <a:pPr lvl="1">
+              <a:buNone/>
+            </a:pPr>
+            <a:r>
+              <a:rPr lang="es-ES" dirty="0" smtClean="0">
+                <a:solidFill>
+                  <a:schemeClr val="bg1">
+                    <a:lumMod val="85000"/>
+                  </a:schemeClr>
+                </a:solidFill>
+              </a:rPr>
+              <a:t>	Motivación</a:t>
+            </a:r>
+          </a:p>
+          <a:p>
+            <a:pPr lvl="1">
+              <a:buNone/>
+            </a:pPr>
+            <a:r>
+              <a:rPr lang="es-ES" dirty="0" smtClean="0">
+                <a:solidFill>
+                  <a:schemeClr val="bg1">
+                    <a:lumMod val="85000"/>
+                  </a:schemeClr>
+                </a:solidFill>
+              </a:rPr>
+              <a:t>	Problemas</a:t>
+            </a:r>
+          </a:p>
+          <a:p>
+            <a:pPr lvl="1">
+              <a:buNone/>
+            </a:pPr>
+            <a:r>
+              <a:rPr lang="es-ES" dirty="0" smtClean="0">
+                <a:solidFill>
+                  <a:schemeClr val="bg1">
+                    <a:lumMod val="85000"/>
+                  </a:schemeClr>
+                </a:solidFill>
+              </a:rPr>
+              <a:t>	Objetivos</a:t>
+            </a:r>
+          </a:p>
+          <a:p>
+            <a:pPr lvl="1">
+              <a:buNone/>
+            </a:pPr>
+            <a:r>
+              <a:rPr lang="es-ES" dirty="0" smtClean="0">
+                <a:solidFill>
+                  <a:schemeClr val="bg1">
+                    <a:lumMod val="85000"/>
+                  </a:schemeClr>
+                </a:solidFill>
+              </a:rPr>
+              <a:t>	Métodos</a:t>
+            </a:r>
           </a:p>
         </p:txBody>
       </p:sp>
@@ -7426,52 +7619,119 @@
           </a:p>
           <a:p>
             <a:pPr>
-              <a:buFont typeface="Wingdings 2" pitchFamily="18" charset="2"/>
-              <a:buChar char=""/>
+              <a:buNone/>
             </a:pPr>
             <a:r>
-              <a:rPr lang="es-ES" sz="3200" dirty="0" err="1" smtClean="0"/>
+              <a:rPr lang="es-ES" sz="3200" dirty="0" smtClean="0">
+                <a:solidFill>
+                  <a:schemeClr val="bg1">
+                    <a:lumMod val="85000"/>
+                  </a:schemeClr>
+                </a:solidFill>
+              </a:rPr>
+              <a:t>	</a:t>
+            </a:r>
+            <a:r>
+              <a:rPr lang="es-ES" sz="3200" dirty="0" err="1" smtClean="0">
+                <a:solidFill>
+                  <a:schemeClr val="bg1">
+                    <a:lumMod val="85000"/>
+                  </a:schemeClr>
+                </a:solidFill>
+              </a:rPr>
               <a:t>Phase</a:t>
             </a:r>
             <a:r>
-              <a:rPr lang="es-ES" sz="3200" dirty="0" smtClean="0"/>
+              <a:rPr lang="es-ES" sz="3200" dirty="0" smtClean="0">
+                <a:solidFill>
+                  <a:schemeClr val="bg1">
+                    <a:lumMod val="85000"/>
+                  </a:schemeClr>
+                </a:solidFill>
+              </a:rPr>
               <a:t> </a:t>
             </a:r>
             <a:r>
-              <a:rPr lang="es-ES" sz="3200" dirty="0" err="1" smtClean="0"/>
+              <a:rPr lang="es-ES" sz="3200" dirty="0" err="1" smtClean="0">
+                <a:solidFill>
+                  <a:schemeClr val="bg1">
+                    <a:lumMod val="85000"/>
+                  </a:schemeClr>
+                </a:solidFill>
+              </a:rPr>
               <a:t>coding</a:t>
             </a:r>
-            <a:endParaRPr lang="es-ES" sz="3200" dirty="0" smtClean="0"/>
+            <a:endParaRPr lang="es-ES" sz="3200" dirty="0" smtClean="0">
+              <a:solidFill>
+                <a:schemeClr val="bg1">
+                  <a:lumMod val="85000"/>
+                </a:schemeClr>
+              </a:solidFill>
+            </a:endParaRPr>
           </a:p>
           <a:p>
             <a:pPr>
-              <a:buFont typeface="Wingdings 2" pitchFamily="18" charset="2"/>
-              <a:buChar char=""/>
+              <a:buNone/>
             </a:pPr>
             <a:r>
-              <a:rPr lang="es-ES" sz="3200" dirty="0" smtClean="0"/>
-              <a:t>Spread </a:t>
-            </a:r>
-            <a:r>
-              <a:rPr lang="es-ES" sz="3200" dirty="0" err="1" smtClean="0"/>
+              <a:rPr lang="es-ES" sz="3200" dirty="0" smtClean="0">
+                <a:solidFill>
+                  <a:schemeClr val="bg1">
+                    <a:lumMod val="85000"/>
+                  </a:schemeClr>
+                </a:solidFill>
+              </a:rPr>
+              <a:t>	Spread </a:t>
+            </a:r>
+            <a:r>
+              <a:rPr lang="es-ES" sz="3200" dirty="0" err="1" smtClean="0">
+                <a:solidFill>
+                  <a:schemeClr val="bg1">
+                    <a:lumMod val="85000"/>
+                  </a:schemeClr>
+                </a:solidFill>
+              </a:rPr>
               <a:t>spectrum</a:t>
             </a:r>
-            <a:endParaRPr lang="es-ES" sz="3200" dirty="0" smtClean="0"/>
+            <a:endParaRPr lang="es-ES" sz="3200" dirty="0" smtClean="0">
+              <a:solidFill>
+                <a:schemeClr val="bg1">
+                  <a:lumMod val="85000"/>
+                </a:schemeClr>
+              </a:solidFill>
+            </a:endParaRPr>
           </a:p>
           <a:p>
             <a:pPr>
-              <a:buFont typeface="Wingdings 2" pitchFamily="18" charset="2"/>
-              <a:buChar char=""/>
+              <a:buNone/>
             </a:pPr>
             <a:r>
-              <a:rPr lang="es-ES" sz="3200" dirty="0" smtClean="0"/>
-              <a:t>Echo </a:t>
-            </a:r>
-            <a:r>
-              <a:rPr lang="es-ES" sz="3200" dirty="0" err="1" smtClean="0"/>
+              <a:rPr lang="es-ES" sz="3200" dirty="0" smtClean="0">
+                <a:solidFill>
+                  <a:schemeClr val="bg1">
+                    <a:lumMod val="85000"/>
+                  </a:schemeClr>
+                </a:solidFill>
+              </a:rPr>
+              <a:t>	Echo </a:t>
+            </a:r>
+            <a:r>
+              <a:rPr lang="es-ES" sz="3200" dirty="0" err="1" smtClean="0">
+                <a:solidFill>
+                  <a:schemeClr val="bg1">
+                    <a:lumMod val="85000"/>
+                  </a:schemeClr>
+                </a:solidFill>
+              </a:rPr>
               <a:t>hiding</a:t>
             </a:r>
-            <a:endParaRPr lang="es-ES" sz="3200" dirty="0" smtClean="0"/>
+            <a:endParaRPr lang="es-ES" sz="3200" dirty="0" smtClean="0">
+              <a:solidFill>
+                <a:schemeClr val="bg1">
+                  <a:lumMod val="85000"/>
+                </a:schemeClr>
+              </a:solidFill>
+            </a:endParaRPr>
           </a:p>
         </p:txBody>
       </p:sp>
@@ -7523,13 +7783,853 @@
           <a:lstStyle/>
           <a:p>
             <a:r>
-              <a:rPr lang="es-ES" dirty="0" smtClean="0"/>
-              <a:t>Echo </a:t>
-            </a:r>
-            <a:r>
               <a:rPr lang="es-ES" dirty="0" err="1" smtClean="0"/>
+              <a:t>Parity</a:t>
+            </a:r>
+            <a:r>
+              <a:rPr lang="es-ES" dirty="0" smtClean="0"/>
+              <a:t> </a:t>
+            </a:r>
+            <a:r>
+              <a:rPr lang="es-ES" dirty="0" err="1" smtClean="0"/>
+              <a:t>coding</a:t>
+            </a:r>
+            <a:endParaRPr lang="es-ES" dirty="0"/>
+          </a:p>
+        </p:txBody>
+      </p:sp>
+      <p:sp>
+        <p:nvSpPr>
+          <p:cNvPr id="3" name="2 Marcador de contenido"/>
+          <p:cNvSpPr>
+            <a:spLocks noGrp="1"/>
+          </p:cNvSpPr>
+          <p:nvPr>
+            <p:ph idx="1"/>
+          </p:nvPr>
+        </p:nvSpPr>
+        <p:spPr/>
+        <p:txBody>
+          <a:bodyPr/>
+          <a:lstStyle/>
+          <a:p>
+            <a:endParaRPr lang="es-ES" dirty="0" smtClean="0"/>
+          </a:p>
+          <a:p>
+            <a:r>
+              <a:rPr lang="es-ES" dirty="0" smtClean="0"/>
+              <a:t>División de la señal en regiones disjuntas.</a:t>
+            </a:r>
+          </a:p>
+          <a:p>
+            <a:endParaRPr lang="es-ES" dirty="0" smtClean="0"/>
+          </a:p>
+          <a:p>
+            <a:r>
+              <a:rPr lang="es-ES" dirty="0" smtClean="0"/>
+              <a:t>Regiones del mismo tamaño.</a:t>
+            </a:r>
+          </a:p>
+          <a:p>
+            <a:endParaRPr lang="es-ES" dirty="0" smtClean="0"/>
+          </a:p>
+          <a:p>
+            <a:r>
+              <a:rPr lang="es-ES" dirty="0" smtClean="0"/>
+              <a:t>Última región puede ser menor.</a:t>
+            </a:r>
+          </a:p>
+          <a:p>
+            <a:pPr lvl="1"/>
+            <a:r>
+              <a:rPr lang="es-ES" dirty="0" smtClean="0"/>
+              <a:t>Nº </a:t>
+            </a:r>
+            <a:r>
+              <a:rPr lang="es-ES" dirty="0" err="1" smtClean="0"/>
+              <a:t>samples</a:t>
+            </a:r>
+            <a:r>
+              <a:rPr lang="es-ES" dirty="0" smtClean="0"/>
+              <a:t> archivo no múltiplo nº </a:t>
+            </a:r>
+            <a:r>
+              <a:rPr lang="es-ES" dirty="0" err="1" smtClean="0"/>
+              <a:t>samples</a:t>
+            </a:r>
+            <a:r>
+              <a:rPr lang="es-ES" dirty="0" smtClean="0"/>
+              <a:t> por región.</a:t>
+            </a:r>
+          </a:p>
+          <a:p>
+            <a:pPr lvl="1"/>
+            <a:endParaRPr lang="es-ES" dirty="0" smtClean="0"/>
+          </a:p>
+        </p:txBody>
+      </p:sp>
+    </p:spTree>
+  </p:cSld>
+  <p:clrMapOvr>
+    <a:masterClrMapping/>
+  </p:clrMapOvr>
+  <p:timing>
+    <p:tnLst>
+      <p:par>
+        <p:cTn id="1" dur="indefinite" restart="never" nodeType="tmRoot"/>
+      </p:par>
+    </p:tnLst>
+  </p:timing>
+</p:sld>
+</file>
+
+<file path=ppt/slides/slide32.xml><?xml version="1.0" encoding="utf-8"?>
+<p:sld xmlns:a="http://schemas.openxmlformats.org/drawingml/2006/main" xmlns:r="http://schemas.openxmlformats.org/officeDocument/2006/relationships" xmlns:p="http://schemas.openxmlformats.org/presentationml/2006/main">
+  <p:cSld>
+    <p:spTree>
+      <p:nvGrpSpPr>
+        <p:cNvPr id="1" name=""/>
+        <p:cNvGrpSpPr/>
+        <p:nvPr/>
+      </p:nvGrpSpPr>
+      <p:grpSpPr>
+        <a:xfrm>
+          <a:off x="0" y="0"/>
+          <a:ext cx="0" cy="0"/>
+          <a:chOff x="0" y="0"/>
+          <a:chExt cx="0" cy="0"/>
+        </a:xfrm>
+      </p:grpSpPr>
+      <p:sp>
+        <p:nvSpPr>
+          <p:cNvPr id="2" name="1 Título"/>
+          <p:cNvSpPr>
+            <a:spLocks noGrp="1"/>
+          </p:cNvSpPr>
+          <p:nvPr>
+            <p:ph type="title"/>
+          </p:nvPr>
+        </p:nvSpPr>
+        <p:spPr/>
+        <p:txBody>
+          <a:bodyPr/>
+          <a:lstStyle/>
+          <a:p>
+            <a:r>
+              <a:rPr lang="es-ES" dirty="0" err="1" smtClean="0"/>
+              <a:t>Parity</a:t>
+            </a:r>
+            <a:r>
+              <a:rPr lang="es-ES" dirty="0" smtClean="0"/>
+              <a:t> </a:t>
+            </a:r>
+            <a:r>
+              <a:rPr lang="es-ES" dirty="0" err="1" smtClean="0"/>
+              <a:t>coding</a:t>
+            </a:r>
+            <a:endParaRPr lang="es-ES" dirty="0"/>
+          </a:p>
+        </p:txBody>
+      </p:sp>
+      <p:sp>
+        <p:nvSpPr>
+          <p:cNvPr id="3" name="2 Marcador de contenido"/>
+          <p:cNvSpPr>
+            <a:spLocks noGrp="1"/>
+          </p:cNvSpPr>
+          <p:nvPr>
+            <p:ph idx="1"/>
+          </p:nvPr>
+        </p:nvSpPr>
+        <p:spPr/>
+        <p:txBody>
+          <a:bodyPr>
+            <a:normAutofit/>
+          </a:bodyPr>
+          <a:lstStyle/>
+          <a:p>
+            <a:endParaRPr lang="es-ES" dirty="0" smtClean="0"/>
+          </a:p>
+          <a:p>
+            <a:r>
+              <a:rPr lang="es-ES" dirty="0" smtClean="0"/>
+              <a:t>Los bits del mensaje se ocultan en los bits de paridad de las regiones.</a:t>
+            </a:r>
+          </a:p>
+          <a:p>
+            <a:pPr lvl="1"/>
+            <a:r>
+              <a:rPr lang="es-ES" dirty="0" smtClean="0"/>
+              <a:t>Bit paridad: XOR de todos los bits de la región</a:t>
+            </a:r>
+          </a:p>
+          <a:p>
+            <a:endParaRPr lang="es-ES" dirty="0" smtClean="0"/>
+          </a:p>
+          <a:p>
+            <a:r>
+              <a:rPr lang="es-ES" dirty="0" smtClean="0"/>
+              <a:t>Si bit de paridad 	      bit secreto	 se modifica el bit menos significativo de uno de los </a:t>
+            </a:r>
+            <a:r>
+              <a:rPr lang="es-ES" dirty="0" err="1" smtClean="0"/>
+              <a:t>samples</a:t>
+            </a:r>
+            <a:r>
+              <a:rPr lang="es-ES" dirty="0" smtClean="0"/>
+              <a:t> de la región.</a:t>
+            </a:r>
+          </a:p>
+          <a:p>
+            <a:endParaRPr lang="es-ES" dirty="0" smtClean="0"/>
+          </a:p>
+          <a:p>
+            <a:r>
+              <a:rPr lang="es-ES" dirty="0" smtClean="0"/>
+              <a:t>Si coinciden no se hace nada.</a:t>
+            </a:r>
+          </a:p>
+          <a:p>
+            <a:pPr lvl="1"/>
+            <a:endParaRPr lang="es-ES" dirty="0" smtClean="0"/>
+          </a:p>
+          <a:p>
+            <a:pPr lvl="1"/>
+            <a:endParaRPr lang="es-ES" dirty="0" smtClean="0"/>
+          </a:p>
+        </p:txBody>
+      </p:sp>
+      <p:sp>
+        <p:nvSpPr>
+          <p:cNvPr id="4" name="3 Distinto de"/>
+          <p:cNvSpPr/>
+          <p:nvPr/>
+        </p:nvSpPr>
+        <p:spPr>
+          <a:xfrm>
+            <a:off x="3203848" y="4293096"/>
+            <a:ext cx="504056" cy="360040"/>
+          </a:xfrm>
+          <a:prstGeom prst="mathNotEqual">
+            <a:avLst/>
+          </a:prstGeom>
+        </p:spPr>
+        <p:style>
+          <a:lnRef idx="2">
+            <a:schemeClr val="accent1">
+              <a:shade val="50000"/>
+            </a:schemeClr>
+          </a:lnRef>
+          <a:fillRef idx="1">
+            <a:schemeClr val="accent1"/>
+          </a:fillRef>
+          <a:effectRef idx="0">
+            <a:schemeClr val="accent1"/>
+          </a:effectRef>
+          <a:fontRef idx="minor">
+            <a:schemeClr val="lt1"/>
+          </a:fontRef>
+        </p:style>
+        <p:txBody>
+          <a:bodyPr rtlCol="0" anchor="ctr"/>
+          <a:lstStyle/>
+          <a:p>
+            <a:pPr algn="ctr"/>
+            <a:endParaRPr lang="es-ES">
+              <a:solidFill>
+                <a:schemeClr val="tx1"/>
+              </a:solidFill>
+            </a:endParaRPr>
+          </a:p>
+        </p:txBody>
+      </p:sp>
+      <p:sp>
+        <p:nvSpPr>
+          <p:cNvPr id="5" name="4 Flecha derecha"/>
+          <p:cNvSpPr/>
+          <p:nvPr/>
+        </p:nvSpPr>
+        <p:spPr>
+          <a:xfrm>
+            <a:off x="5436096" y="4365104"/>
+            <a:ext cx="504056" cy="288032"/>
+          </a:xfrm>
+          <a:prstGeom prst="rightArrow">
+            <a:avLst/>
+          </a:prstGeom>
+        </p:spPr>
+        <p:style>
+          <a:lnRef idx="2">
+            <a:schemeClr val="accent1">
+              <a:shade val="50000"/>
+            </a:schemeClr>
+          </a:lnRef>
+          <a:fillRef idx="1">
+            <a:schemeClr val="accent1"/>
+          </a:fillRef>
+          <a:effectRef idx="0">
+            <a:schemeClr val="accent1"/>
+          </a:effectRef>
+          <a:fontRef idx="minor">
+            <a:schemeClr val="lt1"/>
+          </a:fontRef>
+        </p:style>
+        <p:txBody>
+          <a:bodyPr rtlCol="0" anchor="ctr"/>
+          <a:lstStyle/>
+          <a:p>
+            <a:pPr algn="ctr"/>
+            <a:endParaRPr lang="es-ES"/>
+          </a:p>
+        </p:txBody>
+      </p:sp>
+    </p:spTree>
+  </p:cSld>
+  <p:clrMapOvr>
+    <a:masterClrMapping/>
+  </p:clrMapOvr>
+  <p:timing>
+    <p:tnLst>
+      <p:par>
+        <p:cTn id="1" dur="indefinite" restart="never" nodeType="tmRoot"/>
+      </p:par>
+    </p:tnLst>
+  </p:timing>
+</p:sld>
+</file>
+
+<file path=ppt/slides/slide33.xml><?xml version="1.0" encoding="utf-8"?>
+<p:sld xmlns:a="http://schemas.openxmlformats.org/drawingml/2006/main" xmlns:r="http://schemas.openxmlformats.org/officeDocument/2006/relationships" xmlns:p="http://schemas.openxmlformats.org/presentationml/2006/main">
+  <p:cSld>
+    <p:spTree>
+      <p:nvGrpSpPr>
+        <p:cNvPr id="1" name=""/>
+        <p:cNvGrpSpPr/>
+        <p:nvPr/>
+      </p:nvGrpSpPr>
+      <p:grpSpPr>
+        <a:xfrm>
+          <a:off x="0" y="0"/>
+          <a:ext cx="0" cy="0"/>
+          <a:chOff x="0" y="0"/>
+          <a:chExt cx="0" cy="0"/>
+        </a:xfrm>
+      </p:grpSpPr>
+      <p:sp>
+        <p:nvSpPr>
+          <p:cNvPr id="2" name="1 Título"/>
+          <p:cNvSpPr>
+            <a:spLocks noGrp="1"/>
+          </p:cNvSpPr>
+          <p:nvPr>
+            <p:ph type="title"/>
+          </p:nvPr>
+        </p:nvSpPr>
+        <p:spPr/>
+        <p:txBody>
+          <a:bodyPr/>
+          <a:lstStyle/>
+          <a:p>
+            <a:r>
+              <a:rPr lang="es-ES" dirty="0" err="1" smtClean="0"/>
+              <a:t>Parity</a:t>
+            </a:r>
+            <a:r>
+              <a:rPr lang="es-ES" dirty="0" smtClean="0"/>
+              <a:t> </a:t>
+            </a:r>
+            <a:r>
+              <a:rPr lang="es-ES" dirty="0" err="1" smtClean="0"/>
+              <a:t>coding</a:t>
+            </a:r>
+            <a:endParaRPr lang="es-ES" dirty="0"/>
+          </a:p>
+        </p:txBody>
+      </p:sp>
+      <p:sp>
+        <p:nvSpPr>
+          <p:cNvPr id="3" name="2 Marcador de contenido"/>
+          <p:cNvSpPr>
+            <a:spLocks noGrp="1"/>
+          </p:cNvSpPr>
+          <p:nvPr>
+            <p:ph idx="1"/>
+          </p:nvPr>
+        </p:nvSpPr>
+        <p:spPr/>
+        <p:txBody>
+          <a:bodyPr/>
+          <a:lstStyle/>
+          <a:p>
+            <a:endParaRPr lang="es-ES" dirty="0" smtClean="0"/>
+          </a:p>
+          <a:p>
+            <a:r>
+              <a:rPr lang="es-ES" dirty="0" smtClean="0"/>
+              <a:t>Extraer mensaje secreto 	Tamaño de las regiones y orden en el que fueron utilizadas en la inserción.</a:t>
+            </a:r>
+          </a:p>
+          <a:p>
+            <a:endParaRPr lang="es-ES" dirty="0" smtClean="0"/>
+          </a:p>
+          <a:p>
+            <a:r>
+              <a:rPr lang="es-ES" dirty="0" smtClean="0"/>
+              <a:t>Regiones de distinto tamaño.</a:t>
+            </a:r>
+          </a:p>
+          <a:p>
+            <a:endParaRPr lang="es-ES" dirty="0" smtClean="0"/>
+          </a:p>
+          <a:p>
+            <a:r>
+              <a:rPr lang="es-ES" dirty="0" smtClean="0"/>
+              <a:t>Calcular bits de paridad de las regiones empleadas.</a:t>
+            </a:r>
+          </a:p>
+          <a:p>
+            <a:pPr lvl="1"/>
+            <a:r>
+              <a:rPr lang="es-ES" dirty="0" smtClean="0"/>
+              <a:t>Concatenación de los bits de paridad          mensaje.</a:t>
+            </a:r>
+          </a:p>
+          <a:p>
+            <a:pPr lvl="1"/>
+            <a:endParaRPr lang="es-ES" dirty="0" smtClean="0"/>
+          </a:p>
+        </p:txBody>
+      </p:sp>
+      <p:sp>
+        <p:nvSpPr>
+          <p:cNvPr id="4" name="3 Flecha derecha"/>
+          <p:cNvSpPr/>
+          <p:nvPr/>
+        </p:nvSpPr>
+        <p:spPr>
+          <a:xfrm>
+            <a:off x="4355976" y="2564904"/>
+            <a:ext cx="504056" cy="288032"/>
+          </a:xfrm>
+          <a:prstGeom prst="rightArrow">
+            <a:avLst/>
+          </a:prstGeom>
+        </p:spPr>
+        <p:style>
+          <a:lnRef idx="2">
+            <a:schemeClr val="accent1">
+              <a:shade val="50000"/>
+            </a:schemeClr>
+          </a:lnRef>
+          <a:fillRef idx="1">
+            <a:schemeClr val="accent1"/>
+          </a:fillRef>
+          <a:effectRef idx="0">
+            <a:schemeClr val="accent1"/>
+          </a:effectRef>
+          <a:fontRef idx="minor">
+            <a:schemeClr val="lt1"/>
+          </a:fontRef>
+        </p:style>
+        <p:txBody>
+          <a:bodyPr rtlCol="0" anchor="ctr"/>
+          <a:lstStyle/>
+          <a:p>
+            <a:pPr algn="ctr"/>
+            <a:endParaRPr lang="es-ES"/>
+          </a:p>
+        </p:txBody>
+      </p:sp>
+      <p:sp>
+        <p:nvSpPr>
+          <p:cNvPr id="5" name="4 Flecha derecha"/>
+          <p:cNvSpPr/>
+          <p:nvPr/>
+        </p:nvSpPr>
+        <p:spPr>
+          <a:xfrm>
+            <a:off x="6084168" y="5301208"/>
+            <a:ext cx="504056" cy="288032"/>
+          </a:xfrm>
+          <a:prstGeom prst="rightArrow">
+            <a:avLst/>
+          </a:prstGeom>
+        </p:spPr>
+        <p:style>
+          <a:lnRef idx="2">
+            <a:schemeClr val="accent1">
+              <a:shade val="50000"/>
+            </a:schemeClr>
+          </a:lnRef>
+          <a:fillRef idx="1">
+            <a:schemeClr val="accent1"/>
+          </a:fillRef>
+          <a:effectRef idx="0">
+            <a:schemeClr val="accent1"/>
+          </a:effectRef>
+          <a:fontRef idx="minor">
+            <a:schemeClr val="lt1"/>
+          </a:fontRef>
+        </p:style>
+        <p:txBody>
+          <a:bodyPr rtlCol="0" anchor="ctr"/>
+          <a:lstStyle/>
+          <a:p>
+            <a:pPr algn="ctr"/>
+            <a:endParaRPr lang="es-ES"/>
+          </a:p>
+        </p:txBody>
+      </p:sp>
+    </p:spTree>
+  </p:cSld>
+  <p:clrMapOvr>
+    <a:masterClrMapping/>
+  </p:clrMapOvr>
+  <p:timing>
+    <p:tnLst>
+      <p:par>
+        <p:cTn id="1" dur="indefinite" restart="never" nodeType="tmRoot"/>
+      </p:par>
+    </p:tnLst>
+  </p:timing>
+</p:sld>
+</file>
+
+<file path=ppt/slides/slide34.xml><?xml version="1.0" encoding="utf-8"?>
+<p:sld xmlns:a="http://schemas.openxmlformats.org/drawingml/2006/main" xmlns:r="http://schemas.openxmlformats.org/officeDocument/2006/relationships" xmlns:p="http://schemas.openxmlformats.org/presentationml/2006/main">
+  <p:cSld>
+    <p:spTree>
+      <p:nvGrpSpPr>
+        <p:cNvPr id="1" name=""/>
+        <p:cNvGrpSpPr/>
+        <p:nvPr/>
+      </p:nvGrpSpPr>
+      <p:grpSpPr>
+        <a:xfrm>
+          <a:off x="0" y="0"/>
+          <a:ext cx="0" cy="0"/>
+          <a:chOff x="0" y="0"/>
+          <a:chExt cx="0" cy="0"/>
+        </a:xfrm>
+      </p:grpSpPr>
+      <p:sp>
+        <p:nvSpPr>
+          <p:cNvPr id="2" name="1 Título"/>
+          <p:cNvSpPr>
+            <a:spLocks noGrp="1"/>
+          </p:cNvSpPr>
+          <p:nvPr>
+            <p:ph type="title"/>
+          </p:nvPr>
+        </p:nvSpPr>
+        <p:spPr/>
+        <p:txBody>
+          <a:bodyPr/>
+          <a:lstStyle/>
+          <a:p>
+            <a:r>
+              <a:rPr lang="es-ES" dirty="0" err="1" smtClean="0"/>
+              <a:t>Parity</a:t>
+            </a:r>
+            <a:r>
+              <a:rPr lang="es-ES" dirty="0" smtClean="0"/>
+              <a:t> </a:t>
+            </a:r>
+            <a:r>
+              <a:rPr lang="es-ES" dirty="0" err="1" smtClean="0"/>
+              <a:t>coding</a:t>
+            </a:r>
+            <a:endParaRPr lang="es-ES" dirty="0"/>
+          </a:p>
+        </p:txBody>
+      </p:sp>
+      <p:pic>
+        <p:nvPicPr>
+          <p:cNvPr id="4" name="5 Imagen" descr="parity.gif"/>
+          <p:cNvPicPr>
+            <a:picLocks noGrp="1"/>
+          </p:cNvPicPr>
+          <p:nvPr>
+            <p:ph idx="1"/>
+          </p:nvPr>
+        </p:nvPicPr>
+        <p:blipFill>
+          <a:blip r:embed="rId2" cstate="print"/>
+          <a:stretch>
+            <a:fillRect/>
+          </a:stretch>
+        </p:blipFill>
+        <p:spPr>
+          <a:xfrm>
+            <a:off x="2267545" y="1935163"/>
+            <a:ext cx="4608909" cy="4389437"/>
+          </a:xfrm>
+          <a:prstGeom prst="rect">
+            <a:avLst/>
+          </a:prstGeom>
+        </p:spPr>
+      </p:pic>
+    </p:spTree>
+  </p:cSld>
+  <p:clrMapOvr>
+    <a:masterClrMapping/>
+  </p:clrMapOvr>
+  <p:timing>
+    <p:tnLst>
+      <p:par>
+        <p:cTn id="1" dur="indefinite" restart="never" nodeType="tmRoot"/>
+      </p:par>
+    </p:tnLst>
+  </p:timing>
+</p:sld>
+</file>
+
+<file path=ppt/slides/slide35.xml><?xml version="1.0" encoding="utf-8"?>
+<p:sld xmlns:a="http://schemas.openxmlformats.org/drawingml/2006/main" xmlns:r="http://schemas.openxmlformats.org/officeDocument/2006/relationships" xmlns:p="http://schemas.openxmlformats.org/presentationml/2006/main">
+  <p:cSld>
+    <p:spTree>
+      <p:nvGrpSpPr>
+        <p:cNvPr id="1" name=""/>
+        <p:cNvGrpSpPr/>
+        <p:nvPr/>
+      </p:nvGrpSpPr>
+      <p:grpSpPr>
+        <a:xfrm>
+          <a:off x="0" y="0"/>
+          <a:ext cx="0" cy="0"/>
+          <a:chOff x="0" y="0"/>
+          <a:chExt cx="0" cy="0"/>
+        </a:xfrm>
+      </p:grpSpPr>
+      <p:sp>
+        <p:nvSpPr>
+          <p:cNvPr id="2" name="1 Título"/>
+          <p:cNvSpPr>
+            <a:spLocks noGrp="1"/>
+          </p:cNvSpPr>
+          <p:nvPr>
+            <p:ph type="title"/>
+          </p:nvPr>
+        </p:nvSpPr>
+        <p:spPr>
+          <a:xfrm>
+            <a:off x="467544" y="1124744"/>
+            <a:ext cx="8229600" cy="1143000"/>
+          </a:xfrm>
+        </p:spPr>
+        <p:txBody>
+          <a:bodyPr>
+            <a:normAutofit fontScale="90000"/>
+          </a:bodyPr>
+          <a:lstStyle/>
+          <a:p>
+            <a:r>
+              <a:rPr lang="es-ES" dirty="0" err="1" smtClean="0"/>
+              <a:t>Esteganografía</a:t>
+            </a:r>
+            <a:r>
+              <a:rPr lang="es-ES" dirty="0" smtClean="0"/>
+              <a:t> de audio: métodos</a:t>
+            </a:r>
+            <a:endParaRPr lang="es-ES" dirty="0"/>
+          </a:p>
+        </p:txBody>
+      </p:sp>
+      <p:sp>
+        <p:nvSpPr>
+          <p:cNvPr id="3" name="2 Marcador de contenido"/>
+          <p:cNvSpPr>
+            <a:spLocks noGrp="1"/>
+          </p:cNvSpPr>
+          <p:nvPr>
+            <p:ph idx="1"/>
+          </p:nvPr>
+        </p:nvSpPr>
+        <p:spPr>
+          <a:xfrm>
+            <a:off x="467544" y="2852936"/>
+            <a:ext cx="8229600" cy="3597032"/>
+          </a:xfrm>
+        </p:spPr>
+        <p:txBody>
+          <a:bodyPr>
+            <a:normAutofit/>
+          </a:bodyPr>
+          <a:lstStyle/>
+          <a:p>
+            <a:r>
+              <a:rPr lang="es-ES" sz="3200" dirty="0" smtClean="0"/>
+              <a:t>LSB </a:t>
+            </a:r>
+            <a:r>
+              <a:rPr lang="es-ES" sz="3200" dirty="0" err="1" smtClean="0"/>
+              <a:t>coding</a:t>
+            </a:r>
+            <a:endParaRPr lang="es-ES" sz="3200" dirty="0" smtClean="0"/>
+          </a:p>
+          <a:p>
+            <a:pPr>
+              <a:buFont typeface="Wingdings 2" pitchFamily="18" charset="2"/>
+              <a:buChar char=""/>
+            </a:pPr>
+            <a:r>
+              <a:rPr lang="es-ES" sz="3200" dirty="0" err="1" smtClean="0"/>
+              <a:t>Parity</a:t>
+            </a:r>
+            <a:r>
+              <a:rPr lang="es-ES" sz="3200" dirty="0" smtClean="0"/>
+              <a:t> </a:t>
+            </a:r>
+            <a:r>
+              <a:rPr lang="es-ES" sz="3200" dirty="0" err="1" smtClean="0"/>
+              <a:t>coding</a:t>
+            </a:r>
+            <a:endParaRPr lang="es-ES" sz="3200" dirty="0" smtClean="0"/>
+          </a:p>
+          <a:p>
+            <a:pPr>
+              <a:buFont typeface="Wingdings 2" pitchFamily="18" charset="2"/>
+              <a:buChar char=""/>
+            </a:pPr>
+            <a:r>
+              <a:rPr lang="es-ES" sz="3200" dirty="0" err="1" smtClean="0"/>
+              <a:t>Phase</a:t>
+            </a:r>
+            <a:r>
+              <a:rPr lang="es-ES" sz="3200" dirty="0" smtClean="0"/>
+              <a:t> </a:t>
+            </a:r>
+            <a:r>
+              <a:rPr lang="es-ES" sz="3200" dirty="0" err="1" smtClean="0"/>
+              <a:t>coding</a:t>
+            </a:r>
+            <a:endParaRPr lang="es-ES" sz="3200" dirty="0" smtClean="0"/>
+          </a:p>
+          <a:p>
+            <a:pPr>
+              <a:buNone/>
+            </a:pPr>
+            <a:r>
+              <a:rPr lang="es-ES" sz="3200" dirty="0" smtClean="0">
+                <a:solidFill>
+                  <a:schemeClr val="bg1">
+                    <a:lumMod val="85000"/>
+                  </a:schemeClr>
+                </a:solidFill>
+              </a:rPr>
+              <a:t>	Spread </a:t>
+            </a:r>
+            <a:r>
+              <a:rPr lang="es-ES" sz="3200" dirty="0" err="1" smtClean="0">
+                <a:solidFill>
+                  <a:schemeClr val="bg1">
+                    <a:lumMod val="85000"/>
+                  </a:schemeClr>
+                </a:solidFill>
+              </a:rPr>
+              <a:t>spectrum</a:t>
+            </a:r>
+            <a:endParaRPr lang="es-ES" sz="3200" dirty="0" smtClean="0">
+              <a:solidFill>
+                <a:schemeClr val="bg1">
+                  <a:lumMod val="85000"/>
+                </a:schemeClr>
+              </a:solidFill>
+            </a:endParaRPr>
+          </a:p>
+          <a:p>
+            <a:pPr>
+              <a:buNone/>
+            </a:pPr>
+            <a:r>
+              <a:rPr lang="es-ES" sz="3200" dirty="0" smtClean="0">
+                <a:solidFill>
+                  <a:schemeClr val="bg1">
+                    <a:lumMod val="85000"/>
+                  </a:schemeClr>
+                </a:solidFill>
+              </a:rPr>
+              <a:t>	Echo </a:t>
+            </a:r>
+            <a:r>
+              <a:rPr lang="es-ES" sz="3200" dirty="0" err="1" smtClean="0">
+                <a:solidFill>
+                  <a:schemeClr val="bg1">
+                    <a:lumMod val="85000"/>
+                  </a:schemeClr>
+                </a:solidFill>
+              </a:rPr>
               <a:t>hiding</a:t>
             </a:r>
+            <a:endParaRPr lang="es-ES" sz="3200" dirty="0" smtClean="0">
+              <a:solidFill>
+                <a:schemeClr val="bg1">
+                  <a:lumMod val="85000"/>
+                </a:schemeClr>
+              </a:solidFill>
+            </a:endParaRPr>
+          </a:p>
+        </p:txBody>
+      </p:sp>
+    </p:spTree>
+  </p:cSld>
+  <p:clrMapOvr>
+    <a:masterClrMapping/>
+  </p:clrMapOvr>
+  <p:timing>
+    <p:tnLst>
+      <p:par>
+        <p:cTn id="1" dur="indefinite" restart="never" nodeType="tmRoot"/>
+      </p:par>
+    </p:tnLst>
+  </p:timing>
+</p:sld>
+</file>
+
+<file path=ppt/slides/slide36.xml><?xml version="1.0" encoding="utf-8"?>
+<p:sld xmlns:a="http://schemas.openxmlformats.org/drawingml/2006/main" xmlns:r="http://schemas.openxmlformats.org/officeDocument/2006/relationships" xmlns:p="http://schemas.openxmlformats.org/presentationml/2006/main">
+  <p:cSld>
+    <p:spTree>
+      <p:nvGrpSpPr>
+        <p:cNvPr id="1" name=""/>
+        <p:cNvGrpSpPr/>
+        <p:nvPr/>
+      </p:nvGrpSpPr>
+      <p:grpSpPr>
+        <a:xfrm>
+          <a:off x="0" y="0"/>
+          <a:ext cx="0" cy="0"/>
+          <a:chOff x="0" y="0"/>
+          <a:chExt cx="0" cy="0"/>
+        </a:xfrm>
+      </p:grpSpPr>
+      <p:sp>
+        <p:nvSpPr>
+          <p:cNvPr id="2" name="1 Título"/>
+          <p:cNvSpPr>
+            <a:spLocks noGrp="1"/>
+          </p:cNvSpPr>
+          <p:nvPr>
+            <p:ph type="title"/>
+          </p:nvPr>
+        </p:nvSpPr>
+        <p:spPr/>
+        <p:txBody>
+          <a:bodyPr/>
+          <a:lstStyle/>
+          <a:p>
+            <a:r>
+              <a:rPr lang="es-ES" dirty="0" err="1" smtClean="0"/>
+              <a:t>Phase</a:t>
+            </a:r>
+            <a:r>
+              <a:rPr lang="es-ES" dirty="0" smtClean="0"/>
+              <a:t> </a:t>
+            </a:r>
+            <a:r>
+              <a:rPr lang="es-ES" dirty="0" err="1" smtClean="0"/>
+              <a:t>coding</a:t>
+            </a:r>
             <a:endParaRPr lang="es-ES" dirty="0"/>
           </a:p>
         </p:txBody>
@@ -7549,6 +8649,650 @@
           <a:bodyPr/>
           <a:lstStyle/>
           <a:p>
+            <a:endParaRPr lang="es-ES" dirty="0" smtClean="0"/>
+          </a:p>
+          <a:p>
+            <a:r>
+              <a:rPr lang="es-ES" dirty="0" smtClean="0"/>
+              <a:t>No se basa en la inserción de ruido.</a:t>
+            </a:r>
+          </a:p>
+          <a:p>
+            <a:endParaRPr lang="es-ES" dirty="0" smtClean="0"/>
+          </a:p>
+          <a:p>
+            <a:r>
+              <a:rPr lang="es-ES" dirty="0" smtClean="0"/>
+              <a:t>Idea: Componentes en fase del sonido menos perceptibles al oído humano que el ruido.</a:t>
+            </a:r>
+          </a:p>
+          <a:p>
+            <a:endParaRPr lang="es-ES" dirty="0" smtClean="0"/>
+          </a:p>
+          <a:p>
+            <a:r>
+              <a:rPr lang="es-ES" dirty="0" smtClean="0"/>
+              <a:t>Codifica bits del mensaje como desplazamientos en fase en el espectro de fases de la señal digital.</a:t>
+            </a:r>
+            <a:endParaRPr lang="es-ES" dirty="0"/>
+          </a:p>
+        </p:txBody>
+      </p:sp>
+    </p:spTree>
+  </p:cSld>
+  <p:clrMapOvr>
+    <a:masterClrMapping/>
+  </p:clrMapOvr>
+  <p:timing>
+    <p:tnLst>
+      <p:par>
+        <p:cTn id="1" dur="indefinite" restart="never" nodeType="tmRoot"/>
+      </p:par>
+    </p:tnLst>
+  </p:timing>
+</p:sld>
+</file>
+
+<file path=ppt/slides/slide37.xml><?xml version="1.0" encoding="utf-8"?>
+<p:sld xmlns:a="http://schemas.openxmlformats.org/drawingml/2006/main" xmlns:r="http://schemas.openxmlformats.org/officeDocument/2006/relationships" xmlns:p="http://schemas.openxmlformats.org/presentationml/2006/main">
+  <p:cSld>
+    <p:spTree>
+      <p:nvGrpSpPr>
+        <p:cNvPr id="1" name=""/>
+        <p:cNvGrpSpPr/>
+        <p:nvPr/>
+      </p:nvGrpSpPr>
+      <p:grpSpPr>
+        <a:xfrm>
+          <a:off x="0" y="0"/>
+          <a:ext cx="0" cy="0"/>
+          <a:chOff x="0" y="0"/>
+          <a:chExt cx="0" cy="0"/>
+        </a:xfrm>
+      </p:grpSpPr>
+      <p:sp>
+        <p:nvSpPr>
+          <p:cNvPr id="2" name="1 Título"/>
+          <p:cNvSpPr>
+            <a:spLocks noGrp="1"/>
+          </p:cNvSpPr>
+          <p:nvPr>
+            <p:ph type="title"/>
+          </p:nvPr>
+        </p:nvSpPr>
+        <p:spPr/>
+        <p:txBody>
+          <a:bodyPr/>
+          <a:lstStyle/>
+          <a:p>
+            <a:r>
+              <a:rPr lang="es-ES" dirty="0" err="1" smtClean="0"/>
+              <a:t>Phase</a:t>
+            </a:r>
+            <a:r>
+              <a:rPr lang="es-ES" dirty="0" smtClean="0"/>
+              <a:t> </a:t>
+            </a:r>
+            <a:r>
+              <a:rPr lang="es-ES" dirty="0" err="1" smtClean="0"/>
+              <a:t>coding</a:t>
+            </a:r>
+            <a:r>
+              <a:rPr lang="es-ES" dirty="0" smtClean="0"/>
+              <a:t>: Procedimiento</a:t>
+            </a:r>
+            <a:endParaRPr lang="es-ES" dirty="0"/>
+          </a:p>
+        </p:txBody>
+      </p:sp>
+      <p:sp>
+        <p:nvSpPr>
+          <p:cNvPr id="3" name="2 Marcador de contenido"/>
+          <p:cNvSpPr>
+            <a:spLocks noGrp="1"/>
+          </p:cNvSpPr>
+          <p:nvPr>
+            <p:ph idx="1"/>
+          </p:nvPr>
+        </p:nvSpPr>
+        <p:spPr/>
+        <p:txBody>
+          <a:bodyPr>
+            <a:normAutofit lnSpcReduction="10000"/>
+          </a:bodyPr>
+          <a:lstStyle/>
+          <a:p>
+            <a:endParaRPr lang="es-ES" dirty="0" smtClean="0"/>
+          </a:p>
+          <a:p>
+            <a:pPr marL="514350" indent="-514350">
+              <a:buFont typeface="+mj-lt"/>
+              <a:buAutoNum type="arabicPeriod"/>
+            </a:pPr>
+            <a:r>
+              <a:rPr lang="es-ES" dirty="0" smtClean="0"/>
+              <a:t>División en segmentos.</a:t>
+            </a:r>
+          </a:p>
+          <a:p>
+            <a:pPr marL="514350" indent="-514350">
+              <a:buFont typeface="+mj-lt"/>
+              <a:buAutoNum type="arabicPeriod"/>
+            </a:pPr>
+            <a:r>
+              <a:rPr lang="es-ES" dirty="0" smtClean="0"/>
+              <a:t>Transformada Discreta de Fourier a cada segmento.</a:t>
+            </a:r>
+          </a:p>
+          <a:p>
+            <a:pPr marL="514350" indent="-514350">
+              <a:buFont typeface="+mj-lt"/>
+              <a:buAutoNum type="arabicPeriod"/>
+            </a:pPr>
+            <a:r>
+              <a:rPr lang="es-ES" dirty="0" smtClean="0"/>
+              <a:t>Diferencias de fase entre segmentos adyacentes.</a:t>
+            </a:r>
+          </a:p>
+          <a:p>
+            <a:pPr marL="514350" indent="-514350">
+              <a:buFont typeface="+mj-lt"/>
+              <a:buAutoNum type="arabicPeriod"/>
+            </a:pPr>
+            <a:r>
+              <a:rPr lang="es-ES" dirty="0" smtClean="0"/>
+              <a:t>La nueva fase será:</a:t>
+            </a:r>
+          </a:p>
+          <a:p>
+            <a:pPr marL="514350" indent="-514350">
+              <a:buFont typeface="+mj-lt"/>
+              <a:buAutoNum type="arabicPeriod"/>
+            </a:pPr>
+            <a:endParaRPr lang="es-ES" dirty="0" smtClean="0"/>
+          </a:p>
+          <a:p>
+            <a:pPr marL="514350" indent="-514350">
+              <a:buFont typeface="+mj-lt"/>
+              <a:buAutoNum type="arabicPeriod"/>
+            </a:pPr>
+            <a:endParaRPr lang="es-ES" dirty="0" smtClean="0"/>
+          </a:p>
+          <a:p>
+            <a:pPr marL="514350" indent="-514350">
+              <a:buFont typeface="+mj-lt"/>
+              <a:buAutoNum type="arabicPeriod"/>
+            </a:pPr>
+            <a:endParaRPr lang="es-ES" dirty="0" smtClean="0"/>
+          </a:p>
+          <a:p>
+            <a:pPr marL="514350" indent="-514350">
+              <a:buNone/>
+            </a:pPr>
+            <a:r>
+              <a:rPr lang="es-ES" dirty="0" smtClean="0"/>
+              <a:t>		</a:t>
+            </a:r>
+          </a:p>
+          <a:p>
+            <a:pPr marL="514350" indent="-514350">
+              <a:buNone/>
+            </a:pPr>
+            <a:r>
+              <a:rPr lang="es-ES" dirty="0" smtClean="0"/>
+              <a:t>		</a:t>
+            </a:r>
+          </a:p>
+        </p:txBody>
+      </p:sp>
+      <p:pic>
+        <p:nvPicPr>
+          <p:cNvPr id="7" name="Picture 2"/>
+          <p:cNvPicPr>
+            <a:picLocks noChangeAspect="1" noChangeArrowheads="1"/>
+          </p:cNvPicPr>
+          <p:nvPr/>
+        </p:nvPicPr>
+        <p:blipFill>
+          <a:blip r:embed="rId2" cstate="print"/>
+          <a:srcRect/>
+          <a:stretch>
+            <a:fillRect/>
+          </a:stretch>
+        </p:blipFill>
+        <p:spPr bwMode="auto">
+          <a:xfrm>
+            <a:off x="1907704" y="4725144"/>
+            <a:ext cx="4953000" cy="1104900"/>
+          </a:xfrm>
+          <a:prstGeom prst="rect">
+            <a:avLst/>
+          </a:prstGeom>
+          <a:noFill/>
+          <a:ln w="9525">
+            <a:noFill/>
+            <a:miter lim="800000"/>
+            <a:headEnd/>
+            <a:tailEnd/>
+          </a:ln>
+        </p:spPr>
+      </p:pic>
+    </p:spTree>
+  </p:cSld>
+  <p:clrMapOvr>
+    <a:masterClrMapping/>
+  </p:clrMapOvr>
+  <p:timing>
+    <p:tnLst>
+      <p:par>
+        <p:cTn id="1" dur="indefinite" restart="never" nodeType="tmRoot"/>
+      </p:par>
+    </p:tnLst>
+  </p:timing>
+</p:sld>
+</file>
+
+<file path=ppt/slides/slide38.xml><?xml version="1.0" encoding="utf-8"?>
+<p:sld xmlns:a="http://schemas.openxmlformats.org/drawingml/2006/main" xmlns:r="http://schemas.openxmlformats.org/officeDocument/2006/relationships" xmlns:p="http://schemas.openxmlformats.org/presentationml/2006/main">
+  <p:cSld>
+    <p:spTree>
+      <p:nvGrpSpPr>
+        <p:cNvPr id="1" name=""/>
+        <p:cNvGrpSpPr/>
+        <p:nvPr/>
+      </p:nvGrpSpPr>
+      <p:grpSpPr>
+        <a:xfrm>
+          <a:off x="0" y="0"/>
+          <a:ext cx="0" cy="0"/>
+          <a:chOff x="0" y="0"/>
+          <a:chExt cx="0" cy="0"/>
+        </a:xfrm>
+      </p:grpSpPr>
+      <p:sp>
+        <p:nvSpPr>
+          <p:cNvPr id="2" name="1 Título"/>
+          <p:cNvSpPr>
+            <a:spLocks noGrp="1"/>
+          </p:cNvSpPr>
+          <p:nvPr>
+            <p:ph type="title"/>
+          </p:nvPr>
+        </p:nvSpPr>
+        <p:spPr/>
+        <p:txBody>
+          <a:bodyPr/>
+          <a:lstStyle/>
+          <a:p>
+            <a:r>
+              <a:rPr lang="es-ES" dirty="0" err="1" smtClean="0"/>
+              <a:t>Phase</a:t>
+            </a:r>
+            <a:r>
+              <a:rPr lang="es-ES" dirty="0" smtClean="0"/>
+              <a:t> </a:t>
+            </a:r>
+            <a:r>
+              <a:rPr lang="es-ES" dirty="0" err="1" smtClean="0"/>
+              <a:t>coding</a:t>
+            </a:r>
+            <a:r>
+              <a:rPr lang="es-ES" dirty="0" smtClean="0"/>
+              <a:t>: Procedimiento(II)</a:t>
+            </a:r>
+            <a:endParaRPr lang="es-ES" dirty="0"/>
+          </a:p>
+        </p:txBody>
+      </p:sp>
+      <p:sp>
+        <p:nvSpPr>
+          <p:cNvPr id="5" name="4 Marcador de contenido"/>
+          <p:cNvSpPr>
+            <a:spLocks noGrp="1"/>
+          </p:cNvSpPr>
+          <p:nvPr>
+            <p:ph idx="1"/>
+          </p:nvPr>
+        </p:nvSpPr>
+        <p:spPr/>
+        <p:txBody>
+          <a:bodyPr/>
+          <a:lstStyle/>
+          <a:p>
+            <a:pPr marL="514350" indent="-514350">
+              <a:buFont typeface="+mj-lt"/>
+              <a:buAutoNum type="arabicPeriod" startAt="5"/>
+            </a:pPr>
+            <a:endParaRPr lang="es-ES" dirty="0" smtClean="0"/>
+          </a:p>
+          <a:p>
+            <a:pPr marL="514350" indent="-514350">
+              <a:buFont typeface="+mj-lt"/>
+              <a:buAutoNum type="arabicPeriod" startAt="5"/>
+            </a:pPr>
+            <a:r>
+              <a:rPr lang="es-ES" dirty="0" smtClean="0"/>
+              <a:t>Nueva matriz	     Nuevas fases del primer segmento			            Diferencias de fase originales.</a:t>
+            </a:r>
+          </a:p>
+          <a:p>
+            <a:pPr marL="514350" indent="-514350">
+              <a:buFont typeface="+mj-lt"/>
+              <a:buAutoNum type="arabicPeriod" startAt="5"/>
+            </a:pPr>
+            <a:endParaRPr lang="es-ES" dirty="0" smtClean="0"/>
+          </a:p>
+          <a:p>
+            <a:pPr marL="514350" indent="-514350">
+              <a:buFont typeface="+mj-lt"/>
+              <a:buAutoNum type="arabicPeriod" startAt="5"/>
+            </a:pPr>
+            <a:r>
+              <a:rPr lang="es-ES" dirty="0" smtClean="0"/>
+              <a:t>Inversa Transformada Discreta de Fourier.</a:t>
+            </a:r>
+          </a:p>
+          <a:p>
+            <a:pPr marL="880110" lvl="1" indent="-514350">
+              <a:buFont typeface="Arial" pitchFamily="34" charset="0"/>
+              <a:buChar char="•"/>
+            </a:pPr>
+            <a:r>
+              <a:rPr lang="es-ES" dirty="0" smtClean="0"/>
+              <a:t>Nueva matriz de fases        magnitudes originales.</a:t>
+            </a:r>
+          </a:p>
+          <a:p>
+            <a:pPr marL="880110" lvl="1" indent="-514350">
+              <a:buFont typeface="Arial" pitchFamily="34" charset="0"/>
+              <a:buChar char="•"/>
+            </a:pPr>
+            <a:r>
+              <a:rPr lang="es-ES" dirty="0" smtClean="0"/>
+              <a:t>Concatenación de segmentos.</a:t>
+            </a:r>
+          </a:p>
+        </p:txBody>
+      </p:sp>
+      <p:sp>
+        <p:nvSpPr>
+          <p:cNvPr id="7" name="6 Flecha derecha"/>
+          <p:cNvSpPr/>
+          <p:nvPr/>
+        </p:nvSpPr>
+        <p:spPr>
+          <a:xfrm>
+            <a:off x="3131840" y="2492896"/>
+            <a:ext cx="504056" cy="288032"/>
+          </a:xfrm>
+          <a:prstGeom prst="rightArrow">
+            <a:avLst/>
+          </a:prstGeom>
+        </p:spPr>
+        <p:style>
+          <a:lnRef idx="2">
+            <a:schemeClr val="accent1">
+              <a:shade val="50000"/>
+            </a:schemeClr>
+          </a:lnRef>
+          <a:fillRef idx="1">
+            <a:schemeClr val="accent1"/>
+          </a:fillRef>
+          <a:effectRef idx="0">
+            <a:schemeClr val="accent1"/>
+          </a:effectRef>
+          <a:fontRef idx="minor">
+            <a:schemeClr val="lt1"/>
+          </a:fontRef>
+        </p:style>
+        <p:txBody>
+          <a:bodyPr rtlCol="0" anchor="ctr"/>
+          <a:lstStyle/>
+          <a:p>
+            <a:pPr algn="ctr"/>
+            <a:endParaRPr lang="es-ES"/>
+          </a:p>
+        </p:txBody>
+      </p:sp>
+      <p:sp>
+        <p:nvSpPr>
+          <p:cNvPr id="8" name="7 Más"/>
+          <p:cNvSpPr/>
+          <p:nvPr/>
+        </p:nvSpPr>
+        <p:spPr>
+          <a:xfrm>
+            <a:off x="3851920" y="2852936"/>
+            <a:ext cx="360040" cy="360040"/>
+          </a:xfrm>
+          <a:prstGeom prst="mathPlus">
+            <a:avLst/>
+          </a:prstGeom>
+        </p:spPr>
+        <p:style>
+          <a:lnRef idx="2">
+            <a:schemeClr val="accent1">
+              <a:shade val="50000"/>
+            </a:schemeClr>
+          </a:lnRef>
+          <a:fillRef idx="1">
+            <a:schemeClr val="accent1"/>
+          </a:fillRef>
+          <a:effectRef idx="0">
+            <a:schemeClr val="accent1"/>
+          </a:effectRef>
+          <a:fontRef idx="minor">
+            <a:schemeClr val="lt1"/>
+          </a:fontRef>
+        </p:style>
+        <p:txBody>
+          <a:bodyPr rtlCol="0" anchor="ctr"/>
+          <a:lstStyle/>
+          <a:p>
+            <a:pPr algn="ctr"/>
+            <a:endParaRPr lang="es-ES"/>
+          </a:p>
+        </p:txBody>
+      </p:sp>
+      <p:sp>
+        <p:nvSpPr>
+          <p:cNvPr id="9" name="8 Más"/>
+          <p:cNvSpPr/>
+          <p:nvPr/>
+        </p:nvSpPr>
+        <p:spPr>
+          <a:xfrm>
+            <a:off x="4355976" y="4293096"/>
+            <a:ext cx="360040" cy="360040"/>
+          </a:xfrm>
+          <a:prstGeom prst="mathPlus">
+            <a:avLst/>
+          </a:prstGeom>
+        </p:spPr>
+        <p:style>
+          <a:lnRef idx="2">
+            <a:schemeClr val="accent1">
+              <a:shade val="50000"/>
+            </a:schemeClr>
+          </a:lnRef>
+          <a:fillRef idx="1">
+            <a:schemeClr val="accent1"/>
+          </a:fillRef>
+          <a:effectRef idx="0">
+            <a:schemeClr val="accent1"/>
+          </a:effectRef>
+          <a:fontRef idx="minor">
+            <a:schemeClr val="lt1"/>
+          </a:fontRef>
+        </p:style>
+        <p:txBody>
+          <a:bodyPr rtlCol="0" anchor="ctr"/>
+          <a:lstStyle/>
+          <a:p>
+            <a:pPr algn="ctr"/>
+            <a:endParaRPr lang="es-ES"/>
+          </a:p>
+        </p:txBody>
+      </p:sp>
+    </p:spTree>
+  </p:cSld>
+  <p:clrMapOvr>
+    <a:masterClrMapping/>
+  </p:clrMapOvr>
+  <p:timing>
+    <p:tnLst>
+      <p:par>
+        <p:cTn id="1" dur="indefinite" restart="never" nodeType="tmRoot"/>
+      </p:par>
+    </p:tnLst>
+  </p:timing>
+</p:sld>
+</file>
+
+<file path=ppt/slides/slide39.xml><?xml version="1.0" encoding="utf-8"?>
+<p:sld xmlns:a="http://schemas.openxmlformats.org/drawingml/2006/main" xmlns:r="http://schemas.openxmlformats.org/officeDocument/2006/relationships" xmlns:p="http://schemas.openxmlformats.org/presentationml/2006/main">
+  <p:cSld>
+    <p:spTree>
+      <p:nvGrpSpPr>
+        <p:cNvPr id="1" name=""/>
+        <p:cNvGrpSpPr/>
+        <p:nvPr/>
+      </p:nvGrpSpPr>
+      <p:grpSpPr>
+        <a:xfrm>
+          <a:off x="0" y="0"/>
+          <a:ext cx="0" cy="0"/>
+          <a:chOff x="0" y="0"/>
+          <a:chExt cx="0" cy="0"/>
+        </a:xfrm>
+      </p:grpSpPr>
+      <p:sp>
+        <p:nvSpPr>
+          <p:cNvPr id="2" name="1 Título"/>
+          <p:cNvSpPr>
+            <a:spLocks noGrp="1"/>
+          </p:cNvSpPr>
+          <p:nvPr>
+            <p:ph type="title"/>
+          </p:nvPr>
+        </p:nvSpPr>
+        <p:spPr/>
+        <p:txBody>
+          <a:bodyPr/>
+          <a:lstStyle/>
+          <a:p>
+            <a:r>
+              <a:rPr lang="es-ES" dirty="0" err="1" smtClean="0"/>
+              <a:t>Phase</a:t>
+            </a:r>
+            <a:r>
+              <a:rPr lang="es-ES" dirty="0" smtClean="0"/>
+              <a:t> </a:t>
+            </a:r>
+            <a:r>
+              <a:rPr lang="es-ES" dirty="0" err="1" smtClean="0"/>
+              <a:t>coding</a:t>
+            </a:r>
+            <a:endParaRPr lang="es-ES" dirty="0"/>
+          </a:p>
+        </p:txBody>
+      </p:sp>
+      <p:sp>
+        <p:nvSpPr>
+          <p:cNvPr id="3" name="2 Marcador de contenido"/>
+          <p:cNvSpPr>
+            <a:spLocks noGrp="1"/>
+          </p:cNvSpPr>
+          <p:nvPr>
+            <p:ph idx="1"/>
+          </p:nvPr>
+        </p:nvSpPr>
+        <p:spPr/>
+        <p:txBody>
+          <a:bodyPr>
+            <a:normAutofit/>
+          </a:bodyPr>
+          <a:lstStyle/>
+          <a:p>
+            <a:endParaRPr lang="es-ES" dirty="0" smtClean="0"/>
+          </a:p>
+          <a:p>
+            <a:r>
+              <a:rPr lang="es-ES" dirty="0" smtClean="0"/>
+              <a:t>Extraer mensaje secreto 	Longitud del segmento.</a:t>
+            </a:r>
+          </a:p>
+          <a:p>
+            <a:pPr lvl="1"/>
+            <a:r>
+              <a:rPr lang="es-ES" dirty="0" smtClean="0"/>
+              <a:t>Transformada Discreta de Fourier</a:t>
+            </a:r>
+          </a:p>
+          <a:p>
+            <a:pPr lvl="2"/>
+            <a:r>
+              <a:rPr lang="es-ES" dirty="0" smtClean="0"/>
+              <a:t>Obtener fases y extraer información.</a:t>
+            </a:r>
+          </a:p>
+          <a:p>
+            <a:endParaRPr lang="es-ES" dirty="0" smtClean="0"/>
+          </a:p>
+          <a:p>
+            <a:r>
+              <a:rPr lang="es-ES" dirty="0" smtClean="0"/>
+              <a:t>Desventaja: Baja tasa de transferencia de información.</a:t>
+            </a:r>
+          </a:p>
+          <a:p>
+            <a:endParaRPr lang="es-ES" dirty="0" smtClean="0"/>
+          </a:p>
+          <a:p>
+            <a:r>
+              <a:rPr lang="es-ES" dirty="0" smtClean="0"/>
+              <a:t>Útil para transmitir una pequeña cantidad de datos.</a:t>
+            </a:r>
+            <a:endParaRPr lang="es-ES" dirty="0"/>
+          </a:p>
+        </p:txBody>
+      </p:sp>
+      <p:sp>
+        <p:nvSpPr>
+          <p:cNvPr id="4" name="3 Flecha derecha"/>
+          <p:cNvSpPr/>
+          <p:nvPr/>
+        </p:nvSpPr>
+        <p:spPr>
+          <a:xfrm>
+            <a:off x="4427984" y="2564904"/>
+            <a:ext cx="504056" cy="288032"/>
+          </a:xfrm>
+          <a:prstGeom prst="rightArrow">
+            <a:avLst/>
+          </a:prstGeom>
+        </p:spPr>
+        <p:style>
+          <a:lnRef idx="2">
+            <a:schemeClr val="accent1">
+              <a:shade val="50000"/>
+            </a:schemeClr>
+          </a:lnRef>
+          <a:fillRef idx="1">
+            <a:schemeClr val="accent1"/>
+          </a:fillRef>
+          <a:effectRef idx="0">
+            <a:schemeClr val="accent1"/>
+          </a:effectRef>
+          <a:fontRef idx="minor">
+            <a:schemeClr val="lt1"/>
+          </a:fontRef>
+        </p:style>
+        <p:txBody>
+          <a:bodyPr rtlCol="0" anchor="ctr"/>
+          <a:lstStyle/>
+          <a:p>
+            <a:pPr algn="ctr"/>
             <a:endParaRPr lang="es-ES"/>
           </a:p>
         </p:txBody>
@@ -7606,7 +9350,7 @@
             </a:r>
             <a:r>
               <a:rPr lang="es-ES" dirty="0" smtClean="0"/>
-              <a:t>: historia</a:t>
+              <a:t>: introducción</a:t>
             </a:r>
             <a:endParaRPr lang="es-ES" dirty="0"/>
           </a:p>
@@ -7624,52 +9368,1430 @@
         </p:nvSpPr>
         <p:spPr>
           <a:xfrm>
-            <a:off x="395536" y="2780928"/>
-            <a:ext cx="8229600" cy="3759696"/>
+            <a:off x="395536" y="2132856"/>
+            <a:ext cx="8229600" cy="4389120"/>
           </a:xfrm>
         </p:spPr>
         <p:txBody>
           <a:bodyPr/>
           <a:lstStyle/>
           <a:p>
-            <a:r>
-              <a:rPr lang="es-ES" dirty="0" smtClean="0"/>
-              <a:t>La </a:t>
+            <a:pPr algn="just"/>
+            <a:endParaRPr lang="es-ES" dirty="0" smtClean="0"/>
+          </a:p>
+          <a:p>
+            <a:pPr algn="just"/>
+            <a:r>
+              <a:rPr lang="es-ES" dirty="0" smtClean="0"/>
+              <a:t>Disciplina de ocultamiento de mensajes y objetos.</a:t>
+            </a:r>
+          </a:p>
+          <a:p>
+            <a:pPr algn="just">
+              <a:buNone/>
+            </a:pPr>
+            <a:endParaRPr lang="es-ES" dirty="0" smtClean="0"/>
+          </a:p>
+          <a:p>
+            <a:pPr algn="just"/>
+            <a:r>
+              <a:rPr lang="es-ES" dirty="0" smtClean="0"/>
+              <a:t>Distinta a la </a:t>
+            </a:r>
+            <a:r>
+              <a:rPr lang="es-ES" b="1" dirty="0" smtClean="0"/>
+              <a:t>criptografía</a:t>
+            </a:r>
+            <a:r>
+              <a:rPr lang="es-ES" dirty="0" smtClean="0"/>
+              <a:t>.</a:t>
+            </a:r>
+          </a:p>
+          <a:p>
+            <a:pPr algn="just"/>
+            <a:endParaRPr lang="es-ES" dirty="0" smtClean="0"/>
+          </a:p>
+          <a:p>
+            <a:pPr algn="just"/>
+            <a:r>
+              <a:rPr lang="es-ES" dirty="0" smtClean="0"/>
+              <a:t>Criptografía + </a:t>
+            </a:r>
+            <a:r>
+              <a:rPr lang="es-ES" dirty="0" err="1" smtClean="0"/>
+              <a:t>Esteganografía</a:t>
+            </a:r>
+            <a:endParaRPr lang="es-ES" dirty="0" smtClean="0"/>
+          </a:p>
+          <a:p>
+            <a:pPr algn="just">
+              <a:buNone/>
+            </a:pPr>
+            <a:r>
+              <a:rPr lang="es-ES" dirty="0" smtClean="0"/>
+              <a:t> 			</a:t>
+            </a:r>
+          </a:p>
+        </p:txBody>
+      </p:sp>
+    </p:spTree>
+  </p:cSld>
+  <p:clrMapOvr>
+    <a:masterClrMapping/>
+  </p:clrMapOvr>
+  <p:timing>
+    <p:tnLst>
+      <p:par>
+        <p:cTn id="1" dur="indefinite" restart="never" nodeType="tmRoot"/>
+      </p:par>
+    </p:tnLst>
+  </p:timing>
+</p:sld>
+</file>
+
+<file path=ppt/slides/slide40.xml><?xml version="1.0" encoding="utf-8"?>
+<p:sld xmlns:a="http://schemas.openxmlformats.org/drawingml/2006/main" xmlns:r="http://schemas.openxmlformats.org/officeDocument/2006/relationships" xmlns:p="http://schemas.openxmlformats.org/presentationml/2006/main">
+  <p:cSld>
+    <p:spTree>
+      <p:nvGrpSpPr>
+        <p:cNvPr id="1" name=""/>
+        <p:cNvGrpSpPr/>
+        <p:nvPr/>
+      </p:nvGrpSpPr>
+      <p:grpSpPr>
+        <a:xfrm>
+          <a:off x="0" y="0"/>
+          <a:ext cx="0" cy="0"/>
+          <a:chOff x="0" y="0"/>
+          <a:chExt cx="0" cy="0"/>
+        </a:xfrm>
+      </p:grpSpPr>
+      <p:sp>
+        <p:nvSpPr>
+          <p:cNvPr id="2" name="1 Título"/>
+          <p:cNvSpPr>
+            <a:spLocks noGrp="1"/>
+          </p:cNvSpPr>
+          <p:nvPr>
+            <p:ph type="title"/>
+          </p:nvPr>
+        </p:nvSpPr>
+        <p:spPr/>
+        <p:txBody>
+          <a:bodyPr/>
+          <a:lstStyle/>
+          <a:p>
+            <a:r>
+              <a:rPr lang="es-ES" dirty="0" err="1" smtClean="0"/>
+              <a:t>Phase</a:t>
+            </a:r>
+            <a:r>
+              <a:rPr lang="es-ES" dirty="0" smtClean="0"/>
+              <a:t> </a:t>
+            </a:r>
+            <a:r>
+              <a:rPr lang="es-ES" dirty="0" err="1" smtClean="0"/>
+              <a:t>coding</a:t>
+            </a:r>
+            <a:endParaRPr lang="es-ES" dirty="0"/>
+          </a:p>
+        </p:txBody>
+      </p:sp>
+      <p:pic>
+        <p:nvPicPr>
+          <p:cNvPr id="5" name="6 Imagen" descr="phaseshift.gif"/>
+          <p:cNvPicPr>
+            <a:picLocks noGrp="1"/>
+          </p:cNvPicPr>
+          <p:nvPr>
+            <p:ph idx="1"/>
+          </p:nvPr>
+        </p:nvPicPr>
+        <p:blipFill>
+          <a:blip r:embed="rId2" cstate="print"/>
+          <a:stretch>
+            <a:fillRect/>
+          </a:stretch>
+        </p:blipFill>
+        <p:spPr>
+          <a:xfrm>
+            <a:off x="2328862" y="3063081"/>
+            <a:ext cx="4486275" cy="2133600"/>
+          </a:xfrm>
+          <a:prstGeom prst="rect">
+            <a:avLst/>
+          </a:prstGeom>
+        </p:spPr>
+      </p:pic>
+    </p:spTree>
+  </p:cSld>
+  <p:clrMapOvr>
+    <a:masterClrMapping/>
+  </p:clrMapOvr>
+  <p:timing>
+    <p:tnLst>
+      <p:par>
+        <p:cTn id="1" dur="indefinite" restart="never" nodeType="tmRoot"/>
+      </p:par>
+    </p:tnLst>
+  </p:timing>
+</p:sld>
+</file>
+
+<file path=ppt/slides/slide41.xml><?xml version="1.0" encoding="utf-8"?>
+<p:sld xmlns:a="http://schemas.openxmlformats.org/drawingml/2006/main" xmlns:r="http://schemas.openxmlformats.org/officeDocument/2006/relationships" xmlns:p="http://schemas.openxmlformats.org/presentationml/2006/main">
+  <p:cSld>
+    <p:spTree>
+      <p:nvGrpSpPr>
+        <p:cNvPr id="1" name=""/>
+        <p:cNvGrpSpPr/>
+        <p:nvPr/>
+      </p:nvGrpSpPr>
+      <p:grpSpPr>
+        <a:xfrm>
+          <a:off x="0" y="0"/>
+          <a:ext cx="0" cy="0"/>
+          <a:chOff x="0" y="0"/>
+          <a:chExt cx="0" cy="0"/>
+        </a:xfrm>
+      </p:grpSpPr>
+      <p:sp>
+        <p:nvSpPr>
+          <p:cNvPr id="2" name="1 Título"/>
+          <p:cNvSpPr>
+            <a:spLocks noGrp="1"/>
+          </p:cNvSpPr>
+          <p:nvPr>
+            <p:ph type="title"/>
+          </p:nvPr>
+        </p:nvSpPr>
+        <p:spPr>
+          <a:xfrm>
+            <a:off x="467544" y="1124744"/>
+            <a:ext cx="8229600" cy="1143000"/>
+          </a:xfrm>
+        </p:spPr>
+        <p:txBody>
+          <a:bodyPr>
+            <a:normAutofit fontScale="90000"/>
+          </a:bodyPr>
+          <a:lstStyle/>
+          <a:p>
+            <a:r>
+              <a:rPr lang="es-ES" dirty="0" err="1" smtClean="0"/>
+              <a:t>Esteganografía</a:t>
+            </a:r>
+            <a:r>
+              <a:rPr lang="es-ES" dirty="0" smtClean="0"/>
+              <a:t> de audio: métodos</a:t>
+            </a:r>
+            <a:endParaRPr lang="es-ES" dirty="0"/>
+          </a:p>
+        </p:txBody>
+      </p:sp>
+      <p:sp>
+        <p:nvSpPr>
+          <p:cNvPr id="3" name="2 Marcador de contenido"/>
+          <p:cNvSpPr>
+            <a:spLocks noGrp="1"/>
+          </p:cNvSpPr>
+          <p:nvPr>
+            <p:ph idx="1"/>
+          </p:nvPr>
+        </p:nvSpPr>
+        <p:spPr>
+          <a:xfrm>
+            <a:off x="467544" y="2852936"/>
+            <a:ext cx="8229600" cy="3597032"/>
+          </a:xfrm>
+        </p:spPr>
+        <p:txBody>
+          <a:bodyPr>
+            <a:normAutofit/>
+          </a:bodyPr>
+          <a:lstStyle/>
+          <a:p>
+            <a:r>
+              <a:rPr lang="es-ES" sz="3200" dirty="0" smtClean="0"/>
+              <a:t>LSB </a:t>
+            </a:r>
+            <a:r>
+              <a:rPr lang="es-ES" sz="3200" dirty="0" err="1" smtClean="0"/>
+              <a:t>coding</a:t>
+            </a:r>
+            <a:endParaRPr lang="es-ES" sz="3200" dirty="0" smtClean="0"/>
+          </a:p>
+          <a:p>
+            <a:pPr>
+              <a:buFont typeface="Wingdings 2" pitchFamily="18" charset="2"/>
+              <a:buChar char=""/>
+            </a:pPr>
+            <a:r>
+              <a:rPr lang="es-ES" sz="3200" dirty="0" err="1" smtClean="0"/>
+              <a:t>Parity</a:t>
+            </a:r>
+            <a:r>
+              <a:rPr lang="es-ES" sz="3200" dirty="0" smtClean="0"/>
+              <a:t> </a:t>
+            </a:r>
+            <a:r>
+              <a:rPr lang="es-ES" sz="3200" dirty="0" err="1" smtClean="0"/>
+              <a:t>coding</a:t>
+            </a:r>
+            <a:endParaRPr lang="es-ES" sz="3200" dirty="0" smtClean="0"/>
+          </a:p>
+          <a:p>
+            <a:pPr>
+              <a:buFont typeface="Wingdings 2" pitchFamily="18" charset="2"/>
+              <a:buChar char=""/>
+            </a:pPr>
+            <a:r>
+              <a:rPr lang="es-ES" sz="3200" dirty="0" err="1" smtClean="0"/>
+              <a:t>Phase</a:t>
+            </a:r>
+            <a:r>
+              <a:rPr lang="es-ES" sz="3200" dirty="0" smtClean="0"/>
+              <a:t> </a:t>
+            </a:r>
+            <a:r>
+              <a:rPr lang="es-ES" sz="3200" dirty="0" err="1" smtClean="0"/>
+              <a:t>coding</a:t>
+            </a:r>
+            <a:endParaRPr lang="es-ES" sz="3200" dirty="0" smtClean="0"/>
+          </a:p>
+          <a:p>
+            <a:pPr>
+              <a:buFont typeface="Wingdings 2" pitchFamily="18" charset="2"/>
+              <a:buChar char=""/>
+            </a:pPr>
+            <a:r>
+              <a:rPr lang="es-ES" sz="3200" dirty="0" smtClean="0"/>
+              <a:t>Spread </a:t>
+            </a:r>
+            <a:r>
+              <a:rPr lang="es-ES" sz="3200" dirty="0" err="1" smtClean="0"/>
+              <a:t>spectrum</a:t>
+            </a:r>
+            <a:endParaRPr lang="es-ES" sz="3200" dirty="0" smtClean="0"/>
+          </a:p>
+          <a:p>
+            <a:pPr>
+              <a:buNone/>
+            </a:pPr>
+            <a:r>
+              <a:rPr lang="es-ES" sz="3200" dirty="0" smtClean="0">
+                <a:solidFill>
+                  <a:schemeClr val="bg1">
+                    <a:lumMod val="85000"/>
+                  </a:schemeClr>
+                </a:solidFill>
+              </a:rPr>
+              <a:t>	Echo </a:t>
+            </a:r>
+            <a:r>
+              <a:rPr lang="es-ES" sz="3200" dirty="0" err="1" smtClean="0">
+                <a:solidFill>
+                  <a:schemeClr val="bg1">
+                    <a:lumMod val="85000"/>
+                  </a:schemeClr>
+                </a:solidFill>
+              </a:rPr>
+              <a:t>hiding</a:t>
+            </a:r>
+            <a:endParaRPr lang="es-ES" sz="3200" dirty="0" smtClean="0">
+              <a:solidFill>
+                <a:schemeClr val="bg1">
+                  <a:lumMod val="85000"/>
+                </a:schemeClr>
+              </a:solidFill>
+            </a:endParaRPr>
+          </a:p>
+        </p:txBody>
+      </p:sp>
+    </p:spTree>
+  </p:cSld>
+  <p:clrMapOvr>
+    <a:masterClrMapping/>
+  </p:clrMapOvr>
+  <p:timing>
+    <p:tnLst>
+      <p:par>
+        <p:cTn id="1" dur="indefinite" restart="never" nodeType="tmRoot"/>
+      </p:par>
+    </p:tnLst>
+  </p:timing>
+</p:sld>
+</file>
+
+<file path=ppt/slides/slide42.xml><?xml version="1.0" encoding="utf-8"?>
+<p:sld xmlns:a="http://schemas.openxmlformats.org/drawingml/2006/main" xmlns:r="http://schemas.openxmlformats.org/officeDocument/2006/relationships" xmlns:p="http://schemas.openxmlformats.org/presentationml/2006/main">
+  <p:cSld>
+    <p:spTree>
+      <p:nvGrpSpPr>
+        <p:cNvPr id="1" name=""/>
+        <p:cNvGrpSpPr/>
+        <p:nvPr/>
+      </p:nvGrpSpPr>
+      <p:grpSpPr>
+        <a:xfrm>
+          <a:off x="0" y="0"/>
+          <a:ext cx="0" cy="0"/>
+          <a:chOff x="0" y="0"/>
+          <a:chExt cx="0" cy="0"/>
+        </a:xfrm>
+      </p:grpSpPr>
+      <p:sp>
+        <p:nvSpPr>
+          <p:cNvPr id="2" name="1 Título"/>
+          <p:cNvSpPr>
+            <a:spLocks noGrp="1"/>
+          </p:cNvSpPr>
+          <p:nvPr>
+            <p:ph type="title"/>
+          </p:nvPr>
+        </p:nvSpPr>
+        <p:spPr/>
+        <p:txBody>
+          <a:bodyPr/>
+          <a:lstStyle/>
+          <a:p>
+            <a:r>
+              <a:rPr lang="es-ES" dirty="0" smtClean="0"/>
+              <a:t>Spread </a:t>
+            </a:r>
+            <a:r>
+              <a:rPr lang="es-ES" dirty="0" err="1" smtClean="0"/>
+              <a:t>spectrum</a:t>
+            </a:r>
+            <a:endParaRPr lang="es-ES" dirty="0"/>
+          </a:p>
+        </p:txBody>
+      </p:sp>
+      <p:sp>
+        <p:nvSpPr>
+          <p:cNvPr id="3" name="2 Marcador de contenido"/>
+          <p:cNvSpPr>
+            <a:spLocks noGrp="1"/>
+          </p:cNvSpPr>
+          <p:nvPr>
+            <p:ph idx="1"/>
+          </p:nvPr>
+        </p:nvSpPr>
+        <p:spPr/>
+        <p:txBody>
+          <a:bodyPr/>
+          <a:lstStyle/>
+          <a:p>
+            <a:endParaRPr lang="es-ES" dirty="0" smtClean="0"/>
+          </a:p>
+          <a:p>
+            <a:r>
+              <a:rPr lang="es-ES" dirty="0" smtClean="0"/>
+              <a:t>Expandir la información secreta al máximo.</a:t>
+            </a:r>
+          </a:p>
+          <a:p>
+            <a:endParaRPr lang="es-ES" dirty="0" smtClean="0"/>
+          </a:p>
+          <a:p>
+            <a:r>
+              <a:rPr lang="es-ES" dirty="0" smtClean="0"/>
+              <a:t>Código independiente de la señal.</a:t>
+            </a:r>
+          </a:p>
+          <a:p>
+            <a:endParaRPr lang="es-ES" dirty="0" smtClean="0"/>
+          </a:p>
+          <a:p>
+            <a:r>
+              <a:rPr lang="es-ES" dirty="0" smtClean="0"/>
+              <a:t>Señal final          mayor ancho de banda. </a:t>
+            </a:r>
+          </a:p>
+          <a:p>
+            <a:endParaRPr lang="es-ES" dirty="0"/>
+          </a:p>
+        </p:txBody>
+      </p:sp>
+      <p:sp>
+        <p:nvSpPr>
+          <p:cNvPr id="4" name="3 Flecha derecha"/>
+          <p:cNvSpPr/>
+          <p:nvPr/>
+        </p:nvSpPr>
+        <p:spPr>
+          <a:xfrm>
+            <a:off x="2483768" y="4437112"/>
+            <a:ext cx="504056" cy="288032"/>
+          </a:xfrm>
+          <a:prstGeom prst="rightArrow">
+            <a:avLst/>
+          </a:prstGeom>
+        </p:spPr>
+        <p:style>
+          <a:lnRef idx="2">
+            <a:schemeClr val="accent1">
+              <a:shade val="50000"/>
+            </a:schemeClr>
+          </a:lnRef>
+          <a:fillRef idx="1">
+            <a:schemeClr val="accent1"/>
+          </a:fillRef>
+          <a:effectRef idx="0">
+            <a:schemeClr val="accent1"/>
+          </a:effectRef>
+          <a:fontRef idx="minor">
+            <a:schemeClr val="lt1"/>
+          </a:fontRef>
+        </p:style>
+        <p:txBody>
+          <a:bodyPr rtlCol="0" anchor="ctr"/>
+          <a:lstStyle/>
+          <a:p>
+            <a:pPr algn="ctr"/>
+            <a:endParaRPr lang="es-ES"/>
+          </a:p>
+        </p:txBody>
+      </p:sp>
+    </p:spTree>
+  </p:cSld>
+  <p:clrMapOvr>
+    <a:masterClrMapping/>
+  </p:clrMapOvr>
+  <p:timing>
+    <p:tnLst>
+      <p:par>
+        <p:cTn id="1" dur="indefinite" restart="never" nodeType="tmRoot"/>
+      </p:par>
+    </p:tnLst>
+  </p:timing>
+</p:sld>
+</file>
+
+<file path=ppt/slides/slide43.xml><?xml version="1.0" encoding="utf-8"?>
+<p:sld xmlns:a="http://schemas.openxmlformats.org/drawingml/2006/main" xmlns:r="http://schemas.openxmlformats.org/officeDocument/2006/relationships" xmlns:p="http://schemas.openxmlformats.org/presentationml/2006/main">
+  <p:cSld>
+    <p:spTree>
+      <p:nvGrpSpPr>
+        <p:cNvPr id="1" name=""/>
+        <p:cNvGrpSpPr/>
+        <p:nvPr/>
+      </p:nvGrpSpPr>
+      <p:grpSpPr>
+        <a:xfrm>
+          <a:off x="0" y="0"/>
+          <a:ext cx="0" cy="0"/>
+          <a:chOff x="0" y="0"/>
+          <a:chExt cx="0" cy="0"/>
+        </a:xfrm>
+      </p:grpSpPr>
+      <p:sp>
+        <p:nvSpPr>
+          <p:cNvPr id="2" name="1 Título"/>
+          <p:cNvSpPr>
+            <a:spLocks noGrp="1"/>
+          </p:cNvSpPr>
+          <p:nvPr>
+            <p:ph type="title"/>
+          </p:nvPr>
+        </p:nvSpPr>
+        <p:spPr/>
+        <p:txBody>
+          <a:bodyPr/>
+          <a:lstStyle/>
+          <a:p>
+            <a:r>
+              <a:rPr lang="es-ES" dirty="0" smtClean="0"/>
+              <a:t>Spread </a:t>
+            </a:r>
+            <a:r>
+              <a:rPr lang="es-ES" dirty="0" err="1" smtClean="0"/>
+              <a:t>spectrum</a:t>
+            </a:r>
+            <a:endParaRPr lang="es-ES" dirty="0"/>
+          </a:p>
+        </p:txBody>
+      </p:sp>
+      <p:sp>
+        <p:nvSpPr>
+          <p:cNvPr id="3" name="2 Marcador de contenido"/>
+          <p:cNvSpPr>
+            <a:spLocks noGrp="1"/>
+          </p:cNvSpPr>
+          <p:nvPr>
+            <p:ph idx="1"/>
+          </p:nvPr>
+        </p:nvSpPr>
+        <p:spPr/>
+        <p:txBody>
+          <a:bodyPr>
+            <a:normAutofit/>
+          </a:bodyPr>
+          <a:lstStyle/>
+          <a:p>
+            <a:endParaRPr lang="es-ES" dirty="0" smtClean="0"/>
+          </a:p>
+          <a:p>
+            <a:r>
+              <a:rPr lang="es-ES" dirty="0" smtClean="0"/>
+              <a:t>Dos versiones:</a:t>
+            </a:r>
+          </a:p>
+          <a:p>
+            <a:pPr lvl="1"/>
+            <a:r>
+              <a:rPr lang="es-ES" b="1" dirty="0" smtClean="0"/>
+              <a:t>Secuencia directa:</a:t>
+            </a:r>
+          </a:p>
+          <a:p>
+            <a:pPr lvl="2"/>
+            <a:r>
+              <a:rPr lang="es-ES" dirty="0" smtClean="0"/>
+              <a:t>Distribución =&gt; </a:t>
+            </a:r>
+            <a:r>
+              <a:rPr lang="es-ES" b="1" dirty="0" smtClean="0"/>
+              <a:t>chip </a:t>
             </a:r>
             <a:r>
               <a:rPr lang="es-ES" b="1" dirty="0" err="1" smtClean="0"/>
-              <a:t>esteganografía</a:t>
-            </a:r>
-            <a:r>
-              <a:rPr lang="es-ES" dirty="0" smtClean="0"/>
-              <a:t> ha estado presente desde tiempos antiguos.</a:t>
-            </a:r>
-          </a:p>
-          <a:p>
-            <a:r>
-              <a:rPr lang="es-ES" dirty="0" smtClean="0"/>
-              <a:t>En la era digital, la </a:t>
-            </a:r>
-            <a:r>
-              <a:rPr lang="es-ES" b="1" dirty="0" err="1" smtClean="0"/>
-              <a:t>estaganografía</a:t>
-            </a:r>
-            <a:r>
-              <a:rPr lang="es-ES" dirty="0" smtClean="0"/>
-              <a:t> ha resurgido como una tecnología útil en seguridad informática.</a:t>
-            </a:r>
-          </a:p>
-          <a:p>
-            <a:r>
-              <a:rPr lang="es-ES" dirty="0" smtClean="0"/>
-              <a:t>Se usa en documentos, imágenes, audio, vídeo, etc.</a:t>
-            </a:r>
-          </a:p>
-          <a:p>
+              <a:t>rate</a:t>
+            </a:r>
             <a:endParaRPr lang="es-ES" dirty="0" smtClean="0"/>
           </a:p>
-        </p:txBody>
-      </p:sp>
+          <a:p>
+            <a:pPr lvl="2"/>
+            <a:r>
+              <a:rPr lang="es-ES" dirty="0" smtClean="0"/>
+              <a:t>Modulación =&gt; señal </a:t>
+            </a:r>
+            <a:r>
+              <a:rPr lang="es-ES" dirty="0" err="1" smtClean="0"/>
+              <a:t>pseudoaleatoria</a:t>
+            </a:r>
+            <a:r>
+              <a:rPr lang="es-ES" dirty="0" smtClean="0"/>
+              <a:t>.</a:t>
+            </a:r>
+          </a:p>
+          <a:p>
+            <a:pPr lvl="2"/>
+            <a:r>
+              <a:rPr lang="es-ES" dirty="0" smtClean="0"/>
+              <a:t>Finalmente se entrelaza con la señal original.</a:t>
+            </a:r>
+          </a:p>
+          <a:p>
+            <a:pPr lvl="1"/>
+            <a:r>
+              <a:rPr lang="es-ES" b="1" dirty="0" smtClean="0"/>
+              <a:t>Salto de frecuencia:</a:t>
+            </a:r>
+          </a:p>
+          <a:p>
+            <a:pPr lvl="2"/>
+            <a:r>
+              <a:rPr lang="es-ES" dirty="0" smtClean="0"/>
+              <a:t>Alteración espectro de frecuencia.</a:t>
+            </a:r>
+          </a:p>
+          <a:p>
+            <a:pPr lvl="2"/>
+            <a:r>
+              <a:rPr lang="es-ES" dirty="0" smtClean="0"/>
+              <a:t>Objetivo =&gt; saltar rápidamente entre frecuencias. </a:t>
+            </a:r>
+          </a:p>
+        </p:txBody>
+      </p:sp>
+    </p:spTree>
+  </p:cSld>
+  <p:clrMapOvr>
+    <a:masterClrMapping/>
+  </p:clrMapOvr>
+  <p:timing>
+    <p:tnLst>
+      <p:par>
+        <p:cTn id="1" dur="indefinite" restart="never" nodeType="tmRoot"/>
+      </p:par>
+    </p:tnLst>
+  </p:timing>
+</p:sld>
+</file>
+
+<file path=ppt/slides/slide44.xml><?xml version="1.0" encoding="utf-8"?>
+<p:sld xmlns:a="http://schemas.openxmlformats.org/drawingml/2006/main" xmlns:r="http://schemas.openxmlformats.org/officeDocument/2006/relationships" xmlns:p="http://schemas.openxmlformats.org/presentationml/2006/main">
+  <p:cSld>
+    <p:spTree>
+      <p:nvGrpSpPr>
+        <p:cNvPr id="1" name=""/>
+        <p:cNvGrpSpPr/>
+        <p:nvPr/>
+      </p:nvGrpSpPr>
+      <p:grpSpPr>
+        <a:xfrm>
+          <a:off x="0" y="0"/>
+          <a:ext cx="0" cy="0"/>
+          <a:chOff x="0" y="0"/>
+          <a:chExt cx="0" cy="0"/>
+        </a:xfrm>
+      </p:grpSpPr>
+      <p:sp>
+        <p:nvSpPr>
+          <p:cNvPr id="2" name="1 Título"/>
+          <p:cNvSpPr>
+            <a:spLocks noGrp="1"/>
+          </p:cNvSpPr>
+          <p:nvPr>
+            <p:ph type="title"/>
+          </p:nvPr>
+        </p:nvSpPr>
+        <p:spPr/>
+        <p:txBody>
+          <a:bodyPr/>
+          <a:lstStyle/>
+          <a:p>
+            <a:r>
+              <a:rPr lang="es-ES" dirty="0" smtClean="0"/>
+              <a:t>Spread </a:t>
+            </a:r>
+            <a:r>
+              <a:rPr lang="es-ES" dirty="0" err="1" smtClean="0"/>
+              <a:t>spectrum</a:t>
+            </a:r>
+            <a:endParaRPr lang="es-ES" dirty="0"/>
+          </a:p>
+        </p:txBody>
+      </p:sp>
+      <p:sp>
+        <p:nvSpPr>
+          <p:cNvPr id="3" name="2 Marcador de contenido"/>
+          <p:cNvSpPr>
+            <a:spLocks noGrp="1"/>
+          </p:cNvSpPr>
+          <p:nvPr>
+            <p:ph idx="1"/>
+          </p:nvPr>
+        </p:nvSpPr>
+        <p:spPr/>
+        <p:txBody>
+          <a:bodyPr>
+            <a:normAutofit/>
+          </a:bodyPr>
+          <a:lstStyle/>
+          <a:p>
+            <a:endParaRPr lang="es-ES" dirty="0" smtClean="0"/>
+          </a:p>
+          <a:p>
+            <a:pPr algn="just"/>
+            <a:r>
+              <a:rPr lang="es-ES" dirty="0" smtClean="0"/>
+              <a:t>Tasa de transmisión de datos moderada.</a:t>
+            </a:r>
+          </a:p>
+          <a:p>
+            <a:pPr algn="just"/>
+            <a:endParaRPr lang="es-ES" dirty="0" smtClean="0"/>
+          </a:p>
+          <a:p>
+            <a:pPr algn="just"/>
+            <a:r>
+              <a:rPr lang="es-ES" dirty="0" smtClean="0"/>
+              <a:t>Nivel de robustez alto.</a:t>
+            </a:r>
+          </a:p>
+          <a:p>
+            <a:pPr algn="just"/>
+            <a:endParaRPr lang="es-ES" dirty="0" smtClean="0"/>
+          </a:p>
+          <a:p>
+            <a:pPr algn="just"/>
+            <a:r>
+              <a:rPr lang="es-ES" dirty="0" smtClean="0"/>
+              <a:t>Desventaja: Introduce ruido. </a:t>
+            </a:r>
+          </a:p>
+        </p:txBody>
+      </p:sp>
+    </p:spTree>
+  </p:cSld>
+  <p:clrMapOvr>
+    <a:masterClrMapping/>
+  </p:clrMapOvr>
+  <p:timing>
+    <p:tnLst>
+      <p:par>
+        <p:cTn id="1" dur="indefinite" restart="never" nodeType="tmRoot"/>
+      </p:par>
+    </p:tnLst>
+  </p:timing>
+</p:sld>
+</file>
+
+<file path=ppt/slides/slide45.xml><?xml version="1.0" encoding="utf-8"?>
+<p:sld xmlns:a="http://schemas.openxmlformats.org/drawingml/2006/main" xmlns:r="http://schemas.openxmlformats.org/officeDocument/2006/relationships" xmlns:p="http://schemas.openxmlformats.org/presentationml/2006/main">
+  <p:cSld>
+    <p:spTree>
+      <p:nvGrpSpPr>
+        <p:cNvPr id="1" name=""/>
+        <p:cNvGrpSpPr/>
+        <p:nvPr/>
+      </p:nvGrpSpPr>
+      <p:grpSpPr>
+        <a:xfrm>
+          <a:off x="0" y="0"/>
+          <a:ext cx="0" cy="0"/>
+          <a:chOff x="0" y="0"/>
+          <a:chExt cx="0" cy="0"/>
+        </a:xfrm>
+      </p:grpSpPr>
+      <p:sp>
+        <p:nvSpPr>
+          <p:cNvPr id="2" name="1 Título"/>
+          <p:cNvSpPr>
+            <a:spLocks noGrp="1"/>
+          </p:cNvSpPr>
+          <p:nvPr>
+            <p:ph type="title"/>
+          </p:nvPr>
+        </p:nvSpPr>
+        <p:spPr/>
+        <p:txBody>
+          <a:bodyPr/>
+          <a:lstStyle/>
+          <a:p>
+            <a:r>
+              <a:rPr lang="es-ES" dirty="0" smtClean="0"/>
+              <a:t>Spread </a:t>
+            </a:r>
+            <a:r>
+              <a:rPr lang="es-ES" dirty="0" err="1" smtClean="0"/>
+              <a:t>spectrum</a:t>
+            </a:r>
+            <a:endParaRPr lang="es-ES" dirty="0"/>
+          </a:p>
+        </p:txBody>
+      </p:sp>
+      <p:pic>
+        <p:nvPicPr>
+          <p:cNvPr id="4" name="8 Imagen" descr="spreadspectrum.gif"/>
+          <p:cNvPicPr>
+            <a:picLocks noGrp="1"/>
+          </p:cNvPicPr>
+          <p:nvPr>
+            <p:ph idx="1"/>
+          </p:nvPr>
+        </p:nvPicPr>
+        <p:blipFill>
+          <a:blip r:embed="rId2" cstate="print"/>
+          <a:stretch>
+            <a:fillRect/>
+          </a:stretch>
+        </p:blipFill>
+        <p:spPr>
+          <a:xfrm>
+            <a:off x="2651621" y="1935163"/>
+            <a:ext cx="3840757" cy="4389437"/>
+          </a:xfrm>
+          <a:prstGeom prst="rect">
+            <a:avLst/>
+          </a:prstGeom>
+        </p:spPr>
+      </p:pic>
+    </p:spTree>
+  </p:cSld>
+  <p:clrMapOvr>
+    <a:masterClrMapping/>
+  </p:clrMapOvr>
+  <p:timing>
+    <p:tnLst>
+      <p:par>
+        <p:cTn id="1" dur="indefinite" restart="never" nodeType="tmRoot"/>
+      </p:par>
+    </p:tnLst>
+  </p:timing>
+</p:sld>
+</file>
+
+<file path=ppt/slides/slide46.xml><?xml version="1.0" encoding="utf-8"?>
+<p:sld xmlns:a="http://schemas.openxmlformats.org/drawingml/2006/main" xmlns:r="http://schemas.openxmlformats.org/officeDocument/2006/relationships" xmlns:p="http://schemas.openxmlformats.org/presentationml/2006/main">
+  <p:cSld>
+    <p:spTree>
+      <p:nvGrpSpPr>
+        <p:cNvPr id="1" name=""/>
+        <p:cNvGrpSpPr/>
+        <p:nvPr/>
+      </p:nvGrpSpPr>
+      <p:grpSpPr>
+        <a:xfrm>
+          <a:off x="0" y="0"/>
+          <a:ext cx="0" cy="0"/>
+          <a:chOff x="0" y="0"/>
+          <a:chExt cx="0" cy="0"/>
+        </a:xfrm>
+      </p:grpSpPr>
+      <p:sp>
+        <p:nvSpPr>
+          <p:cNvPr id="2" name="1 Título"/>
+          <p:cNvSpPr>
+            <a:spLocks noGrp="1"/>
+          </p:cNvSpPr>
+          <p:nvPr>
+            <p:ph type="title"/>
+          </p:nvPr>
+        </p:nvSpPr>
+        <p:spPr>
+          <a:xfrm>
+            <a:off x="467544" y="1124744"/>
+            <a:ext cx="8229600" cy="1143000"/>
+          </a:xfrm>
+        </p:spPr>
+        <p:txBody>
+          <a:bodyPr>
+            <a:normAutofit fontScale="90000"/>
+          </a:bodyPr>
+          <a:lstStyle/>
+          <a:p>
+            <a:r>
+              <a:rPr lang="es-ES" dirty="0" err="1" smtClean="0"/>
+              <a:t>Esteganografía</a:t>
+            </a:r>
+            <a:r>
+              <a:rPr lang="es-ES" dirty="0" smtClean="0"/>
+              <a:t> de audio: métodos</a:t>
+            </a:r>
+            <a:endParaRPr lang="es-ES" dirty="0"/>
+          </a:p>
+        </p:txBody>
+      </p:sp>
+      <p:sp>
+        <p:nvSpPr>
+          <p:cNvPr id="3" name="2 Marcador de contenido"/>
+          <p:cNvSpPr>
+            <a:spLocks noGrp="1"/>
+          </p:cNvSpPr>
+          <p:nvPr>
+            <p:ph idx="1"/>
+          </p:nvPr>
+        </p:nvSpPr>
+        <p:spPr>
+          <a:xfrm>
+            <a:off x="467544" y="2852936"/>
+            <a:ext cx="8229600" cy="3597032"/>
+          </a:xfrm>
+        </p:spPr>
+        <p:txBody>
+          <a:bodyPr>
+            <a:normAutofit/>
+          </a:bodyPr>
+          <a:lstStyle/>
+          <a:p>
+            <a:r>
+              <a:rPr lang="es-ES" sz="3200" dirty="0" smtClean="0"/>
+              <a:t>LSB </a:t>
+            </a:r>
+            <a:r>
+              <a:rPr lang="es-ES" sz="3200" dirty="0" err="1" smtClean="0"/>
+              <a:t>coding</a:t>
+            </a:r>
+            <a:endParaRPr lang="es-ES" sz="3200" dirty="0" smtClean="0"/>
+          </a:p>
+          <a:p>
+            <a:pPr>
+              <a:buFont typeface="Wingdings 2" pitchFamily="18" charset="2"/>
+              <a:buChar char=""/>
+            </a:pPr>
+            <a:r>
+              <a:rPr lang="es-ES" sz="3200" dirty="0" err="1" smtClean="0"/>
+              <a:t>Parity</a:t>
+            </a:r>
+            <a:r>
+              <a:rPr lang="es-ES" sz="3200" dirty="0" smtClean="0"/>
+              <a:t> </a:t>
+            </a:r>
+            <a:r>
+              <a:rPr lang="es-ES" sz="3200" dirty="0" err="1" smtClean="0"/>
+              <a:t>coding</a:t>
+            </a:r>
+            <a:endParaRPr lang="es-ES" sz="3200" dirty="0" smtClean="0"/>
+          </a:p>
+          <a:p>
+            <a:pPr>
+              <a:buFont typeface="Wingdings 2" pitchFamily="18" charset="2"/>
+              <a:buChar char=""/>
+            </a:pPr>
+            <a:r>
+              <a:rPr lang="es-ES" sz="3200" dirty="0" err="1" smtClean="0"/>
+              <a:t>Phase</a:t>
+            </a:r>
+            <a:r>
+              <a:rPr lang="es-ES" sz="3200" dirty="0" smtClean="0"/>
+              <a:t> </a:t>
+            </a:r>
+            <a:r>
+              <a:rPr lang="es-ES" sz="3200" dirty="0" err="1" smtClean="0"/>
+              <a:t>coding</a:t>
+            </a:r>
+            <a:endParaRPr lang="es-ES" sz="3200" dirty="0" smtClean="0"/>
+          </a:p>
+          <a:p>
+            <a:pPr>
+              <a:buFont typeface="Wingdings 2" pitchFamily="18" charset="2"/>
+              <a:buChar char=""/>
+            </a:pPr>
+            <a:r>
+              <a:rPr lang="es-ES" sz="3200" dirty="0" smtClean="0"/>
+              <a:t>Spread </a:t>
+            </a:r>
+            <a:r>
+              <a:rPr lang="es-ES" sz="3200" dirty="0" err="1" smtClean="0"/>
+              <a:t>spectrum</a:t>
+            </a:r>
+            <a:endParaRPr lang="es-ES" sz="3200" dirty="0" smtClean="0"/>
+          </a:p>
+          <a:p>
+            <a:pPr>
+              <a:buFont typeface="Wingdings 2" pitchFamily="18" charset="2"/>
+              <a:buChar char=""/>
+            </a:pPr>
+            <a:r>
+              <a:rPr lang="es-ES" sz="3200" dirty="0" smtClean="0"/>
+              <a:t>Echo </a:t>
+            </a:r>
+            <a:r>
+              <a:rPr lang="es-ES" sz="3200" dirty="0" err="1" smtClean="0"/>
+              <a:t>hiding</a:t>
+            </a:r>
+            <a:endParaRPr lang="es-ES" sz="3200" dirty="0" smtClean="0"/>
+          </a:p>
+        </p:txBody>
+      </p:sp>
+    </p:spTree>
+  </p:cSld>
+  <p:clrMapOvr>
+    <a:masterClrMapping/>
+  </p:clrMapOvr>
+  <p:timing>
+    <p:tnLst>
+      <p:par>
+        <p:cTn id="1" dur="indefinite" restart="never" nodeType="tmRoot"/>
+      </p:par>
+    </p:tnLst>
+  </p:timing>
+</p:sld>
+</file>
+
+<file path=ppt/slides/slide47.xml><?xml version="1.0" encoding="utf-8"?>
+<p:sld xmlns:a="http://schemas.openxmlformats.org/drawingml/2006/main" xmlns:r="http://schemas.openxmlformats.org/officeDocument/2006/relationships" xmlns:p="http://schemas.openxmlformats.org/presentationml/2006/main">
+  <p:cSld>
+    <p:spTree>
+      <p:nvGrpSpPr>
+        <p:cNvPr id="1" name=""/>
+        <p:cNvGrpSpPr/>
+        <p:nvPr/>
+      </p:nvGrpSpPr>
+      <p:grpSpPr>
+        <a:xfrm>
+          <a:off x="0" y="0"/>
+          <a:ext cx="0" cy="0"/>
+          <a:chOff x="0" y="0"/>
+          <a:chExt cx="0" cy="0"/>
+        </a:xfrm>
+      </p:grpSpPr>
+      <p:sp>
+        <p:nvSpPr>
+          <p:cNvPr id="2" name="1 Título"/>
+          <p:cNvSpPr>
+            <a:spLocks noGrp="1"/>
+          </p:cNvSpPr>
+          <p:nvPr>
+            <p:ph type="title"/>
+          </p:nvPr>
+        </p:nvSpPr>
+        <p:spPr/>
+        <p:txBody>
+          <a:bodyPr/>
+          <a:lstStyle/>
+          <a:p>
+            <a:r>
+              <a:rPr lang="es-ES" dirty="0" smtClean="0"/>
+              <a:t>Echo </a:t>
+            </a:r>
+            <a:r>
+              <a:rPr lang="es-ES" dirty="0" err="1" smtClean="0"/>
+              <a:t>hiding</a:t>
+            </a:r>
+            <a:endParaRPr lang="es-ES" dirty="0"/>
+          </a:p>
+        </p:txBody>
+      </p:sp>
+      <p:sp>
+        <p:nvSpPr>
+          <p:cNvPr id="3" name="2 Marcador de contenido"/>
+          <p:cNvSpPr>
+            <a:spLocks noGrp="1"/>
+          </p:cNvSpPr>
+          <p:nvPr>
+            <p:ph idx="1"/>
+          </p:nvPr>
+        </p:nvSpPr>
+        <p:spPr/>
+        <p:txBody>
+          <a:bodyPr/>
+          <a:lstStyle/>
+          <a:p>
+            <a:pPr algn="just"/>
+            <a:endParaRPr lang="es-ES" dirty="0" smtClean="0"/>
+          </a:p>
+          <a:p>
+            <a:pPr algn="just"/>
+            <a:r>
+              <a:rPr lang="es-ES" dirty="0" smtClean="0"/>
+              <a:t>Introducir eco en la señal discreta.</a:t>
+            </a:r>
+          </a:p>
+          <a:p>
+            <a:pPr algn="just"/>
+            <a:endParaRPr lang="es-ES" dirty="0" smtClean="0"/>
+          </a:p>
+          <a:p>
+            <a:pPr algn="just"/>
+            <a:r>
+              <a:rPr lang="es-ES" dirty="0" smtClean="0"/>
+              <a:t>Tres parámetros del eco.</a:t>
+            </a:r>
+          </a:p>
+          <a:p>
+            <a:pPr lvl="1" algn="just"/>
+            <a:r>
+              <a:rPr lang="es-ES" dirty="0" smtClean="0"/>
+              <a:t>Amplitud</a:t>
+            </a:r>
+          </a:p>
+          <a:p>
+            <a:pPr lvl="1" algn="just"/>
+            <a:r>
+              <a:rPr lang="es-ES" dirty="0" smtClean="0"/>
+              <a:t>Decadencia</a:t>
+            </a:r>
+          </a:p>
+          <a:p>
+            <a:pPr lvl="1" algn="just"/>
+            <a:r>
+              <a:rPr lang="es-ES" dirty="0" smtClean="0"/>
+              <a:t>Offset (retraso)</a:t>
+            </a:r>
+          </a:p>
+          <a:p>
+            <a:pPr algn="just"/>
+            <a:endParaRPr lang="es-ES" dirty="0" smtClean="0"/>
+          </a:p>
+          <a:p>
+            <a:pPr algn="just"/>
+            <a:r>
+              <a:rPr lang="es-ES" dirty="0" smtClean="0"/>
+              <a:t>Valores inferiores al umbral del oído humano.</a:t>
+            </a:r>
+          </a:p>
+        </p:txBody>
+      </p:sp>
+    </p:spTree>
+  </p:cSld>
+  <p:clrMapOvr>
+    <a:masterClrMapping/>
+  </p:clrMapOvr>
+  <p:timing>
+    <p:tnLst>
+      <p:par>
+        <p:cTn id="1" dur="indefinite" restart="never" nodeType="tmRoot"/>
+      </p:par>
+    </p:tnLst>
+  </p:timing>
+</p:sld>
+</file>
+
+<file path=ppt/slides/slide48.xml><?xml version="1.0" encoding="utf-8"?>
+<p:sld xmlns:a="http://schemas.openxmlformats.org/drawingml/2006/main" xmlns:r="http://schemas.openxmlformats.org/officeDocument/2006/relationships" xmlns:p="http://schemas.openxmlformats.org/presentationml/2006/main">
+  <p:cSld>
+    <p:spTree>
+      <p:nvGrpSpPr>
+        <p:cNvPr id="1" name=""/>
+        <p:cNvGrpSpPr/>
+        <p:nvPr/>
+      </p:nvGrpSpPr>
+      <p:grpSpPr>
+        <a:xfrm>
+          <a:off x="0" y="0"/>
+          <a:ext cx="0" cy="0"/>
+          <a:chOff x="0" y="0"/>
+          <a:chExt cx="0" cy="0"/>
+        </a:xfrm>
+      </p:grpSpPr>
+      <p:sp>
+        <p:nvSpPr>
+          <p:cNvPr id="2" name="1 Título"/>
+          <p:cNvSpPr>
+            <a:spLocks noGrp="1"/>
+          </p:cNvSpPr>
+          <p:nvPr>
+            <p:ph type="title"/>
+          </p:nvPr>
+        </p:nvSpPr>
+        <p:spPr/>
+        <p:txBody>
+          <a:bodyPr/>
+          <a:lstStyle/>
+          <a:p>
+            <a:r>
+              <a:rPr lang="es-ES" dirty="0" smtClean="0"/>
+              <a:t>Echo </a:t>
+            </a:r>
+            <a:r>
+              <a:rPr lang="es-ES" dirty="0" err="1" smtClean="0"/>
+              <a:t>hiding</a:t>
+            </a:r>
+            <a:r>
+              <a:rPr lang="es-ES" dirty="0" smtClean="0"/>
+              <a:t>: Ejemplo</a:t>
+            </a:r>
+            <a:endParaRPr lang="es-ES" dirty="0"/>
+          </a:p>
+        </p:txBody>
+      </p:sp>
+      <p:sp>
+        <p:nvSpPr>
+          <p:cNvPr id="3" name="2 Marcador de contenido"/>
+          <p:cNvSpPr>
+            <a:spLocks noGrp="1"/>
+          </p:cNvSpPr>
+          <p:nvPr>
+            <p:ph idx="1"/>
+          </p:nvPr>
+        </p:nvSpPr>
+        <p:spPr/>
+        <p:txBody>
+          <a:bodyPr/>
+          <a:lstStyle/>
+          <a:p>
+            <a:pPr algn="just"/>
+            <a:endParaRPr lang="es-ES" dirty="0" smtClean="0"/>
+          </a:p>
+          <a:p>
+            <a:pPr algn="just"/>
+            <a:r>
+              <a:rPr lang="es-ES" dirty="0" smtClean="0"/>
+              <a:t>Mensaje: “HEY”</a:t>
+            </a:r>
+          </a:p>
+          <a:p>
+            <a:pPr algn="just"/>
+            <a:endParaRPr lang="es-ES" dirty="0" smtClean="0"/>
+          </a:p>
+          <a:p>
+            <a:pPr algn="just"/>
+            <a:r>
+              <a:rPr lang="es-ES" dirty="0" smtClean="0"/>
+              <a:t>La señal se divide en bloques antes del a inserción.</a:t>
+            </a:r>
+          </a:p>
+          <a:p>
+            <a:pPr algn="just"/>
+            <a:endParaRPr lang="es-ES" dirty="0" smtClean="0"/>
+          </a:p>
+          <a:p>
+            <a:pPr algn="just"/>
+            <a:r>
+              <a:rPr lang="es-ES" dirty="0" smtClean="0"/>
+              <a:t>Se le asigna un ‘0’ o un ‘1’ en función del mensaje a ocultar.</a:t>
+            </a:r>
+          </a:p>
+          <a:p>
+            <a:pPr algn="just">
+              <a:buNone/>
+            </a:pPr>
+            <a:endParaRPr lang="es-ES" dirty="0" smtClean="0"/>
+          </a:p>
+          <a:p>
+            <a:pPr algn="just"/>
+            <a:endParaRPr lang="es-ES" dirty="0" smtClean="0"/>
+          </a:p>
+          <a:p>
+            <a:pPr algn="just"/>
+            <a:endParaRPr lang="es-ES" dirty="0" smtClean="0"/>
+          </a:p>
+          <a:p>
+            <a:pPr algn="just"/>
+            <a:endParaRPr lang="es-ES" dirty="0" smtClean="0"/>
+          </a:p>
+          <a:p>
+            <a:pPr algn="just"/>
+            <a:endParaRPr lang="es-ES" dirty="0" smtClean="0"/>
+          </a:p>
+        </p:txBody>
+      </p:sp>
+      <p:pic>
+        <p:nvPicPr>
+          <p:cNvPr id="5" name="Picture 2"/>
+          <p:cNvPicPr>
+            <a:picLocks noChangeAspect="1" noChangeArrowheads="1"/>
+          </p:cNvPicPr>
+          <p:nvPr/>
+        </p:nvPicPr>
+        <p:blipFill>
+          <a:blip r:embed="rId2" cstate="print"/>
+          <a:srcRect/>
+          <a:stretch>
+            <a:fillRect/>
+          </a:stretch>
+        </p:blipFill>
+        <p:spPr bwMode="auto">
+          <a:xfrm>
+            <a:off x="1547664" y="5157192"/>
+            <a:ext cx="5924550" cy="790575"/>
+          </a:xfrm>
+          <a:prstGeom prst="rect">
+            <a:avLst/>
+          </a:prstGeom>
+          <a:noFill/>
+          <a:ln w="9525">
+            <a:noFill/>
+            <a:miter lim="800000"/>
+            <a:headEnd/>
+            <a:tailEnd/>
+          </a:ln>
+        </p:spPr>
+      </p:pic>
+    </p:spTree>
+  </p:cSld>
+  <p:clrMapOvr>
+    <a:masterClrMapping/>
+  </p:clrMapOvr>
+  <p:timing>
+    <p:tnLst>
+      <p:par>
+        <p:cTn id="1" dur="indefinite" restart="never" nodeType="tmRoot"/>
+      </p:par>
+    </p:tnLst>
+  </p:timing>
+</p:sld>
+</file>
+
+<file path=ppt/slides/slide49.xml><?xml version="1.0" encoding="utf-8"?>
+<p:sld xmlns:a="http://schemas.openxmlformats.org/drawingml/2006/main" xmlns:r="http://schemas.openxmlformats.org/officeDocument/2006/relationships" xmlns:p="http://schemas.openxmlformats.org/presentationml/2006/main">
+  <p:cSld>
+    <p:spTree>
+      <p:nvGrpSpPr>
+        <p:cNvPr id="1" name=""/>
+        <p:cNvGrpSpPr/>
+        <p:nvPr/>
+      </p:nvGrpSpPr>
+      <p:grpSpPr>
+        <a:xfrm>
+          <a:off x="0" y="0"/>
+          <a:ext cx="0" cy="0"/>
+          <a:chOff x="0" y="0"/>
+          <a:chExt cx="0" cy="0"/>
+        </a:xfrm>
+      </p:grpSpPr>
+      <p:sp>
+        <p:nvSpPr>
+          <p:cNvPr id="2" name="1 Título"/>
+          <p:cNvSpPr>
+            <a:spLocks noGrp="1"/>
+          </p:cNvSpPr>
+          <p:nvPr>
+            <p:ph type="title"/>
+          </p:nvPr>
+        </p:nvSpPr>
+        <p:spPr/>
+        <p:txBody>
+          <a:bodyPr/>
+          <a:lstStyle/>
+          <a:p>
+            <a:r>
+              <a:rPr lang="es-ES" dirty="0" smtClean="0"/>
+              <a:t>Echo </a:t>
+            </a:r>
+            <a:r>
+              <a:rPr lang="es-ES" dirty="0" err="1" smtClean="0"/>
+              <a:t>hiding</a:t>
+            </a:r>
+            <a:endParaRPr lang="es-ES" dirty="0"/>
+          </a:p>
+        </p:txBody>
+      </p:sp>
+      <p:sp>
+        <p:nvSpPr>
+          <p:cNvPr id="3" name="2 Marcador de contenido"/>
+          <p:cNvSpPr>
+            <a:spLocks noGrp="1"/>
+          </p:cNvSpPr>
+          <p:nvPr>
+            <p:ph idx="1"/>
+          </p:nvPr>
+        </p:nvSpPr>
+        <p:spPr/>
+        <p:txBody>
+          <a:bodyPr/>
+          <a:lstStyle/>
+          <a:p>
+            <a:pPr algn="just"/>
+            <a:endParaRPr lang="es-ES" dirty="0" smtClean="0"/>
+          </a:p>
+          <a:p>
+            <a:pPr algn="just"/>
+            <a:r>
+              <a:rPr lang="es-ES" dirty="0" smtClean="0"/>
+              <a:t>Se inserta la información necesaria en cada bloque.</a:t>
+            </a:r>
+          </a:p>
+          <a:p>
+            <a:pPr algn="just"/>
+            <a:endParaRPr lang="es-ES" dirty="0" smtClean="0"/>
+          </a:p>
+          <a:p>
+            <a:pPr algn="just"/>
+            <a:endParaRPr lang="es-ES" dirty="0" smtClean="0"/>
+          </a:p>
+          <a:p>
+            <a:pPr algn="just"/>
+            <a:endParaRPr lang="es-ES" dirty="0" smtClean="0"/>
+          </a:p>
+        </p:txBody>
+      </p:sp>
+      <p:pic>
+        <p:nvPicPr>
+          <p:cNvPr id="7" name="Picture 2"/>
+          <p:cNvPicPr>
+            <a:picLocks noChangeAspect="1" noChangeArrowheads="1"/>
+          </p:cNvPicPr>
+          <p:nvPr/>
+        </p:nvPicPr>
+        <p:blipFill>
+          <a:blip r:embed="rId2" cstate="print"/>
+          <a:srcRect/>
+          <a:stretch>
+            <a:fillRect/>
+          </a:stretch>
+        </p:blipFill>
+        <p:spPr bwMode="auto">
+          <a:xfrm>
+            <a:off x="1979712" y="3060846"/>
+            <a:ext cx="4752528" cy="3480725"/>
+          </a:xfrm>
+          <a:prstGeom prst="rect">
+            <a:avLst/>
+          </a:prstGeom>
+          <a:noFill/>
+          <a:ln w="9525">
+            <a:noFill/>
+            <a:miter lim="800000"/>
+            <a:headEnd/>
+            <a:tailEnd/>
+          </a:ln>
+        </p:spPr>
+      </p:pic>
     </p:spTree>
   </p:cSld>
   <p:clrMapOvr>
@@ -7723,7 +10845,7 @@
             </a:r>
             <a:r>
               <a:rPr lang="es-ES" dirty="0" smtClean="0"/>
-              <a:t>: fundamentos</a:t>
+              <a:t>: introducción</a:t>
             </a:r>
             <a:endParaRPr lang="es-ES" dirty="0"/>
           </a:p>
@@ -7739,6 +10861,156 @@
             <p:ph idx="1"/>
           </p:nvPr>
         </p:nvSpPr>
+        <p:spPr>
+          <a:xfrm>
+            <a:off x="395536" y="2132856"/>
+            <a:ext cx="8229600" cy="4389120"/>
+          </a:xfrm>
+        </p:spPr>
+        <p:txBody>
+          <a:bodyPr/>
+          <a:lstStyle/>
+          <a:p>
+            <a:pPr algn="just"/>
+            <a:endParaRPr lang="es-ES" dirty="0" smtClean="0"/>
+          </a:p>
+          <a:p>
+            <a:pPr algn="just"/>
+            <a:r>
+              <a:rPr lang="es-ES" dirty="0" smtClean="0"/>
+              <a:t>Disciplina de ocultamiento de mensajes y objetos.</a:t>
+            </a:r>
+          </a:p>
+          <a:p>
+            <a:pPr algn="just">
+              <a:buNone/>
+            </a:pPr>
+            <a:endParaRPr lang="es-ES" dirty="0" smtClean="0"/>
+          </a:p>
+          <a:p>
+            <a:pPr algn="just"/>
+            <a:r>
+              <a:rPr lang="es-ES" dirty="0" smtClean="0"/>
+              <a:t>Distinta a la </a:t>
+            </a:r>
+            <a:r>
+              <a:rPr lang="es-ES" b="1" dirty="0" smtClean="0"/>
+              <a:t>criptografía</a:t>
+            </a:r>
+            <a:r>
+              <a:rPr lang="es-ES" dirty="0" smtClean="0"/>
+              <a:t>.</a:t>
+            </a:r>
+          </a:p>
+          <a:p>
+            <a:pPr algn="just"/>
+            <a:endParaRPr lang="es-ES" dirty="0" smtClean="0"/>
+          </a:p>
+          <a:p>
+            <a:pPr algn="just"/>
+            <a:r>
+              <a:rPr lang="es-ES" dirty="0" smtClean="0"/>
+              <a:t>Criptografía + </a:t>
+            </a:r>
+            <a:r>
+              <a:rPr lang="es-ES" dirty="0" err="1" smtClean="0"/>
+              <a:t>Esteganografía</a:t>
+            </a:r>
+            <a:endParaRPr lang="es-ES" dirty="0" smtClean="0"/>
+          </a:p>
+          <a:p>
+            <a:pPr algn="just">
+              <a:buNone/>
+            </a:pPr>
+            <a:r>
+              <a:rPr lang="es-ES" dirty="0" smtClean="0"/>
+              <a:t> 			</a:t>
+            </a:r>
+          </a:p>
+        </p:txBody>
+      </p:sp>
+      <p:sp>
+        <p:nvSpPr>
+          <p:cNvPr id="5" name="4 Flecha abajo"/>
+          <p:cNvSpPr/>
+          <p:nvPr/>
+        </p:nvSpPr>
+        <p:spPr>
+          <a:xfrm>
+            <a:off x="2555776" y="5085184"/>
+            <a:ext cx="288032" cy="432048"/>
+          </a:xfrm>
+          <a:prstGeom prst="downArrow">
+            <a:avLst/>
+          </a:prstGeom>
+        </p:spPr>
+        <p:style>
+          <a:lnRef idx="2">
+            <a:schemeClr val="accent1">
+              <a:shade val="50000"/>
+            </a:schemeClr>
+          </a:lnRef>
+          <a:fillRef idx="1">
+            <a:schemeClr val="accent1"/>
+          </a:fillRef>
+          <a:effectRef idx="0">
+            <a:schemeClr val="accent1"/>
+          </a:effectRef>
+          <a:fontRef idx="minor">
+            <a:schemeClr val="lt1"/>
+          </a:fontRef>
+        </p:style>
+        <p:txBody>
+          <a:bodyPr rtlCol="0" anchor="ctr"/>
+          <a:lstStyle/>
+          <a:p>
+            <a:pPr algn="ctr"/>
+            <a:endParaRPr lang="es-ES"/>
+          </a:p>
+        </p:txBody>
+      </p:sp>
+    </p:spTree>
+  </p:cSld>
+  <p:clrMapOvr>
+    <a:masterClrMapping/>
+  </p:clrMapOvr>
+  <p:timing>
+    <p:tnLst>
+      <p:par>
+        <p:cTn id="1" dur="indefinite" restart="never" nodeType="tmRoot"/>
+      </p:par>
+    </p:tnLst>
+  </p:timing>
+</p:sld>
+</file>
+
+<file path=ppt/slides/slide50.xml><?xml version="1.0" encoding="utf-8"?>
+<p:sld xmlns:a="http://schemas.openxmlformats.org/drawingml/2006/main" xmlns:r="http://schemas.openxmlformats.org/officeDocument/2006/relationships" xmlns:p="http://schemas.openxmlformats.org/presentationml/2006/main">
+  <p:cSld>
+    <p:spTree>
+      <p:nvGrpSpPr>
+        <p:cNvPr id="1" name=""/>
+        <p:cNvGrpSpPr/>
+        <p:nvPr/>
+      </p:nvGrpSpPr>
+      <p:grpSpPr>
+        <a:xfrm>
+          <a:off x="0" y="0"/>
+          <a:ext cx="0" cy="0"/>
+          <a:chOff x="0" y="0"/>
+          <a:chExt cx="0" cy="0"/>
+        </a:xfrm>
+      </p:grpSpPr>
+      <p:sp>
+        <p:nvSpPr>
+          <p:cNvPr id="2" name="1 Título"/>
+          <p:cNvSpPr>
+            <a:spLocks noGrp="1"/>
+          </p:cNvSpPr>
+          <p:nvPr>
+            <p:ph type="title"/>
+          </p:nvPr>
+        </p:nvSpPr>
         <p:spPr/>
         <p:txBody>
           <a:bodyPr/>
@@ -7746,83 +11018,404 @@
           <a:p>
             <a:r>
               <a:rPr lang="es-ES" dirty="0" smtClean="0"/>
-              <a:t>Explota </a:t>
-            </a:r>
-            <a:r>
-              <a:rPr lang="es-ES" dirty="0" smtClean="0"/>
-              <a:t>las limitaciones de la percepción humana (visión, oído, etc.).</a:t>
-            </a:r>
-          </a:p>
-          <a:p>
-            <a:r>
-              <a:rPr lang="es-ES" dirty="0" smtClean="0"/>
-              <a:t>Se </a:t>
-            </a:r>
-            <a:r>
-              <a:rPr lang="es-ES" dirty="0" smtClean="0"/>
-              <a:t>basa </a:t>
-            </a:r>
-            <a:r>
-              <a:rPr lang="es-ES" dirty="0" smtClean="0"/>
-              <a:t>en llevar a cabo pequeños cambios en los objetos </a:t>
-            </a:r>
-            <a:r>
-              <a:rPr lang="es-ES" dirty="0" smtClean="0"/>
-              <a:t>portadores de forma que </a:t>
-            </a:r>
-            <a:r>
-              <a:rPr lang="es-ES" dirty="0" smtClean="0"/>
-              <a:t>resulten imperceptibles para una persona.</a:t>
-            </a:r>
-          </a:p>
-          <a:p>
-            <a:r>
-              <a:rPr lang="es-ES" dirty="0" smtClean="0"/>
-              <a:t>E</a:t>
-            </a:r>
-            <a:r>
-              <a:rPr lang="es-ES" dirty="0" smtClean="0"/>
-              <a:t>s invasiva</a:t>
-            </a:r>
-            <a:r>
-              <a:rPr lang="es-ES" dirty="0" smtClean="0"/>
-              <a:t> </a:t>
-            </a:r>
-            <a:r>
-              <a:rPr lang="es-ES" dirty="0" smtClean="0"/>
-              <a:t>=&gt;</a:t>
-            </a:r>
-            <a:r>
-              <a:rPr lang="es-ES" dirty="0" smtClean="0"/>
-              <a:t> </a:t>
-            </a:r>
-            <a:r>
-              <a:rPr lang="es-ES" dirty="0" smtClean="0"/>
-              <a:t>las técnicas de </a:t>
+              <a:t>Echo </a:t>
             </a:r>
             <a:r>
               <a:rPr lang="es-ES" dirty="0" err="1" smtClean="0"/>
-              <a:t>esteganálisis</a:t>
-            </a:r>
-            <a:r>
-              <a:rPr lang="es-ES" dirty="0" smtClean="0"/>
-              <a:t> se basan en cómo detectar </a:t>
-            </a:r>
-            <a:r>
-              <a:rPr lang="es-ES" dirty="0" smtClean="0"/>
-              <a:t>las huellas dejadas durante el ocultamiento</a:t>
+              <a:t>hiding</a:t>
+            </a:r>
+            <a:endParaRPr lang="es-ES" dirty="0"/>
+          </a:p>
+        </p:txBody>
+      </p:sp>
+      <p:sp>
+        <p:nvSpPr>
+          <p:cNvPr id="3" name="2 Marcador de contenido"/>
+          <p:cNvSpPr>
+            <a:spLocks noGrp="1"/>
+          </p:cNvSpPr>
+          <p:nvPr>
+            <p:ph idx="1"/>
+          </p:nvPr>
+        </p:nvSpPr>
+        <p:spPr/>
+        <p:txBody>
+          <a:bodyPr/>
+          <a:lstStyle/>
+          <a:p>
+            <a:pPr algn="just"/>
+            <a:endParaRPr lang="es-ES" dirty="0" smtClean="0"/>
+          </a:p>
+          <a:p>
+            <a:pPr algn="just"/>
+            <a:r>
+              <a:rPr lang="es-ES" dirty="0" smtClean="0"/>
+              <a:t>Finalmente los bloques se recombinan para formar la señal final.</a:t>
+            </a:r>
+          </a:p>
+          <a:p>
+            <a:pPr algn="just"/>
+            <a:endParaRPr lang="es-ES" dirty="0" smtClean="0"/>
+          </a:p>
+          <a:p>
+            <a:pPr algn="just"/>
+            <a:r>
+              <a:rPr lang="es-ES" dirty="0" smtClean="0"/>
+              <a:t>Problema: Mezcla de ecos considerable, lo que incrementa el riesgo de detección.</a:t>
+            </a:r>
+          </a:p>
+          <a:p>
+            <a:pPr algn="just"/>
+            <a:endParaRPr lang="es-ES" dirty="0" smtClean="0"/>
+          </a:p>
+          <a:p>
+            <a:pPr algn="just"/>
+            <a:r>
+              <a:rPr lang="es-ES" dirty="0" smtClean="0"/>
+              <a:t>Solución: Una nueva implementación de eco </a:t>
+            </a:r>
+            <a:r>
+              <a:rPr lang="es-ES" dirty="0" err="1" smtClean="0"/>
+              <a:t>hiding</a:t>
             </a:r>
             <a:r>
               <a:rPr lang="es-ES" dirty="0" smtClean="0"/>
               <a:t>.</a:t>
             </a:r>
+          </a:p>
+          <a:p>
+            <a:pPr algn="just"/>
             <a:endParaRPr lang="es-ES" dirty="0" smtClean="0"/>
           </a:p>
           <a:p>
+            <a:pPr algn="just"/>
+            <a:endParaRPr lang="es-ES" dirty="0" smtClean="0"/>
+          </a:p>
+          <a:p>
+            <a:pPr algn="just"/>
+            <a:endParaRPr lang="es-ES" dirty="0" smtClean="0"/>
+          </a:p>
+        </p:txBody>
+      </p:sp>
+    </p:spTree>
+  </p:cSld>
+  <p:clrMapOvr>
+    <a:masterClrMapping/>
+  </p:clrMapOvr>
+  <p:timing>
+    <p:tnLst>
+      <p:par>
+        <p:cTn id="1" dur="indefinite" restart="never" nodeType="tmRoot"/>
+      </p:par>
+    </p:tnLst>
+  </p:timing>
+</p:sld>
+</file>
+
+<file path=ppt/slides/slide51.xml><?xml version="1.0" encoding="utf-8"?>
+<p:sld xmlns:a="http://schemas.openxmlformats.org/drawingml/2006/main" xmlns:r="http://schemas.openxmlformats.org/officeDocument/2006/relationships" xmlns:p="http://schemas.openxmlformats.org/presentationml/2006/main">
+  <p:cSld>
+    <p:spTree>
+      <p:nvGrpSpPr>
+        <p:cNvPr id="1" name=""/>
+        <p:cNvGrpSpPr/>
+        <p:nvPr/>
+      </p:nvGrpSpPr>
+      <p:grpSpPr>
+        <a:xfrm>
+          <a:off x="0" y="0"/>
+          <a:ext cx="0" cy="0"/>
+          <a:chOff x="0" y="0"/>
+          <a:chExt cx="0" cy="0"/>
+        </a:xfrm>
+      </p:grpSpPr>
+      <p:sp>
+        <p:nvSpPr>
+          <p:cNvPr id="2" name="1 Título"/>
+          <p:cNvSpPr>
+            <a:spLocks noGrp="1"/>
+          </p:cNvSpPr>
+          <p:nvPr>
+            <p:ph type="title"/>
+          </p:nvPr>
+        </p:nvSpPr>
+        <p:spPr/>
+        <p:txBody>
+          <a:bodyPr/>
+          <a:lstStyle/>
+          <a:p>
+            <a:r>
+              <a:rPr lang="es-ES" dirty="0" smtClean="0"/>
+              <a:t>Echo </a:t>
+            </a:r>
+            <a:r>
+              <a:rPr lang="es-ES" dirty="0" err="1" smtClean="0"/>
+              <a:t>hiding</a:t>
+            </a:r>
+            <a:r>
+              <a:rPr lang="es-ES" dirty="0" smtClean="0"/>
+              <a:t>: Implementación(II)</a:t>
+            </a:r>
             <a:endParaRPr lang="es-ES" dirty="0"/>
           </a:p>
         </p:txBody>
       </p:sp>
+      <p:sp>
+        <p:nvSpPr>
+          <p:cNvPr id="3" name="2 Marcador de contenido"/>
+          <p:cNvSpPr>
+            <a:spLocks noGrp="1"/>
+          </p:cNvSpPr>
+          <p:nvPr>
+            <p:ph idx="1"/>
+          </p:nvPr>
+        </p:nvSpPr>
+        <p:spPr/>
+        <p:txBody>
+          <a:bodyPr/>
+          <a:lstStyle/>
+          <a:p>
+            <a:pPr algn="just"/>
+            <a:endParaRPr lang="es-ES" dirty="0" smtClean="0"/>
+          </a:p>
+          <a:p>
+            <a:pPr algn="just"/>
+            <a:r>
+              <a:rPr lang="es-ES" dirty="0" smtClean="0"/>
+              <a:t>Se crean dos señales:</a:t>
+            </a:r>
+          </a:p>
+          <a:p>
+            <a:pPr lvl="1" algn="just"/>
+            <a:r>
+              <a:rPr lang="es-ES" dirty="0" smtClean="0"/>
+              <a:t>Señal de eco utilizando el offset asociado al 0 binario.</a:t>
+            </a:r>
+          </a:p>
+          <a:p>
+            <a:pPr lvl="1" algn="just"/>
+            <a:r>
+              <a:rPr lang="es-ES" dirty="0" smtClean="0"/>
+              <a:t>Señal de eco utilizando el offset asociado al 1 binario.</a:t>
+            </a:r>
+          </a:p>
+          <a:p>
+            <a:pPr algn="just"/>
+            <a:endParaRPr lang="es-ES" dirty="0" smtClean="0"/>
+          </a:p>
+          <a:p>
+            <a:pPr algn="just"/>
+            <a:r>
+              <a:rPr lang="es-ES" dirty="0" smtClean="0"/>
+              <a:t>Se combinan ambas usando dos señales de mezcla.</a:t>
+            </a:r>
+          </a:p>
+          <a:p>
+            <a:pPr lvl="1" algn="just"/>
+            <a:r>
+              <a:rPr lang="es-ES" dirty="0" smtClean="0"/>
+              <a:t>Señal de eco “cero”</a:t>
+            </a:r>
+          </a:p>
+          <a:p>
+            <a:pPr lvl="1" algn="just"/>
+            <a:endParaRPr lang="es-ES" dirty="0" smtClean="0"/>
+          </a:p>
+          <a:p>
+            <a:pPr algn="just"/>
+            <a:endParaRPr lang="es-ES" dirty="0" smtClean="0"/>
+          </a:p>
+          <a:p>
+            <a:pPr algn="just"/>
+            <a:endParaRPr lang="es-ES" dirty="0" smtClean="0"/>
+          </a:p>
+          <a:p>
+            <a:pPr algn="just"/>
+            <a:endParaRPr lang="es-ES" dirty="0" smtClean="0"/>
+          </a:p>
+        </p:txBody>
+      </p:sp>
+      <p:pic>
+        <p:nvPicPr>
+          <p:cNvPr id="5" name="Picture 2"/>
+          <p:cNvPicPr>
+            <a:picLocks noChangeAspect="1" noChangeArrowheads="1"/>
+          </p:cNvPicPr>
+          <p:nvPr/>
+        </p:nvPicPr>
+        <p:blipFill>
+          <a:blip r:embed="rId2" cstate="print"/>
+          <a:srcRect/>
+          <a:stretch>
+            <a:fillRect/>
+          </a:stretch>
+        </p:blipFill>
+        <p:spPr bwMode="auto">
+          <a:xfrm>
+            <a:off x="1547664" y="5229200"/>
+            <a:ext cx="5829300" cy="781050"/>
+          </a:xfrm>
+          <a:prstGeom prst="rect">
+            <a:avLst/>
+          </a:prstGeom>
+          <a:noFill/>
+          <a:ln w="9525">
+            <a:noFill/>
+            <a:miter lim="800000"/>
+            <a:headEnd/>
+            <a:tailEnd/>
+          </a:ln>
+        </p:spPr>
+      </p:pic>
+    </p:spTree>
+  </p:cSld>
+  <p:clrMapOvr>
+    <a:masterClrMapping/>
+  </p:clrMapOvr>
+  <p:timing>
+    <p:tnLst>
+      <p:par>
+        <p:cTn id="1" dur="indefinite" restart="never" nodeType="tmRoot"/>
+      </p:par>
+    </p:tnLst>
+  </p:timing>
+</p:sld>
+</file>
+
+<file path=ppt/slides/slide52.xml><?xml version="1.0" encoding="utf-8"?>
+<p:sld xmlns:a="http://schemas.openxmlformats.org/drawingml/2006/main" xmlns:r="http://schemas.openxmlformats.org/officeDocument/2006/relationships" xmlns:p="http://schemas.openxmlformats.org/presentationml/2006/main">
+  <p:cSld>
+    <p:spTree>
+      <p:nvGrpSpPr>
+        <p:cNvPr id="1" name=""/>
+        <p:cNvGrpSpPr/>
+        <p:nvPr/>
+      </p:nvGrpSpPr>
+      <p:grpSpPr>
+        <a:xfrm>
+          <a:off x="0" y="0"/>
+          <a:ext cx="0" cy="0"/>
+          <a:chOff x="0" y="0"/>
+          <a:chExt cx="0" cy="0"/>
+        </a:xfrm>
+      </p:grpSpPr>
+      <p:sp>
+        <p:nvSpPr>
+          <p:cNvPr id="2" name="1 Título"/>
+          <p:cNvSpPr>
+            <a:spLocks noGrp="1"/>
+          </p:cNvSpPr>
+          <p:nvPr>
+            <p:ph type="title"/>
+          </p:nvPr>
+        </p:nvSpPr>
+        <p:spPr/>
+        <p:txBody>
+          <a:bodyPr/>
+          <a:lstStyle/>
+          <a:p>
+            <a:r>
+              <a:rPr lang="es-ES" dirty="0" smtClean="0"/>
+              <a:t>Echo </a:t>
+            </a:r>
+            <a:r>
+              <a:rPr lang="es-ES" dirty="0" err="1" smtClean="0"/>
+              <a:t>hiding</a:t>
+            </a:r>
+            <a:r>
+              <a:rPr lang="es-ES" dirty="0" smtClean="0"/>
+              <a:t>: Implementación(II)</a:t>
+            </a:r>
+            <a:endParaRPr lang="es-ES" dirty="0"/>
+          </a:p>
+        </p:txBody>
+      </p:sp>
+      <p:sp>
+        <p:nvSpPr>
+          <p:cNvPr id="3" name="2 Marcador de contenido"/>
+          <p:cNvSpPr>
+            <a:spLocks noGrp="1"/>
+          </p:cNvSpPr>
+          <p:nvPr>
+            <p:ph idx="1"/>
+          </p:nvPr>
+        </p:nvSpPr>
+        <p:spPr/>
+        <p:txBody>
+          <a:bodyPr/>
+          <a:lstStyle/>
+          <a:p>
+            <a:pPr algn="just"/>
+            <a:endParaRPr lang="es-ES" dirty="0" smtClean="0"/>
+          </a:p>
+          <a:p>
+            <a:pPr algn="just"/>
+            <a:r>
+              <a:rPr lang="es-ES" dirty="0" smtClean="0"/>
+              <a:t>Se combinan ambas usando dos señales de mezcla.</a:t>
+            </a:r>
+          </a:p>
+          <a:p>
+            <a:pPr lvl="1" algn="just"/>
+            <a:r>
+              <a:rPr lang="es-ES" dirty="0" smtClean="0"/>
+              <a:t>Señal de eco “uno”</a:t>
+            </a:r>
+          </a:p>
+          <a:p>
+            <a:pPr lvl="1" algn="just"/>
+            <a:endParaRPr lang="es-ES" dirty="0" smtClean="0"/>
+          </a:p>
+          <a:p>
+            <a:pPr algn="just"/>
+            <a:endParaRPr lang="es-ES" smtClean="0"/>
+          </a:p>
+          <a:p>
+            <a:pPr algn="just"/>
+            <a:endParaRPr lang="es-ES" dirty="0" smtClean="0"/>
+          </a:p>
+          <a:p>
+            <a:pPr algn="just"/>
+            <a:endParaRPr lang="es-ES" dirty="0" smtClean="0"/>
+          </a:p>
+          <a:p>
+            <a:pPr algn="just"/>
+            <a:endParaRPr lang="es-ES" dirty="0" smtClean="0"/>
+          </a:p>
+        </p:txBody>
+      </p:sp>
+      <p:pic>
+        <p:nvPicPr>
+          <p:cNvPr id="7" name="Picture 3"/>
+          <p:cNvPicPr>
+            <a:picLocks noChangeAspect="1" noChangeArrowheads="1"/>
+          </p:cNvPicPr>
+          <p:nvPr/>
+        </p:nvPicPr>
+        <p:blipFill>
+          <a:blip r:embed="rId2" cstate="print"/>
+          <a:srcRect/>
+          <a:stretch>
+            <a:fillRect/>
+          </a:stretch>
+        </p:blipFill>
+        <p:spPr bwMode="auto">
+          <a:xfrm>
+            <a:off x="1619672" y="3429000"/>
+            <a:ext cx="5819775" cy="781050"/>
+          </a:xfrm>
+          <a:prstGeom prst="rect">
+            <a:avLst/>
+          </a:prstGeom>
+          <a:noFill/>
+          <a:ln w="9525">
+            <a:noFill/>
+            <a:miter lim="800000"/>
+            <a:headEnd/>
+            <a:tailEnd/>
+          </a:ln>
+        </p:spPr>
+      </p:pic>
     </p:spTree>
   </p:cSld>
   <p:clrMapOvr>
@@ -7876,35 +11469,138 @@
             </a:r>
             <a:r>
               <a:rPr lang="es-ES" dirty="0" smtClean="0"/>
-              <a:t>: ejemplo</a:t>
+              <a:t>: introducción</a:t>
             </a:r>
             <a:endParaRPr lang="es-ES" dirty="0"/>
           </a:p>
         </p:txBody>
       </p:sp>
-      <p:pic>
-        <p:nvPicPr>
-          <p:cNvPr id="4" name="3 Marcador de contenido" descr="prisoners.gif"/>
-          <p:cNvPicPr>
-            <a:picLocks noGrp="1" noChangeAspect="1"/>
-          </p:cNvPicPr>
+      <p:sp>
+        <p:nvSpPr>
+          <p:cNvPr id="3" name="2 Marcador de contenido"/>
+          <p:cNvSpPr>
+            <a:spLocks noGrp="1"/>
+          </p:cNvSpPr>
           <p:nvPr>
             <p:ph idx="1"/>
           </p:nvPr>
-        </p:nvPicPr>
-        <p:blipFill>
-          <a:blip r:embed="rId2" cstate="print"/>
-          <a:stretch>
-            <a:fillRect/>
-          </a:stretch>
-        </p:blipFill>
+        </p:nvSpPr>
         <p:spPr>
           <a:xfrm>
-            <a:off x="2095500" y="2701131"/>
-            <a:ext cx="4953000" cy="2857500"/>
+            <a:off x="395536" y="2132856"/>
+            <a:ext cx="8229600" cy="4389120"/>
           </a:xfrm>
         </p:spPr>
-      </p:pic>
+        <p:txBody>
+          <a:bodyPr/>
+          <a:lstStyle/>
+          <a:p>
+            <a:pPr algn="just"/>
+            <a:endParaRPr lang="es-ES" dirty="0" smtClean="0"/>
+          </a:p>
+          <a:p>
+            <a:pPr algn="just"/>
+            <a:r>
+              <a:rPr lang="es-ES" dirty="0" smtClean="0"/>
+              <a:t>Disciplina de ocultamiento de mensajes y objetos.</a:t>
+            </a:r>
+          </a:p>
+          <a:p>
+            <a:pPr algn="just">
+              <a:buNone/>
+            </a:pPr>
+            <a:endParaRPr lang="es-ES" dirty="0" smtClean="0"/>
+          </a:p>
+          <a:p>
+            <a:pPr algn="just"/>
+            <a:r>
+              <a:rPr lang="es-ES" dirty="0" smtClean="0"/>
+              <a:t>Distinta a la </a:t>
+            </a:r>
+            <a:r>
+              <a:rPr lang="es-ES" b="1" dirty="0" smtClean="0"/>
+              <a:t>criptografía</a:t>
+            </a:r>
+            <a:r>
+              <a:rPr lang="es-ES" dirty="0" smtClean="0"/>
+              <a:t>.</a:t>
+            </a:r>
+          </a:p>
+          <a:p>
+            <a:pPr algn="just"/>
+            <a:endParaRPr lang="es-ES" dirty="0" smtClean="0"/>
+          </a:p>
+          <a:p>
+            <a:pPr algn="just"/>
+            <a:r>
+              <a:rPr lang="es-ES" dirty="0" smtClean="0"/>
+              <a:t>Criptografía + </a:t>
+            </a:r>
+            <a:r>
+              <a:rPr lang="es-ES" dirty="0" err="1" smtClean="0"/>
+              <a:t>Esteganografía</a:t>
+            </a:r>
+            <a:endParaRPr lang="es-ES" dirty="0" smtClean="0"/>
+          </a:p>
+          <a:p>
+            <a:pPr algn="just">
+              <a:buNone/>
+            </a:pPr>
+            <a:r>
+              <a:rPr lang="es-ES" dirty="0" smtClean="0"/>
+              <a:t> 			</a:t>
+            </a:r>
+          </a:p>
+          <a:p>
+            <a:pPr lvl="1" algn="just"/>
+            <a:r>
+              <a:rPr lang="es-ES" dirty="0" smtClean="0"/>
+              <a:t>nivel de seguridad extra.</a:t>
+            </a:r>
+            <a:endParaRPr lang="es-ES" dirty="0"/>
+          </a:p>
+        </p:txBody>
+      </p:sp>
+      <p:sp>
+        <p:nvSpPr>
+          <p:cNvPr id="5" name="4 Flecha abajo"/>
+          <p:cNvSpPr/>
+          <p:nvPr/>
+        </p:nvSpPr>
+        <p:spPr>
+          <a:xfrm>
+            <a:off x="2555776" y="5085184"/>
+            <a:ext cx="288032" cy="432048"/>
+          </a:xfrm>
+          <a:prstGeom prst="downArrow">
+            <a:avLst/>
+          </a:prstGeom>
+        </p:spPr>
+        <p:style>
+          <a:lnRef idx="2">
+            <a:schemeClr val="accent1">
+              <a:shade val="50000"/>
+            </a:schemeClr>
+          </a:lnRef>
+          <a:fillRef idx="1">
+            <a:schemeClr val="accent1"/>
+          </a:fillRef>
+          <a:effectRef idx="0">
+            <a:schemeClr val="accent1"/>
+          </a:effectRef>
+          <a:fontRef idx="minor">
+            <a:schemeClr val="lt1"/>
+          </a:fontRef>
+        </p:style>
+        <p:txBody>
+          <a:bodyPr rtlCol="0" anchor="ctr"/>
+          <a:lstStyle/>
+          <a:p>
+            <a:pPr algn="ctr"/>
+            <a:endParaRPr lang="es-ES"/>
+          </a:p>
+        </p:txBody>
+      </p:sp>
     </p:spTree>
   </p:cSld>
   <p:clrMapOvr>
@@ -7953,171 +11649,68 @@
           <a:lstStyle/>
           <a:p>
             <a:r>
-              <a:rPr lang="es-ES" dirty="0" smtClean="0"/>
-              <a:t>Índice</a:t>
-            </a:r>
-            <a:endParaRPr lang="es-ES" dirty="0"/>
-          </a:p>
-        </p:txBody>
-      </p:sp>
-      <p:sp>
-        <p:nvSpPr>
-          <p:cNvPr id="3" name="2 Marcador de contenido"/>
-          <p:cNvSpPr>
-            <a:spLocks noGrp="1"/>
-          </p:cNvSpPr>
-          <p:nvPr>
-            <p:ph idx="1"/>
-          </p:nvPr>
-        </p:nvSpPr>
-        <p:spPr/>
-        <p:txBody>
-          <a:bodyPr/>
-          <a:lstStyle/>
-          <a:p>
-            <a:r>
-              <a:rPr lang="es-ES" dirty="0" smtClean="0"/>
-              <a:t>Introducción</a:t>
-            </a:r>
-          </a:p>
-          <a:p>
-            <a:pPr lvl="1"/>
-            <a:r>
               <a:rPr lang="es-ES" dirty="0" err="1" smtClean="0"/>
               <a:t>Esteganografía</a:t>
             </a:r>
-            <a:endParaRPr lang="es-ES" dirty="0" smtClean="0"/>
-          </a:p>
-          <a:p>
-            <a:pPr lvl="1"/>
-            <a:r>
-              <a:rPr lang="es-ES" dirty="0" smtClean="0"/>
-              <a:t>Audio digital</a:t>
-            </a:r>
-          </a:p>
-          <a:p>
-            <a:pPr lvl="1">
-              <a:buNone/>
-            </a:pPr>
-            <a:r>
-              <a:rPr lang="es-ES" dirty="0" smtClean="0">
-                <a:solidFill>
-                  <a:schemeClr val="bg1">
-                    <a:lumMod val="85000"/>
-                  </a:schemeClr>
-                </a:solidFill>
-              </a:rPr>
-              <a:t>	Formato WAV</a:t>
-            </a:r>
-            <a:endParaRPr lang="es-ES" dirty="0" smtClean="0">
-              <a:solidFill>
-                <a:schemeClr val="bg1">
-                  <a:lumMod val="85000"/>
-                </a:schemeClr>
-              </a:solidFill>
-            </a:endParaRPr>
+            <a:r>
+              <a:rPr lang="es-ES" dirty="0" smtClean="0"/>
+              <a:t>: historia</a:t>
+            </a:r>
+            <a:endParaRPr lang="es-ES" dirty="0"/>
+          </a:p>
+        </p:txBody>
+      </p:sp>
+      <p:sp>
+        <p:nvSpPr>
+          <p:cNvPr id="3" name="2 Marcador de contenido"/>
+          <p:cNvSpPr>
+            <a:spLocks noGrp="1"/>
+          </p:cNvSpPr>
+          <p:nvPr>
+            <p:ph idx="1"/>
+          </p:nvPr>
+        </p:nvSpPr>
+        <p:spPr>
+          <a:xfrm>
+            <a:off x="395536" y="2780928"/>
+            <a:ext cx="8229600" cy="3759696"/>
+          </a:xfrm>
+        </p:spPr>
+        <p:txBody>
+          <a:bodyPr/>
+          <a:lstStyle/>
+          <a:p>
+            <a:r>
+              <a:rPr lang="es-ES" dirty="0" smtClean="0"/>
+              <a:t>Ha estado presente desde tiempos antiguos.</a:t>
+            </a:r>
           </a:p>
           <a:p>
             <a:pPr>
               <a:buNone/>
             </a:pPr>
-            <a:r>
-              <a:rPr lang="es-ES" dirty="0" smtClean="0">
-                <a:solidFill>
-                  <a:schemeClr val="bg1">
-                    <a:lumMod val="85000"/>
-                  </a:schemeClr>
-                </a:solidFill>
-              </a:rPr>
-              <a:t>	</a:t>
-            </a:r>
-            <a:r>
-              <a:rPr lang="es-ES" dirty="0" err="1" smtClean="0">
-                <a:solidFill>
-                  <a:schemeClr val="bg1">
-                    <a:lumMod val="85000"/>
-                  </a:schemeClr>
-                </a:solidFill>
-              </a:rPr>
-              <a:t>Esteganografía</a:t>
-            </a:r>
-            <a:r>
-              <a:rPr lang="es-ES" dirty="0" smtClean="0">
-                <a:solidFill>
-                  <a:schemeClr val="bg1">
-                    <a:lumMod val="85000"/>
-                  </a:schemeClr>
-                </a:solidFill>
-              </a:rPr>
-              <a:t> de audio</a:t>
-            </a:r>
-          </a:p>
-          <a:p>
-            <a:pPr lvl="1">
+            <a:endParaRPr lang="es-ES" dirty="0" smtClean="0"/>
+          </a:p>
+          <a:p>
+            <a:r>
+              <a:rPr lang="es-ES" dirty="0" smtClean="0"/>
+              <a:t>En la era digital ha resurgido como una tecnología útil en seguridad informática.</a:t>
+            </a:r>
+          </a:p>
+          <a:p>
+            <a:pPr>
               <a:buNone/>
             </a:pPr>
-            <a:r>
-              <a:rPr lang="es-ES" dirty="0" smtClean="0">
-                <a:solidFill>
-                  <a:schemeClr val="bg1">
-                    <a:lumMod val="85000"/>
-                  </a:schemeClr>
-                </a:solidFill>
-              </a:rPr>
-              <a:t>	Motivación</a:t>
-            </a:r>
-          </a:p>
-          <a:p>
-            <a:pPr lvl="1">
-              <a:buNone/>
-            </a:pPr>
-            <a:r>
-              <a:rPr lang="es-ES" dirty="0" smtClean="0">
-                <a:solidFill>
-                  <a:schemeClr val="bg1">
-                    <a:lumMod val="85000"/>
-                  </a:schemeClr>
-                </a:solidFill>
-              </a:rPr>
-              <a:t>	Problemas</a:t>
-            </a:r>
-          </a:p>
-          <a:p>
-            <a:pPr lvl="1">
-              <a:buNone/>
-            </a:pPr>
-            <a:r>
-              <a:rPr lang="es-ES" dirty="0" smtClean="0">
-                <a:solidFill>
-                  <a:schemeClr val="bg1">
-                    <a:lumMod val="85000"/>
-                  </a:schemeClr>
-                </a:solidFill>
-              </a:rPr>
-              <a:t>	Objetivos</a:t>
-            </a:r>
-          </a:p>
-          <a:p>
-            <a:pPr lvl="1">
-              <a:buNone/>
-            </a:pPr>
-            <a:r>
-              <a:rPr lang="es-ES" dirty="0" smtClean="0">
-                <a:solidFill>
-                  <a:schemeClr val="bg1">
-                    <a:lumMod val="85000"/>
-                  </a:schemeClr>
-                </a:solidFill>
-              </a:rPr>
-              <a:t>	Métodos</a:t>
-            </a:r>
-            <a:endParaRPr lang="es-ES" dirty="0" smtClean="0">
-              <a:solidFill>
-                <a:schemeClr val="bg1">
-                  <a:lumMod val="85000"/>
-                </a:schemeClr>
-              </a:solidFill>
-            </a:endParaRPr>
+            <a:endParaRPr lang="es-ES" dirty="0" smtClean="0"/>
+          </a:p>
+          <a:p>
+            <a:r>
+              <a:rPr lang="es-ES" dirty="0" smtClean="0"/>
+              <a:t>Se usa en documentos, imágenes, audio, vídeo, etc.</a:t>
+            </a:r>
+          </a:p>
+          <a:p>
+            <a:endParaRPr lang="es-ES" dirty="0" smtClean="0"/>
           </a:p>
         </p:txBody>
       </p:sp>
@@ -8169,8 +11762,12 @@
           <a:lstStyle/>
           <a:p>
             <a:r>
-              <a:rPr lang="es-ES" dirty="0" smtClean="0"/>
-              <a:t>Audio digital</a:t>
+              <a:rPr lang="es-ES" dirty="0" err="1" smtClean="0"/>
+              <a:t>Esteganografía</a:t>
+            </a:r>
+            <a:r>
+              <a:rPr lang="es-ES" dirty="0" smtClean="0"/>
+              <a:t>: fundamentos</a:t>
             </a:r>
             <a:endParaRPr lang="es-ES" dirty="0"/>
           </a:p>
@@ -8185,67 +11782,108 @@
           <p:nvPr>
             <p:ph idx="1"/>
           </p:nvPr>
+        </p:nvSpPr>
+        <p:spPr/>
+        <p:txBody>
+          <a:bodyPr>
+            <a:normAutofit/>
+          </a:bodyPr>
+          <a:lstStyle/>
+          <a:p>
+            <a:endParaRPr lang="es-ES" dirty="0" smtClean="0"/>
+          </a:p>
+          <a:p>
+            <a:r>
+              <a:rPr lang="es-ES" dirty="0" smtClean="0"/>
+              <a:t>Explota las limitaciones de la percepción humana (visión, oído, etc.).</a:t>
+            </a:r>
+          </a:p>
+          <a:p>
+            <a:endParaRPr lang="es-ES" dirty="0" smtClean="0"/>
+          </a:p>
+          <a:p>
+            <a:r>
+              <a:rPr lang="es-ES" dirty="0" smtClean="0"/>
+              <a:t>Pequeños cambios en los objetos portadores</a:t>
+            </a:r>
+          </a:p>
+          <a:p>
+            <a:pPr lvl="1"/>
+            <a:r>
+              <a:rPr lang="es-ES" dirty="0" smtClean="0"/>
+              <a:t>imperceptibles para una persona.</a:t>
+            </a:r>
+          </a:p>
+          <a:p>
+            <a:pPr lvl="1">
+              <a:buNone/>
+            </a:pPr>
+            <a:endParaRPr lang="es-ES" dirty="0" smtClean="0"/>
+          </a:p>
+          <a:p>
+            <a:r>
+              <a:rPr lang="es-ES" dirty="0" smtClean="0"/>
+              <a:t>Técnica invasiva		</a:t>
+            </a:r>
+            <a:r>
+              <a:rPr lang="es-ES" b="1" dirty="0" smtClean="0"/>
+              <a:t> </a:t>
+            </a:r>
+            <a:r>
+              <a:rPr lang="es-ES" b="1" dirty="0" err="1" smtClean="0"/>
+              <a:t>esteganálisis</a:t>
+            </a:r>
+            <a:r>
+              <a:rPr lang="es-ES" b="1" dirty="0" smtClean="0"/>
+              <a:t> </a:t>
+            </a:r>
+            <a:r>
+              <a:rPr lang="es-ES" dirty="0" smtClean="0"/>
+              <a:t>basado en detectar las huellas dejadas durante el ocultamiento.</a:t>
+            </a:r>
+          </a:p>
+          <a:p>
+            <a:endParaRPr lang="es-ES" dirty="0"/>
+          </a:p>
+        </p:txBody>
+      </p:sp>
+      <p:sp>
+        <p:nvSpPr>
+          <p:cNvPr id="4" name="3 Flecha derecha"/>
+          <p:cNvSpPr/>
+          <p:nvPr/>
         </p:nvSpPr>
         <p:spPr>
           <a:xfrm>
-            <a:off x="457200" y="2492896"/>
-            <a:ext cx="8229600" cy="3831704"/>
+            <a:off x="3419872" y="5229200"/>
+            <a:ext cx="504056" cy="288032"/>
           </a:xfrm>
+          <a:prstGeom prst="rightArrow">
+            <a:avLst/>
+          </a:prstGeom>
         </p:spPr>
-        <p:txBody>
-          <a:bodyPr/>
-          <a:lstStyle/>
-          <a:p>
-            <a:r>
-              <a:rPr lang="es-ES" dirty="0" smtClean="0"/>
-              <a:t>Señal discreta  (a </a:t>
-            </a:r>
-            <a:r>
-              <a:rPr lang="es-ES" dirty="0" smtClean="0"/>
-              <a:t>diferencia del audio analógico </a:t>
-            </a:r>
-            <a:r>
-              <a:rPr lang="es-ES" dirty="0" smtClean="0"/>
-              <a:t>donde</a:t>
-            </a:r>
-            <a:r>
-              <a:rPr lang="es-ES" dirty="0" smtClean="0"/>
-              <a:t> es continua).</a:t>
-            </a:r>
-            <a:endParaRPr lang="es-ES" dirty="0" smtClean="0"/>
-          </a:p>
-          <a:p>
-            <a:r>
-              <a:rPr lang="es-ES" dirty="0" smtClean="0"/>
-              <a:t>Se genera </a:t>
-            </a:r>
-            <a:r>
-              <a:rPr lang="es-ES" dirty="0" smtClean="0"/>
-              <a:t>a partir de una señal </a:t>
-            </a:r>
-            <a:r>
-              <a:rPr lang="es-ES" dirty="0" smtClean="0"/>
-              <a:t>continua =&gt; muestreo </a:t>
-            </a:r>
-            <a:r>
-              <a:rPr lang="es-ES" dirty="0" smtClean="0"/>
-              <a:t>y </a:t>
-            </a:r>
-            <a:r>
-              <a:rPr lang="es-ES" dirty="0" err="1" smtClean="0"/>
-              <a:t>cuantización</a:t>
-            </a:r>
-            <a:r>
-              <a:rPr lang="es-ES" dirty="0" smtClean="0"/>
-              <a:t>.</a:t>
-            </a:r>
-          </a:p>
-          <a:p>
-            <a:r>
-              <a:rPr lang="es-ES" dirty="0" smtClean="0"/>
-              <a:t>El audio digital se almacena en el ordenador como una secuencia de ceros y unos.</a:t>
-            </a:r>
-            <a:endParaRPr lang="es-ES" dirty="0"/>
+        <p:style>
+          <a:lnRef idx="2">
+            <a:schemeClr val="accent1">
+              <a:shade val="50000"/>
+            </a:schemeClr>
+          </a:lnRef>
+          <a:fillRef idx="1">
+            <a:schemeClr val="accent1"/>
+          </a:fillRef>
+          <a:effectRef idx="0">
+            <a:schemeClr val="accent1"/>
+          </a:effectRef>
+          <a:fontRef idx="minor">
+            <a:schemeClr val="lt1"/>
+          </a:fontRef>
+        </p:style>
+        <p:txBody>
+          <a:bodyPr rtlCol="0" anchor="ctr"/>
+          <a:lstStyle/>
+          <a:p>
+            <a:pPr algn="ctr"/>
+            <a:endParaRPr lang="es-ES"/>
           </a:p>
         </p:txBody>
       </p:sp>
@@ -8297,8 +11935,12 @@
           <a:lstStyle/>
           <a:p>
             <a:r>
-              <a:rPr lang="es-ES" dirty="0" smtClean="0"/>
-              <a:t>Audio digital</a:t>
+              <a:rPr lang="es-ES" dirty="0" err="1" smtClean="0"/>
+              <a:t>Esteganografía</a:t>
+            </a:r>
+            <a:r>
+              <a:rPr lang="es-ES" dirty="0" smtClean="0"/>
+              <a:t>: ejemplo</a:t>
             </a:r>
             <a:endParaRPr lang="es-ES" dirty="0"/>
           </a:p>
@@ -8306,7 +11948,7 @@
       </p:sp>
       <p:sp>
         <p:nvSpPr>
-          <p:cNvPr id="3" name="2 Marcador de contenido"/>
+          <p:cNvPr id="5" name="4 Marcador de contenido"/>
           <p:cNvSpPr>
             <a:spLocks noGrp="1"/>
           </p:cNvSpPr>
@@ -8314,52 +11956,45 @@
             <p:ph idx="1"/>
           </p:nvPr>
         </p:nvSpPr>
-        <p:spPr>
-          <a:xfrm>
-            <a:off x="467544" y="2132856"/>
-            <a:ext cx="8229600" cy="4389120"/>
-          </a:xfrm>
-        </p:spPr>
+        <p:spPr/>
         <p:txBody>
           <a:bodyPr/>
           <a:lstStyle/>
           <a:p>
-            <a:r>
-              <a:rPr lang="es-ES" dirty="0" smtClean="0"/>
-              <a:t>Es posible alterar de manera individual los bits que componen el archivo de audio digital.</a:t>
-            </a:r>
-          </a:p>
-          <a:p>
-            <a:r>
-              <a:rPr lang="es-ES" dirty="0" smtClean="0"/>
-              <a:t>Este control tan preciso nos permite llevar a cabo cambios que no sean perceptibles al oído humano.</a:t>
-            </a:r>
             <a:endParaRPr lang="es-ES" dirty="0"/>
           </a:p>
         </p:txBody>
       </p:sp>
       <p:pic>
         <p:nvPicPr>
-          <p:cNvPr id="4" name="3 Marcador de contenido" descr="digitalaudio.gif"/>
+          <p:cNvPr id="4098" name="Picture 2"/>
           <p:cNvPicPr>
-            <a:picLocks noChangeAspect="1"/>
+            <a:picLocks noChangeAspect="1" noChangeArrowheads="1"/>
           </p:cNvPicPr>
           <p:nvPr/>
         </p:nvPicPr>
         <p:blipFill>
           <a:blip r:embed="rId2" cstate="print"/>
+          <a:srcRect/>
           <a:stretch>
             <a:fillRect/>
           </a:stretch>
         </p:blipFill>
-        <p:spPr>
+        <p:spPr bwMode="auto">
           <a:xfrm>
-            <a:off x="1547664" y="4005064"/>
-            <a:ext cx="5976664" cy="1782908"/>
+            <a:off x="827584" y="2132856"/>
+            <a:ext cx="7048500" cy="3971925"/>
           </a:xfrm>
           <a:prstGeom prst="rect">
             <a:avLst/>
           </a:prstGeom>
+          <a:noFill/>
+          <a:ln w="9525">
+            <a:noFill/>
+            <a:miter lim="800000"/>
+            <a:headEnd/>
+            <a:tailEnd/>
+          </a:ln>
         </p:spPr>
       </p:pic>
     </p:spTree>

--- a/trunk/doc/Ocultar datos en archivos de sonido.pptx
+++ b/trunk/doc/Ocultar datos en archivos de sonido.pptx
@@ -9,54 +9,54 @@
     <p:sldId id="303" r:id="rId3"/>
     <p:sldId id="257" r:id="rId4"/>
     <p:sldId id="258" r:id="rId5"/>
-    <p:sldId id="291" r:id="rId6"/>
-    <p:sldId id="292" r:id="rId7"/>
-    <p:sldId id="259" r:id="rId8"/>
-    <p:sldId id="260" r:id="rId9"/>
-    <p:sldId id="261" r:id="rId10"/>
-    <p:sldId id="279" r:id="rId11"/>
-    <p:sldId id="263" r:id="rId12"/>
-    <p:sldId id="264" r:id="rId13"/>
-    <p:sldId id="280" r:id="rId14"/>
-    <p:sldId id="265" r:id="rId15"/>
-    <p:sldId id="266" r:id="rId16"/>
-    <p:sldId id="281" r:id="rId17"/>
-    <p:sldId id="275" r:id="rId18"/>
-    <p:sldId id="282" r:id="rId19"/>
-    <p:sldId id="276" r:id="rId20"/>
-    <p:sldId id="283" r:id="rId21"/>
-    <p:sldId id="277" r:id="rId22"/>
-    <p:sldId id="278" r:id="rId23"/>
-    <p:sldId id="284" r:id="rId24"/>
-    <p:sldId id="267" r:id="rId25"/>
-    <p:sldId id="285" r:id="rId26"/>
-    <p:sldId id="268" r:id="rId27"/>
-    <p:sldId id="293" r:id="rId28"/>
-    <p:sldId id="294" r:id="rId29"/>
-    <p:sldId id="295" r:id="rId30"/>
-    <p:sldId id="286" r:id="rId31"/>
-    <p:sldId id="269" r:id="rId32"/>
-    <p:sldId id="296" r:id="rId33"/>
-    <p:sldId id="297" r:id="rId34"/>
-    <p:sldId id="298" r:id="rId35"/>
-    <p:sldId id="287" r:id="rId36"/>
-    <p:sldId id="270" r:id="rId37"/>
-    <p:sldId id="299" r:id="rId38"/>
-    <p:sldId id="300" r:id="rId39"/>
-    <p:sldId id="301" r:id="rId40"/>
-    <p:sldId id="302" r:id="rId41"/>
-    <p:sldId id="288" r:id="rId42"/>
-    <p:sldId id="271" r:id="rId43"/>
-    <p:sldId id="304" r:id="rId44"/>
-    <p:sldId id="305" r:id="rId45"/>
-    <p:sldId id="306" r:id="rId46"/>
-    <p:sldId id="289" r:id="rId47"/>
-    <p:sldId id="272" r:id="rId48"/>
-    <p:sldId id="308" r:id="rId49"/>
-    <p:sldId id="309" r:id="rId50"/>
-    <p:sldId id="310" r:id="rId51"/>
-    <p:sldId id="311" r:id="rId52"/>
-    <p:sldId id="312" r:id="rId53"/>
+    <p:sldId id="259" r:id="rId6"/>
+    <p:sldId id="260" r:id="rId7"/>
+    <p:sldId id="261" r:id="rId8"/>
+    <p:sldId id="279" r:id="rId9"/>
+    <p:sldId id="263" r:id="rId10"/>
+    <p:sldId id="264" r:id="rId11"/>
+    <p:sldId id="280" r:id="rId12"/>
+    <p:sldId id="265" r:id="rId13"/>
+    <p:sldId id="266" r:id="rId14"/>
+    <p:sldId id="281" r:id="rId15"/>
+    <p:sldId id="275" r:id="rId16"/>
+    <p:sldId id="282" r:id="rId17"/>
+    <p:sldId id="276" r:id="rId18"/>
+    <p:sldId id="283" r:id="rId19"/>
+    <p:sldId id="277" r:id="rId20"/>
+    <p:sldId id="278" r:id="rId21"/>
+    <p:sldId id="284" r:id="rId22"/>
+    <p:sldId id="318" r:id="rId23"/>
+    <p:sldId id="319" r:id="rId24"/>
+    <p:sldId id="268" r:id="rId25"/>
+    <p:sldId id="293" r:id="rId26"/>
+    <p:sldId id="294" r:id="rId27"/>
+    <p:sldId id="295" r:id="rId28"/>
+    <p:sldId id="320" r:id="rId29"/>
+    <p:sldId id="269" r:id="rId30"/>
+    <p:sldId id="296" r:id="rId31"/>
+    <p:sldId id="297" r:id="rId32"/>
+    <p:sldId id="298" r:id="rId33"/>
+    <p:sldId id="321" r:id="rId34"/>
+    <p:sldId id="270" r:id="rId35"/>
+    <p:sldId id="302" r:id="rId36"/>
+    <p:sldId id="299" r:id="rId37"/>
+    <p:sldId id="300" r:id="rId38"/>
+    <p:sldId id="301" r:id="rId39"/>
+    <p:sldId id="322" r:id="rId40"/>
+    <p:sldId id="271" r:id="rId41"/>
+    <p:sldId id="306" r:id="rId42"/>
+    <p:sldId id="305" r:id="rId43"/>
+    <p:sldId id="323" r:id="rId44"/>
+    <p:sldId id="272" r:id="rId45"/>
+    <p:sldId id="314" r:id="rId46"/>
+    <p:sldId id="308" r:id="rId47"/>
+    <p:sldId id="310" r:id="rId48"/>
+    <p:sldId id="311" r:id="rId49"/>
+    <p:sldId id="315" r:id="rId50"/>
+    <p:sldId id="313" r:id="rId51"/>
+    <p:sldId id="316" r:id="rId52"/>
+    <p:sldId id="317" r:id="rId53"/>
   </p:sldIdLst>
   <p:sldSz cx="9144000" cy="6858000" type="screen4x3"/>
   <p:notesSz cx="6858000" cy="9144000"/>
@@ -4034,7 +4034,7 @@
           <a:p>
             <a:r>
               <a:rPr lang="es-ES" dirty="0" smtClean="0"/>
-              <a:t>Índice</a:t>
+              <a:t>Audio digital</a:t>
             </a:r>
             <a:endParaRPr lang="es-ES" dirty="0"/>
           </a:p>
@@ -4050,143 +4050,78 @@
             <p:ph idx="1"/>
           </p:nvPr>
         </p:nvSpPr>
-        <p:spPr/>
-        <p:txBody>
-          <a:bodyPr/>
-          <a:lstStyle/>
-          <a:p>
-            <a:r>
-              <a:rPr lang="es-ES" dirty="0" smtClean="0"/>
-              <a:t>Introducción</a:t>
+        <p:spPr>
+          <a:xfrm>
+            <a:off x="467544" y="2132856"/>
+            <a:ext cx="8229600" cy="4389120"/>
+          </a:xfrm>
+        </p:spPr>
+        <p:txBody>
+          <a:bodyPr/>
+          <a:lstStyle/>
+          <a:p>
+            <a:endParaRPr lang="es-ES" dirty="0" smtClean="0"/>
+          </a:p>
+          <a:p>
+            <a:r>
+              <a:rPr lang="es-ES" dirty="0" smtClean="0"/>
+              <a:t>Es </a:t>
+            </a:r>
+            <a:r>
+              <a:rPr lang="es-ES" dirty="0" smtClean="0"/>
+              <a:t>posible alterar individualmente los bits que componen el archivo de audio </a:t>
+            </a:r>
+            <a:r>
+              <a:rPr lang="es-ES" dirty="0" smtClean="0"/>
+              <a:t>digital.</a:t>
             </a:r>
           </a:p>
           <a:p>
             <a:pPr lvl="1"/>
             <a:r>
-              <a:rPr lang="es-ES" dirty="0" err="1" smtClean="0"/>
-              <a:t>Esteganografía</a:t>
-            </a:r>
-            <a:endParaRPr lang="es-ES" dirty="0" smtClean="0"/>
-          </a:p>
-          <a:p>
-            <a:pPr lvl="1"/>
-            <a:r>
-              <a:rPr lang="es-ES" dirty="0" smtClean="0"/>
-              <a:t>Audio digital</a:t>
-            </a:r>
-          </a:p>
-          <a:p>
-            <a:pPr lvl="1">
-              <a:buNone/>
-            </a:pPr>
-            <a:r>
-              <a:rPr lang="es-ES" dirty="0" smtClean="0">
-                <a:solidFill>
-                  <a:schemeClr val="bg1">
-                    <a:lumMod val="85000"/>
-                  </a:schemeClr>
-                </a:solidFill>
-              </a:rPr>
-              <a:t>	Formato WAV</a:t>
-            </a:r>
+              <a:rPr lang="es-ES" dirty="0" smtClean="0"/>
+              <a:t>Cambios </a:t>
+            </a:r>
+            <a:r>
+              <a:rPr lang="es-ES" dirty="0" smtClean="0"/>
+              <a:t>no perceptibles por el oído humano.</a:t>
+            </a:r>
+          </a:p>
+          <a:p>
+            <a:endParaRPr lang="es-ES" dirty="0" smtClean="0"/>
           </a:p>
           <a:p>
             <a:pPr>
               <a:buNone/>
             </a:pPr>
-            <a:r>
-              <a:rPr lang="es-ES" dirty="0" smtClean="0">
-                <a:solidFill>
-                  <a:schemeClr val="bg1">
-                    <a:lumMod val="85000"/>
-                  </a:schemeClr>
-                </a:solidFill>
-              </a:rPr>
-              <a:t>	</a:t>
-            </a:r>
-            <a:r>
-              <a:rPr lang="es-ES" dirty="0" err="1" smtClean="0">
-                <a:solidFill>
-                  <a:schemeClr val="bg1">
-                    <a:lumMod val="85000"/>
-                  </a:schemeClr>
-                </a:solidFill>
-              </a:rPr>
-              <a:t>Esteganografía</a:t>
-            </a:r>
-            <a:r>
-              <a:rPr lang="es-ES" dirty="0" smtClean="0">
-                <a:solidFill>
-                  <a:schemeClr val="bg1">
-                    <a:lumMod val="85000"/>
-                  </a:schemeClr>
-                </a:solidFill>
-              </a:rPr>
-              <a:t> de audio</a:t>
-            </a:r>
-          </a:p>
-          <a:p>
-            <a:pPr lvl="1">
-              <a:buNone/>
-            </a:pPr>
-            <a:r>
-              <a:rPr lang="es-ES" dirty="0" smtClean="0">
-                <a:solidFill>
-                  <a:schemeClr val="bg1">
-                    <a:lumMod val="85000"/>
-                  </a:schemeClr>
-                </a:solidFill>
-              </a:rPr>
-              <a:t>	Motivación</a:t>
-            </a:r>
-          </a:p>
-          <a:p>
-            <a:pPr lvl="1">
-              <a:buNone/>
-            </a:pPr>
-            <a:r>
-              <a:rPr lang="es-ES" dirty="0" smtClean="0">
-                <a:solidFill>
-                  <a:schemeClr val="bg1">
-                    <a:lumMod val="85000"/>
-                  </a:schemeClr>
-                </a:solidFill>
-              </a:rPr>
-              <a:t>	Problemas</a:t>
-            </a:r>
-          </a:p>
-          <a:p>
-            <a:pPr lvl="1">
-              <a:buNone/>
-            </a:pPr>
-            <a:r>
-              <a:rPr lang="es-ES" dirty="0" smtClean="0">
-                <a:solidFill>
-                  <a:schemeClr val="bg1">
-                    <a:lumMod val="85000"/>
-                  </a:schemeClr>
-                </a:solidFill>
-              </a:rPr>
-              <a:t>	Objetivos</a:t>
-            </a:r>
-          </a:p>
-          <a:p>
-            <a:pPr lvl="1">
-              <a:buNone/>
-            </a:pPr>
-            <a:r>
-              <a:rPr lang="es-ES" dirty="0" smtClean="0">
-                <a:solidFill>
-                  <a:schemeClr val="bg1">
-                    <a:lumMod val="85000"/>
-                  </a:schemeClr>
-                </a:solidFill>
-              </a:rPr>
-              <a:t>	Métodos</a:t>
-            </a:r>
-          </a:p>
-        </p:txBody>
-      </p:sp>
+            <a:endParaRPr lang="es-ES" dirty="0"/>
+          </a:p>
+        </p:txBody>
+      </p:sp>
+      <p:pic>
+        <p:nvPicPr>
+          <p:cNvPr id="4" name="3 Marcador de contenido" descr="digitalaudio.gif"/>
+          <p:cNvPicPr>
+            <a:picLocks noChangeAspect="1"/>
+          </p:cNvPicPr>
+          <p:nvPr/>
+        </p:nvPicPr>
+        <p:blipFill>
+          <a:blip r:embed="rId2" cstate="print"/>
+          <a:stretch>
+            <a:fillRect/>
+          </a:stretch>
+        </p:blipFill>
+        <p:spPr>
+          <a:xfrm>
+            <a:off x="1547664" y="4221088"/>
+            <a:ext cx="5976664" cy="1782908"/>
+          </a:xfrm>
+          <a:prstGeom prst="rect">
+            <a:avLst/>
+          </a:prstGeom>
+        </p:spPr>
+      </p:pic>
     </p:spTree>
   </p:cSld>
   <p:clrMapOvr>
@@ -4236,117 +4171,151 @@
           <a:p>
             <a:r>
               <a:rPr lang="es-ES" dirty="0" smtClean="0"/>
+              <a:t>Índice</a:t>
+            </a:r>
+            <a:endParaRPr lang="es-ES" dirty="0"/>
+          </a:p>
+        </p:txBody>
+      </p:sp>
+      <p:sp>
+        <p:nvSpPr>
+          <p:cNvPr id="3" name="2 Marcador de contenido"/>
+          <p:cNvSpPr>
+            <a:spLocks noGrp="1"/>
+          </p:cNvSpPr>
+          <p:nvPr>
+            <p:ph idx="1"/>
+          </p:nvPr>
+        </p:nvSpPr>
+        <p:spPr/>
+        <p:txBody>
+          <a:bodyPr/>
+          <a:lstStyle/>
+          <a:p>
+            <a:r>
+              <a:rPr lang="es-ES" dirty="0" smtClean="0"/>
+              <a:t>Introducción</a:t>
+            </a:r>
+          </a:p>
+          <a:p>
+            <a:pPr lvl="1"/>
+            <a:r>
+              <a:rPr lang="es-ES" dirty="0" err="1" smtClean="0"/>
+              <a:t>Esteganografía</a:t>
+            </a:r>
+            <a:endParaRPr lang="es-ES" dirty="0" smtClean="0"/>
+          </a:p>
+          <a:p>
+            <a:pPr lvl="1"/>
+            <a:r>
+              <a:rPr lang="es-ES" dirty="0" smtClean="0"/>
               <a:t>Audio digital</a:t>
             </a:r>
-            <a:endParaRPr lang="es-ES" dirty="0"/>
-          </a:p>
-        </p:txBody>
-      </p:sp>
-      <p:sp>
-        <p:nvSpPr>
-          <p:cNvPr id="3" name="2 Marcador de contenido"/>
-          <p:cNvSpPr>
-            <a:spLocks noGrp="1"/>
-          </p:cNvSpPr>
-          <p:nvPr>
-            <p:ph idx="1"/>
-          </p:nvPr>
-        </p:nvSpPr>
-        <p:spPr>
-          <a:xfrm>
-            <a:off x="457200" y="2492896"/>
-            <a:ext cx="8229600" cy="3831704"/>
-          </a:xfrm>
-        </p:spPr>
-        <p:txBody>
-          <a:bodyPr/>
-          <a:lstStyle/>
-          <a:p>
-            <a:r>
-              <a:rPr lang="es-ES" dirty="0" smtClean="0"/>
-              <a:t>Señal discreta</a:t>
+          </a:p>
+          <a:p>
+            <a:pPr lvl="1">
+              <a:buFont typeface="Wingdings 2" pitchFamily="18" charset="2"/>
+              <a:buChar char=""/>
+            </a:pPr>
+            <a:r>
+              <a:rPr lang="es-ES" dirty="0" smtClean="0"/>
+              <a:t>Formato WAV</a:t>
             </a:r>
           </a:p>
           <a:p>
             <a:pPr>
               <a:buNone/>
             </a:pPr>
-            <a:endParaRPr lang="es-ES" dirty="0" smtClean="0"/>
-          </a:p>
-          <a:p>
-            <a:r>
-              <a:rPr lang="es-ES" dirty="0" smtClean="0"/>
-              <a:t>Se genera a partir de una señal continua 	   </a:t>
-            </a:r>
-            <a:r>
-              <a:rPr lang="es-ES" b="1" dirty="0" smtClean="0"/>
-              <a:t>muestreo</a:t>
-            </a:r>
-            <a:r>
-              <a:rPr lang="es-ES" dirty="0" smtClean="0"/>
-              <a:t> y </a:t>
-            </a:r>
-            <a:r>
-              <a:rPr lang="es-ES" b="1" dirty="0" err="1" smtClean="0"/>
-              <a:t>cuantización</a:t>
-            </a:r>
-            <a:r>
-              <a:rPr lang="es-ES" dirty="0" smtClean="0"/>
-              <a:t>.</a:t>
-            </a:r>
-          </a:p>
-          <a:p>
-            <a:pPr>
+            <a:r>
+              <a:rPr lang="es-ES" dirty="0" smtClean="0">
+                <a:solidFill>
+                  <a:schemeClr val="bg1">
+                    <a:lumMod val="85000"/>
+                  </a:schemeClr>
+                </a:solidFill>
+              </a:rPr>
+              <a:t>	</a:t>
+            </a:r>
+            <a:r>
+              <a:rPr lang="es-ES" dirty="0" err="1" smtClean="0">
+                <a:solidFill>
+                  <a:schemeClr val="bg1">
+                    <a:lumMod val="85000"/>
+                  </a:schemeClr>
+                </a:solidFill>
+              </a:rPr>
+              <a:t>Esteganografía</a:t>
+            </a:r>
+            <a:r>
+              <a:rPr lang="es-ES" dirty="0" smtClean="0">
+                <a:solidFill>
+                  <a:schemeClr val="bg1">
+                    <a:lumMod val="85000"/>
+                  </a:schemeClr>
+                </a:solidFill>
+              </a:rPr>
+              <a:t> de audio</a:t>
+            </a:r>
+          </a:p>
+          <a:p>
+            <a:pPr lvl="1">
               <a:buNone/>
             </a:pPr>
-            <a:endParaRPr lang="es-ES" dirty="0" smtClean="0"/>
-          </a:p>
-          <a:p>
-            <a:r>
-              <a:rPr lang="es-ES" dirty="0" smtClean="0"/>
-              <a:t>Se almacena en el ordenador como una secuencia de ceros y unos.</a:t>
-            </a:r>
-            <a:endParaRPr lang="es-ES" dirty="0"/>
-          </a:p>
-        </p:txBody>
-      </p:sp>
-      <p:sp>
-        <p:nvSpPr>
-          <p:cNvPr id="4" name="3 Flecha derecha"/>
-          <p:cNvSpPr/>
-          <p:nvPr/>
-        </p:nvSpPr>
-        <p:spPr>
-          <a:xfrm>
-            <a:off x="6588224" y="3573016"/>
-            <a:ext cx="504056" cy="288032"/>
-          </a:xfrm>
-          <a:prstGeom prst="rightArrow">
-            <a:avLst/>
-          </a:prstGeom>
-        </p:spPr>
-        <p:style>
-          <a:lnRef idx="2">
-            <a:schemeClr val="accent1">
-              <a:shade val="50000"/>
-            </a:schemeClr>
-          </a:lnRef>
-          <a:fillRef idx="1">
-            <a:schemeClr val="accent1"/>
-          </a:fillRef>
-          <a:effectRef idx="0">
-            <a:schemeClr val="accent1"/>
-          </a:effectRef>
-          <a:fontRef idx="minor">
-            <a:schemeClr val="lt1"/>
-          </a:fontRef>
-        </p:style>
-        <p:txBody>
-          <a:bodyPr rtlCol="0" anchor="ctr"/>
-          <a:lstStyle/>
-          <a:p>
-            <a:pPr algn="ctr"/>
-            <a:endParaRPr lang="es-ES"/>
+            <a:r>
+              <a:rPr lang="es-ES" dirty="0" smtClean="0">
+                <a:solidFill>
+                  <a:schemeClr val="bg1">
+                    <a:lumMod val="85000"/>
+                  </a:schemeClr>
+                </a:solidFill>
+              </a:rPr>
+              <a:t>	Motivación</a:t>
+            </a:r>
+          </a:p>
+          <a:p>
+            <a:pPr lvl="1">
+              <a:buNone/>
+            </a:pPr>
+            <a:r>
+              <a:rPr lang="es-ES" dirty="0" smtClean="0">
+                <a:solidFill>
+                  <a:schemeClr val="bg1">
+                    <a:lumMod val="85000"/>
+                  </a:schemeClr>
+                </a:solidFill>
+              </a:rPr>
+              <a:t>	Problemas</a:t>
+            </a:r>
+          </a:p>
+          <a:p>
+            <a:pPr lvl="1">
+              <a:buNone/>
+            </a:pPr>
+            <a:r>
+              <a:rPr lang="es-ES" dirty="0" smtClean="0">
+                <a:solidFill>
+                  <a:schemeClr val="bg1">
+                    <a:lumMod val="85000"/>
+                  </a:schemeClr>
+                </a:solidFill>
+              </a:rPr>
+              <a:t>	Objetivos</a:t>
+            </a:r>
+          </a:p>
+          <a:p>
+            <a:pPr lvl="1">
+              <a:buNone/>
+            </a:pPr>
+            <a:r>
+              <a:rPr lang="es-ES" dirty="0" smtClean="0">
+                <a:solidFill>
+                  <a:schemeClr val="bg1">
+                    <a:lumMod val="85000"/>
+                  </a:schemeClr>
+                </a:solidFill>
+              </a:rPr>
+              <a:t>	Métodos</a:t>
+            </a:r>
           </a:p>
         </p:txBody>
       </p:sp>
@@ -4399,7 +4368,7 @@
           <a:p>
             <a:r>
               <a:rPr lang="es-ES" dirty="0" smtClean="0"/>
-              <a:t>Audio digital</a:t>
+              <a:t>Formato WAV</a:t>
             </a:r>
             <a:endParaRPr lang="es-ES" dirty="0"/>
           </a:p>
@@ -4417,100 +4386,57 @@
         </p:nvSpPr>
         <p:spPr>
           <a:xfrm>
-            <a:off x="467544" y="2132856"/>
-            <a:ext cx="8229600" cy="4389120"/>
+            <a:off x="467544" y="2708920"/>
+            <a:ext cx="8229600" cy="3240360"/>
           </a:xfrm>
         </p:spPr>
         <p:txBody>
-          <a:bodyPr/>
-          <a:lstStyle/>
-          <a:p>
-            <a:r>
-              <a:rPr lang="es-ES" dirty="0" smtClean="0"/>
-              <a:t>Es posible alterar individualmente los bits que componen el archivo de audio digital.</a:t>
-            </a:r>
-          </a:p>
-          <a:p>
-            <a:endParaRPr lang="es-ES" dirty="0" smtClean="0"/>
-          </a:p>
-          <a:p>
-            <a:r>
-              <a:rPr lang="es-ES" dirty="0" smtClean="0"/>
-              <a:t>Cambios no perceptibles por el oído humano.</a:t>
-            </a:r>
-          </a:p>
-          <a:p>
-            <a:endParaRPr lang="es-ES" dirty="0" smtClean="0"/>
-          </a:p>
-          <a:p>
-            <a:pPr>
+          <a:bodyPr>
+            <a:normAutofit lnSpcReduction="10000"/>
+          </a:bodyPr>
+          <a:lstStyle/>
+          <a:p>
+            <a:pPr algn="just"/>
+            <a:r>
+              <a:rPr lang="es-ES" dirty="0" smtClean="0"/>
+              <a:t>Utilizado para almacenar sonidos en PC.</a:t>
+            </a:r>
+          </a:p>
+          <a:p>
+            <a:pPr algn="just"/>
+            <a:endParaRPr lang="es-ES" dirty="0" smtClean="0"/>
+          </a:p>
+          <a:p>
+            <a:pPr algn="just"/>
+            <a:r>
+              <a:rPr lang="es-ES" dirty="0" smtClean="0"/>
+              <a:t>Muy común.</a:t>
+            </a:r>
+          </a:p>
+          <a:p>
+            <a:pPr algn="just"/>
+            <a:endParaRPr lang="es-ES" dirty="0" smtClean="0"/>
+          </a:p>
+          <a:p>
+            <a:pPr algn="just"/>
+            <a:r>
+              <a:rPr lang="es-ES" dirty="0" smtClean="0"/>
+              <a:t>Sin compresión.</a:t>
+            </a:r>
+          </a:p>
+          <a:p>
+            <a:pPr algn="just">
               <a:buNone/>
             </a:pPr>
+            <a:endParaRPr lang="es-ES" dirty="0" smtClean="0"/>
+          </a:p>
+          <a:p>
+            <a:pPr algn="just"/>
+            <a:r>
+              <a:rPr lang="es-ES" dirty="0" smtClean="0"/>
+              <a:t>Cabecera de 44 bytes, y región de datos variable.</a:t>
+            </a:r>
             <a:endParaRPr lang="es-ES" dirty="0"/>
-          </a:p>
-        </p:txBody>
-      </p:sp>
-      <p:pic>
-        <p:nvPicPr>
-          <p:cNvPr id="4" name="3 Marcador de contenido" descr="digitalaudio.gif"/>
-          <p:cNvPicPr>
-            <a:picLocks noChangeAspect="1"/>
-          </p:cNvPicPr>
-          <p:nvPr/>
-        </p:nvPicPr>
-        <p:blipFill>
-          <a:blip r:embed="rId2" cstate="print"/>
-          <a:stretch>
-            <a:fillRect/>
-          </a:stretch>
-        </p:blipFill>
-        <p:spPr>
-          <a:xfrm>
-            <a:off x="1547664" y="4437112"/>
-            <a:ext cx="5976664" cy="1782908"/>
-          </a:xfrm>
-          <a:prstGeom prst="rect">
-            <a:avLst/>
-          </a:prstGeom>
-        </p:spPr>
-      </p:pic>
-      <p:sp>
-        <p:nvSpPr>
-          <p:cNvPr id="5" name="4 Flecha abajo"/>
-          <p:cNvSpPr/>
-          <p:nvPr/>
-        </p:nvSpPr>
-        <p:spPr>
-          <a:xfrm>
-            <a:off x="4211960" y="3068960"/>
-            <a:ext cx="288032" cy="432048"/>
-          </a:xfrm>
-          <a:prstGeom prst="downArrow">
-            <a:avLst/>
-          </a:prstGeom>
-        </p:spPr>
-        <p:style>
-          <a:lnRef idx="2">
-            <a:schemeClr val="accent1">
-              <a:shade val="50000"/>
-            </a:schemeClr>
-          </a:lnRef>
-          <a:fillRef idx="1">
-            <a:schemeClr val="accent1"/>
-          </a:fillRef>
-          <a:effectRef idx="0">
-            <a:schemeClr val="accent1"/>
-          </a:effectRef>
-          <a:fontRef idx="minor">
-            <a:schemeClr val="lt1"/>
-          </a:fontRef>
-        </p:style>
-        <p:txBody>
-          <a:bodyPr rtlCol="0" anchor="ctr"/>
-          <a:lstStyle/>
-          <a:p>
-            <a:pPr algn="ctr"/>
-            <a:endParaRPr lang="es-ES"/>
           </a:p>
         </p:txBody>
       </p:sp>
@@ -4563,154 +4489,35 @@
           <a:p>
             <a:r>
               <a:rPr lang="es-ES" dirty="0" smtClean="0"/>
-              <a:t>Índice</a:t>
+              <a:t>Formato WAV</a:t>
             </a:r>
             <a:endParaRPr lang="es-ES" dirty="0"/>
           </a:p>
         </p:txBody>
       </p:sp>
-      <p:sp>
-        <p:nvSpPr>
-          <p:cNvPr id="3" name="2 Marcador de contenido"/>
-          <p:cNvSpPr>
-            <a:spLocks noGrp="1"/>
-          </p:cNvSpPr>
+      <p:pic>
+        <p:nvPicPr>
+          <p:cNvPr id="4" name="3 Marcador de contenido" descr="wav-sound-format.gif"/>
+          <p:cNvPicPr>
+            <a:picLocks noGrp="1" noChangeAspect="1"/>
+          </p:cNvPicPr>
           <p:nvPr>
             <p:ph idx="1"/>
           </p:nvPr>
-        </p:nvSpPr>
-        <p:spPr/>
-        <p:txBody>
-          <a:bodyPr/>
-          <a:lstStyle/>
-          <a:p>
-            <a:r>
-              <a:rPr lang="es-ES" dirty="0" smtClean="0"/>
-              <a:t>Introducción</a:t>
-            </a:r>
-          </a:p>
-          <a:p>
-            <a:pPr lvl="1"/>
-            <a:r>
-              <a:rPr lang="es-ES" dirty="0" err="1" smtClean="0"/>
-              <a:t>Esteganografía</a:t>
-            </a:r>
-            <a:endParaRPr lang="es-ES" dirty="0" smtClean="0"/>
-          </a:p>
-          <a:p>
-            <a:pPr lvl="1"/>
-            <a:r>
-              <a:rPr lang="es-ES" dirty="0" smtClean="0"/>
-              <a:t>Audio digital</a:t>
-            </a:r>
-          </a:p>
-          <a:p>
-            <a:pPr lvl="1">
-              <a:buFont typeface="Wingdings 2" pitchFamily="18" charset="2"/>
-              <a:buChar char=""/>
-            </a:pPr>
-            <a:r>
-              <a:rPr lang="es-ES" dirty="0" smtClean="0"/>
-              <a:t>Formato WAV</a:t>
-            </a:r>
-          </a:p>
-          <a:p>
-            <a:pPr>
-              <a:buNone/>
-            </a:pPr>
-            <a:r>
-              <a:rPr lang="es-ES" dirty="0" smtClean="0">
-                <a:solidFill>
-                  <a:schemeClr val="bg1">
-                    <a:lumMod val="85000"/>
-                  </a:schemeClr>
-                </a:solidFill>
-              </a:rPr>
-              <a:t>	</a:t>
-            </a:r>
-            <a:r>
-              <a:rPr lang="es-ES" dirty="0" err="1" smtClean="0">
-                <a:solidFill>
-                  <a:schemeClr val="bg1">
-                    <a:lumMod val="85000"/>
-                  </a:schemeClr>
-                </a:solidFill>
-              </a:rPr>
-              <a:t>Esteganografía</a:t>
-            </a:r>
-            <a:r>
-              <a:rPr lang="es-ES" dirty="0" smtClean="0">
-                <a:solidFill>
-                  <a:schemeClr val="bg1">
-                    <a:lumMod val="85000"/>
-                  </a:schemeClr>
-                </a:solidFill>
-              </a:rPr>
-              <a:t> de audio</a:t>
-            </a:r>
-          </a:p>
-          <a:p>
-            <a:pPr lvl="1">
-              <a:buNone/>
-            </a:pPr>
-            <a:r>
-              <a:rPr lang="es-ES" dirty="0" smtClean="0">
-                <a:solidFill>
-                  <a:schemeClr val="bg1">
-                    <a:lumMod val="85000"/>
-                  </a:schemeClr>
-                </a:solidFill>
-              </a:rPr>
-              <a:t>	Motivación</a:t>
-            </a:r>
-          </a:p>
-          <a:p>
-            <a:pPr lvl="1">
-              <a:buNone/>
-            </a:pPr>
-            <a:r>
-              <a:rPr lang="es-ES" dirty="0" smtClean="0">
-                <a:solidFill>
-                  <a:schemeClr val="bg1">
-                    <a:lumMod val="85000"/>
-                  </a:schemeClr>
-                </a:solidFill>
-              </a:rPr>
-              <a:t>	Problemas</a:t>
-            </a:r>
-          </a:p>
-          <a:p>
-            <a:pPr lvl="1">
-              <a:buNone/>
-            </a:pPr>
-            <a:r>
-              <a:rPr lang="es-ES" dirty="0" smtClean="0">
-                <a:solidFill>
-                  <a:schemeClr val="bg1">
-                    <a:lumMod val="85000"/>
-                  </a:schemeClr>
-                </a:solidFill>
-              </a:rPr>
-              <a:t>	Objetivos</a:t>
-            </a:r>
-          </a:p>
-          <a:p>
-            <a:pPr lvl="1">
-              <a:buNone/>
-            </a:pPr>
-            <a:r>
-              <a:rPr lang="es-ES" dirty="0" smtClean="0">
-                <a:solidFill>
-                  <a:schemeClr val="bg1">
-                    <a:lumMod val="85000"/>
-                  </a:schemeClr>
-                </a:solidFill>
-              </a:rPr>
-              <a:t>	Métodos</a:t>
-            </a:r>
-          </a:p>
-        </p:txBody>
-      </p:sp>
+        </p:nvPicPr>
+        <p:blipFill>
+          <a:blip r:embed="rId2" cstate="print"/>
+          <a:stretch>
+            <a:fillRect/>
+          </a:stretch>
+        </p:blipFill>
+        <p:spPr>
+          <a:xfrm>
+            <a:off x="2203097" y="1935163"/>
+            <a:ext cx="4737805" cy="4389437"/>
+          </a:xfrm>
+        </p:spPr>
+      </p:pic>
     </p:spTree>
   </p:cSld>
   <p:clrMapOvr>
@@ -4760,75 +4567,125 @@
           <a:p>
             <a:r>
               <a:rPr lang="es-ES" dirty="0" smtClean="0"/>
+              <a:t>Índice</a:t>
+            </a:r>
+            <a:endParaRPr lang="es-ES" dirty="0"/>
+          </a:p>
+        </p:txBody>
+      </p:sp>
+      <p:sp>
+        <p:nvSpPr>
+          <p:cNvPr id="3" name="2 Marcador de contenido"/>
+          <p:cNvSpPr>
+            <a:spLocks noGrp="1"/>
+          </p:cNvSpPr>
+          <p:nvPr>
+            <p:ph idx="1"/>
+          </p:nvPr>
+        </p:nvSpPr>
+        <p:spPr/>
+        <p:txBody>
+          <a:bodyPr/>
+          <a:lstStyle/>
+          <a:p>
+            <a:r>
+              <a:rPr lang="es-ES" dirty="0" smtClean="0"/>
+              <a:t>Introducción</a:t>
+            </a:r>
+          </a:p>
+          <a:p>
+            <a:pPr lvl="1"/>
+            <a:r>
+              <a:rPr lang="es-ES" dirty="0" err="1" smtClean="0"/>
+              <a:t>Esteganografía</a:t>
+            </a:r>
+            <a:endParaRPr lang="es-ES" dirty="0" smtClean="0"/>
+          </a:p>
+          <a:p>
+            <a:pPr lvl="1"/>
+            <a:r>
+              <a:rPr lang="es-ES" dirty="0" smtClean="0"/>
+              <a:t>Audio digital</a:t>
+            </a:r>
+          </a:p>
+          <a:p>
+            <a:pPr lvl="1">
+              <a:buFont typeface="Wingdings 2" pitchFamily="18" charset="2"/>
+              <a:buChar char=""/>
+            </a:pPr>
+            <a:r>
+              <a:rPr lang="es-ES" dirty="0" smtClean="0"/>
               <a:t>Formato WAV</a:t>
             </a:r>
-            <a:endParaRPr lang="es-ES" dirty="0"/>
-          </a:p>
-        </p:txBody>
-      </p:sp>
-      <p:sp>
-        <p:nvSpPr>
-          <p:cNvPr id="3" name="2 Marcador de contenido"/>
-          <p:cNvSpPr>
-            <a:spLocks noGrp="1"/>
-          </p:cNvSpPr>
-          <p:nvPr>
-            <p:ph idx="1"/>
-          </p:nvPr>
-        </p:nvSpPr>
-        <p:spPr>
-          <a:xfrm>
-            <a:off x="467544" y="2708920"/>
-            <a:ext cx="8229600" cy="3240360"/>
-          </a:xfrm>
-        </p:spPr>
-        <p:txBody>
-          <a:bodyPr>
-            <a:normAutofit lnSpcReduction="10000"/>
-          </a:bodyPr>
-          <a:lstStyle/>
-          <a:p>
-            <a:pPr algn="just"/>
-            <a:r>
-              <a:rPr lang="es-ES" dirty="0" smtClean="0"/>
-              <a:t>Utilizado para almacenar sonidos en PC.</a:t>
-            </a:r>
-          </a:p>
-          <a:p>
-            <a:pPr algn="just"/>
-            <a:endParaRPr lang="es-ES" dirty="0" smtClean="0"/>
-          </a:p>
-          <a:p>
-            <a:pPr algn="just"/>
-            <a:r>
-              <a:rPr lang="es-ES" dirty="0" smtClean="0"/>
-              <a:t>Muy común.</a:t>
-            </a:r>
-          </a:p>
-          <a:p>
-            <a:pPr algn="just"/>
-            <a:endParaRPr lang="es-ES" dirty="0" smtClean="0"/>
-          </a:p>
-          <a:p>
-            <a:pPr algn="just"/>
-            <a:r>
-              <a:rPr lang="es-ES" dirty="0" smtClean="0"/>
-              <a:t>Sin compresión.</a:t>
-            </a:r>
-          </a:p>
-          <a:p>
-            <a:pPr algn="just">
+          </a:p>
+          <a:p>
+            <a:pPr>
+              <a:buFont typeface="Wingdings 2" pitchFamily="18" charset="2"/>
+              <a:buChar char=""/>
+            </a:pPr>
+            <a:r>
+              <a:rPr lang="es-ES" dirty="0" err="1" smtClean="0"/>
+              <a:t>Esteganografía</a:t>
+            </a:r>
+            <a:r>
+              <a:rPr lang="es-ES" dirty="0" smtClean="0"/>
+              <a:t> de audio</a:t>
+            </a:r>
+          </a:p>
+          <a:p>
+            <a:pPr lvl="1">
+              <a:buFont typeface="Wingdings 2" pitchFamily="18" charset="2"/>
+              <a:buChar char=""/>
+            </a:pPr>
+            <a:r>
+              <a:rPr lang="es-ES" dirty="0" smtClean="0"/>
+              <a:t>Motivación</a:t>
+            </a:r>
+          </a:p>
+          <a:p>
+            <a:pPr lvl="1">
               <a:buNone/>
             </a:pPr>
-            <a:endParaRPr lang="es-ES" dirty="0" smtClean="0"/>
-          </a:p>
-          <a:p>
-            <a:pPr algn="just"/>
-            <a:r>
-              <a:rPr lang="es-ES" dirty="0" smtClean="0"/>
-              <a:t>Cabecera de 44 bytes, y región de datos variable.</a:t>
-            </a:r>
-            <a:endParaRPr lang="es-ES" dirty="0"/>
+            <a:r>
+              <a:rPr lang="es-ES" dirty="0" smtClean="0">
+                <a:solidFill>
+                  <a:schemeClr val="bg1">
+                    <a:lumMod val="85000"/>
+                  </a:schemeClr>
+                </a:solidFill>
+              </a:rPr>
+              <a:t>	Problemas</a:t>
+            </a:r>
+          </a:p>
+          <a:p>
+            <a:pPr lvl="1">
+              <a:buNone/>
+            </a:pPr>
+            <a:r>
+              <a:rPr lang="es-ES" dirty="0" smtClean="0">
+                <a:solidFill>
+                  <a:schemeClr val="bg1">
+                    <a:lumMod val="85000"/>
+                  </a:schemeClr>
+                </a:solidFill>
+              </a:rPr>
+              <a:t>	Objetivos</a:t>
+            </a:r>
+          </a:p>
+          <a:p>
+            <a:pPr lvl="1">
+              <a:buNone/>
+            </a:pPr>
+            <a:r>
+              <a:rPr lang="es-ES" dirty="0" smtClean="0">
+                <a:solidFill>
+                  <a:schemeClr val="bg1">
+                    <a:lumMod val="85000"/>
+                  </a:schemeClr>
+                </a:solidFill>
+              </a:rPr>
+              <a:t>	Métodos</a:t>
+            </a:r>
           </a:p>
         </p:txBody>
       </p:sp>
@@ -4876,40 +4733,96 @@
         </p:nvSpPr>
         <p:spPr/>
         <p:txBody>
-          <a:bodyPr/>
-          <a:lstStyle/>
-          <a:p>
-            <a:r>
-              <a:rPr lang="es-ES" dirty="0" smtClean="0"/>
-              <a:t>Formato WAV</a:t>
+          <a:bodyPr>
+            <a:normAutofit/>
+          </a:bodyPr>
+          <a:lstStyle/>
+          <a:p>
+            <a:r>
+              <a:rPr lang="es-ES" dirty="0" smtClean="0"/>
+              <a:t>Motivación</a:t>
             </a:r>
             <a:endParaRPr lang="es-ES" dirty="0"/>
           </a:p>
         </p:txBody>
       </p:sp>
-      <p:pic>
-        <p:nvPicPr>
-          <p:cNvPr id="4" name="3 Marcador de contenido" descr="wav-sound-format.gif"/>
-          <p:cNvPicPr>
-            <a:picLocks noGrp="1" noChangeAspect="1"/>
-          </p:cNvPicPr>
+      <p:sp>
+        <p:nvSpPr>
+          <p:cNvPr id="3" name="2 Marcador de contenido"/>
+          <p:cNvSpPr>
+            <a:spLocks noGrp="1"/>
+          </p:cNvSpPr>
           <p:nvPr>
             <p:ph idx="1"/>
           </p:nvPr>
-        </p:nvPicPr>
-        <p:blipFill>
-          <a:blip r:embed="rId2" cstate="print"/>
-          <a:stretch>
-            <a:fillRect/>
-          </a:stretch>
-        </p:blipFill>
-        <p:spPr>
-          <a:xfrm>
-            <a:off x="2203097" y="1935163"/>
-            <a:ext cx="4737805" cy="4389437"/>
-          </a:xfrm>
-        </p:spPr>
-      </p:pic>
+        </p:nvSpPr>
+        <p:spPr/>
+        <p:txBody>
+          <a:bodyPr>
+            <a:normAutofit/>
+          </a:bodyPr>
+          <a:lstStyle/>
+          <a:p>
+            <a:endParaRPr lang="es-ES" dirty="0" smtClean="0"/>
+          </a:p>
+          <a:p>
+            <a:r>
+              <a:rPr lang="es-ES" dirty="0" smtClean="0"/>
+              <a:t>Privacidad.</a:t>
+            </a:r>
+          </a:p>
+          <a:p>
+            <a:pPr>
+              <a:buNone/>
+            </a:pPr>
+            <a:endParaRPr lang="es-ES" dirty="0" smtClean="0"/>
+          </a:p>
+          <a:p>
+            <a:r>
+              <a:rPr lang="es-ES" dirty="0" smtClean="0"/>
+              <a:t>Protección de propiedad intelectual.</a:t>
+            </a:r>
+          </a:p>
+          <a:p>
+            <a:pPr lvl="1"/>
+            <a:r>
+              <a:rPr lang="es-ES" dirty="0" smtClean="0"/>
+              <a:t>Todo el mundo puede copiar y distribuir archivos</a:t>
+            </a:r>
+            <a:r>
+              <a:rPr lang="es-ES" dirty="0" smtClean="0"/>
+              <a:t>.</a:t>
+            </a:r>
+            <a:endParaRPr lang="es-ES" dirty="0" smtClean="0"/>
+          </a:p>
+          <a:p>
+            <a:pPr lvl="1"/>
+            <a:r>
+              <a:rPr lang="es-ES" dirty="0" smtClean="0"/>
+              <a:t>Grandes pérdidas de dinero para los autores.</a:t>
+            </a:r>
+          </a:p>
+          <a:p>
+            <a:pPr lvl="1"/>
+            <a:r>
+              <a:rPr lang="es-ES" dirty="0" smtClean="0"/>
+              <a:t>Métodos tradicionales no suficientes</a:t>
+            </a:r>
+            <a:r>
+              <a:rPr lang="es-ES" dirty="0" smtClean="0"/>
+              <a:t>.</a:t>
+            </a:r>
+          </a:p>
+          <a:p>
+            <a:pPr lvl="1"/>
+            <a:r>
+              <a:rPr lang="es-ES" dirty="0" smtClean="0"/>
+              <a:t>Marcas de agua.</a:t>
+            </a:r>
+            <a:endParaRPr lang="es-ES" dirty="0"/>
+          </a:p>
+        </p:txBody>
+      </p:sp>
     </p:spTree>
   </p:cSld>
   <p:clrMapOvr>
@@ -5036,17 +4949,12 @@
           </a:p>
           <a:p>
             <a:pPr lvl="1">
-              <a:buNone/>
+              <a:buFont typeface="Wingdings 2" pitchFamily="18" charset="2"/>
+              <a:buChar char=""/>
             </a:pPr>
             <a:r>
-              <a:rPr lang="es-ES" dirty="0" smtClean="0">
-                <a:solidFill>
-                  <a:schemeClr val="bg1">
-                    <a:lumMod val="85000"/>
-                  </a:schemeClr>
-                </a:solidFill>
-              </a:rPr>
-              <a:t>	Problemas</a:t>
+              <a:rPr lang="es-ES" dirty="0" smtClean="0"/>
+              <a:t>Problemas</a:t>
             </a:r>
           </a:p>
           <a:p>
@@ -5126,49 +5034,65 @@
         <p:spPr/>
         <p:txBody>
           <a:bodyPr>
-            <a:normAutofit fontScale="90000"/>
-          </a:bodyPr>
-          <a:lstStyle/>
-          <a:p>
-            <a:r>
-              <a:rPr lang="es-ES" dirty="0" err="1" smtClean="0"/>
-              <a:t>Esteganografía</a:t>
-            </a:r>
-            <a:r>
-              <a:rPr lang="es-ES" dirty="0" smtClean="0"/>
-              <a:t> de audio: motivación</a:t>
-            </a:r>
-            <a:endParaRPr lang="es-ES" dirty="0"/>
-          </a:p>
-        </p:txBody>
-      </p:sp>
-      <p:sp>
-        <p:nvSpPr>
-          <p:cNvPr id="3" name="2 Marcador de contenido"/>
-          <p:cNvSpPr>
-            <a:spLocks noGrp="1"/>
-          </p:cNvSpPr>
-          <p:nvPr>
-            <p:ph idx="1"/>
-          </p:nvPr>
-        </p:nvSpPr>
-        <p:spPr/>
-        <p:txBody>
-          <a:bodyPr>
             <a:normAutofit/>
           </a:bodyPr>
           <a:lstStyle/>
           <a:p>
-            <a:endParaRPr lang="es-ES" dirty="0" smtClean="0"/>
-          </a:p>
-          <a:p>
-            <a:r>
-              <a:rPr lang="es-ES" dirty="0" smtClean="0"/>
-              <a:t>Privacidad.</a:t>
-            </a:r>
-          </a:p>
-          <a:p>
-            <a:pPr>
+            <a:r>
+              <a:rPr lang="es-ES" dirty="0" smtClean="0"/>
+              <a:t>Problemas</a:t>
+            </a:r>
+            <a:endParaRPr lang="es-ES" dirty="0"/>
+          </a:p>
+        </p:txBody>
+      </p:sp>
+      <p:sp>
+        <p:nvSpPr>
+          <p:cNvPr id="3" name="2 Marcador de contenido"/>
+          <p:cNvSpPr>
+            <a:spLocks noGrp="1"/>
+          </p:cNvSpPr>
+          <p:nvPr>
+            <p:ph idx="1"/>
+          </p:nvPr>
+        </p:nvSpPr>
+        <p:spPr>
+          <a:xfrm>
+            <a:off x="457200" y="2636912"/>
+            <a:ext cx="8229600" cy="3687688"/>
+          </a:xfrm>
+        </p:spPr>
+        <p:txBody>
+          <a:bodyPr/>
+          <a:lstStyle/>
+          <a:p>
+            <a:r>
+              <a:rPr lang="es-ES" dirty="0" smtClean="0"/>
+              <a:t>Más dificultosa que la </a:t>
+            </a:r>
+            <a:r>
+              <a:rPr lang="es-ES" dirty="0" err="1" smtClean="0"/>
+              <a:t>esteganografía</a:t>
+            </a:r>
+            <a:r>
+              <a:rPr lang="es-ES" dirty="0" smtClean="0"/>
+              <a:t> de </a:t>
+            </a:r>
+            <a:r>
+              <a:rPr lang="es-ES" dirty="0" smtClean="0"/>
+              <a:t>imágenes. </a:t>
+            </a:r>
+            <a:endParaRPr lang="es-ES" dirty="0" smtClean="0"/>
+          </a:p>
+          <a:p>
+            <a:pPr lvl="1"/>
+            <a:r>
+              <a:rPr lang="es-ES" dirty="0" smtClean="0"/>
+              <a:t>Sistema auditivo humano más sensible que sistema visual.</a:t>
+            </a:r>
+          </a:p>
+          <a:p>
+            <a:pPr lvl="1">
               <a:buNone/>
             </a:pPr>
             <a:endParaRPr lang="es-ES" dirty="0" smtClean="0"/>
@@ -5176,38 +5100,8 @@
           <a:p>
             <a:r>
               <a:rPr lang="es-ES" dirty="0" smtClean="0"/>
-              <a:t>Protección de propiedad intelectual.</a:t>
-            </a:r>
-          </a:p>
-          <a:p>
-            <a:pPr lvl="1"/>
-            <a:r>
-              <a:rPr lang="es-ES" dirty="0" smtClean="0"/>
-              <a:t>Todo el mundo puede copiar y distribuir archivos.</a:t>
-            </a:r>
-          </a:p>
-          <a:p>
-            <a:pPr lvl="1"/>
-            <a:r>
-              <a:rPr lang="es-ES" dirty="0" smtClean="0"/>
-              <a:t>No empeora la calidad del archivo.</a:t>
-            </a:r>
-          </a:p>
-          <a:p>
-            <a:pPr lvl="1"/>
-            <a:r>
-              <a:rPr lang="es-ES" dirty="0" smtClean="0"/>
-              <a:t>Grandes pérdidas de dinero para los autores.</a:t>
-            </a:r>
-          </a:p>
-          <a:p>
-            <a:pPr lvl="1"/>
-            <a:r>
-              <a:rPr lang="es-ES" dirty="0" smtClean="0"/>
-              <a:t>Facilidad de sustituir una cabecera por otra.</a:t>
-            </a:r>
-          </a:p>
-          <a:p>
+              <a:t>Se puede introducir  de manera transparente una cantidad de información menor.</a:t>
+            </a:r>
             <a:endParaRPr lang="es-ES" dirty="0"/>
           </a:p>
         </p:txBody>
@@ -5348,17 +5242,12 @@
           </a:p>
           <a:p>
             <a:pPr lvl="1">
-              <a:buNone/>
+              <a:buFont typeface="Wingdings 2" pitchFamily="18" charset="2"/>
+              <a:buChar char=""/>
             </a:pPr>
             <a:r>
-              <a:rPr lang="es-ES" dirty="0" smtClean="0">
-                <a:solidFill>
-                  <a:schemeClr val="bg1">
-                    <a:lumMod val="85000"/>
-                  </a:schemeClr>
-                </a:solidFill>
-              </a:rPr>
-              <a:t>	Objetivos</a:t>
+              <a:rPr lang="es-ES" dirty="0" smtClean="0"/>
+              <a:t>Objetivos</a:t>
             </a:r>
           </a:p>
           <a:p>
@@ -5423,17 +5312,13 @@
         <p:spPr/>
         <p:txBody>
           <a:bodyPr>
-            <a:normAutofit fontScale="90000"/>
+            <a:normAutofit/>
           </a:bodyPr>
           <a:lstStyle/>
           <a:p>
             <a:r>
-              <a:rPr lang="es-ES" dirty="0" err="1" smtClean="0"/>
-              <a:t>Esteganografía</a:t>
-            </a:r>
-            <a:r>
-              <a:rPr lang="es-ES" dirty="0" smtClean="0"/>
-              <a:t> de audio: problemas</a:t>
+              <a:rPr lang="es-ES" dirty="0" smtClean="0"/>
+              <a:t>Objetivos</a:t>
             </a:r>
             <a:endParaRPr lang="es-ES" dirty="0"/>
           </a:p>
@@ -5451,44 +5336,76 @@
         </p:nvSpPr>
         <p:spPr>
           <a:xfrm>
-            <a:off x="457200" y="2636912"/>
-            <a:ext cx="8229600" cy="3687688"/>
+            <a:off x="395536" y="2132856"/>
+            <a:ext cx="8229600" cy="4389120"/>
           </a:xfrm>
         </p:spPr>
         <p:txBody>
-          <a:bodyPr/>
-          <a:lstStyle/>
-          <a:p>
-            <a:r>
-              <a:rPr lang="es-ES" dirty="0" smtClean="0"/>
-              <a:t>Más dificultosa que la </a:t>
+          <a:bodyPr>
+            <a:normAutofit/>
+          </a:bodyPr>
+          <a:lstStyle/>
+          <a:p>
+            <a:endParaRPr lang="es-ES" b="1" dirty="0" smtClean="0"/>
+          </a:p>
+          <a:p>
+            <a:r>
+              <a:rPr lang="es-ES" b="1" dirty="0" smtClean="0"/>
+              <a:t>Transparencia</a:t>
+            </a:r>
+            <a:r>
+              <a:rPr lang="es-ES" dirty="0" smtClean="0"/>
+              <a:t>:</a:t>
+            </a:r>
+            <a:r>
+              <a:rPr lang="es-ES" b="1" dirty="0" smtClean="0"/>
+              <a:t> </a:t>
+            </a:r>
+            <a:r>
+              <a:rPr lang="es-ES" dirty="0" smtClean="0"/>
+              <a:t>Imposibilidad de percibir que se ha </a:t>
             </a:r>
             <a:r>
               <a:rPr lang="es-ES" dirty="0" err="1" smtClean="0"/>
-              <a:t>esteganografía</a:t>
-            </a:r>
-            <a:r>
-              <a:rPr lang="es-ES" dirty="0" smtClean="0"/>
-              <a:t> de imágenes </a:t>
-            </a:r>
-          </a:p>
-          <a:p>
-            <a:pPr lvl="1"/>
-            <a:r>
-              <a:rPr lang="es-ES" dirty="0" smtClean="0"/>
-              <a:t>Sistema auditivo humano más sensible que sistema visual.</a:t>
-            </a:r>
-          </a:p>
-          <a:p>
-            <a:pPr lvl="1">
-              <a:buNone/>
-            </a:pPr>
-            <a:endParaRPr lang="es-ES" dirty="0" smtClean="0"/>
-          </a:p>
-          <a:p>
-            <a:r>
-              <a:rPr lang="es-ES" dirty="0" smtClean="0"/>
-              <a:t>Se puede introducir  de manera transparente una cantidad de información menor.</a:t>
+              <a:t>incluído</a:t>
+            </a:r>
+            <a:r>
+              <a:rPr lang="es-ES" dirty="0" smtClean="0"/>
+              <a:t> un mensaje.</a:t>
+            </a:r>
+          </a:p>
+          <a:p>
+            <a:endParaRPr lang="es-ES" b="1" dirty="0" smtClean="0"/>
+          </a:p>
+          <a:p>
+            <a:r>
+              <a:rPr lang="es-ES" b="1" dirty="0" smtClean="0"/>
+              <a:t>Robustez</a:t>
+            </a:r>
+            <a:r>
+              <a:rPr lang="es-ES" dirty="0" smtClean="0"/>
+              <a:t>: Resistencia a modificaciones del archivo de audio.</a:t>
+            </a:r>
+          </a:p>
+          <a:p>
+            <a:endParaRPr lang="es-ES" dirty="0" smtClean="0"/>
+          </a:p>
+          <a:p>
+            <a:r>
+              <a:rPr lang="es-ES" b="1" dirty="0" smtClean="0"/>
+              <a:t>Alto volumen de datos </a:t>
+            </a:r>
+            <a:r>
+              <a:rPr lang="es-ES" dirty="0" smtClean="0"/>
+              <a:t>(data </a:t>
+            </a:r>
+            <a:r>
+              <a:rPr lang="es-ES" dirty="0" err="1" smtClean="0"/>
+              <a:t>rate</a:t>
+            </a:r>
+            <a:r>
+              <a:rPr lang="es-ES" dirty="0" smtClean="0"/>
+              <a:t>): Incluir grandes mensajes ocultos en pequeños archivos de audio.</a:t>
             </a:r>
             <a:endParaRPr lang="es-ES" dirty="0"/>
           </a:p>
@@ -5694,327 +5611,14 @@
         </p:nvSpPr>
         <p:spPr/>
         <p:txBody>
-          <a:bodyPr/>
-          <a:lstStyle/>
-          <a:p>
-            <a:r>
-              <a:rPr lang="es-ES" dirty="0" smtClean="0"/>
-              <a:t>Índice</a:t>
-            </a:r>
-            <a:endParaRPr lang="es-ES" dirty="0"/>
-          </a:p>
-        </p:txBody>
-      </p:sp>
-      <p:sp>
-        <p:nvSpPr>
-          <p:cNvPr id="3" name="2 Marcador de contenido"/>
-          <p:cNvSpPr>
-            <a:spLocks noGrp="1"/>
-          </p:cNvSpPr>
-          <p:nvPr>
-            <p:ph idx="1"/>
-          </p:nvPr>
-        </p:nvSpPr>
-        <p:spPr/>
-        <p:txBody>
-          <a:bodyPr/>
-          <a:lstStyle/>
-          <a:p>
-            <a:r>
-              <a:rPr lang="es-ES" dirty="0" smtClean="0"/>
-              <a:t>Introducción</a:t>
-            </a:r>
-          </a:p>
-          <a:p>
-            <a:pPr lvl="1"/>
-            <a:r>
-              <a:rPr lang="es-ES" dirty="0" err="1" smtClean="0"/>
-              <a:t>Esteganografía</a:t>
-            </a:r>
-            <a:endParaRPr lang="es-ES" dirty="0" smtClean="0"/>
-          </a:p>
-          <a:p>
-            <a:pPr lvl="1"/>
-            <a:r>
-              <a:rPr lang="es-ES" dirty="0" smtClean="0"/>
-              <a:t>Audio digital</a:t>
-            </a:r>
-          </a:p>
-          <a:p>
-            <a:pPr lvl="1">
-              <a:buFont typeface="Wingdings 2" pitchFamily="18" charset="2"/>
-              <a:buChar char=""/>
-            </a:pPr>
-            <a:r>
-              <a:rPr lang="es-ES" dirty="0" smtClean="0"/>
-              <a:t>Formato WAV</a:t>
-            </a:r>
-          </a:p>
-          <a:p>
-            <a:pPr>
-              <a:buFont typeface="Wingdings 2" pitchFamily="18" charset="2"/>
-              <a:buChar char=""/>
-            </a:pPr>
-            <a:r>
-              <a:rPr lang="es-ES" dirty="0" err="1" smtClean="0"/>
-              <a:t>Esteganografía</a:t>
-            </a:r>
-            <a:r>
-              <a:rPr lang="es-ES" dirty="0" smtClean="0"/>
-              <a:t> de audio</a:t>
-            </a:r>
-          </a:p>
-          <a:p>
-            <a:pPr lvl="1">
-              <a:buFont typeface="Wingdings 2" pitchFamily="18" charset="2"/>
-              <a:buChar char=""/>
-            </a:pPr>
-            <a:r>
-              <a:rPr lang="es-ES" dirty="0" smtClean="0"/>
-              <a:t>Motivación</a:t>
-            </a:r>
-          </a:p>
-          <a:p>
-            <a:pPr lvl="1">
-              <a:buFont typeface="Wingdings 2" pitchFamily="18" charset="2"/>
-              <a:buChar char=""/>
-            </a:pPr>
-            <a:r>
-              <a:rPr lang="es-ES" dirty="0" smtClean="0"/>
-              <a:t>Problemas</a:t>
-            </a:r>
-          </a:p>
-          <a:p>
-            <a:pPr lvl="1">
-              <a:buFont typeface="Wingdings 2" pitchFamily="18" charset="2"/>
-              <a:buChar char=""/>
-            </a:pPr>
-            <a:r>
-              <a:rPr lang="es-ES" dirty="0" smtClean="0"/>
-              <a:t>Objetivos</a:t>
-            </a:r>
-          </a:p>
-          <a:p>
-            <a:pPr lvl="1">
-              <a:buNone/>
-            </a:pPr>
-            <a:r>
-              <a:rPr lang="es-ES" dirty="0" smtClean="0">
-                <a:solidFill>
-                  <a:schemeClr val="bg1">
-                    <a:lumMod val="85000"/>
-                  </a:schemeClr>
-                </a:solidFill>
-              </a:rPr>
-              <a:t>	Métodos</a:t>
-            </a:r>
-          </a:p>
-        </p:txBody>
-      </p:sp>
-    </p:spTree>
-  </p:cSld>
-  <p:clrMapOvr>
-    <a:masterClrMapping/>
-  </p:clrMapOvr>
-  <p:timing>
-    <p:tnLst>
-      <p:par>
-        <p:cTn id="1" dur="indefinite" restart="never" nodeType="tmRoot"/>
-      </p:par>
-    </p:tnLst>
-  </p:timing>
-</p:sld>
-</file>
-
-<file path=ppt/slides/slide21.xml><?xml version="1.0" encoding="utf-8"?>
-<p:sld xmlns:a="http://schemas.openxmlformats.org/drawingml/2006/main" xmlns:r="http://schemas.openxmlformats.org/officeDocument/2006/relationships" xmlns:p="http://schemas.openxmlformats.org/presentationml/2006/main">
-  <p:cSld>
-    <p:spTree>
-      <p:nvGrpSpPr>
-        <p:cNvPr id="1" name=""/>
-        <p:cNvGrpSpPr/>
-        <p:nvPr/>
-      </p:nvGrpSpPr>
-      <p:grpSpPr>
-        <a:xfrm>
-          <a:off x="0" y="0"/>
-          <a:ext cx="0" cy="0"/>
-          <a:chOff x="0" y="0"/>
-          <a:chExt cx="0" cy="0"/>
-        </a:xfrm>
-      </p:grpSpPr>
-      <p:sp>
-        <p:nvSpPr>
-          <p:cNvPr id="2" name="1 Título"/>
-          <p:cNvSpPr>
-            <a:spLocks noGrp="1"/>
-          </p:cNvSpPr>
-          <p:nvPr>
-            <p:ph type="title"/>
-          </p:nvPr>
-        </p:nvSpPr>
-        <p:spPr/>
-        <p:txBody>
-          <a:bodyPr>
-            <a:normAutofit fontScale="90000"/>
-          </a:bodyPr>
-          <a:lstStyle/>
-          <a:p>
-            <a:r>
-              <a:rPr lang="es-ES" dirty="0" err="1" smtClean="0"/>
-              <a:t>Esteganografía</a:t>
-            </a:r>
-            <a:r>
-              <a:rPr lang="es-ES" dirty="0" smtClean="0"/>
-              <a:t> de audio: objetivos</a:t>
-            </a:r>
-            <a:endParaRPr lang="es-ES" dirty="0"/>
-          </a:p>
-        </p:txBody>
-      </p:sp>
-      <p:sp>
-        <p:nvSpPr>
-          <p:cNvPr id="3" name="2 Marcador de contenido"/>
-          <p:cNvSpPr>
-            <a:spLocks noGrp="1"/>
-          </p:cNvSpPr>
-          <p:nvPr>
-            <p:ph idx="1"/>
-          </p:nvPr>
-        </p:nvSpPr>
-        <p:spPr>
-          <a:xfrm>
-            <a:off x="395536" y="2132856"/>
-            <a:ext cx="8229600" cy="4389120"/>
-          </a:xfrm>
-        </p:spPr>
-        <p:txBody>
           <a:bodyPr>
             <a:normAutofit/>
           </a:bodyPr>
           <a:lstStyle/>
           <a:p>
-            <a:endParaRPr lang="es-ES" b="1" dirty="0" smtClean="0"/>
-          </a:p>
-          <a:p>
-            <a:r>
-              <a:rPr lang="es-ES" b="1" dirty="0" smtClean="0"/>
-              <a:t>Transparencia</a:t>
-            </a:r>
-            <a:r>
-              <a:rPr lang="es-ES" dirty="0" smtClean="0"/>
-              <a:t>:</a:t>
-            </a:r>
-            <a:r>
-              <a:rPr lang="es-ES" b="1" dirty="0" smtClean="0"/>
-              <a:t> </a:t>
-            </a:r>
-            <a:r>
-              <a:rPr lang="es-ES" dirty="0" smtClean="0"/>
-              <a:t>Imposibilidad de percibir que se ha </a:t>
-            </a:r>
-            <a:r>
-              <a:rPr lang="es-ES" dirty="0" err="1" smtClean="0"/>
-              <a:t>incluído</a:t>
-            </a:r>
-            <a:r>
-              <a:rPr lang="es-ES" dirty="0" smtClean="0"/>
-              <a:t> un mensaje.</a:t>
-            </a:r>
-          </a:p>
-          <a:p>
-            <a:endParaRPr lang="es-ES" b="1" dirty="0" smtClean="0"/>
-          </a:p>
-          <a:p>
-            <a:r>
-              <a:rPr lang="es-ES" b="1" dirty="0" smtClean="0"/>
-              <a:t>Robustez</a:t>
-            </a:r>
-            <a:r>
-              <a:rPr lang="es-ES" dirty="0" smtClean="0"/>
-              <a:t>: Resistencia a modificaciones del archivo de audio.</a:t>
-            </a:r>
-          </a:p>
-          <a:p>
-            <a:endParaRPr lang="es-ES" dirty="0" smtClean="0"/>
-          </a:p>
-          <a:p>
-            <a:r>
-              <a:rPr lang="es-ES" b="1" dirty="0" smtClean="0"/>
-              <a:t>Alto volumen de datos </a:t>
-            </a:r>
-            <a:r>
-              <a:rPr lang="es-ES" dirty="0" smtClean="0"/>
-              <a:t>(data </a:t>
-            </a:r>
-            <a:r>
-              <a:rPr lang="es-ES" dirty="0" err="1" smtClean="0"/>
-              <a:t>rate</a:t>
-            </a:r>
-            <a:r>
-              <a:rPr lang="es-ES" dirty="0" smtClean="0"/>
-              <a:t>): Incluir grandes mensajes ocultos en pequeños archivos de audio.</a:t>
-            </a:r>
-            <a:endParaRPr lang="es-ES" dirty="0"/>
-          </a:p>
-        </p:txBody>
-      </p:sp>
-    </p:spTree>
-  </p:cSld>
-  <p:clrMapOvr>
-    <a:masterClrMapping/>
-  </p:clrMapOvr>
-  <p:timing>
-    <p:tnLst>
-      <p:par>
-        <p:cTn id="1" dur="indefinite" restart="never" nodeType="tmRoot"/>
-      </p:par>
-    </p:tnLst>
-  </p:timing>
-</p:sld>
-</file>
-
-<file path=ppt/slides/slide22.xml><?xml version="1.0" encoding="utf-8"?>
-<p:sld xmlns:a="http://schemas.openxmlformats.org/drawingml/2006/main" xmlns:r="http://schemas.openxmlformats.org/officeDocument/2006/relationships" xmlns:p="http://schemas.openxmlformats.org/presentationml/2006/main">
-  <p:cSld>
-    <p:spTree>
-      <p:nvGrpSpPr>
-        <p:cNvPr id="1" name=""/>
-        <p:cNvGrpSpPr/>
-        <p:nvPr/>
-      </p:nvGrpSpPr>
-      <p:grpSpPr>
-        <a:xfrm>
-          <a:off x="0" y="0"/>
-          <a:ext cx="0" cy="0"/>
-          <a:chOff x="0" y="0"/>
-          <a:chExt cx="0" cy="0"/>
-        </a:xfrm>
-      </p:grpSpPr>
-      <p:sp>
-        <p:nvSpPr>
-          <p:cNvPr id="2" name="1 Título"/>
-          <p:cNvSpPr>
-            <a:spLocks noGrp="1"/>
-          </p:cNvSpPr>
-          <p:nvPr>
-            <p:ph type="title"/>
-          </p:nvPr>
-        </p:nvSpPr>
-        <p:spPr/>
-        <p:txBody>
-          <a:bodyPr>
-            <a:normAutofit fontScale="90000"/>
-          </a:bodyPr>
-          <a:lstStyle/>
-          <a:p>
-            <a:r>
-              <a:rPr lang="es-ES" dirty="0" err="1" smtClean="0"/>
-              <a:t>Esteganografía</a:t>
-            </a:r>
-            <a:r>
-              <a:rPr lang="es-ES" dirty="0" smtClean="0"/>
-              <a:t> de audio: objetivos</a:t>
+            <a:r>
+              <a:rPr lang="es-ES" dirty="0" smtClean="0"/>
+              <a:t>Objetivos</a:t>
             </a:r>
             <a:endParaRPr lang="es-ES" dirty="0"/>
           </a:p>
@@ -6044,7 +5648,11 @@
           <a:p>
             <a:r>
               <a:rPr lang="es-ES" sz="2800" dirty="0" smtClean="0"/>
-              <a:t>Son requisitos contradictorios</a:t>
+              <a:t>Son requisitos </a:t>
+            </a:r>
+            <a:r>
+              <a:rPr lang="es-ES" sz="2800" dirty="0" smtClean="0"/>
+              <a:t>contradictorios.</a:t>
             </a:r>
             <a:endParaRPr lang="es-ES" sz="2800" dirty="0"/>
           </a:p>
@@ -6116,6 +5724,299 @@
 </p:sld>
 </file>
 
+<file path=ppt/slides/slide21.xml><?xml version="1.0" encoding="utf-8"?>
+<p:sld xmlns:a="http://schemas.openxmlformats.org/drawingml/2006/main" xmlns:r="http://schemas.openxmlformats.org/officeDocument/2006/relationships" xmlns:p="http://schemas.openxmlformats.org/presentationml/2006/main">
+  <p:cSld>
+    <p:spTree>
+      <p:nvGrpSpPr>
+        <p:cNvPr id="1" name=""/>
+        <p:cNvGrpSpPr/>
+        <p:nvPr/>
+      </p:nvGrpSpPr>
+      <p:grpSpPr>
+        <a:xfrm>
+          <a:off x="0" y="0"/>
+          <a:ext cx="0" cy="0"/>
+          <a:chOff x="0" y="0"/>
+          <a:chExt cx="0" cy="0"/>
+        </a:xfrm>
+      </p:grpSpPr>
+      <p:sp>
+        <p:nvSpPr>
+          <p:cNvPr id="2" name="1 Título"/>
+          <p:cNvSpPr>
+            <a:spLocks noGrp="1"/>
+          </p:cNvSpPr>
+          <p:nvPr>
+            <p:ph type="title"/>
+          </p:nvPr>
+        </p:nvSpPr>
+        <p:spPr/>
+        <p:txBody>
+          <a:bodyPr/>
+          <a:lstStyle/>
+          <a:p>
+            <a:r>
+              <a:rPr lang="es-ES" dirty="0" smtClean="0"/>
+              <a:t>Índice</a:t>
+            </a:r>
+            <a:endParaRPr lang="es-ES" dirty="0"/>
+          </a:p>
+        </p:txBody>
+      </p:sp>
+      <p:sp>
+        <p:nvSpPr>
+          <p:cNvPr id="3" name="2 Marcador de contenido"/>
+          <p:cNvSpPr>
+            <a:spLocks noGrp="1"/>
+          </p:cNvSpPr>
+          <p:nvPr>
+            <p:ph idx="1"/>
+          </p:nvPr>
+        </p:nvSpPr>
+        <p:spPr/>
+        <p:txBody>
+          <a:bodyPr/>
+          <a:lstStyle/>
+          <a:p>
+            <a:r>
+              <a:rPr lang="es-ES" dirty="0" smtClean="0"/>
+              <a:t>Introducción</a:t>
+            </a:r>
+          </a:p>
+          <a:p>
+            <a:pPr lvl="1"/>
+            <a:r>
+              <a:rPr lang="es-ES" dirty="0" err="1" smtClean="0"/>
+              <a:t>Esteganografía</a:t>
+            </a:r>
+            <a:endParaRPr lang="es-ES" dirty="0" smtClean="0"/>
+          </a:p>
+          <a:p>
+            <a:pPr lvl="1"/>
+            <a:r>
+              <a:rPr lang="es-ES" dirty="0" smtClean="0"/>
+              <a:t>Audio digital</a:t>
+            </a:r>
+          </a:p>
+          <a:p>
+            <a:pPr lvl="1">
+              <a:buFont typeface="Wingdings 2" pitchFamily="18" charset="2"/>
+              <a:buChar char=""/>
+            </a:pPr>
+            <a:r>
+              <a:rPr lang="es-ES" dirty="0" smtClean="0"/>
+              <a:t>Formato WAV</a:t>
+            </a:r>
+          </a:p>
+          <a:p>
+            <a:pPr>
+              <a:buFont typeface="Wingdings 2" pitchFamily="18" charset="2"/>
+              <a:buChar char=""/>
+            </a:pPr>
+            <a:r>
+              <a:rPr lang="es-ES" dirty="0" err="1" smtClean="0"/>
+              <a:t>Esteganografía</a:t>
+            </a:r>
+            <a:r>
+              <a:rPr lang="es-ES" dirty="0" smtClean="0"/>
+              <a:t> de audio</a:t>
+            </a:r>
+          </a:p>
+          <a:p>
+            <a:pPr lvl="1">
+              <a:buFont typeface="Wingdings 2" pitchFamily="18" charset="2"/>
+              <a:buChar char=""/>
+            </a:pPr>
+            <a:r>
+              <a:rPr lang="es-ES" dirty="0" smtClean="0"/>
+              <a:t>Motivación</a:t>
+            </a:r>
+          </a:p>
+          <a:p>
+            <a:pPr lvl="1">
+              <a:buFont typeface="Wingdings 2" pitchFamily="18" charset="2"/>
+              <a:buChar char=""/>
+            </a:pPr>
+            <a:r>
+              <a:rPr lang="es-ES" dirty="0" smtClean="0"/>
+              <a:t>Problemas</a:t>
+            </a:r>
+          </a:p>
+          <a:p>
+            <a:pPr lvl="1">
+              <a:buFont typeface="Wingdings 2" pitchFamily="18" charset="2"/>
+              <a:buChar char=""/>
+            </a:pPr>
+            <a:r>
+              <a:rPr lang="es-ES" dirty="0" smtClean="0"/>
+              <a:t>Objetivos</a:t>
+            </a:r>
+          </a:p>
+          <a:p>
+            <a:pPr lvl="1">
+              <a:buFont typeface="Wingdings 2" pitchFamily="18" charset="2"/>
+              <a:buChar char=""/>
+            </a:pPr>
+            <a:r>
+              <a:rPr lang="es-ES" dirty="0" smtClean="0"/>
+              <a:t>Métodos</a:t>
+            </a:r>
+          </a:p>
+        </p:txBody>
+      </p:sp>
+    </p:spTree>
+  </p:cSld>
+  <p:clrMapOvr>
+    <a:masterClrMapping/>
+  </p:clrMapOvr>
+  <p:timing>
+    <p:tnLst>
+      <p:par>
+        <p:cTn id="1" dur="indefinite" restart="never" nodeType="tmRoot"/>
+      </p:par>
+    </p:tnLst>
+  </p:timing>
+</p:sld>
+</file>
+
+<file path=ppt/slides/slide22.xml><?xml version="1.0" encoding="utf-8"?>
+<p:sld xmlns:a="http://schemas.openxmlformats.org/drawingml/2006/main" xmlns:r="http://schemas.openxmlformats.org/officeDocument/2006/relationships" xmlns:p="http://schemas.openxmlformats.org/presentationml/2006/main">
+  <p:cSld>
+    <p:spTree>
+      <p:nvGrpSpPr>
+        <p:cNvPr id="1" name=""/>
+        <p:cNvGrpSpPr/>
+        <p:nvPr/>
+      </p:nvGrpSpPr>
+      <p:grpSpPr>
+        <a:xfrm>
+          <a:off x="0" y="0"/>
+          <a:ext cx="0" cy="0"/>
+          <a:chOff x="0" y="0"/>
+          <a:chExt cx="0" cy="0"/>
+        </a:xfrm>
+      </p:grpSpPr>
+      <p:sp>
+        <p:nvSpPr>
+          <p:cNvPr id="2" name="1 Título"/>
+          <p:cNvSpPr>
+            <a:spLocks noGrp="1"/>
+          </p:cNvSpPr>
+          <p:nvPr>
+            <p:ph type="title"/>
+          </p:nvPr>
+        </p:nvSpPr>
+        <p:spPr/>
+        <p:txBody>
+          <a:bodyPr/>
+          <a:lstStyle/>
+          <a:p>
+            <a:r>
+              <a:rPr lang="es-ES" dirty="0" smtClean="0"/>
+              <a:t>Métodos</a:t>
+            </a:r>
+            <a:endParaRPr lang="es-ES" dirty="0"/>
+          </a:p>
+        </p:txBody>
+      </p:sp>
+      <p:sp>
+        <p:nvSpPr>
+          <p:cNvPr id="3" name="2 Marcador de contenido"/>
+          <p:cNvSpPr>
+            <a:spLocks noGrp="1"/>
+          </p:cNvSpPr>
+          <p:nvPr>
+            <p:ph idx="1"/>
+          </p:nvPr>
+        </p:nvSpPr>
+        <p:spPr/>
+        <p:txBody>
+          <a:bodyPr/>
+          <a:lstStyle/>
+          <a:p>
+            <a:endParaRPr lang="es-ES" sz="2800" dirty="0" smtClean="0"/>
+          </a:p>
+          <a:p>
+            <a:r>
+              <a:rPr lang="es-ES" sz="2800" dirty="0" smtClean="0"/>
+              <a:t>LSB </a:t>
+            </a:r>
+            <a:r>
+              <a:rPr lang="es-ES" sz="2800" dirty="0" err="1" smtClean="0"/>
+              <a:t>coding</a:t>
+            </a:r>
+            <a:endParaRPr lang="es-ES" sz="2800" dirty="0" smtClean="0"/>
+          </a:p>
+          <a:p>
+            <a:r>
+              <a:rPr lang="es-ES" sz="2800" dirty="0" err="1" smtClean="0"/>
+              <a:t>Parity</a:t>
+            </a:r>
+            <a:r>
+              <a:rPr lang="es-ES" sz="2800" dirty="0" smtClean="0"/>
+              <a:t> </a:t>
+            </a:r>
+            <a:r>
+              <a:rPr lang="es-ES" sz="2800" dirty="0" err="1" smtClean="0"/>
+              <a:t>coding</a:t>
+            </a:r>
+            <a:endParaRPr lang="es-ES" sz="2800" dirty="0" smtClean="0"/>
+          </a:p>
+          <a:p>
+            <a:r>
+              <a:rPr lang="es-ES" sz="2800" dirty="0" err="1" smtClean="0"/>
+              <a:t>Phase</a:t>
+            </a:r>
+            <a:r>
+              <a:rPr lang="es-ES" sz="2800" dirty="0" smtClean="0"/>
+              <a:t> </a:t>
+            </a:r>
+            <a:r>
+              <a:rPr lang="es-ES" sz="2800" dirty="0" err="1" smtClean="0"/>
+              <a:t>coding</a:t>
+            </a:r>
+            <a:endParaRPr lang="es-ES" sz="2800" dirty="0" smtClean="0"/>
+          </a:p>
+          <a:p>
+            <a:r>
+              <a:rPr lang="es-ES" sz="2800" dirty="0" smtClean="0"/>
+              <a:t>Spread </a:t>
+            </a:r>
+            <a:r>
+              <a:rPr lang="es-ES" sz="2800" dirty="0" err="1" smtClean="0"/>
+              <a:t>spectrum</a:t>
+            </a:r>
+            <a:endParaRPr lang="es-ES" sz="2800" dirty="0" smtClean="0"/>
+          </a:p>
+          <a:p>
+            <a:r>
+              <a:rPr lang="es-ES" sz="2800" dirty="0" smtClean="0"/>
+              <a:t>Echo </a:t>
+            </a:r>
+            <a:r>
+              <a:rPr lang="es-ES" sz="2800" dirty="0" err="1" smtClean="0"/>
+              <a:t>hiding</a:t>
+            </a:r>
+            <a:endParaRPr lang="es-ES" sz="2800" dirty="0" smtClean="0"/>
+          </a:p>
+        </p:txBody>
+      </p:sp>
+    </p:spTree>
+  </p:cSld>
+  <p:clrMapOvr>
+    <a:masterClrMapping/>
+  </p:clrMapOvr>
+  <p:timing>
+    <p:tnLst>
+      <p:par>
+        <p:cTn id="1" dur="indefinite" restart="never" nodeType="tmRoot"/>
+      </p:par>
+    </p:tnLst>
+  </p:timing>
+</p:sld>
+</file>
+
 <file path=ppt/slides/slide23.xml><?xml version="1.0" encoding="utf-8"?>
 <p:sld xmlns:a="http://schemas.openxmlformats.org/drawingml/2006/main" xmlns:r="http://schemas.openxmlformats.org/officeDocument/2006/relationships" xmlns:p="http://schemas.openxmlformats.org/presentationml/2006/main">
   <p:cSld>
@@ -6150,7 +6051,7 @@
           <a:p>
             <a:r>
               <a:rPr lang="es-ES" dirty="0" smtClean="0"/>
-              <a:t>Índice</a:t>
+              <a:t>Métodos</a:t>
             </a:r>
             <a:endParaRPr lang="es-ES" dirty="0"/>
           </a:p>
@@ -6171,89 +6072,186 @@
           <a:bodyPr/>
           <a:lstStyle/>
           <a:p>
-            <a:r>
-              <a:rPr lang="es-ES" dirty="0" smtClean="0"/>
-              <a:t>Introducción</a:t>
-            </a:r>
-          </a:p>
-          <a:p>
-            <a:pPr lvl="1"/>
-            <a:r>
-              <a:rPr lang="es-ES" dirty="0" err="1" smtClean="0"/>
-              <a:t>Esteganografía</a:t>
-            </a:r>
-            <a:endParaRPr lang="es-ES" dirty="0" smtClean="0"/>
-          </a:p>
-          <a:p>
-            <a:pPr lvl="1"/>
-            <a:r>
-              <a:rPr lang="es-ES" dirty="0" smtClean="0"/>
-              <a:t>Audio digital</a:t>
-            </a:r>
-          </a:p>
-          <a:p>
-            <a:pPr lvl="1">
-              <a:buFont typeface="Wingdings 2" pitchFamily="18" charset="2"/>
-              <a:buChar char=""/>
+            <a:endParaRPr lang="es-ES" sz="2800" dirty="0" smtClean="0"/>
+          </a:p>
+          <a:p>
+            <a:r>
+              <a:rPr lang="es-ES" sz="2800" dirty="0" smtClean="0"/>
+              <a:t>LSB </a:t>
+            </a:r>
+            <a:r>
+              <a:rPr lang="es-ES" sz="2800" dirty="0" err="1" smtClean="0"/>
+              <a:t>coding</a:t>
+            </a:r>
+            <a:endParaRPr lang="es-ES" sz="2800" dirty="0" smtClean="0"/>
+          </a:p>
+          <a:p>
+            <a:pPr>
+              <a:buNone/>
             </a:pPr>
             <a:r>
-              <a:rPr lang="es-ES" dirty="0" smtClean="0"/>
-              <a:t>Formato WAV</a:t>
-            </a:r>
+              <a:rPr lang="es-ES" sz="2800" dirty="0" smtClean="0">
+                <a:solidFill>
+                  <a:schemeClr val="bg1">
+                    <a:lumMod val="85000"/>
+                  </a:schemeClr>
+                </a:solidFill>
+              </a:rPr>
+              <a:t>	</a:t>
+            </a:r>
+            <a:r>
+              <a:rPr lang="es-ES" sz="2800" dirty="0" err="1" smtClean="0">
+                <a:solidFill>
+                  <a:schemeClr val="bg1">
+                    <a:lumMod val="85000"/>
+                  </a:schemeClr>
+                </a:solidFill>
+              </a:rPr>
+              <a:t>Parity</a:t>
+            </a:r>
+            <a:r>
+              <a:rPr lang="es-ES" sz="2800" dirty="0" smtClean="0">
+                <a:solidFill>
+                  <a:schemeClr val="bg1">
+                    <a:lumMod val="85000"/>
+                  </a:schemeClr>
+                </a:solidFill>
+              </a:rPr>
+              <a:t> </a:t>
+            </a:r>
+            <a:r>
+              <a:rPr lang="es-ES" sz="2800" dirty="0" err="1" smtClean="0">
+                <a:solidFill>
+                  <a:schemeClr val="bg1">
+                    <a:lumMod val="85000"/>
+                  </a:schemeClr>
+                </a:solidFill>
+              </a:rPr>
+              <a:t>coding</a:t>
+            </a:r>
+            <a:endParaRPr lang="es-ES" sz="2800" dirty="0" smtClean="0">
+              <a:solidFill>
+                <a:schemeClr val="bg1">
+                  <a:lumMod val="85000"/>
+                </a:schemeClr>
+              </a:solidFill>
+            </a:endParaRPr>
           </a:p>
           <a:p>
             <a:pPr>
-              <a:buFont typeface="Wingdings 2" pitchFamily="18" charset="2"/>
-              <a:buChar char=""/>
+              <a:buNone/>
             </a:pPr>
             <a:r>
-              <a:rPr lang="es-ES" dirty="0" err="1" smtClean="0"/>
-              <a:t>Esteganografía</a:t>
-            </a:r>
-            <a:r>
-              <a:rPr lang="es-ES" dirty="0" smtClean="0"/>
-              <a:t> de audio</a:t>
-            </a:r>
-          </a:p>
-          <a:p>
-            <a:pPr lvl="1">
-              <a:buFont typeface="Wingdings 2" pitchFamily="18" charset="2"/>
-              <a:buChar char=""/>
+              <a:rPr lang="es-ES" sz="2800" dirty="0" smtClean="0">
+                <a:solidFill>
+                  <a:schemeClr val="bg1">
+                    <a:lumMod val="85000"/>
+                  </a:schemeClr>
+                </a:solidFill>
+              </a:rPr>
+              <a:t>	</a:t>
+            </a:r>
+            <a:r>
+              <a:rPr lang="es-ES" sz="2800" dirty="0" err="1" smtClean="0">
+                <a:solidFill>
+                  <a:schemeClr val="bg1">
+                    <a:lumMod val="85000"/>
+                  </a:schemeClr>
+                </a:solidFill>
+              </a:rPr>
+              <a:t>Phase</a:t>
+            </a:r>
+            <a:r>
+              <a:rPr lang="es-ES" sz="2800" dirty="0" smtClean="0">
+                <a:solidFill>
+                  <a:schemeClr val="bg1">
+                    <a:lumMod val="85000"/>
+                  </a:schemeClr>
+                </a:solidFill>
+              </a:rPr>
+              <a:t> </a:t>
+            </a:r>
+            <a:r>
+              <a:rPr lang="es-ES" sz="2800" dirty="0" err="1" smtClean="0">
+                <a:solidFill>
+                  <a:schemeClr val="bg1">
+                    <a:lumMod val="85000"/>
+                  </a:schemeClr>
+                </a:solidFill>
+              </a:rPr>
+              <a:t>coding</a:t>
+            </a:r>
+            <a:endParaRPr lang="es-ES" sz="2800" dirty="0" smtClean="0">
+              <a:solidFill>
+                <a:schemeClr val="bg1">
+                  <a:lumMod val="85000"/>
+                </a:schemeClr>
+              </a:solidFill>
+            </a:endParaRPr>
+          </a:p>
+          <a:p>
+            <a:pPr>
+              <a:buNone/>
             </a:pPr>
             <a:r>
-              <a:rPr lang="es-ES" dirty="0" smtClean="0"/>
-              <a:t>Motivación</a:t>
-            </a:r>
-          </a:p>
-          <a:p>
-            <a:pPr lvl="1">
-              <a:buFont typeface="Wingdings 2" pitchFamily="18" charset="2"/>
-              <a:buChar char=""/>
+              <a:rPr lang="es-ES" sz="2800" dirty="0" smtClean="0">
+                <a:solidFill>
+                  <a:schemeClr val="bg1">
+                    <a:lumMod val="85000"/>
+                  </a:schemeClr>
+                </a:solidFill>
+              </a:rPr>
+              <a:t>	Spread </a:t>
+            </a:r>
+            <a:r>
+              <a:rPr lang="es-ES" sz="2800" dirty="0" err="1" smtClean="0">
+                <a:solidFill>
+                  <a:schemeClr val="bg1">
+                    <a:lumMod val="85000"/>
+                  </a:schemeClr>
+                </a:solidFill>
+              </a:rPr>
+              <a:t>spectrum</a:t>
+            </a:r>
+            <a:endParaRPr lang="es-ES" sz="2800" dirty="0" smtClean="0">
+              <a:solidFill>
+                <a:schemeClr val="bg1">
+                  <a:lumMod val="85000"/>
+                </a:schemeClr>
+              </a:solidFill>
+            </a:endParaRPr>
+          </a:p>
+          <a:p>
+            <a:pPr>
+              <a:buNone/>
             </a:pPr>
             <a:r>
-              <a:rPr lang="es-ES" dirty="0" smtClean="0"/>
-              <a:t>Problemas</a:t>
-            </a:r>
-          </a:p>
-          <a:p>
-            <a:pPr lvl="1">
-              <a:buFont typeface="Wingdings 2" pitchFamily="18" charset="2"/>
-              <a:buChar char=""/>
-            </a:pPr>
-            <a:r>
-              <a:rPr lang="es-ES" dirty="0" smtClean="0"/>
-              <a:t>Objetivos</a:t>
-            </a:r>
-          </a:p>
-          <a:p>
-            <a:pPr lvl="1">
-              <a:buFont typeface="Wingdings 2" pitchFamily="18" charset="2"/>
-              <a:buChar char=""/>
-            </a:pPr>
-            <a:r>
-              <a:rPr lang="es-ES" dirty="0" smtClean="0"/>
-              <a:t>Métodos</a:t>
-            </a:r>
+              <a:rPr lang="es-ES" sz="2800" dirty="0" smtClean="0">
+                <a:solidFill>
+                  <a:schemeClr val="bg1">
+                    <a:lumMod val="85000"/>
+                  </a:schemeClr>
+                </a:solidFill>
+              </a:rPr>
+              <a:t>	Echo </a:t>
+            </a:r>
+            <a:r>
+              <a:rPr lang="es-ES" sz="2800" dirty="0" err="1" smtClean="0">
+                <a:solidFill>
+                  <a:schemeClr val="bg1">
+                    <a:lumMod val="85000"/>
+                  </a:schemeClr>
+                </a:solidFill>
+              </a:rPr>
+              <a:t>hiding</a:t>
+            </a:r>
+            <a:endParaRPr lang="es-ES" sz="2800" dirty="0" smtClean="0">
+              <a:solidFill>
+                <a:schemeClr val="bg1">
+                  <a:lumMod val="85000"/>
+                </a:schemeClr>
+              </a:solidFill>
+            </a:endParaRPr>
           </a:p>
         </p:txBody>
       </p:sp>
@@ -6299,25 +6297,18 @@
             <p:ph type="title"/>
           </p:nvPr>
         </p:nvSpPr>
-        <p:spPr>
-          <a:xfrm>
-            <a:off x="467544" y="1124744"/>
-            <a:ext cx="8229600" cy="1143000"/>
-          </a:xfrm>
-        </p:spPr>
-        <p:txBody>
-          <a:bodyPr>
-            <a:normAutofit fontScale="90000"/>
-          </a:bodyPr>
-          <a:lstStyle/>
-          <a:p>
+        <p:spPr/>
+        <p:txBody>
+          <a:bodyPr/>
+          <a:lstStyle/>
+          <a:p>
+            <a:r>
+              <a:rPr lang="es-ES" dirty="0" smtClean="0"/>
+              <a:t>LSB </a:t>
+            </a:r>
             <a:r>
               <a:rPr lang="es-ES" dirty="0" err="1" smtClean="0"/>
-              <a:t>Esteganografía</a:t>
-            </a:r>
-            <a:r>
-              <a:rPr lang="es-ES" dirty="0" smtClean="0"/>
-              <a:t> de audio: métodos</a:t>
+              <a:t>coding</a:t>
             </a:r>
             <a:endParaRPr lang="es-ES" dirty="0"/>
           </a:p>
@@ -6333,86 +6324,55 @@
             <p:ph idx="1"/>
           </p:nvPr>
         </p:nvSpPr>
-        <p:spPr>
-          <a:xfrm>
-            <a:off x="467544" y="2852936"/>
-            <a:ext cx="8229600" cy="3597032"/>
-          </a:xfrm>
-        </p:spPr>
-        <p:txBody>
-          <a:bodyPr>
-            <a:normAutofit/>
-          </a:bodyPr>
-          <a:lstStyle/>
-          <a:p>
-            <a:r>
-              <a:rPr lang="es-ES" sz="3200" dirty="0" smtClean="0"/>
-              <a:t>LSB </a:t>
-            </a:r>
-            <a:r>
-              <a:rPr lang="es-ES" sz="3200" dirty="0" err="1" smtClean="0"/>
-              <a:t>coding</a:t>
-            </a:r>
-            <a:endParaRPr lang="es-ES" sz="3200" dirty="0" smtClean="0"/>
-          </a:p>
-          <a:p>
-            <a:r>
-              <a:rPr lang="es-ES" sz="3200" dirty="0" err="1" smtClean="0"/>
-              <a:t>Parity</a:t>
-            </a:r>
-            <a:r>
-              <a:rPr lang="es-ES" sz="3200" dirty="0" smtClean="0"/>
-              <a:t> </a:t>
-            </a:r>
-            <a:r>
-              <a:rPr lang="es-ES" sz="3200" dirty="0" err="1" smtClean="0"/>
-              <a:t>coding</a:t>
-            </a:r>
-            <a:endParaRPr lang="es-ES" sz="3200" dirty="0" smtClean="0"/>
-          </a:p>
-          <a:p>
-            <a:r>
-              <a:rPr lang="es-ES" sz="3200" dirty="0" err="1" smtClean="0"/>
-              <a:t>Phase</a:t>
-            </a:r>
-            <a:r>
-              <a:rPr lang="es-ES" sz="3200" dirty="0" smtClean="0"/>
-              <a:t> </a:t>
-            </a:r>
-            <a:r>
-              <a:rPr lang="es-ES" sz="3200" dirty="0" err="1" smtClean="0"/>
-              <a:t>coding</a:t>
-            </a:r>
-            <a:endParaRPr lang="es-ES" sz="3200" dirty="0" smtClean="0"/>
-          </a:p>
-          <a:p>
-            <a:r>
-              <a:rPr lang="es-ES" sz="3200" dirty="0" smtClean="0"/>
-              <a:t>Spread </a:t>
-            </a:r>
-            <a:r>
-              <a:rPr lang="es-ES" sz="3200" dirty="0" err="1" smtClean="0"/>
-              <a:t>spectrum</a:t>
-            </a:r>
-            <a:endParaRPr lang="es-ES" sz="3200" dirty="0" smtClean="0"/>
-          </a:p>
-          <a:p>
-            <a:r>
-              <a:rPr lang="es-ES" sz="3200" dirty="0" smtClean="0"/>
-              <a:t>Echo </a:t>
-            </a:r>
-            <a:r>
-              <a:rPr lang="es-ES" sz="3200" dirty="0" err="1" smtClean="0"/>
-              <a:t>hiding</a:t>
-            </a:r>
-            <a:endParaRPr lang="es-ES" sz="3200" dirty="0" smtClean="0"/>
-          </a:p>
-          <a:p>
-            <a:r>
-              <a:rPr lang="es-ES" sz="3200" dirty="0" smtClean="0"/>
-              <a:t>Etc.</a:t>
-            </a:r>
-            <a:endParaRPr lang="es-ES" sz="3200" dirty="0"/>
+        <p:spPr/>
+        <p:txBody>
+          <a:bodyPr/>
+          <a:lstStyle/>
+          <a:p>
+            <a:endParaRPr lang="es-ES" dirty="0" smtClean="0"/>
+          </a:p>
+          <a:p>
+            <a:endParaRPr lang="es-ES" dirty="0" smtClean="0"/>
+          </a:p>
+          <a:p>
+            <a:r>
+              <a:rPr lang="es-ES" dirty="0" smtClean="0"/>
+              <a:t>Sencillo</a:t>
+            </a:r>
+            <a:r>
+              <a:rPr lang="es-ES" dirty="0" smtClean="0"/>
+              <a:t>.</a:t>
+            </a:r>
+          </a:p>
+          <a:p>
+            <a:endParaRPr lang="es-ES" dirty="0" smtClean="0"/>
+          </a:p>
+          <a:p>
+            <a:r>
+              <a:rPr lang="es-ES" dirty="0" smtClean="0"/>
+              <a:t>Sustituir bit menos significativo de cada </a:t>
+            </a:r>
+            <a:r>
+              <a:rPr lang="es-ES" dirty="0" err="1" smtClean="0"/>
+              <a:t>sample</a:t>
+            </a:r>
+            <a:r>
+              <a:rPr lang="es-ES" dirty="0" smtClean="0"/>
+              <a:t>.</a:t>
+            </a:r>
+            <a:endParaRPr lang="es-ES" dirty="0" smtClean="0"/>
+          </a:p>
+          <a:p>
+            <a:endParaRPr lang="es-ES" dirty="0" smtClean="0"/>
+          </a:p>
+          <a:p>
+            <a:r>
+              <a:rPr lang="es-ES" dirty="0" smtClean="0"/>
+              <a:t>Permite codificar una gran cantidad de datos.</a:t>
+            </a:r>
+          </a:p>
+          <a:p>
+            <a:endParaRPr lang="es-ES" dirty="0"/>
           </a:p>
         </p:txBody>
       </p:sp>
@@ -6458,25 +6418,18 @@
             <p:ph type="title"/>
           </p:nvPr>
         </p:nvSpPr>
-        <p:spPr>
-          <a:xfrm>
-            <a:off x="467544" y="1124744"/>
-            <a:ext cx="8229600" cy="1143000"/>
-          </a:xfrm>
-        </p:spPr>
-        <p:txBody>
-          <a:bodyPr>
-            <a:normAutofit fontScale="90000"/>
-          </a:bodyPr>
-          <a:lstStyle/>
-          <a:p>
+        <p:spPr/>
+        <p:txBody>
+          <a:bodyPr/>
+          <a:lstStyle/>
+          <a:p>
+            <a:r>
+              <a:rPr lang="es-ES" dirty="0" smtClean="0"/>
+              <a:t>LSB </a:t>
+            </a:r>
             <a:r>
               <a:rPr lang="es-ES" dirty="0" err="1" smtClean="0"/>
-              <a:t>Esteganografía</a:t>
-            </a:r>
-            <a:r>
-              <a:rPr lang="es-ES" dirty="0" smtClean="0"/>
-              <a:t> de audio: métodos</a:t>
+              <a:t>coding</a:t>
             </a:r>
             <a:endParaRPr lang="es-ES" dirty="0"/>
           </a:p>
@@ -6492,193 +6445,176 @@
             <p:ph idx="1"/>
           </p:nvPr>
         </p:nvSpPr>
-        <p:spPr>
-          <a:xfrm>
-            <a:off x="467544" y="2852936"/>
-            <a:ext cx="8229600" cy="3597032"/>
-          </a:xfrm>
-        </p:spPr>
+        <p:spPr/>
         <p:txBody>
           <a:bodyPr>
             <a:normAutofit/>
           </a:bodyPr>
           <a:lstStyle/>
           <a:p>
-            <a:r>
-              <a:rPr lang="es-ES" sz="3200" dirty="0" smtClean="0"/>
-              <a:t>LSB </a:t>
-            </a:r>
-            <a:r>
-              <a:rPr lang="es-ES" sz="3200" dirty="0" err="1" smtClean="0"/>
-              <a:t>coding</a:t>
-            </a:r>
-            <a:endParaRPr lang="es-ES" sz="3200" dirty="0" smtClean="0"/>
-          </a:p>
-          <a:p>
             <a:pPr>
               <a:buNone/>
             </a:pPr>
-            <a:r>
-              <a:rPr lang="es-ES" sz="3200" dirty="0" smtClean="0">
-                <a:solidFill>
-                  <a:schemeClr val="bg1">
-                    <a:lumMod val="85000"/>
-                  </a:schemeClr>
-                </a:solidFill>
-              </a:rPr>
-              <a:t>	</a:t>
-            </a:r>
-            <a:r>
-              <a:rPr lang="es-ES" sz="3200" dirty="0" err="1" smtClean="0">
-                <a:solidFill>
-                  <a:schemeClr val="bg1">
-                    <a:lumMod val="85000"/>
-                  </a:schemeClr>
-                </a:solidFill>
-              </a:rPr>
-              <a:t>Parity</a:t>
-            </a:r>
-            <a:r>
-              <a:rPr lang="es-ES" sz="3200" dirty="0" smtClean="0">
-                <a:solidFill>
-                  <a:schemeClr val="bg1">
-                    <a:lumMod val="85000"/>
-                  </a:schemeClr>
-                </a:solidFill>
-              </a:rPr>
-              <a:t> </a:t>
-            </a:r>
-            <a:r>
-              <a:rPr lang="es-ES" sz="3200" dirty="0" err="1" smtClean="0">
-                <a:solidFill>
-                  <a:schemeClr val="bg1">
-                    <a:lumMod val="85000"/>
-                  </a:schemeClr>
-                </a:solidFill>
-              </a:rPr>
-              <a:t>coding</a:t>
-            </a:r>
-            <a:endParaRPr lang="es-ES" sz="3200" dirty="0" smtClean="0">
-              <a:solidFill>
-                <a:schemeClr val="bg1">
-                  <a:lumMod val="85000"/>
-                </a:schemeClr>
-              </a:solidFill>
-            </a:endParaRPr>
-          </a:p>
-          <a:p>
-            <a:pPr>
+            <a:endParaRPr lang="es-ES" dirty="0" smtClean="0"/>
+          </a:p>
+          <a:p>
+            <a:r>
+              <a:rPr lang="es-ES" dirty="0" smtClean="0"/>
+              <a:t>Sustituciones de dos o más </a:t>
+            </a:r>
+            <a:r>
+              <a:rPr lang="es-ES" dirty="0" smtClean="0"/>
+              <a:t>bits.</a:t>
+            </a:r>
+            <a:endParaRPr lang="es-ES" dirty="0" smtClean="0"/>
+          </a:p>
+          <a:p>
+            <a:pPr lvl="1">
               <a:buNone/>
             </a:pPr>
             <a:r>
-              <a:rPr lang="es-ES" sz="3200" dirty="0" smtClean="0">
-                <a:solidFill>
-                  <a:schemeClr val="bg1">
-                    <a:lumMod val="85000"/>
-                  </a:schemeClr>
-                </a:solidFill>
-              </a:rPr>
-              <a:t>	</a:t>
-            </a:r>
-            <a:r>
-              <a:rPr lang="es-ES" sz="3200" dirty="0" err="1" smtClean="0">
-                <a:solidFill>
-                  <a:schemeClr val="bg1">
-                    <a:lumMod val="85000"/>
-                  </a:schemeClr>
-                </a:solidFill>
-              </a:rPr>
-              <a:t>Phase</a:t>
-            </a:r>
-            <a:r>
-              <a:rPr lang="es-ES" sz="3200" dirty="0" smtClean="0">
-                <a:solidFill>
-                  <a:schemeClr val="bg1">
-                    <a:lumMod val="85000"/>
-                  </a:schemeClr>
-                </a:solidFill>
-              </a:rPr>
-              <a:t> </a:t>
-            </a:r>
-            <a:r>
-              <a:rPr lang="es-ES" sz="3200" dirty="0" err="1" smtClean="0">
-                <a:solidFill>
-                  <a:schemeClr val="bg1">
-                    <a:lumMod val="85000"/>
-                  </a:schemeClr>
-                </a:solidFill>
-              </a:rPr>
-              <a:t>coding</a:t>
-            </a:r>
-            <a:endParaRPr lang="es-ES" sz="3200" dirty="0" smtClean="0">
-              <a:solidFill>
-                <a:schemeClr val="bg1">
-                  <a:lumMod val="85000"/>
-                </a:schemeClr>
-              </a:solidFill>
-            </a:endParaRPr>
-          </a:p>
-          <a:p>
-            <a:pPr>
+              <a:rPr lang="es-ES" dirty="0" smtClean="0"/>
+              <a:t>            Cantidad de </a:t>
+            </a:r>
+            <a:r>
+              <a:rPr lang="es-ES" dirty="0" smtClean="0"/>
+              <a:t>información.</a:t>
+            </a:r>
+            <a:endParaRPr lang="es-ES" dirty="0" smtClean="0"/>
+          </a:p>
+          <a:p>
+            <a:pPr lvl="1">
               <a:buNone/>
             </a:pPr>
             <a:r>
-              <a:rPr lang="es-ES" sz="3200" dirty="0" smtClean="0">
-                <a:solidFill>
-                  <a:schemeClr val="bg1">
-                    <a:lumMod val="85000"/>
-                  </a:schemeClr>
-                </a:solidFill>
-              </a:rPr>
-              <a:t>	Spread </a:t>
-            </a:r>
-            <a:r>
-              <a:rPr lang="es-ES" sz="3200" dirty="0" err="1" smtClean="0">
-                <a:solidFill>
-                  <a:schemeClr val="bg1">
-                    <a:lumMod val="85000"/>
-                  </a:schemeClr>
-                </a:solidFill>
-              </a:rPr>
-              <a:t>spectrum</a:t>
-            </a:r>
-            <a:endParaRPr lang="es-ES" sz="3200" dirty="0" smtClean="0">
-              <a:solidFill>
-                <a:schemeClr val="bg1">
-                  <a:lumMod val="85000"/>
-                </a:schemeClr>
-              </a:solidFill>
-            </a:endParaRPr>
-          </a:p>
-          <a:p>
-            <a:pPr>
+              <a:rPr lang="es-ES" dirty="0" smtClean="0"/>
+              <a:t>		     </a:t>
+            </a:r>
+            <a:r>
+              <a:rPr lang="es-ES" dirty="0" smtClean="0"/>
+              <a:t>Ruido.</a:t>
+            </a:r>
+            <a:endParaRPr lang="es-ES" dirty="0" smtClean="0"/>
+          </a:p>
+          <a:p>
+            <a:pPr lvl="1">
               <a:buNone/>
             </a:pPr>
             <a:r>
-              <a:rPr lang="es-ES" sz="3200" dirty="0" smtClean="0">
-                <a:solidFill>
-                  <a:schemeClr val="bg1">
-                    <a:lumMod val="85000"/>
-                  </a:schemeClr>
-                </a:solidFill>
-              </a:rPr>
-              <a:t>	Echo </a:t>
-            </a:r>
-            <a:r>
-              <a:rPr lang="es-ES" sz="3200" dirty="0" err="1" smtClean="0">
-                <a:solidFill>
-                  <a:schemeClr val="bg1">
-                    <a:lumMod val="85000"/>
-                  </a:schemeClr>
-                </a:solidFill>
-              </a:rPr>
-              <a:t>hiding</a:t>
-            </a:r>
-            <a:endParaRPr lang="es-ES" sz="3200" dirty="0" smtClean="0">
+              <a:rPr lang="es-ES" dirty="0" smtClean="0"/>
+              <a:t>		      </a:t>
+            </a:r>
+          </a:p>
+          <a:p>
+            <a:pPr lvl="1">
+              <a:buNone/>
+            </a:pPr>
+            <a:endParaRPr lang="es-ES" dirty="0" smtClean="0"/>
+          </a:p>
+          <a:p>
+            <a:r>
+              <a:rPr lang="es-ES" dirty="0" smtClean="0"/>
+              <a:t>Considerar tipo de señal antes de decidir aumentar el número de bits por </a:t>
+            </a:r>
+            <a:r>
+              <a:rPr lang="es-ES" dirty="0" err="1" smtClean="0"/>
+              <a:t>sample</a:t>
+            </a:r>
+            <a:r>
+              <a:rPr lang="es-ES" dirty="0" smtClean="0"/>
+              <a:t>.</a:t>
+            </a:r>
+          </a:p>
+          <a:p>
+            <a:endParaRPr lang="es-ES" dirty="0"/>
+          </a:p>
+        </p:txBody>
+      </p:sp>
+      <p:sp>
+        <p:nvSpPr>
+          <p:cNvPr id="5" name="4 Más"/>
+          <p:cNvSpPr/>
+          <p:nvPr/>
+        </p:nvSpPr>
+        <p:spPr>
+          <a:xfrm>
+            <a:off x="1475656" y="2996952"/>
+            <a:ext cx="288032" cy="288032"/>
+          </a:xfrm>
+          <a:prstGeom prst="mathPlus">
+            <a:avLst/>
+          </a:prstGeom>
+          <a:solidFill>
+            <a:srgbClr val="00B050"/>
+          </a:solidFill>
+        </p:spPr>
+        <p:style>
+          <a:lnRef idx="2">
+            <a:schemeClr val="accent1">
+              <a:shade val="50000"/>
+            </a:schemeClr>
+          </a:lnRef>
+          <a:fillRef idx="1">
+            <a:schemeClr val="accent1"/>
+          </a:fillRef>
+          <a:effectRef idx="0">
+            <a:schemeClr val="accent1"/>
+          </a:effectRef>
+          <a:fontRef idx="minor">
+            <a:schemeClr val="lt1"/>
+          </a:fontRef>
+        </p:style>
+        <p:txBody>
+          <a:bodyPr rtlCol="0" anchor="ctr"/>
+          <a:lstStyle/>
+          <a:p>
+            <a:pPr algn="ctr"/>
+            <a:endParaRPr lang="es-ES"/>
+          </a:p>
+        </p:txBody>
+      </p:sp>
+      <p:sp>
+        <p:nvSpPr>
+          <p:cNvPr id="6" name="5 Más"/>
+          <p:cNvSpPr/>
+          <p:nvPr/>
+        </p:nvSpPr>
+        <p:spPr>
+          <a:xfrm>
+            <a:off x="1475656" y="3429000"/>
+            <a:ext cx="288032" cy="288032"/>
+          </a:xfrm>
+          <a:prstGeom prst="mathPlus">
+            <a:avLst/>
+          </a:prstGeom>
+          <a:solidFill>
+            <a:srgbClr val="FF0000"/>
+          </a:solidFill>
+        </p:spPr>
+        <p:style>
+          <a:lnRef idx="2">
+            <a:schemeClr val="accent1">
+              <a:shade val="50000"/>
+            </a:schemeClr>
+          </a:lnRef>
+          <a:fillRef idx="1">
+            <a:schemeClr val="accent1"/>
+          </a:fillRef>
+          <a:effectRef idx="0">
+            <a:schemeClr val="accent1"/>
+          </a:effectRef>
+          <a:fontRef idx="minor">
+            <a:schemeClr val="lt1"/>
+          </a:fontRef>
+        </p:style>
+        <p:txBody>
+          <a:bodyPr rtlCol="0" anchor="ctr"/>
+          <a:lstStyle/>
+          <a:p>
+            <a:pPr algn="ctr"/>
+            <a:endParaRPr lang="es-ES" dirty="0">
               <a:solidFill>
-                <a:schemeClr val="bg1">
-                  <a:lumMod val="85000"/>
-                </a:schemeClr>
+                <a:srgbClr val="FF0000"/>
               </a:solidFill>
             </a:endParaRPr>
           </a:p>
@@ -6755,37 +6691,129 @@
         </p:nvSpPr>
         <p:spPr/>
         <p:txBody>
-          <a:bodyPr/>
-          <a:lstStyle/>
-          <a:p>
-            <a:endParaRPr lang="es-ES" dirty="0" smtClean="0"/>
-          </a:p>
-          <a:p>
-            <a:r>
-              <a:rPr lang="es-ES" dirty="0" smtClean="0"/>
-              <a:t>Sencillo.</a:t>
-            </a:r>
-          </a:p>
-          <a:p>
-            <a:endParaRPr lang="es-ES" dirty="0" smtClean="0"/>
-          </a:p>
-          <a:p>
-            <a:r>
-              <a:rPr lang="es-ES" dirty="0" smtClean="0"/>
-              <a:t>Sustituir bit menos significativo de cada punto de muestreo por un mensaje binario.</a:t>
-            </a:r>
-          </a:p>
-          <a:p>
-            <a:endParaRPr lang="es-ES" dirty="0" smtClean="0"/>
-          </a:p>
-          <a:p>
-            <a:r>
-              <a:rPr lang="es-ES" dirty="0" smtClean="0"/>
-              <a:t>Permite codificar una gran cantidad de datos.</a:t>
-            </a:r>
-          </a:p>
-          <a:p>
-            <a:endParaRPr lang="es-ES" dirty="0"/>
+          <a:bodyPr>
+            <a:normAutofit/>
+          </a:bodyPr>
+          <a:lstStyle/>
+          <a:p>
+            <a:endParaRPr lang="es-ES" dirty="0" smtClean="0"/>
+          </a:p>
+          <a:p>
+            <a:r>
+              <a:rPr lang="es-ES" dirty="0" smtClean="0"/>
+              <a:t>Emisor </a:t>
+            </a:r>
+            <a:r>
+              <a:rPr lang="es-ES" dirty="0" smtClean="0"/>
+              <a:t>y receptor deben acordar el subconjunto de </a:t>
+            </a:r>
+            <a:r>
+              <a:rPr lang="es-ES" dirty="0" err="1" smtClean="0"/>
+              <a:t>samples</a:t>
+            </a:r>
+            <a:r>
+              <a:rPr lang="es-ES" dirty="0" smtClean="0"/>
+              <a:t> que contendrán </a:t>
+            </a:r>
+            <a:r>
+              <a:rPr lang="es-ES" dirty="0" smtClean="0"/>
+              <a:t>información.</a:t>
+            </a:r>
+          </a:p>
+          <a:p>
+            <a:pPr lvl="1"/>
+            <a:r>
+              <a:rPr lang="es-ES" dirty="0" smtClean="0"/>
+              <a:t>Solución trivial: </a:t>
+            </a:r>
+            <a:r>
+              <a:rPr lang="es-ES" dirty="0" smtClean="0"/>
+              <a:t>los </a:t>
+            </a:r>
+            <a:r>
+              <a:rPr lang="es-ES" dirty="0" smtClean="0"/>
+              <a:t>primeros </a:t>
+            </a:r>
+            <a:r>
+              <a:rPr lang="es-ES" dirty="0" err="1" smtClean="0"/>
+              <a:t>samples</a:t>
+            </a:r>
+            <a:r>
+              <a:rPr lang="es-ES" dirty="0" smtClean="0"/>
+              <a:t>.</a:t>
+            </a:r>
+          </a:p>
+          <a:p>
+            <a:pPr lvl="1"/>
+            <a:r>
+              <a:rPr lang="es-ES" dirty="0" smtClean="0"/>
+              <a:t>Generador de secuencias </a:t>
+            </a:r>
+            <a:r>
+              <a:rPr lang="es-ES" dirty="0" err="1" smtClean="0"/>
+              <a:t>pseudoaleatorias</a:t>
+            </a:r>
+            <a:r>
+              <a:rPr lang="es-ES" dirty="0" smtClean="0"/>
+              <a:t>.</a:t>
+            </a:r>
+            <a:endParaRPr lang="es-ES" dirty="0" smtClean="0"/>
+          </a:p>
+          <a:p>
+            <a:endParaRPr lang="es-ES" dirty="0" smtClean="0"/>
+          </a:p>
+          <a:p>
+            <a:r>
+              <a:rPr lang="es-ES" dirty="0" smtClean="0"/>
+              <a:t>Extraer </a:t>
+            </a:r>
+            <a:r>
+              <a:rPr lang="es-ES" dirty="0" smtClean="0"/>
+              <a:t>mensaje </a:t>
+            </a:r>
+            <a:r>
+              <a:rPr lang="es-ES" dirty="0" smtClean="0"/>
+              <a:t>secreto.</a:t>
+            </a:r>
+          </a:p>
+          <a:p>
+            <a:pPr lvl="1"/>
+            <a:r>
+              <a:rPr lang="es-ES" dirty="0" smtClean="0"/>
+              <a:t>Secuencia </a:t>
+            </a:r>
+            <a:r>
+              <a:rPr lang="es-ES" dirty="0" smtClean="0"/>
+              <a:t>de </a:t>
+            </a:r>
+            <a:r>
+              <a:rPr lang="es-ES" dirty="0" err="1" smtClean="0"/>
+              <a:t>samples</a:t>
+            </a:r>
+            <a:r>
+              <a:rPr lang="es-ES" dirty="0" smtClean="0"/>
+              <a:t> </a:t>
+            </a:r>
+            <a:r>
+              <a:rPr lang="es-ES" dirty="0" smtClean="0"/>
+              <a:t>utilizada.</a:t>
+            </a:r>
+          </a:p>
+          <a:p>
+            <a:pPr lvl="1"/>
+            <a:r>
+              <a:rPr lang="es-ES" dirty="0" smtClean="0"/>
+              <a:t>Número de bits por </a:t>
+            </a:r>
+            <a:r>
+              <a:rPr lang="es-ES" dirty="0" err="1" smtClean="0"/>
+              <a:t>sample</a:t>
+            </a:r>
+            <a:r>
+              <a:rPr lang="es-ES" dirty="0" smtClean="0"/>
+              <a:t>.</a:t>
+            </a:r>
+            <a:endParaRPr lang="es-ES" dirty="0" smtClean="0"/>
           </a:p>
         </p:txBody>
       </p:sp>
@@ -6805,404 +6833,6 @@
 </file>
 
 <file path=ppt/slides/slide27.xml><?xml version="1.0" encoding="utf-8"?>
-<p:sld xmlns:a="http://schemas.openxmlformats.org/drawingml/2006/main" xmlns:r="http://schemas.openxmlformats.org/officeDocument/2006/relationships" xmlns:p="http://schemas.openxmlformats.org/presentationml/2006/main">
-  <p:cSld>
-    <p:spTree>
-      <p:nvGrpSpPr>
-        <p:cNvPr id="1" name=""/>
-        <p:cNvGrpSpPr/>
-        <p:nvPr/>
-      </p:nvGrpSpPr>
-      <p:grpSpPr>
-        <a:xfrm>
-          <a:off x="0" y="0"/>
-          <a:ext cx="0" cy="0"/>
-          <a:chOff x="0" y="0"/>
-          <a:chExt cx="0" cy="0"/>
-        </a:xfrm>
-      </p:grpSpPr>
-      <p:sp>
-        <p:nvSpPr>
-          <p:cNvPr id="2" name="1 Título"/>
-          <p:cNvSpPr>
-            <a:spLocks noGrp="1"/>
-          </p:cNvSpPr>
-          <p:nvPr>
-            <p:ph type="title"/>
-          </p:nvPr>
-        </p:nvSpPr>
-        <p:spPr/>
-        <p:txBody>
-          <a:bodyPr/>
-          <a:lstStyle/>
-          <a:p>
-            <a:r>
-              <a:rPr lang="es-ES" dirty="0" smtClean="0"/>
-              <a:t>LSB </a:t>
-            </a:r>
-            <a:r>
-              <a:rPr lang="es-ES" dirty="0" err="1" smtClean="0"/>
-              <a:t>coding</a:t>
-            </a:r>
-            <a:endParaRPr lang="es-ES" dirty="0"/>
-          </a:p>
-        </p:txBody>
-      </p:sp>
-      <p:sp>
-        <p:nvSpPr>
-          <p:cNvPr id="3" name="2 Marcador de contenido"/>
-          <p:cNvSpPr>
-            <a:spLocks noGrp="1"/>
-          </p:cNvSpPr>
-          <p:nvPr>
-            <p:ph idx="1"/>
-          </p:nvPr>
-        </p:nvSpPr>
-        <p:spPr/>
-        <p:txBody>
-          <a:bodyPr>
-            <a:normAutofit/>
-          </a:bodyPr>
-          <a:lstStyle/>
-          <a:p>
-            <a:pPr>
-              <a:buNone/>
-            </a:pPr>
-            <a:endParaRPr lang="es-ES" dirty="0" smtClean="0"/>
-          </a:p>
-          <a:p>
-            <a:r>
-              <a:rPr lang="es-ES" dirty="0" smtClean="0"/>
-              <a:t>Sustituciones de dos o más bits</a:t>
-            </a:r>
-          </a:p>
-          <a:p>
-            <a:pPr lvl="1">
-              <a:buNone/>
-            </a:pPr>
-            <a:r>
-              <a:rPr lang="es-ES" dirty="0" smtClean="0"/>
-              <a:t>            Cantidad de información</a:t>
-            </a:r>
-          </a:p>
-          <a:p>
-            <a:pPr lvl="1">
-              <a:buNone/>
-            </a:pPr>
-            <a:r>
-              <a:rPr lang="es-ES" dirty="0" smtClean="0"/>
-              <a:t>		     Ruido</a:t>
-            </a:r>
-          </a:p>
-          <a:p>
-            <a:pPr lvl="1">
-              <a:buNone/>
-            </a:pPr>
-            <a:r>
-              <a:rPr lang="es-ES" dirty="0" smtClean="0"/>
-              <a:t>		      </a:t>
-            </a:r>
-          </a:p>
-          <a:p>
-            <a:pPr lvl="1">
-              <a:buNone/>
-            </a:pPr>
-            <a:endParaRPr lang="es-ES" dirty="0" smtClean="0"/>
-          </a:p>
-          <a:p>
-            <a:r>
-              <a:rPr lang="es-ES" dirty="0" smtClean="0"/>
-              <a:t>Considerar tipo de señal antes de decidir aumentar el número de bits por </a:t>
-            </a:r>
-            <a:r>
-              <a:rPr lang="es-ES" dirty="0" err="1" smtClean="0"/>
-              <a:t>sample</a:t>
-            </a:r>
-            <a:r>
-              <a:rPr lang="es-ES" dirty="0" smtClean="0"/>
-              <a:t>.</a:t>
-            </a:r>
-          </a:p>
-          <a:p>
-            <a:endParaRPr lang="es-ES" dirty="0"/>
-          </a:p>
-        </p:txBody>
-      </p:sp>
-      <p:sp>
-        <p:nvSpPr>
-          <p:cNvPr id="5" name="4 Más"/>
-          <p:cNvSpPr/>
-          <p:nvPr/>
-        </p:nvSpPr>
-        <p:spPr>
-          <a:xfrm>
-            <a:off x="1475656" y="2996952"/>
-            <a:ext cx="288032" cy="288032"/>
-          </a:xfrm>
-          <a:prstGeom prst="mathPlus">
-            <a:avLst/>
-          </a:prstGeom>
-          <a:solidFill>
-            <a:srgbClr val="00B050"/>
-          </a:solidFill>
-        </p:spPr>
-        <p:style>
-          <a:lnRef idx="2">
-            <a:schemeClr val="accent1">
-              <a:shade val="50000"/>
-            </a:schemeClr>
-          </a:lnRef>
-          <a:fillRef idx="1">
-            <a:schemeClr val="accent1"/>
-          </a:fillRef>
-          <a:effectRef idx="0">
-            <a:schemeClr val="accent1"/>
-          </a:effectRef>
-          <a:fontRef idx="minor">
-            <a:schemeClr val="lt1"/>
-          </a:fontRef>
-        </p:style>
-        <p:txBody>
-          <a:bodyPr rtlCol="0" anchor="ctr"/>
-          <a:lstStyle/>
-          <a:p>
-            <a:pPr algn="ctr"/>
-            <a:endParaRPr lang="es-ES"/>
-          </a:p>
-        </p:txBody>
-      </p:sp>
-      <p:sp>
-        <p:nvSpPr>
-          <p:cNvPr id="6" name="5 Más"/>
-          <p:cNvSpPr/>
-          <p:nvPr/>
-        </p:nvSpPr>
-        <p:spPr>
-          <a:xfrm>
-            <a:off x="1475656" y="3429000"/>
-            <a:ext cx="288032" cy="288032"/>
-          </a:xfrm>
-          <a:prstGeom prst="mathPlus">
-            <a:avLst/>
-          </a:prstGeom>
-          <a:solidFill>
-            <a:srgbClr val="FF0000"/>
-          </a:solidFill>
-        </p:spPr>
-        <p:style>
-          <a:lnRef idx="2">
-            <a:schemeClr val="accent1">
-              <a:shade val="50000"/>
-            </a:schemeClr>
-          </a:lnRef>
-          <a:fillRef idx="1">
-            <a:schemeClr val="accent1"/>
-          </a:fillRef>
-          <a:effectRef idx="0">
-            <a:schemeClr val="accent1"/>
-          </a:effectRef>
-          <a:fontRef idx="minor">
-            <a:schemeClr val="lt1"/>
-          </a:fontRef>
-        </p:style>
-        <p:txBody>
-          <a:bodyPr rtlCol="0" anchor="ctr"/>
-          <a:lstStyle/>
-          <a:p>
-            <a:pPr algn="ctr"/>
-            <a:endParaRPr lang="es-ES" dirty="0">
-              <a:solidFill>
-                <a:srgbClr val="FF0000"/>
-              </a:solidFill>
-            </a:endParaRPr>
-          </a:p>
-        </p:txBody>
-      </p:sp>
-    </p:spTree>
-  </p:cSld>
-  <p:clrMapOvr>
-    <a:masterClrMapping/>
-  </p:clrMapOvr>
-  <p:timing>
-    <p:tnLst>
-      <p:par>
-        <p:cTn id="1" dur="indefinite" restart="never" nodeType="tmRoot"/>
-      </p:par>
-    </p:tnLst>
-  </p:timing>
-</p:sld>
-</file>
-
-<file path=ppt/slides/slide28.xml><?xml version="1.0" encoding="utf-8"?>
-<p:sld xmlns:a="http://schemas.openxmlformats.org/drawingml/2006/main" xmlns:r="http://schemas.openxmlformats.org/officeDocument/2006/relationships" xmlns:p="http://schemas.openxmlformats.org/presentationml/2006/main">
-  <p:cSld>
-    <p:spTree>
-      <p:nvGrpSpPr>
-        <p:cNvPr id="1" name=""/>
-        <p:cNvGrpSpPr/>
-        <p:nvPr/>
-      </p:nvGrpSpPr>
-      <p:grpSpPr>
-        <a:xfrm>
-          <a:off x="0" y="0"/>
-          <a:ext cx="0" cy="0"/>
-          <a:chOff x="0" y="0"/>
-          <a:chExt cx="0" cy="0"/>
-        </a:xfrm>
-      </p:grpSpPr>
-      <p:sp>
-        <p:nvSpPr>
-          <p:cNvPr id="2" name="1 Título"/>
-          <p:cNvSpPr>
-            <a:spLocks noGrp="1"/>
-          </p:cNvSpPr>
-          <p:nvPr>
-            <p:ph type="title"/>
-          </p:nvPr>
-        </p:nvSpPr>
-        <p:spPr/>
-        <p:txBody>
-          <a:bodyPr/>
-          <a:lstStyle/>
-          <a:p>
-            <a:r>
-              <a:rPr lang="es-ES" dirty="0" smtClean="0"/>
-              <a:t>LSB </a:t>
-            </a:r>
-            <a:r>
-              <a:rPr lang="es-ES" dirty="0" err="1" smtClean="0"/>
-              <a:t>coding</a:t>
-            </a:r>
-            <a:endParaRPr lang="es-ES" dirty="0"/>
-          </a:p>
-        </p:txBody>
-      </p:sp>
-      <p:sp>
-        <p:nvSpPr>
-          <p:cNvPr id="3" name="2 Marcador de contenido"/>
-          <p:cNvSpPr>
-            <a:spLocks noGrp="1"/>
-          </p:cNvSpPr>
-          <p:nvPr>
-            <p:ph idx="1"/>
-          </p:nvPr>
-        </p:nvSpPr>
-        <p:spPr/>
-        <p:txBody>
-          <a:bodyPr/>
-          <a:lstStyle/>
-          <a:p>
-            <a:endParaRPr lang="es-ES" dirty="0" smtClean="0"/>
-          </a:p>
-          <a:p>
-            <a:r>
-              <a:rPr lang="es-ES" dirty="0" smtClean="0"/>
-              <a:t>Extraer mensaje secreto 	Secuencia de </a:t>
-            </a:r>
-            <a:r>
-              <a:rPr lang="es-ES" dirty="0" err="1" smtClean="0"/>
-              <a:t>samples</a:t>
-            </a:r>
-            <a:r>
-              <a:rPr lang="es-ES" dirty="0" smtClean="0"/>
-              <a:t> utilizada en el proceso de inserción</a:t>
-            </a:r>
-          </a:p>
-          <a:p>
-            <a:endParaRPr lang="es-ES" dirty="0" smtClean="0"/>
-          </a:p>
-          <a:p>
-            <a:r>
-              <a:rPr lang="es-ES" dirty="0" smtClean="0"/>
-              <a:t>Emisor y receptor deben acordar el subconjunto de </a:t>
-            </a:r>
-            <a:r>
-              <a:rPr lang="es-ES" dirty="0" err="1" smtClean="0"/>
-              <a:t>samples</a:t>
-            </a:r>
-            <a:r>
-              <a:rPr lang="es-ES" dirty="0" smtClean="0"/>
-              <a:t> que contendrán información.</a:t>
-            </a:r>
-          </a:p>
-          <a:p>
-            <a:endParaRPr lang="es-ES" dirty="0" smtClean="0"/>
-          </a:p>
-          <a:p>
-            <a:r>
-              <a:rPr lang="es-ES" dirty="0" smtClean="0"/>
-              <a:t>Normalmente se eligen los primeros </a:t>
-            </a:r>
-            <a:r>
-              <a:rPr lang="es-ES" dirty="0" err="1" smtClean="0"/>
-              <a:t>samples</a:t>
-            </a:r>
-            <a:r>
-              <a:rPr lang="es-ES" dirty="0" smtClean="0"/>
-              <a:t>.</a:t>
-            </a:r>
-          </a:p>
-          <a:p>
-            <a:endParaRPr lang="es-ES" dirty="0"/>
-          </a:p>
-        </p:txBody>
-      </p:sp>
-      <p:sp>
-        <p:nvSpPr>
-          <p:cNvPr id="4" name="3 Flecha derecha"/>
-          <p:cNvSpPr/>
-          <p:nvPr/>
-        </p:nvSpPr>
-        <p:spPr>
-          <a:xfrm>
-            <a:off x="4355976" y="2564904"/>
-            <a:ext cx="504056" cy="288032"/>
-          </a:xfrm>
-          <a:prstGeom prst="rightArrow">
-            <a:avLst/>
-          </a:prstGeom>
-        </p:spPr>
-        <p:style>
-          <a:lnRef idx="2">
-            <a:schemeClr val="accent1">
-              <a:shade val="50000"/>
-            </a:schemeClr>
-          </a:lnRef>
-          <a:fillRef idx="1">
-            <a:schemeClr val="accent1"/>
-          </a:fillRef>
-          <a:effectRef idx="0">
-            <a:schemeClr val="accent1"/>
-          </a:effectRef>
-          <a:fontRef idx="minor">
-            <a:schemeClr val="lt1"/>
-          </a:fontRef>
-        </p:style>
-        <p:txBody>
-          <a:bodyPr rtlCol="0" anchor="ctr"/>
-          <a:lstStyle/>
-          <a:p>
-            <a:pPr algn="ctr"/>
-            <a:endParaRPr lang="es-ES"/>
-          </a:p>
-        </p:txBody>
-      </p:sp>
-    </p:spTree>
-  </p:cSld>
-  <p:clrMapOvr>
-    <a:masterClrMapping/>
-  </p:clrMapOvr>
-  <p:timing>
-    <p:tnLst>
-      <p:par>
-        <p:cTn id="1" dur="indefinite" restart="never" nodeType="tmRoot"/>
-      </p:par>
-    </p:tnLst>
-  </p:timing>
-</p:sld>
-</file>
-
-<file path=ppt/slides/slide29.xml><?xml version="1.0" encoding="utf-8"?>
 <p:sld xmlns:a="http://schemas.openxmlformats.org/drawingml/2006/main" xmlns:r="http://schemas.openxmlformats.org/officeDocument/2006/relationships" xmlns:p="http://schemas.openxmlformats.org/presentationml/2006/main">
   <p:cSld>
     <p:spTree>
@@ -7305,6 +6935,359 @@
 </p:sld>
 </file>
 
+<file path=ppt/slides/slide28.xml><?xml version="1.0" encoding="utf-8"?>
+<p:sld xmlns:a="http://schemas.openxmlformats.org/drawingml/2006/main" xmlns:r="http://schemas.openxmlformats.org/officeDocument/2006/relationships" xmlns:p="http://schemas.openxmlformats.org/presentationml/2006/main">
+  <p:cSld>
+    <p:spTree>
+      <p:nvGrpSpPr>
+        <p:cNvPr id="1" name=""/>
+        <p:cNvGrpSpPr/>
+        <p:nvPr/>
+      </p:nvGrpSpPr>
+      <p:grpSpPr>
+        <a:xfrm>
+          <a:off x="0" y="0"/>
+          <a:ext cx="0" cy="0"/>
+          <a:chOff x="0" y="0"/>
+          <a:chExt cx="0" cy="0"/>
+        </a:xfrm>
+      </p:grpSpPr>
+      <p:sp>
+        <p:nvSpPr>
+          <p:cNvPr id="2" name="1 Título"/>
+          <p:cNvSpPr>
+            <a:spLocks noGrp="1"/>
+          </p:cNvSpPr>
+          <p:nvPr>
+            <p:ph type="title"/>
+          </p:nvPr>
+        </p:nvSpPr>
+        <p:spPr/>
+        <p:txBody>
+          <a:bodyPr/>
+          <a:lstStyle/>
+          <a:p>
+            <a:r>
+              <a:rPr lang="es-ES" dirty="0" smtClean="0"/>
+              <a:t>Métodos</a:t>
+            </a:r>
+            <a:endParaRPr lang="es-ES" dirty="0"/>
+          </a:p>
+        </p:txBody>
+      </p:sp>
+      <p:sp>
+        <p:nvSpPr>
+          <p:cNvPr id="3" name="2 Marcador de contenido"/>
+          <p:cNvSpPr>
+            <a:spLocks noGrp="1"/>
+          </p:cNvSpPr>
+          <p:nvPr>
+            <p:ph idx="1"/>
+          </p:nvPr>
+        </p:nvSpPr>
+        <p:spPr/>
+        <p:txBody>
+          <a:bodyPr/>
+          <a:lstStyle/>
+          <a:p>
+            <a:endParaRPr lang="es-ES" sz="2800" dirty="0" smtClean="0"/>
+          </a:p>
+          <a:p>
+            <a:r>
+              <a:rPr lang="es-ES" sz="2800" dirty="0" smtClean="0"/>
+              <a:t>LSB </a:t>
+            </a:r>
+            <a:r>
+              <a:rPr lang="es-ES" sz="2800" dirty="0" err="1" smtClean="0"/>
+              <a:t>coding</a:t>
+            </a:r>
+            <a:endParaRPr lang="es-ES" sz="2800" dirty="0" smtClean="0"/>
+          </a:p>
+          <a:p>
+            <a:pPr>
+              <a:buFont typeface="Wingdings 2" pitchFamily="18" charset="2"/>
+              <a:buChar char=""/>
+            </a:pPr>
+            <a:r>
+              <a:rPr lang="es-ES" sz="2800" dirty="0" err="1" smtClean="0"/>
+              <a:t>Parity</a:t>
+            </a:r>
+            <a:r>
+              <a:rPr lang="es-ES" sz="2800" dirty="0" smtClean="0"/>
+              <a:t> </a:t>
+            </a:r>
+            <a:r>
+              <a:rPr lang="es-ES" sz="2800" dirty="0" err="1" smtClean="0"/>
+              <a:t>coding</a:t>
+            </a:r>
+            <a:endParaRPr lang="es-ES" sz="2800" dirty="0" smtClean="0"/>
+          </a:p>
+          <a:p>
+            <a:pPr>
+              <a:buNone/>
+            </a:pPr>
+            <a:r>
+              <a:rPr lang="es-ES" sz="2800" dirty="0" smtClean="0">
+                <a:solidFill>
+                  <a:schemeClr val="bg1">
+                    <a:lumMod val="85000"/>
+                  </a:schemeClr>
+                </a:solidFill>
+              </a:rPr>
+              <a:t>	</a:t>
+            </a:r>
+            <a:r>
+              <a:rPr lang="es-ES" sz="2800" dirty="0" err="1" smtClean="0">
+                <a:solidFill>
+                  <a:schemeClr val="bg1">
+                    <a:lumMod val="85000"/>
+                  </a:schemeClr>
+                </a:solidFill>
+              </a:rPr>
+              <a:t>Phase</a:t>
+            </a:r>
+            <a:r>
+              <a:rPr lang="es-ES" sz="2800" dirty="0" smtClean="0">
+                <a:solidFill>
+                  <a:schemeClr val="bg1">
+                    <a:lumMod val="85000"/>
+                  </a:schemeClr>
+                </a:solidFill>
+              </a:rPr>
+              <a:t> </a:t>
+            </a:r>
+            <a:r>
+              <a:rPr lang="es-ES" sz="2800" dirty="0" err="1" smtClean="0">
+                <a:solidFill>
+                  <a:schemeClr val="bg1">
+                    <a:lumMod val="85000"/>
+                  </a:schemeClr>
+                </a:solidFill>
+              </a:rPr>
+              <a:t>coding</a:t>
+            </a:r>
+            <a:endParaRPr lang="es-ES" sz="2800" dirty="0" smtClean="0">
+              <a:solidFill>
+                <a:schemeClr val="bg1">
+                  <a:lumMod val="85000"/>
+                </a:schemeClr>
+              </a:solidFill>
+            </a:endParaRPr>
+          </a:p>
+          <a:p>
+            <a:pPr>
+              <a:buNone/>
+            </a:pPr>
+            <a:r>
+              <a:rPr lang="es-ES" sz="2800" dirty="0" smtClean="0">
+                <a:solidFill>
+                  <a:schemeClr val="bg1">
+                    <a:lumMod val="85000"/>
+                  </a:schemeClr>
+                </a:solidFill>
+              </a:rPr>
+              <a:t>	Spread </a:t>
+            </a:r>
+            <a:r>
+              <a:rPr lang="es-ES" sz="2800" dirty="0" err="1" smtClean="0">
+                <a:solidFill>
+                  <a:schemeClr val="bg1">
+                    <a:lumMod val="85000"/>
+                  </a:schemeClr>
+                </a:solidFill>
+              </a:rPr>
+              <a:t>spectrum</a:t>
+            </a:r>
+            <a:endParaRPr lang="es-ES" sz="2800" dirty="0" smtClean="0">
+              <a:solidFill>
+                <a:schemeClr val="bg1">
+                  <a:lumMod val="85000"/>
+                </a:schemeClr>
+              </a:solidFill>
+            </a:endParaRPr>
+          </a:p>
+          <a:p>
+            <a:pPr>
+              <a:buNone/>
+            </a:pPr>
+            <a:r>
+              <a:rPr lang="es-ES" sz="2800" dirty="0" smtClean="0">
+                <a:solidFill>
+                  <a:schemeClr val="bg1">
+                    <a:lumMod val="85000"/>
+                  </a:schemeClr>
+                </a:solidFill>
+              </a:rPr>
+              <a:t>	Echo </a:t>
+            </a:r>
+            <a:r>
+              <a:rPr lang="es-ES" sz="2800" dirty="0" err="1" smtClean="0">
+                <a:solidFill>
+                  <a:schemeClr val="bg1">
+                    <a:lumMod val="85000"/>
+                  </a:schemeClr>
+                </a:solidFill>
+              </a:rPr>
+              <a:t>hiding</a:t>
+            </a:r>
+            <a:endParaRPr lang="es-ES" sz="2800" dirty="0" smtClean="0">
+              <a:solidFill>
+                <a:schemeClr val="bg1">
+                  <a:lumMod val="85000"/>
+                </a:schemeClr>
+              </a:solidFill>
+            </a:endParaRPr>
+          </a:p>
+        </p:txBody>
+      </p:sp>
+    </p:spTree>
+  </p:cSld>
+  <p:clrMapOvr>
+    <a:masterClrMapping/>
+  </p:clrMapOvr>
+  <p:timing>
+    <p:tnLst>
+      <p:par>
+        <p:cTn id="1" dur="indefinite" restart="never" nodeType="tmRoot"/>
+      </p:par>
+    </p:tnLst>
+  </p:timing>
+</p:sld>
+</file>
+
+<file path=ppt/slides/slide29.xml><?xml version="1.0" encoding="utf-8"?>
+<p:sld xmlns:a="http://schemas.openxmlformats.org/drawingml/2006/main" xmlns:r="http://schemas.openxmlformats.org/officeDocument/2006/relationships" xmlns:p="http://schemas.openxmlformats.org/presentationml/2006/main">
+  <p:cSld>
+    <p:spTree>
+      <p:nvGrpSpPr>
+        <p:cNvPr id="1" name=""/>
+        <p:cNvGrpSpPr/>
+        <p:nvPr/>
+      </p:nvGrpSpPr>
+      <p:grpSpPr>
+        <a:xfrm>
+          <a:off x="0" y="0"/>
+          <a:ext cx="0" cy="0"/>
+          <a:chOff x="0" y="0"/>
+          <a:chExt cx="0" cy="0"/>
+        </a:xfrm>
+      </p:grpSpPr>
+      <p:sp>
+        <p:nvSpPr>
+          <p:cNvPr id="2" name="1 Título"/>
+          <p:cNvSpPr>
+            <a:spLocks noGrp="1"/>
+          </p:cNvSpPr>
+          <p:nvPr>
+            <p:ph type="title"/>
+          </p:nvPr>
+        </p:nvSpPr>
+        <p:spPr/>
+        <p:txBody>
+          <a:bodyPr/>
+          <a:lstStyle/>
+          <a:p>
+            <a:r>
+              <a:rPr lang="es-ES" dirty="0" err="1" smtClean="0"/>
+              <a:t>Parity</a:t>
+            </a:r>
+            <a:r>
+              <a:rPr lang="es-ES" dirty="0" smtClean="0"/>
+              <a:t> </a:t>
+            </a:r>
+            <a:r>
+              <a:rPr lang="es-ES" dirty="0" err="1" smtClean="0"/>
+              <a:t>coding</a:t>
+            </a:r>
+            <a:endParaRPr lang="es-ES" dirty="0"/>
+          </a:p>
+        </p:txBody>
+      </p:sp>
+      <p:sp>
+        <p:nvSpPr>
+          <p:cNvPr id="3" name="2 Marcador de contenido"/>
+          <p:cNvSpPr>
+            <a:spLocks noGrp="1"/>
+          </p:cNvSpPr>
+          <p:nvPr>
+            <p:ph idx="1"/>
+          </p:nvPr>
+        </p:nvSpPr>
+        <p:spPr/>
+        <p:txBody>
+          <a:bodyPr/>
+          <a:lstStyle/>
+          <a:p>
+            <a:endParaRPr lang="es-ES" dirty="0" smtClean="0"/>
+          </a:p>
+          <a:p>
+            <a:r>
+              <a:rPr lang="es-ES" dirty="0" smtClean="0"/>
+              <a:t>División de la señal en regiones disjuntas.</a:t>
+            </a:r>
+          </a:p>
+          <a:p>
+            <a:endParaRPr lang="es-ES" dirty="0" smtClean="0"/>
+          </a:p>
+          <a:p>
+            <a:r>
+              <a:rPr lang="es-ES" dirty="0" smtClean="0"/>
+              <a:t>Regiones del mismo tamaño.</a:t>
+            </a:r>
+          </a:p>
+          <a:p>
+            <a:endParaRPr lang="es-ES" dirty="0" smtClean="0"/>
+          </a:p>
+          <a:p>
+            <a:r>
+              <a:rPr lang="es-ES" dirty="0" smtClean="0"/>
+              <a:t>Última región puede ser menor.</a:t>
+            </a:r>
+          </a:p>
+          <a:p>
+            <a:pPr lvl="1"/>
+            <a:r>
+              <a:rPr lang="es-ES" dirty="0" smtClean="0"/>
+              <a:t>Nº </a:t>
+            </a:r>
+            <a:r>
+              <a:rPr lang="es-ES" dirty="0" err="1" smtClean="0"/>
+              <a:t>samples</a:t>
+            </a:r>
+            <a:r>
+              <a:rPr lang="es-ES" dirty="0" smtClean="0"/>
+              <a:t> archivo no múltiplo nº </a:t>
+            </a:r>
+            <a:r>
+              <a:rPr lang="es-ES" dirty="0" err="1" smtClean="0"/>
+              <a:t>samples</a:t>
+            </a:r>
+            <a:r>
+              <a:rPr lang="es-ES" dirty="0" smtClean="0"/>
+              <a:t> por región.</a:t>
+            </a:r>
+          </a:p>
+          <a:p>
+            <a:pPr lvl="1"/>
+            <a:endParaRPr lang="es-ES" dirty="0" smtClean="0"/>
+          </a:p>
+        </p:txBody>
+      </p:sp>
+    </p:spTree>
+  </p:cSld>
+  <p:clrMapOvr>
+    <a:masterClrMapping/>
+  </p:clrMapOvr>
+  <p:timing>
+    <p:tnLst>
+      <p:par>
+        <p:cTn id="1" dur="indefinite" restart="never" nodeType="tmRoot"/>
+      </p:par>
+    </p:tnLst>
+  </p:timing>
+</p:sld>
+</file>
+
 <file path=ppt/slides/slide3.xml><?xml version="1.0" encoding="utf-8"?>
 <p:sld xmlns:a="http://schemas.openxmlformats.org/drawingml/2006/main" xmlns:r="http://schemas.openxmlformats.org/officeDocument/2006/relationships" xmlns:p="http://schemas.openxmlformats.org/presentationml/2006/main">
   <p:cSld>
@@ -7542,25 +7525,22 @@
             <p:ph type="title"/>
           </p:nvPr>
         </p:nvSpPr>
-        <p:spPr>
-          <a:xfrm>
-            <a:off x="467544" y="1124744"/>
-            <a:ext cx="8229600" cy="1143000"/>
-          </a:xfrm>
-        </p:spPr>
-        <p:txBody>
-          <a:bodyPr>
-            <a:normAutofit fontScale="90000"/>
-          </a:bodyPr>
+        <p:spPr/>
+        <p:txBody>
+          <a:bodyPr/>
           <a:lstStyle/>
           <a:p>
             <a:r>
               <a:rPr lang="es-ES" dirty="0" err="1" smtClean="0"/>
-              <a:t>Esteganografía</a:t>
-            </a:r>
-            <a:r>
-              <a:rPr lang="es-ES" dirty="0" smtClean="0"/>
-              <a:t> de audio: métodos</a:t>
+              <a:t>Parity</a:t>
+            </a:r>
+            <a:r>
+              <a:rPr lang="es-ES" dirty="0" smtClean="0"/>
+              <a:t> </a:t>
+            </a:r>
+            <a:r>
+              <a:rPr lang="es-ES" dirty="0" err="1" smtClean="0"/>
+              <a:t>coding</a:t>
             </a:r>
             <a:endParaRPr lang="es-ES" dirty="0"/>
           </a:p>
@@ -7576,162 +7556,150 @@
             <p:ph idx="1"/>
           </p:nvPr>
         </p:nvSpPr>
-        <p:spPr>
-          <a:xfrm>
-            <a:off x="467544" y="2852936"/>
-            <a:ext cx="8229600" cy="3597032"/>
-          </a:xfrm>
-        </p:spPr>
+        <p:spPr/>
         <p:txBody>
           <a:bodyPr>
             <a:normAutofit/>
           </a:bodyPr>
           <a:lstStyle/>
           <a:p>
-            <a:r>
-              <a:rPr lang="es-ES" sz="3200" dirty="0" smtClean="0"/>
-              <a:t>LSB </a:t>
-            </a:r>
-            <a:r>
-              <a:rPr lang="es-ES" sz="3200" dirty="0" err="1" smtClean="0"/>
-              <a:t>coding</a:t>
-            </a:r>
-            <a:endParaRPr lang="es-ES" sz="3200" dirty="0" smtClean="0"/>
-          </a:p>
-          <a:p>
-            <a:pPr>
-              <a:buFont typeface="Wingdings 2" pitchFamily="18" charset="2"/>
-              <a:buChar char=""/>
-            </a:pPr>
-            <a:r>
-              <a:rPr lang="es-ES" sz="3200" dirty="0" err="1" smtClean="0"/>
-              <a:t>Parity</a:t>
-            </a:r>
-            <a:r>
-              <a:rPr lang="es-ES" sz="3200" dirty="0" smtClean="0"/>
-              <a:t> </a:t>
-            </a:r>
-            <a:r>
-              <a:rPr lang="es-ES" sz="3200" dirty="0" err="1" smtClean="0"/>
-              <a:t>coding</a:t>
-            </a:r>
-            <a:endParaRPr lang="es-ES" sz="3200" dirty="0" smtClean="0"/>
-          </a:p>
-          <a:p>
-            <a:pPr>
-              <a:buNone/>
-            </a:pPr>
-            <a:r>
-              <a:rPr lang="es-ES" sz="3200" dirty="0" smtClean="0">
-                <a:solidFill>
-                  <a:schemeClr val="bg1">
-                    <a:lumMod val="85000"/>
-                  </a:schemeClr>
-                </a:solidFill>
-              </a:rPr>
-              <a:t>	</a:t>
-            </a:r>
-            <a:r>
-              <a:rPr lang="es-ES" sz="3200" dirty="0" err="1" smtClean="0">
-                <a:solidFill>
-                  <a:schemeClr val="bg1">
-                    <a:lumMod val="85000"/>
-                  </a:schemeClr>
-                </a:solidFill>
-              </a:rPr>
-              <a:t>Phase</a:t>
-            </a:r>
-            <a:r>
-              <a:rPr lang="es-ES" sz="3200" dirty="0" smtClean="0">
-                <a:solidFill>
-                  <a:schemeClr val="bg1">
-                    <a:lumMod val="85000"/>
-                  </a:schemeClr>
-                </a:solidFill>
-              </a:rPr>
-              <a:t> </a:t>
-            </a:r>
-            <a:r>
-              <a:rPr lang="es-ES" sz="3200" dirty="0" err="1" smtClean="0">
-                <a:solidFill>
-                  <a:schemeClr val="bg1">
-                    <a:lumMod val="85000"/>
-                  </a:schemeClr>
-                </a:solidFill>
-              </a:rPr>
-              <a:t>coding</a:t>
-            </a:r>
-            <a:endParaRPr lang="es-ES" sz="3200" dirty="0" smtClean="0">
+            <a:endParaRPr lang="es-ES" dirty="0" smtClean="0"/>
+          </a:p>
+          <a:p>
+            <a:r>
+              <a:rPr lang="es-ES" dirty="0" smtClean="0"/>
+              <a:t>Los bits del mensaje se ocultan en los bits de paridad de las regiones.</a:t>
+            </a:r>
+          </a:p>
+          <a:p>
+            <a:pPr lvl="1"/>
+            <a:r>
+              <a:rPr lang="es-ES" dirty="0" smtClean="0"/>
+              <a:t>Bit paridad: XOR de todos los bits de la </a:t>
+            </a:r>
+            <a:r>
+              <a:rPr lang="es-ES" dirty="0" smtClean="0"/>
+              <a:t>región.</a:t>
+            </a:r>
+            <a:endParaRPr lang="es-ES" dirty="0" smtClean="0"/>
+          </a:p>
+          <a:p>
+            <a:endParaRPr lang="es-ES" dirty="0" smtClean="0"/>
+          </a:p>
+          <a:p>
+            <a:r>
+              <a:rPr lang="es-ES" dirty="0" smtClean="0"/>
+              <a:t>Si bit de paridad 	      bit secreto	 se modifica el bit menos significativo de uno de los </a:t>
+            </a:r>
+            <a:r>
+              <a:rPr lang="es-ES" dirty="0" err="1" smtClean="0"/>
+              <a:t>samples</a:t>
+            </a:r>
+            <a:r>
+              <a:rPr lang="es-ES" dirty="0" smtClean="0"/>
+              <a:t> de la región.</a:t>
+            </a:r>
+          </a:p>
+          <a:p>
+            <a:endParaRPr lang="es-ES" dirty="0" smtClean="0"/>
+          </a:p>
+          <a:p>
+            <a:r>
+              <a:rPr lang="es-ES" dirty="0" smtClean="0"/>
+              <a:t>Si coinciden no se hace nada.</a:t>
+            </a:r>
+          </a:p>
+          <a:p>
+            <a:pPr lvl="1"/>
+            <a:endParaRPr lang="es-ES" dirty="0" smtClean="0"/>
+          </a:p>
+          <a:p>
+            <a:pPr lvl="1"/>
+            <a:endParaRPr lang="es-ES" dirty="0" smtClean="0"/>
+          </a:p>
+        </p:txBody>
+      </p:sp>
+      <p:sp>
+        <p:nvSpPr>
+          <p:cNvPr id="4" name="3 Distinto de"/>
+          <p:cNvSpPr/>
+          <p:nvPr/>
+        </p:nvSpPr>
+        <p:spPr>
+          <a:xfrm>
+            <a:off x="3203848" y="4293096"/>
+            <a:ext cx="504056" cy="360040"/>
+          </a:xfrm>
+          <a:prstGeom prst="mathNotEqual">
+            <a:avLst/>
+          </a:prstGeom>
+        </p:spPr>
+        <p:style>
+          <a:lnRef idx="2">
+            <a:schemeClr val="accent1">
+              <a:shade val="50000"/>
+            </a:schemeClr>
+          </a:lnRef>
+          <a:fillRef idx="1">
+            <a:schemeClr val="accent1"/>
+          </a:fillRef>
+          <a:effectRef idx="0">
+            <a:schemeClr val="accent1"/>
+          </a:effectRef>
+          <a:fontRef idx="minor">
+            <a:schemeClr val="lt1"/>
+          </a:fontRef>
+        </p:style>
+        <p:txBody>
+          <a:bodyPr rtlCol="0" anchor="ctr"/>
+          <a:lstStyle/>
+          <a:p>
+            <a:pPr algn="ctr"/>
+            <a:endParaRPr lang="es-ES">
               <a:solidFill>
-                <a:schemeClr val="bg1">
-                  <a:lumMod val="85000"/>
-                </a:schemeClr>
+                <a:schemeClr val="tx1"/>
               </a:solidFill>
             </a:endParaRPr>
           </a:p>
-          <a:p>
-            <a:pPr>
-              <a:buNone/>
-            </a:pPr>
-            <a:r>
-              <a:rPr lang="es-ES" sz="3200" dirty="0" smtClean="0">
-                <a:solidFill>
-                  <a:schemeClr val="bg1">
-                    <a:lumMod val="85000"/>
-                  </a:schemeClr>
-                </a:solidFill>
-              </a:rPr>
-              <a:t>	Spread </a:t>
-            </a:r>
-            <a:r>
-              <a:rPr lang="es-ES" sz="3200" dirty="0" err="1" smtClean="0">
-                <a:solidFill>
-                  <a:schemeClr val="bg1">
-                    <a:lumMod val="85000"/>
-                  </a:schemeClr>
-                </a:solidFill>
-              </a:rPr>
-              <a:t>spectrum</a:t>
-            </a:r>
-            <a:endParaRPr lang="es-ES" sz="3200" dirty="0" smtClean="0">
-              <a:solidFill>
-                <a:schemeClr val="bg1">
-                  <a:lumMod val="85000"/>
-                </a:schemeClr>
-              </a:solidFill>
-            </a:endParaRPr>
-          </a:p>
-          <a:p>
-            <a:pPr>
-              <a:buNone/>
-            </a:pPr>
-            <a:r>
-              <a:rPr lang="es-ES" sz="3200" dirty="0" smtClean="0">
-                <a:solidFill>
-                  <a:schemeClr val="bg1">
-                    <a:lumMod val="85000"/>
-                  </a:schemeClr>
-                </a:solidFill>
-              </a:rPr>
-              <a:t>	Echo </a:t>
-            </a:r>
-            <a:r>
-              <a:rPr lang="es-ES" sz="3200" dirty="0" err="1" smtClean="0">
-                <a:solidFill>
-                  <a:schemeClr val="bg1">
-                    <a:lumMod val="85000"/>
-                  </a:schemeClr>
-                </a:solidFill>
-              </a:rPr>
-              <a:t>hiding</a:t>
-            </a:r>
-            <a:endParaRPr lang="es-ES" sz="3200" dirty="0" smtClean="0">
-              <a:solidFill>
-                <a:schemeClr val="bg1">
-                  <a:lumMod val="85000"/>
-                </a:schemeClr>
-              </a:solidFill>
-            </a:endParaRPr>
+        </p:txBody>
+      </p:sp>
+      <p:sp>
+        <p:nvSpPr>
+          <p:cNvPr id="5" name="4 Flecha derecha"/>
+          <p:cNvSpPr/>
+          <p:nvPr/>
+        </p:nvSpPr>
+        <p:spPr>
+          <a:xfrm>
+            <a:off x="5436096" y="4365104"/>
+            <a:ext cx="504056" cy="288032"/>
+          </a:xfrm>
+          <a:prstGeom prst="rightArrow">
+            <a:avLst/>
+          </a:prstGeom>
+        </p:spPr>
+        <p:style>
+          <a:lnRef idx="2">
+            <a:schemeClr val="accent1">
+              <a:shade val="50000"/>
+            </a:schemeClr>
+          </a:lnRef>
+          <a:fillRef idx="1">
+            <a:schemeClr val="accent1"/>
+          </a:fillRef>
+          <a:effectRef idx="0">
+            <a:schemeClr val="accent1"/>
+          </a:effectRef>
+          <a:fontRef idx="minor">
+            <a:schemeClr val="lt1"/>
+          </a:fontRef>
+        </p:style>
+        <p:txBody>
+          <a:bodyPr rtlCol="0" anchor="ctr"/>
+          <a:lstStyle/>
+          <a:p>
+            <a:pPr algn="ctr"/>
+            <a:endParaRPr lang="es-ES"/>
           </a:p>
         </p:txBody>
       </p:sp>
@@ -7818,32 +7786,52 @@
           <a:p>
             <a:r>
               <a:rPr lang="es-ES" dirty="0" smtClean="0"/>
-              <a:t>División de la señal en regiones disjuntas.</a:t>
-            </a:r>
-          </a:p>
-          <a:p>
-            <a:endParaRPr lang="es-ES" dirty="0" smtClean="0"/>
-          </a:p>
-          <a:p>
-            <a:r>
-              <a:rPr lang="es-ES" dirty="0" smtClean="0"/>
-              <a:t>Regiones del mismo tamaño.</a:t>
-            </a:r>
-          </a:p>
-          <a:p>
-            <a:endParaRPr lang="es-ES" dirty="0" smtClean="0"/>
-          </a:p>
-          <a:p>
-            <a:r>
-              <a:rPr lang="es-ES" dirty="0" smtClean="0"/>
-              <a:t>Última región puede ser menor.</a:t>
+              <a:t>Extraer mensaje </a:t>
+            </a:r>
+            <a:r>
+              <a:rPr lang="es-ES" dirty="0" smtClean="0"/>
+              <a:t>secreto. </a:t>
             </a:r>
           </a:p>
           <a:p>
             <a:pPr lvl="1"/>
             <a:r>
               <a:rPr lang="es-ES" dirty="0" smtClean="0"/>
-              <a:t>Nº </a:t>
+              <a:t>Tamaño </a:t>
+            </a:r>
+            <a:r>
+              <a:rPr lang="es-ES" dirty="0" smtClean="0"/>
+              <a:t>de las regiones y orden en el que fueron utilizadas en la inserción.</a:t>
+            </a:r>
+          </a:p>
+          <a:p>
+            <a:pPr>
+              <a:buNone/>
+            </a:pPr>
+            <a:endParaRPr lang="es-ES" dirty="0" smtClean="0"/>
+          </a:p>
+          <a:p>
+            <a:r>
+              <a:rPr lang="es-ES" dirty="0" smtClean="0"/>
+              <a:t>Calcular bits de paridad de las regiones empleadas.</a:t>
+            </a:r>
+          </a:p>
+          <a:p>
+            <a:pPr lvl="1"/>
+            <a:r>
+              <a:rPr lang="es-ES" dirty="0" smtClean="0"/>
+              <a:t>Concatenación de los bits de </a:t>
+            </a:r>
+            <a:r>
+              <a:rPr lang="es-ES" dirty="0" smtClean="0"/>
+              <a:t>paridad.  </a:t>
+            </a:r>
+          </a:p>
+          <a:p>
+            <a:pPr lvl="1"/>
+            <a:r>
+              <a:rPr lang="es-ES" dirty="0" smtClean="0"/>
+              <a:t>No necesita conocer los </a:t>
             </a:r>
             <a:r>
               <a:rPr lang="es-ES" dirty="0" err="1" smtClean="0"/>
@@ -7851,16 +7839,9 @@
             </a:r>
             <a:r>
               <a:rPr lang="es-ES" dirty="0" smtClean="0"/>
-              <a:t> archivo no múltiplo nº </a:t>
-            </a:r>
-            <a:r>
-              <a:rPr lang="es-ES" dirty="0" err="1" smtClean="0"/>
-              <a:t>samples</a:t>
-            </a:r>
-            <a:r>
-              <a:rPr lang="es-ES" dirty="0" smtClean="0"/>
-              <a:t> por región.</a:t>
-            </a:r>
+              <a:t> modificados.</a:t>
+            </a:r>
+            <a:endParaRPr lang="es-ES" dirty="0" smtClean="0"/>
           </a:p>
           <a:p>
             <a:pPr lvl="1"/>
@@ -7931,158 +7912,32 @@
           </a:p>
         </p:txBody>
       </p:sp>
-      <p:sp>
-        <p:nvSpPr>
-          <p:cNvPr id="3" name="2 Marcador de contenido"/>
-          <p:cNvSpPr>
-            <a:spLocks noGrp="1"/>
-          </p:cNvSpPr>
+      <p:pic>
+        <p:nvPicPr>
+          <p:cNvPr id="4" name="5 Imagen" descr="parity.gif"/>
+          <p:cNvPicPr>
+            <a:picLocks noGrp="1"/>
+          </p:cNvPicPr>
           <p:nvPr>
             <p:ph idx="1"/>
           </p:nvPr>
-        </p:nvSpPr>
-        <p:spPr/>
-        <p:txBody>
-          <a:bodyPr>
-            <a:normAutofit/>
-          </a:bodyPr>
-          <a:lstStyle/>
-          <a:p>
-            <a:endParaRPr lang="es-ES" dirty="0" smtClean="0"/>
-          </a:p>
-          <a:p>
-            <a:r>
-              <a:rPr lang="es-ES" dirty="0" smtClean="0"/>
-              <a:t>Los bits del mensaje se ocultan en los bits de paridad de las regiones.</a:t>
-            </a:r>
-          </a:p>
-          <a:p>
-            <a:pPr lvl="1"/>
-            <a:r>
-              <a:rPr lang="es-ES" dirty="0" smtClean="0"/>
-              <a:t>Bit paridad: XOR de todos los bits de la región</a:t>
-            </a:r>
-          </a:p>
-          <a:p>
-            <a:endParaRPr lang="es-ES" dirty="0" smtClean="0"/>
-          </a:p>
-          <a:p>
-            <a:r>
-              <a:rPr lang="es-ES" dirty="0" smtClean="0"/>
-              <a:t>Si bit de paridad 	      bit secreto	 se modifica el bit menos significativo de uno de los </a:t>
-            </a:r>
-            <a:r>
-              <a:rPr lang="es-ES" dirty="0" err="1" smtClean="0"/>
-              <a:t>samples</a:t>
-            </a:r>
-            <a:r>
-              <a:rPr lang="es-ES" dirty="0" smtClean="0"/>
-              <a:t> de la región.</a:t>
-            </a:r>
-          </a:p>
-          <a:p>
-            <a:endParaRPr lang="es-ES" dirty="0" smtClean="0"/>
-          </a:p>
-          <a:p>
-            <a:r>
-              <a:rPr lang="es-ES" dirty="0" smtClean="0"/>
-              <a:t>Si coinciden no se hace nada.</a:t>
-            </a:r>
-          </a:p>
-          <a:p>
-            <a:pPr lvl="1"/>
-            <a:endParaRPr lang="es-ES" dirty="0" smtClean="0"/>
-          </a:p>
-          <a:p>
-            <a:pPr lvl="1"/>
-            <a:endParaRPr lang="es-ES" dirty="0" smtClean="0"/>
-          </a:p>
-        </p:txBody>
-      </p:sp>
-      <p:sp>
-        <p:nvSpPr>
-          <p:cNvPr id="4" name="3 Distinto de"/>
-          <p:cNvSpPr/>
-          <p:nvPr/>
-        </p:nvSpPr>
+        </p:nvPicPr>
+        <p:blipFill>
+          <a:blip r:embed="rId2" cstate="print"/>
+          <a:stretch>
+            <a:fillRect/>
+          </a:stretch>
+        </p:blipFill>
         <p:spPr>
           <a:xfrm>
-            <a:off x="3203848" y="4293096"/>
-            <a:ext cx="504056" cy="360040"/>
+            <a:off x="2267545" y="1935163"/>
+            <a:ext cx="4608909" cy="4389437"/>
           </a:xfrm>
-          <a:prstGeom prst="mathNotEqual">
+          <a:prstGeom prst="rect">
             <a:avLst/>
           </a:prstGeom>
         </p:spPr>
-        <p:style>
-          <a:lnRef idx="2">
-            <a:schemeClr val="accent1">
-              <a:shade val="50000"/>
-            </a:schemeClr>
-          </a:lnRef>
-          <a:fillRef idx="1">
-            <a:schemeClr val="accent1"/>
-          </a:fillRef>
-          <a:effectRef idx="0">
-            <a:schemeClr val="accent1"/>
-          </a:effectRef>
-          <a:fontRef idx="minor">
-            <a:schemeClr val="lt1"/>
-          </a:fontRef>
-        </p:style>
-        <p:txBody>
-          <a:bodyPr rtlCol="0" anchor="ctr"/>
-          <a:lstStyle/>
-          <a:p>
-            <a:pPr algn="ctr"/>
-            <a:endParaRPr lang="es-ES">
-              <a:solidFill>
-                <a:schemeClr val="tx1"/>
-              </a:solidFill>
-            </a:endParaRPr>
-          </a:p>
-        </p:txBody>
-      </p:sp>
-      <p:sp>
-        <p:nvSpPr>
-          <p:cNvPr id="5" name="4 Flecha derecha"/>
-          <p:cNvSpPr/>
-          <p:nvPr/>
-        </p:nvSpPr>
-        <p:spPr>
-          <a:xfrm>
-            <a:off x="5436096" y="4365104"/>
-            <a:ext cx="504056" cy="288032"/>
-          </a:xfrm>
-          <a:prstGeom prst="rightArrow">
-            <a:avLst/>
-          </a:prstGeom>
-        </p:spPr>
-        <p:style>
-          <a:lnRef idx="2">
-            <a:schemeClr val="accent1">
-              <a:shade val="50000"/>
-            </a:schemeClr>
-          </a:lnRef>
-          <a:fillRef idx="1">
-            <a:schemeClr val="accent1"/>
-          </a:fillRef>
-          <a:effectRef idx="0">
-            <a:schemeClr val="accent1"/>
-          </a:effectRef>
-          <a:fontRef idx="minor">
-            <a:schemeClr val="lt1"/>
-          </a:fontRef>
-        </p:style>
-        <p:txBody>
-          <a:bodyPr rtlCol="0" anchor="ctr"/>
-          <a:lstStyle/>
-          <a:p>
-            <a:pPr algn="ctr"/>
-            <a:endParaRPr lang="es-ES"/>
-          </a:p>
-        </p:txBody>
-      </p:sp>
+      </p:pic>
     </p:spTree>
   </p:cSld>
   <p:clrMapOvr>
@@ -8131,152 +7986,142 @@
           <a:lstStyle/>
           <a:p>
             <a:r>
-              <a:rPr lang="es-ES" dirty="0" err="1" smtClean="0"/>
+              <a:rPr lang="es-ES" dirty="0" smtClean="0"/>
+              <a:t>Métodos</a:t>
+            </a:r>
+            <a:endParaRPr lang="es-ES" dirty="0"/>
+          </a:p>
+        </p:txBody>
+      </p:sp>
+      <p:sp>
+        <p:nvSpPr>
+          <p:cNvPr id="3" name="2 Marcador de contenido"/>
+          <p:cNvSpPr>
+            <a:spLocks noGrp="1"/>
+          </p:cNvSpPr>
+          <p:nvPr>
+            <p:ph idx="1"/>
+          </p:nvPr>
+        </p:nvSpPr>
+        <p:spPr/>
+        <p:txBody>
+          <a:bodyPr/>
+          <a:lstStyle/>
+          <a:p>
+            <a:endParaRPr lang="es-ES" sz="2800" dirty="0" smtClean="0"/>
+          </a:p>
+          <a:p>
+            <a:r>
+              <a:rPr lang="es-ES" sz="2800" dirty="0" smtClean="0"/>
+              <a:t>LSB </a:t>
+            </a:r>
+            <a:r>
+              <a:rPr lang="es-ES" sz="2800" dirty="0" err="1" smtClean="0"/>
+              <a:t>coding</a:t>
+            </a:r>
+            <a:endParaRPr lang="es-ES" sz="2800" dirty="0" smtClean="0"/>
+          </a:p>
+          <a:p>
+            <a:pPr>
+              <a:buFont typeface="Wingdings 2" pitchFamily="18" charset="2"/>
+              <a:buChar char=""/>
+            </a:pPr>
+            <a:r>
+              <a:rPr lang="es-ES" sz="2800" dirty="0" err="1" smtClean="0"/>
               <a:t>Parity</a:t>
             </a:r>
             <a:r>
-              <a:rPr lang="es-ES" dirty="0" smtClean="0"/>
+              <a:rPr lang="es-ES" sz="2800" dirty="0" smtClean="0"/>
               <a:t> </a:t>
             </a:r>
             <a:r>
-              <a:rPr lang="es-ES" dirty="0" err="1" smtClean="0"/>
+              <a:rPr lang="es-ES" sz="2800" dirty="0" err="1" smtClean="0"/>
               <a:t>coding</a:t>
             </a:r>
-            <a:endParaRPr lang="es-ES" dirty="0"/>
-          </a:p>
-        </p:txBody>
-      </p:sp>
-      <p:sp>
-        <p:nvSpPr>
-          <p:cNvPr id="3" name="2 Marcador de contenido"/>
-          <p:cNvSpPr>
-            <a:spLocks noGrp="1"/>
-          </p:cNvSpPr>
-          <p:nvPr>
-            <p:ph idx="1"/>
-          </p:nvPr>
-        </p:nvSpPr>
-        <p:spPr/>
-        <p:txBody>
-          <a:bodyPr/>
-          <a:lstStyle/>
-          <a:p>
-            <a:endParaRPr lang="es-ES" dirty="0" smtClean="0"/>
-          </a:p>
-          <a:p>
-            <a:r>
-              <a:rPr lang="es-ES" dirty="0" smtClean="0"/>
-              <a:t>Extraer mensaje secreto 	Tamaño de las regiones y orden en el que fueron utilizadas en la inserción.</a:t>
-            </a:r>
-          </a:p>
-          <a:p>
-            <a:endParaRPr lang="es-ES" dirty="0" smtClean="0"/>
-          </a:p>
-          <a:p>
-            <a:r>
-              <a:rPr lang="es-ES" dirty="0" smtClean="0"/>
-              <a:t>Regiones de distinto tamaño.</a:t>
-            </a:r>
-          </a:p>
-          <a:p>
-            <a:endParaRPr lang="es-ES" dirty="0" smtClean="0"/>
-          </a:p>
-          <a:p>
-            <a:r>
-              <a:rPr lang="es-ES" dirty="0" smtClean="0"/>
-              <a:t>Calcular bits de paridad de las regiones empleadas.</a:t>
-            </a:r>
-          </a:p>
-          <a:p>
-            <a:pPr lvl="1"/>
-            <a:r>
-              <a:rPr lang="es-ES" dirty="0" smtClean="0"/>
-              <a:t>Concatenación de los bits de paridad          mensaje.</a:t>
-            </a:r>
-          </a:p>
-          <a:p>
-            <a:pPr lvl="1"/>
-            <a:endParaRPr lang="es-ES" dirty="0" smtClean="0"/>
-          </a:p>
-        </p:txBody>
-      </p:sp>
-      <p:sp>
-        <p:nvSpPr>
-          <p:cNvPr id="4" name="3 Flecha derecha"/>
-          <p:cNvSpPr/>
-          <p:nvPr/>
-        </p:nvSpPr>
-        <p:spPr>
-          <a:xfrm>
-            <a:off x="4355976" y="2564904"/>
-            <a:ext cx="504056" cy="288032"/>
-          </a:xfrm>
-          <a:prstGeom prst="rightArrow">
-            <a:avLst/>
-          </a:prstGeom>
-        </p:spPr>
-        <p:style>
-          <a:lnRef idx="2">
-            <a:schemeClr val="accent1">
-              <a:shade val="50000"/>
-            </a:schemeClr>
-          </a:lnRef>
-          <a:fillRef idx="1">
-            <a:schemeClr val="accent1"/>
-          </a:fillRef>
-          <a:effectRef idx="0">
-            <a:schemeClr val="accent1"/>
-          </a:effectRef>
-          <a:fontRef idx="minor">
-            <a:schemeClr val="lt1"/>
-          </a:fontRef>
-        </p:style>
-        <p:txBody>
-          <a:bodyPr rtlCol="0" anchor="ctr"/>
-          <a:lstStyle/>
-          <a:p>
-            <a:pPr algn="ctr"/>
-            <a:endParaRPr lang="es-ES"/>
-          </a:p>
-        </p:txBody>
-      </p:sp>
-      <p:sp>
-        <p:nvSpPr>
-          <p:cNvPr id="5" name="4 Flecha derecha"/>
-          <p:cNvSpPr/>
-          <p:nvPr/>
-        </p:nvSpPr>
-        <p:spPr>
-          <a:xfrm>
-            <a:off x="6084168" y="5301208"/>
-            <a:ext cx="504056" cy="288032"/>
-          </a:xfrm>
-          <a:prstGeom prst="rightArrow">
-            <a:avLst/>
-          </a:prstGeom>
-        </p:spPr>
-        <p:style>
-          <a:lnRef idx="2">
-            <a:schemeClr val="accent1">
-              <a:shade val="50000"/>
-            </a:schemeClr>
-          </a:lnRef>
-          <a:fillRef idx="1">
-            <a:schemeClr val="accent1"/>
-          </a:fillRef>
-          <a:effectRef idx="0">
-            <a:schemeClr val="accent1"/>
-          </a:effectRef>
-          <a:fontRef idx="minor">
-            <a:schemeClr val="lt1"/>
-          </a:fontRef>
-        </p:style>
-        <p:txBody>
-          <a:bodyPr rtlCol="0" anchor="ctr"/>
-          <a:lstStyle/>
-          <a:p>
-            <a:pPr algn="ctr"/>
-            <a:endParaRPr lang="es-ES"/>
+            <a:endParaRPr lang="es-ES" sz="2800" dirty="0" smtClean="0"/>
+          </a:p>
+          <a:p>
+            <a:pPr>
+              <a:buFont typeface="Wingdings 2" pitchFamily="18" charset="2"/>
+              <a:buChar char=""/>
+            </a:pPr>
+            <a:r>
+              <a:rPr lang="es-ES" sz="2800" dirty="0" err="1" smtClean="0"/>
+              <a:t>Phase</a:t>
+            </a:r>
+            <a:r>
+              <a:rPr lang="es-ES" sz="2800" dirty="0" smtClean="0"/>
+              <a:t> </a:t>
+            </a:r>
+            <a:r>
+              <a:rPr lang="es-ES" sz="2800" dirty="0" err="1" smtClean="0"/>
+              <a:t>coding</a:t>
+            </a:r>
+            <a:endParaRPr lang="es-ES" sz="2800" dirty="0" smtClean="0"/>
+          </a:p>
+          <a:p>
+            <a:pPr>
+              <a:buNone/>
+            </a:pPr>
+            <a:r>
+              <a:rPr lang="es-ES" sz="2800" dirty="0" smtClean="0">
+                <a:solidFill>
+                  <a:schemeClr val="bg1">
+                    <a:lumMod val="85000"/>
+                  </a:schemeClr>
+                </a:solidFill>
+              </a:rPr>
+              <a:t>	Spread </a:t>
+            </a:r>
+            <a:r>
+              <a:rPr lang="es-ES" sz="2800" dirty="0" err="1" smtClean="0">
+                <a:solidFill>
+                  <a:schemeClr val="bg1">
+                    <a:lumMod val="85000"/>
+                  </a:schemeClr>
+                </a:solidFill>
+              </a:rPr>
+              <a:t>spectrum</a:t>
+            </a:r>
+            <a:endParaRPr lang="es-ES" sz="2800" dirty="0" smtClean="0">
+              <a:solidFill>
+                <a:schemeClr val="bg1">
+                  <a:lumMod val="85000"/>
+                </a:schemeClr>
+              </a:solidFill>
+            </a:endParaRPr>
+          </a:p>
+          <a:p>
+            <a:pPr>
+              <a:buNone/>
+            </a:pPr>
+            <a:r>
+              <a:rPr lang="es-ES" sz="2800" dirty="0" smtClean="0">
+                <a:solidFill>
+                  <a:schemeClr val="bg1">
+                    <a:lumMod val="85000"/>
+                  </a:schemeClr>
+                </a:solidFill>
+              </a:rPr>
+              <a:t>	Echo </a:t>
+            </a:r>
+            <a:r>
+              <a:rPr lang="es-ES" sz="2800" dirty="0" err="1" smtClean="0">
+                <a:solidFill>
+                  <a:schemeClr val="bg1">
+                    <a:lumMod val="85000"/>
+                  </a:schemeClr>
+                </a:solidFill>
+              </a:rPr>
+              <a:t>hiding</a:t>
+            </a:r>
+            <a:endParaRPr lang="es-ES" sz="2800" dirty="0" smtClean="0">
+              <a:solidFill>
+                <a:schemeClr val="bg1">
+                  <a:lumMod val="85000"/>
+                </a:schemeClr>
+              </a:solidFill>
+            </a:endParaRPr>
           </a:p>
         </p:txBody>
       </p:sp>
@@ -8329,7 +8174,7 @@
           <a:p>
             <a:r>
               <a:rPr lang="es-ES" dirty="0" err="1" smtClean="0"/>
-              <a:t>Parity</a:t>
+              <a:t>Phase</a:t>
             </a:r>
             <a:r>
               <a:rPr lang="es-ES" dirty="0" smtClean="0"/>
@@ -8343,32 +8188,74 @@
           </a:p>
         </p:txBody>
       </p:sp>
-      <p:pic>
-        <p:nvPicPr>
-          <p:cNvPr id="4" name="5 Imagen" descr="parity.gif"/>
-          <p:cNvPicPr>
-            <a:picLocks noGrp="1"/>
-          </p:cNvPicPr>
+      <p:sp>
+        <p:nvSpPr>
+          <p:cNvPr id="3" name="2 Marcador de contenido"/>
+          <p:cNvSpPr>
+            <a:spLocks noGrp="1"/>
+          </p:cNvSpPr>
           <p:nvPr>
             <p:ph idx="1"/>
           </p:nvPr>
-        </p:nvPicPr>
-        <p:blipFill>
-          <a:blip r:embed="rId2" cstate="print"/>
-          <a:stretch>
-            <a:fillRect/>
-          </a:stretch>
-        </p:blipFill>
-        <p:spPr>
-          <a:xfrm>
-            <a:off x="2267545" y="1935163"/>
-            <a:ext cx="4608909" cy="4389437"/>
-          </a:xfrm>
-          <a:prstGeom prst="rect">
-            <a:avLst/>
-          </a:prstGeom>
-        </p:spPr>
-      </p:pic>
+        </p:nvSpPr>
+        <p:spPr/>
+        <p:txBody>
+          <a:bodyPr/>
+          <a:lstStyle/>
+          <a:p>
+            <a:endParaRPr lang="es-ES" dirty="0" smtClean="0"/>
+          </a:p>
+          <a:p>
+            <a:r>
+              <a:rPr lang="es-ES" dirty="0" smtClean="0"/>
+              <a:t>No se basa en la inserción de ruido.</a:t>
+            </a:r>
+          </a:p>
+          <a:p>
+            <a:endParaRPr lang="es-ES" dirty="0" smtClean="0"/>
+          </a:p>
+          <a:p>
+            <a:r>
+              <a:rPr lang="es-ES" dirty="0" smtClean="0"/>
+              <a:t>Idea: Componentes </a:t>
+            </a:r>
+            <a:r>
+              <a:rPr lang="es-ES" dirty="0" smtClean="0"/>
+              <a:t>de</a:t>
+            </a:r>
+            <a:r>
+              <a:rPr lang="es-ES" dirty="0" smtClean="0"/>
+              <a:t> </a:t>
+            </a:r>
+            <a:r>
+              <a:rPr lang="es-ES" dirty="0" smtClean="0"/>
+              <a:t>fase del sonido menos perceptibles al oído humano que el ruido.</a:t>
+            </a:r>
+          </a:p>
+          <a:p>
+            <a:endParaRPr lang="es-ES" dirty="0" smtClean="0"/>
+          </a:p>
+          <a:p>
+            <a:r>
+              <a:rPr lang="es-ES" dirty="0" smtClean="0"/>
+              <a:t>Codifica bits del mensaje como desplazamientos </a:t>
+            </a:r>
+            <a:r>
+              <a:rPr lang="es-ES" dirty="0" smtClean="0"/>
+              <a:t>de</a:t>
+            </a:r>
+            <a:r>
+              <a:rPr lang="es-ES" dirty="0" smtClean="0"/>
+              <a:t> </a:t>
+            </a:r>
+            <a:r>
+              <a:rPr lang="es-ES" dirty="0" smtClean="0"/>
+              <a:t>fase en el espectro de fases de la señal digital.</a:t>
+            </a:r>
+            <a:endParaRPr lang="es-ES" dirty="0"/>
+          </a:p>
+        </p:txBody>
+      </p:sp>
     </p:spTree>
   </p:cSld>
   <p:clrMapOvr>
@@ -8411,166 +8298,53 @@
             <p:ph type="title"/>
           </p:nvPr>
         </p:nvSpPr>
+        <p:spPr/>
+        <p:txBody>
+          <a:bodyPr/>
+          <a:lstStyle/>
+          <a:p>
+            <a:r>
+              <a:rPr lang="es-ES" dirty="0" err="1" smtClean="0"/>
+              <a:t>Phase</a:t>
+            </a:r>
+            <a:r>
+              <a:rPr lang="es-ES" dirty="0" smtClean="0"/>
+              <a:t> </a:t>
+            </a:r>
+            <a:r>
+              <a:rPr lang="es-ES" dirty="0" err="1" smtClean="0"/>
+              <a:t>coding</a:t>
+            </a:r>
+            <a:endParaRPr lang="es-ES" dirty="0"/>
+          </a:p>
+        </p:txBody>
+      </p:sp>
+      <p:pic>
+        <p:nvPicPr>
+          <p:cNvPr id="5" name="6 Imagen" descr="phaseshift.gif"/>
+          <p:cNvPicPr>
+            <a:picLocks noGrp="1"/>
+          </p:cNvPicPr>
+          <p:nvPr>
+            <p:ph idx="1"/>
+          </p:nvPr>
+        </p:nvPicPr>
+        <p:blipFill>
+          <a:blip r:embed="rId2" cstate="print"/>
+          <a:stretch>
+            <a:fillRect/>
+          </a:stretch>
+        </p:blipFill>
         <p:spPr>
           <a:xfrm>
-            <a:off x="467544" y="1124744"/>
-            <a:ext cx="8229600" cy="1143000"/>
+            <a:off x="2328862" y="3063081"/>
+            <a:ext cx="4486275" cy="2133600"/>
           </a:xfrm>
+          <a:prstGeom prst="rect">
+            <a:avLst/>
+          </a:prstGeom>
         </p:spPr>
-        <p:txBody>
-          <a:bodyPr>
-            <a:normAutofit fontScale="90000"/>
-          </a:bodyPr>
-          <a:lstStyle/>
-          <a:p>
-            <a:r>
-              <a:rPr lang="es-ES" dirty="0" err="1" smtClean="0"/>
-              <a:t>Esteganografía</a:t>
-            </a:r>
-            <a:r>
-              <a:rPr lang="es-ES" dirty="0" smtClean="0"/>
-              <a:t> de audio: métodos</a:t>
-            </a:r>
-            <a:endParaRPr lang="es-ES" dirty="0"/>
-          </a:p>
-        </p:txBody>
-      </p:sp>
-      <p:sp>
-        <p:nvSpPr>
-          <p:cNvPr id="3" name="2 Marcador de contenido"/>
-          <p:cNvSpPr>
-            <a:spLocks noGrp="1"/>
-          </p:cNvSpPr>
-          <p:nvPr>
-            <p:ph idx="1"/>
-          </p:nvPr>
-        </p:nvSpPr>
-        <p:spPr>
-          <a:xfrm>
-            <a:off x="467544" y="2852936"/>
-            <a:ext cx="8229600" cy="3597032"/>
-          </a:xfrm>
-        </p:spPr>
-        <p:txBody>
-          <a:bodyPr>
-            <a:normAutofit/>
-          </a:bodyPr>
-          <a:lstStyle/>
-          <a:p>
-            <a:r>
-              <a:rPr lang="es-ES" sz="3200" dirty="0" smtClean="0"/>
-              <a:t>LSB </a:t>
-            </a:r>
-            <a:r>
-              <a:rPr lang="es-ES" sz="3200" dirty="0" err="1" smtClean="0"/>
-              <a:t>coding</a:t>
-            </a:r>
-            <a:endParaRPr lang="es-ES" sz="3200" dirty="0" smtClean="0"/>
-          </a:p>
-          <a:p>
-            <a:pPr>
-              <a:buFont typeface="Wingdings 2" pitchFamily="18" charset="2"/>
-              <a:buChar char=""/>
-            </a:pPr>
-            <a:r>
-              <a:rPr lang="es-ES" sz="3200" dirty="0" err="1" smtClean="0"/>
-              <a:t>Parity</a:t>
-            </a:r>
-            <a:r>
-              <a:rPr lang="es-ES" sz="3200" dirty="0" smtClean="0"/>
-              <a:t> </a:t>
-            </a:r>
-            <a:r>
-              <a:rPr lang="es-ES" sz="3200" dirty="0" err="1" smtClean="0"/>
-              <a:t>coding</a:t>
-            </a:r>
-            <a:endParaRPr lang="es-ES" sz="3200" dirty="0" smtClean="0"/>
-          </a:p>
-          <a:p>
-            <a:pPr>
-              <a:buFont typeface="Wingdings 2" pitchFamily="18" charset="2"/>
-              <a:buChar char=""/>
-            </a:pPr>
-            <a:r>
-              <a:rPr lang="es-ES" sz="3200" dirty="0" err="1" smtClean="0"/>
-              <a:t>Phase</a:t>
-            </a:r>
-            <a:r>
-              <a:rPr lang="es-ES" sz="3200" dirty="0" smtClean="0"/>
-              <a:t> </a:t>
-            </a:r>
-            <a:r>
-              <a:rPr lang="es-ES" sz="3200" dirty="0" err="1" smtClean="0"/>
-              <a:t>coding</a:t>
-            </a:r>
-            <a:endParaRPr lang="es-ES" sz="3200" dirty="0" smtClean="0"/>
-          </a:p>
-          <a:p>
-            <a:pPr>
-              <a:buNone/>
-            </a:pPr>
-            <a:r>
-              <a:rPr lang="es-ES" sz="3200" dirty="0" smtClean="0">
-                <a:solidFill>
-                  <a:schemeClr val="bg1">
-                    <a:lumMod val="85000"/>
-                  </a:schemeClr>
-                </a:solidFill>
-              </a:rPr>
-              <a:t>	Spread </a:t>
-            </a:r>
-            <a:r>
-              <a:rPr lang="es-ES" sz="3200" dirty="0" err="1" smtClean="0">
-                <a:solidFill>
-                  <a:schemeClr val="bg1">
-                    <a:lumMod val="85000"/>
-                  </a:schemeClr>
-                </a:solidFill>
-              </a:rPr>
-              <a:t>spectrum</a:t>
-            </a:r>
-            <a:endParaRPr lang="es-ES" sz="3200" dirty="0" smtClean="0">
-              <a:solidFill>
-                <a:schemeClr val="bg1">
-                  <a:lumMod val="85000"/>
-                </a:schemeClr>
-              </a:solidFill>
-            </a:endParaRPr>
-          </a:p>
-          <a:p>
-            <a:pPr>
-              <a:buNone/>
-            </a:pPr>
-            <a:r>
-              <a:rPr lang="es-ES" sz="3200" dirty="0" smtClean="0">
-                <a:solidFill>
-                  <a:schemeClr val="bg1">
-                    <a:lumMod val="85000"/>
-                  </a:schemeClr>
-                </a:solidFill>
-              </a:rPr>
-              <a:t>	Echo </a:t>
-            </a:r>
-            <a:r>
-              <a:rPr lang="es-ES" sz="3200" dirty="0" err="1" smtClean="0">
-                <a:solidFill>
-                  <a:schemeClr val="bg1">
-                    <a:lumMod val="85000"/>
-                  </a:schemeClr>
-                </a:solidFill>
-              </a:rPr>
-              <a:t>hiding</a:t>
-            </a:r>
-            <a:endParaRPr lang="es-ES" sz="3200" dirty="0" smtClean="0">
-              <a:solidFill>
-                <a:schemeClr val="bg1">
-                  <a:lumMod val="85000"/>
-                </a:schemeClr>
-              </a:solidFill>
-            </a:endParaRPr>
-          </a:p>
-        </p:txBody>
-      </p:sp>
+      </p:pic>
     </p:spTree>
   </p:cSld>
   <p:clrMapOvr>
@@ -8630,6 +8404,10 @@
               <a:rPr lang="es-ES" dirty="0" err="1" smtClean="0"/>
               <a:t>coding</a:t>
             </a:r>
+            <a:r>
+              <a:rPr lang="es-ES" dirty="0" smtClean="0"/>
+              <a:t>: Procedimiento</a:t>
+            </a:r>
             <a:endParaRPr lang="es-ES" dirty="0"/>
           </a:p>
         </p:txBody>
@@ -8646,38 +8424,134 @@
         </p:nvSpPr>
         <p:spPr/>
         <p:txBody>
-          <a:bodyPr/>
-          <a:lstStyle/>
-          <a:p>
-            <a:endParaRPr lang="es-ES" dirty="0" smtClean="0"/>
-          </a:p>
-          <a:p>
-            <a:r>
-              <a:rPr lang="es-ES" dirty="0" smtClean="0"/>
-              <a:t>No se basa en la inserción de ruido.</a:t>
-            </a:r>
-          </a:p>
-          <a:p>
-            <a:endParaRPr lang="es-ES" dirty="0" smtClean="0"/>
-          </a:p>
-          <a:p>
-            <a:r>
-              <a:rPr lang="es-ES" dirty="0" smtClean="0"/>
-              <a:t>Idea: Componentes en fase del sonido menos perceptibles al oído humano que el ruido.</a:t>
-            </a:r>
-          </a:p>
-          <a:p>
-            <a:endParaRPr lang="es-ES" dirty="0" smtClean="0"/>
-          </a:p>
-          <a:p>
-            <a:r>
-              <a:rPr lang="es-ES" dirty="0" smtClean="0"/>
-              <a:t>Codifica bits del mensaje como desplazamientos en fase en el espectro de fases de la señal digital.</a:t>
-            </a:r>
-            <a:endParaRPr lang="es-ES" dirty="0"/>
-          </a:p>
-        </p:txBody>
-      </p:sp>
+          <a:bodyPr>
+            <a:normAutofit lnSpcReduction="10000"/>
+          </a:bodyPr>
+          <a:lstStyle/>
+          <a:p>
+            <a:endParaRPr lang="es-ES" dirty="0" smtClean="0"/>
+          </a:p>
+          <a:p>
+            <a:pPr marL="514350" indent="-514350">
+              <a:buFont typeface="+mj-lt"/>
+              <a:buAutoNum type="arabicPeriod"/>
+            </a:pPr>
+            <a:r>
+              <a:rPr lang="es-ES" dirty="0" smtClean="0"/>
+              <a:t>División en segmentos.</a:t>
+            </a:r>
+          </a:p>
+          <a:p>
+            <a:pPr marL="514350" indent="-514350">
+              <a:buFont typeface="+mj-lt"/>
+              <a:buAutoNum type="arabicPeriod"/>
+            </a:pPr>
+            <a:r>
+              <a:rPr lang="es-ES" dirty="0" smtClean="0"/>
+              <a:t>Transformada Discreta de Fourier a cada segmento.</a:t>
+            </a:r>
+          </a:p>
+          <a:p>
+            <a:pPr marL="514350" indent="-514350">
+              <a:buFont typeface="+mj-lt"/>
+              <a:buAutoNum type="arabicPeriod"/>
+            </a:pPr>
+            <a:r>
+              <a:rPr lang="es-ES" dirty="0" smtClean="0"/>
+              <a:t>Diferencias de fase entre segmentos adyacentes.</a:t>
+            </a:r>
+          </a:p>
+          <a:p>
+            <a:pPr marL="514350" indent="-514350">
+              <a:buFont typeface="+mj-lt"/>
+              <a:buAutoNum type="arabicPeriod"/>
+            </a:pPr>
+            <a:r>
+              <a:rPr lang="es-ES" dirty="0" smtClean="0"/>
+              <a:t>El nuevo vector de fases del primer segmento </a:t>
+            </a:r>
+            <a:r>
+              <a:rPr lang="es-ES" dirty="0" smtClean="0"/>
+              <a:t>será</a:t>
+            </a:r>
+            <a:r>
+              <a:rPr lang="es-ES" dirty="0" smtClean="0"/>
+              <a:t>:</a:t>
+            </a:r>
+          </a:p>
+          <a:p>
+            <a:pPr marL="514350" indent="-514350">
+              <a:buFont typeface="+mj-lt"/>
+              <a:buAutoNum type="arabicPeriod"/>
+            </a:pPr>
+            <a:endParaRPr lang="es-ES" dirty="0" smtClean="0"/>
+          </a:p>
+          <a:p>
+            <a:pPr marL="514350" indent="-514350">
+              <a:buFont typeface="+mj-lt"/>
+              <a:buAutoNum type="arabicPeriod"/>
+            </a:pPr>
+            <a:endParaRPr lang="es-ES" dirty="0" smtClean="0"/>
+          </a:p>
+          <a:p>
+            <a:pPr marL="514350" indent="-514350">
+              <a:buFont typeface="+mj-lt"/>
+              <a:buAutoNum type="arabicPeriod"/>
+            </a:pPr>
+            <a:endParaRPr lang="es-ES" dirty="0" smtClean="0"/>
+          </a:p>
+          <a:p>
+            <a:pPr marL="514350" indent="-514350">
+              <a:buNone/>
+            </a:pPr>
+            <a:r>
+              <a:rPr lang="es-ES" dirty="0" smtClean="0"/>
+              <a:t>		</a:t>
+            </a:r>
+          </a:p>
+          <a:p>
+            <a:pPr marL="514350" indent="-514350">
+              <a:buNone/>
+            </a:pPr>
+            <a:r>
+              <a:rPr lang="es-ES" dirty="0" smtClean="0"/>
+              <a:t>		</a:t>
+            </a:r>
+          </a:p>
+        </p:txBody>
+      </p:sp>
+      <p:pic>
+        <p:nvPicPr>
+          <p:cNvPr id="7" name="Picture 2"/>
+          <p:cNvPicPr>
+            <a:picLocks noChangeAspect="1" noChangeArrowheads="1"/>
+          </p:cNvPicPr>
+          <p:nvPr/>
+        </p:nvPicPr>
+        <p:blipFill>
+          <a:blip r:embed="rId2" cstate="print"/>
+          <a:srcRect/>
+          <a:stretch>
+            <a:fillRect/>
+          </a:stretch>
+        </p:blipFill>
+        <p:spPr bwMode="auto">
+          <a:xfrm>
+            <a:off x="1907704" y="4437112"/>
+            <a:ext cx="4953000" cy="1104900"/>
+          </a:xfrm>
+          <a:prstGeom prst="rect">
+            <a:avLst/>
+          </a:prstGeom>
+          <a:noFill/>
+          <a:ln w="9525">
+            <a:noFill/>
+            <a:miter lim="800000"/>
+            <a:headEnd/>
+            <a:tailEnd/>
+          </a:ln>
+        </p:spPr>
+      </p:pic>
     </p:spTree>
   </p:cSld>
   <p:clrMapOvr>
@@ -8739,7 +8613,7 @@
             </a:r>
             <a:r>
               <a:rPr lang="es-ES" dirty="0" smtClean="0"/>
-              <a:t>: Procedimiento</a:t>
+              <a:t>: Procedimiento(II)</a:t>
             </a:r>
             <a:endParaRPr lang="es-ES" dirty="0"/>
           </a:p>
@@ -8747,7 +8621,7 @@
       </p:sp>
       <p:sp>
         <p:nvSpPr>
-          <p:cNvPr id="3" name="2 Marcador de contenido"/>
+          <p:cNvPr id="5" name="4 Marcador de contenido"/>
           <p:cNvSpPr>
             <a:spLocks noGrp="1"/>
           </p:cNvSpPr>
@@ -8757,126 +8631,104 @@
         </p:nvSpPr>
         <p:spPr/>
         <p:txBody>
-          <a:bodyPr>
-            <a:normAutofit lnSpcReduction="10000"/>
-          </a:bodyPr>
-          <a:lstStyle/>
-          <a:p>
-            <a:endParaRPr lang="es-ES" dirty="0" smtClean="0"/>
-          </a:p>
+          <a:bodyPr/>
+          <a:lstStyle/>
           <a:p>
             <a:pPr marL="514350" indent="-514350">
               <a:buFont typeface="+mj-lt"/>
-              <a:buAutoNum type="arabicPeriod"/>
+              <a:buAutoNum type="arabicPeriod" startAt="5"/>
             </a:pPr>
-            <a:r>
-              <a:rPr lang="es-ES" dirty="0" smtClean="0"/>
-              <a:t>División en segmentos.</a:t>
-            </a:r>
+            <a:endParaRPr lang="es-ES" dirty="0" smtClean="0"/>
           </a:p>
           <a:p>
             <a:pPr marL="514350" indent="-514350">
               <a:buFont typeface="+mj-lt"/>
-              <a:buAutoNum type="arabicPeriod"/>
+              <a:buAutoNum type="arabicPeriod" startAt="5"/>
             </a:pPr>
             <a:r>
               <a:rPr lang="es-ES" dirty="0" smtClean="0"/>
-              <a:t>Transformada Discreta de Fourier a cada segmento.</a:t>
+              <a:t>Nueva </a:t>
+            </a:r>
+            <a:r>
+              <a:rPr lang="es-ES" dirty="0" smtClean="0"/>
+              <a:t>matriz de fases</a:t>
+            </a:r>
+          </a:p>
+          <a:p>
+            <a:pPr marL="880110" lvl="1" indent="-514350">
+              <a:buFont typeface="Arial" pitchFamily="34" charset="0"/>
+              <a:buChar char="•"/>
+            </a:pPr>
+            <a:r>
+              <a:rPr lang="es-ES" dirty="0" smtClean="0"/>
+              <a:t>Nuevas </a:t>
+            </a:r>
+            <a:r>
+              <a:rPr lang="es-ES" dirty="0" smtClean="0"/>
+              <a:t>fases del primer </a:t>
+            </a:r>
+            <a:r>
+              <a:rPr lang="es-ES" dirty="0" smtClean="0"/>
+              <a:t>segmento.</a:t>
+            </a:r>
+            <a:r>
+              <a:rPr lang="es-ES" dirty="0" smtClean="0"/>
+              <a:t>	</a:t>
+            </a:r>
+            <a:endParaRPr lang="es-ES" dirty="0" smtClean="0"/>
+          </a:p>
+          <a:p>
+            <a:pPr marL="880110" lvl="1" indent="-514350">
+              <a:buFont typeface="Arial" pitchFamily="34" charset="0"/>
+              <a:buChar char="•"/>
+            </a:pPr>
+            <a:r>
+              <a:rPr lang="es-ES" dirty="0" smtClean="0"/>
+              <a:t>Diferencias </a:t>
+            </a:r>
+            <a:r>
+              <a:rPr lang="es-ES" dirty="0" smtClean="0"/>
+              <a:t>de fase originales.</a:t>
             </a:r>
           </a:p>
           <a:p>
             <a:pPr marL="514350" indent="-514350">
               <a:buFont typeface="+mj-lt"/>
-              <a:buAutoNum type="arabicPeriod"/>
+              <a:buAutoNum type="arabicPeriod" startAt="5"/>
             </a:pPr>
-            <a:r>
-              <a:rPr lang="es-ES" dirty="0" smtClean="0"/>
-              <a:t>Diferencias de fase entre segmentos adyacentes.</a:t>
-            </a:r>
+            <a:endParaRPr lang="es-ES" dirty="0" smtClean="0"/>
           </a:p>
           <a:p>
             <a:pPr marL="514350" indent="-514350">
               <a:buFont typeface="+mj-lt"/>
-              <a:buAutoNum type="arabicPeriod"/>
+              <a:buAutoNum type="arabicPeriod" startAt="5"/>
             </a:pPr>
             <a:r>
               <a:rPr lang="es-ES" dirty="0" smtClean="0"/>
-              <a:t>La nueva fase será:</a:t>
-            </a:r>
-          </a:p>
-          <a:p>
-            <a:pPr marL="514350" indent="-514350">
-              <a:buFont typeface="+mj-lt"/>
-              <a:buAutoNum type="arabicPeriod"/>
+              <a:t>Transformada </a:t>
+            </a:r>
+            <a:r>
+              <a:rPr lang="es-ES" dirty="0" smtClean="0"/>
+              <a:t>Discreta de </a:t>
+            </a:r>
+            <a:r>
+              <a:rPr lang="es-ES" dirty="0" smtClean="0"/>
+              <a:t>Fourier Inversa.</a:t>
+            </a:r>
+            <a:endParaRPr lang="es-ES" dirty="0" smtClean="0"/>
+          </a:p>
+          <a:p>
+            <a:pPr marL="880110" lvl="1" indent="-514350">
+              <a:buFont typeface="Arial" pitchFamily="34" charset="0"/>
+              <a:buChar char="•"/>
             </a:pPr>
-            <a:endParaRPr lang="es-ES" dirty="0" smtClean="0"/>
-          </a:p>
-          <a:p>
-            <a:pPr marL="514350" indent="-514350">
-              <a:buFont typeface="+mj-lt"/>
-              <a:buAutoNum type="arabicPeriod"/>
-            </a:pPr>
-            <a:endParaRPr lang="es-ES" dirty="0" smtClean="0"/>
-          </a:p>
-          <a:p>
-            <a:pPr marL="514350" indent="-514350">
-              <a:buFont typeface="+mj-lt"/>
-              <a:buAutoNum type="arabicPeriod"/>
-            </a:pPr>
-            <a:endParaRPr lang="es-ES" dirty="0" smtClean="0"/>
-          </a:p>
-          <a:p>
-            <a:pPr marL="514350" indent="-514350">
-              <a:buNone/>
-            </a:pPr>
-            <a:r>
-              <a:rPr lang="es-ES" dirty="0" smtClean="0"/>
-              <a:t>		</a:t>
-            </a:r>
-          </a:p>
-          <a:p>
-            <a:pPr marL="514350" indent="-514350">
-              <a:buNone/>
-            </a:pPr>
-            <a:r>
-              <a:rPr lang="es-ES" dirty="0" smtClean="0"/>
-              <a:t>		</a:t>
-            </a:r>
-          </a:p>
-        </p:txBody>
-      </p:sp>
-      <p:pic>
-        <p:nvPicPr>
-          <p:cNvPr id="7" name="Picture 2"/>
-          <p:cNvPicPr>
-            <a:picLocks noChangeAspect="1" noChangeArrowheads="1"/>
-          </p:cNvPicPr>
-          <p:nvPr/>
-        </p:nvPicPr>
-        <p:blipFill>
-          <a:blip r:embed="rId2" cstate="print"/>
-          <a:srcRect/>
-          <a:stretch>
-            <a:fillRect/>
-          </a:stretch>
-        </p:blipFill>
-        <p:spPr bwMode="auto">
-          <a:xfrm>
-            <a:off x="1907704" y="4725144"/>
-            <a:ext cx="4953000" cy="1104900"/>
-          </a:xfrm>
-          <a:prstGeom prst="rect">
-            <a:avLst/>
-          </a:prstGeom>
-          <a:noFill/>
-          <a:ln w="9525">
-            <a:noFill/>
-            <a:miter lim="800000"/>
-            <a:headEnd/>
-            <a:tailEnd/>
-          </a:ln>
-        </p:spPr>
-      </p:pic>
+            <a:r>
+              <a:rPr lang="es-ES" dirty="0" smtClean="0"/>
+              <a:t>Concatenación de segmentos.</a:t>
+            </a:r>
+          </a:p>
+        </p:txBody>
+      </p:sp>
     </p:spTree>
   </p:cSld>
   <p:clrMapOvr>
@@ -8936,17 +8788,13 @@
               <a:rPr lang="es-ES" dirty="0" err="1" smtClean="0"/>
               <a:t>coding</a:t>
             </a:r>
-            <a:r>
-              <a:rPr lang="es-ES" dirty="0" smtClean="0"/>
-              <a:t>: Procedimiento(II)</a:t>
-            </a:r>
             <a:endParaRPr lang="es-ES" dirty="0"/>
           </a:p>
         </p:txBody>
       </p:sp>
       <p:sp>
         <p:nvSpPr>
-          <p:cNvPr id="5" name="4 Marcador de contenido"/>
+          <p:cNvPr id="3" name="2 Marcador de contenido"/>
           <p:cNvSpPr>
             <a:spLocks noGrp="1"/>
           </p:cNvSpPr>
@@ -8956,181 +8804,71 @@
         </p:nvSpPr>
         <p:spPr/>
         <p:txBody>
-          <a:bodyPr/>
-          <a:lstStyle/>
-          <a:p>
-            <a:pPr marL="514350" indent="-514350">
-              <a:buFont typeface="+mj-lt"/>
-              <a:buAutoNum type="arabicPeriod" startAt="5"/>
-            </a:pPr>
-            <a:endParaRPr lang="es-ES" dirty="0" smtClean="0"/>
-          </a:p>
-          <a:p>
-            <a:pPr marL="514350" indent="-514350">
-              <a:buFont typeface="+mj-lt"/>
-              <a:buAutoNum type="arabicPeriod" startAt="5"/>
-            </a:pPr>
-            <a:r>
-              <a:rPr lang="es-ES" dirty="0" smtClean="0"/>
-              <a:t>Nueva matriz	     Nuevas fases del primer segmento			            Diferencias de fase originales.</a:t>
-            </a:r>
-          </a:p>
-          <a:p>
-            <a:pPr marL="514350" indent="-514350">
-              <a:buFont typeface="+mj-lt"/>
-              <a:buAutoNum type="arabicPeriod" startAt="5"/>
-            </a:pPr>
-            <a:endParaRPr lang="es-ES" dirty="0" smtClean="0"/>
-          </a:p>
-          <a:p>
-            <a:pPr marL="514350" indent="-514350">
-              <a:buFont typeface="+mj-lt"/>
-              <a:buAutoNum type="arabicPeriod" startAt="5"/>
-            </a:pPr>
-            <a:r>
-              <a:rPr lang="es-ES" dirty="0" smtClean="0"/>
-              <a:t>Inversa Transformada Discreta de Fourier.</a:t>
-            </a:r>
-          </a:p>
-          <a:p>
-            <a:pPr marL="880110" lvl="1" indent="-514350">
-              <a:buFont typeface="Arial" pitchFamily="34" charset="0"/>
-              <a:buChar char="•"/>
-            </a:pPr>
-            <a:r>
-              <a:rPr lang="es-ES" dirty="0" smtClean="0"/>
-              <a:t>Nueva matriz de fases        magnitudes originales.</a:t>
-            </a:r>
-          </a:p>
-          <a:p>
-            <a:pPr marL="880110" lvl="1" indent="-514350">
-              <a:buFont typeface="Arial" pitchFamily="34" charset="0"/>
-              <a:buChar char="•"/>
-            </a:pPr>
-            <a:r>
-              <a:rPr lang="es-ES" dirty="0" smtClean="0"/>
-              <a:t>Concatenación de segmentos.</a:t>
-            </a:r>
-          </a:p>
-        </p:txBody>
-      </p:sp>
-      <p:sp>
-        <p:nvSpPr>
-          <p:cNvPr id="7" name="6 Flecha derecha"/>
-          <p:cNvSpPr/>
-          <p:nvPr/>
-        </p:nvSpPr>
-        <p:spPr>
-          <a:xfrm>
-            <a:off x="3131840" y="2492896"/>
-            <a:ext cx="504056" cy="288032"/>
-          </a:xfrm>
-          <a:prstGeom prst="rightArrow">
-            <a:avLst/>
-          </a:prstGeom>
-        </p:spPr>
-        <p:style>
-          <a:lnRef idx="2">
-            <a:schemeClr val="accent1">
-              <a:shade val="50000"/>
-            </a:schemeClr>
-          </a:lnRef>
-          <a:fillRef idx="1">
-            <a:schemeClr val="accent1"/>
-          </a:fillRef>
-          <a:effectRef idx="0">
-            <a:schemeClr val="accent1"/>
-          </a:effectRef>
-          <a:fontRef idx="minor">
-            <a:schemeClr val="lt1"/>
-          </a:fontRef>
-        </p:style>
-        <p:txBody>
-          <a:bodyPr rtlCol="0" anchor="ctr"/>
-          <a:lstStyle/>
-          <a:p>
-            <a:pPr algn="ctr"/>
-            <a:endParaRPr lang="es-ES"/>
-          </a:p>
-        </p:txBody>
-      </p:sp>
-      <p:sp>
-        <p:nvSpPr>
-          <p:cNvPr id="8" name="7 Más"/>
-          <p:cNvSpPr/>
-          <p:nvPr/>
-        </p:nvSpPr>
-        <p:spPr>
-          <a:xfrm>
-            <a:off x="3851920" y="2852936"/>
-            <a:ext cx="360040" cy="360040"/>
-          </a:xfrm>
-          <a:prstGeom prst="mathPlus">
-            <a:avLst/>
-          </a:prstGeom>
-        </p:spPr>
-        <p:style>
-          <a:lnRef idx="2">
-            <a:schemeClr val="accent1">
-              <a:shade val="50000"/>
-            </a:schemeClr>
-          </a:lnRef>
-          <a:fillRef idx="1">
-            <a:schemeClr val="accent1"/>
-          </a:fillRef>
-          <a:effectRef idx="0">
-            <a:schemeClr val="accent1"/>
-          </a:effectRef>
-          <a:fontRef idx="minor">
-            <a:schemeClr val="lt1"/>
-          </a:fontRef>
-        </p:style>
-        <p:txBody>
-          <a:bodyPr rtlCol="0" anchor="ctr"/>
-          <a:lstStyle/>
-          <a:p>
-            <a:pPr algn="ctr"/>
-            <a:endParaRPr lang="es-ES"/>
-          </a:p>
-        </p:txBody>
-      </p:sp>
-      <p:sp>
-        <p:nvSpPr>
-          <p:cNvPr id="9" name="8 Más"/>
-          <p:cNvSpPr/>
-          <p:nvPr/>
-        </p:nvSpPr>
-        <p:spPr>
-          <a:xfrm>
-            <a:off x="4355976" y="4293096"/>
-            <a:ext cx="360040" cy="360040"/>
-          </a:xfrm>
-          <a:prstGeom prst="mathPlus">
-            <a:avLst/>
-          </a:prstGeom>
-        </p:spPr>
-        <p:style>
-          <a:lnRef idx="2">
-            <a:schemeClr val="accent1">
-              <a:shade val="50000"/>
-            </a:schemeClr>
-          </a:lnRef>
-          <a:fillRef idx="1">
-            <a:schemeClr val="accent1"/>
-          </a:fillRef>
-          <a:effectRef idx="0">
-            <a:schemeClr val="accent1"/>
-          </a:effectRef>
-          <a:fontRef idx="minor">
-            <a:schemeClr val="lt1"/>
-          </a:fontRef>
-        </p:style>
-        <p:txBody>
-          <a:bodyPr rtlCol="0" anchor="ctr"/>
-          <a:lstStyle/>
-          <a:p>
-            <a:pPr algn="ctr"/>
-            <a:endParaRPr lang="es-ES"/>
+          <a:bodyPr>
+            <a:normAutofit/>
+          </a:bodyPr>
+          <a:lstStyle/>
+          <a:p>
+            <a:endParaRPr lang="es-ES" dirty="0" smtClean="0"/>
+          </a:p>
+          <a:p>
+            <a:r>
+              <a:rPr lang="es-ES" dirty="0" smtClean="0"/>
+              <a:t>Extraer mensaje </a:t>
+            </a:r>
+            <a:r>
+              <a:rPr lang="es-ES" dirty="0" smtClean="0"/>
+              <a:t>secreto. </a:t>
+            </a:r>
+          </a:p>
+          <a:p>
+            <a:pPr lvl="1"/>
+            <a:r>
+              <a:rPr lang="es-ES" dirty="0" smtClean="0"/>
+              <a:t>Longitud </a:t>
+            </a:r>
+            <a:r>
+              <a:rPr lang="es-ES" dirty="0" smtClean="0"/>
+              <a:t>del segmento.</a:t>
+            </a:r>
+          </a:p>
+          <a:p>
+            <a:pPr lvl="1"/>
+            <a:r>
+              <a:rPr lang="es-ES" dirty="0" smtClean="0"/>
+              <a:t>Transformada Discreta de </a:t>
+            </a:r>
+            <a:r>
+              <a:rPr lang="es-ES" dirty="0" smtClean="0"/>
+              <a:t>Fourier.</a:t>
+            </a:r>
+            <a:endParaRPr lang="es-ES" dirty="0" smtClean="0"/>
+          </a:p>
+          <a:p>
+            <a:pPr lvl="2"/>
+            <a:r>
+              <a:rPr lang="es-ES" dirty="0" smtClean="0"/>
+              <a:t>Obtener fases </a:t>
+            </a:r>
+            <a:r>
+              <a:rPr lang="es-ES" dirty="0" smtClean="0"/>
+              <a:t>del primer segmento.</a:t>
+            </a:r>
+            <a:endParaRPr lang="es-ES" dirty="0" smtClean="0"/>
+          </a:p>
+          <a:p>
+            <a:endParaRPr lang="es-ES" dirty="0" smtClean="0"/>
+          </a:p>
+          <a:p>
+            <a:r>
+              <a:rPr lang="es-ES" dirty="0" smtClean="0"/>
+              <a:t>Desventaja: Solo útil </a:t>
+            </a:r>
+            <a:r>
+              <a:rPr lang="es-ES" dirty="0" smtClean="0"/>
+              <a:t>para transmitir una pequeña cantidad de datos.</a:t>
+            </a:r>
+            <a:endParaRPr lang="es-ES" dirty="0"/>
           </a:p>
         </p:txBody>
       </p:sp>
@@ -9182,118 +8920,125 @@
           <a:lstStyle/>
           <a:p>
             <a:r>
-              <a:rPr lang="es-ES" dirty="0" err="1" smtClean="0"/>
+              <a:rPr lang="es-ES" dirty="0" smtClean="0"/>
+              <a:t>Métodos</a:t>
+            </a:r>
+            <a:endParaRPr lang="es-ES" dirty="0"/>
+          </a:p>
+        </p:txBody>
+      </p:sp>
+      <p:sp>
+        <p:nvSpPr>
+          <p:cNvPr id="3" name="2 Marcador de contenido"/>
+          <p:cNvSpPr>
+            <a:spLocks noGrp="1"/>
+          </p:cNvSpPr>
+          <p:nvPr>
+            <p:ph idx="1"/>
+          </p:nvPr>
+        </p:nvSpPr>
+        <p:spPr/>
+        <p:txBody>
+          <a:bodyPr/>
+          <a:lstStyle/>
+          <a:p>
+            <a:endParaRPr lang="es-ES" sz="2800" dirty="0" smtClean="0"/>
+          </a:p>
+          <a:p>
+            <a:r>
+              <a:rPr lang="es-ES" sz="2800" dirty="0" smtClean="0"/>
+              <a:t>LSB </a:t>
+            </a:r>
+            <a:r>
+              <a:rPr lang="es-ES" sz="2800" dirty="0" err="1" smtClean="0"/>
+              <a:t>coding</a:t>
+            </a:r>
+            <a:endParaRPr lang="es-ES" sz="2800" dirty="0" smtClean="0"/>
+          </a:p>
+          <a:p>
+            <a:pPr>
+              <a:buFont typeface="Wingdings 2" pitchFamily="18" charset="2"/>
+              <a:buChar char=""/>
+            </a:pPr>
+            <a:r>
+              <a:rPr lang="es-ES" sz="2800" dirty="0" err="1" smtClean="0"/>
+              <a:t>Parity</a:t>
+            </a:r>
+            <a:r>
+              <a:rPr lang="es-ES" sz="2800" dirty="0" smtClean="0"/>
+              <a:t> </a:t>
+            </a:r>
+            <a:r>
+              <a:rPr lang="es-ES" sz="2800" dirty="0" err="1" smtClean="0"/>
+              <a:t>coding</a:t>
+            </a:r>
+            <a:endParaRPr lang="es-ES" sz="2800" dirty="0" smtClean="0"/>
+          </a:p>
+          <a:p>
+            <a:pPr>
+              <a:buFont typeface="Wingdings 2" pitchFamily="18" charset="2"/>
+              <a:buChar char=""/>
+            </a:pPr>
+            <a:r>
+              <a:rPr lang="es-ES" sz="2800" dirty="0" err="1" smtClean="0"/>
               <a:t>Phase</a:t>
             </a:r>
             <a:r>
-              <a:rPr lang="es-ES" dirty="0" smtClean="0"/>
+              <a:rPr lang="es-ES" sz="2800" dirty="0" smtClean="0"/>
               <a:t> </a:t>
             </a:r>
             <a:r>
-              <a:rPr lang="es-ES" dirty="0" err="1" smtClean="0"/>
+              <a:rPr lang="es-ES" sz="2800" dirty="0" err="1" smtClean="0"/>
               <a:t>coding</a:t>
             </a:r>
-            <a:endParaRPr lang="es-ES" dirty="0"/>
-          </a:p>
-        </p:txBody>
-      </p:sp>
-      <p:sp>
-        <p:nvSpPr>
-          <p:cNvPr id="3" name="2 Marcador de contenido"/>
-          <p:cNvSpPr>
-            <a:spLocks noGrp="1"/>
-          </p:cNvSpPr>
-          <p:nvPr>
-            <p:ph idx="1"/>
-          </p:nvPr>
-        </p:nvSpPr>
-        <p:spPr/>
-        <p:txBody>
-          <a:bodyPr>
-            <a:normAutofit/>
-          </a:bodyPr>
-          <a:lstStyle/>
-          <a:p>
-            <a:endParaRPr lang="es-ES" dirty="0" smtClean="0"/>
-          </a:p>
-          <a:p>
-            <a:r>
-              <a:rPr lang="es-ES" dirty="0" smtClean="0"/>
-              <a:t>Extraer mensaje secreto 	Longitud del segmento.</a:t>
-            </a:r>
-          </a:p>
-          <a:p>
-            <a:pPr lvl="1"/>
-            <a:r>
-              <a:rPr lang="es-ES" dirty="0" smtClean="0"/>
-              <a:t>Transformada Discreta de Fourier</a:t>
-            </a:r>
-          </a:p>
-          <a:p>
-            <a:pPr lvl="2"/>
-            <a:r>
-              <a:rPr lang="es-ES" dirty="0" smtClean="0"/>
-              <a:t>Obtener fases y extraer información.</a:t>
-            </a:r>
-          </a:p>
-          <a:p>
-            <a:endParaRPr lang="es-ES" dirty="0" smtClean="0"/>
-          </a:p>
-          <a:p>
-            <a:r>
-              <a:rPr lang="es-ES" dirty="0" smtClean="0"/>
-              <a:t>Desventaja: Baja tasa de transferencia de información.</a:t>
-            </a:r>
-          </a:p>
-          <a:p>
-            <a:endParaRPr lang="es-ES" dirty="0" smtClean="0"/>
-          </a:p>
-          <a:p>
-            <a:r>
-              <a:rPr lang="es-ES" dirty="0" smtClean="0"/>
-              <a:t>Útil para transmitir una pequeña cantidad de datos.</a:t>
-            </a:r>
-            <a:endParaRPr lang="es-ES" dirty="0"/>
-          </a:p>
-        </p:txBody>
-      </p:sp>
-      <p:sp>
-        <p:nvSpPr>
-          <p:cNvPr id="4" name="3 Flecha derecha"/>
-          <p:cNvSpPr/>
-          <p:nvPr/>
-        </p:nvSpPr>
-        <p:spPr>
-          <a:xfrm>
-            <a:off x="4427984" y="2564904"/>
-            <a:ext cx="504056" cy="288032"/>
-          </a:xfrm>
-          <a:prstGeom prst="rightArrow">
-            <a:avLst/>
-          </a:prstGeom>
-        </p:spPr>
-        <p:style>
-          <a:lnRef idx="2">
-            <a:schemeClr val="accent1">
-              <a:shade val="50000"/>
-            </a:schemeClr>
-          </a:lnRef>
-          <a:fillRef idx="1">
-            <a:schemeClr val="accent1"/>
-          </a:fillRef>
-          <a:effectRef idx="0">
-            <a:schemeClr val="accent1"/>
-          </a:effectRef>
-          <a:fontRef idx="minor">
-            <a:schemeClr val="lt1"/>
-          </a:fontRef>
-        </p:style>
-        <p:txBody>
-          <a:bodyPr rtlCol="0" anchor="ctr"/>
-          <a:lstStyle/>
-          <a:p>
-            <a:pPr algn="ctr"/>
-            <a:endParaRPr lang="es-ES"/>
+            <a:endParaRPr lang="es-ES" sz="2800" dirty="0" smtClean="0"/>
+          </a:p>
+          <a:p>
+            <a:pPr>
+              <a:buFont typeface="Wingdings 2" pitchFamily="18" charset="2"/>
+              <a:buChar char=""/>
+            </a:pPr>
+            <a:r>
+              <a:rPr lang="es-ES" sz="2800" dirty="0" smtClean="0"/>
+              <a:t>Spread </a:t>
+            </a:r>
+            <a:r>
+              <a:rPr lang="es-ES" sz="2800" dirty="0" err="1" smtClean="0"/>
+              <a:t>spectrum</a:t>
+            </a:r>
+            <a:endParaRPr lang="es-ES" sz="2800" dirty="0" smtClean="0"/>
+          </a:p>
+          <a:p>
+            <a:pPr>
+              <a:buNone/>
+            </a:pPr>
+            <a:r>
+              <a:rPr lang="es-ES" sz="2800" dirty="0" smtClean="0">
+                <a:solidFill>
+                  <a:schemeClr val="bg1">
+                    <a:lumMod val="85000"/>
+                  </a:schemeClr>
+                </a:solidFill>
+              </a:rPr>
+              <a:t>	Echo </a:t>
+            </a:r>
+            <a:r>
+              <a:rPr lang="es-ES" sz="2800" dirty="0" err="1" smtClean="0">
+                <a:solidFill>
+                  <a:schemeClr val="bg1">
+                    <a:lumMod val="85000"/>
+                  </a:schemeClr>
+                </a:solidFill>
+              </a:rPr>
+              <a:t>hiding</a:t>
+            </a:r>
+            <a:endParaRPr lang="es-ES" sz="2800" dirty="0" smtClean="0">
+              <a:solidFill>
+                <a:schemeClr val="bg1">
+                  <a:lumMod val="85000"/>
+                </a:schemeClr>
+              </a:solidFill>
+            </a:endParaRPr>
           </a:p>
         </p:txBody>
       </p:sp>
@@ -9350,7 +9095,11 @@
             </a:r>
             <a:r>
               <a:rPr lang="es-ES" dirty="0" smtClean="0"/>
-              <a:t>: introducción</a:t>
+              <a:t>: </a:t>
+            </a:r>
+            <a:r>
+              <a:rPr lang="es-ES" dirty="0" smtClean="0"/>
+              <a:t>Introducción</a:t>
             </a:r>
             <a:endParaRPr lang="es-ES" dirty="0"/>
           </a:p>
@@ -9373,7 +9122,9 @@
           </a:xfrm>
         </p:spPr>
         <p:txBody>
-          <a:bodyPr/>
+          <a:bodyPr>
+            <a:normAutofit lnSpcReduction="10000"/>
+          </a:bodyPr>
           <a:lstStyle/>
           <a:p>
             <a:pPr algn="just"/>
@@ -9420,6 +9171,43 @@
             <a:r>
               <a:rPr lang="es-ES" dirty="0" err="1" smtClean="0"/>
               <a:t>Esteganografía</a:t>
+            </a:r>
+            <a:r>
+              <a:rPr lang="es-ES" dirty="0" smtClean="0"/>
+              <a:t>.</a:t>
+            </a:r>
+          </a:p>
+          <a:p>
+            <a:pPr lvl="1" algn="just"/>
+            <a:r>
+              <a:rPr lang="es-ES" dirty="0" err="1" smtClean="0"/>
+              <a:t>Esteganografía</a:t>
+            </a:r>
+            <a:r>
+              <a:rPr lang="es-ES" dirty="0" smtClean="0"/>
+              <a:t> pura.</a:t>
+            </a:r>
+          </a:p>
+          <a:p>
+            <a:pPr lvl="1" algn="just"/>
+            <a:r>
+              <a:rPr lang="es-ES" dirty="0" err="1" smtClean="0"/>
+              <a:t>Esteganografía</a:t>
+            </a:r>
+            <a:r>
+              <a:rPr lang="es-ES" dirty="0" smtClean="0"/>
+              <a:t> de clave privada.</a:t>
+            </a:r>
+          </a:p>
+          <a:p>
+            <a:pPr lvl="1" algn="just"/>
+            <a:r>
+              <a:rPr lang="es-ES" dirty="0" err="1" smtClean="0"/>
+              <a:t>Esteganografía</a:t>
+            </a:r>
+            <a:r>
+              <a:rPr lang="es-ES" dirty="0" smtClean="0"/>
+              <a:t> de clave pública.</a:t>
             </a:r>
             <a:endParaRPr lang="es-ES" dirty="0" smtClean="0"/>
           </a:p>
@@ -9482,47 +9270,88 @@
           <a:lstStyle/>
           <a:p>
             <a:r>
+              <a:rPr lang="es-ES" dirty="0" smtClean="0"/>
+              <a:t>Spread </a:t>
+            </a:r>
+            <a:r>
               <a:rPr lang="es-ES" dirty="0" err="1" smtClean="0"/>
-              <a:t>Phase</a:t>
-            </a:r>
-            <a:r>
-              <a:rPr lang="es-ES" dirty="0" smtClean="0"/>
-              <a:t> </a:t>
-            </a:r>
-            <a:r>
-              <a:rPr lang="es-ES" dirty="0" err="1" smtClean="0"/>
-              <a:t>coding</a:t>
+              <a:t>spectrum</a:t>
             </a:r>
             <a:endParaRPr lang="es-ES" dirty="0"/>
           </a:p>
         </p:txBody>
       </p:sp>
-      <p:pic>
-        <p:nvPicPr>
-          <p:cNvPr id="5" name="6 Imagen" descr="phaseshift.gif"/>
-          <p:cNvPicPr>
-            <a:picLocks noGrp="1"/>
-          </p:cNvPicPr>
+      <p:sp>
+        <p:nvSpPr>
+          <p:cNvPr id="3" name="2 Marcador de contenido"/>
+          <p:cNvSpPr>
+            <a:spLocks noGrp="1"/>
+          </p:cNvSpPr>
           <p:nvPr>
             <p:ph idx="1"/>
           </p:nvPr>
-        </p:nvPicPr>
-        <p:blipFill>
-          <a:blip r:embed="rId2" cstate="print"/>
-          <a:stretch>
-            <a:fillRect/>
-          </a:stretch>
-        </p:blipFill>
-        <p:spPr>
-          <a:xfrm>
-            <a:off x="2328862" y="3063081"/>
-            <a:ext cx="4486275" cy="2133600"/>
-          </a:xfrm>
-          <a:prstGeom prst="rect">
-            <a:avLst/>
-          </a:prstGeom>
-        </p:spPr>
-      </p:pic>
+        </p:nvSpPr>
+        <p:spPr/>
+        <p:txBody>
+          <a:bodyPr/>
+          <a:lstStyle/>
+          <a:p>
+            <a:endParaRPr lang="es-ES" dirty="0" smtClean="0"/>
+          </a:p>
+          <a:p>
+            <a:r>
+              <a:rPr lang="es-ES" dirty="0" smtClean="0"/>
+              <a:t>Teoría matemática complicada.</a:t>
+            </a:r>
+          </a:p>
+          <a:p>
+            <a:endParaRPr lang="es-ES" dirty="0" smtClean="0"/>
+          </a:p>
+          <a:p>
+            <a:r>
+              <a:rPr lang="es-ES" dirty="0" smtClean="0"/>
+              <a:t>Expandir </a:t>
+            </a:r>
+            <a:r>
+              <a:rPr lang="es-ES" dirty="0" smtClean="0"/>
+              <a:t>la información </a:t>
+            </a:r>
+            <a:r>
+              <a:rPr lang="es-ES" dirty="0" smtClean="0"/>
+              <a:t>secreta  </a:t>
+            </a:r>
+            <a:r>
+              <a:rPr lang="es-ES" dirty="0" smtClean="0"/>
+              <a:t>al </a:t>
+            </a:r>
+            <a:r>
+              <a:rPr lang="es-ES" dirty="0" smtClean="0"/>
+              <a:t>máximo en el espectro de frecuencia.</a:t>
+            </a:r>
+            <a:endParaRPr lang="es-ES" dirty="0" smtClean="0"/>
+          </a:p>
+          <a:p>
+            <a:endParaRPr lang="es-ES" dirty="0" smtClean="0"/>
+          </a:p>
+          <a:p>
+            <a:r>
+              <a:rPr lang="es-ES" dirty="0" smtClean="0"/>
+              <a:t>Señal final </a:t>
+            </a:r>
+            <a:r>
+              <a:rPr lang="es-ES" dirty="0" smtClean="0"/>
+              <a:t>ocupa </a:t>
+            </a:r>
+            <a:r>
+              <a:rPr lang="es-ES" dirty="0" smtClean="0"/>
+              <a:t>mayor ancho de banda. </a:t>
+            </a:r>
+          </a:p>
+          <a:p>
+            <a:endParaRPr lang="es-ES" dirty="0"/>
+          </a:p>
+        </p:txBody>
+      </p:sp>
     </p:spTree>
   </p:cSld>
   <p:clrMapOvr>
@@ -9565,149 +9394,74 @@
             <p:ph type="title"/>
           </p:nvPr>
         </p:nvSpPr>
-        <p:spPr>
+        <p:spPr/>
+        <p:txBody>
+          <a:bodyPr/>
+          <a:lstStyle/>
+          <a:p>
+            <a:r>
+              <a:rPr lang="es-ES" dirty="0" smtClean="0"/>
+              <a:t>Spread </a:t>
+            </a:r>
+            <a:r>
+              <a:rPr lang="es-ES" dirty="0" err="1" smtClean="0"/>
+              <a:t>spectrum</a:t>
+            </a:r>
+            <a:endParaRPr lang="es-ES" dirty="0"/>
+          </a:p>
+        </p:txBody>
+      </p:sp>
+      <p:sp>
+        <p:nvSpPr>
+          <p:cNvPr id="5" name="4 Marcador de contenido"/>
+          <p:cNvSpPr>
+            <a:spLocks noGrp="1"/>
+          </p:cNvSpPr>
+          <p:nvPr>
+            <p:ph idx="1"/>
+          </p:nvPr>
+        </p:nvSpPr>
+        <p:spPr/>
+        <p:txBody>
+          <a:bodyPr/>
+          <a:lstStyle/>
+          <a:p>
+            <a:endParaRPr lang="es-ES"/>
+          </a:p>
+        </p:txBody>
+      </p:sp>
+      <p:pic>
+        <p:nvPicPr>
+          <p:cNvPr id="1026" name="Picture 2"/>
+          <p:cNvPicPr>
+            <a:picLocks noChangeAspect="1" noChangeArrowheads="1"/>
+          </p:cNvPicPr>
+          <p:nvPr/>
+        </p:nvPicPr>
+        <p:blipFill>
+          <a:blip r:embed="rId2" cstate="print"/>
+          <a:srcRect/>
+          <a:stretch>
+            <a:fillRect/>
+          </a:stretch>
+        </p:blipFill>
+        <p:spPr bwMode="auto">
           <a:xfrm>
-            <a:off x="467544" y="1124744"/>
-            <a:ext cx="8229600" cy="1143000"/>
+            <a:off x="1691680" y="2132856"/>
+            <a:ext cx="5522227" cy="3888432"/>
           </a:xfrm>
+          <a:prstGeom prst="rect">
+            <a:avLst/>
+          </a:prstGeom>
+          <a:noFill/>
+          <a:ln w="9525">
+            <a:noFill/>
+            <a:miter lim="800000"/>
+            <a:headEnd/>
+            <a:tailEnd/>
+          </a:ln>
         </p:spPr>
-        <p:txBody>
-          <a:bodyPr>
-            <a:normAutofit fontScale="90000"/>
-          </a:bodyPr>
-          <a:lstStyle/>
-          <a:p>
-            <a:r>
-              <a:rPr lang="es-ES" dirty="0" err="1" smtClean="0"/>
-              <a:t>Esteganografía</a:t>
-            </a:r>
-            <a:r>
-              <a:rPr lang="es-ES" dirty="0" smtClean="0"/>
-              <a:t> de audio: métodos</a:t>
-            </a:r>
-            <a:endParaRPr lang="es-ES" dirty="0"/>
-          </a:p>
-        </p:txBody>
-      </p:sp>
-      <p:sp>
-        <p:nvSpPr>
-          <p:cNvPr id="3" name="2 Marcador de contenido"/>
-          <p:cNvSpPr>
-            <a:spLocks noGrp="1"/>
-          </p:cNvSpPr>
-          <p:nvPr>
-            <p:ph idx="1"/>
-          </p:nvPr>
-        </p:nvSpPr>
-        <p:spPr>
-          <a:xfrm>
-            <a:off x="467544" y="2852936"/>
-            <a:ext cx="8229600" cy="3597032"/>
-          </a:xfrm>
-        </p:spPr>
-        <p:txBody>
-          <a:bodyPr>
-            <a:normAutofit/>
-          </a:bodyPr>
-          <a:lstStyle/>
-          <a:p>
-            <a:r>
-              <a:rPr lang="es-ES" sz="3200" dirty="0" smtClean="0"/>
-              <a:t>LSB </a:t>
-            </a:r>
-            <a:r>
-              <a:rPr lang="es-ES" sz="3200" dirty="0" err="1" smtClean="0"/>
-              <a:t>coding</a:t>
-            </a:r>
-            <a:endParaRPr lang="es-ES" sz="3200" dirty="0" smtClean="0"/>
-          </a:p>
-          <a:p>
-            <a:pPr>
-              <a:buFont typeface="Wingdings 2" pitchFamily="18" charset="2"/>
-              <a:buChar char=""/>
-            </a:pPr>
-            <a:r>
-              <a:rPr lang="es-ES" sz="3200" dirty="0" err="1" smtClean="0"/>
-              <a:t>Parity</a:t>
-            </a:r>
-            <a:r>
-              <a:rPr lang="es-ES" sz="3200" dirty="0" smtClean="0"/>
-              <a:t> </a:t>
-            </a:r>
-            <a:r>
-              <a:rPr lang="es-ES" sz="3200" dirty="0" err="1" smtClean="0"/>
-              <a:t>coding</a:t>
-            </a:r>
-            <a:endParaRPr lang="es-ES" sz="3200" dirty="0" smtClean="0"/>
-          </a:p>
-          <a:p>
-            <a:pPr>
-              <a:buFont typeface="Wingdings 2" pitchFamily="18" charset="2"/>
-              <a:buChar char=""/>
-            </a:pPr>
-            <a:r>
-              <a:rPr lang="es-ES" sz="3200" dirty="0" err="1" smtClean="0"/>
-              <a:t>Phase</a:t>
-            </a:r>
-            <a:r>
-              <a:rPr lang="es-ES" sz="3200" dirty="0" smtClean="0"/>
-              <a:t> </a:t>
-            </a:r>
-            <a:r>
-              <a:rPr lang="es-ES" sz="3200" dirty="0" err="1" smtClean="0"/>
-              <a:t>coding</a:t>
-            </a:r>
-            <a:endParaRPr lang="es-ES" sz="3200" dirty="0" smtClean="0"/>
-          </a:p>
-          <a:p>
-            <a:pPr>
-              <a:buFont typeface="Wingdings 2" pitchFamily="18" charset="2"/>
-              <a:buChar char=""/>
-            </a:pPr>
-            <a:r>
-              <a:rPr lang="es-ES" sz="3200" dirty="0" smtClean="0"/>
-              <a:t>Spread </a:t>
-            </a:r>
-            <a:r>
-              <a:rPr lang="es-ES" sz="3200" dirty="0" err="1" smtClean="0"/>
-              <a:t>spectrum</a:t>
-            </a:r>
-            <a:endParaRPr lang="es-ES" sz="3200" dirty="0" smtClean="0"/>
-          </a:p>
-          <a:p>
-            <a:pPr>
-              <a:buNone/>
-            </a:pPr>
-            <a:r>
-              <a:rPr lang="es-ES" sz="3200" dirty="0" smtClean="0">
-                <a:solidFill>
-                  <a:schemeClr val="bg1">
-                    <a:lumMod val="85000"/>
-                  </a:schemeClr>
-                </a:solidFill>
-              </a:rPr>
-              <a:t>	Echo </a:t>
-            </a:r>
-            <a:r>
-              <a:rPr lang="es-ES" sz="3200" dirty="0" err="1" smtClean="0">
-                <a:solidFill>
-                  <a:schemeClr val="bg1">
-                    <a:lumMod val="85000"/>
-                  </a:schemeClr>
-                </a:solidFill>
-              </a:rPr>
-              <a:t>hiding</a:t>
-            </a:r>
-            <a:endParaRPr lang="es-ES" sz="3200" dirty="0" smtClean="0">
-              <a:solidFill>
-                <a:schemeClr val="bg1">
-                  <a:lumMod val="85000"/>
-                </a:schemeClr>
-              </a:solidFill>
-            </a:endParaRPr>
-          </a:p>
-        </p:txBody>
-      </p:sp>
+      </p:pic>
     </p:spTree>
   </p:cSld>
   <p:clrMapOvr>
@@ -9779,77 +9533,46 @@
         </p:nvSpPr>
         <p:spPr/>
         <p:txBody>
-          <a:bodyPr/>
-          <a:lstStyle/>
-          <a:p>
-            <a:endParaRPr lang="es-ES" dirty="0" smtClean="0"/>
-          </a:p>
-          <a:p>
-            <a:r>
-              <a:rPr lang="es-ES" dirty="0" smtClean="0"/>
-              <a:t>Expandir la información secreta al máximo.</a:t>
-            </a:r>
-          </a:p>
-          <a:p>
-            <a:endParaRPr lang="es-ES" dirty="0" smtClean="0"/>
-          </a:p>
-          <a:p>
-            <a:r>
-              <a:rPr lang="es-ES" dirty="0" smtClean="0"/>
-              <a:t>Código independiente de la señal.</a:t>
-            </a:r>
-          </a:p>
-          <a:p>
-            <a:endParaRPr lang="es-ES" dirty="0" smtClean="0"/>
-          </a:p>
-          <a:p>
-            <a:r>
-              <a:rPr lang="es-ES" dirty="0" smtClean="0"/>
-              <a:t>Señal final          mayor ancho de banda. </a:t>
-            </a:r>
-          </a:p>
-          <a:p>
-            <a:endParaRPr lang="es-ES" dirty="0"/>
-          </a:p>
-        </p:txBody>
-      </p:sp>
-      <p:sp>
-        <p:nvSpPr>
-          <p:cNvPr id="4" name="3 Flecha derecha"/>
-          <p:cNvSpPr/>
-          <p:nvPr/>
-        </p:nvSpPr>
-        <p:spPr>
-          <a:xfrm>
-            <a:off x="2483768" y="4437112"/>
-            <a:ext cx="504056" cy="288032"/>
-          </a:xfrm>
-          <a:prstGeom prst="rightArrow">
-            <a:avLst/>
-          </a:prstGeom>
-        </p:spPr>
-        <p:style>
-          <a:lnRef idx="2">
-            <a:schemeClr val="accent1">
-              <a:shade val="50000"/>
-            </a:schemeClr>
-          </a:lnRef>
-          <a:fillRef idx="1">
-            <a:schemeClr val="accent1"/>
-          </a:fillRef>
-          <a:effectRef idx="0">
-            <a:schemeClr val="accent1"/>
-          </a:effectRef>
-          <a:fontRef idx="minor">
-            <a:schemeClr val="lt1"/>
-          </a:fontRef>
-        </p:style>
-        <p:txBody>
-          <a:bodyPr rtlCol="0" anchor="ctr"/>
-          <a:lstStyle/>
-          <a:p>
-            <a:pPr algn="ctr"/>
-            <a:endParaRPr lang="es-ES"/>
+          <a:bodyPr>
+            <a:normAutofit/>
+          </a:bodyPr>
+          <a:lstStyle/>
+          <a:p>
+            <a:endParaRPr lang="es-ES" dirty="0" smtClean="0"/>
+          </a:p>
+          <a:p>
+            <a:pPr algn="just"/>
+            <a:r>
+              <a:rPr lang="es-ES" dirty="0" smtClean="0"/>
+              <a:t>Tasa de transmisión de datos </a:t>
+            </a:r>
+            <a:r>
+              <a:rPr lang="es-ES" dirty="0" smtClean="0"/>
+              <a:t>medio-alta.</a:t>
+            </a:r>
+            <a:endParaRPr lang="es-ES" dirty="0" smtClean="0"/>
+          </a:p>
+          <a:p>
+            <a:pPr algn="just"/>
+            <a:endParaRPr lang="es-ES" dirty="0" smtClean="0"/>
+          </a:p>
+          <a:p>
+            <a:pPr algn="just"/>
+            <a:r>
+              <a:rPr lang="es-ES" dirty="0" smtClean="0"/>
+              <a:t>Nivel de robustez alto.</a:t>
+            </a:r>
+          </a:p>
+          <a:p>
+            <a:pPr algn="just"/>
+            <a:endParaRPr lang="es-ES" dirty="0" smtClean="0"/>
+          </a:p>
+          <a:p>
+            <a:pPr algn="just"/>
+            <a:r>
+              <a:rPr lang="es-ES" dirty="0" smtClean="0"/>
+              <a:t>Desventaja: Introduce ruido. </a:t>
+            </a:r>
           </a:p>
         </p:txBody>
       </p:sp>
@@ -9902,106 +9625,107 @@
           <a:p>
             <a:r>
               <a:rPr lang="es-ES" dirty="0" smtClean="0"/>
+              <a:t>Métodos</a:t>
+            </a:r>
+            <a:endParaRPr lang="es-ES" dirty="0"/>
+          </a:p>
+        </p:txBody>
+      </p:sp>
+      <p:sp>
+        <p:nvSpPr>
+          <p:cNvPr id="3" name="2 Marcador de contenido"/>
+          <p:cNvSpPr>
+            <a:spLocks noGrp="1"/>
+          </p:cNvSpPr>
+          <p:nvPr>
+            <p:ph idx="1"/>
+          </p:nvPr>
+        </p:nvSpPr>
+        <p:spPr/>
+        <p:txBody>
+          <a:bodyPr/>
+          <a:lstStyle/>
+          <a:p>
+            <a:endParaRPr lang="es-ES" sz="2800" dirty="0" smtClean="0"/>
+          </a:p>
+          <a:p>
+            <a:r>
+              <a:rPr lang="es-ES" sz="2800" dirty="0" smtClean="0"/>
+              <a:t>LSB </a:t>
+            </a:r>
+            <a:r>
+              <a:rPr lang="es-ES" sz="2800" dirty="0" err="1" smtClean="0"/>
+              <a:t>coding</a:t>
+            </a:r>
+            <a:endParaRPr lang="es-ES" sz="2800" dirty="0" smtClean="0"/>
+          </a:p>
+          <a:p>
+            <a:pPr>
+              <a:buFont typeface="Wingdings 2" pitchFamily="18" charset="2"/>
+              <a:buChar char=""/>
+            </a:pPr>
+            <a:r>
+              <a:rPr lang="es-ES" sz="2800" dirty="0" err="1" smtClean="0"/>
+              <a:t>Parity</a:t>
+            </a:r>
+            <a:r>
+              <a:rPr lang="es-ES" sz="2800" dirty="0" smtClean="0"/>
+              <a:t> </a:t>
+            </a:r>
+            <a:r>
+              <a:rPr lang="es-ES" sz="2800" dirty="0" err="1" smtClean="0"/>
+              <a:t>coding</a:t>
+            </a:r>
+            <a:endParaRPr lang="es-ES" sz="2800" dirty="0" smtClean="0"/>
+          </a:p>
+          <a:p>
+            <a:pPr>
+              <a:buFont typeface="Wingdings 2" pitchFamily="18" charset="2"/>
+              <a:buChar char=""/>
+            </a:pPr>
+            <a:r>
+              <a:rPr lang="es-ES" sz="2800" dirty="0" err="1" smtClean="0"/>
+              <a:t>Phase</a:t>
+            </a:r>
+            <a:r>
+              <a:rPr lang="es-ES" sz="2800" dirty="0" smtClean="0"/>
+              <a:t> </a:t>
+            </a:r>
+            <a:r>
+              <a:rPr lang="es-ES" sz="2800" dirty="0" err="1" smtClean="0"/>
+              <a:t>coding</a:t>
+            </a:r>
+            <a:endParaRPr lang="es-ES" sz="2800" dirty="0" smtClean="0"/>
+          </a:p>
+          <a:p>
+            <a:pPr>
+              <a:buFont typeface="Wingdings 2" pitchFamily="18" charset="2"/>
+              <a:buChar char=""/>
+            </a:pPr>
+            <a:r>
+              <a:rPr lang="es-ES" sz="2800" dirty="0" smtClean="0"/>
               <a:t>Spread </a:t>
             </a:r>
             <a:r>
-              <a:rPr lang="es-ES" dirty="0" err="1" smtClean="0"/>
+              <a:rPr lang="es-ES" sz="2800" dirty="0" err="1" smtClean="0"/>
               <a:t>spectrum</a:t>
             </a:r>
-            <a:endParaRPr lang="es-ES" dirty="0"/>
-          </a:p>
-        </p:txBody>
-      </p:sp>
-      <p:sp>
-        <p:nvSpPr>
-          <p:cNvPr id="3" name="2 Marcador de contenido"/>
-          <p:cNvSpPr>
-            <a:spLocks noGrp="1"/>
-          </p:cNvSpPr>
-          <p:nvPr>
-            <p:ph idx="1"/>
-          </p:nvPr>
-        </p:nvSpPr>
-        <p:spPr/>
-        <p:txBody>
-          <a:bodyPr>
-            <a:normAutofit/>
-          </a:bodyPr>
-          <a:lstStyle/>
-          <a:p>
-            <a:endParaRPr lang="es-ES" dirty="0" smtClean="0"/>
-          </a:p>
-          <a:p>
-            <a:r>
-              <a:rPr lang="es-ES" dirty="0" smtClean="0"/>
-              <a:t>Dos versiones:</a:t>
-            </a:r>
-          </a:p>
-          <a:p>
-            <a:pPr lvl="1"/>
-            <a:r>
-              <a:rPr lang="es-ES" b="1" dirty="0" smtClean="0"/>
-              <a:t>Secuencia directa:</a:t>
-            </a:r>
-          </a:p>
-          <a:p>
-            <a:pPr lvl="2"/>
-            <a:r>
-              <a:rPr lang="es-ES" dirty="0" smtClean="0"/>
-              <a:t>Distribución =&gt; </a:t>
-            </a:r>
-            <a:r>
-              <a:rPr lang="es-ES" b="1" dirty="0" smtClean="0"/>
-              <a:t>chip </a:t>
-            </a:r>
-            <a:r>
-              <a:rPr lang="es-ES" b="1" dirty="0" err="1" smtClean="0"/>
-              <a:t>rate</a:t>
-            </a:r>
-            <a:endParaRPr lang="es-ES" dirty="0" smtClean="0"/>
-          </a:p>
-          <a:p>
-            <a:pPr lvl="2"/>
-            <a:r>
-              <a:rPr lang="es-ES" dirty="0" smtClean="0"/>
-              <a:t>Modulación =&gt; señal </a:t>
-            </a:r>
-            <a:r>
-              <a:rPr lang="es-ES" dirty="0" err="1" smtClean="0"/>
-              <a:t>pseudoaleatoria</a:t>
-            </a:r>
-            <a:r>
-              <a:rPr lang="es-ES" dirty="0" smtClean="0"/>
-              <a:t>.</a:t>
-            </a:r>
-          </a:p>
-          <a:p>
-            <a:pPr lvl="2"/>
-            <a:r>
-              <a:rPr lang="es-ES" dirty="0" smtClean="0"/>
-              <a:t>Finalmente se entrelaza con la señal original.</a:t>
-            </a:r>
-          </a:p>
-          <a:p>
-            <a:pPr lvl="1"/>
-            <a:r>
-              <a:rPr lang="es-ES" b="1" dirty="0" smtClean="0"/>
-              <a:t>Salto de frecuencia:</a:t>
-            </a:r>
-          </a:p>
-          <a:p>
-            <a:pPr lvl="2"/>
-            <a:r>
-              <a:rPr lang="es-ES" dirty="0" smtClean="0"/>
-              <a:t>Alteración espectro de frecuencia.</a:t>
-            </a:r>
-          </a:p>
-          <a:p>
-            <a:pPr lvl="2"/>
-            <a:r>
-              <a:rPr lang="es-ES" dirty="0" smtClean="0"/>
-              <a:t>Objetivo =&gt; saltar rápidamente entre frecuencias. </a:t>
-            </a:r>
+            <a:endParaRPr lang="es-ES" sz="2800" dirty="0" smtClean="0"/>
+          </a:p>
+          <a:p>
+            <a:pPr>
+              <a:buFont typeface="Wingdings 2" pitchFamily="18" charset="2"/>
+              <a:buChar char=""/>
+            </a:pPr>
+            <a:r>
+              <a:rPr lang="es-ES" sz="2800" dirty="0" smtClean="0"/>
+              <a:t>Echo </a:t>
+            </a:r>
+            <a:r>
+              <a:rPr lang="es-ES" sz="2800" dirty="0" err="1" smtClean="0"/>
+              <a:t>hiding</a:t>
+            </a:r>
+            <a:endParaRPr lang="es-ES" sz="2800" dirty="0" smtClean="0"/>
           </a:p>
         </p:txBody>
       </p:sp>
@@ -10054,11 +9778,11 @@
           <a:p>
             <a:r>
               <a:rPr lang="es-ES" dirty="0" smtClean="0"/>
-              <a:t>Spread </a:t>
+              <a:t>Echo </a:t>
             </a:r>
             <a:r>
               <a:rPr lang="es-ES" dirty="0" err="1" smtClean="0"/>
-              <a:t>spectrum</a:t>
+              <a:t>hiding</a:t>
             </a:r>
             <a:endParaRPr lang="es-ES" dirty="0"/>
           </a:p>
@@ -10081,36 +9805,68 @@
           </a:bodyPr>
           <a:lstStyle/>
           <a:p>
-            <a:endParaRPr lang="es-ES" dirty="0" smtClean="0"/>
-          </a:p>
-          <a:p>
             <a:pPr algn="just"/>
-            <a:r>
-              <a:rPr lang="es-ES" dirty="0" smtClean="0"/>
-              <a:t>Tasa de transmisión de datos moderada.</a:t>
-            </a:r>
+            <a:endParaRPr lang="es-ES" dirty="0" smtClean="0"/>
           </a:p>
           <a:p>
             <a:pPr algn="just"/>
+            <a:r>
+              <a:rPr lang="es-ES" dirty="0" smtClean="0"/>
+              <a:t>Introducir  eco  en </a:t>
+            </a:r>
+            <a:r>
+              <a:rPr lang="es-ES" dirty="0" smtClean="0"/>
+              <a:t>la señal discreta</a:t>
+            </a:r>
+            <a:r>
+              <a:rPr lang="es-ES" dirty="0" smtClean="0"/>
+              <a:t>.</a:t>
+            </a:r>
             <a:endParaRPr lang="es-ES" dirty="0" smtClean="0"/>
           </a:p>
           <a:p>
             <a:pPr algn="just"/>
-            <a:r>
-              <a:rPr lang="es-ES" dirty="0" smtClean="0"/>
-              <a:t>Nivel de robustez alto.</a:t>
-            </a:r>
+            <a:endParaRPr lang="es-ES" dirty="0" smtClean="0"/>
           </a:p>
           <a:p>
             <a:pPr algn="just"/>
-            <a:endParaRPr lang="es-ES" dirty="0" smtClean="0"/>
+            <a:r>
+              <a:rPr lang="es-ES" dirty="0" smtClean="0"/>
+              <a:t>Tres parámetros del eco.</a:t>
+            </a:r>
+          </a:p>
+          <a:p>
+            <a:pPr lvl="1" algn="just"/>
+            <a:r>
+              <a:rPr lang="es-ES" dirty="0" smtClean="0"/>
+              <a:t>Amplitud.</a:t>
+            </a:r>
+          </a:p>
+          <a:p>
+            <a:pPr lvl="1" algn="just"/>
+            <a:r>
+              <a:rPr lang="es-ES" dirty="0" smtClean="0"/>
+              <a:t>Decadencia.</a:t>
+            </a:r>
+          </a:p>
+          <a:p>
+            <a:pPr lvl="1" algn="just"/>
+            <a:r>
+              <a:rPr lang="es-ES" dirty="0" smtClean="0"/>
+              <a:t>Offset.</a:t>
+            </a:r>
           </a:p>
           <a:p>
             <a:pPr algn="just"/>
-            <a:r>
-              <a:rPr lang="es-ES" dirty="0" smtClean="0"/>
-              <a:t>Desventaja: Introduce ruido. </a:t>
-            </a:r>
+            <a:endParaRPr lang="es-ES" dirty="0" smtClean="0"/>
+          </a:p>
+          <a:p>
+            <a:pPr algn="just"/>
+            <a:r>
+              <a:rPr lang="es-ES" dirty="0" smtClean="0"/>
+              <a:t>Valores inferiores al umbral del oído humano.</a:t>
+            </a:r>
+            <a:endParaRPr lang="es-ES" dirty="0" smtClean="0"/>
           </a:p>
         </p:txBody>
       </p:sp>
@@ -10163,40 +9919,105 @@
           <a:p>
             <a:r>
               <a:rPr lang="es-ES" dirty="0" smtClean="0"/>
-              <a:t>Spread </a:t>
+              <a:t>Echo </a:t>
             </a:r>
             <a:r>
               <a:rPr lang="es-ES" dirty="0" err="1" smtClean="0"/>
-              <a:t>spectrum</a:t>
+              <a:t>hiding</a:t>
             </a:r>
             <a:endParaRPr lang="es-ES" dirty="0"/>
+          </a:p>
+        </p:txBody>
+      </p:sp>
+      <p:sp>
+        <p:nvSpPr>
+          <p:cNvPr id="3" name="2 Marcador de contenido"/>
+          <p:cNvSpPr>
+            <a:spLocks noGrp="1"/>
+          </p:cNvSpPr>
+          <p:nvPr>
+            <p:ph idx="1"/>
+          </p:nvPr>
+        </p:nvSpPr>
+        <p:spPr/>
+        <p:txBody>
+          <a:bodyPr>
+            <a:normAutofit/>
+          </a:bodyPr>
+          <a:lstStyle/>
+          <a:p>
+            <a:pPr algn="just"/>
+            <a:endParaRPr lang="es-ES" dirty="0" smtClean="0"/>
+          </a:p>
+          <a:p>
+            <a:pPr algn="just"/>
+            <a:r>
+              <a:rPr lang="es-ES" dirty="0" smtClean="0"/>
+              <a:t>El offset varía según el bit del mensaje.</a:t>
+            </a:r>
+          </a:p>
+          <a:p>
+            <a:pPr algn="just"/>
+            <a:endParaRPr lang="es-ES" dirty="0" smtClean="0"/>
+          </a:p>
+          <a:p>
+            <a:pPr algn="just"/>
+            <a:endParaRPr lang="es-ES" dirty="0" smtClean="0"/>
+          </a:p>
+          <a:p>
+            <a:pPr algn="just"/>
+            <a:r>
+              <a:rPr lang="es-ES" dirty="0" smtClean="0"/>
+              <a:t>Cada eco codifica un bit.</a:t>
+            </a:r>
+          </a:p>
+          <a:p>
+            <a:pPr lvl="1" algn="just"/>
+            <a:r>
+              <a:rPr lang="es-ES" dirty="0" smtClean="0"/>
+              <a:t>División en bloques.</a:t>
+            </a:r>
+          </a:p>
+          <a:p>
+            <a:pPr algn="just"/>
+            <a:endParaRPr lang="es-ES" dirty="0" smtClean="0"/>
+          </a:p>
+          <a:p>
+            <a:pPr algn="just"/>
+            <a:endParaRPr lang="es-ES" dirty="0" smtClean="0"/>
           </a:p>
         </p:txBody>
       </p:sp>
       <p:pic>
         <p:nvPicPr>
-          <p:cNvPr id="4" name="8 Imagen" descr="spreadspectrum.gif"/>
+          <p:cNvPr id="6" name="Picture 2"/>
           <p:cNvPicPr>
-            <a:picLocks noGrp="1"/>
+            <a:picLocks noChangeAspect="1" noChangeArrowheads="1"/>
           </p:cNvPicPr>
-          <p:nvPr>
-            <p:ph idx="1"/>
-          </p:nvPr>
+          <p:nvPr/>
         </p:nvPicPr>
         <p:blipFill>
           <a:blip r:embed="rId2" cstate="print"/>
+          <a:srcRect/>
           <a:stretch>
             <a:fillRect/>
           </a:stretch>
         </p:blipFill>
-        <p:spPr>
+        <p:spPr bwMode="auto">
           <a:xfrm>
-            <a:off x="2651621" y="1935163"/>
-            <a:ext cx="3840757" cy="4389437"/>
+            <a:off x="4860032" y="2924944"/>
+            <a:ext cx="2880320" cy="3552818"/>
           </a:xfrm>
           <a:prstGeom prst="rect">
             <a:avLst/>
           </a:prstGeom>
+          <a:noFill/>
+          <a:ln w="9525">
+            <a:noFill/>
+            <a:miter lim="800000"/>
+            <a:headEnd/>
+            <a:tailEnd/>
+          </a:ln>
         </p:spPr>
       </p:pic>
     </p:spTree>
@@ -10241,132 +10062,138 @@
             <p:ph type="title"/>
           </p:nvPr>
         </p:nvSpPr>
-        <p:spPr>
+        <p:spPr/>
+        <p:txBody>
+          <a:bodyPr/>
+          <a:lstStyle/>
+          <a:p>
+            <a:r>
+              <a:rPr lang="es-ES" dirty="0" smtClean="0"/>
+              <a:t>Echo </a:t>
+            </a:r>
+            <a:r>
+              <a:rPr lang="es-ES" dirty="0" err="1" smtClean="0"/>
+              <a:t>hiding</a:t>
+            </a:r>
+            <a:r>
+              <a:rPr lang="es-ES" dirty="0" smtClean="0"/>
+              <a:t>: Implementación(I)</a:t>
+            </a:r>
+            <a:endParaRPr lang="es-ES" dirty="0"/>
+          </a:p>
+        </p:txBody>
+      </p:sp>
+      <p:sp>
+        <p:nvSpPr>
+          <p:cNvPr id="3" name="2 Marcador de contenido"/>
+          <p:cNvSpPr>
+            <a:spLocks noGrp="1"/>
+          </p:cNvSpPr>
+          <p:nvPr>
+            <p:ph idx="1"/>
+          </p:nvPr>
+        </p:nvSpPr>
+        <p:spPr/>
+        <p:txBody>
+          <a:bodyPr/>
+          <a:lstStyle/>
+          <a:p>
+            <a:pPr algn="just"/>
+            <a:endParaRPr lang="es-ES" dirty="0" smtClean="0"/>
+          </a:p>
+          <a:p>
+            <a:pPr algn="just"/>
+            <a:r>
+              <a:rPr lang="es-ES" dirty="0" smtClean="0"/>
+              <a:t>La </a:t>
+            </a:r>
+            <a:r>
+              <a:rPr lang="es-ES" dirty="0" smtClean="0"/>
+              <a:t>señal se divide en bloques antes </a:t>
+            </a:r>
+            <a:r>
+              <a:rPr lang="es-ES" dirty="0" smtClean="0"/>
+              <a:t>de la </a:t>
+            </a:r>
+            <a:r>
+              <a:rPr lang="es-ES" dirty="0" smtClean="0"/>
+              <a:t>inserción.</a:t>
+            </a:r>
+          </a:p>
+          <a:p>
+            <a:pPr algn="just"/>
+            <a:endParaRPr lang="es-ES" dirty="0" smtClean="0"/>
+          </a:p>
+          <a:p>
+            <a:pPr algn="just"/>
+            <a:r>
+              <a:rPr lang="es-ES" dirty="0" smtClean="0"/>
+              <a:t>Se le asigna un ‘0’ o un ‘1’ en función del mensaje a ocultar.</a:t>
+            </a:r>
+          </a:p>
+          <a:p>
+            <a:pPr algn="just">
+              <a:buNone/>
+            </a:pPr>
+            <a:endParaRPr lang="es-ES" dirty="0" smtClean="0"/>
+          </a:p>
+          <a:p>
+            <a:pPr algn="just"/>
+            <a:endParaRPr lang="es-ES" dirty="0" smtClean="0"/>
+          </a:p>
+          <a:p>
+            <a:pPr algn="just"/>
+            <a:endParaRPr lang="es-ES" dirty="0" smtClean="0"/>
+          </a:p>
+          <a:p>
+            <a:pPr algn="just"/>
+            <a:r>
+              <a:rPr lang="es-ES" dirty="0" smtClean="0"/>
+              <a:t>Se inserta la información necesaria en cada bloque.</a:t>
+            </a:r>
+          </a:p>
+          <a:p>
+            <a:pPr algn="just"/>
+            <a:endParaRPr lang="es-ES" dirty="0" smtClean="0"/>
+          </a:p>
+          <a:p>
+            <a:pPr algn="just"/>
+            <a:endParaRPr lang="es-ES" dirty="0" smtClean="0"/>
+          </a:p>
+        </p:txBody>
+      </p:sp>
+      <p:pic>
+        <p:nvPicPr>
+          <p:cNvPr id="5" name="Picture 2"/>
+          <p:cNvPicPr>
+            <a:picLocks noChangeAspect="1" noChangeArrowheads="1"/>
+          </p:cNvPicPr>
+          <p:nvPr/>
+        </p:nvPicPr>
+        <p:blipFill>
+          <a:blip r:embed="rId2" cstate="print"/>
+          <a:srcRect/>
+          <a:stretch>
+            <a:fillRect/>
+          </a:stretch>
+        </p:blipFill>
+        <p:spPr bwMode="auto">
           <a:xfrm>
-            <a:off x="467544" y="1124744"/>
-            <a:ext cx="8229600" cy="1143000"/>
+            <a:off x="1619672" y="4365104"/>
+            <a:ext cx="5924550" cy="790575"/>
           </a:xfrm>
+          <a:prstGeom prst="rect">
+            <a:avLst/>
+          </a:prstGeom>
+          <a:noFill/>
+          <a:ln w="9525">
+            <a:noFill/>
+            <a:miter lim="800000"/>
+            <a:headEnd/>
+            <a:tailEnd/>
+          </a:ln>
         </p:spPr>
-        <p:txBody>
-          <a:bodyPr>
-            <a:normAutofit fontScale="90000"/>
-          </a:bodyPr>
-          <a:lstStyle/>
-          <a:p>
-            <a:r>
-              <a:rPr lang="es-ES" dirty="0" err="1" smtClean="0"/>
-              <a:t>Esteganografía</a:t>
-            </a:r>
-            <a:r>
-              <a:rPr lang="es-ES" dirty="0" smtClean="0"/>
-              <a:t> de audio: métodos</a:t>
-            </a:r>
-            <a:endParaRPr lang="es-ES" dirty="0"/>
-          </a:p>
-        </p:txBody>
-      </p:sp>
-      <p:sp>
-        <p:nvSpPr>
-          <p:cNvPr id="3" name="2 Marcador de contenido"/>
-          <p:cNvSpPr>
-            <a:spLocks noGrp="1"/>
-          </p:cNvSpPr>
-          <p:nvPr>
-            <p:ph idx="1"/>
-          </p:nvPr>
-        </p:nvSpPr>
-        <p:spPr>
-          <a:xfrm>
-            <a:off x="467544" y="2852936"/>
-            <a:ext cx="8229600" cy="3597032"/>
-          </a:xfrm>
-        </p:spPr>
-        <p:txBody>
-          <a:bodyPr>
-            <a:normAutofit/>
-          </a:bodyPr>
-          <a:lstStyle/>
-          <a:p>
-            <a:r>
-              <a:rPr lang="es-ES" sz="3200" dirty="0" smtClean="0"/>
-              <a:t>LSB </a:t>
-            </a:r>
-            <a:r>
-              <a:rPr lang="es-ES" sz="3200" dirty="0" err="1" smtClean="0"/>
-              <a:t>coding</a:t>
-            </a:r>
-            <a:endParaRPr lang="es-ES" sz="3200" dirty="0" smtClean="0"/>
-          </a:p>
-          <a:p>
-            <a:pPr>
-              <a:buFont typeface="Wingdings 2" pitchFamily="18" charset="2"/>
-              <a:buChar char=""/>
-            </a:pPr>
-            <a:r>
-              <a:rPr lang="es-ES" sz="3200" dirty="0" err="1" smtClean="0"/>
-              <a:t>Parity</a:t>
-            </a:r>
-            <a:r>
-              <a:rPr lang="es-ES" sz="3200" dirty="0" smtClean="0"/>
-              <a:t> </a:t>
-            </a:r>
-            <a:r>
-              <a:rPr lang="es-ES" sz="3200" dirty="0" err="1" smtClean="0"/>
-              <a:t>coding</a:t>
-            </a:r>
-            <a:endParaRPr lang="es-ES" sz="3200" dirty="0" smtClean="0"/>
-          </a:p>
-          <a:p>
-            <a:pPr>
-              <a:buFont typeface="Wingdings 2" pitchFamily="18" charset="2"/>
-              <a:buChar char=""/>
-            </a:pPr>
-            <a:r>
-              <a:rPr lang="es-ES" sz="3200" dirty="0" err="1" smtClean="0"/>
-              <a:t>Phase</a:t>
-            </a:r>
-            <a:r>
-              <a:rPr lang="es-ES" sz="3200" dirty="0" smtClean="0"/>
-              <a:t> </a:t>
-            </a:r>
-            <a:r>
-              <a:rPr lang="es-ES" sz="3200" dirty="0" err="1" smtClean="0"/>
-              <a:t>coding</a:t>
-            </a:r>
-            <a:endParaRPr lang="es-ES" sz="3200" dirty="0" smtClean="0"/>
-          </a:p>
-          <a:p>
-            <a:pPr>
-              <a:buFont typeface="Wingdings 2" pitchFamily="18" charset="2"/>
-              <a:buChar char=""/>
-            </a:pPr>
-            <a:r>
-              <a:rPr lang="es-ES" sz="3200" dirty="0" smtClean="0"/>
-              <a:t>Spread </a:t>
-            </a:r>
-            <a:r>
-              <a:rPr lang="es-ES" sz="3200" dirty="0" err="1" smtClean="0"/>
-              <a:t>spectrum</a:t>
-            </a:r>
-            <a:endParaRPr lang="es-ES" sz="3200" dirty="0" smtClean="0"/>
-          </a:p>
-          <a:p>
-            <a:pPr>
-              <a:buFont typeface="Wingdings 2" pitchFamily="18" charset="2"/>
-              <a:buChar char=""/>
-            </a:pPr>
-            <a:r>
-              <a:rPr lang="es-ES" sz="3200" dirty="0" smtClean="0"/>
-              <a:t>Echo </a:t>
-            </a:r>
-            <a:r>
-              <a:rPr lang="es-ES" sz="3200" dirty="0" err="1" smtClean="0"/>
-              <a:t>hiding</a:t>
-            </a:r>
-            <a:endParaRPr lang="es-ES" sz="3200" dirty="0" smtClean="0"/>
-          </a:p>
-        </p:txBody>
-      </p:sp>
+      </p:pic>
     </p:spTree>
   </p:cSld>
   <p:clrMapOvr>
@@ -10422,6 +10249,10 @@
               <a:rPr lang="es-ES" dirty="0" err="1" smtClean="0"/>
               <a:t>hiding</a:t>
             </a:r>
+            <a:r>
+              <a:rPr lang="es-ES" dirty="0" smtClean="0"/>
+              <a:t>: Implementación(I)</a:t>
+            </a:r>
             <a:endParaRPr lang="es-ES" dirty="0"/>
           </a:p>
         </p:txBody>
@@ -10448,7 +10279,7 @@
             <a:pPr algn="just"/>
             <a:r>
               <a:rPr lang="es-ES" dirty="0" smtClean="0"/>
-              <a:t>Introducir eco en la señal discreta.</a:t>
+              <a:t>Finalmente los bloques se recombinan para formar la señal final.</a:t>
             </a:r>
           </a:p>
           <a:p>
@@ -10459,28 +10290,7 @@
             <a:pPr algn="just"/>
             <a:r>
               <a:rPr lang="es-ES" dirty="0" smtClean="0"/>
-              <a:t>Tres parámetros del eco.</a:t>
-            </a:r>
-          </a:p>
-          <a:p>
-            <a:pPr lvl="1" algn="just"/>
-            <a:r>
-              <a:rPr lang="es-ES" dirty="0" smtClean="0"/>
-              <a:t>Amplitud</a:t>
-            </a:r>
-          </a:p>
-          <a:p>
-            <a:pPr lvl="1" algn="just"/>
-            <a:r>
-              <a:rPr lang="es-ES" dirty="0" smtClean="0"/>
-              <a:t>Decadencia</a:t>
-            </a:r>
-          </a:p>
-          <a:p>
-            <a:pPr lvl="1" algn="just"/>
-            <a:r>
-              <a:rPr lang="es-ES" dirty="0" smtClean="0"/>
-              <a:t>Offset (retraso)</a:t>
+              <a:t>Problema: Mezcla de ecos considerable, lo que incrementa el riesgo de detección.</a:t>
             </a:r>
           </a:p>
           <a:p>
@@ -10491,8 +10301,36 @@
             <a:pPr algn="just"/>
             <a:r>
               <a:rPr lang="es-ES" dirty="0" smtClean="0"/>
-              <a:t>Valores inferiores al umbral del oído humano.</a:t>
-            </a:r>
+              <a:t>Solución: </a:t>
+            </a:r>
+            <a:r>
+              <a:rPr lang="es-ES" dirty="0" smtClean="0"/>
+              <a:t>Una nueva implementación de </a:t>
+            </a:r>
+            <a:r>
+              <a:rPr lang="es-ES" dirty="0" smtClean="0"/>
+              <a:t>echo </a:t>
+            </a:r>
+            <a:r>
+              <a:rPr lang="es-ES" dirty="0" err="1" smtClean="0"/>
+              <a:t>hiding</a:t>
+            </a:r>
+            <a:r>
+              <a:rPr lang="es-ES" dirty="0" smtClean="0"/>
+              <a:t>.</a:t>
+            </a:r>
+          </a:p>
+          <a:p>
+            <a:pPr algn="just"/>
+            <a:endParaRPr lang="es-ES" dirty="0" smtClean="0"/>
+          </a:p>
+          <a:p>
+            <a:pPr algn="just"/>
+            <a:endParaRPr lang="es-ES" dirty="0" smtClean="0"/>
+          </a:p>
+          <a:p>
+            <a:pPr algn="just"/>
+            <a:endParaRPr lang="es-ES" dirty="0" smtClean="0"/>
           </a:p>
         </p:txBody>
       </p:sp>
@@ -10553,7 +10391,7 @@
             </a:r>
             <a:r>
               <a:rPr lang="es-ES" dirty="0" smtClean="0"/>
-              <a:t>: Ejemplo</a:t>
+              <a:t>: Implementación(II)</a:t>
             </a:r>
             <a:endParaRPr lang="es-ES" dirty="0"/>
           </a:p>
@@ -10581,33 +10419,31 @@
             <a:pPr algn="just"/>
             <a:r>
               <a:rPr lang="es-ES" dirty="0" smtClean="0"/>
-              <a:t>Mensaje: “HEY”</a:t>
-            </a:r>
-          </a:p>
-          <a:p>
-            <a:pPr algn="just"/>
-            <a:endParaRPr lang="es-ES" dirty="0" smtClean="0"/>
-          </a:p>
-          <a:p>
-            <a:pPr algn="just"/>
-            <a:r>
-              <a:rPr lang="es-ES" dirty="0" smtClean="0"/>
-              <a:t>La señal se divide en bloques antes del a inserción.</a:t>
-            </a:r>
-          </a:p>
-          <a:p>
-            <a:pPr algn="just"/>
-            <a:endParaRPr lang="es-ES" dirty="0" smtClean="0"/>
-          </a:p>
-          <a:p>
-            <a:pPr algn="just"/>
-            <a:r>
-              <a:rPr lang="es-ES" dirty="0" smtClean="0"/>
-              <a:t>Se le asigna un ‘0’ o un ‘1’ en función del mensaje a ocultar.</a:t>
-            </a:r>
-          </a:p>
-          <a:p>
-            <a:pPr algn="just">
+              <a:t>Se crean dos </a:t>
+            </a:r>
+            <a:r>
+              <a:rPr lang="es-ES" dirty="0" smtClean="0"/>
+              <a:t>señales de eco.</a:t>
+            </a:r>
+            <a:endParaRPr lang="es-ES" dirty="0" smtClean="0"/>
+          </a:p>
+          <a:p>
+            <a:pPr lvl="1" algn="just"/>
+            <a:r>
+              <a:rPr lang="es-ES" dirty="0" smtClean="0"/>
+              <a:t>Se </a:t>
+            </a:r>
+            <a:r>
+              <a:rPr lang="es-ES" dirty="0" smtClean="0"/>
+              <a:t>combinan usando </a:t>
+            </a:r>
+            <a:r>
+              <a:rPr lang="es-ES" dirty="0" smtClean="0"/>
+              <a:t>dos señales de mezcla.</a:t>
+            </a:r>
+          </a:p>
+          <a:p>
+            <a:pPr lvl="1" algn="just">
               <a:buNone/>
             </a:pPr>
             <a:endParaRPr lang="es-ES" dirty="0" smtClean="0"/>
@@ -10624,15 +10460,11 @@
             <a:pPr algn="just"/>
             <a:endParaRPr lang="es-ES" dirty="0" smtClean="0"/>
           </a:p>
-          <a:p>
-            <a:pPr algn="just"/>
-            <a:endParaRPr lang="es-ES" dirty="0" smtClean="0"/>
-          </a:p>
         </p:txBody>
       </p:sp>
       <p:pic>
         <p:nvPicPr>
-          <p:cNvPr id="5" name="Picture 2"/>
+          <p:cNvPr id="10" name="Picture 3"/>
           <p:cNvPicPr>
             <a:picLocks noChangeAspect="1" noChangeArrowheads="1"/>
           </p:cNvPicPr>
@@ -10647,8 +10479,8 @@
         </p:blipFill>
         <p:spPr bwMode="auto">
           <a:xfrm>
-            <a:off x="1547664" y="5157192"/>
-            <a:ext cx="5924550" cy="790575"/>
+            <a:off x="2051720" y="3645024"/>
+            <a:ext cx="4886325" cy="2400300"/>
           </a:xfrm>
           <a:prstGeom prst="rect">
             <a:avLst/>
@@ -10717,6 +10549,10 @@
               <a:rPr lang="es-ES" dirty="0" err="1" smtClean="0"/>
               <a:t>hiding</a:t>
             </a:r>
+            <a:r>
+              <a:rPr lang="es-ES" dirty="0" smtClean="0"/>
+              <a:t>: Implementación(II)</a:t>
+            </a:r>
             <a:endParaRPr lang="es-ES" dirty="0"/>
           </a:p>
         </p:txBody>
@@ -10736,15 +10572,22 @@
           <a:bodyPr/>
           <a:lstStyle/>
           <a:p>
+            <a:pPr algn="just">
+              <a:buNone/>
+            </a:pPr>
+            <a:endParaRPr lang="es-ES" dirty="0" smtClean="0"/>
+          </a:p>
+          <a:p>
             <a:pPr algn="just"/>
+            <a:r>
+              <a:rPr lang="es-ES" dirty="0" smtClean="0"/>
+              <a:t>Señal menos abrupta.</a:t>
+            </a:r>
             <a:endParaRPr lang="es-ES" dirty="0" smtClean="0"/>
           </a:p>
           <a:p>
             <a:pPr algn="just"/>
-            <a:r>
-              <a:rPr lang="es-ES" dirty="0" smtClean="0"/>
-              <a:t>Se inserta la información necesaria en cada bloque.</a:t>
-            </a:r>
+            <a:endParaRPr lang="es-ES" dirty="0" smtClean="0"/>
           </a:p>
           <a:p>
             <a:pPr algn="just"/>
@@ -10762,7 +10605,7 @@
       </p:sp>
       <p:pic>
         <p:nvPicPr>
-          <p:cNvPr id="7" name="Picture 2"/>
+          <p:cNvPr id="4098" name="Picture 2"/>
           <p:cNvPicPr>
             <a:picLocks noChangeAspect="1" noChangeArrowheads="1"/>
           </p:cNvPicPr>
@@ -10777,8 +10620,8 @@
         </p:blipFill>
         <p:spPr bwMode="auto">
           <a:xfrm>
-            <a:off x="1979712" y="3060846"/>
-            <a:ext cx="4752528" cy="3480725"/>
+            <a:off x="1763688" y="3212976"/>
+            <a:ext cx="5665423" cy="2880320"/>
           </a:xfrm>
           <a:prstGeom prst="rect">
             <a:avLst/>
@@ -10845,7 +10688,11 @@
             </a:r>
             <a:r>
               <a:rPr lang="es-ES" dirty="0" smtClean="0"/>
-              <a:t>: introducción</a:t>
+              <a:t>: </a:t>
+            </a:r>
+            <a:r>
+              <a:rPr lang="es-ES" dirty="0" smtClean="0"/>
+              <a:t>Historia</a:t>
             </a:r>
             <a:endParaRPr lang="es-ES" dirty="0"/>
           </a:p>
@@ -10863,109 +10710,45 @@
         </p:nvSpPr>
         <p:spPr>
           <a:xfrm>
-            <a:off x="395536" y="2132856"/>
-            <a:ext cx="8229600" cy="4389120"/>
+            <a:off x="395536" y="2780928"/>
+            <a:ext cx="8229600" cy="3759696"/>
           </a:xfrm>
         </p:spPr>
         <p:txBody>
           <a:bodyPr/>
           <a:lstStyle/>
           <a:p>
-            <a:pPr algn="just"/>
-            <a:endParaRPr lang="es-ES" dirty="0" smtClean="0"/>
-          </a:p>
-          <a:p>
-            <a:pPr algn="just"/>
-            <a:r>
-              <a:rPr lang="es-ES" dirty="0" smtClean="0"/>
-              <a:t>Disciplina de ocultamiento de mensajes y objetos.</a:t>
-            </a:r>
-          </a:p>
-          <a:p>
-            <a:pPr algn="just">
+            <a:r>
+              <a:rPr lang="es-ES" dirty="0" smtClean="0"/>
+              <a:t>Ha estado presente desde tiempos antiguos.</a:t>
+            </a:r>
+          </a:p>
+          <a:p>
+            <a:pPr>
               <a:buNone/>
             </a:pPr>
             <a:endParaRPr lang="es-ES" dirty="0" smtClean="0"/>
           </a:p>
           <a:p>
-            <a:pPr algn="just"/>
-            <a:r>
-              <a:rPr lang="es-ES" dirty="0" smtClean="0"/>
-              <a:t>Distinta a la </a:t>
-            </a:r>
-            <a:r>
-              <a:rPr lang="es-ES" b="1" dirty="0" smtClean="0"/>
-              <a:t>criptografía</a:t>
-            </a:r>
-            <a:r>
-              <a:rPr lang="es-ES" dirty="0" smtClean="0"/>
-              <a:t>.</a:t>
-            </a:r>
-          </a:p>
-          <a:p>
-            <a:pPr algn="just"/>
-            <a:endParaRPr lang="es-ES" dirty="0" smtClean="0"/>
-          </a:p>
-          <a:p>
-            <a:pPr algn="just"/>
-            <a:r>
-              <a:rPr lang="es-ES" dirty="0" smtClean="0"/>
-              <a:t>Criptografía + </a:t>
-            </a:r>
-            <a:r>
-              <a:rPr lang="es-ES" dirty="0" err="1" smtClean="0"/>
-              <a:t>Esteganografía</a:t>
-            </a:r>
-            <a:endParaRPr lang="es-ES" dirty="0" smtClean="0"/>
-          </a:p>
-          <a:p>
-            <a:pPr algn="just">
+            <a:r>
+              <a:rPr lang="es-ES" dirty="0" smtClean="0"/>
+              <a:t>En la era digital ha resurgido como una tecnología útil en seguridad informática.</a:t>
+            </a:r>
+          </a:p>
+          <a:p>
+            <a:pPr>
               <a:buNone/>
             </a:pPr>
-            <a:r>
-              <a:rPr lang="es-ES" dirty="0" smtClean="0"/>
-              <a:t> 			</a:t>
-            </a:r>
-          </a:p>
-        </p:txBody>
-      </p:sp>
-      <p:sp>
-        <p:nvSpPr>
-          <p:cNvPr id="5" name="4 Flecha abajo"/>
-          <p:cNvSpPr/>
-          <p:nvPr/>
-        </p:nvSpPr>
-        <p:spPr>
-          <a:xfrm>
-            <a:off x="2555776" y="5085184"/>
-            <a:ext cx="288032" cy="432048"/>
-          </a:xfrm>
-          <a:prstGeom prst="downArrow">
-            <a:avLst/>
-          </a:prstGeom>
-        </p:spPr>
-        <p:style>
-          <a:lnRef idx="2">
-            <a:schemeClr val="accent1">
-              <a:shade val="50000"/>
-            </a:schemeClr>
-          </a:lnRef>
-          <a:fillRef idx="1">
-            <a:schemeClr val="accent1"/>
-          </a:fillRef>
-          <a:effectRef idx="0">
-            <a:schemeClr val="accent1"/>
-          </a:effectRef>
-          <a:fontRef idx="minor">
-            <a:schemeClr val="lt1"/>
-          </a:fontRef>
-        </p:style>
-        <p:txBody>
-          <a:bodyPr rtlCol="0" anchor="ctr"/>
-          <a:lstStyle/>
-          <a:p>
-            <a:pPr algn="ctr"/>
-            <a:endParaRPr lang="es-ES"/>
+            <a:endParaRPr lang="es-ES" dirty="0" smtClean="0"/>
+          </a:p>
+          <a:p>
+            <a:r>
+              <a:rPr lang="es-ES" dirty="0" smtClean="0"/>
+              <a:t>Se usa en documentos, imágenes, audio, vídeo, etc.</a:t>
+            </a:r>
+          </a:p>
+          <a:p>
+            <a:endParaRPr lang="es-ES" dirty="0" smtClean="0"/>
           </a:p>
         </p:txBody>
       </p:sp>
@@ -11024,6 +10807,14 @@
               <a:rPr lang="es-ES" dirty="0" err="1" smtClean="0"/>
               <a:t>hiding</a:t>
             </a:r>
+            <a:r>
+              <a:rPr lang="es-ES" dirty="0" smtClean="0"/>
+              <a:t>: </a:t>
+            </a:r>
+            <a:r>
+              <a:rPr lang="es-ES" dirty="0" smtClean="0"/>
+              <a:t>Resumen</a:t>
+            </a:r>
             <a:endParaRPr lang="es-ES" dirty="0"/>
           </a:p>
         </p:txBody>
@@ -11050,7 +10841,7 @@
             <a:pPr algn="just"/>
             <a:r>
               <a:rPr lang="es-ES" dirty="0" smtClean="0"/>
-              <a:t>Finalmente los bloques se recombinan para formar la señal final.</a:t>
+              <a:t>Tasa de transmisión de datos alta.</a:t>
             </a:r>
           </a:p>
           <a:p>
@@ -11061,7 +10852,7 @@
             <a:pPr algn="just"/>
             <a:r>
               <a:rPr lang="es-ES" dirty="0" smtClean="0"/>
-              <a:t>Problema: Mezcla de ecos considerable, lo que incrementa el riesgo de detección.</a:t>
+              <a:t>Elevada robustez.</a:t>
             </a:r>
           </a:p>
           <a:p>
@@ -11072,16 +10863,13 @@
             <a:pPr algn="just"/>
             <a:r>
               <a:rPr lang="es-ES" dirty="0" smtClean="0"/>
-              <a:t>Solución: Una nueva implementación de eco </a:t>
-            </a:r>
-            <a:r>
-              <a:rPr lang="es-ES" dirty="0" err="1" smtClean="0"/>
-              <a:t>hiding</a:t>
-            </a:r>
-            <a:r>
-              <a:rPr lang="es-ES" dirty="0" smtClean="0"/>
-              <a:t>.</a:t>
-            </a:r>
+              <a:t>Para decodificar la información son necesarias técnicas avanzadas de procesamiento de señales.</a:t>
+            </a:r>
+            <a:endParaRPr lang="es-ES" dirty="0" smtClean="0"/>
+          </a:p>
+          <a:p>
+            <a:pPr algn="just"/>
+            <a:endParaRPr lang="es-ES" dirty="0" smtClean="0"/>
           </a:p>
           <a:p>
             <a:pPr algn="just"/>
@@ -11146,15 +10934,7 @@
           <a:p>
             <a:r>
               <a:rPr lang="es-ES" dirty="0" smtClean="0"/>
-              <a:t>Echo </a:t>
-            </a:r>
-            <a:r>
-              <a:rPr lang="es-ES" dirty="0" err="1" smtClean="0"/>
-              <a:t>hiding</a:t>
-            </a:r>
-            <a:r>
-              <a:rPr lang="es-ES" dirty="0" smtClean="0"/>
-              <a:t>: Implementación(II)</a:t>
+              <a:t>Conclusiones</a:t>
             </a:r>
             <a:endParaRPr lang="es-ES" dirty="0"/>
           </a:p>
@@ -11175,54 +10955,48 @@
           <a:bodyPr/>
           <a:lstStyle/>
           <a:p>
+            <a:pPr algn="just">
+              <a:buNone/>
+            </a:pPr>
+            <a:endParaRPr lang="es-ES" dirty="0" smtClean="0"/>
+          </a:p>
+          <a:p>
             <a:pPr algn="just"/>
+            <a:r>
+              <a:rPr lang="es-ES" dirty="0" smtClean="0"/>
+              <a:t>Diferentes métodos.</a:t>
+            </a:r>
+          </a:p>
+          <a:p>
+            <a:pPr lvl="1" algn="just"/>
+            <a:r>
+              <a:rPr lang="es-ES" dirty="0" smtClean="0"/>
+              <a:t>Distintos requisitos.</a:t>
+            </a:r>
             <a:endParaRPr lang="es-ES" dirty="0" smtClean="0"/>
           </a:p>
           <a:p>
             <a:pPr algn="just"/>
-            <a:r>
-              <a:rPr lang="es-ES" dirty="0" smtClean="0"/>
-              <a:t>Se crean dos señales:</a:t>
-            </a:r>
-          </a:p>
-          <a:p>
-            <a:pPr lvl="1" algn="just"/>
-            <a:r>
-              <a:rPr lang="es-ES" dirty="0" smtClean="0"/>
-              <a:t>Señal de eco utilizando el offset asociado al 0 binario.</a:t>
-            </a:r>
-          </a:p>
-          <a:p>
-            <a:pPr lvl="1" algn="just"/>
-            <a:r>
-              <a:rPr lang="es-ES" dirty="0" smtClean="0"/>
-              <a:t>Señal de eco utilizando el offset asociado al 1 binario.</a:t>
-            </a:r>
+            <a:endParaRPr lang="es-ES" dirty="0" smtClean="0"/>
           </a:p>
           <a:p>
             <a:pPr algn="just"/>
+            <a:r>
+              <a:rPr lang="es-ES" dirty="0" smtClean="0"/>
+              <a:t>Elegir el que mejor se adapte a la situación.</a:t>
+            </a:r>
             <a:endParaRPr lang="es-ES" dirty="0" smtClean="0"/>
           </a:p>
           <a:p>
             <a:pPr algn="just"/>
-            <a:r>
-              <a:rPr lang="es-ES" dirty="0" smtClean="0"/>
-              <a:t>Se combinan ambas usando dos señales de mezcla.</a:t>
-            </a:r>
-          </a:p>
-          <a:p>
-            <a:pPr lvl="1" algn="just"/>
-            <a:r>
-              <a:rPr lang="es-ES" dirty="0" smtClean="0"/>
-              <a:t>Señal de eco “cero”</a:t>
-            </a:r>
-          </a:p>
-          <a:p>
-            <a:pPr lvl="1" algn="just"/>
             <a:endParaRPr lang="es-ES" dirty="0" smtClean="0"/>
           </a:p>
           <a:p>
             <a:pPr algn="just"/>
+            <a:r>
+              <a:rPr lang="es-ES" dirty="0" smtClean="0"/>
+              <a:t>Decidir si conviene  combinar  con  criptografía.</a:t>
+            </a:r>
             <a:endParaRPr lang="es-ES" dirty="0" smtClean="0"/>
           </a:p>
           <a:p>
@@ -11233,40 +11007,12 @@
             <a:pPr algn="just"/>
             <a:endParaRPr lang="es-ES" dirty="0" smtClean="0"/>
           </a:p>
-        </p:txBody>
-      </p:sp>
-      <p:pic>
-        <p:nvPicPr>
-          <p:cNvPr id="5" name="Picture 2"/>
-          <p:cNvPicPr>
-            <a:picLocks noChangeAspect="1" noChangeArrowheads="1"/>
-          </p:cNvPicPr>
-          <p:nvPr/>
-        </p:nvPicPr>
-        <p:blipFill>
-          <a:blip r:embed="rId2" cstate="print"/>
-          <a:srcRect/>
-          <a:stretch>
-            <a:fillRect/>
-          </a:stretch>
-        </p:blipFill>
-        <p:spPr bwMode="auto">
-          <a:xfrm>
-            <a:off x="1547664" y="5229200"/>
-            <a:ext cx="5829300" cy="781050"/>
-          </a:xfrm>
-          <a:prstGeom prst="rect">
-            <a:avLst/>
-          </a:prstGeom>
-          <a:noFill/>
-          <a:ln w="9525">
-            <a:noFill/>
-            <a:miter lim="800000"/>
-            <a:headEnd/>
-            <a:tailEnd/>
-          </a:ln>
-        </p:spPr>
-      </p:pic>
+          <a:p>
+            <a:pPr algn="just"/>
+            <a:endParaRPr lang="es-ES" dirty="0" smtClean="0"/>
+          </a:p>
+        </p:txBody>
+      </p:sp>
     </p:spTree>
   </p:cSld>
   <p:clrMapOvr>
@@ -11316,81 +11062,21 @@
           <a:p>
             <a:r>
               <a:rPr lang="es-ES" dirty="0" smtClean="0"/>
-              <a:t>Echo </a:t>
-            </a:r>
-            <a:r>
-              <a:rPr lang="es-ES" dirty="0" err="1" smtClean="0"/>
-              <a:t>hiding</a:t>
-            </a:r>
-            <a:r>
-              <a:rPr lang="es-ES" dirty="0" smtClean="0"/>
-              <a:t>: Implementación(II)</a:t>
+              <a:t>Demostración práctica</a:t>
             </a:r>
             <a:endParaRPr lang="es-ES" dirty="0"/>
-          </a:p>
-        </p:txBody>
-      </p:sp>
-      <p:sp>
-        <p:nvSpPr>
-          <p:cNvPr id="3" name="2 Marcador de contenido"/>
-          <p:cNvSpPr>
-            <a:spLocks noGrp="1"/>
-          </p:cNvSpPr>
-          <p:nvPr>
-            <p:ph idx="1"/>
-          </p:nvPr>
-        </p:nvSpPr>
-        <p:spPr/>
-        <p:txBody>
-          <a:bodyPr/>
-          <a:lstStyle/>
-          <a:p>
-            <a:pPr algn="just"/>
-            <a:endParaRPr lang="es-ES" dirty="0" smtClean="0"/>
-          </a:p>
-          <a:p>
-            <a:pPr algn="just"/>
-            <a:r>
-              <a:rPr lang="es-ES" dirty="0" smtClean="0"/>
-              <a:t>Se combinan ambas usando dos señales de mezcla.</a:t>
-            </a:r>
-          </a:p>
-          <a:p>
-            <a:pPr lvl="1" algn="just"/>
-            <a:r>
-              <a:rPr lang="es-ES" dirty="0" smtClean="0"/>
-              <a:t>Señal de eco “uno”</a:t>
-            </a:r>
-          </a:p>
-          <a:p>
-            <a:pPr lvl="1" algn="just"/>
-            <a:endParaRPr lang="es-ES" dirty="0" smtClean="0"/>
-          </a:p>
-          <a:p>
-            <a:pPr algn="just"/>
-            <a:endParaRPr lang="es-ES" smtClean="0"/>
-          </a:p>
-          <a:p>
-            <a:pPr algn="just"/>
-            <a:endParaRPr lang="es-ES" dirty="0" smtClean="0"/>
-          </a:p>
-          <a:p>
-            <a:pPr algn="just"/>
-            <a:endParaRPr lang="es-ES" dirty="0" smtClean="0"/>
-          </a:p>
-          <a:p>
-            <a:pPr algn="just"/>
-            <a:endParaRPr lang="es-ES" dirty="0" smtClean="0"/>
           </a:p>
         </p:txBody>
       </p:sp>
       <p:pic>
         <p:nvPicPr>
-          <p:cNvPr id="7" name="Picture 3"/>
+          <p:cNvPr id="5122" name="Picture 2"/>
           <p:cNvPicPr>
-            <a:picLocks noChangeAspect="1" noChangeArrowheads="1"/>
+            <a:picLocks noGrp="1" noChangeAspect="1" noChangeArrowheads="1"/>
           </p:cNvPicPr>
-          <p:nvPr/>
+          <p:nvPr>
+            <p:ph idx="1"/>
+          </p:nvPr>
         </p:nvPicPr>
         <p:blipFill>
           <a:blip r:embed="rId2" cstate="print"/>
@@ -11401,8 +11087,8 @@
         </p:blipFill>
         <p:spPr bwMode="auto">
           <a:xfrm>
-            <a:off x="1619672" y="3429000"/>
-            <a:ext cx="5819775" cy="781050"/>
+            <a:off x="1547664" y="2276872"/>
+            <a:ext cx="5823256" cy="3888432"/>
           </a:xfrm>
           <a:prstGeom prst="rect">
             <a:avLst/>
@@ -11469,7 +11155,11 @@
             </a:r>
             <a:r>
               <a:rPr lang="es-ES" dirty="0" smtClean="0"/>
-              <a:t>: introducción</a:t>
+              <a:t>: </a:t>
+            </a:r>
+            <a:r>
+              <a:rPr lang="es-ES" dirty="0" smtClean="0"/>
+              <a:t>Fundamentos</a:t>
             </a:r>
             <a:endParaRPr lang="es-ES" dirty="0"/>
           </a:p>
@@ -11485,119 +11175,91 @@
             <p:ph idx="1"/>
           </p:nvPr>
         </p:nvSpPr>
-        <p:spPr>
-          <a:xfrm>
-            <a:off x="395536" y="2132856"/>
-            <a:ext cx="8229600" cy="4389120"/>
-          </a:xfrm>
-        </p:spPr>
-        <p:txBody>
-          <a:bodyPr/>
-          <a:lstStyle/>
-          <a:p>
-            <a:pPr algn="just"/>
-            <a:endParaRPr lang="es-ES" dirty="0" smtClean="0"/>
-          </a:p>
-          <a:p>
-            <a:pPr algn="just"/>
-            <a:r>
-              <a:rPr lang="es-ES" dirty="0" smtClean="0"/>
-              <a:t>Disciplina de ocultamiento de mensajes y objetos.</a:t>
-            </a:r>
-          </a:p>
-          <a:p>
-            <a:pPr algn="just">
+        <p:spPr/>
+        <p:txBody>
+          <a:bodyPr>
+            <a:normAutofit lnSpcReduction="10000"/>
+          </a:bodyPr>
+          <a:lstStyle/>
+          <a:p>
+            <a:endParaRPr lang="es-ES" dirty="0" smtClean="0"/>
+          </a:p>
+          <a:p>
+            <a:r>
+              <a:rPr lang="es-ES" dirty="0" smtClean="0"/>
+              <a:t>Explota las limitaciones de la percepción humana (visión, oído, etc.).</a:t>
+            </a:r>
+          </a:p>
+          <a:p>
+            <a:endParaRPr lang="es-ES" dirty="0" smtClean="0"/>
+          </a:p>
+          <a:p>
+            <a:r>
+              <a:rPr lang="es-ES" dirty="0" smtClean="0"/>
+              <a:t>Pequeños cambios en los objetos </a:t>
+            </a:r>
+            <a:r>
+              <a:rPr lang="es-ES" dirty="0" smtClean="0"/>
+              <a:t>portadores.</a:t>
+            </a:r>
+            <a:endParaRPr lang="es-ES" dirty="0" smtClean="0"/>
+          </a:p>
+          <a:p>
+            <a:pPr lvl="1"/>
+            <a:r>
+              <a:rPr lang="es-ES" dirty="0" smtClean="0"/>
+              <a:t> I</a:t>
+            </a:r>
+            <a:r>
+              <a:rPr lang="es-ES" dirty="0" smtClean="0"/>
+              <a:t>mperceptibles </a:t>
+            </a:r>
+            <a:r>
+              <a:rPr lang="es-ES" dirty="0" smtClean="0"/>
+              <a:t>para una persona.</a:t>
+            </a:r>
+          </a:p>
+          <a:p>
+            <a:pPr lvl="1">
               <a:buNone/>
             </a:pPr>
             <a:endParaRPr lang="es-ES" dirty="0" smtClean="0"/>
           </a:p>
           <a:p>
-            <a:pPr algn="just"/>
-            <a:r>
-              <a:rPr lang="es-ES" dirty="0" smtClean="0"/>
-              <a:t>Distinta a la </a:t>
-            </a:r>
+            <a:r>
+              <a:rPr lang="es-ES" dirty="0" smtClean="0"/>
+              <a:t>Técnica </a:t>
+            </a:r>
+            <a:r>
+              <a:rPr lang="es-ES" dirty="0" smtClean="0"/>
+              <a:t>invasiva</a:t>
+            </a:r>
+          </a:p>
+          <a:p>
+            <a:pPr lvl="1"/>
             <a:r>
               <a:rPr lang="es-ES" b="1" dirty="0" smtClean="0"/>
-              <a:t>criptografía</a:t>
-            </a:r>
-            <a:r>
-              <a:rPr lang="es-ES" dirty="0" smtClean="0"/>
-              <a:t>.</a:t>
-            </a:r>
-          </a:p>
-          <a:p>
-            <a:pPr algn="just"/>
-            <a:endParaRPr lang="es-ES" dirty="0" smtClean="0"/>
-          </a:p>
-          <a:p>
-            <a:pPr algn="just"/>
-            <a:r>
-              <a:rPr lang="es-ES" dirty="0" smtClean="0"/>
-              <a:t>Criptografía + </a:t>
-            </a:r>
-            <a:r>
-              <a:rPr lang="es-ES" dirty="0" err="1" smtClean="0"/>
-              <a:t>Esteganografía</a:t>
-            </a:r>
-            <a:endParaRPr lang="es-ES" dirty="0" smtClean="0"/>
-          </a:p>
-          <a:p>
-            <a:pPr algn="just">
-              <a:buNone/>
-            </a:pPr>
-            <a:r>
-              <a:rPr lang="es-ES" dirty="0" smtClean="0"/>
-              <a:t> 			</a:t>
-            </a:r>
-          </a:p>
-          <a:p>
-            <a:pPr lvl="1" algn="just"/>
-            <a:r>
-              <a:rPr lang="es-ES" dirty="0" smtClean="0"/>
-              <a:t>nivel de seguridad extra.</a:t>
-            </a:r>
+              <a:t> </a:t>
+            </a:r>
+            <a:r>
+              <a:rPr lang="es-ES" b="1" dirty="0" err="1" smtClean="0"/>
+              <a:t>E</a:t>
+            </a:r>
+            <a:r>
+              <a:rPr lang="es-ES" b="1" dirty="0" err="1" smtClean="0"/>
+              <a:t>steganálisis</a:t>
+            </a:r>
+            <a:r>
+              <a:rPr lang="es-ES" b="1" dirty="0" smtClean="0"/>
+              <a:t> </a:t>
+            </a:r>
+            <a:r>
+              <a:rPr lang="es-ES" dirty="0" smtClean="0"/>
+              <a:t>basado en detectar las huellas dejadas durante el ocultamiento.</a:t>
+            </a:r>
+          </a:p>
+          <a:p>
             <a:endParaRPr lang="es-ES" dirty="0"/>
-          </a:p>
-        </p:txBody>
-      </p:sp>
-      <p:sp>
-        <p:nvSpPr>
-          <p:cNvPr id="5" name="4 Flecha abajo"/>
-          <p:cNvSpPr/>
-          <p:nvPr/>
-        </p:nvSpPr>
-        <p:spPr>
-          <a:xfrm>
-            <a:off x="2555776" y="5085184"/>
-            <a:ext cx="288032" cy="432048"/>
-          </a:xfrm>
-          <a:prstGeom prst="downArrow">
-            <a:avLst/>
-          </a:prstGeom>
-        </p:spPr>
-        <p:style>
-          <a:lnRef idx="2">
-            <a:schemeClr val="accent1">
-              <a:shade val="50000"/>
-            </a:schemeClr>
-          </a:lnRef>
-          <a:fillRef idx="1">
-            <a:schemeClr val="accent1"/>
-          </a:fillRef>
-          <a:effectRef idx="0">
-            <a:schemeClr val="accent1"/>
-          </a:effectRef>
-          <a:fontRef idx="minor">
-            <a:schemeClr val="lt1"/>
-          </a:fontRef>
-        </p:style>
-        <p:txBody>
-          <a:bodyPr rtlCol="0" anchor="ctr"/>
-          <a:lstStyle/>
-          <a:p>
-            <a:pPr algn="ctr"/>
-            <a:endParaRPr lang="es-ES"/>
           </a:p>
         </p:txBody>
       </p:sp>
@@ -11654,7 +11316,11 @@
             </a:r>
             <a:r>
               <a:rPr lang="es-ES" dirty="0" smtClean="0"/>
-              <a:t>: historia</a:t>
+              <a:t>: </a:t>
+            </a:r>
+            <a:r>
+              <a:rPr lang="es-ES" dirty="0" smtClean="0"/>
+              <a:t>Ejemplo</a:t>
             </a:r>
             <a:endParaRPr lang="es-ES" dirty="0"/>
           </a:p>
@@ -11662,7 +11328,7 @@
       </p:sp>
       <p:sp>
         <p:nvSpPr>
-          <p:cNvPr id="3" name="2 Marcador de contenido"/>
+          <p:cNvPr id="5" name="4 Marcador de contenido"/>
           <p:cNvSpPr>
             <a:spLocks noGrp="1"/>
           </p:cNvSpPr>
@@ -11670,50 +11336,47 @@
             <p:ph idx="1"/>
           </p:nvPr>
         </p:nvSpPr>
-        <p:spPr>
+        <p:spPr/>
+        <p:txBody>
+          <a:bodyPr/>
+          <a:lstStyle/>
+          <a:p>
+            <a:endParaRPr lang="es-ES" dirty="0"/>
+          </a:p>
+        </p:txBody>
+      </p:sp>
+      <p:pic>
+        <p:nvPicPr>
+          <p:cNvPr id="4098" name="Picture 2"/>
+          <p:cNvPicPr>
+            <a:picLocks noChangeAspect="1" noChangeArrowheads="1"/>
+          </p:cNvPicPr>
+          <p:nvPr/>
+        </p:nvPicPr>
+        <p:blipFill>
+          <a:blip r:embed="rId2" cstate="print"/>
+          <a:srcRect/>
+          <a:stretch>
+            <a:fillRect/>
+          </a:stretch>
+        </p:blipFill>
+        <p:spPr bwMode="auto">
           <a:xfrm>
-            <a:off x="395536" y="2780928"/>
-            <a:ext cx="8229600" cy="3759696"/>
+            <a:off x="827584" y="2132856"/>
+            <a:ext cx="7048500" cy="3971925"/>
           </a:xfrm>
+          <a:prstGeom prst="rect">
+            <a:avLst/>
+          </a:prstGeom>
+          <a:noFill/>
+          <a:ln w="9525">
+            <a:noFill/>
+            <a:miter lim="800000"/>
+            <a:headEnd/>
+            <a:tailEnd/>
+          </a:ln>
         </p:spPr>
-        <p:txBody>
-          <a:bodyPr/>
-          <a:lstStyle/>
-          <a:p>
-            <a:r>
-              <a:rPr lang="es-ES" dirty="0" smtClean="0"/>
-              <a:t>Ha estado presente desde tiempos antiguos.</a:t>
-            </a:r>
-          </a:p>
-          <a:p>
-            <a:pPr>
-              <a:buNone/>
-            </a:pPr>
-            <a:endParaRPr lang="es-ES" dirty="0" smtClean="0"/>
-          </a:p>
-          <a:p>
-            <a:r>
-              <a:rPr lang="es-ES" dirty="0" smtClean="0"/>
-              <a:t>En la era digital ha resurgido como una tecnología útil en seguridad informática.</a:t>
-            </a:r>
-          </a:p>
-          <a:p>
-            <a:pPr>
-              <a:buNone/>
-            </a:pPr>
-            <a:endParaRPr lang="es-ES" dirty="0" smtClean="0"/>
-          </a:p>
-          <a:p>
-            <a:r>
-              <a:rPr lang="es-ES" dirty="0" smtClean="0"/>
-              <a:t>Se usa en documentos, imágenes, audio, vídeo, etc.</a:t>
-            </a:r>
-          </a:p>
-          <a:p>
-            <a:endParaRPr lang="es-ES" dirty="0" smtClean="0"/>
-          </a:p>
-        </p:txBody>
-      </p:sp>
+      </p:pic>
     </p:spTree>
   </p:cSld>
   <p:clrMapOvr>
@@ -11762,128 +11425,157 @@
           <a:lstStyle/>
           <a:p>
             <a:r>
+              <a:rPr lang="es-ES" dirty="0" smtClean="0"/>
+              <a:t>Índice</a:t>
+            </a:r>
+            <a:endParaRPr lang="es-ES" dirty="0"/>
+          </a:p>
+        </p:txBody>
+      </p:sp>
+      <p:sp>
+        <p:nvSpPr>
+          <p:cNvPr id="3" name="2 Marcador de contenido"/>
+          <p:cNvSpPr>
+            <a:spLocks noGrp="1"/>
+          </p:cNvSpPr>
+          <p:nvPr>
+            <p:ph idx="1"/>
+          </p:nvPr>
+        </p:nvSpPr>
+        <p:spPr/>
+        <p:txBody>
+          <a:bodyPr/>
+          <a:lstStyle/>
+          <a:p>
+            <a:r>
+              <a:rPr lang="es-ES" dirty="0" smtClean="0"/>
+              <a:t>Introducción</a:t>
+            </a:r>
+          </a:p>
+          <a:p>
+            <a:pPr lvl="1"/>
+            <a:r>
               <a:rPr lang="es-ES" dirty="0" err="1" smtClean="0"/>
               <a:t>Esteganografía</a:t>
             </a:r>
-            <a:r>
-              <a:rPr lang="es-ES" dirty="0" smtClean="0"/>
-              <a:t>: fundamentos</a:t>
-            </a:r>
-            <a:endParaRPr lang="es-ES" dirty="0"/>
-          </a:p>
-        </p:txBody>
-      </p:sp>
-      <p:sp>
-        <p:nvSpPr>
-          <p:cNvPr id="3" name="2 Marcador de contenido"/>
-          <p:cNvSpPr>
-            <a:spLocks noGrp="1"/>
-          </p:cNvSpPr>
-          <p:nvPr>
-            <p:ph idx="1"/>
-          </p:nvPr>
-        </p:nvSpPr>
-        <p:spPr/>
-        <p:txBody>
-          <a:bodyPr>
-            <a:normAutofit/>
-          </a:bodyPr>
-          <a:lstStyle/>
-          <a:p>
-            <a:endParaRPr lang="es-ES" dirty="0" smtClean="0"/>
-          </a:p>
-          <a:p>
-            <a:r>
-              <a:rPr lang="es-ES" dirty="0" smtClean="0"/>
-              <a:t>Explota las limitaciones de la percepción humana (visión, oído, etc.).</a:t>
-            </a:r>
-          </a:p>
-          <a:p>
-            <a:endParaRPr lang="es-ES" dirty="0" smtClean="0"/>
-          </a:p>
-          <a:p>
-            <a:r>
-              <a:rPr lang="es-ES" dirty="0" smtClean="0"/>
-              <a:t>Pequeños cambios en los objetos portadores</a:t>
-            </a:r>
+            <a:endParaRPr lang="es-ES" dirty="0" smtClean="0"/>
           </a:p>
           <a:p>
             <a:pPr lvl="1"/>
             <a:r>
               <a:rPr lang="es-ES" dirty="0" smtClean="0"/>
-              <a:t>imperceptibles para una persona.</a:t>
+              <a:t>Audio digital</a:t>
             </a:r>
           </a:p>
           <a:p>
             <a:pPr lvl="1">
               <a:buNone/>
             </a:pPr>
-            <a:endParaRPr lang="es-ES" dirty="0" smtClean="0"/>
-          </a:p>
-          <a:p>
-            <a:r>
-              <a:rPr lang="es-ES" dirty="0" smtClean="0"/>
-              <a:t>Técnica invasiva		</a:t>
-            </a:r>
-            <a:r>
-              <a:rPr lang="es-ES" b="1" dirty="0" smtClean="0"/>
-              <a:t> </a:t>
-            </a:r>
-            <a:r>
-              <a:rPr lang="es-ES" b="1" dirty="0" err="1" smtClean="0"/>
-              <a:t>esteganálisis</a:t>
-            </a:r>
-            <a:r>
-              <a:rPr lang="es-ES" b="1" dirty="0" smtClean="0"/>
-              <a:t> </a:t>
-            </a:r>
-            <a:r>
-              <a:rPr lang="es-ES" dirty="0" smtClean="0"/>
-              <a:t>basado en detectar las huellas dejadas durante el ocultamiento.</a:t>
-            </a:r>
-          </a:p>
-          <a:p>
-            <a:endParaRPr lang="es-ES" dirty="0"/>
-          </a:p>
-        </p:txBody>
-      </p:sp>
-      <p:sp>
-        <p:nvSpPr>
-          <p:cNvPr id="4" name="3 Flecha derecha"/>
-          <p:cNvSpPr/>
-          <p:nvPr/>
-        </p:nvSpPr>
-        <p:spPr>
-          <a:xfrm>
-            <a:off x="3419872" y="5229200"/>
-            <a:ext cx="504056" cy="288032"/>
-          </a:xfrm>
-          <a:prstGeom prst="rightArrow">
-            <a:avLst/>
-          </a:prstGeom>
-        </p:spPr>
-        <p:style>
-          <a:lnRef idx="2">
-            <a:schemeClr val="accent1">
-              <a:shade val="50000"/>
-            </a:schemeClr>
-          </a:lnRef>
-          <a:fillRef idx="1">
-            <a:schemeClr val="accent1"/>
-          </a:fillRef>
-          <a:effectRef idx="0">
-            <a:schemeClr val="accent1"/>
-          </a:effectRef>
-          <a:fontRef idx="minor">
-            <a:schemeClr val="lt1"/>
-          </a:fontRef>
-        </p:style>
-        <p:txBody>
-          <a:bodyPr rtlCol="0" anchor="ctr"/>
-          <a:lstStyle/>
-          <a:p>
-            <a:pPr algn="ctr"/>
-            <a:endParaRPr lang="es-ES"/>
+            <a:r>
+              <a:rPr lang="es-ES" dirty="0" smtClean="0">
+                <a:solidFill>
+                  <a:schemeClr val="bg1">
+                    <a:lumMod val="85000"/>
+                  </a:schemeClr>
+                </a:solidFill>
+              </a:rPr>
+              <a:t>	Formato WAV</a:t>
+            </a:r>
+          </a:p>
+          <a:p>
+            <a:pPr>
+              <a:buNone/>
+            </a:pPr>
+            <a:r>
+              <a:rPr lang="es-ES" dirty="0" smtClean="0">
+                <a:solidFill>
+                  <a:schemeClr val="bg1">
+                    <a:lumMod val="85000"/>
+                  </a:schemeClr>
+                </a:solidFill>
+              </a:rPr>
+              <a:t>	</a:t>
+            </a:r>
+            <a:r>
+              <a:rPr lang="es-ES" dirty="0" err="1" smtClean="0">
+                <a:solidFill>
+                  <a:schemeClr val="bg1">
+                    <a:lumMod val="85000"/>
+                  </a:schemeClr>
+                </a:solidFill>
+              </a:rPr>
+              <a:t>Esteganografía</a:t>
+            </a:r>
+            <a:r>
+              <a:rPr lang="es-ES" dirty="0" smtClean="0">
+                <a:solidFill>
+                  <a:schemeClr val="bg1">
+                    <a:lumMod val="85000"/>
+                  </a:schemeClr>
+                </a:solidFill>
+              </a:rPr>
+              <a:t> de audio</a:t>
+            </a:r>
+          </a:p>
+          <a:p>
+            <a:pPr lvl="1">
+              <a:buNone/>
+            </a:pPr>
+            <a:r>
+              <a:rPr lang="es-ES" dirty="0" smtClean="0">
+                <a:solidFill>
+                  <a:schemeClr val="bg1">
+                    <a:lumMod val="85000"/>
+                  </a:schemeClr>
+                </a:solidFill>
+              </a:rPr>
+              <a:t>	Motivación</a:t>
+            </a:r>
+          </a:p>
+          <a:p>
+            <a:pPr lvl="1">
+              <a:buNone/>
+            </a:pPr>
+            <a:r>
+              <a:rPr lang="es-ES" dirty="0" smtClean="0">
+                <a:solidFill>
+                  <a:schemeClr val="bg1">
+                    <a:lumMod val="85000"/>
+                  </a:schemeClr>
+                </a:solidFill>
+              </a:rPr>
+              <a:t>	Problemas</a:t>
+            </a:r>
+          </a:p>
+          <a:p>
+            <a:pPr lvl="1">
+              <a:buNone/>
+            </a:pPr>
+            <a:r>
+              <a:rPr lang="es-ES" dirty="0" smtClean="0">
+                <a:solidFill>
+                  <a:schemeClr val="bg1">
+                    <a:lumMod val="85000"/>
+                  </a:schemeClr>
+                </a:solidFill>
+              </a:rPr>
+              <a:t>	Objetivos</a:t>
+            </a:r>
+          </a:p>
+          <a:p>
+            <a:pPr lvl="1">
+              <a:buNone/>
+            </a:pPr>
+            <a:r>
+              <a:rPr lang="es-ES" dirty="0" smtClean="0">
+                <a:solidFill>
+                  <a:schemeClr val="bg1">
+                    <a:lumMod val="85000"/>
+                  </a:schemeClr>
+                </a:solidFill>
+              </a:rPr>
+              <a:t>	Métodos</a:t>
+            </a:r>
           </a:p>
         </p:txBody>
       </p:sp>
@@ -11935,12 +11627,8 @@
           <a:lstStyle/>
           <a:p>
             <a:r>
-              <a:rPr lang="es-ES" dirty="0" err="1" smtClean="0"/>
-              <a:t>Esteganografía</a:t>
-            </a:r>
-            <a:r>
-              <a:rPr lang="es-ES" dirty="0" smtClean="0"/>
-              <a:t>: ejemplo</a:t>
+              <a:rPr lang="es-ES" dirty="0" smtClean="0"/>
+              <a:t>Audio digital</a:t>
             </a:r>
             <a:endParaRPr lang="es-ES" dirty="0"/>
           </a:p>
@@ -11948,7 +11636,7 @@
       </p:sp>
       <p:sp>
         <p:nvSpPr>
-          <p:cNvPr id="5" name="4 Marcador de contenido"/>
+          <p:cNvPr id="3" name="2 Marcador de contenido"/>
           <p:cNvSpPr>
             <a:spLocks noGrp="1"/>
           </p:cNvSpPr>
@@ -11956,47 +11644,84 @@
             <p:ph idx="1"/>
           </p:nvPr>
         </p:nvSpPr>
-        <p:spPr/>
-        <p:txBody>
-          <a:bodyPr/>
-          <a:lstStyle/>
-          <a:p>
+        <p:spPr>
+          <a:xfrm>
+            <a:off x="457200" y="2492896"/>
+            <a:ext cx="8229600" cy="3831704"/>
+          </a:xfrm>
+        </p:spPr>
+        <p:txBody>
+          <a:bodyPr/>
+          <a:lstStyle/>
+          <a:p>
+            <a:r>
+              <a:rPr lang="es-ES" dirty="0" smtClean="0"/>
+              <a:t>Señal </a:t>
+            </a:r>
+            <a:r>
+              <a:rPr lang="es-ES" dirty="0" smtClean="0"/>
+              <a:t>discreta.</a:t>
+            </a:r>
+            <a:endParaRPr lang="es-ES" dirty="0" smtClean="0"/>
+          </a:p>
+          <a:p>
+            <a:pPr>
+              <a:buNone/>
+            </a:pPr>
+            <a:endParaRPr lang="es-ES" dirty="0" smtClean="0"/>
+          </a:p>
+          <a:p>
+            <a:r>
+              <a:rPr lang="es-ES" dirty="0" smtClean="0"/>
+              <a:t>Se genera a partir de una señal </a:t>
+            </a:r>
+            <a:r>
+              <a:rPr lang="es-ES" dirty="0" smtClean="0"/>
+              <a:t>continua.</a:t>
+            </a:r>
+          </a:p>
+          <a:p>
+            <a:pPr lvl="1"/>
+            <a:r>
+              <a:rPr lang="es-ES" b="1" dirty="0" smtClean="0"/>
+              <a:t>M</a:t>
+            </a:r>
+            <a:r>
+              <a:rPr lang="es-ES" b="1" dirty="0" smtClean="0"/>
+              <a:t>uestreo</a:t>
+            </a:r>
+            <a:r>
+              <a:rPr lang="es-ES" dirty="0" smtClean="0"/>
+              <a:t> </a:t>
+            </a:r>
+            <a:r>
+              <a:rPr lang="es-ES" dirty="0" smtClean="0"/>
+              <a:t>y </a:t>
+            </a:r>
+            <a:r>
+              <a:rPr lang="es-ES" b="1" dirty="0" err="1" smtClean="0"/>
+              <a:t>cuantización</a:t>
+            </a:r>
+            <a:r>
+              <a:rPr lang="es-ES" dirty="0" smtClean="0"/>
+              <a:t>.</a:t>
+            </a:r>
+          </a:p>
+          <a:p>
+            <a:pPr>
+              <a:buNone/>
+            </a:pPr>
+            <a:endParaRPr lang="es-ES" dirty="0" smtClean="0"/>
+          </a:p>
+          <a:p>
+            <a:r>
+              <a:rPr lang="es-ES" dirty="0" smtClean="0"/>
+              <a:t>Se almacena en el ordenador como una secuencia de ceros y unos.</a:t>
+            </a:r>
             <a:endParaRPr lang="es-ES" dirty="0"/>
           </a:p>
         </p:txBody>
       </p:sp>
-      <p:pic>
-        <p:nvPicPr>
-          <p:cNvPr id="4098" name="Picture 2"/>
-          <p:cNvPicPr>
-            <a:picLocks noChangeAspect="1" noChangeArrowheads="1"/>
-          </p:cNvPicPr>
-          <p:nvPr/>
-        </p:nvPicPr>
-        <p:blipFill>
-          <a:blip r:embed="rId2" cstate="print"/>
-          <a:srcRect/>
-          <a:stretch>
-            <a:fillRect/>
-          </a:stretch>
-        </p:blipFill>
-        <p:spPr bwMode="auto">
-          <a:xfrm>
-            <a:off x="827584" y="2132856"/>
-            <a:ext cx="7048500" cy="3971925"/>
-          </a:xfrm>
-          <a:prstGeom prst="rect">
-            <a:avLst/>
-          </a:prstGeom>
-          <a:noFill/>
-          <a:ln w="9525">
-            <a:noFill/>
-            <a:miter lim="800000"/>
-            <a:headEnd/>
-            <a:tailEnd/>
-          </a:ln>
-        </p:spPr>
-      </p:pic>
     </p:spTree>
   </p:cSld>
   <p:clrMapOvr>

--- a/trunk/doc/Ocultar datos en archivos de sonido.pptx
+++ b/trunk/doc/Ocultar datos en archivos de sonido.pptx
@@ -56,7 +56,8 @@
     <p:sldId id="315" r:id="rId50"/>
     <p:sldId id="313" r:id="rId51"/>
     <p:sldId id="316" r:id="rId52"/>
-    <p:sldId id="317" r:id="rId53"/>
+    <p:sldId id="324" r:id="rId53"/>
+    <p:sldId id="317" r:id="rId54"/>
   </p:sldIdLst>
   <p:sldSz cx="9144000" cy="6858000" type="screen4x3"/>
   <p:notesSz cx="6858000" cy="9144000"/>
@@ -332,7 +333,7 @@
             <a:fld id="{393EE8DB-8270-4DF4-BD44-EDA9C8D0E857}" type="datetimeFigureOut">
               <a:rPr lang="es-ES" smtClean="0"/>
               <a:pPr/>
-              <a:t>26/05/2011</a:t>
+              <a:t>02/06/2011</a:t>
             </a:fld>
             <a:endParaRPr lang="es-ES"/>
           </a:p>
@@ -499,7 +500,7 @@
             <a:fld id="{393EE8DB-8270-4DF4-BD44-EDA9C8D0E857}" type="datetimeFigureOut">
               <a:rPr lang="es-ES" smtClean="0"/>
               <a:pPr/>
-              <a:t>26/05/2011</a:t>
+              <a:t>02/06/2011</a:t>
             </a:fld>
             <a:endParaRPr lang="es-ES"/>
           </a:p>
@@ -676,7 +677,7 @@
             <a:fld id="{393EE8DB-8270-4DF4-BD44-EDA9C8D0E857}" type="datetimeFigureOut">
               <a:rPr lang="es-ES" smtClean="0"/>
               <a:pPr/>
-              <a:t>26/05/2011</a:t>
+              <a:t>02/06/2011</a:t>
             </a:fld>
             <a:endParaRPr lang="es-ES"/>
           </a:p>
@@ -843,7 +844,7 @@
             <a:fld id="{393EE8DB-8270-4DF4-BD44-EDA9C8D0E857}" type="datetimeFigureOut">
               <a:rPr lang="es-ES" smtClean="0"/>
               <a:pPr/>
-              <a:t>26/05/2011</a:t>
+              <a:t>02/06/2011</a:t>
             </a:fld>
             <a:endParaRPr lang="es-ES"/>
           </a:p>
@@ -1087,7 +1088,7 @@
             <a:fld id="{393EE8DB-8270-4DF4-BD44-EDA9C8D0E857}" type="datetimeFigureOut">
               <a:rPr lang="es-ES" smtClean="0"/>
               <a:pPr/>
-              <a:t>26/05/2011</a:t>
+              <a:t>02/06/2011</a:t>
             </a:fld>
             <a:endParaRPr lang="es-ES"/>
           </a:p>
@@ -1353,7 +1354,7 @@
             <a:fld id="{393EE8DB-8270-4DF4-BD44-EDA9C8D0E857}" type="datetimeFigureOut">
               <a:rPr lang="es-ES" smtClean="0"/>
               <a:pPr/>
-              <a:t>26/05/2011</a:t>
+              <a:t>02/06/2011</a:t>
             </a:fld>
             <a:endParaRPr lang="es-ES"/>
           </a:p>
@@ -1733,7 +1734,7 @@
             <a:fld id="{393EE8DB-8270-4DF4-BD44-EDA9C8D0E857}" type="datetimeFigureOut">
               <a:rPr lang="es-ES" smtClean="0"/>
               <a:pPr/>
-              <a:t>26/05/2011</a:t>
+              <a:t>02/06/2011</a:t>
             </a:fld>
             <a:endParaRPr lang="es-ES"/>
           </a:p>
@@ -1885,7 +1886,7 @@
             <a:fld id="{393EE8DB-8270-4DF4-BD44-EDA9C8D0E857}" type="datetimeFigureOut">
               <a:rPr lang="es-ES" smtClean="0"/>
               <a:pPr/>
-              <a:t>26/05/2011</a:t>
+              <a:t>02/06/2011</a:t>
             </a:fld>
             <a:endParaRPr lang="es-ES"/>
           </a:p>
@@ -1977,7 +1978,7 @@
             <a:fld id="{393EE8DB-8270-4DF4-BD44-EDA9C8D0E857}" type="datetimeFigureOut">
               <a:rPr lang="es-ES" smtClean="0"/>
               <a:pPr/>
-              <a:t>26/05/2011</a:t>
+              <a:t>02/06/2011</a:t>
             </a:fld>
             <a:endParaRPr lang="es-ES"/>
           </a:p>
@@ -2240,7 +2241,7 @@
             <a:fld id="{393EE8DB-8270-4DF4-BD44-EDA9C8D0E857}" type="datetimeFigureOut">
               <a:rPr lang="es-ES" smtClean="0"/>
               <a:pPr/>
-              <a:t>26/05/2011</a:t>
+              <a:t>02/06/2011</a:t>
             </a:fld>
             <a:endParaRPr lang="es-ES"/>
           </a:p>
@@ -2530,7 +2531,7 @@
             <a:fld id="{393EE8DB-8270-4DF4-BD44-EDA9C8D0E857}" type="datetimeFigureOut">
               <a:rPr lang="es-ES" smtClean="0"/>
               <a:pPr/>
-              <a:t>26/05/2011</a:t>
+              <a:t>02/06/2011</a:t>
             </a:fld>
             <a:endParaRPr lang="es-ES"/>
           </a:p>
@@ -3303,7 +3304,7 @@
             <a:fld id="{393EE8DB-8270-4DF4-BD44-EDA9C8D0E857}" type="datetimeFigureOut">
               <a:rPr lang="es-ES" smtClean="0"/>
               <a:pPr/>
-              <a:t>26/05/2011</a:t>
+              <a:t>02/06/2011</a:t>
             </a:fld>
             <a:endParaRPr lang="es-ES"/>
           </a:p>
@@ -4065,26 +4066,14 @@
           <a:p>
             <a:r>
               <a:rPr lang="es-ES" dirty="0" smtClean="0"/>
-              <a:t>Es </a:t>
-            </a:r>
-            <a:r>
-              <a:rPr lang="es-ES" dirty="0" smtClean="0"/>
-              <a:t>posible alterar individualmente los bits que componen el archivo de audio </a:t>
-            </a:r>
-            <a:r>
-              <a:rPr lang="es-ES" dirty="0" smtClean="0"/>
-              <a:t>digital.</a:t>
+              <a:t>Es posible alterar individualmente los bits que componen el archivo de audio digital.</a:t>
             </a:r>
           </a:p>
           <a:p>
             <a:pPr lvl="1"/>
             <a:r>
               <a:rPr lang="es-ES" dirty="0" smtClean="0"/>
-              <a:t>Cambios </a:t>
-            </a:r>
-            <a:r>
-              <a:rPr lang="es-ES" dirty="0" smtClean="0"/>
-              <a:t>no perceptibles por el oído humano.</a:t>
+              <a:t>Cambios no perceptibles por el oído humano.</a:t>
             </a:r>
           </a:p>
           <a:p>
@@ -4787,13 +4776,8 @@
             <a:pPr lvl="1"/>
             <a:r>
               <a:rPr lang="es-ES" dirty="0" smtClean="0"/>
-              <a:t>Todo el mundo puede copiar y distribuir archivos</a:t>
-            </a:r>
-            <a:r>
-              <a:rPr lang="es-ES" dirty="0" smtClean="0"/>
-              <a:t>.</a:t>
-            </a:r>
-            <a:endParaRPr lang="es-ES" dirty="0" smtClean="0"/>
+              <a:t>Todo el mundo puede copiar y distribuir archivos.</a:t>
+            </a:r>
           </a:p>
           <a:p>
             <a:pPr lvl="1"/>
@@ -4806,11 +4790,7 @@
             <a:pPr lvl="1"/>
             <a:r>
               <a:rPr lang="es-ES" dirty="0" smtClean="0"/>
-              <a:t>Métodos tradicionales no suficientes</a:t>
-            </a:r>
-            <a:r>
-              <a:rPr lang="es-ES" dirty="0" smtClean="0"/>
-              <a:t>.</a:t>
+              <a:t>Métodos tradicionales no suficientes.</a:t>
             </a:r>
           </a:p>
           <a:p>
@@ -5076,13 +5056,8 @@
             </a:r>
             <a:r>
               <a:rPr lang="es-ES" dirty="0" smtClean="0"/>
-              <a:t> de </a:t>
-            </a:r>
-            <a:r>
-              <a:rPr lang="es-ES" dirty="0" smtClean="0"/>
-              <a:t>imágenes. </a:t>
-            </a:r>
-            <a:endParaRPr lang="es-ES" dirty="0" smtClean="0"/>
+              <a:t> de imágenes. </a:t>
+            </a:r>
           </a:p>
           <a:p>
             <a:pPr lvl="1"/>
@@ -5648,11 +5623,7 @@
           <a:p>
             <a:r>
               <a:rPr lang="es-ES" sz="2800" dirty="0" smtClean="0"/>
-              <a:t>Son requisitos </a:t>
-            </a:r>
-            <a:r>
-              <a:rPr lang="es-ES" sz="2800" dirty="0" smtClean="0"/>
-              <a:t>contradictorios.</a:t>
+              <a:t>Son requisitos contradictorios.</a:t>
             </a:r>
             <a:endParaRPr lang="es-ES" sz="2800" dirty="0"/>
           </a:p>
@@ -6337,11 +6308,7 @@
           <a:p>
             <a:r>
               <a:rPr lang="es-ES" dirty="0" smtClean="0"/>
-              <a:t>Sencillo</a:t>
-            </a:r>
-            <a:r>
-              <a:rPr lang="es-ES" dirty="0" smtClean="0"/>
-              <a:t>.</a:t>
+              <a:t>Sencillo.</a:t>
             </a:r>
           </a:p>
           <a:p>
@@ -6360,7 +6327,6 @@
               <a:rPr lang="es-ES" dirty="0" smtClean="0"/>
               <a:t>.</a:t>
             </a:r>
-            <a:endParaRPr lang="es-ES" dirty="0" smtClean="0"/>
           </a:p>
           <a:p>
             <a:endParaRPr lang="es-ES" dirty="0" smtClean="0"/>
@@ -6460,13 +6426,8 @@
           <a:p>
             <a:r>
               <a:rPr lang="es-ES" dirty="0" smtClean="0"/>
-              <a:t>Sustituciones de dos o más </a:t>
-            </a:r>
-            <a:r>
-              <a:rPr lang="es-ES" dirty="0" smtClean="0"/>
-              <a:t>bits.</a:t>
-            </a:r>
-            <a:endParaRPr lang="es-ES" dirty="0" smtClean="0"/>
+              <a:t>Sustituciones de dos o más bits.</a:t>
+            </a:r>
           </a:p>
           <a:p>
             <a:pPr lvl="1">
@@ -6474,13 +6435,8 @@
             </a:pPr>
             <a:r>
               <a:rPr lang="es-ES" dirty="0" smtClean="0"/>
-              <a:t>            Cantidad de </a:t>
-            </a:r>
-            <a:r>
-              <a:rPr lang="es-ES" dirty="0" smtClean="0"/>
-              <a:t>información.</a:t>
-            </a:r>
-            <a:endParaRPr lang="es-ES" dirty="0" smtClean="0"/>
+              <a:t>            Cantidad de información.</a:t>
+            </a:r>
           </a:p>
           <a:p>
             <a:pPr lvl="1">
@@ -6488,13 +6444,8 @@
             </a:pPr>
             <a:r>
               <a:rPr lang="es-ES" dirty="0" smtClean="0"/>
-              <a:t>		     </a:t>
-            </a:r>
-            <a:r>
-              <a:rPr lang="es-ES" dirty="0" smtClean="0"/>
-              <a:t>Ruido.</a:t>
-            </a:r>
-            <a:endParaRPr lang="es-ES" dirty="0" smtClean="0"/>
+              <a:t>		     Ruido.</a:t>
+            </a:r>
           </a:p>
           <a:p>
             <a:pPr lvl="1">
@@ -6701,11 +6652,7 @@
           <a:p>
             <a:r>
               <a:rPr lang="es-ES" dirty="0" smtClean="0"/>
-              <a:t>Emisor </a:t>
-            </a:r>
-            <a:r>
-              <a:rPr lang="es-ES" dirty="0" smtClean="0"/>
-              <a:t>y receptor deben acordar el subconjunto de </a:t>
+              <a:t>Emisor y receptor deben acordar el subconjunto de </a:t>
             </a:r>
             <a:r>
               <a:rPr lang="es-ES" dirty="0" err="1" smtClean="0"/>
@@ -6713,26 +6660,14 @@
             </a:r>
             <a:r>
               <a:rPr lang="es-ES" dirty="0" smtClean="0"/>
-              <a:t> que contendrán </a:t>
-            </a:r>
-            <a:r>
-              <a:rPr lang="es-ES" dirty="0" smtClean="0"/>
-              <a:t>información.</a:t>
+              <a:t> que contendrán información.</a:t>
             </a:r>
           </a:p>
           <a:p>
             <a:pPr lvl="1"/>
             <a:r>
               <a:rPr lang="es-ES" dirty="0" smtClean="0"/>
-              <a:t>Solución trivial: </a:t>
-            </a:r>
-            <a:r>
-              <a:rPr lang="es-ES" dirty="0" smtClean="0"/>
-              <a:t>los </a:t>
-            </a:r>
-            <a:r>
-              <a:rPr lang="es-ES" dirty="0" smtClean="0"/>
-              <a:t>primeros </a:t>
+              <a:t>Solución trivial: los primeros </a:t>
             </a:r>
             <a:r>
               <a:rPr lang="es-ES" dirty="0" err="1" smtClean="0"/>
@@ -6757,34 +6692,21 @@
               <a:rPr lang="es-ES" dirty="0" smtClean="0"/>
               <a:t>.</a:t>
             </a:r>
+          </a:p>
+          <a:p>
             <a:endParaRPr lang="es-ES" dirty="0" smtClean="0"/>
           </a:p>
           <a:p>
-            <a:endParaRPr lang="es-ES" dirty="0" smtClean="0"/>
-          </a:p>
-          <a:p>
-            <a:r>
-              <a:rPr lang="es-ES" dirty="0" smtClean="0"/>
-              <a:t>Extraer </a:t>
-            </a:r>
-            <a:r>
-              <a:rPr lang="es-ES" dirty="0" smtClean="0"/>
-              <a:t>mensaje </a:t>
-            </a:r>
-            <a:r>
-              <a:rPr lang="es-ES" dirty="0" smtClean="0"/>
-              <a:t>secreto.</a:t>
+            <a:r>
+              <a:rPr lang="es-ES" dirty="0" smtClean="0"/>
+              <a:t>Extraer mensaje secreto.</a:t>
             </a:r>
           </a:p>
           <a:p>
             <a:pPr lvl="1"/>
             <a:r>
               <a:rPr lang="es-ES" dirty="0" smtClean="0"/>
-              <a:t>Secuencia </a:t>
-            </a:r>
-            <a:r>
-              <a:rPr lang="es-ES" dirty="0" smtClean="0"/>
-              <a:t>de </a:t>
+              <a:t>Secuencia de </a:t>
             </a:r>
             <a:r>
               <a:rPr lang="es-ES" dirty="0" err="1" smtClean="0"/>
@@ -6792,11 +6714,7 @@
             </a:r>
             <a:r>
               <a:rPr lang="es-ES" dirty="0" smtClean="0"/>
-              <a:t> </a:t>
-            </a:r>
-            <a:r>
-              <a:rPr lang="es-ES" dirty="0" smtClean="0"/>
-              <a:t>utilizada.</a:t>
+              <a:t> utilizada.</a:t>
             </a:r>
           </a:p>
           <a:p>
@@ -6813,7 +6731,6 @@
               <a:rPr lang="es-ES" dirty="0" smtClean="0"/>
               <a:t>.</a:t>
             </a:r>
-            <a:endParaRPr lang="es-ES" dirty="0" smtClean="0"/>
           </a:p>
         </p:txBody>
       </p:sp>
@@ -7575,13 +7492,8 @@
             <a:pPr lvl="1"/>
             <a:r>
               <a:rPr lang="es-ES" dirty="0" smtClean="0"/>
-              <a:t>Bit paridad: XOR de todos los bits de la </a:t>
-            </a:r>
-            <a:r>
-              <a:rPr lang="es-ES" dirty="0" smtClean="0"/>
-              <a:t>región.</a:t>
-            </a:r>
-            <a:endParaRPr lang="es-ES" dirty="0" smtClean="0"/>
+              <a:t>Bit paridad: XOR de todos los bits de la región.</a:t>
+            </a:r>
           </a:p>
           <a:p>
             <a:endParaRPr lang="es-ES" dirty="0" smtClean="0"/>
@@ -7786,22 +7698,14 @@
           <a:p>
             <a:r>
               <a:rPr lang="es-ES" dirty="0" smtClean="0"/>
-              <a:t>Extraer mensaje </a:t>
-            </a:r>
-            <a:r>
-              <a:rPr lang="es-ES" dirty="0" smtClean="0"/>
-              <a:t>secreto. </a:t>
+              <a:t>Extraer mensaje secreto. </a:t>
             </a:r>
           </a:p>
           <a:p>
             <a:pPr lvl="1"/>
             <a:r>
               <a:rPr lang="es-ES" dirty="0" smtClean="0"/>
-              <a:t>Tamaño </a:t>
-            </a:r>
-            <a:r>
-              <a:rPr lang="es-ES" dirty="0" smtClean="0"/>
-              <a:t>de las regiones y orden en el que fueron utilizadas en la inserción.</a:t>
+              <a:t>Tamaño de las regiones y orden en el que fueron utilizadas en la inserción.</a:t>
             </a:r>
           </a:p>
           <a:p>
@@ -7820,11 +7724,7 @@
             <a:pPr lvl="1"/>
             <a:r>
               <a:rPr lang="es-ES" dirty="0" smtClean="0"/>
-              <a:t>Concatenación de los bits de </a:t>
-            </a:r>
-            <a:r>
-              <a:rPr lang="es-ES" dirty="0" smtClean="0"/>
-              <a:t>paridad.  </a:t>
+              <a:t>Concatenación de los bits de paridad.  </a:t>
             </a:r>
           </a:p>
           <a:p>
@@ -7841,7 +7741,6 @@
               <a:rPr lang="es-ES" dirty="0" smtClean="0"/>
               <a:t> modificados.</a:t>
             </a:r>
-            <a:endParaRPr lang="es-ES" dirty="0" smtClean="0"/>
           </a:p>
           <a:p>
             <a:pPr lvl="1"/>
@@ -8217,19 +8116,7 @@
           <a:p>
             <a:r>
               <a:rPr lang="es-ES" dirty="0" smtClean="0"/>
-              <a:t>Idea: Componentes </a:t>
-            </a:r>
-            <a:r>
-              <a:rPr lang="es-ES" dirty="0" smtClean="0"/>
-              <a:t>de</a:t>
-            </a:r>
-            <a:r>
-              <a:rPr lang="es-ES" dirty="0" smtClean="0"/>
-              <a:t> </a:t>
-            </a:r>
-            <a:r>
-              <a:rPr lang="es-ES" dirty="0" smtClean="0"/>
-              <a:t>fase del sonido menos perceptibles al oído humano que el ruido.</a:t>
+              <a:t>Idea: Componentes de fase del sonido menos perceptibles al oído humano que el ruido.</a:t>
             </a:r>
           </a:p>
           <a:p>
@@ -8238,19 +8125,7 @@
           <a:p>
             <a:r>
               <a:rPr lang="es-ES" dirty="0" smtClean="0"/>
-              <a:t>Codifica bits del mensaje como desplazamientos </a:t>
-            </a:r>
-            <a:r>
-              <a:rPr lang="es-ES" dirty="0" smtClean="0"/>
-              <a:t>de</a:t>
-            </a:r>
-            <a:r>
-              <a:rPr lang="es-ES" dirty="0" smtClean="0"/>
-              <a:t> </a:t>
-            </a:r>
-            <a:r>
-              <a:rPr lang="es-ES" dirty="0" smtClean="0"/>
-              <a:t>fase en el espectro de fases de la señal digital.</a:t>
+              <a:t>Codifica bits del mensaje como desplazamientos de fase en el espectro de fases de la señal digital.</a:t>
             </a:r>
             <a:endParaRPr lang="es-ES" dirty="0"/>
           </a:p>
@@ -8468,15 +8343,7 @@
             </a:pPr>
             <a:r>
               <a:rPr lang="es-ES" dirty="0" smtClean="0"/>
-              <a:t>El nuevo vector de fases del primer segmento </a:t>
-            </a:r>
-            <a:r>
-              <a:rPr lang="es-ES" dirty="0" smtClean="0"/>
-              <a:t>será</a:t>
-            </a:r>
-            <a:r>
-              <a:rPr lang="es-ES" dirty="0" smtClean="0"/>
-              <a:t>:</a:t>
+              <a:t>El nuevo vector de fases del primer segmento será:</a:t>
             </a:r>
           </a:p>
           <a:p>
@@ -8647,11 +8514,7 @@
             </a:pPr>
             <a:r>
               <a:rPr lang="es-ES" dirty="0" smtClean="0"/>
-              <a:t>Nueva </a:t>
-            </a:r>
-            <a:r>
-              <a:rPr lang="es-ES" dirty="0" smtClean="0"/>
-              <a:t>matriz de fases</a:t>
+              <a:t>Nueva matriz de fases</a:t>
             </a:r>
           </a:p>
           <a:p>
@@ -8661,21 +8524,8 @@
             </a:pPr>
             <a:r>
               <a:rPr lang="es-ES" dirty="0" smtClean="0"/>
-              <a:t>Nuevas </a:t>
-            </a:r>
-            <a:r>
-              <a:rPr lang="es-ES" dirty="0" smtClean="0"/>
-              <a:t>fases del primer </a:t>
-            </a:r>
-            <a:r>
-              <a:rPr lang="es-ES" dirty="0" smtClean="0"/>
-              <a:t>segmento.</a:t>
-            </a:r>
-            <a:r>
-              <a:rPr lang="es-ES" dirty="0" smtClean="0"/>
-              <a:t>	</a:t>
-            </a:r>
-            <a:endParaRPr lang="es-ES" dirty="0" smtClean="0"/>
+              <a:t>Nuevas fases del primer segmento.	</a:t>
+            </a:r>
           </a:p>
           <a:p>
             <a:pPr marL="880110" lvl="1" indent="-514350">
@@ -8684,11 +8534,7 @@
             </a:pPr>
             <a:r>
               <a:rPr lang="es-ES" dirty="0" smtClean="0"/>
-              <a:t>Diferencias </a:t>
-            </a:r>
-            <a:r>
-              <a:rPr lang="es-ES" dirty="0" smtClean="0"/>
-              <a:t>de fase originales.</a:t>
+              <a:t>Diferencias de fase originales.</a:t>
             </a:r>
           </a:p>
           <a:p>
@@ -8705,17 +8551,8 @@
             </a:pPr>
             <a:r>
               <a:rPr lang="es-ES" dirty="0" smtClean="0"/>
-              <a:t>Transformada </a:t>
-            </a:r>
-            <a:r>
-              <a:rPr lang="es-ES" dirty="0" smtClean="0"/>
-              <a:t>Discreta de </a:t>
-            </a:r>
-            <a:r>
-              <a:rPr lang="es-ES" dirty="0" smtClean="0"/>
-              <a:t>Fourier Inversa.</a:t>
-            </a:r>
-            <a:endParaRPr lang="es-ES" dirty="0" smtClean="0"/>
+              <a:t>Transformada Discreta de Fourier Inversa.</a:t>
+            </a:r>
           </a:p>
           <a:p>
             <a:pPr marL="880110" lvl="1" indent="-514350">
@@ -8814,59 +8651,37 @@
           <a:p>
             <a:r>
               <a:rPr lang="es-ES" dirty="0" smtClean="0"/>
-              <a:t>Extraer mensaje </a:t>
-            </a:r>
-            <a:r>
-              <a:rPr lang="es-ES" dirty="0" smtClean="0"/>
-              <a:t>secreto. </a:t>
+              <a:t>Extraer mensaje secreto. </a:t>
             </a:r>
           </a:p>
           <a:p>
             <a:pPr lvl="1"/>
             <a:r>
               <a:rPr lang="es-ES" dirty="0" smtClean="0"/>
-              <a:t>Longitud </a:t>
-            </a:r>
-            <a:r>
-              <a:rPr lang="es-ES" dirty="0" smtClean="0"/>
-              <a:t>del segmento.</a:t>
+              <a:t>Longitud del segmento.</a:t>
             </a:r>
           </a:p>
           <a:p>
             <a:pPr lvl="1"/>
             <a:r>
               <a:rPr lang="es-ES" dirty="0" smtClean="0"/>
-              <a:t>Transformada Discreta de </a:t>
-            </a:r>
-            <a:r>
-              <a:rPr lang="es-ES" dirty="0" smtClean="0"/>
-              <a:t>Fourier.</a:t>
-            </a:r>
+              <a:t>Transformada Discreta de Fourier.</a:t>
+            </a:r>
+          </a:p>
+          <a:p>
+            <a:pPr lvl="2"/>
+            <a:r>
+              <a:rPr lang="es-ES" dirty="0" smtClean="0"/>
+              <a:t>Obtener fases del primer segmento.</a:t>
+            </a:r>
+          </a:p>
+          <a:p>
             <a:endParaRPr lang="es-ES" dirty="0" smtClean="0"/>
           </a:p>
           <a:p>
-            <a:pPr lvl="2"/>
-            <a:r>
-              <a:rPr lang="es-ES" dirty="0" smtClean="0"/>
-              <a:t>Obtener fases </a:t>
-            </a:r>
-            <a:r>
-              <a:rPr lang="es-ES" dirty="0" smtClean="0"/>
-              <a:t>del primer segmento.</a:t>
-            </a:r>
-            <a:endParaRPr lang="es-ES" dirty="0" smtClean="0"/>
-          </a:p>
-          <a:p>
-            <a:endParaRPr lang="es-ES" dirty="0" smtClean="0"/>
-          </a:p>
-          <a:p>
-            <a:r>
-              <a:rPr lang="es-ES" dirty="0" smtClean="0"/>
-              <a:t>Desventaja: Solo útil </a:t>
-            </a:r>
-            <a:r>
-              <a:rPr lang="es-ES" dirty="0" smtClean="0"/>
-              <a:t>para transmitir una pequeña cantidad de datos.</a:t>
+            <a:r>
+              <a:rPr lang="es-ES" dirty="0" smtClean="0"/>
+              <a:t>Desventaja: Solo útil para transmitir una pequeña cantidad de datos.</a:t>
             </a:r>
             <a:endParaRPr lang="es-ES" dirty="0"/>
           </a:p>
@@ -9095,11 +8910,7 @@
             </a:r>
             <a:r>
               <a:rPr lang="es-ES" dirty="0" smtClean="0"/>
-              <a:t>: </a:t>
-            </a:r>
-            <a:r>
-              <a:rPr lang="es-ES" dirty="0" smtClean="0"/>
-              <a:t>Introducción</a:t>
+              <a:t>: Introducción</a:t>
             </a:r>
             <a:endParaRPr lang="es-ES" dirty="0"/>
           </a:p>
@@ -9209,7 +9020,6 @@
               <a:rPr lang="es-ES" dirty="0" smtClean="0"/>
               <a:t> de clave pública.</a:t>
             </a:r>
-            <a:endParaRPr lang="es-ES" dirty="0" smtClean="0"/>
           </a:p>
           <a:p>
             <a:pPr algn="just">
@@ -9310,41 +9120,16 @@
           <a:p>
             <a:r>
               <a:rPr lang="es-ES" dirty="0" smtClean="0"/>
-              <a:t>Expandir </a:t>
-            </a:r>
-            <a:r>
-              <a:rPr lang="es-ES" dirty="0" smtClean="0"/>
-              <a:t>la información </a:t>
-            </a:r>
-            <a:r>
-              <a:rPr lang="es-ES" dirty="0" smtClean="0"/>
-              <a:t>secreta  </a:t>
-            </a:r>
-            <a:r>
-              <a:rPr lang="es-ES" dirty="0" smtClean="0"/>
-              <a:t>al </a:t>
-            </a:r>
-            <a:r>
-              <a:rPr lang="es-ES" dirty="0" smtClean="0"/>
-              <a:t>máximo en el espectro de frecuencia.</a:t>
-            </a:r>
+              <a:t>Expandir la información secreta  al máximo en el espectro de frecuencia.</a:t>
+            </a:r>
+          </a:p>
+          <a:p>
             <a:endParaRPr lang="es-ES" dirty="0" smtClean="0"/>
           </a:p>
           <a:p>
-            <a:endParaRPr lang="es-ES" dirty="0" smtClean="0"/>
-          </a:p>
-          <a:p>
-            <a:r>
-              <a:rPr lang="es-ES" dirty="0" smtClean="0"/>
-              <a:t>Señal final </a:t>
-            </a:r>
-            <a:r>
-              <a:rPr lang="es-ES" dirty="0" smtClean="0"/>
-              <a:t>ocupa </a:t>
-            </a:r>
-            <a:r>
-              <a:rPr lang="es-ES" dirty="0" smtClean="0"/>
-              <a:t>mayor ancho de banda. </a:t>
+            <a:r>
+              <a:rPr lang="es-ES" dirty="0" smtClean="0"/>
+              <a:t>Señal final ocupa mayor ancho de banda. </a:t>
             </a:r>
           </a:p>
           <a:p>
@@ -9544,13 +9329,8 @@
             <a:pPr algn="just"/>
             <a:r>
               <a:rPr lang="es-ES" dirty="0" smtClean="0"/>
-              <a:t>Tasa de transmisión de datos </a:t>
-            </a:r>
-            <a:r>
-              <a:rPr lang="es-ES" dirty="0" smtClean="0"/>
-              <a:t>medio-alta.</a:t>
-            </a:r>
-            <a:endParaRPr lang="es-ES" dirty="0" smtClean="0"/>
+              <a:t>Tasa de transmisión de datos medio-alta.</a:t>
+            </a:r>
           </a:p>
           <a:p>
             <a:pPr algn="just"/>
@@ -9812,17 +9592,8 @@
             <a:pPr algn="just"/>
             <a:r>
               <a:rPr lang="es-ES" dirty="0" smtClean="0"/>
-              <a:t>Introducir  eco  en </a:t>
-            </a:r>
-            <a:r>
-              <a:rPr lang="es-ES" dirty="0" smtClean="0"/>
-              <a:t>la señal discreta</a:t>
-            </a:r>
-            <a:r>
-              <a:rPr lang="es-ES" dirty="0" smtClean="0"/>
-              <a:t>.</a:t>
-            </a:r>
-            <a:endParaRPr lang="es-ES" dirty="0" smtClean="0"/>
+              <a:t>Introducir  eco  en la señal discreta.</a:t>
+            </a:r>
           </a:p>
           <a:p>
             <a:pPr algn="just"/>
@@ -9866,7 +9637,6 @@
               <a:rPr lang="es-ES" dirty="0" smtClean="0"/>
               <a:t>Valores inferiores al umbral del oído humano.</a:t>
             </a:r>
-            <a:endParaRPr lang="es-ES" dirty="0" smtClean="0"/>
           </a:p>
         </p:txBody>
       </p:sp>
@@ -10105,19 +9875,7 @@
             <a:pPr algn="just"/>
             <a:r>
               <a:rPr lang="es-ES" dirty="0" smtClean="0"/>
-              <a:t>La </a:t>
-            </a:r>
-            <a:r>
-              <a:rPr lang="es-ES" dirty="0" smtClean="0"/>
-              <a:t>señal se divide en bloques antes </a:t>
-            </a:r>
-            <a:r>
-              <a:rPr lang="es-ES" dirty="0" smtClean="0"/>
-              <a:t>de la </a:t>
-            </a:r>
-            <a:r>
-              <a:rPr lang="es-ES" dirty="0" smtClean="0"/>
-              <a:t>inserción.</a:t>
+              <a:t>La señal se divide en bloques antes de la inserción.</a:t>
             </a:r>
           </a:p>
           <a:p>
@@ -10301,15 +10059,7 @@
             <a:pPr algn="just"/>
             <a:r>
               <a:rPr lang="es-ES" dirty="0" smtClean="0"/>
-              <a:t>Solución: </a:t>
-            </a:r>
-            <a:r>
-              <a:rPr lang="es-ES" dirty="0" smtClean="0"/>
-              <a:t>Una nueva implementación de </a:t>
-            </a:r>
-            <a:r>
-              <a:rPr lang="es-ES" dirty="0" smtClean="0"/>
-              <a:t>echo </a:t>
+              <a:t>Solución: Una nueva implementación de echo </a:t>
             </a:r>
             <a:r>
               <a:rPr lang="es-ES" dirty="0" err="1" smtClean="0"/>
@@ -10419,27 +10169,14 @@
             <a:pPr algn="just"/>
             <a:r>
               <a:rPr lang="es-ES" dirty="0" smtClean="0"/>
-              <a:t>Se crean dos </a:t>
-            </a:r>
-            <a:r>
-              <a:rPr lang="es-ES" dirty="0" smtClean="0"/>
-              <a:t>señales de eco.</a:t>
-            </a:r>
-            <a:endParaRPr lang="es-ES" dirty="0" smtClean="0"/>
+              <a:t>Se crean dos señales de eco.</a:t>
+            </a:r>
           </a:p>
           <a:p>
             <a:pPr lvl="1" algn="just"/>
             <a:r>
               <a:rPr lang="es-ES" dirty="0" smtClean="0"/>
-              <a:t>Se </a:t>
-            </a:r>
-            <a:r>
-              <a:rPr lang="es-ES" dirty="0" smtClean="0"/>
-              <a:t>combinan usando </a:t>
-            </a:r>
-            <a:r>
-              <a:rPr lang="es-ES" dirty="0" smtClean="0"/>
-              <a:t>dos señales de mezcla.</a:t>
+              <a:t>Se combinan usando dos señales de mezcla.</a:t>
             </a:r>
           </a:p>
           <a:p>
@@ -10583,7 +10320,6 @@
               <a:rPr lang="es-ES" dirty="0" smtClean="0"/>
               <a:t>Señal menos abrupta.</a:t>
             </a:r>
-            <a:endParaRPr lang="es-ES" dirty="0" smtClean="0"/>
           </a:p>
           <a:p>
             <a:pPr algn="just"/>
@@ -10688,11 +10424,7 @@
             </a:r>
             <a:r>
               <a:rPr lang="es-ES" dirty="0" smtClean="0"/>
-              <a:t>: </a:t>
-            </a:r>
-            <a:r>
-              <a:rPr lang="es-ES" dirty="0" smtClean="0"/>
-              <a:t>Historia</a:t>
+              <a:t>: Historia</a:t>
             </a:r>
             <a:endParaRPr lang="es-ES" dirty="0"/>
           </a:p>
@@ -10809,11 +10541,7 @@
             </a:r>
             <a:r>
               <a:rPr lang="es-ES" dirty="0" smtClean="0"/>
-              <a:t>: </a:t>
-            </a:r>
-            <a:r>
-              <a:rPr lang="es-ES" dirty="0" smtClean="0"/>
-              <a:t>Resumen</a:t>
+              <a:t>: Resumen</a:t>
             </a:r>
             <a:endParaRPr lang="es-ES" dirty="0"/>
           </a:p>
@@ -10865,7 +10593,6 @@
               <a:rPr lang="es-ES" dirty="0" smtClean="0"/>
               <a:t>Para decodificar la información son necesarias técnicas avanzadas de procesamiento de señales.</a:t>
             </a:r>
-            <a:endParaRPr lang="es-ES" dirty="0" smtClean="0"/>
           </a:p>
           <a:p>
             <a:pPr algn="just"/>
@@ -10973,7 +10700,6 @@
               <a:rPr lang="es-ES" dirty="0" smtClean="0"/>
               <a:t>Distintos requisitos.</a:t>
             </a:r>
-            <a:endParaRPr lang="es-ES" dirty="0" smtClean="0"/>
           </a:p>
           <a:p>
             <a:pPr algn="just"/>
@@ -10985,7 +10711,6 @@
               <a:rPr lang="es-ES" dirty="0" smtClean="0"/>
               <a:t>Elegir el que mejor se adapte a la situación.</a:t>
             </a:r>
-            <a:endParaRPr lang="es-ES" dirty="0" smtClean="0"/>
           </a:p>
           <a:p>
             <a:pPr algn="just"/>
@@ -10997,7 +10722,6 @@
               <a:rPr lang="es-ES" dirty="0" smtClean="0"/>
               <a:t>Decidir si conviene  combinar  con  criptografía.</a:t>
             </a:r>
-            <a:endParaRPr lang="es-ES" dirty="0" smtClean="0"/>
           </a:p>
           <a:p>
             <a:pPr algn="just"/>
@@ -11029,6 +10753,258 @@
 </file>
 
 <file path=ppt/slides/slide52.xml><?xml version="1.0" encoding="utf-8"?>
+<p:sld xmlns:a="http://schemas.openxmlformats.org/drawingml/2006/main" xmlns:r="http://schemas.openxmlformats.org/officeDocument/2006/relationships" xmlns:p="http://schemas.openxmlformats.org/presentationml/2006/main">
+  <p:cSld>
+    <p:spTree>
+      <p:nvGrpSpPr>
+        <p:cNvPr id="1" name=""/>
+        <p:cNvGrpSpPr/>
+        <p:nvPr/>
+      </p:nvGrpSpPr>
+      <p:grpSpPr>
+        <a:xfrm>
+          <a:off x="0" y="0"/>
+          <a:ext cx="0" cy="0"/>
+          <a:chOff x="0" y="0"/>
+          <a:chExt cx="0" cy="0"/>
+        </a:xfrm>
+      </p:grpSpPr>
+      <p:sp>
+        <p:nvSpPr>
+          <p:cNvPr id="2" name="1 Título"/>
+          <p:cNvSpPr>
+            <a:spLocks noGrp="1"/>
+          </p:cNvSpPr>
+          <p:nvPr>
+            <p:ph type="title"/>
+          </p:nvPr>
+        </p:nvSpPr>
+        <p:spPr/>
+        <p:txBody>
+          <a:bodyPr/>
+          <a:lstStyle/>
+          <a:p>
+            <a:r>
+              <a:rPr lang="es-ES" dirty="0" smtClean="0"/>
+              <a:t>Bibliografía</a:t>
+            </a:r>
+            <a:endParaRPr lang="es-ES" dirty="0"/>
+          </a:p>
+        </p:txBody>
+      </p:sp>
+      <p:sp>
+        <p:nvSpPr>
+          <p:cNvPr id="3" name="2 Marcador de contenido"/>
+          <p:cNvSpPr>
+            <a:spLocks noGrp="1"/>
+          </p:cNvSpPr>
+          <p:nvPr>
+            <p:ph idx="1"/>
+          </p:nvPr>
+        </p:nvSpPr>
+        <p:spPr/>
+        <p:txBody>
+          <a:bodyPr>
+            <a:normAutofit fontScale="92500"/>
+          </a:bodyPr>
+          <a:lstStyle/>
+          <a:p>
+            <a:pPr algn="just">
+              <a:buNone/>
+            </a:pPr>
+            <a:endParaRPr lang="es-ES" dirty="0" smtClean="0"/>
+          </a:p>
+          <a:p>
+            <a:pPr algn="just"/>
+            <a:r>
+              <a:rPr lang="es-ES" dirty="0" smtClean="0"/>
+              <a:t> </a:t>
+            </a:r>
+            <a:r>
+              <a:rPr lang="es-ES" dirty="0" err="1" smtClean="0"/>
+              <a:t>Cvejic</a:t>
+            </a:r>
+            <a:r>
+              <a:rPr lang="es-ES" dirty="0" smtClean="0"/>
+              <a:t>, </a:t>
+            </a:r>
+            <a:r>
+              <a:rPr lang="es-ES" dirty="0" err="1" smtClean="0"/>
+              <a:t>Nedeljko</a:t>
+            </a:r>
+            <a:r>
+              <a:rPr lang="es-ES" dirty="0" smtClean="0"/>
+              <a:t> (2004). </a:t>
+            </a:r>
+            <a:r>
+              <a:rPr lang="es-ES" dirty="0" err="1" smtClean="0"/>
+              <a:t>Algorithms</a:t>
+            </a:r>
+            <a:r>
+              <a:rPr lang="es-ES" dirty="0" smtClean="0"/>
+              <a:t> </a:t>
+            </a:r>
+            <a:r>
+              <a:rPr lang="es-ES" dirty="0" err="1" smtClean="0"/>
+              <a:t>for</a:t>
+            </a:r>
+            <a:r>
+              <a:rPr lang="es-ES" dirty="0" smtClean="0"/>
+              <a:t> audio </a:t>
+            </a:r>
+            <a:r>
+              <a:rPr lang="es-ES" dirty="0" err="1" smtClean="0"/>
+              <a:t>watermarking</a:t>
+            </a:r>
+            <a:r>
+              <a:rPr lang="es-ES" dirty="0" smtClean="0"/>
+              <a:t> and </a:t>
+            </a:r>
+            <a:r>
+              <a:rPr lang="es-ES" dirty="0" err="1" smtClean="0"/>
+              <a:t>steganography</a:t>
+            </a:r>
+            <a:r>
+              <a:rPr lang="es-ES" dirty="0" smtClean="0"/>
+              <a:t>. Oulu </a:t>
+            </a:r>
+            <a:r>
+              <a:rPr lang="es-ES" dirty="0" err="1" smtClean="0"/>
+              <a:t>University</a:t>
+            </a:r>
+            <a:r>
+              <a:rPr lang="es-ES" dirty="0" smtClean="0"/>
+              <a:t> </a:t>
+            </a:r>
+            <a:r>
+              <a:rPr lang="es-ES" dirty="0" err="1" smtClean="0"/>
+              <a:t>Press</a:t>
+            </a:r>
+            <a:r>
+              <a:rPr lang="es-ES" smtClean="0"/>
+              <a:t>. </a:t>
+            </a:r>
+            <a:endParaRPr lang="es-ES" dirty="0" smtClean="0"/>
+          </a:p>
+          <a:p>
+            <a:pPr algn="just"/>
+            <a:endParaRPr lang="es-ES" dirty="0" smtClean="0"/>
+          </a:p>
+          <a:p>
+            <a:pPr algn="just"/>
+            <a:r>
+              <a:rPr lang="es-ES" dirty="0" smtClean="0"/>
+              <a:t>Gibson</a:t>
+            </a:r>
+            <a:r>
+              <a:rPr lang="es-ES" dirty="0" smtClean="0"/>
+              <a:t>, Tyler (2003). </a:t>
+            </a:r>
+            <a:r>
+              <a:rPr lang="es-ES" dirty="0" err="1" smtClean="0"/>
+              <a:t>Methods</a:t>
+            </a:r>
+            <a:r>
+              <a:rPr lang="es-ES" dirty="0" smtClean="0"/>
+              <a:t> of audio </a:t>
+            </a:r>
+            <a:r>
+              <a:rPr lang="es-ES" dirty="0" err="1" smtClean="0"/>
+              <a:t>steganography</a:t>
+            </a:r>
+            <a:r>
+              <a:rPr lang="es-ES" dirty="0" smtClean="0"/>
+              <a:t>.</a:t>
+            </a:r>
+          </a:p>
+          <a:p>
+            <a:pPr algn="just"/>
+            <a:endParaRPr lang="es-ES" dirty="0" smtClean="0"/>
+          </a:p>
+          <a:p>
+            <a:pPr algn="just"/>
+            <a:r>
+              <a:rPr lang="es-ES" dirty="0" smtClean="0"/>
+              <a:t>John</a:t>
+            </a:r>
+            <a:r>
+              <a:rPr lang="es-ES" dirty="0" smtClean="0"/>
+              <a:t>, </a:t>
+            </a:r>
+            <a:r>
+              <a:rPr lang="es-ES" dirty="0" err="1" smtClean="0"/>
+              <a:t>Corinna</a:t>
+            </a:r>
+            <a:r>
+              <a:rPr lang="es-ES" dirty="0" smtClean="0"/>
+              <a:t> (2004). </a:t>
+            </a:r>
+            <a:r>
+              <a:rPr lang="es-ES" dirty="0" err="1" smtClean="0"/>
+              <a:t>Hiding</a:t>
+            </a:r>
+            <a:r>
+              <a:rPr lang="es-ES" dirty="0" smtClean="0"/>
+              <a:t> Data in Wave Audio Files.</a:t>
+            </a:r>
+          </a:p>
+          <a:p>
+            <a:pPr algn="just"/>
+            <a:endParaRPr lang="es-ES" dirty="0" smtClean="0"/>
+          </a:p>
+          <a:p>
+            <a:pPr algn="just"/>
+            <a:r>
+              <a:rPr lang="es-ES" dirty="0" smtClean="0"/>
+              <a:t>Wilson</a:t>
+            </a:r>
+            <a:r>
+              <a:rPr lang="es-ES" dirty="0" smtClean="0"/>
+              <a:t>, Scott (2003). WAVE PCM </a:t>
+            </a:r>
+            <a:r>
+              <a:rPr lang="es-ES" dirty="0" err="1" smtClean="0"/>
+              <a:t>soundﬁle</a:t>
+            </a:r>
+            <a:r>
+              <a:rPr lang="es-ES" dirty="0" smtClean="0"/>
+              <a:t> </a:t>
+            </a:r>
+            <a:r>
+              <a:rPr lang="es-ES" dirty="0" err="1" smtClean="0"/>
+              <a:t>format</a:t>
+            </a:r>
+            <a:r>
+              <a:rPr lang="es-ES" dirty="0" smtClean="0"/>
+              <a:t>.</a:t>
+            </a:r>
+          </a:p>
+          <a:p>
+            <a:pPr algn="just"/>
+            <a:endParaRPr lang="es-ES" u="sng" dirty="0" smtClean="0"/>
+          </a:p>
+          <a:p>
+            <a:pPr algn="just"/>
+            <a:endParaRPr lang="es-ES" dirty="0" smtClean="0"/>
+          </a:p>
+        </p:txBody>
+      </p:sp>
+    </p:spTree>
+  </p:cSld>
+  <p:clrMapOvr>
+    <a:masterClrMapping/>
+  </p:clrMapOvr>
+  <p:timing>
+    <p:tnLst>
+      <p:par>
+        <p:cTn id="1" dur="indefinite" restart="never" nodeType="tmRoot"/>
+      </p:par>
+    </p:tnLst>
+  </p:timing>
+</p:sld>
+</file>
+
+<file path=ppt/slides/slide53.xml><?xml version="1.0" encoding="utf-8"?>
 <p:sld xmlns:a="http://schemas.openxmlformats.org/drawingml/2006/main" xmlns:r="http://schemas.openxmlformats.org/officeDocument/2006/relationships" xmlns:p="http://schemas.openxmlformats.org/presentationml/2006/main">
   <p:cSld>
     <p:spTree>
@@ -11155,11 +11131,7 @@
             </a:r>
             <a:r>
               <a:rPr lang="es-ES" dirty="0" smtClean="0"/>
-              <a:t>: </a:t>
-            </a:r>
-            <a:r>
-              <a:rPr lang="es-ES" dirty="0" smtClean="0"/>
-              <a:t>Fundamentos</a:t>
+              <a:t>: Fundamentos</a:t>
             </a:r>
             <a:endParaRPr lang="es-ES" dirty="0"/>
           </a:p>
@@ -11196,27 +11168,14 @@
           <a:p>
             <a:r>
               <a:rPr lang="es-ES" dirty="0" smtClean="0"/>
-              <a:t>Pequeños cambios en los objetos </a:t>
-            </a:r>
-            <a:r>
-              <a:rPr lang="es-ES" dirty="0" smtClean="0"/>
-              <a:t>portadores.</a:t>
-            </a:r>
-            <a:endParaRPr lang="es-ES" dirty="0" smtClean="0"/>
+              <a:t>Pequeños cambios en los objetos portadores.</a:t>
+            </a:r>
           </a:p>
           <a:p>
             <a:pPr lvl="1"/>
             <a:r>
               <a:rPr lang="es-ES" dirty="0" smtClean="0"/>
-              <a:t> I</a:t>
-            </a:r>
-            <a:r>
-              <a:rPr lang="es-ES" dirty="0" smtClean="0"/>
-              <a:t>mperceptibles </a:t>
-            </a:r>
-            <a:r>
-              <a:rPr lang="es-ES" dirty="0" smtClean="0"/>
-              <a:t>para una persona.</a:t>
+              <a:t> Imperceptibles para una persona.</a:t>
             </a:r>
           </a:p>
           <a:p>
@@ -11228,11 +11187,7 @@
           <a:p>
             <a:r>
               <a:rPr lang="es-ES" dirty="0" smtClean="0"/>
-              <a:t>Técnica </a:t>
-            </a:r>
-            <a:r>
-              <a:rPr lang="es-ES" dirty="0" smtClean="0"/>
-              <a:t>invasiva</a:t>
+              <a:t>Técnica invasiva</a:t>
             </a:r>
           </a:p>
           <a:p>
@@ -11243,11 +11198,7 @@
             </a:r>
             <a:r>
               <a:rPr lang="es-ES" b="1" dirty="0" err="1" smtClean="0"/>
-              <a:t>E</a:t>
-            </a:r>
-            <a:r>
-              <a:rPr lang="es-ES" b="1" dirty="0" err="1" smtClean="0"/>
-              <a:t>steganálisis</a:t>
+              <a:t>Esteganálisis</a:t>
             </a:r>
             <a:r>
               <a:rPr lang="es-ES" b="1" dirty="0" smtClean="0"/>
@@ -11316,11 +11267,7 @@
             </a:r>
             <a:r>
               <a:rPr lang="es-ES" dirty="0" smtClean="0"/>
-              <a:t>: </a:t>
-            </a:r>
-            <a:r>
-              <a:rPr lang="es-ES" dirty="0" smtClean="0"/>
-              <a:t>Ejemplo</a:t>
+              <a:t>: Ejemplo</a:t>
             </a:r>
             <a:endParaRPr lang="es-ES" dirty="0"/>
           </a:p>
@@ -11656,13 +11603,8 @@
           <a:p>
             <a:r>
               <a:rPr lang="es-ES" dirty="0" smtClean="0"/>
-              <a:t>Señal </a:t>
-            </a:r>
-            <a:r>
-              <a:rPr lang="es-ES" dirty="0" smtClean="0"/>
-              <a:t>discreta.</a:t>
-            </a:r>
-            <a:endParaRPr lang="es-ES" dirty="0" smtClean="0"/>
+              <a:t>Señal discreta.</a:t>
+            </a:r>
           </a:p>
           <a:p>
             <a:pPr>
@@ -11673,30 +11615,18 @@
           <a:p>
             <a:r>
               <a:rPr lang="es-ES" dirty="0" smtClean="0"/>
-              <a:t>Se genera a partir de una señal </a:t>
-            </a:r>
-            <a:r>
-              <a:rPr lang="es-ES" dirty="0" smtClean="0"/>
-              <a:t>continua.</a:t>
+              <a:t>Se genera a partir de una señal continua.</a:t>
             </a:r>
           </a:p>
           <a:p>
             <a:pPr lvl="1"/>
             <a:r>
               <a:rPr lang="es-ES" b="1" dirty="0" smtClean="0"/>
-              <a:t>M</a:t>
-            </a:r>
-            <a:r>
-              <a:rPr lang="es-ES" b="1" dirty="0" smtClean="0"/>
-              <a:t>uestreo</a:t>
-            </a:r>
-            <a:r>
-              <a:rPr lang="es-ES" dirty="0" smtClean="0"/>
-              <a:t> </a:t>
-            </a:r>
-            <a:r>
-              <a:rPr lang="es-ES" dirty="0" smtClean="0"/>
-              <a:t>y </a:t>
+              <a:t>Muestreo</a:t>
+            </a:r>
+            <a:r>
+              <a:rPr lang="es-ES" dirty="0" smtClean="0"/>
+              <a:t> y </a:t>
             </a:r>
             <a:r>
               <a:rPr lang="es-ES" b="1" dirty="0" err="1" smtClean="0"/>

--- a/trunk/doc/Ocultar datos en archivos de sonido.pptx
+++ b/trunk/doc/Ocultar datos en archivos de sonido.pptx
@@ -52,12 +52,10 @@
     <p:sldId id="314" r:id="rId46"/>
     <p:sldId id="308" r:id="rId47"/>
     <p:sldId id="310" r:id="rId48"/>
-    <p:sldId id="311" r:id="rId49"/>
-    <p:sldId id="315" r:id="rId50"/>
-    <p:sldId id="313" r:id="rId51"/>
-    <p:sldId id="316" r:id="rId52"/>
-    <p:sldId id="324" r:id="rId53"/>
-    <p:sldId id="317" r:id="rId54"/>
+    <p:sldId id="313" r:id="rId49"/>
+    <p:sldId id="316" r:id="rId50"/>
+    <p:sldId id="324" r:id="rId51"/>
+    <p:sldId id="317" r:id="rId52"/>
   </p:sldIdLst>
   <p:sldSz cx="9144000" cy="6858000" type="screen4x3"/>
   <p:notesSz cx="6858000" cy="9144000"/>
@@ -6768,33 +6766,6 @@
       </p:grpSpPr>
       <p:sp>
         <p:nvSpPr>
-          <p:cNvPr id="2" name="1 Título"/>
-          <p:cNvSpPr>
-            <a:spLocks noGrp="1"/>
-          </p:cNvSpPr>
-          <p:nvPr>
-            <p:ph type="title"/>
-          </p:nvPr>
-        </p:nvSpPr>
-        <p:spPr/>
-        <p:txBody>
-          <a:bodyPr/>
-          <a:lstStyle/>
-          <a:p>
-            <a:r>
-              <a:rPr lang="es-ES" dirty="0" smtClean="0"/>
-              <a:t>LSB </a:t>
-            </a:r>
-            <a:r>
-              <a:rPr lang="es-ES" dirty="0" err="1" smtClean="0"/>
-              <a:t>coding</a:t>
-            </a:r>
-            <a:endParaRPr lang="es-ES" dirty="0"/>
-          </a:p>
-        </p:txBody>
-      </p:sp>
-      <p:sp>
-        <p:nvSpPr>
           <p:cNvPr id="3" name="2 Marcador de contenido"/>
           <p:cNvSpPr>
             <a:spLocks noGrp="1"/>
@@ -6829,8 +6800,8 @@
         </p:blipFill>
         <p:spPr>
           <a:xfrm>
-            <a:off x="1979712" y="2060848"/>
-            <a:ext cx="5000625" cy="4286250"/>
+            <a:off x="1043608" y="476672"/>
+            <a:ext cx="7128792" cy="5942434"/>
           </a:xfrm>
           <a:prstGeom prst="rect">
             <a:avLst/>
@@ -7780,37 +7751,6 @@
           <a:chExt cx="0" cy="0"/>
         </a:xfrm>
       </p:grpSpPr>
-      <p:sp>
-        <p:nvSpPr>
-          <p:cNvPr id="2" name="1 Título"/>
-          <p:cNvSpPr>
-            <a:spLocks noGrp="1"/>
-          </p:cNvSpPr>
-          <p:nvPr>
-            <p:ph type="title"/>
-          </p:nvPr>
-        </p:nvSpPr>
-        <p:spPr/>
-        <p:txBody>
-          <a:bodyPr/>
-          <a:lstStyle/>
-          <a:p>
-            <a:r>
-              <a:rPr lang="es-ES" dirty="0" err="1" smtClean="0"/>
-              <a:t>Parity</a:t>
-            </a:r>
-            <a:r>
-              <a:rPr lang="es-ES" dirty="0" smtClean="0"/>
-              <a:t> </a:t>
-            </a:r>
-            <a:r>
-              <a:rPr lang="es-ES" dirty="0" err="1" smtClean="0"/>
-              <a:t>coding</a:t>
-            </a:r>
-            <a:endParaRPr lang="es-ES" dirty="0"/>
-          </a:p>
-        </p:txBody>
-      </p:sp>
       <p:pic>
         <p:nvPicPr>
           <p:cNvPr id="4" name="5 Imagen" descr="parity.gif"/>
@@ -7829,8 +7769,8 @@
         </p:blipFill>
         <p:spPr>
           <a:xfrm>
-            <a:off x="2267545" y="1935163"/>
-            <a:ext cx="4608909" cy="4389437"/>
+            <a:off x="1331640" y="404664"/>
+            <a:ext cx="6552728" cy="6135960"/>
           </a:xfrm>
           <a:prstGeom prst="rect">
             <a:avLst/>
@@ -9847,7 +9787,11 @@
             </a:r>
             <a:r>
               <a:rPr lang="es-ES" dirty="0" smtClean="0"/>
-              <a:t>: Implementación(I)</a:t>
+              <a:t>: </a:t>
+            </a:r>
+            <a:r>
+              <a:rPr lang="es-ES" dirty="0" smtClean="0"/>
+              <a:t>Implementación</a:t>
             </a:r>
             <a:endParaRPr lang="es-ES" dirty="0"/>
           </a:p>
@@ -10009,7 +9953,11 @@
             </a:r>
             <a:r>
               <a:rPr lang="es-ES" dirty="0" smtClean="0"/>
-              <a:t>: Implementación(I)</a:t>
+              <a:t>: </a:t>
+            </a:r>
+            <a:r>
+              <a:rPr lang="es-ES" dirty="0" smtClean="0"/>
+              <a:t>Implementación</a:t>
             </a:r>
             <a:endParaRPr lang="es-ES" dirty="0"/>
           </a:p>
@@ -10059,16 +10007,13 @@
             <a:pPr algn="just"/>
             <a:r>
               <a:rPr lang="es-ES" dirty="0" smtClean="0"/>
-              <a:t>Solución: Una nueva implementación de echo </a:t>
-            </a:r>
-            <a:r>
-              <a:rPr lang="es-ES" dirty="0" err="1" smtClean="0"/>
-              <a:t>hiding</a:t>
-            </a:r>
-            <a:r>
-              <a:rPr lang="es-ES" dirty="0" smtClean="0"/>
-              <a:t>.</a:t>
-            </a:r>
+              <a:t>Solución: </a:t>
+            </a:r>
+            <a:r>
+              <a:rPr lang="es-ES" dirty="0" smtClean="0"/>
+              <a:t>Transiciones suaves.</a:t>
+            </a:r>
+            <a:endParaRPr lang="es-ES" dirty="0" smtClean="0"/>
           </a:p>
           <a:p>
             <a:pPr algn="just"/>
@@ -10141,7 +10086,7 @@
             </a:r>
             <a:r>
               <a:rPr lang="es-ES" dirty="0" smtClean="0"/>
-              <a:t>: Implementación(II)</a:t>
+              <a:t>: Resumen</a:t>
             </a:r>
             <a:endParaRPr lang="es-ES" dirty="0"/>
           </a:p>
@@ -10169,21 +10114,8 @@
             <a:pPr algn="just"/>
             <a:r>
               <a:rPr lang="es-ES" dirty="0" smtClean="0"/>
-              <a:t>Se crean dos señales de eco.</a:t>
-            </a:r>
-          </a:p>
-          <a:p>
-            <a:pPr lvl="1" algn="just"/>
-            <a:r>
-              <a:rPr lang="es-ES" dirty="0" smtClean="0"/>
-              <a:t>Se combinan usando dos señales de mezcla.</a:t>
-            </a:r>
-          </a:p>
-          <a:p>
-            <a:pPr lvl="1" algn="just">
-              <a:buNone/>
-            </a:pPr>
-            <a:endParaRPr lang="es-ES" dirty="0" smtClean="0"/>
+              <a:t>Tasa de transmisión de datos alta.</a:t>
+            </a:r>
           </a:p>
           <a:p>
             <a:pPr algn="just"/>
@@ -10191,46 +10123,40 @@
           </a:p>
           <a:p>
             <a:pPr algn="just"/>
-            <a:endParaRPr lang="es-ES" dirty="0" smtClean="0"/>
+            <a:r>
+              <a:rPr lang="es-ES" dirty="0" smtClean="0"/>
+              <a:t>Elevada robustez.</a:t>
+            </a:r>
           </a:p>
           <a:p>
             <a:pPr algn="just"/>
             <a:endParaRPr lang="es-ES" dirty="0" smtClean="0"/>
           </a:p>
-        </p:txBody>
-      </p:sp>
-      <p:pic>
-        <p:nvPicPr>
-          <p:cNvPr id="10" name="Picture 3"/>
-          <p:cNvPicPr>
-            <a:picLocks noChangeAspect="1" noChangeArrowheads="1"/>
-          </p:cNvPicPr>
-          <p:nvPr/>
-        </p:nvPicPr>
-        <p:blipFill>
-          <a:blip r:embed="rId2" cstate="print"/>
-          <a:srcRect/>
-          <a:stretch>
-            <a:fillRect/>
-          </a:stretch>
-        </p:blipFill>
-        <p:spPr bwMode="auto">
-          <a:xfrm>
-            <a:off x="2051720" y="3645024"/>
-            <a:ext cx="4886325" cy="2400300"/>
-          </a:xfrm>
-          <a:prstGeom prst="rect">
-            <a:avLst/>
-          </a:prstGeom>
-          <a:noFill/>
-          <a:ln w="9525">
-            <a:noFill/>
-            <a:miter lim="800000"/>
-            <a:headEnd/>
-            <a:tailEnd/>
-          </a:ln>
-        </p:spPr>
-      </p:pic>
+          <a:p>
+            <a:pPr algn="just"/>
+            <a:r>
+              <a:rPr lang="es-ES" dirty="0" smtClean="0"/>
+              <a:t>Para decodificar la información son necesarias técnicas avanzadas de procesamiento de señales.</a:t>
+            </a:r>
+          </a:p>
+          <a:p>
+            <a:pPr algn="just"/>
+            <a:endParaRPr lang="es-ES" dirty="0" smtClean="0"/>
+          </a:p>
+          <a:p>
+            <a:pPr algn="just"/>
+            <a:endParaRPr lang="es-ES" dirty="0" smtClean="0"/>
+          </a:p>
+          <a:p>
+            <a:pPr algn="just"/>
+            <a:endParaRPr lang="es-ES" dirty="0" smtClean="0"/>
+          </a:p>
+          <a:p>
+            <a:pPr algn="just"/>
+            <a:endParaRPr lang="es-ES" dirty="0" smtClean="0"/>
+          </a:p>
+        </p:txBody>
+      </p:sp>
     </p:spTree>
   </p:cSld>
   <p:clrMapOvr>
@@ -10280,15 +10206,7 @@
           <a:p>
             <a:r>
               <a:rPr lang="es-ES" dirty="0" smtClean="0"/>
-              <a:t>Echo </a:t>
-            </a:r>
-            <a:r>
-              <a:rPr lang="es-ES" dirty="0" err="1" smtClean="0"/>
-              <a:t>hiding</a:t>
-            </a:r>
-            <a:r>
-              <a:rPr lang="es-ES" dirty="0" smtClean="0"/>
-              <a:t>: Implementación(II)</a:t>
+              <a:t>Conclusiones</a:t>
             </a:r>
             <a:endParaRPr lang="es-ES" dirty="0"/>
           </a:p>
@@ -10318,7 +10236,14 @@
             <a:pPr algn="just"/>
             <a:r>
               <a:rPr lang="es-ES" dirty="0" smtClean="0"/>
-              <a:t>Señal menos abrupta.</a:t>
+              <a:t>Diferentes métodos.</a:t>
+            </a:r>
+          </a:p>
+          <a:p>
+            <a:pPr lvl="1" algn="just"/>
+            <a:r>
+              <a:rPr lang="es-ES" dirty="0" smtClean="0"/>
+              <a:t>Distintos requisitos.</a:t>
             </a:r>
           </a:p>
           <a:p>
@@ -10327,7 +10252,10 @@
           </a:p>
           <a:p>
             <a:pPr algn="just"/>
-            <a:endParaRPr lang="es-ES" dirty="0" smtClean="0"/>
+            <a:r>
+              <a:rPr lang="es-ES" dirty="0" smtClean="0"/>
+              <a:t>Elegir el que mejor se adapte a la situación.</a:t>
+            </a:r>
           </a:p>
           <a:p>
             <a:pPr algn="just"/>
@@ -10335,42 +10263,25 @@
           </a:p>
           <a:p>
             <a:pPr algn="just"/>
+            <a:r>
+              <a:rPr lang="es-ES" dirty="0" smtClean="0"/>
+              <a:t>Decidir si conviene  combinar  con  criptografía.</a:t>
+            </a:r>
+          </a:p>
+          <a:p>
+            <a:pPr algn="just"/>
             <a:endParaRPr lang="es-ES" dirty="0" smtClean="0"/>
           </a:p>
-        </p:txBody>
-      </p:sp>
-      <p:pic>
-        <p:nvPicPr>
-          <p:cNvPr id="4098" name="Picture 2"/>
-          <p:cNvPicPr>
-            <a:picLocks noChangeAspect="1" noChangeArrowheads="1"/>
-          </p:cNvPicPr>
-          <p:nvPr/>
-        </p:nvPicPr>
-        <p:blipFill>
-          <a:blip r:embed="rId2" cstate="print"/>
-          <a:srcRect/>
-          <a:stretch>
-            <a:fillRect/>
-          </a:stretch>
-        </p:blipFill>
-        <p:spPr bwMode="auto">
-          <a:xfrm>
-            <a:off x="1763688" y="3212976"/>
-            <a:ext cx="5665423" cy="2880320"/>
-          </a:xfrm>
-          <a:prstGeom prst="rect">
-            <a:avLst/>
-          </a:prstGeom>
-          <a:noFill/>
-          <a:ln w="9525">
-            <a:noFill/>
-            <a:miter lim="800000"/>
-            <a:headEnd/>
-            <a:tailEnd/>
-          </a:ln>
-        </p:spPr>
-      </p:pic>
+          <a:p>
+            <a:pPr algn="just"/>
+            <a:endParaRPr lang="es-ES" dirty="0" smtClean="0"/>
+          </a:p>
+          <a:p>
+            <a:pPr algn="just"/>
+            <a:endParaRPr lang="es-ES" dirty="0" smtClean="0"/>
+          </a:p>
+        </p:txBody>
+      </p:sp>
     </p:spTree>
   </p:cSld>
   <p:clrMapOvr>
@@ -10533,34 +10444,106 @@
           <a:p>
             <a:r>
               <a:rPr lang="es-ES" dirty="0" smtClean="0"/>
-              <a:t>Echo </a:t>
+              <a:t>Bibliografía</a:t>
+            </a:r>
+            <a:endParaRPr lang="es-ES" dirty="0"/>
+          </a:p>
+        </p:txBody>
+      </p:sp>
+      <p:sp>
+        <p:nvSpPr>
+          <p:cNvPr id="3" name="2 Marcador de contenido"/>
+          <p:cNvSpPr>
+            <a:spLocks noGrp="1"/>
+          </p:cNvSpPr>
+          <p:nvPr>
+            <p:ph idx="1"/>
+          </p:nvPr>
+        </p:nvSpPr>
+        <p:spPr/>
+        <p:txBody>
+          <a:bodyPr>
+            <a:normAutofit fontScale="92500"/>
+          </a:bodyPr>
+          <a:lstStyle/>
+          <a:p>
+            <a:pPr algn="just">
+              <a:buNone/>
+            </a:pPr>
+            <a:endParaRPr lang="es-ES" dirty="0" smtClean="0"/>
+          </a:p>
+          <a:p>
+            <a:pPr algn="just"/>
+            <a:r>
+              <a:rPr lang="es-ES" dirty="0" smtClean="0"/>
+              <a:t> </a:t>
             </a:r>
             <a:r>
               <a:rPr lang="es-ES" dirty="0" err="1" smtClean="0"/>
-              <a:t>hiding</a:t>
-            </a:r>
-            <a:r>
-              <a:rPr lang="es-ES" dirty="0" smtClean="0"/>
-              <a:t>: Resumen</a:t>
-            </a:r>
-            <a:endParaRPr lang="es-ES" dirty="0"/>
-          </a:p>
-        </p:txBody>
-      </p:sp>
-      <p:sp>
-        <p:nvSpPr>
-          <p:cNvPr id="3" name="2 Marcador de contenido"/>
-          <p:cNvSpPr>
-            <a:spLocks noGrp="1"/>
-          </p:cNvSpPr>
-          <p:nvPr>
-            <p:ph idx="1"/>
-          </p:nvPr>
-        </p:nvSpPr>
-        <p:spPr/>
-        <p:txBody>
-          <a:bodyPr/>
-          <a:lstStyle/>
+              <a:t>Cvejic</a:t>
+            </a:r>
+            <a:r>
+              <a:rPr lang="es-ES" dirty="0" smtClean="0"/>
+              <a:t>, </a:t>
+            </a:r>
+            <a:r>
+              <a:rPr lang="es-ES" dirty="0" err="1" smtClean="0"/>
+              <a:t>Nedeljko</a:t>
+            </a:r>
+            <a:r>
+              <a:rPr lang="es-ES" dirty="0" smtClean="0"/>
+              <a:t> (2004). </a:t>
+            </a:r>
+            <a:r>
+              <a:rPr lang="es-ES" dirty="0" err="1" smtClean="0"/>
+              <a:t>Algorithms</a:t>
+            </a:r>
+            <a:r>
+              <a:rPr lang="es-ES" dirty="0" smtClean="0"/>
+              <a:t> </a:t>
+            </a:r>
+            <a:r>
+              <a:rPr lang="es-ES" dirty="0" err="1" smtClean="0"/>
+              <a:t>for</a:t>
+            </a:r>
+            <a:r>
+              <a:rPr lang="es-ES" dirty="0" smtClean="0"/>
+              <a:t> audio </a:t>
+            </a:r>
+            <a:r>
+              <a:rPr lang="es-ES" dirty="0" err="1" smtClean="0"/>
+              <a:t>watermarking</a:t>
+            </a:r>
+            <a:r>
+              <a:rPr lang="es-ES" dirty="0" smtClean="0"/>
+              <a:t> and </a:t>
+            </a:r>
+            <a:r>
+              <a:rPr lang="es-ES" dirty="0" err="1" smtClean="0"/>
+              <a:t>steganography</a:t>
+            </a:r>
+            <a:r>
+              <a:rPr lang="es-ES" dirty="0" smtClean="0"/>
+              <a:t>. Oulu </a:t>
+            </a:r>
+            <a:r>
+              <a:rPr lang="es-ES" dirty="0" err="1" smtClean="0"/>
+              <a:t>University</a:t>
+            </a:r>
+            <a:r>
+              <a:rPr lang="es-ES" dirty="0" smtClean="0"/>
+              <a:t> </a:t>
+            </a:r>
+            <a:r>
+              <a:rPr lang="es-ES" dirty="0" err="1" smtClean="0"/>
+              <a:t>Press</a:t>
+            </a:r>
+            <a:r>
+              <a:rPr lang="es-ES" smtClean="0"/>
+              <a:t>. </a:t>
+            </a:r>
+            <a:endParaRPr lang="es-ES" dirty="0" smtClean="0"/>
+          </a:p>
           <a:p>
             <a:pPr algn="just"/>
             <a:endParaRPr lang="es-ES" dirty="0" smtClean="0"/>
@@ -10569,7 +10552,23 @@
             <a:pPr algn="just"/>
             <a:r>
               <a:rPr lang="es-ES" dirty="0" smtClean="0"/>
-              <a:t>Tasa de transmisión de datos alta.</a:t>
+              <a:t>Gibson, Tyler (2003). </a:t>
+            </a:r>
+            <a:r>
+              <a:rPr lang="es-ES" dirty="0" err="1" smtClean="0"/>
+              <a:t>Methods</a:t>
+            </a:r>
+            <a:r>
+              <a:rPr lang="es-ES" dirty="0" smtClean="0"/>
+              <a:t> of audio </a:t>
+            </a:r>
+            <a:r>
+              <a:rPr lang="es-ES" dirty="0" err="1" smtClean="0"/>
+              <a:t>steganography</a:t>
+            </a:r>
+            <a:r>
+              <a:rPr lang="es-ES" dirty="0" smtClean="0"/>
+              <a:t>.</a:t>
             </a:r>
           </a:p>
           <a:p>
@@ -10580,7 +10579,23 @@
             <a:pPr algn="just"/>
             <a:r>
               <a:rPr lang="es-ES" dirty="0" smtClean="0"/>
-              <a:t>Elevada robustez.</a:t>
+              <a:t>John, </a:t>
+            </a:r>
+            <a:r>
+              <a:rPr lang="es-ES" dirty="0" err="1" smtClean="0"/>
+              <a:t>Corinna</a:t>
+            </a:r>
+            <a:r>
+              <a:rPr lang="es-ES" dirty="0" smtClean="0"/>
+              <a:t> (2004). </a:t>
+            </a:r>
+            <a:r>
+              <a:rPr lang="es-ES" dirty="0" err="1" smtClean="0"/>
+              <a:t>Hiding</a:t>
+            </a:r>
+            <a:r>
+              <a:rPr lang="es-ES" dirty="0" smtClean="0"/>
+              <a:t> Data in Wave Audio Files.</a:t>
             </a:r>
           </a:p>
           <a:p>
@@ -10591,20 +10606,28 @@
             <a:pPr algn="just"/>
             <a:r>
               <a:rPr lang="es-ES" dirty="0" smtClean="0"/>
-              <a:t>Para decodificar la información son necesarias técnicas avanzadas de procesamiento de señales.</a:t>
+              <a:t>Wilson, Scott (2003). WAVE PCM </a:t>
+            </a:r>
+            <a:r>
+              <a:rPr lang="es-ES" dirty="0" err="1" smtClean="0"/>
+              <a:t>soundﬁle</a:t>
+            </a:r>
+            <a:r>
+              <a:rPr lang="es-ES" dirty="0" smtClean="0"/>
+              <a:t> </a:t>
+            </a:r>
+            <a:r>
+              <a:rPr lang="es-ES" dirty="0" err="1" smtClean="0"/>
+              <a:t>format</a:t>
+            </a:r>
+            <a:r>
+              <a:rPr lang="es-ES" dirty="0" smtClean="0"/>
+              <a:t>.</a:t>
             </a:r>
           </a:p>
           <a:p>
             <a:pPr algn="just"/>
-            <a:endParaRPr lang="es-ES" dirty="0" smtClean="0"/>
-          </a:p>
-          <a:p>
-            <a:pPr algn="just"/>
-            <a:endParaRPr lang="es-ES" dirty="0" smtClean="0"/>
-          </a:p>
-          <a:p>
-            <a:pPr algn="just"/>
-            <a:endParaRPr lang="es-ES" dirty="0" smtClean="0"/>
+            <a:endParaRPr lang="es-ES" u="sng" dirty="0" smtClean="0"/>
           </a:p>
           <a:p>
             <a:pPr algn="just"/>
@@ -10628,383 +10651,6 @@
 </file>
 
 <file path=ppt/slides/slide51.xml><?xml version="1.0" encoding="utf-8"?>
-<p:sld xmlns:a="http://schemas.openxmlformats.org/drawingml/2006/main" xmlns:r="http://schemas.openxmlformats.org/officeDocument/2006/relationships" xmlns:p="http://schemas.openxmlformats.org/presentationml/2006/main">
-  <p:cSld>
-    <p:spTree>
-      <p:nvGrpSpPr>
-        <p:cNvPr id="1" name=""/>
-        <p:cNvGrpSpPr/>
-        <p:nvPr/>
-      </p:nvGrpSpPr>
-      <p:grpSpPr>
-        <a:xfrm>
-          <a:off x="0" y="0"/>
-          <a:ext cx="0" cy="0"/>
-          <a:chOff x="0" y="0"/>
-          <a:chExt cx="0" cy="0"/>
-        </a:xfrm>
-      </p:grpSpPr>
-      <p:sp>
-        <p:nvSpPr>
-          <p:cNvPr id="2" name="1 Título"/>
-          <p:cNvSpPr>
-            <a:spLocks noGrp="1"/>
-          </p:cNvSpPr>
-          <p:nvPr>
-            <p:ph type="title"/>
-          </p:nvPr>
-        </p:nvSpPr>
-        <p:spPr/>
-        <p:txBody>
-          <a:bodyPr/>
-          <a:lstStyle/>
-          <a:p>
-            <a:r>
-              <a:rPr lang="es-ES" dirty="0" smtClean="0"/>
-              <a:t>Conclusiones</a:t>
-            </a:r>
-            <a:endParaRPr lang="es-ES" dirty="0"/>
-          </a:p>
-        </p:txBody>
-      </p:sp>
-      <p:sp>
-        <p:nvSpPr>
-          <p:cNvPr id="3" name="2 Marcador de contenido"/>
-          <p:cNvSpPr>
-            <a:spLocks noGrp="1"/>
-          </p:cNvSpPr>
-          <p:nvPr>
-            <p:ph idx="1"/>
-          </p:nvPr>
-        </p:nvSpPr>
-        <p:spPr/>
-        <p:txBody>
-          <a:bodyPr/>
-          <a:lstStyle/>
-          <a:p>
-            <a:pPr algn="just">
-              <a:buNone/>
-            </a:pPr>
-            <a:endParaRPr lang="es-ES" dirty="0" smtClean="0"/>
-          </a:p>
-          <a:p>
-            <a:pPr algn="just"/>
-            <a:r>
-              <a:rPr lang="es-ES" dirty="0" smtClean="0"/>
-              <a:t>Diferentes métodos.</a:t>
-            </a:r>
-          </a:p>
-          <a:p>
-            <a:pPr lvl="1" algn="just"/>
-            <a:r>
-              <a:rPr lang="es-ES" dirty="0" smtClean="0"/>
-              <a:t>Distintos requisitos.</a:t>
-            </a:r>
-          </a:p>
-          <a:p>
-            <a:pPr algn="just"/>
-            <a:endParaRPr lang="es-ES" dirty="0" smtClean="0"/>
-          </a:p>
-          <a:p>
-            <a:pPr algn="just"/>
-            <a:r>
-              <a:rPr lang="es-ES" dirty="0" smtClean="0"/>
-              <a:t>Elegir el que mejor se adapte a la situación.</a:t>
-            </a:r>
-          </a:p>
-          <a:p>
-            <a:pPr algn="just"/>
-            <a:endParaRPr lang="es-ES" dirty="0" smtClean="0"/>
-          </a:p>
-          <a:p>
-            <a:pPr algn="just"/>
-            <a:r>
-              <a:rPr lang="es-ES" dirty="0" smtClean="0"/>
-              <a:t>Decidir si conviene  combinar  con  criptografía.</a:t>
-            </a:r>
-          </a:p>
-          <a:p>
-            <a:pPr algn="just"/>
-            <a:endParaRPr lang="es-ES" dirty="0" smtClean="0"/>
-          </a:p>
-          <a:p>
-            <a:pPr algn="just"/>
-            <a:endParaRPr lang="es-ES" dirty="0" smtClean="0"/>
-          </a:p>
-          <a:p>
-            <a:pPr algn="just"/>
-            <a:endParaRPr lang="es-ES" dirty="0" smtClean="0"/>
-          </a:p>
-        </p:txBody>
-      </p:sp>
-    </p:spTree>
-  </p:cSld>
-  <p:clrMapOvr>
-    <a:masterClrMapping/>
-  </p:clrMapOvr>
-  <p:timing>
-    <p:tnLst>
-      <p:par>
-        <p:cTn id="1" dur="indefinite" restart="never" nodeType="tmRoot"/>
-      </p:par>
-    </p:tnLst>
-  </p:timing>
-</p:sld>
-</file>
-
-<file path=ppt/slides/slide52.xml><?xml version="1.0" encoding="utf-8"?>
-<p:sld xmlns:a="http://schemas.openxmlformats.org/drawingml/2006/main" xmlns:r="http://schemas.openxmlformats.org/officeDocument/2006/relationships" xmlns:p="http://schemas.openxmlformats.org/presentationml/2006/main">
-  <p:cSld>
-    <p:spTree>
-      <p:nvGrpSpPr>
-        <p:cNvPr id="1" name=""/>
-        <p:cNvGrpSpPr/>
-        <p:nvPr/>
-      </p:nvGrpSpPr>
-      <p:grpSpPr>
-        <a:xfrm>
-          <a:off x="0" y="0"/>
-          <a:ext cx="0" cy="0"/>
-          <a:chOff x="0" y="0"/>
-          <a:chExt cx="0" cy="0"/>
-        </a:xfrm>
-      </p:grpSpPr>
-      <p:sp>
-        <p:nvSpPr>
-          <p:cNvPr id="2" name="1 Título"/>
-          <p:cNvSpPr>
-            <a:spLocks noGrp="1"/>
-          </p:cNvSpPr>
-          <p:nvPr>
-            <p:ph type="title"/>
-          </p:nvPr>
-        </p:nvSpPr>
-        <p:spPr/>
-        <p:txBody>
-          <a:bodyPr/>
-          <a:lstStyle/>
-          <a:p>
-            <a:r>
-              <a:rPr lang="es-ES" dirty="0" smtClean="0"/>
-              <a:t>Bibliografía</a:t>
-            </a:r>
-            <a:endParaRPr lang="es-ES" dirty="0"/>
-          </a:p>
-        </p:txBody>
-      </p:sp>
-      <p:sp>
-        <p:nvSpPr>
-          <p:cNvPr id="3" name="2 Marcador de contenido"/>
-          <p:cNvSpPr>
-            <a:spLocks noGrp="1"/>
-          </p:cNvSpPr>
-          <p:nvPr>
-            <p:ph idx="1"/>
-          </p:nvPr>
-        </p:nvSpPr>
-        <p:spPr/>
-        <p:txBody>
-          <a:bodyPr>
-            <a:normAutofit fontScale="92500"/>
-          </a:bodyPr>
-          <a:lstStyle/>
-          <a:p>
-            <a:pPr algn="just">
-              <a:buNone/>
-            </a:pPr>
-            <a:endParaRPr lang="es-ES" dirty="0" smtClean="0"/>
-          </a:p>
-          <a:p>
-            <a:pPr algn="just"/>
-            <a:r>
-              <a:rPr lang="es-ES" dirty="0" smtClean="0"/>
-              <a:t> </a:t>
-            </a:r>
-            <a:r>
-              <a:rPr lang="es-ES" dirty="0" err="1" smtClean="0"/>
-              <a:t>Cvejic</a:t>
-            </a:r>
-            <a:r>
-              <a:rPr lang="es-ES" dirty="0" smtClean="0"/>
-              <a:t>, </a:t>
-            </a:r>
-            <a:r>
-              <a:rPr lang="es-ES" dirty="0" err="1" smtClean="0"/>
-              <a:t>Nedeljko</a:t>
-            </a:r>
-            <a:r>
-              <a:rPr lang="es-ES" dirty="0" smtClean="0"/>
-              <a:t> (2004). </a:t>
-            </a:r>
-            <a:r>
-              <a:rPr lang="es-ES" dirty="0" err="1" smtClean="0"/>
-              <a:t>Algorithms</a:t>
-            </a:r>
-            <a:r>
-              <a:rPr lang="es-ES" dirty="0" smtClean="0"/>
-              <a:t> </a:t>
-            </a:r>
-            <a:r>
-              <a:rPr lang="es-ES" dirty="0" err="1" smtClean="0"/>
-              <a:t>for</a:t>
-            </a:r>
-            <a:r>
-              <a:rPr lang="es-ES" dirty="0" smtClean="0"/>
-              <a:t> audio </a:t>
-            </a:r>
-            <a:r>
-              <a:rPr lang="es-ES" dirty="0" err="1" smtClean="0"/>
-              <a:t>watermarking</a:t>
-            </a:r>
-            <a:r>
-              <a:rPr lang="es-ES" dirty="0" smtClean="0"/>
-              <a:t> and </a:t>
-            </a:r>
-            <a:r>
-              <a:rPr lang="es-ES" dirty="0" err="1" smtClean="0"/>
-              <a:t>steganography</a:t>
-            </a:r>
-            <a:r>
-              <a:rPr lang="es-ES" dirty="0" smtClean="0"/>
-              <a:t>. Oulu </a:t>
-            </a:r>
-            <a:r>
-              <a:rPr lang="es-ES" dirty="0" err="1" smtClean="0"/>
-              <a:t>University</a:t>
-            </a:r>
-            <a:r>
-              <a:rPr lang="es-ES" dirty="0" smtClean="0"/>
-              <a:t> </a:t>
-            </a:r>
-            <a:r>
-              <a:rPr lang="es-ES" dirty="0" err="1" smtClean="0"/>
-              <a:t>Press</a:t>
-            </a:r>
-            <a:r>
-              <a:rPr lang="es-ES" smtClean="0"/>
-              <a:t>. </a:t>
-            </a:r>
-            <a:endParaRPr lang="es-ES" dirty="0" smtClean="0"/>
-          </a:p>
-          <a:p>
-            <a:pPr algn="just"/>
-            <a:endParaRPr lang="es-ES" dirty="0" smtClean="0"/>
-          </a:p>
-          <a:p>
-            <a:pPr algn="just"/>
-            <a:r>
-              <a:rPr lang="es-ES" dirty="0" smtClean="0"/>
-              <a:t>Gibson</a:t>
-            </a:r>
-            <a:r>
-              <a:rPr lang="es-ES" dirty="0" smtClean="0"/>
-              <a:t>, Tyler (2003). </a:t>
-            </a:r>
-            <a:r>
-              <a:rPr lang="es-ES" dirty="0" err="1" smtClean="0"/>
-              <a:t>Methods</a:t>
-            </a:r>
-            <a:r>
-              <a:rPr lang="es-ES" dirty="0" smtClean="0"/>
-              <a:t> of audio </a:t>
-            </a:r>
-            <a:r>
-              <a:rPr lang="es-ES" dirty="0" err="1" smtClean="0"/>
-              <a:t>steganography</a:t>
-            </a:r>
-            <a:r>
-              <a:rPr lang="es-ES" dirty="0" smtClean="0"/>
-              <a:t>.</a:t>
-            </a:r>
-          </a:p>
-          <a:p>
-            <a:pPr algn="just"/>
-            <a:endParaRPr lang="es-ES" dirty="0" smtClean="0"/>
-          </a:p>
-          <a:p>
-            <a:pPr algn="just"/>
-            <a:r>
-              <a:rPr lang="es-ES" dirty="0" smtClean="0"/>
-              <a:t>John</a:t>
-            </a:r>
-            <a:r>
-              <a:rPr lang="es-ES" dirty="0" smtClean="0"/>
-              <a:t>, </a:t>
-            </a:r>
-            <a:r>
-              <a:rPr lang="es-ES" dirty="0" err="1" smtClean="0"/>
-              <a:t>Corinna</a:t>
-            </a:r>
-            <a:r>
-              <a:rPr lang="es-ES" dirty="0" smtClean="0"/>
-              <a:t> (2004). </a:t>
-            </a:r>
-            <a:r>
-              <a:rPr lang="es-ES" dirty="0" err="1" smtClean="0"/>
-              <a:t>Hiding</a:t>
-            </a:r>
-            <a:r>
-              <a:rPr lang="es-ES" dirty="0" smtClean="0"/>
-              <a:t> Data in Wave Audio Files.</a:t>
-            </a:r>
-          </a:p>
-          <a:p>
-            <a:pPr algn="just"/>
-            <a:endParaRPr lang="es-ES" dirty="0" smtClean="0"/>
-          </a:p>
-          <a:p>
-            <a:pPr algn="just"/>
-            <a:r>
-              <a:rPr lang="es-ES" dirty="0" smtClean="0"/>
-              <a:t>Wilson</a:t>
-            </a:r>
-            <a:r>
-              <a:rPr lang="es-ES" dirty="0" smtClean="0"/>
-              <a:t>, Scott (2003). WAVE PCM </a:t>
-            </a:r>
-            <a:r>
-              <a:rPr lang="es-ES" dirty="0" err="1" smtClean="0"/>
-              <a:t>soundﬁle</a:t>
-            </a:r>
-            <a:r>
-              <a:rPr lang="es-ES" dirty="0" smtClean="0"/>
-              <a:t> </a:t>
-            </a:r>
-            <a:r>
-              <a:rPr lang="es-ES" dirty="0" err="1" smtClean="0"/>
-              <a:t>format</a:t>
-            </a:r>
-            <a:r>
-              <a:rPr lang="es-ES" dirty="0" smtClean="0"/>
-              <a:t>.</a:t>
-            </a:r>
-          </a:p>
-          <a:p>
-            <a:pPr algn="just"/>
-            <a:endParaRPr lang="es-ES" u="sng" dirty="0" smtClean="0"/>
-          </a:p>
-          <a:p>
-            <a:pPr algn="just"/>
-            <a:endParaRPr lang="es-ES" dirty="0" smtClean="0"/>
-          </a:p>
-        </p:txBody>
-      </p:sp>
-    </p:spTree>
-  </p:cSld>
-  <p:clrMapOvr>
-    <a:masterClrMapping/>
-  </p:clrMapOvr>
-  <p:timing>
-    <p:tnLst>
-      <p:par>
-        <p:cTn id="1" dur="indefinite" restart="never" nodeType="tmRoot"/>
-      </p:par>
-    </p:tnLst>
-  </p:timing>
-</p:sld>
-</file>
-
-<file path=ppt/slides/slide53.xml><?xml version="1.0" encoding="utf-8"?>
 <p:sld xmlns:a="http://schemas.openxmlformats.org/drawingml/2006/main" xmlns:r="http://schemas.openxmlformats.org/officeDocument/2006/relationships" xmlns:p="http://schemas.openxmlformats.org/presentationml/2006/main">
   <p:cSld>
     <p:spTree>
